--- a/docs/SBN_Design.pptx
+++ b/docs/SBN_Design.pptx
@@ -5,28 +5,29 @@
     <p:sldMasterId id="2147483649" r:id="rId1"/>
   </p:sldMasterIdLst>
   <p:notesMasterIdLst>
-    <p:notesMasterId r:id="rId18"/>
+    <p:notesMasterId r:id="rId19"/>
   </p:notesMasterIdLst>
   <p:handoutMasterIdLst>
-    <p:handoutMasterId r:id="rId19"/>
+    <p:handoutMasterId r:id="rId20"/>
   </p:handoutMasterIdLst>
   <p:sldIdLst>
     <p:sldId id="437" r:id="rId2"/>
     <p:sldId id="404" r:id="rId3"/>
-    <p:sldId id="467" r:id="rId4"/>
-    <p:sldId id="462" r:id="rId5"/>
-    <p:sldId id="463" r:id="rId6"/>
-    <p:sldId id="468" r:id="rId7"/>
-    <p:sldId id="469" r:id="rId8"/>
-    <p:sldId id="473" r:id="rId9"/>
-    <p:sldId id="476" r:id="rId10"/>
-    <p:sldId id="475" r:id="rId11"/>
-    <p:sldId id="474" r:id="rId12"/>
-    <p:sldId id="409" r:id="rId13"/>
-    <p:sldId id="449" r:id="rId14"/>
-    <p:sldId id="470" r:id="rId15"/>
-    <p:sldId id="471" r:id="rId16"/>
-    <p:sldId id="408" r:id="rId17"/>
+    <p:sldId id="477" r:id="rId4"/>
+    <p:sldId id="467" r:id="rId5"/>
+    <p:sldId id="462" r:id="rId6"/>
+    <p:sldId id="463" r:id="rId7"/>
+    <p:sldId id="468" r:id="rId8"/>
+    <p:sldId id="469" r:id="rId9"/>
+    <p:sldId id="473" r:id="rId10"/>
+    <p:sldId id="476" r:id="rId11"/>
+    <p:sldId id="475" r:id="rId12"/>
+    <p:sldId id="474" r:id="rId13"/>
+    <p:sldId id="409" r:id="rId14"/>
+    <p:sldId id="449" r:id="rId15"/>
+    <p:sldId id="470" r:id="rId16"/>
+    <p:sldId id="471" r:id="rId17"/>
+    <p:sldId id="408" r:id="rId18"/>
   </p:sldIdLst>
   <p:sldSz cx="9144000" cy="6858000" type="screen4x3"/>
   <p:notesSz cx="6858000" cy="9144000"/>
@@ -1652,6 +1653,260 @@
       </p:grpSpPr>
       <p:sp>
         <p:nvSpPr>
+          <p:cNvPr id="35841" name="Rectangle 6"/>
+          <p:cNvSpPr txBox="1">
+            <a:spLocks noGrp="1" noChangeArrowheads="1"/>
+          </p:cNvSpPr>
+          <p:nvPr/>
+        </p:nvSpPr>
+        <p:spPr bwMode="auto">
+          <a:xfrm>
+            <a:off x="0" y="8685213"/>
+            <a:ext cx="2971800" cy="457200"/>
+          </a:xfrm>
+          <a:prstGeom prst="rect">
+            <a:avLst/>
+          </a:prstGeom>
+          <a:noFill/>
+          <a:ln>
+            <a:noFill/>
+          </a:ln>
+          <a:extLst>
+            <a:ext uri="{909E8E84-426E-40dd-AFC4-6F175D3DCCD1}">
+              <a14:hiddenFill xmlns:a14="http://schemas.microsoft.com/office/drawing/2010/main">
+                <a:solidFill>
+                  <a:srgbClr val="FFFFFF"/>
+                </a:solidFill>
+              </a14:hiddenFill>
+            </a:ext>
+            <a:ext uri="{91240B29-F687-4f45-9708-019B960494DF}">
+              <a14:hiddenLine xmlns:a14="http://schemas.microsoft.com/office/drawing/2010/main" w="9525">
+                <a:solidFill>
+                  <a:srgbClr val="000000"/>
+                </a:solidFill>
+                <a:miter lim="800000"/>
+                <a:headEnd/>
+                <a:tailEnd/>
+              </a14:hiddenLine>
+            </a:ext>
+          </a:extLst>
+        </p:spPr>
+        <p:txBody>
+          <a:bodyPr anchor="b"/>
+          <a:lstStyle>
+            <a:lvl1pPr eaLnBrk="0" hangingPunct="0">
+              <a:defRPr sz="2400">
+                <a:solidFill>
+                  <a:schemeClr val="tx1"/>
+                </a:solidFill>
+                <a:latin typeface="Arial" charset="0"/>
+                <a:ea typeface="ヒラギノ角ゴ Pro W3" charset="0"/>
+                <a:cs typeface="ヒラギノ角ゴ Pro W3" charset="0"/>
+              </a:defRPr>
+            </a:lvl1pPr>
+            <a:lvl2pPr marL="742950" indent="-285750" eaLnBrk="0" hangingPunct="0">
+              <a:defRPr sz="2400">
+                <a:solidFill>
+                  <a:schemeClr val="tx1"/>
+                </a:solidFill>
+                <a:latin typeface="Arial" charset="0"/>
+                <a:ea typeface="ヒラギノ角ゴ Pro W3" charset="0"/>
+                <a:cs typeface="ヒラギノ角ゴ Pro W3" charset="0"/>
+              </a:defRPr>
+            </a:lvl2pPr>
+            <a:lvl3pPr marL="1143000" indent="-228600" eaLnBrk="0" hangingPunct="0">
+              <a:defRPr sz="2400">
+                <a:solidFill>
+                  <a:schemeClr val="tx1"/>
+                </a:solidFill>
+                <a:latin typeface="Arial" charset="0"/>
+                <a:ea typeface="ヒラギノ角ゴ Pro W3" charset="0"/>
+                <a:cs typeface="ヒラギノ角ゴ Pro W3" charset="0"/>
+              </a:defRPr>
+            </a:lvl3pPr>
+            <a:lvl4pPr marL="1600200" indent="-228600" eaLnBrk="0" hangingPunct="0">
+              <a:defRPr sz="2400">
+                <a:solidFill>
+                  <a:schemeClr val="tx1"/>
+                </a:solidFill>
+                <a:latin typeface="Arial" charset="0"/>
+                <a:ea typeface="ヒラギノ角ゴ Pro W3" charset="0"/>
+                <a:cs typeface="ヒラギノ角ゴ Pro W3" charset="0"/>
+              </a:defRPr>
+            </a:lvl4pPr>
+            <a:lvl5pPr marL="2057400" indent="-228600" eaLnBrk="0" hangingPunct="0">
+              <a:defRPr sz="2400">
+                <a:solidFill>
+                  <a:schemeClr val="tx1"/>
+                </a:solidFill>
+                <a:latin typeface="Arial" charset="0"/>
+                <a:ea typeface="ヒラギノ角ゴ Pro W3" charset="0"/>
+                <a:cs typeface="ヒラギノ角ゴ Pro W3" charset="0"/>
+              </a:defRPr>
+            </a:lvl5pPr>
+            <a:lvl6pPr marL="2514600" indent="-228600" algn="ctr" eaLnBrk="0" fontAlgn="base" hangingPunct="0">
+              <a:spcBef>
+                <a:spcPct val="0"/>
+              </a:spcBef>
+              <a:spcAft>
+                <a:spcPct val="0"/>
+              </a:spcAft>
+              <a:defRPr sz="2400">
+                <a:solidFill>
+                  <a:schemeClr val="tx1"/>
+                </a:solidFill>
+                <a:latin typeface="Arial" charset="0"/>
+                <a:ea typeface="ヒラギノ角ゴ Pro W3" charset="0"/>
+                <a:cs typeface="ヒラギノ角ゴ Pro W3" charset="0"/>
+              </a:defRPr>
+            </a:lvl6pPr>
+            <a:lvl7pPr marL="2971800" indent="-228600" algn="ctr" eaLnBrk="0" fontAlgn="base" hangingPunct="0">
+              <a:spcBef>
+                <a:spcPct val="0"/>
+              </a:spcBef>
+              <a:spcAft>
+                <a:spcPct val="0"/>
+              </a:spcAft>
+              <a:defRPr sz="2400">
+                <a:solidFill>
+                  <a:schemeClr val="tx1"/>
+                </a:solidFill>
+                <a:latin typeface="Arial" charset="0"/>
+                <a:ea typeface="ヒラギノ角ゴ Pro W3" charset="0"/>
+                <a:cs typeface="ヒラギノ角ゴ Pro W3" charset="0"/>
+              </a:defRPr>
+            </a:lvl7pPr>
+            <a:lvl8pPr marL="3429000" indent="-228600" algn="ctr" eaLnBrk="0" fontAlgn="base" hangingPunct="0">
+              <a:spcBef>
+                <a:spcPct val="0"/>
+              </a:spcBef>
+              <a:spcAft>
+                <a:spcPct val="0"/>
+              </a:spcAft>
+              <a:defRPr sz="2400">
+                <a:solidFill>
+                  <a:schemeClr val="tx1"/>
+                </a:solidFill>
+                <a:latin typeface="Arial" charset="0"/>
+                <a:ea typeface="ヒラギノ角ゴ Pro W3" charset="0"/>
+                <a:cs typeface="ヒラギノ角ゴ Pro W3" charset="0"/>
+              </a:defRPr>
+            </a:lvl8pPr>
+            <a:lvl9pPr marL="3886200" indent="-228600" algn="ctr" eaLnBrk="0" fontAlgn="base" hangingPunct="0">
+              <a:spcBef>
+                <a:spcPct val="0"/>
+              </a:spcBef>
+              <a:spcAft>
+                <a:spcPct val="0"/>
+              </a:spcAft>
+              <a:defRPr sz="2400">
+                <a:solidFill>
+                  <a:schemeClr val="tx1"/>
+                </a:solidFill>
+                <a:latin typeface="Arial" charset="0"/>
+                <a:ea typeface="ヒラギノ角ゴ Pro W3" charset="0"/>
+                <a:cs typeface="ヒラギノ角ゴ Pro W3" charset="0"/>
+              </a:defRPr>
+            </a:lvl9pPr>
+          </a:lstStyle>
+          <a:p>
+            <a:pPr algn="l" eaLnBrk="1" hangingPunct="1"/>
+            <a:r>
+              <a:rPr lang="en-US" sz="1200"/>
+              <a:t>testnotes</a:t>
+            </a:r>
+          </a:p>
+        </p:txBody>
+      </p:sp>
+      <p:sp>
+        <p:nvSpPr>
+          <p:cNvPr id="35842" name="Rectangle 2"/>
+          <p:cNvSpPr>
+            <a:spLocks noGrp="1" noRot="1" noChangeAspect="1" noChangeArrowheads="1" noTextEdit="1"/>
+          </p:cNvSpPr>
+          <p:nvPr>
+            <p:ph type="sldImg"/>
+          </p:nvPr>
+        </p:nvSpPr>
+        <p:spPr>
+          <a:ln/>
+        </p:spPr>
+      </p:sp>
+      <p:sp>
+        <p:nvSpPr>
+          <p:cNvPr id="35843" name="Rectangle 3"/>
+          <p:cNvSpPr>
+            <a:spLocks noGrp="1" noChangeArrowheads="1"/>
+          </p:cNvSpPr>
+          <p:nvPr>
+            <p:ph type="body" idx="1"/>
+          </p:nvPr>
+        </p:nvSpPr>
+        <p:spPr>
+          <a:noFill/>
+          <a:ln/>
+          <a:extLst>
+            <a:ext uri="{909E8E84-426E-40dd-AFC4-6F175D3DCCD1}">
+              <a14:hiddenFill xmlns:a14="http://schemas.microsoft.com/office/drawing/2010/main">
+                <a:solidFill>
+                  <a:srgbClr val="FFFFFF"/>
+                </a:solidFill>
+              </a14:hiddenFill>
+            </a:ext>
+            <a:ext uri="{91240B29-F687-4f45-9708-019B960494DF}">
+              <a14:hiddenLine xmlns:a14="http://schemas.microsoft.com/office/drawing/2010/main" w="9525">
+                <a:solidFill>
+                  <a:srgbClr val="000000"/>
+                </a:solidFill>
+                <a:miter lim="800000"/>
+                <a:headEnd/>
+                <a:tailEnd/>
+              </a14:hiddenLine>
+            </a:ext>
+            <a:ext uri="{FAA26D3D-D897-4be2-8F04-BA451C77F1D7}">
+              <ma14:placeholderFlag xmlns:ma14="http://schemas.microsoft.com/office/mac/drawingml/2011/main" val="1"/>
+            </a:ext>
+          </a:extLst>
+        </p:spPr>
+        <p:txBody>
+          <a:bodyPr/>
+          <a:lstStyle/>
+          <a:p>
+            <a:pPr eaLnBrk="1" hangingPunct="1"/>
+            <a:endParaRPr lang="en-US">
+              <a:ea typeface="ヒラギノ角ゴ Pro W3" charset="0"/>
+              <a:cs typeface="ヒラギノ角ゴ Pro W3" charset="0"/>
+            </a:endParaRPr>
+          </a:p>
+        </p:txBody>
+      </p:sp>
+    </p:spTree>
+  </p:cSld>
+  <p:clrMapOvr>
+    <a:masterClrMapping/>
+  </p:clrMapOvr>
+</p:notes>
+</file>
+
+<file path=ppt/notesSlides/notesSlide13.xml><?xml version="1.0" encoding="utf-8"?>
+<p:notes xmlns:a="http://schemas.openxmlformats.org/drawingml/2006/main" xmlns:r="http://schemas.openxmlformats.org/officeDocument/2006/relationships" xmlns:p="http://schemas.openxmlformats.org/presentationml/2006/main">
+  <p:cSld>
+    <p:spTree>
+      <p:nvGrpSpPr>
+        <p:cNvPr id="1" name=""/>
+        <p:cNvGrpSpPr/>
+        <p:nvPr/>
+      </p:nvGrpSpPr>
+      <p:grpSpPr>
+        <a:xfrm>
+          <a:off x="0" y="0"/>
+          <a:ext cx="0" cy="0"/>
+          <a:chOff x="0" y="0"/>
+          <a:chExt cx="0" cy="0"/>
+        </a:xfrm>
+      </p:grpSpPr>
+      <p:sp>
+        <p:nvSpPr>
           <p:cNvPr id="41985" name="Rectangle 6"/>
           <p:cNvSpPr>
             <a:spLocks noGrp="1" noChangeArrowheads="1"/>
@@ -1899,6 +2154,253 @@
       </p:grpSpPr>
       <p:sp>
         <p:nvSpPr>
+          <p:cNvPr id="19457" name="Rectangle 6"/>
+          <p:cNvSpPr>
+            <a:spLocks noGrp="1" noChangeArrowheads="1"/>
+          </p:cNvSpPr>
+          <p:nvPr>
+            <p:ph type="ftr" sz="quarter" idx="4"/>
+          </p:nvPr>
+        </p:nvSpPr>
+        <p:spPr>
+          <a:noFill/>
+          <a:ln/>
+          <a:extLst>
+            <a:ext uri="{909E8E84-426E-40dd-AFC4-6F175D3DCCD1}">
+              <a14:hiddenFill xmlns:a14="http://schemas.microsoft.com/office/drawing/2010/main">
+                <a:solidFill>
+                  <a:srgbClr val="FFFFFF"/>
+                </a:solidFill>
+              </a14:hiddenFill>
+            </a:ext>
+            <a:ext uri="{91240B29-F687-4f45-9708-019B960494DF}">
+              <a14:hiddenLine xmlns:a14="http://schemas.microsoft.com/office/drawing/2010/main" w="9525">
+                <a:solidFill>
+                  <a:srgbClr val="000000"/>
+                </a:solidFill>
+                <a:miter lim="800000"/>
+                <a:headEnd/>
+                <a:tailEnd/>
+              </a14:hiddenLine>
+            </a:ext>
+          </a:extLst>
+        </p:spPr>
+        <p:txBody>
+          <a:bodyPr/>
+          <a:lstStyle>
+            <a:lvl1pPr eaLnBrk="0" hangingPunct="0">
+              <a:defRPr sz="2400">
+                <a:solidFill>
+                  <a:schemeClr val="tx1"/>
+                </a:solidFill>
+                <a:latin typeface="Arial" charset="0"/>
+                <a:ea typeface="ヒラギノ角ゴ Pro W3" charset="0"/>
+                <a:cs typeface="ヒラギノ角ゴ Pro W3" charset="0"/>
+              </a:defRPr>
+            </a:lvl1pPr>
+            <a:lvl2pPr marL="742950" indent="-285750" eaLnBrk="0" hangingPunct="0">
+              <a:defRPr sz="2400">
+                <a:solidFill>
+                  <a:schemeClr val="tx1"/>
+                </a:solidFill>
+                <a:latin typeface="Arial" charset="0"/>
+                <a:ea typeface="ヒラギノ角ゴ Pro W3" charset="0"/>
+                <a:cs typeface="ヒラギノ角ゴ Pro W3" charset="0"/>
+              </a:defRPr>
+            </a:lvl2pPr>
+            <a:lvl3pPr marL="1143000" indent="-228600" eaLnBrk="0" hangingPunct="0">
+              <a:defRPr sz="2400">
+                <a:solidFill>
+                  <a:schemeClr val="tx1"/>
+                </a:solidFill>
+                <a:latin typeface="Arial" charset="0"/>
+                <a:ea typeface="ヒラギノ角ゴ Pro W3" charset="0"/>
+                <a:cs typeface="ヒラギノ角ゴ Pro W3" charset="0"/>
+              </a:defRPr>
+            </a:lvl3pPr>
+            <a:lvl4pPr marL="1600200" indent="-228600" eaLnBrk="0" hangingPunct="0">
+              <a:defRPr sz="2400">
+                <a:solidFill>
+                  <a:schemeClr val="tx1"/>
+                </a:solidFill>
+                <a:latin typeface="Arial" charset="0"/>
+                <a:ea typeface="ヒラギノ角ゴ Pro W3" charset="0"/>
+                <a:cs typeface="ヒラギノ角ゴ Pro W3" charset="0"/>
+              </a:defRPr>
+            </a:lvl4pPr>
+            <a:lvl5pPr marL="2057400" indent="-228600" eaLnBrk="0" hangingPunct="0">
+              <a:defRPr sz="2400">
+                <a:solidFill>
+                  <a:schemeClr val="tx1"/>
+                </a:solidFill>
+                <a:latin typeface="Arial" charset="0"/>
+                <a:ea typeface="ヒラギノ角ゴ Pro W3" charset="0"/>
+                <a:cs typeface="ヒラギノ角ゴ Pro W3" charset="0"/>
+              </a:defRPr>
+            </a:lvl5pPr>
+            <a:lvl6pPr marL="2514600" indent="-228600" algn="ctr" eaLnBrk="0" fontAlgn="base" hangingPunct="0">
+              <a:spcBef>
+                <a:spcPct val="0"/>
+              </a:spcBef>
+              <a:spcAft>
+                <a:spcPct val="0"/>
+              </a:spcAft>
+              <a:defRPr sz="2400">
+                <a:solidFill>
+                  <a:schemeClr val="tx1"/>
+                </a:solidFill>
+                <a:latin typeface="Arial" charset="0"/>
+                <a:ea typeface="ヒラギノ角ゴ Pro W3" charset="0"/>
+                <a:cs typeface="ヒラギノ角ゴ Pro W3" charset="0"/>
+              </a:defRPr>
+            </a:lvl6pPr>
+            <a:lvl7pPr marL="2971800" indent="-228600" algn="ctr" eaLnBrk="0" fontAlgn="base" hangingPunct="0">
+              <a:spcBef>
+                <a:spcPct val="0"/>
+              </a:spcBef>
+              <a:spcAft>
+                <a:spcPct val="0"/>
+              </a:spcAft>
+              <a:defRPr sz="2400">
+                <a:solidFill>
+                  <a:schemeClr val="tx1"/>
+                </a:solidFill>
+                <a:latin typeface="Arial" charset="0"/>
+                <a:ea typeface="ヒラギノ角ゴ Pro W3" charset="0"/>
+                <a:cs typeface="ヒラギノ角ゴ Pro W3" charset="0"/>
+              </a:defRPr>
+            </a:lvl7pPr>
+            <a:lvl8pPr marL="3429000" indent="-228600" algn="ctr" eaLnBrk="0" fontAlgn="base" hangingPunct="0">
+              <a:spcBef>
+                <a:spcPct val="0"/>
+              </a:spcBef>
+              <a:spcAft>
+                <a:spcPct val="0"/>
+              </a:spcAft>
+              <a:defRPr sz="2400">
+                <a:solidFill>
+                  <a:schemeClr val="tx1"/>
+                </a:solidFill>
+                <a:latin typeface="Arial" charset="0"/>
+                <a:ea typeface="ヒラギノ角ゴ Pro W3" charset="0"/>
+                <a:cs typeface="ヒラギノ角ゴ Pro W3" charset="0"/>
+              </a:defRPr>
+            </a:lvl8pPr>
+            <a:lvl9pPr marL="3886200" indent="-228600" algn="ctr" eaLnBrk="0" fontAlgn="base" hangingPunct="0">
+              <a:spcBef>
+                <a:spcPct val="0"/>
+              </a:spcBef>
+              <a:spcAft>
+                <a:spcPct val="0"/>
+              </a:spcAft>
+              <a:defRPr sz="2400">
+                <a:solidFill>
+                  <a:schemeClr val="tx1"/>
+                </a:solidFill>
+                <a:latin typeface="Arial" charset="0"/>
+                <a:ea typeface="ヒラギノ角ゴ Pro W3" charset="0"/>
+                <a:cs typeface="ヒラギノ角ゴ Pro W3" charset="0"/>
+              </a:defRPr>
+            </a:lvl9pPr>
+          </a:lstStyle>
+          <a:p>
+            <a:pPr eaLnBrk="1" hangingPunct="1"/>
+            <a:r>
+              <a:rPr lang="en-US" sz="1200"/>
+              <a:t>testnotes</a:t>
+            </a:r>
+          </a:p>
+        </p:txBody>
+      </p:sp>
+      <p:sp>
+        <p:nvSpPr>
+          <p:cNvPr id="19458" name="Rectangle 2"/>
+          <p:cNvSpPr>
+            <a:spLocks noGrp="1" noRot="1" noChangeAspect="1" noChangeArrowheads="1" noTextEdit="1"/>
+          </p:cNvSpPr>
+          <p:nvPr>
+            <p:ph type="sldImg"/>
+          </p:nvPr>
+        </p:nvSpPr>
+        <p:spPr>
+          <a:ln/>
+        </p:spPr>
+      </p:sp>
+      <p:sp>
+        <p:nvSpPr>
+          <p:cNvPr id="19459" name="Rectangle 3"/>
+          <p:cNvSpPr>
+            <a:spLocks noGrp="1" noChangeArrowheads="1"/>
+          </p:cNvSpPr>
+          <p:nvPr>
+            <p:ph type="body" idx="1"/>
+          </p:nvPr>
+        </p:nvSpPr>
+        <p:spPr>
+          <a:noFill/>
+          <a:ln/>
+          <a:extLst>
+            <a:ext uri="{909E8E84-426E-40dd-AFC4-6F175D3DCCD1}">
+              <a14:hiddenFill xmlns:a14="http://schemas.microsoft.com/office/drawing/2010/main">
+                <a:solidFill>
+                  <a:srgbClr val="FFFFFF"/>
+                </a:solidFill>
+              </a14:hiddenFill>
+            </a:ext>
+            <a:ext uri="{91240B29-F687-4f45-9708-019B960494DF}">
+              <a14:hiddenLine xmlns:a14="http://schemas.microsoft.com/office/drawing/2010/main" w="9525">
+                <a:solidFill>
+                  <a:srgbClr val="000000"/>
+                </a:solidFill>
+                <a:miter lim="800000"/>
+                <a:headEnd/>
+                <a:tailEnd/>
+              </a14:hiddenLine>
+            </a:ext>
+            <a:ext uri="{FAA26D3D-D897-4be2-8F04-BA451C77F1D7}">
+              <ma14:placeholderFlag xmlns:ma14="http://schemas.microsoft.com/office/mac/drawingml/2011/main" val="1"/>
+            </a:ext>
+          </a:extLst>
+        </p:spPr>
+        <p:txBody>
+          <a:bodyPr/>
+          <a:lstStyle/>
+          <a:p>
+            <a:pPr eaLnBrk="1" hangingPunct="1"/>
+            <a:endParaRPr lang="en-US">
+              <a:ea typeface="ヒラギノ角ゴ Pro W3" charset="0"/>
+              <a:cs typeface="ヒラギノ角ゴ Pro W3" charset="0"/>
+            </a:endParaRPr>
+          </a:p>
+        </p:txBody>
+      </p:sp>
+    </p:spTree>
+  </p:cSld>
+  <p:clrMapOvr>
+    <a:masterClrMapping/>
+  </p:clrMapOvr>
+</p:notes>
+</file>
+
+<file path=ppt/notesSlides/notesSlide3.xml><?xml version="1.0" encoding="utf-8"?>
+<p:notes xmlns:a="http://schemas.openxmlformats.org/drawingml/2006/main" xmlns:r="http://schemas.openxmlformats.org/officeDocument/2006/relationships" xmlns:p="http://schemas.openxmlformats.org/presentationml/2006/main">
+  <p:cSld>
+    <p:spTree>
+      <p:nvGrpSpPr>
+        <p:cNvPr id="1" name=""/>
+        <p:cNvGrpSpPr/>
+        <p:nvPr/>
+      </p:nvGrpSpPr>
+      <p:grpSpPr>
+        <a:xfrm>
+          <a:off x="0" y="0"/>
+          <a:ext cx="0" cy="0"/>
+          <a:chOff x="0" y="0"/>
+          <a:chExt cx="0" cy="0"/>
+        </a:xfrm>
+      </p:grpSpPr>
+      <p:sp>
+        <p:nvSpPr>
           <p:cNvPr id="23553" name="Rectangle 6"/>
           <p:cNvSpPr>
             <a:spLocks noGrp="1" noChangeArrowheads="1"/>
@@ -2127,7 +2629,7 @@
 </p:notes>
 </file>
 
-<file path=ppt/notesSlides/notesSlide3.xml><?xml version="1.0" encoding="utf-8"?>
+<file path=ppt/notesSlides/notesSlide4.xml><?xml version="1.0" encoding="utf-8"?>
 <p:notes xmlns:a="http://schemas.openxmlformats.org/drawingml/2006/main" xmlns:r="http://schemas.openxmlformats.org/officeDocument/2006/relationships" xmlns:p="http://schemas.openxmlformats.org/presentationml/2006/main">
   <p:cSld>
     <p:spTree>
@@ -2372,253 +2874,6 @@
 </p:notes>
 </file>
 
-<file path=ppt/notesSlides/notesSlide4.xml><?xml version="1.0" encoding="utf-8"?>
-<p:notes xmlns:a="http://schemas.openxmlformats.org/drawingml/2006/main" xmlns:r="http://schemas.openxmlformats.org/officeDocument/2006/relationships" xmlns:p="http://schemas.openxmlformats.org/presentationml/2006/main">
-  <p:cSld>
-    <p:spTree>
-      <p:nvGrpSpPr>
-        <p:cNvPr id="1" name=""/>
-        <p:cNvGrpSpPr/>
-        <p:nvPr/>
-      </p:nvGrpSpPr>
-      <p:grpSpPr>
-        <a:xfrm>
-          <a:off x="0" y="0"/>
-          <a:ext cx="0" cy="0"/>
-          <a:chOff x="0" y="0"/>
-          <a:chExt cx="0" cy="0"/>
-        </a:xfrm>
-      </p:grpSpPr>
-      <p:sp>
-        <p:nvSpPr>
-          <p:cNvPr id="31745" name="Rectangle 6"/>
-          <p:cNvSpPr>
-            <a:spLocks noGrp="1" noChangeArrowheads="1"/>
-          </p:cNvSpPr>
-          <p:nvPr>
-            <p:ph type="ftr" sz="quarter" idx="4"/>
-          </p:nvPr>
-        </p:nvSpPr>
-        <p:spPr>
-          <a:noFill/>
-          <a:ln/>
-          <a:extLst>
-            <a:ext uri="{909E8E84-426E-40dd-AFC4-6F175D3DCCD1}">
-              <a14:hiddenFill xmlns:a14="http://schemas.microsoft.com/office/drawing/2010/main">
-                <a:solidFill>
-                  <a:srgbClr val="FFFFFF"/>
-                </a:solidFill>
-              </a14:hiddenFill>
-            </a:ext>
-            <a:ext uri="{91240B29-F687-4f45-9708-019B960494DF}">
-              <a14:hiddenLine xmlns:a14="http://schemas.microsoft.com/office/drawing/2010/main" w="9525">
-                <a:solidFill>
-                  <a:srgbClr val="000000"/>
-                </a:solidFill>
-                <a:miter lim="800000"/>
-                <a:headEnd/>
-                <a:tailEnd/>
-              </a14:hiddenLine>
-            </a:ext>
-          </a:extLst>
-        </p:spPr>
-        <p:txBody>
-          <a:bodyPr/>
-          <a:lstStyle>
-            <a:lvl1pPr eaLnBrk="0" hangingPunct="0">
-              <a:defRPr sz="2400">
-                <a:solidFill>
-                  <a:schemeClr val="tx1"/>
-                </a:solidFill>
-                <a:latin typeface="Arial" charset="0"/>
-                <a:ea typeface="ヒラギノ角ゴ Pro W3" charset="0"/>
-                <a:cs typeface="ヒラギノ角ゴ Pro W3" charset="0"/>
-              </a:defRPr>
-            </a:lvl1pPr>
-            <a:lvl2pPr marL="742950" indent="-285750" eaLnBrk="0" hangingPunct="0">
-              <a:defRPr sz="2400">
-                <a:solidFill>
-                  <a:schemeClr val="tx1"/>
-                </a:solidFill>
-                <a:latin typeface="Arial" charset="0"/>
-                <a:ea typeface="ヒラギノ角ゴ Pro W3" charset="0"/>
-                <a:cs typeface="ヒラギノ角ゴ Pro W3" charset="0"/>
-              </a:defRPr>
-            </a:lvl2pPr>
-            <a:lvl3pPr marL="1143000" indent="-228600" eaLnBrk="0" hangingPunct="0">
-              <a:defRPr sz="2400">
-                <a:solidFill>
-                  <a:schemeClr val="tx1"/>
-                </a:solidFill>
-                <a:latin typeface="Arial" charset="0"/>
-                <a:ea typeface="ヒラギノ角ゴ Pro W3" charset="0"/>
-                <a:cs typeface="ヒラギノ角ゴ Pro W3" charset="0"/>
-              </a:defRPr>
-            </a:lvl3pPr>
-            <a:lvl4pPr marL="1600200" indent="-228600" eaLnBrk="0" hangingPunct="0">
-              <a:defRPr sz="2400">
-                <a:solidFill>
-                  <a:schemeClr val="tx1"/>
-                </a:solidFill>
-                <a:latin typeface="Arial" charset="0"/>
-                <a:ea typeface="ヒラギノ角ゴ Pro W3" charset="0"/>
-                <a:cs typeface="ヒラギノ角ゴ Pro W3" charset="0"/>
-              </a:defRPr>
-            </a:lvl4pPr>
-            <a:lvl5pPr marL="2057400" indent="-228600" eaLnBrk="0" hangingPunct="0">
-              <a:defRPr sz="2400">
-                <a:solidFill>
-                  <a:schemeClr val="tx1"/>
-                </a:solidFill>
-                <a:latin typeface="Arial" charset="0"/>
-                <a:ea typeface="ヒラギノ角ゴ Pro W3" charset="0"/>
-                <a:cs typeface="ヒラギノ角ゴ Pro W3" charset="0"/>
-              </a:defRPr>
-            </a:lvl5pPr>
-            <a:lvl6pPr marL="2514600" indent="-228600" algn="ctr" eaLnBrk="0" fontAlgn="base" hangingPunct="0">
-              <a:spcBef>
-                <a:spcPct val="0"/>
-              </a:spcBef>
-              <a:spcAft>
-                <a:spcPct val="0"/>
-              </a:spcAft>
-              <a:defRPr sz="2400">
-                <a:solidFill>
-                  <a:schemeClr val="tx1"/>
-                </a:solidFill>
-                <a:latin typeface="Arial" charset="0"/>
-                <a:ea typeface="ヒラギノ角ゴ Pro W3" charset="0"/>
-                <a:cs typeface="ヒラギノ角ゴ Pro W3" charset="0"/>
-              </a:defRPr>
-            </a:lvl6pPr>
-            <a:lvl7pPr marL="2971800" indent="-228600" algn="ctr" eaLnBrk="0" fontAlgn="base" hangingPunct="0">
-              <a:spcBef>
-                <a:spcPct val="0"/>
-              </a:spcBef>
-              <a:spcAft>
-                <a:spcPct val="0"/>
-              </a:spcAft>
-              <a:defRPr sz="2400">
-                <a:solidFill>
-                  <a:schemeClr val="tx1"/>
-                </a:solidFill>
-                <a:latin typeface="Arial" charset="0"/>
-                <a:ea typeface="ヒラギノ角ゴ Pro W3" charset="0"/>
-                <a:cs typeface="ヒラギノ角ゴ Pro W3" charset="0"/>
-              </a:defRPr>
-            </a:lvl7pPr>
-            <a:lvl8pPr marL="3429000" indent="-228600" algn="ctr" eaLnBrk="0" fontAlgn="base" hangingPunct="0">
-              <a:spcBef>
-                <a:spcPct val="0"/>
-              </a:spcBef>
-              <a:spcAft>
-                <a:spcPct val="0"/>
-              </a:spcAft>
-              <a:defRPr sz="2400">
-                <a:solidFill>
-                  <a:schemeClr val="tx1"/>
-                </a:solidFill>
-                <a:latin typeface="Arial" charset="0"/>
-                <a:ea typeface="ヒラギノ角ゴ Pro W3" charset="0"/>
-                <a:cs typeface="ヒラギノ角ゴ Pro W3" charset="0"/>
-              </a:defRPr>
-            </a:lvl8pPr>
-            <a:lvl9pPr marL="3886200" indent="-228600" algn="ctr" eaLnBrk="0" fontAlgn="base" hangingPunct="0">
-              <a:spcBef>
-                <a:spcPct val="0"/>
-              </a:spcBef>
-              <a:spcAft>
-                <a:spcPct val="0"/>
-              </a:spcAft>
-              <a:defRPr sz="2400">
-                <a:solidFill>
-                  <a:schemeClr val="tx1"/>
-                </a:solidFill>
-                <a:latin typeface="Arial" charset="0"/>
-                <a:ea typeface="ヒラギノ角ゴ Pro W3" charset="0"/>
-                <a:cs typeface="ヒラギノ角ゴ Pro W3" charset="0"/>
-              </a:defRPr>
-            </a:lvl9pPr>
-          </a:lstStyle>
-          <a:p>
-            <a:pPr eaLnBrk="1" hangingPunct="1"/>
-            <a:r>
-              <a:rPr lang="en-US" sz="1200"/>
-              <a:t>testnotes</a:t>
-            </a:r>
-          </a:p>
-        </p:txBody>
-      </p:sp>
-      <p:sp>
-        <p:nvSpPr>
-          <p:cNvPr id="31746" name="Rectangle 2"/>
-          <p:cNvSpPr>
-            <a:spLocks noGrp="1" noRot="1" noChangeAspect="1" noChangeArrowheads="1" noTextEdit="1"/>
-          </p:cNvSpPr>
-          <p:nvPr>
-            <p:ph type="sldImg"/>
-          </p:nvPr>
-        </p:nvSpPr>
-        <p:spPr>
-          <a:ln/>
-        </p:spPr>
-      </p:sp>
-      <p:sp>
-        <p:nvSpPr>
-          <p:cNvPr id="31747" name="Rectangle 3"/>
-          <p:cNvSpPr>
-            <a:spLocks noGrp="1" noChangeArrowheads="1"/>
-          </p:cNvSpPr>
-          <p:nvPr>
-            <p:ph type="body" idx="1"/>
-          </p:nvPr>
-        </p:nvSpPr>
-        <p:spPr>
-          <a:noFill/>
-          <a:ln/>
-          <a:extLst>
-            <a:ext uri="{909E8E84-426E-40dd-AFC4-6F175D3DCCD1}">
-              <a14:hiddenFill xmlns:a14="http://schemas.microsoft.com/office/drawing/2010/main">
-                <a:solidFill>
-                  <a:srgbClr val="FFFFFF"/>
-                </a:solidFill>
-              </a14:hiddenFill>
-            </a:ext>
-            <a:ext uri="{91240B29-F687-4f45-9708-019B960494DF}">
-              <a14:hiddenLine xmlns:a14="http://schemas.microsoft.com/office/drawing/2010/main" w="9525">
-                <a:solidFill>
-                  <a:srgbClr val="000000"/>
-                </a:solidFill>
-                <a:miter lim="800000"/>
-                <a:headEnd/>
-                <a:tailEnd/>
-              </a14:hiddenLine>
-            </a:ext>
-            <a:ext uri="{FAA26D3D-D897-4be2-8F04-BA451C77F1D7}">
-              <ma14:placeholderFlag xmlns:ma14="http://schemas.microsoft.com/office/mac/drawingml/2011/main" val="1"/>
-            </a:ext>
-          </a:extLst>
-        </p:spPr>
-        <p:txBody>
-          <a:bodyPr/>
-          <a:lstStyle/>
-          <a:p>
-            <a:pPr eaLnBrk="1" hangingPunct="1"/>
-            <a:endParaRPr lang="en-US">
-              <a:ea typeface="ヒラギノ角ゴ Pro W3" charset="0"/>
-              <a:cs typeface="ヒラギノ角ゴ Pro W3" charset="0"/>
-            </a:endParaRPr>
-          </a:p>
-        </p:txBody>
-      </p:sp>
-    </p:spTree>
-  </p:cSld>
-  <p:clrMapOvr>
-    <a:masterClrMapping/>
-  </p:clrMapOvr>
-</p:notes>
-</file>
-
 <file path=ppt/notesSlides/notesSlide5.xml><?xml version="1.0" encoding="utf-8"?>
 <p:notes xmlns:a="http://schemas.openxmlformats.org/drawingml/2006/main" xmlns:r="http://schemas.openxmlformats.org/officeDocument/2006/relationships" xmlns:p="http://schemas.openxmlformats.org/presentationml/2006/main">
   <p:cSld>
@@ -3626,24 +3881,17 @@
       </p:grpSpPr>
       <p:sp>
         <p:nvSpPr>
-          <p:cNvPr id="35841" name="Rectangle 6"/>
-          <p:cNvSpPr txBox="1">
+          <p:cNvPr id="31745" name="Rectangle 6"/>
+          <p:cNvSpPr>
             <a:spLocks noGrp="1" noChangeArrowheads="1"/>
           </p:cNvSpPr>
-          <p:nvPr/>
+          <p:nvPr>
+            <p:ph type="ftr" sz="quarter" idx="4"/>
+          </p:nvPr>
         </p:nvSpPr>
-        <p:spPr bwMode="auto">
-          <a:xfrm>
-            <a:off x="0" y="8685213"/>
-            <a:ext cx="2971800" cy="457200"/>
-          </a:xfrm>
-          <a:prstGeom prst="rect">
-            <a:avLst/>
-          </a:prstGeom>
+        <p:spPr>
           <a:noFill/>
-          <a:ln>
-            <a:noFill/>
-          </a:ln>
+          <a:ln/>
           <a:extLst>
             <a:ext uri="{909E8E84-426E-40dd-AFC4-6F175D3DCCD1}">
               <a14:hiddenFill xmlns:a14="http://schemas.microsoft.com/office/drawing/2010/main">
@@ -3665,7 +3913,7 @@
           </a:extLst>
         </p:spPr>
         <p:txBody>
-          <a:bodyPr anchor="b"/>
+          <a:bodyPr/>
           <a:lstStyle>
             <a:lvl1pPr eaLnBrk="0" hangingPunct="0">
               <a:defRPr sz="2400">
@@ -3783,7 +4031,7 @@
             </a:lvl9pPr>
           </a:lstStyle>
           <a:p>
-            <a:pPr algn="l" eaLnBrk="1" hangingPunct="1"/>
+            <a:pPr eaLnBrk="1" hangingPunct="1"/>
             <a:r>
               <a:rPr lang="en-US" sz="1200"/>
               <a:t>testnotes</a:t>
@@ -3793,7 +4041,7 @@
       </p:sp>
       <p:sp>
         <p:nvSpPr>
-          <p:cNvPr id="35842" name="Rectangle 2"/>
+          <p:cNvPr id="31746" name="Rectangle 2"/>
           <p:cNvSpPr>
             <a:spLocks noGrp="1" noRot="1" noChangeAspect="1" noChangeArrowheads="1" noTextEdit="1"/>
           </p:cNvSpPr>
@@ -3807,7 +4055,7 @@
       </p:sp>
       <p:sp>
         <p:nvSpPr>
-          <p:cNvPr id="35843" name="Rectangle 3"/>
+          <p:cNvPr id="31747" name="Rectangle 3"/>
           <p:cNvSpPr>
             <a:spLocks noGrp="1" noChangeArrowheads="1"/>
           </p:cNvSpPr>
@@ -4034,7 +4282,7 @@
               <a:defRPr/>
             </a:pPr>
             <a:fld id="{AC0EBD74-B9E4-0E4B-AC6A-6A6644FA211D}" type="datetime1">
-              <a:t>9/28/16</a:t>
+              <a:t>9/30/16</a:t>
             </a:fld>
             <a:endParaRPr lang="en-US"/>
           </a:p>
@@ -4244,7 +4492,7 @@
               <a:defRPr/>
             </a:pPr>
             <a:fld id="{6B45423E-01F1-194D-BEF2-59037D9E890E}" type="datetime1">
-              <a:t>9/28/16</a:t>
+              <a:t>9/30/16</a:t>
             </a:fld>
             <a:endParaRPr lang="en-US"/>
           </a:p>
@@ -4459,7 +4707,7 @@
               <a:defRPr/>
             </a:pPr>
             <a:fld id="{82B48BEB-BEE3-334D-B79E-E768C9FAF8E5}" type="datetime1">
-              <a:t>9/28/16</a:t>
+              <a:t>9/30/16</a:t>
             </a:fld>
             <a:endParaRPr lang="en-US"/>
           </a:p>
@@ -4642,7 +4890,7 @@
               <a:defRPr/>
             </a:pPr>
             <a:fld id="{B2C39720-93FE-664C-90ED-4CAF6FDDEA10}" type="datetime1">
-              <a:t>9/28/16</a:t>
+              <a:t>9/30/16</a:t>
             </a:fld>
             <a:endParaRPr lang="en-US"/>
           </a:p>
@@ -4917,7 +5165,7 @@
               <a:defRPr/>
             </a:pPr>
             <a:fld id="{A2FE285A-049E-F04F-84A2-B30C773B375D}" type="datetime1">
-              <a:t>9/28/16</a:t>
+              <a:t>9/30/16</a:t>
             </a:fld>
             <a:endParaRPr lang="en-US"/>
           </a:p>
@@ -5127,7 +5375,7 @@
               <a:defRPr/>
             </a:pPr>
             <a:fld id="{2D3EAE3E-5FC7-A54A-AF77-DDA1203272CF}" type="datetime1">
-              <a:t>9/28/16</a:t>
+              <a:t>9/30/16</a:t>
             </a:fld>
             <a:endParaRPr lang="en-US"/>
           </a:p>
@@ -5354,7 +5602,7 @@
               <a:defRPr/>
             </a:pPr>
             <a:fld id="{95763E2F-E129-8144-85E5-DEFD93E5B96E}" type="datetime1">
-              <a:t>9/28/16</a:t>
+              <a:t>9/30/16</a:t>
             </a:fld>
             <a:endParaRPr lang="en-US"/>
           </a:p>
@@ -5680,7 +5928,7 @@
               <a:defRPr/>
             </a:pPr>
             <a:fld id="{5981D202-225B-274E-B468-B23944D81B5F}" type="datetime1">
-              <a:t>9/28/16</a:t>
+              <a:t>9/30/16</a:t>
             </a:fld>
             <a:endParaRPr lang="en-US"/>
           </a:p>
@@ -6151,7 +6399,7 @@
               <a:defRPr/>
             </a:pPr>
             <a:fld id="{5D77E727-DBBF-C24A-80AB-D1A64464A970}" type="datetime1">
-              <a:t>9/28/16</a:t>
+              <a:t>9/30/16</a:t>
             </a:fld>
             <a:endParaRPr lang="en-US"/>
           </a:p>
@@ -6301,7 +6549,7 @@
               <a:defRPr/>
             </a:pPr>
             <a:fld id="{335DF27D-CB15-7843-AC95-0CBD4BB583FE}" type="datetime1">
-              <a:t>9/28/16</a:t>
+              <a:t>9/30/16</a:t>
             </a:fld>
             <a:endParaRPr lang="en-US"/>
           </a:p>
@@ -6428,7 +6676,7 @@
               <a:defRPr/>
             </a:pPr>
             <a:fld id="{358F54F2-E1C3-E741-9012-F819890FDEF2}" type="datetime1">
-              <a:t>9/28/16</a:t>
+              <a:t>9/30/16</a:t>
             </a:fld>
             <a:endParaRPr lang="en-US"/>
           </a:p>
@@ -6743,7 +6991,7 @@
               <a:defRPr/>
             </a:pPr>
             <a:fld id="{9D5FE2EA-BB63-0142-BBBA-3114D28210BA}" type="datetime1">
-              <a:t>9/28/16</a:t>
+              <a:t>9/30/16</a:t>
             </a:fld>
             <a:endParaRPr lang="en-US"/>
           </a:p>
@@ -7035,7 +7283,7 @@
               <a:defRPr/>
             </a:pPr>
             <a:fld id="{7D606BD5-D583-F445-A197-4E9204106D8D}" type="datetime1">
-              <a:t>9/28/16</a:t>
+              <a:t>9/30/16</a:t>
             </a:fld>
             <a:endParaRPr lang="en-US"/>
           </a:p>
@@ -7653,7 +7901,7 @@
               <a:defRPr/>
             </a:pPr>
             <a:fld id="{FA71DDE3-1BFD-2B4B-9B0E-6E78A067C89E}" type="datetime1">
-              <a:t>9/28/16</a:t>
+              <a:t>9/30/16</a:t>
             </a:fld>
             <a:endParaRPr lang="en-US"/>
           </a:p>
@@ -8440,7 +8688,7 @@
               <a:defRPr/>
             </a:pPr>
             <a:fld id="{90E2CE17-9310-CB4D-A759-84364C03D56E}" type="datetime1">
-              <a:t>9/28/16</a:t>
+              <a:t>9/30/16</a:t>
             </a:fld>
             <a:endParaRPr lang="en-US"/>
           </a:p>
@@ -8822,6 +9070,2395 @@
               <a:rPr lang="en-US" sz="1400"/>
               <a:pPr eaLnBrk="1" hangingPunct="1"/>
               <a:t>10</a:t>
+            </a:fld>
+            <a:endParaRPr lang="en-US" sz="1400"/>
+          </a:p>
+        </p:txBody>
+      </p:sp>
+      <p:sp>
+        <p:nvSpPr>
+          <p:cNvPr id="30722" name="Rectangle 2"/>
+          <p:cNvSpPr>
+            <a:spLocks noGrp="1" noChangeArrowheads="1"/>
+          </p:cNvSpPr>
+          <p:nvPr>
+            <p:ph type="title"/>
+          </p:nvPr>
+        </p:nvSpPr>
+        <p:spPr/>
+        <p:txBody>
+          <a:bodyPr/>
+          <a:lstStyle/>
+          <a:p>
+            <a:r>
+              <a:rPr lang="en-US">
+                <a:latin typeface="Times New Roman" charset="0"/>
+                <a:ea typeface="ヒラギノ角ゴ Pro W3" charset="0"/>
+                <a:cs typeface="ヒラギノ角ゴ Pro W3" charset="0"/>
+              </a:rPr>
+              <a:t>Configuration Files: Peer Data</a:t>
+            </a:r>
+          </a:p>
+        </p:txBody>
+      </p:sp>
+      <p:graphicFrame>
+        <p:nvGraphicFramePr>
+          <p:cNvPr id="56467" name="Group 147"/>
+          <p:cNvGraphicFramePr>
+            <a:graphicFrameLocks noGrp="1"/>
+          </p:cNvGraphicFramePr>
+          <p:nvPr>
+            <p:extLst>
+              <p:ext uri="{D42A27DB-BD31-4B8C-83A1-F6EECF244321}">
+                <p14:modId xmlns:p14="http://schemas.microsoft.com/office/powerpoint/2010/main" val="1547464845"/>
+              </p:ext>
+            </p:extLst>
+          </p:nvPr>
+        </p:nvGraphicFramePr>
+        <p:xfrm>
+          <a:off x="287869" y="1187450"/>
+          <a:ext cx="8013253" cy="4006111"/>
+        </p:xfrm>
+        <a:graphic>
+          <a:graphicData uri="http://schemas.openxmlformats.org/drawingml/2006/table">
+            <a:tbl>
+              <a:tblPr/>
+              <a:tblGrid>
+                <a:gridCol w="1673989"/>
+                <a:gridCol w="2241076"/>
+                <a:gridCol w="4098188"/>
+              </a:tblGrid>
+              <a:tr h="336550">
+                <a:tc>
+                  <a:txBody>
+                    <a:bodyPr/>
+                    <a:lstStyle/>
+                    <a:p>
+                      <a:pPr marL="0" marR="0" lvl="0" indent="0" algn="l" defTabSz="914400" rtl="0" eaLnBrk="0" fontAlgn="base" latinLnBrk="0" hangingPunct="0">
+                        <a:lnSpc>
+                          <a:spcPct val="100000"/>
+                        </a:lnSpc>
+                        <a:spcBef>
+                          <a:spcPct val="35000"/>
+                        </a:spcBef>
+                        <a:spcAft>
+                          <a:spcPct val="0"/>
+                        </a:spcAft>
+                        <a:buClrTx/>
+                        <a:buSzTx/>
+                        <a:buFontTx/>
+                        <a:buNone/>
+                        <a:tabLst/>
+                      </a:pPr>
+                      <a:r>
+                        <a:rPr kumimoji="0" lang="en-US" sz="2400" b="1" i="0" u="none" strike="noStrike" cap="none" normalizeH="0" baseline="0" smtClean="0">
+                          <a:ln>
+                            <a:noFill/>
+                          </a:ln>
+                          <a:solidFill>
+                            <a:schemeClr val="tx1"/>
+                          </a:solidFill>
+                          <a:effectLst/>
+                          <a:latin typeface="Arial" pitchFamily="-112" charset="0"/>
+                          <a:ea typeface="ヒラギノ角ゴ Pro W3" pitchFamily="-112" charset="-128"/>
+                          <a:cs typeface="ヒラギノ角ゴ Pro W3" pitchFamily="-112" charset="-128"/>
+                        </a:rPr>
+                        <a:t>Parameter</a:t>
+                      </a:r>
+                    </a:p>
+                  </a:txBody>
+                  <a:tcPr marT="45692" marB="45692" horzOverflow="overflow">
+                    <a:lnL w="28575" cap="flat" cmpd="sng" algn="ctr">
+                      <a:solidFill>
+                        <a:schemeClr val="tx1"/>
+                      </a:solidFill>
+                      <a:prstDash val="solid"/>
+                      <a:round/>
+                      <a:headEnd type="none" w="med" len="med"/>
+                      <a:tailEnd type="none" w="med" len="med"/>
+                    </a:lnL>
+                    <a:lnR w="12700" cap="flat" cmpd="sng" algn="ctr">
+                      <a:solidFill>
+                        <a:schemeClr val="tx1"/>
+                      </a:solidFill>
+                      <a:prstDash val="solid"/>
+                      <a:round/>
+                      <a:headEnd type="none" w="med" len="med"/>
+                      <a:tailEnd type="none" w="med" len="med"/>
+                    </a:lnR>
+                    <a:lnT w="28575" cap="flat" cmpd="sng" algn="ctr">
+                      <a:solidFill>
+                        <a:schemeClr val="tx1"/>
+                      </a:solidFill>
+                      <a:prstDash val="solid"/>
+                      <a:round/>
+                      <a:headEnd type="none" w="med" len="med"/>
+                      <a:tailEnd type="none" w="med" len="med"/>
+                    </a:lnT>
+                    <a:lnB w="28575" cap="flat" cmpd="sng" algn="ctr">
+                      <a:solidFill>
+                        <a:scrgbClr r="0" g="0" b="0"/>
+                      </a:solidFill>
+                      <a:prstDash val="solid"/>
+                      <a:round/>
+                      <a:headEnd type="none" w="med" len="med"/>
+                      <a:tailEnd type="none" w="med" len="med"/>
+                    </a:lnB>
+                    <a:lnTlToBr>
+                      <a:noFill/>
+                    </a:lnTlToBr>
+                    <a:lnBlToTr>
+                      <a:noFill/>
+                    </a:lnBlToTr>
+                    <a:noFill/>
+                  </a:tcPr>
+                </a:tc>
+                <a:tc>
+                  <a:txBody>
+                    <a:bodyPr/>
+                    <a:lstStyle/>
+                    <a:p>
+                      <a:pPr marL="0" marR="0" lvl="0" indent="0" algn="l" defTabSz="914400" rtl="0" eaLnBrk="0" fontAlgn="base" latinLnBrk="0" hangingPunct="0">
+                        <a:lnSpc>
+                          <a:spcPct val="100000"/>
+                        </a:lnSpc>
+                        <a:spcBef>
+                          <a:spcPct val="35000"/>
+                        </a:spcBef>
+                        <a:spcAft>
+                          <a:spcPct val="0"/>
+                        </a:spcAft>
+                        <a:buClrTx/>
+                        <a:buSzTx/>
+                        <a:buFontTx/>
+                        <a:buNone/>
+                        <a:tabLst/>
+                      </a:pPr>
+                      <a:r>
+                        <a:rPr kumimoji="0" lang="en-US" sz="2400" b="1" i="0" u="none" strike="noStrike" kern="1200" cap="none" normalizeH="0" baseline="0">
+                          <a:ln>
+                            <a:noFill/>
+                          </a:ln>
+                          <a:solidFill>
+                            <a:schemeClr val="tx1"/>
+                          </a:solidFill>
+                          <a:effectLst/>
+                          <a:latin typeface="Arial" pitchFamily="-112" charset="0"/>
+                          <a:ea typeface="ヒラギノ角ゴ Pro W3" pitchFamily="-112" charset="-128"/>
+                          <a:cs typeface="ヒラギノ角ゴ Pro W3" pitchFamily="-112" charset="-128"/>
+                        </a:rPr>
+                        <a:t>Type</a:t>
+                      </a:r>
+                    </a:p>
+                  </a:txBody>
+                  <a:tcPr marT="45692" marB="45692" horzOverflow="overflow">
+                    <a:lnL w="12700" cap="flat" cmpd="sng" algn="ctr">
+                      <a:solidFill>
+                        <a:schemeClr val="tx1"/>
+                      </a:solidFill>
+                      <a:prstDash val="solid"/>
+                      <a:round/>
+                      <a:headEnd type="none" w="med" len="med"/>
+                      <a:tailEnd type="none" w="med" len="med"/>
+                    </a:lnL>
+                    <a:lnR w="12700" cap="flat" cmpd="sng" algn="ctr">
+                      <a:solidFill>
+                        <a:schemeClr val="tx1"/>
+                      </a:solidFill>
+                      <a:prstDash val="solid"/>
+                      <a:round/>
+                      <a:headEnd type="none" w="med" len="med"/>
+                      <a:tailEnd type="none" w="med" len="med"/>
+                    </a:lnR>
+                    <a:lnT w="28575" cap="flat" cmpd="sng" algn="ctr">
+                      <a:solidFill>
+                        <a:schemeClr val="tx1"/>
+                      </a:solidFill>
+                      <a:prstDash val="solid"/>
+                      <a:round/>
+                      <a:headEnd type="none" w="med" len="med"/>
+                      <a:tailEnd type="none" w="med" len="med"/>
+                    </a:lnT>
+                    <a:lnB w="28575" cap="flat" cmpd="sng" algn="ctr">
+                      <a:solidFill>
+                        <a:scrgbClr r="0" g="0" b="0"/>
+                      </a:solidFill>
+                      <a:prstDash val="solid"/>
+                      <a:round/>
+                      <a:headEnd type="none" w="med" len="med"/>
+                      <a:tailEnd type="none" w="med" len="med"/>
+                    </a:lnB>
+                    <a:lnTlToBr>
+                      <a:noFill/>
+                    </a:lnTlToBr>
+                    <a:lnBlToTr>
+                      <a:noFill/>
+                    </a:lnBlToTr>
+                    <a:noFill/>
+                  </a:tcPr>
+                </a:tc>
+                <a:tc>
+                  <a:txBody>
+                    <a:bodyPr/>
+                    <a:lstStyle/>
+                    <a:p>
+                      <a:pPr marL="0" marR="0" lvl="0" indent="0" algn="l" defTabSz="914400" rtl="0" eaLnBrk="0" fontAlgn="base" latinLnBrk="0" hangingPunct="0">
+                        <a:lnSpc>
+                          <a:spcPct val="100000"/>
+                        </a:lnSpc>
+                        <a:spcBef>
+                          <a:spcPct val="35000"/>
+                        </a:spcBef>
+                        <a:spcAft>
+                          <a:spcPct val="0"/>
+                        </a:spcAft>
+                        <a:buClrTx/>
+                        <a:buSzTx/>
+                        <a:buFontTx/>
+                        <a:buNone/>
+                        <a:tabLst/>
+                      </a:pPr>
+                      <a:r>
+                        <a:rPr kumimoji="0" lang="en-US" sz="2400" b="1" i="0" u="none" strike="noStrike" cap="none" normalizeH="0" baseline="0">
+                          <a:ln>
+                            <a:noFill/>
+                          </a:ln>
+                          <a:solidFill>
+                            <a:schemeClr val="tx1"/>
+                          </a:solidFill>
+                          <a:effectLst/>
+                          <a:latin typeface="Arial" pitchFamily="-112" charset="0"/>
+                          <a:ea typeface="ヒラギノ角ゴ Pro W3" pitchFamily="-112" charset="-128"/>
+                          <a:cs typeface="ヒラギノ角ゴ Pro W3" pitchFamily="-112" charset="-128"/>
+                        </a:rPr>
+                        <a:t>Description</a:t>
+                      </a:r>
+                    </a:p>
+                  </a:txBody>
+                  <a:tcPr marT="45692" marB="45692" horzOverflow="overflow">
+                    <a:lnL w="12700" cap="flat" cmpd="sng" algn="ctr">
+                      <a:solidFill>
+                        <a:schemeClr val="tx1"/>
+                      </a:solidFill>
+                      <a:prstDash val="solid"/>
+                      <a:round/>
+                      <a:headEnd type="none" w="med" len="med"/>
+                      <a:tailEnd type="none" w="med" len="med"/>
+                    </a:lnL>
+                    <a:lnR w="28575" cap="flat" cmpd="sng" algn="ctr">
+                      <a:solidFill>
+                        <a:schemeClr val="tx1"/>
+                      </a:solidFill>
+                      <a:prstDash val="solid"/>
+                      <a:round/>
+                      <a:headEnd type="none" w="med" len="med"/>
+                      <a:tailEnd type="none" w="med" len="med"/>
+                    </a:lnR>
+                    <a:lnT w="28575" cap="flat" cmpd="sng" algn="ctr">
+                      <a:solidFill>
+                        <a:schemeClr val="tx1"/>
+                      </a:solidFill>
+                      <a:prstDash val="solid"/>
+                      <a:round/>
+                      <a:headEnd type="none" w="med" len="med"/>
+                      <a:tailEnd type="none" w="med" len="med"/>
+                    </a:lnT>
+                    <a:lnB w="28575" cap="flat" cmpd="sng" algn="ctr">
+                      <a:solidFill>
+                        <a:scrgbClr r="0" g="0" b="0"/>
+                      </a:solidFill>
+                      <a:prstDash val="solid"/>
+                      <a:round/>
+                      <a:headEnd type="none" w="med" len="med"/>
+                      <a:tailEnd type="none" w="med" len="med"/>
+                    </a:lnB>
+                    <a:lnTlToBr>
+                      <a:noFill/>
+                    </a:lnTlToBr>
+                    <a:lnBlToTr>
+                      <a:noFill/>
+                    </a:lnBlToTr>
+                    <a:noFill/>
+                  </a:tcPr>
+                </a:tc>
+              </a:tr>
+              <a:tr h="0">
+                <a:tc>
+                  <a:txBody>
+                    <a:bodyPr/>
+                    <a:lstStyle/>
+                    <a:p>
+                      <a:pPr marL="0" marR="0" lvl="0" indent="0" algn="l" defTabSz="914400" rtl="0" eaLnBrk="0" fontAlgn="base" latinLnBrk="0" hangingPunct="0">
+                        <a:lnSpc>
+                          <a:spcPct val="100000"/>
+                        </a:lnSpc>
+                        <a:spcBef>
+                          <a:spcPct val="35000"/>
+                        </a:spcBef>
+                        <a:spcAft>
+                          <a:spcPct val="0"/>
+                        </a:spcAft>
+                        <a:buClrTx/>
+                        <a:buSzTx/>
+                        <a:buFontTx/>
+                        <a:buNone/>
+                        <a:tabLst/>
+                        <a:defRPr/>
+                      </a:pPr>
+                      <a:r>
+                        <a:rPr kumimoji="0" lang="en-US" sz="1400" b="0" i="0" u="none" strike="noStrike" kern="1200" cap="none" normalizeH="0" baseline="0" smtClean="0">
+                          <a:ln>
+                            <a:noFill/>
+                          </a:ln>
+                          <a:solidFill>
+                            <a:schemeClr val="tx1"/>
+                          </a:solidFill>
+                          <a:effectLst/>
+                          <a:latin typeface="Arial" pitchFamily="-112" charset="0"/>
+                          <a:ea typeface="ヒラギノ角ゴ Pro W3" pitchFamily="-112" charset="-128"/>
+                          <a:cs typeface="ヒラギノ角ゴ Pro W3" pitchFamily="-112" charset="-128"/>
+                        </a:rPr>
+                        <a:t>CPU Name</a:t>
+                      </a:r>
+                      <a:endParaRPr kumimoji="0" lang="en-US" sz="1400" b="0" i="0" u="none" strike="noStrike" kern="1200" cap="none" normalizeH="0" baseline="0">
+                        <a:ln>
+                          <a:noFill/>
+                        </a:ln>
+                        <a:solidFill>
+                          <a:schemeClr val="tx1"/>
+                        </a:solidFill>
+                        <a:effectLst/>
+                        <a:latin typeface="Arial" pitchFamily="-112" charset="0"/>
+                        <a:ea typeface="ヒラギノ角ゴ Pro W3" pitchFamily="-112" charset="-128"/>
+                        <a:cs typeface="ヒラギノ角ゴ Pro W3" pitchFamily="-112" charset="-128"/>
+                      </a:endParaRPr>
+                    </a:p>
+                  </a:txBody>
+                  <a:tcPr marT="45692" marB="45692" horzOverflow="overflow">
+                    <a:lnL w="28575" cap="flat" cmpd="sng" algn="ctr">
+                      <a:solidFill>
+                        <a:scrgbClr r="0" g="0" b="0"/>
+                      </a:solidFill>
+                      <a:prstDash val="solid"/>
+                      <a:round/>
+                      <a:headEnd type="none" w="med" len="med"/>
+                      <a:tailEnd type="none" w="med" len="med"/>
+                    </a:lnL>
+                    <a:lnR w="12700" cap="flat" cmpd="sng" algn="ctr">
+                      <a:solidFill>
+                        <a:schemeClr val="tx1"/>
+                      </a:solidFill>
+                      <a:prstDash val="solid"/>
+                      <a:round/>
+                      <a:headEnd type="none" w="med" len="med"/>
+                      <a:tailEnd type="none" w="med" len="med"/>
+                    </a:lnR>
+                    <a:lnT w="28575" cap="flat" cmpd="sng" algn="ctr">
+                      <a:solidFill>
+                        <a:scrgbClr r="0" g="0" b="0"/>
+                      </a:solidFill>
+                      <a:prstDash val="solid"/>
+                      <a:round/>
+                      <a:headEnd type="none" w="med" len="med"/>
+                      <a:tailEnd type="none" w="med" len="med"/>
+                    </a:lnT>
+                    <a:lnB w="12700" cap="flat" cmpd="sng" algn="ctr">
+                      <a:solidFill>
+                        <a:schemeClr val="tx1"/>
+                      </a:solidFill>
+                      <a:prstDash val="solid"/>
+                      <a:round/>
+                      <a:headEnd type="none" w="med" len="med"/>
+                      <a:tailEnd type="none" w="med" len="med"/>
+                    </a:lnB>
+                    <a:lnTlToBr>
+                      <a:noFill/>
+                    </a:lnTlToBr>
+                    <a:lnBlToTr>
+                      <a:noFill/>
+                    </a:lnBlToTr>
+                    <a:noFill/>
+                  </a:tcPr>
+                </a:tc>
+                <a:tc>
+                  <a:txBody>
+                    <a:bodyPr/>
+                    <a:lstStyle/>
+                    <a:p>
+                      <a:pPr marL="0" marR="0" lvl="0" indent="0" algn="l" defTabSz="914400" rtl="0" eaLnBrk="0" fontAlgn="base" latinLnBrk="0" hangingPunct="0">
+                        <a:lnSpc>
+                          <a:spcPct val="100000"/>
+                        </a:lnSpc>
+                        <a:spcBef>
+                          <a:spcPct val="35000"/>
+                        </a:spcBef>
+                        <a:spcAft>
+                          <a:spcPct val="0"/>
+                        </a:spcAft>
+                        <a:buClrTx/>
+                        <a:buSzTx/>
+                        <a:buFontTx/>
+                        <a:buNone/>
+                        <a:tabLst/>
+                        <a:defRPr/>
+                      </a:pPr>
+                      <a:r>
+                        <a:rPr kumimoji="0" lang="en-US" sz="1400" b="0" i="0" u="none" strike="noStrike" kern="1200" cap="none" normalizeH="0" baseline="0">
+                          <a:ln>
+                            <a:noFill/>
+                          </a:ln>
+                          <a:solidFill>
+                            <a:schemeClr val="tx1"/>
+                          </a:solidFill>
+                          <a:effectLst/>
+                          <a:latin typeface="Arial" pitchFamily="-112" charset="0"/>
+                          <a:ea typeface="ヒラギノ角ゴ Pro W3" pitchFamily="-112" charset="-128"/>
+                          <a:cs typeface="ヒラギノ角ゴ Pro W3" pitchFamily="-112" charset="-128"/>
+                        </a:rPr>
+                        <a:t>char[</a:t>
+                      </a:r>
+                    </a:p>
+                    <a:p>
+                      <a:pPr marL="0" marR="0" lvl="0" indent="0" algn="l" defTabSz="914400" rtl="0" eaLnBrk="0" fontAlgn="base" latinLnBrk="0" hangingPunct="0">
+                        <a:lnSpc>
+                          <a:spcPct val="100000"/>
+                        </a:lnSpc>
+                        <a:spcBef>
+                          <a:spcPct val="35000"/>
+                        </a:spcBef>
+                        <a:spcAft>
+                          <a:spcPct val="0"/>
+                        </a:spcAft>
+                        <a:buClrTx/>
+                        <a:buSzTx/>
+                        <a:buFontTx/>
+                        <a:buNone/>
+                        <a:tabLst/>
+                        <a:defRPr/>
+                      </a:pPr>
+                      <a:r>
+                        <a:rPr kumimoji="0" lang="en-US" sz="1400" b="0" i="0" u="none" strike="noStrike" kern="1200" cap="none" normalizeH="0" baseline="0">
+                          <a:ln>
+                            <a:noFill/>
+                          </a:ln>
+                          <a:solidFill>
+                            <a:schemeClr val="tx1"/>
+                          </a:solidFill>
+                          <a:effectLst/>
+                          <a:latin typeface="Arial" pitchFamily="-112" charset="0"/>
+                          <a:ea typeface="ヒラギノ角ゴ Pro W3" pitchFamily="-112" charset="-128"/>
+                          <a:cs typeface="ヒラギノ角ゴ Pro W3" pitchFamily="-112" charset="-128"/>
+                        </a:rPr>
+                        <a:t>SBN_MAX_PEERNAME_LENGTH]</a:t>
+                      </a:r>
+                    </a:p>
+                  </a:txBody>
+                  <a:tcPr marT="45692" marB="45692" horzOverflow="overflow">
+                    <a:lnL w="12700" cap="flat" cmpd="sng" algn="ctr">
+                      <a:solidFill>
+                        <a:schemeClr val="tx1"/>
+                      </a:solidFill>
+                      <a:prstDash val="solid"/>
+                      <a:round/>
+                      <a:headEnd type="none" w="med" len="med"/>
+                      <a:tailEnd type="none" w="med" len="med"/>
+                    </a:lnL>
+                    <a:lnR w="12700" cap="flat" cmpd="sng" algn="ctr">
+                      <a:solidFill>
+                        <a:schemeClr val="tx1"/>
+                      </a:solidFill>
+                      <a:prstDash val="solid"/>
+                      <a:round/>
+                      <a:headEnd type="none" w="med" len="med"/>
+                      <a:tailEnd type="none" w="med" len="med"/>
+                    </a:lnR>
+                    <a:lnT w="28575" cap="flat" cmpd="sng" algn="ctr">
+                      <a:solidFill>
+                        <a:scrgbClr r="0" g="0" b="0"/>
+                      </a:solidFill>
+                      <a:prstDash val="solid"/>
+                      <a:round/>
+                      <a:headEnd type="none" w="med" len="med"/>
+                      <a:tailEnd type="none" w="med" len="med"/>
+                    </a:lnT>
+                    <a:lnB w="12700" cap="flat" cmpd="sng" algn="ctr">
+                      <a:solidFill>
+                        <a:schemeClr val="tx1"/>
+                      </a:solidFill>
+                      <a:prstDash val="solid"/>
+                      <a:round/>
+                      <a:headEnd type="none" w="med" len="med"/>
+                      <a:tailEnd type="none" w="med" len="med"/>
+                    </a:lnB>
+                    <a:lnTlToBr>
+                      <a:noFill/>
+                    </a:lnTlToBr>
+                    <a:lnBlToTr>
+                      <a:noFill/>
+                    </a:lnBlToTr>
+                    <a:noFill/>
+                  </a:tcPr>
+                </a:tc>
+                <a:tc>
+                  <a:txBody>
+                    <a:bodyPr/>
+                    <a:lstStyle/>
+                    <a:p>
+                      <a:pPr marL="0" marR="0" lvl="0" indent="0" algn="l" defTabSz="914400" rtl="0" eaLnBrk="0" fontAlgn="base" latinLnBrk="0" hangingPunct="0">
+                        <a:lnSpc>
+                          <a:spcPct val="100000"/>
+                        </a:lnSpc>
+                        <a:spcBef>
+                          <a:spcPct val="35000"/>
+                        </a:spcBef>
+                        <a:spcAft>
+                          <a:spcPct val="0"/>
+                        </a:spcAft>
+                        <a:buClrTx/>
+                        <a:buSzTx/>
+                        <a:buFontTx/>
+                        <a:buNone/>
+                        <a:tabLst/>
+                      </a:pPr>
+                      <a:r>
+                        <a:rPr kumimoji="0" lang="en-US" sz="1400" b="0" i="0" u="none" strike="noStrike" cap="none" normalizeH="0" baseline="0">
+                          <a:ln>
+                            <a:noFill/>
+                          </a:ln>
+                          <a:solidFill>
+                            <a:schemeClr val="tx1"/>
+                          </a:solidFill>
+                          <a:effectLst/>
+                          <a:latin typeface="Arial" pitchFamily="-112" charset="0"/>
+                          <a:ea typeface="ヒラギノ角ゴ Pro W3" pitchFamily="-112" charset="-128"/>
+                          <a:cs typeface="ヒラギノ角ゴ Pro W3" pitchFamily="-112" charset="-128"/>
+                        </a:rPr>
+                        <a:t>The CPU name of the node (needs to match CFE_CPU_NAME.)</a:t>
+                      </a:r>
+                    </a:p>
+                  </a:txBody>
+                  <a:tcPr marT="45692" marB="45692" horzOverflow="overflow">
+                    <a:lnL w="12700" cap="flat" cmpd="sng" algn="ctr">
+                      <a:solidFill>
+                        <a:schemeClr val="tx1"/>
+                      </a:solidFill>
+                      <a:prstDash val="solid"/>
+                      <a:round/>
+                      <a:headEnd type="none" w="med" len="med"/>
+                      <a:tailEnd type="none" w="med" len="med"/>
+                    </a:lnL>
+                    <a:lnR w="28575" cap="flat" cmpd="sng" algn="ctr">
+                      <a:solidFill>
+                        <a:scrgbClr r="0" g="0" b="0"/>
+                      </a:solidFill>
+                      <a:prstDash val="solid"/>
+                      <a:round/>
+                      <a:headEnd type="none" w="med" len="med"/>
+                      <a:tailEnd type="none" w="med" len="med"/>
+                    </a:lnR>
+                    <a:lnT w="28575" cap="flat" cmpd="sng" algn="ctr">
+                      <a:solidFill>
+                        <a:scrgbClr r="0" g="0" b="0"/>
+                      </a:solidFill>
+                      <a:prstDash val="solid"/>
+                      <a:round/>
+                      <a:headEnd type="none" w="med" len="med"/>
+                      <a:tailEnd type="none" w="med" len="med"/>
+                    </a:lnT>
+                    <a:lnB w="12700" cap="flat" cmpd="sng" algn="ctr">
+                      <a:solidFill>
+                        <a:schemeClr val="tx1"/>
+                      </a:solidFill>
+                      <a:prstDash val="solid"/>
+                      <a:round/>
+                      <a:headEnd type="none" w="med" len="med"/>
+                      <a:tailEnd type="none" w="med" len="med"/>
+                    </a:lnB>
+                    <a:lnTlToBr>
+                      <a:noFill/>
+                    </a:lnTlToBr>
+                    <a:lnBlToTr>
+                      <a:noFill/>
+                    </a:lnBlToTr>
+                    <a:noFill/>
+                  </a:tcPr>
+                </a:tc>
+              </a:tr>
+              <a:tr h="0">
+                <a:tc>
+                  <a:txBody>
+                    <a:bodyPr/>
+                    <a:lstStyle/>
+                    <a:p>
+                      <a:pPr marL="0" marR="0" lvl="0" indent="0" algn="l" defTabSz="914400" rtl="0" eaLnBrk="0" fontAlgn="base" latinLnBrk="0" hangingPunct="0">
+                        <a:lnSpc>
+                          <a:spcPct val="100000"/>
+                        </a:lnSpc>
+                        <a:spcBef>
+                          <a:spcPct val="35000"/>
+                        </a:spcBef>
+                        <a:spcAft>
+                          <a:spcPct val="0"/>
+                        </a:spcAft>
+                        <a:buClrTx/>
+                        <a:buSzTx/>
+                        <a:buFontTx/>
+                        <a:buNone/>
+                        <a:tabLst/>
+                      </a:pPr>
+                      <a:r>
+                        <a:rPr kumimoji="0" lang="en-US" sz="1400" b="0" i="0" u="none" strike="noStrike" cap="none" normalizeH="0" baseline="0">
+                          <a:ln>
+                            <a:noFill/>
+                          </a:ln>
+                          <a:solidFill>
+                            <a:schemeClr val="tx1"/>
+                          </a:solidFill>
+                          <a:effectLst/>
+                          <a:latin typeface="Arial" pitchFamily="-112" charset="0"/>
+                          <a:ea typeface="ヒラギノ角ゴ Pro W3" pitchFamily="-112" charset="-128"/>
+                          <a:cs typeface="ヒラギノ角ゴ Pro W3" pitchFamily="-112" charset="-128"/>
+                        </a:rPr>
+                        <a:t>CPU ID</a:t>
+                      </a:r>
+                    </a:p>
+                  </a:txBody>
+                  <a:tcPr marT="45692" marB="45692" horzOverflow="overflow">
+                    <a:lnL w="28575" cap="flat" cmpd="sng" algn="ctr">
+                      <a:solidFill>
+                        <a:scrgbClr r="0" g="0" b="0"/>
+                      </a:solidFill>
+                      <a:prstDash val="solid"/>
+                      <a:round/>
+                      <a:headEnd type="none" w="med" len="med"/>
+                      <a:tailEnd type="none" w="med" len="med"/>
+                    </a:lnL>
+                    <a:lnR w="12700" cap="flat" cmpd="sng" algn="ctr">
+                      <a:solidFill>
+                        <a:schemeClr val="tx1"/>
+                      </a:solidFill>
+                      <a:prstDash val="solid"/>
+                      <a:round/>
+                      <a:headEnd type="none" w="med" len="med"/>
+                      <a:tailEnd type="none" w="med" len="med"/>
+                    </a:lnR>
+                    <a:lnT w="12700" cap="flat" cmpd="sng" algn="ctr">
+                      <a:solidFill>
+                        <a:schemeClr val="tx1"/>
+                      </a:solidFill>
+                      <a:prstDash val="solid"/>
+                      <a:round/>
+                      <a:headEnd type="none" w="med" len="med"/>
+                      <a:tailEnd type="none" w="med" len="med"/>
+                    </a:lnT>
+                    <a:lnB w="12700" cap="flat" cmpd="sng" algn="ctr">
+                      <a:solidFill>
+                        <a:schemeClr val="tx1"/>
+                      </a:solidFill>
+                      <a:prstDash val="solid"/>
+                      <a:round/>
+                      <a:headEnd type="none" w="med" len="med"/>
+                      <a:tailEnd type="none" w="med" len="med"/>
+                    </a:lnB>
+                    <a:lnTlToBr>
+                      <a:noFill/>
+                    </a:lnTlToBr>
+                    <a:lnBlToTr>
+                      <a:noFill/>
+                    </a:lnBlToTr>
+                    <a:noFill/>
+                  </a:tcPr>
+                </a:tc>
+                <a:tc>
+                  <a:txBody>
+                    <a:bodyPr/>
+                    <a:lstStyle/>
+                    <a:p>
+                      <a:pPr marL="0" marR="0" lvl="0" indent="0" algn="l" defTabSz="914400" rtl="0" eaLnBrk="0" fontAlgn="base" latinLnBrk="0" hangingPunct="0">
+                        <a:lnSpc>
+                          <a:spcPct val="100000"/>
+                        </a:lnSpc>
+                        <a:spcBef>
+                          <a:spcPct val="35000"/>
+                        </a:spcBef>
+                        <a:spcAft>
+                          <a:spcPct val="0"/>
+                        </a:spcAft>
+                        <a:buClrTx/>
+                        <a:buSzTx/>
+                        <a:buFontTx/>
+                        <a:buNone/>
+                        <a:tabLst/>
+                      </a:pPr>
+                      <a:r>
+                        <a:rPr kumimoji="0" lang="en-US" sz="1400" b="0" i="0" u="none" strike="noStrike" cap="none" normalizeH="0" baseline="0">
+                          <a:ln>
+                            <a:noFill/>
+                          </a:ln>
+                          <a:solidFill>
+                            <a:schemeClr val="tx1"/>
+                          </a:solidFill>
+                          <a:effectLst/>
+                          <a:latin typeface="Arial" pitchFamily="-112" charset="0"/>
+                          <a:ea typeface="ヒラギノ角ゴ Pro W3" pitchFamily="-112" charset="-128"/>
+                          <a:cs typeface="ヒラギノ角ゴ Pro W3" pitchFamily="-112" charset="-128"/>
+                        </a:rPr>
+                        <a:t>uint32</a:t>
+                      </a:r>
+                    </a:p>
+                  </a:txBody>
+                  <a:tcPr marT="45692" marB="45692" horzOverflow="overflow">
+                    <a:lnL w="12700" cap="flat" cmpd="sng" algn="ctr">
+                      <a:solidFill>
+                        <a:schemeClr val="tx1"/>
+                      </a:solidFill>
+                      <a:prstDash val="solid"/>
+                      <a:round/>
+                      <a:headEnd type="none" w="med" len="med"/>
+                      <a:tailEnd type="none" w="med" len="med"/>
+                    </a:lnL>
+                    <a:lnR w="12700" cap="flat" cmpd="sng" algn="ctr">
+                      <a:solidFill>
+                        <a:schemeClr val="tx1"/>
+                      </a:solidFill>
+                      <a:prstDash val="solid"/>
+                      <a:round/>
+                      <a:headEnd type="none" w="med" len="med"/>
+                      <a:tailEnd type="none" w="med" len="med"/>
+                    </a:lnR>
+                    <a:lnT w="12700" cap="flat" cmpd="sng" algn="ctr">
+                      <a:solidFill>
+                        <a:schemeClr val="tx1"/>
+                      </a:solidFill>
+                      <a:prstDash val="solid"/>
+                      <a:round/>
+                      <a:headEnd type="none" w="med" len="med"/>
+                      <a:tailEnd type="none" w="med" len="med"/>
+                    </a:lnT>
+                    <a:lnB w="12700" cap="flat" cmpd="sng" algn="ctr">
+                      <a:solidFill>
+                        <a:schemeClr val="tx1"/>
+                      </a:solidFill>
+                      <a:prstDash val="solid"/>
+                      <a:round/>
+                      <a:headEnd type="none" w="med" len="med"/>
+                      <a:tailEnd type="none" w="med" len="med"/>
+                    </a:lnB>
+                    <a:lnTlToBr>
+                      <a:noFill/>
+                    </a:lnTlToBr>
+                    <a:lnBlToTr>
+                      <a:noFill/>
+                    </a:lnBlToTr>
+                    <a:noFill/>
+                  </a:tcPr>
+                </a:tc>
+                <a:tc>
+                  <a:txBody>
+                    <a:bodyPr/>
+                    <a:lstStyle/>
+                    <a:p>
+                      <a:pPr marL="0" marR="0" lvl="0" indent="0" algn="l" defTabSz="914400" rtl="0" eaLnBrk="0" fontAlgn="base" latinLnBrk="0" hangingPunct="0">
+                        <a:lnSpc>
+                          <a:spcPct val="100000"/>
+                        </a:lnSpc>
+                        <a:spcBef>
+                          <a:spcPct val="35000"/>
+                        </a:spcBef>
+                        <a:spcAft>
+                          <a:spcPct val="0"/>
+                        </a:spcAft>
+                        <a:buClrTx/>
+                        <a:buSzTx/>
+                        <a:buFontTx/>
+                        <a:buNone/>
+                        <a:tabLst/>
+                      </a:pPr>
+                      <a:r>
+                        <a:rPr kumimoji="0" lang="en-US" sz="1400" b="0" i="0" u="none" strike="noStrike" cap="none" normalizeH="0" baseline="0" smtClean="0">
+                          <a:ln>
+                            <a:noFill/>
+                          </a:ln>
+                          <a:solidFill>
+                            <a:schemeClr val="tx1"/>
+                          </a:solidFill>
+                          <a:effectLst/>
+                          <a:latin typeface="Arial" pitchFamily="-112" charset="0"/>
+                          <a:ea typeface="ヒラギノ角ゴ Pro W3" pitchFamily="-112" charset="-128"/>
+                          <a:cs typeface="ヒラギノ角ゴ Pro W3" pitchFamily="-112" charset="-128"/>
+                        </a:rPr>
+                        <a:t>The ID of the node (needs to match CFE_CPU_ID.)</a:t>
+                      </a:r>
+                      <a:endParaRPr kumimoji="0" lang="en-US" sz="1400" b="0" i="0" u="none" strike="noStrike" cap="none" normalizeH="0" baseline="0">
+                        <a:ln>
+                          <a:noFill/>
+                        </a:ln>
+                        <a:solidFill>
+                          <a:schemeClr val="tx1"/>
+                        </a:solidFill>
+                        <a:effectLst/>
+                        <a:latin typeface="Arial" pitchFamily="-112" charset="0"/>
+                        <a:ea typeface="ヒラギノ角ゴ Pro W3" pitchFamily="-112" charset="-128"/>
+                        <a:cs typeface="ヒラギノ角ゴ Pro W3" pitchFamily="-112" charset="-128"/>
+                      </a:endParaRPr>
+                    </a:p>
+                  </a:txBody>
+                  <a:tcPr marT="45692" marB="45692" horzOverflow="overflow">
+                    <a:lnL w="12700" cap="flat" cmpd="sng" algn="ctr">
+                      <a:solidFill>
+                        <a:schemeClr val="tx1"/>
+                      </a:solidFill>
+                      <a:prstDash val="solid"/>
+                      <a:round/>
+                      <a:headEnd type="none" w="med" len="med"/>
+                      <a:tailEnd type="none" w="med" len="med"/>
+                    </a:lnL>
+                    <a:lnR w="28575" cap="flat" cmpd="sng" algn="ctr">
+                      <a:solidFill>
+                        <a:scrgbClr r="0" g="0" b="0"/>
+                      </a:solidFill>
+                      <a:prstDash val="solid"/>
+                      <a:round/>
+                      <a:headEnd type="none" w="med" len="med"/>
+                      <a:tailEnd type="none" w="med" len="med"/>
+                    </a:lnR>
+                    <a:lnT w="12700" cap="flat" cmpd="sng" algn="ctr">
+                      <a:solidFill>
+                        <a:schemeClr val="tx1"/>
+                      </a:solidFill>
+                      <a:prstDash val="solid"/>
+                      <a:round/>
+                      <a:headEnd type="none" w="med" len="med"/>
+                      <a:tailEnd type="none" w="med" len="med"/>
+                    </a:lnT>
+                    <a:lnB w="12700" cap="flat" cmpd="sng" algn="ctr">
+                      <a:solidFill>
+                        <a:schemeClr val="tx1"/>
+                      </a:solidFill>
+                      <a:prstDash val="solid"/>
+                      <a:round/>
+                      <a:headEnd type="none" w="med" len="med"/>
+                      <a:tailEnd type="none" w="med" len="med"/>
+                    </a:lnB>
+                    <a:lnTlToBr>
+                      <a:noFill/>
+                    </a:lnTlToBr>
+                    <a:lnBlToTr>
+                      <a:noFill/>
+                    </a:lnBlToTr>
+                    <a:noFill/>
+                  </a:tcPr>
+                </a:tc>
+              </a:tr>
+              <a:tr h="0">
+                <a:tc>
+                  <a:txBody>
+                    <a:bodyPr/>
+                    <a:lstStyle/>
+                    <a:p>
+                      <a:pPr marL="0" marR="0" lvl="0" indent="0" algn="l" defTabSz="914400" rtl="0" eaLnBrk="0" fontAlgn="base" latinLnBrk="0" hangingPunct="0">
+                        <a:lnSpc>
+                          <a:spcPct val="100000"/>
+                        </a:lnSpc>
+                        <a:spcBef>
+                          <a:spcPct val="35000"/>
+                        </a:spcBef>
+                        <a:spcAft>
+                          <a:spcPct val="0"/>
+                        </a:spcAft>
+                        <a:buClrTx/>
+                        <a:buSzTx/>
+                        <a:buFontTx/>
+                        <a:buNone/>
+                        <a:tabLst/>
+                      </a:pPr>
+                      <a:r>
+                        <a:rPr kumimoji="0" lang="en-US" sz="1400" b="0" i="0" u="none" strike="noStrike" cap="none" normalizeH="0" baseline="0">
+                          <a:ln>
+                            <a:noFill/>
+                          </a:ln>
+                          <a:solidFill>
+                            <a:schemeClr val="tx1"/>
+                          </a:solidFill>
+                          <a:effectLst/>
+                          <a:latin typeface="Arial" pitchFamily="-112" charset="0"/>
+                          <a:ea typeface="ヒラギノ角ゴ Pro W3" pitchFamily="-112" charset="-128"/>
+                          <a:cs typeface="ヒラギノ角ゴ Pro W3" pitchFamily="-112" charset="-128"/>
+                        </a:rPr>
+                        <a:t>Protocol ID</a:t>
+                      </a:r>
+                    </a:p>
+                  </a:txBody>
+                  <a:tcPr marT="45692" marB="45692" horzOverflow="overflow">
+                    <a:lnL w="28575" cap="flat" cmpd="sng" algn="ctr">
+                      <a:solidFill>
+                        <a:scrgbClr r="0" g="0" b="0"/>
+                      </a:solidFill>
+                      <a:prstDash val="solid"/>
+                      <a:round/>
+                      <a:headEnd type="none" w="med" len="med"/>
+                      <a:tailEnd type="none" w="med" len="med"/>
+                    </a:lnL>
+                    <a:lnR w="12700" cap="flat" cmpd="sng" algn="ctr">
+                      <a:solidFill>
+                        <a:schemeClr val="tx1"/>
+                      </a:solidFill>
+                      <a:prstDash val="solid"/>
+                      <a:round/>
+                      <a:headEnd type="none" w="med" len="med"/>
+                      <a:tailEnd type="none" w="med" len="med"/>
+                    </a:lnR>
+                    <a:lnT w="12700" cap="flat" cmpd="sng" algn="ctr">
+                      <a:solidFill>
+                        <a:schemeClr val="tx1"/>
+                      </a:solidFill>
+                      <a:prstDash val="solid"/>
+                      <a:round/>
+                      <a:headEnd type="none" w="med" len="med"/>
+                      <a:tailEnd type="none" w="med" len="med"/>
+                    </a:lnT>
+                    <a:lnB w="12700" cap="flat" cmpd="sng" algn="ctr">
+                      <a:solidFill>
+                        <a:schemeClr val="tx1"/>
+                      </a:solidFill>
+                      <a:prstDash val="solid"/>
+                      <a:round/>
+                      <a:headEnd type="none" w="med" len="med"/>
+                      <a:tailEnd type="none" w="med" len="med"/>
+                    </a:lnB>
+                    <a:lnTlToBr>
+                      <a:noFill/>
+                    </a:lnTlToBr>
+                    <a:lnBlToTr>
+                      <a:noFill/>
+                    </a:lnBlToTr>
+                    <a:noFill/>
+                  </a:tcPr>
+                </a:tc>
+                <a:tc>
+                  <a:txBody>
+                    <a:bodyPr/>
+                    <a:lstStyle/>
+                    <a:p>
+                      <a:pPr marL="0" marR="0" lvl="0" indent="0" algn="l" defTabSz="914400" rtl="0" eaLnBrk="0" fontAlgn="base" latinLnBrk="0" hangingPunct="0">
+                        <a:lnSpc>
+                          <a:spcPct val="100000"/>
+                        </a:lnSpc>
+                        <a:spcBef>
+                          <a:spcPct val="35000"/>
+                        </a:spcBef>
+                        <a:spcAft>
+                          <a:spcPct val="0"/>
+                        </a:spcAft>
+                        <a:buClrTx/>
+                        <a:buSzTx/>
+                        <a:buFontTx/>
+                        <a:buNone/>
+                        <a:tabLst/>
+                      </a:pPr>
+                      <a:r>
+                        <a:rPr kumimoji="0" lang="en-US" sz="1400" b="0" i="0" u="none" strike="noStrike" cap="none" normalizeH="0" baseline="0">
+                          <a:ln>
+                            <a:noFill/>
+                          </a:ln>
+                          <a:solidFill>
+                            <a:schemeClr val="tx1"/>
+                          </a:solidFill>
+                          <a:effectLst/>
+                          <a:latin typeface="Arial" pitchFamily="-112" charset="0"/>
+                          <a:ea typeface="ヒラギノ角ゴ Pro W3" pitchFamily="-112" charset="-128"/>
+                          <a:cs typeface="ヒラギノ角ゴ Pro W3" pitchFamily="-112" charset="-128"/>
+                        </a:rPr>
+                        <a:t>int</a:t>
+                      </a:r>
+                    </a:p>
+                  </a:txBody>
+                  <a:tcPr marT="45692" marB="45692" horzOverflow="overflow">
+                    <a:lnL w="12700" cap="flat" cmpd="sng" algn="ctr">
+                      <a:solidFill>
+                        <a:schemeClr val="tx1"/>
+                      </a:solidFill>
+                      <a:prstDash val="solid"/>
+                      <a:round/>
+                      <a:headEnd type="none" w="med" len="med"/>
+                      <a:tailEnd type="none" w="med" len="med"/>
+                    </a:lnL>
+                    <a:lnR w="12700" cap="flat" cmpd="sng" algn="ctr">
+                      <a:solidFill>
+                        <a:schemeClr val="tx1"/>
+                      </a:solidFill>
+                      <a:prstDash val="solid"/>
+                      <a:round/>
+                      <a:headEnd type="none" w="med" len="med"/>
+                      <a:tailEnd type="none" w="med" len="med"/>
+                    </a:lnR>
+                    <a:lnT w="12700" cap="flat" cmpd="sng" algn="ctr">
+                      <a:solidFill>
+                        <a:schemeClr val="tx1"/>
+                      </a:solidFill>
+                      <a:prstDash val="solid"/>
+                      <a:round/>
+                      <a:headEnd type="none" w="med" len="med"/>
+                      <a:tailEnd type="none" w="med" len="med"/>
+                    </a:lnT>
+                    <a:lnB w="12700" cap="flat" cmpd="sng" algn="ctr">
+                      <a:solidFill>
+                        <a:schemeClr val="tx1"/>
+                      </a:solidFill>
+                      <a:prstDash val="solid"/>
+                      <a:round/>
+                      <a:headEnd type="none" w="med" len="med"/>
+                      <a:tailEnd type="none" w="med" len="med"/>
+                    </a:lnB>
+                    <a:lnTlToBr>
+                      <a:noFill/>
+                    </a:lnTlToBr>
+                    <a:lnBlToTr>
+                      <a:noFill/>
+                    </a:lnBlToTr>
+                    <a:noFill/>
+                  </a:tcPr>
+                </a:tc>
+                <a:tc>
+                  <a:txBody>
+                    <a:bodyPr/>
+                    <a:lstStyle/>
+                    <a:p>
+                      <a:pPr marL="0" marR="0" lvl="0" indent="0" algn="l" defTabSz="914400" rtl="0" eaLnBrk="0" fontAlgn="base" latinLnBrk="0" hangingPunct="0">
+                        <a:lnSpc>
+                          <a:spcPct val="100000"/>
+                        </a:lnSpc>
+                        <a:spcBef>
+                          <a:spcPct val="35000"/>
+                        </a:spcBef>
+                        <a:spcAft>
+                          <a:spcPct val="0"/>
+                        </a:spcAft>
+                        <a:buClrTx/>
+                        <a:buSzTx/>
+                        <a:buFontTx/>
+                        <a:buNone/>
+                        <a:tabLst/>
+                      </a:pPr>
+                      <a:r>
+                        <a:rPr kumimoji="0" lang="en-US" sz="1400" b="0" i="0" u="none" strike="noStrike" cap="none" normalizeH="0" baseline="0">
+                          <a:ln>
+                            <a:noFill/>
+                          </a:ln>
+                          <a:solidFill>
+                            <a:schemeClr val="tx1"/>
+                          </a:solidFill>
+                          <a:effectLst/>
+                          <a:latin typeface="Arial" pitchFamily="-112" charset="0"/>
+                          <a:ea typeface="ヒラギノ角ゴ Pro W3" pitchFamily="-112" charset="-128"/>
+                          <a:cs typeface="ヒラギノ角ゴ Pro W3" pitchFamily="-112" charset="-128"/>
+                        </a:rPr>
+                        <a:t>The protocol ID for the module to connect to this node.</a:t>
+                      </a:r>
+                    </a:p>
+                  </a:txBody>
+                  <a:tcPr marT="45692" marB="45692" horzOverflow="overflow">
+                    <a:lnL w="12700" cap="flat" cmpd="sng" algn="ctr">
+                      <a:solidFill>
+                        <a:schemeClr val="tx1"/>
+                      </a:solidFill>
+                      <a:prstDash val="solid"/>
+                      <a:round/>
+                      <a:headEnd type="none" w="med" len="med"/>
+                      <a:tailEnd type="none" w="med" len="med"/>
+                    </a:lnL>
+                    <a:lnR w="28575" cap="flat" cmpd="sng" algn="ctr">
+                      <a:solidFill>
+                        <a:scrgbClr r="0" g="0" b="0"/>
+                      </a:solidFill>
+                      <a:prstDash val="solid"/>
+                      <a:round/>
+                      <a:headEnd type="none" w="med" len="med"/>
+                      <a:tailEnd type="none" w="med" len="med"/>
+                    </a:lnR>
+                    <a:lnT w="12700" cap="flat" cmpd="sng" algn="ctr">
+                      <a:solidFill>
+                        <a:schemeClr val="tx1"/>
+                      </a:solidFill>
+                      <a:prstDash val="solid"/>
+                      <a:round/>
+                      <a:headEnd type="none" w="med" len="med"/>
+                      <a:tailEnd type="none" w="med" len="med"/>
+                    </a:lnT>
+                    <a:lnB w="12700" cap="flat" cmpd="sng" algn="ctr">
+                      <a:solidFill>
+                        <a:schemeClr val="tx1"/>
+                      </a:solidFill>
+                      <a:prstDash val="solid"/>
+                      <a:round/>
+                      <a:headEnd type="none" w="med" len="med"/>
+                      <a:tailEnd type="none" w="med" len="med"/>
+                    </a:lnB>
+                    <a:lnTlToBr>
+                      <a:noFill/>
+                    </a:lnTlToBr>
+                    <a:lnBlToTr>
+                      <a:noFill/>
+                    </a:lnBlToTr>
+                    <a:noFill/>
+                  </a:tcPr>
+                </a:tc>
+              </a:tr>
+              <a:tr h="396172">
+                <a:tc>
+                  <a:txBody>
+                    <a:bodyPr/>
+                    <a:lstStyle/>
+                    <a:p>
+                      <a:pPr marL="0" marR="0" lvl="0" indent="0" algn="l" defTabSz="914400" rtl="0" eaLnBrk="0" fontAlgn="base" latinLnBrk="0" hangingPunct="0">
+                        <a:lnSpc>
+                          <a:spcPct val="100000"/>
+                        </a:lnSpc>
+                        <a:spcBef>
+                          <a:spcPct val="35000"/>
+                        </a:spcBef>
+                        <a:spcAft>
+                          <a:spcPct val="0"/>
+                        </a:spcAft>
+                        <a:buClrTx/>
+                        <a:buSzTx/>
+                        <a:buFontTx/>
+                        <a:buNone/>
+                        <a:tabLst/>
+                      </a:pPr>
+                      <a:r>
+                        <a:rPr kumimoji="0" lang="en-US" sz="1400" b="0" i="0" u="none" strike="noStrike" cap="none" normalizeH="0" baseline="0">
+                          <a:ln>
+                            <a:noFill/>
+                          </a:ln>
+                          <a:solidFill>
+                            <a:schemeClr val="tx1"/>
+                          </a:solidFill>
+                          <a:effectLst/>
+                          <a:latin typeface="Arial" pitchFamily="-112" charset="0"/>
+                          <a:ea typeface="ヒラギノ角ゴ Pro W3" pitchFamily="-112" charset="-128"/>
+                          <a:cs typeface="ヒラギノ角ゴ Pro W3" pitchFamily="-112" charset="-128"/>
+                        </a:rPr>
+                        <a:t>Spacecraft ID</a:t>
+                      </a:r>
+                    </a:p>
+                  </a:txBody>
+                  <a:tcPr marT="45692" marB="45692" horzOverflow="overflow">
+                    <a:lnL w="28575" cap="flat" cmpd="sng" algn="ctr">
+                      <a:solidFill>
+                        <a:scrgbClr r="0" g="0" b="0"/>
+                      </a:solidFill>
+                      <a:prstDash val="solid"/>
+                      <a:round/>
+                      <a:headEnd type="none" w="med" len="med"/>
+                      <a:tailEnd type="none" w="med" len="med"/>
+                    </a:lnL>
+                    <a:lnR w="12700" cap="flat" cmpd="sng" algn="ctr">
+                      <a:solidFill>
+                        <a:schemeClr val="tx1"/>
+                      </a:solidFill>
+                      <a:prstDash val="solid"/>
+                      <a:round/>
+                      <a:headEnd type="none" w="med" len="med"/>
+                      <a:tailEnd type="none" w="med" len="med"/>
+                    </a:lnR>
+                    <a:lnT w="12700" cap="flat" cmpd="sng" algn="ctr">
+                      <a:solidFill>
+                        <a:schemeClr val="tx1"/>
+                      </a:solidFill>
+                      <a:prstDash val="solid"/>
+                      <a:round/>
+                      <a:headEnd type="none" w="med" len="med"/>
+                      <a:tailEnd type="none" w="med" len="med"/>
+                    </a:lnT>
+                    <a:lnB w="12700" cap="flat" cmpd="sng" algn="ctr">
+                      <a:solidFill>
+                        <a:schemeClr val="tx1"/>
+                      </a:solidFill>
+                      <a:prstDash val="solid"/>
+                      <a:round/>
+                      <a:headEnd type="none" w="med" len="med"/>
+                      <a:tailEnd type="none" w="med" len="med"/>
+                    </a:lnB>
+                    <a:lnTlToBr>
+                      <a:noFill/>
+                    </a:lnTlToBr>
+                    <a:lnBlToTr>
+                      <a:noFill/>
+                    </a:lnBlToTr>
+                    <a:noFill/>
+                  </a:tcPr>
+                </a:tc>
+                <a:tc>
+                  <a:txBody>
+                    <a:bodyPr/>
+                    <a:lstStyle/>
+                    <a:p>
+                      <a:pPr marL="0" marR="0" lvl="0" indent="0" algn="l" defTabSz="914400" rtl="0" eaLnBrk="0" fontAlgn="base" latinLnBrk="0" hangingPunct="0">
+                        <a:lnSpc>
+                          <a:spcPct val="100000"/>
+                        </a:lnSpc>
+                        <a:spcBef>
+                          <a:spcPct val="35000"/>
+                        </a:spcBef>
+                        <a:spcAft>
+                          <a:spcPct val="0"/>
+                        </a:spcAft>
+                        <a:buClrTx/>
+                        <a:buSzTx/>
+                        <a:buFontTx/>
+                        <a:buNone/>
+                        <a:tabLst/>
+                      </a:pPr>
+                      <a:r>
+                        <a:rPr kumimoji="0" lang="en-US" sz="1400" b="0" i="0" u="none" strike="noStrike" cap="none" normalizeH="0" baseline="0">
+                          <a:ln>
+                            <a:noFill/>
+                          </a:ln>
+                          <a:solidFill>
+                            <a:schemeClr val="tx1"/>
+                          </a:solidFill>
+                          <a:effectLst/>
+                          <a:latin typeface="Arial" pitchFamily="-112" charset="0"/>
+                          <a:ea typeface="ヒラギノ角ゴ Pro W3" pitchFamily="-112" charset="-128"/>
+                          <a:cs typeface="ヒラギノ角ゴ Pro W3" pitchFamily="-112" charset="-128"/>
+                        </a:rPr>
+                        <a:t>uint32</a:t>
+                      </a:r>
+                    </a:p>
+                  </a:txBody>
+                  <a:tcPr marT="45692" marB="45692" horzOverflow="overflow">
+                    <a:lnL w="12700" cap="flat" cmpd="sng" algn="ctr">
+                      <a:solidFill>
+                        <a:schemeClr val="tx1"/>
+                      </a:solidFill>
+                      <a:prstDash val="solid"/>
+                      <a:round/>
+                      <a:headEnd type="none" w="med" len="med"/>
+                      <a:tailEnd type="none" w="med" len="med"/>
+                    </a:lnL>
+                    <a:lnR w="12700" cap="flat" cmpd="sng" algn="ctr">
+                      <a:solidFill>
+                        <a:schemeClr val="tx1"/>
+                      </a:solidFill>
+                      <a:prstDash val="solid"/>
+                      <a:round/>
+                      <a:headEnd type="none" w="med" len="med"/>
+                      <a:tailEnd type="none" w="med" len="med"/>
+                    </a:lnR>
+                    <a:lnT w="12700" cap="flat" cmpd="sng" algn="ctr">
+                      <a:solidFill>
+                        <a:schemeClr val="tx1"/>
+                      </a:solidFill>
+                      <a:prstDash val="solid"/>
+                      <a:round/>
+                      <a:headEnd type="none" w="med" len="med"/>
+                      <a:tailEnd type="none" w="med" len="med"/>
+                    </a:lnT>
+                    <a:lnB w="12700" cap="flat" cmpd="sng" algn="ctr">
+                      <a:solidFill>
+                        <a:schemeClr val="tx1"/>
+                      </a:solidFill>
+                      <a:prstDash val="solid"/>
+                      <a:round/>
+                      <a:headEnd type="none" w="med" len="med"/>
+                      <a:tailEnd type="none" w="med" len="med"/>
+                    </a:lnB>
+                    <a:lnTlToBr>
+                      <a:noFill/>
+                    </a:lnTlToBr>
+                    <a:lnBlToTr>
+                      <a:noFill/>
+                    </a:lnBlToTr>
+                    <a:noFill/>
+                  </a:tcPr>
+                </a:tc>
+                <a:tc>
+                  <a:txBody>
+                    <a:bodyPr/>
+                    <a:lstStyle/>
+                    <a:p>
+                      <a:pPr marL="0" marR="0" lvl="0" indent="0" algn="l" defTabSz="914400" rtl="0" eaLnBrk="0" fontAlgn="base" latinLnBrk="0" hangingPunct="0">
+                        <a:lnSpc>
+                          <a:spcPct val="100000"/>
+                        </a:lnSpc>
+                        <a:spcBef>
+                          <a:spcPct val="35000"/>
+                        </a:spcBef>
+                        <a:spcAft>
+                          <a:spcPct val="0"/>
+                        </a:spcAft>
+                        <a:buClrTx/>
+                        <a:buSzTx/>
+                        <a:buFontTx/>
+                        <a:buNone/>
+                        <a:tabLst/>
+                      </a:pPr>
+                      <a:r>
+                        <a:rPr kumimoji="0" lang="en-US" sz="1400" b="0" i="0" u="none" strike="noStrike" cap="none" normalizeH="0" baseline="0">
+                          <a:ln>
+                            <a:noFill/>
+                          </a:ln>
+                          <a:solidFill>
+                            <a:schemeClr val="tx1"/>
+                          </a:solidFill>
+                          <a:effectLst/>
+                          <a:latin typeface="Arial" pitchFamily="-112" charset="0"/>
+                          <a:ea typeface="ヒラギノ角ゴ Pro W3" pitchFamily="-112" charset="-128"/>
+                          <a:cs typeface="ヒラギノ角ゴ Pro W3" pitchFamily="-112" charset="-128"/>
+                        </a:rPr>
+                        <a:t>The Spacecraft ID</a:t>
+                      </a:r>
+                    </a:p>
+                  </a:txBody>
+                  <a:tcPr marT="45692" marB="45692" horzOverflow="overflow">
+                    <a:lnL w="12700" cap="flat" cmpd="sng" algn="ctr">
+                      <a:solidFill>
+                        <a:schemeClr val="tx1"/>
+                      </a:solidFill>
+                      <a:prstDash val="solid"/>
+                      <a:round/>
+                      <a:headEnd type="none" w="med" len="med"/>
+                      <a:tailEnd type="none" w="med" len="med"/>
+                    </a:lnL>
+                    <a:lnR w="28575" cap="flat" cmpd="sng" algn="ctr">
+                      <a:solidFill>
+                        <a:scrgbClr r="0" g="0" b="0"/>
+                      </a:solidFill>
+                      <a:prstDash val="solid"/>
+                      <a:round/>
+                      <a:headEnd type="none" w="med" len="med"/>
+                      <a:tailEnd type="none" w="med" len="med"/>
+                    </a:lnR>
+                    <a:lnT w="12700" cap="flat" cmpd="sng" algn="ctr">
+                      <a:solidFill>
+                        <a:schemeClr val="tx1"/>
+                      </a:solidFill>
+                      <a:prstDash val="solid"/>
+                      <a:round/>
+                      <a:headEnd type="none" w="med" len="med"/>
+                      <a:tailEnd type="none" w="med" len="med"/>
+                    </a:lnT>
+                    <a:lnB w="12700" cap="flat" cmpd="sng" algn="ctr">
+                      <a:solidFill>
+                        <a:schemeClr val="tx1"/>
+                      </a:solidFill>
+                      <a:prstDash val="solid"/>
+                      <a:round/>
+                      <a:headEnd type="none" w="med" len="med"/>
+                      <a:tailEnd type="none" w="med" len="med"/>
+                    </a:lnB>
+                    <a:lnTlToBr>
+                      <a:noFill/>
+                    </a:lnTlToBr>
+                    <a:lnBlToTr>
+                      <a:noFill/>
+                    </a:lnBlToTr>
+                    <a:noFill/>
+                  </a:tcPr>
+                </a:tc>
+              </a:tr>
+              <a:tr h="396172">
+                <a:tc>
+                  <a:txBody>
+                    <a:bodyPr/>
+                    <a:lstStyle/>
+                    <a:p>
+                      <a:pPr marL="0" marR="0" lvl="0" indent="0" algn="l" defTabSz="914400" rtl="0" eaLnBrk="0" fontAlgn="base" latinLnBrk="0" hangingPunct="0">
+                        <a:lnSpc>
+                          <a:spcPct val="100000"/>
+                        </a:lnSpc>
+                        <a:spcBef>
+                          <a:spcPct val="35000"/>
+                        </a:spcBef>
+                        <a:spcAft>
+                          <a:spcPct val="0"/>
+                        </a:spcAft>
+                        <a:buClrTx/>
+                        <a:buSzTx/>
+                        <a:buFontTx/>
+                        <a:buNone/>
+                        <a:tabLst/>
+                      </a:pPr>
+                      <a:r>
+                        <a:rPr kumimoji="0" lang="en-US" sz="1400" b="0" i="0" u="none" strike="noStrike" cap="none" normalizeH="0" baseline="0">
+                          <a:ln>
+                            <a:noFill/>
+                          </a:ln>
+                          <a:solidFill>
+                            <a:schemeClr val="tx1"/>
+                          </a:solidFill>
+                          <a:effectLst/>
+                          <a:latin typeface="Arial" pitchFamily="-112" charset="0"/>
+                          <a:ea typeface="ヒラギノ角ゴ Pro W3" pitchFamily="-112" charset="-128"/>
+                          <a:cs typeface="ヒラギノ角ゴ Pro W3" pitchFamily="-112" charset="-128"/>
+                        </a:rPr>
+                        <a:t>QoS</a:t>
+                      </a:r>
+                    </a:p>
+                  </a:txBody>
+                  <a:tcPr marT="45692" marB="45692" horzOverflow="overflow">
+                    <a:lnL w="28575" cap="flat" cmpd="sng" algn="ctr">
+                      <a:solidFill>
+                        <a:scrgbClr r="0" g="0" b="0"/>
+                      </a:solidFill>
+                      <a:prstDash val="solid"/>
+                      <a:round/>
+                      <a:headEnd type="none" w="med" len="med"/>
+                      <a:tailEnd type="none" w="med" len="med"/>
+                    </a:lnL>
+                    <a:lnR w="12700" cap="flat" cmpd="sng" algn="ctr">
+                      <a:solidFill>
+                        <a:schemeClr val="tx1"/>
+                      </a:solidFill>
+                      <a:prstDash val="solid"/>
+                      <a:round/>
+                      <a:headEnd type="none" w="med" len="med"/>
+                      <a:tailEnd type="none" w="med" len="med"/>
+                    </a:lnR>
+                    <a:lnT w="12700" cap="flat" cmpd="sng" algn="ctr">
+                      <a:solidFill>
+                        <a:schemeClr val="tx1"/>
+                      </a:solidFill>
+                      <a:prstDash val="solid"/>
+                      <a:round/>
+                      <a:headEnd type="none" w="med" len="med"/>
+                      <a:tailEnd type="none" w="med" len="med"/>
+                    </a:lnT>
+                    <a:lnB w="12700" cap="flat" cmpd="sng" algn="ctr">
+                      <a:solidFill>
+                        <a:schemeClr val="tx1"/>
+                      </a:solidFill>
+                      <a:prstDash val="solid"/>
+                      <a:round/>
+                      <a:headEnd type="none" w="med" len="med"/>
+                      <a:tailEnd type="none" w="med" len="med"/>
+                    </a:lnB>
+                    <a:lnTlToBr>
+                      <a:noFill/>
+                    </a:lnTlToBr>
+                    <a:lnBlToTr>
+                      <a:noFill/>
+                    </a:lnBlToTr>
+                    <a:noFill/>
+                  </a:tcPr>
+                </a:tc>
+                <a:tc>
+                  <a:txBody>
+                    <a:bodyPr/>
+                    <a:lstStyle/>
+                    <a:p>
+                      <a:pPr marL="0" marR="0" lvl="0" indent="0" algn="l" defTabSz="914400" rtl="0" eaLnBrk="0" fontAlgn="base" latinLnBrk="0" hangingPunct="0">
+                        <a:lnSpc>
+                          <a:spcPct val="100000"/>
+                        </a:lnSpc>
+                        <a:spcBef>
+                          <a:spcPct val="35000"/>
+                        </a:spcBef>
+                        <a:spcAft>
+                          <a:spcPct val="0"/>
+                        </a:spcAft>
+                        <a:buClrTx/>
+                        <a:buSzTx/>
+                        <a:buFontTx/>
+                        <a:buNone/>
+                        <a:tabLst/>
+                      </a:pPr>
+                      <a:r>
+                        <a:rPr kumimoji="0" lang="en-US" sz="1400" b="0" i="0" u="none" strike="noStrike" cap="none" normalizeH="0" baseline="0">
+                          <a:ln>
+                            <a:noFill/>
+                          </a:ln>
+                          <a:solidFill>
+                            <a:schemeClr val="tx1"/>
+                          </a:solidFill>
+                          <a:effectLst/>
+                          <a:latin typeface="Arial" pitchFamily="-112" charset="0"/>
+                          <a:ea typeface="ヒラギノ角ゴ Pro W3" pitchFamily="-112" charset="-128"/>
+                          <a:cs typeface="ヒラギノ角ゴ Pro W3" pitchFamily="-112" charset="-128"/>
+                        </a:rPr>
+                        <a:t>uint8</a:t>
+                      </a:r>
+                    </a:p>
+                  </a:txBody>
+                  <a:tcPr marT="45692" marB="45692" horzOverflow="overflow">
+                    <a:lnL w="12700" cap="flat" cmpd="sng" algn="ctr">
+                      <a:solidFill>
+                        <a:schemeClr val="tx1"/>
+                      </a:solidFill>
+                      <a:prstDash val="solid"/>
+                      <a:round/>
+                      <a:headEnd type="none" w="med" len="med"/>
+                      <a:tailEnd type="none" w="med" len="med"/>
+                    </a:lnL>
+                    <a:lnR w="12700" cap="flat" cmpd="sng" algn="ctr">
+                      <a:solidFill>
+                        <a:schemeClr val="tx1"/>
+                      </a:solidFill>
+                      <a:prstDash val="solid"/>
+                      <a:round/>
+                      <a:headEnd type="none" w="med" len="med"/>
+                      <a:tailEnd type="none" w="med" len="med"/>
+                    </a:lnR>
+                    <a:lnT w="12700" cap="flat" cmpd="sng" algn="ctr">
+                      <a:solidFill>
+                        <a:schemeClr val="tx1"/>
+                      </a:solidFill>
+                      <a:prstDash val="solid"/>
+                      <a:round/>
+                      <a:headEnd type="none" w="med" len="med"/>
+                      <a:tailEnd type="none" w="med" len="med"/>
+                    </a:lnT>
+                    <a:lnB w="12700" cap="flat" cmpd="sng" algn="ctr">
+                      <a:solidFill>
+                        <a:schemeClr val="tx1"/>
+                      </a:solidFill>
+                      <a:prstDash val="solid"/>
+                      <a:round/>
+                      <a:headEnd type="none" w="med" len="med"/>
+                      <a:tailEnd type="none" w="med" len="med"/>
+                    </a:lnB>
+                    <a:lnTlToBr>
+                      <a:noFill/>
+                    </a:lnTlToBr>
+                    <a:lnBlToTr>
+                      <a:noFill/>
+                    </a:lnBlToTr>
+                    <a:noFill/>
+                  </a:tcPr>
+                </a:tc>
+                <a:tc>
+                  <a:txBody>
+                    <a:bodyPr/>
+                    <a:lstStyle/>
+                    <a:p>
+                      <a:pPr marL="0" marR="0" lvl="0" indent="0" algn="l" defTabSz="914400" rtl="0" eaLnBrk="0" fontAlgn="base" latinLnBrk="0" hangingPunct="0">
+                        <a:lnSpc>
+                          <a:spcPct val="100000"/>
+                        </a:lnSpc>
+                        <a:spcBef>
+                          <a:spcPct val="35000"/>
+                        </a:spcBef>
+                        <a:spcAft>
+                          <a:spcPct val="0"/>
+                        </a:spcAft>
+                        <a:buClrTx/>
+                        <a:buSzTx/>
+                        <a:buFontTx/>
+                        <a:buNone/>
+                        <a:tabLst/>
+                      </a:pPr>
+                      <a:r>
+                        <a:rPr kumimoji="0" lang="en-US" sz="1400" b="0" i="0" u="none" strike="noStrike" cap="none" normalizeH="0" baseline="0">
+                          <a:ln>
+                            <a:noFill/>
+                          </a:ln>
+                          <a:solidFill>
+                            <a:schemeClr val="tx1"/>
+                          </a:solidFill>
+                          <a:effectLst/>
+                          <a:latin typeface="Arial" pitchFamily="-112" charset="0"/>
+                          <a:ea typeface="ヒラギノ角ゴ Pro W3" pitchFamily="-112" charset="-128"/>
+                          <a:cs typeface="ヒラギノ角ゴ Pro W3" pitchFamily="-112" charset="-128"/>
+                        </a:rPr>
+                        <a:t>The QoS of the connection.</a:t>
+                      </a:r>
+                    </a:p>
+                  </a:txBody>
+                  <a:tcPr marT="45692" marB="45692" horzOverflow="overflow">
+                    <a:lnL w="12700" cap="flat" cmpd="sng" algn="ctr">
+                      <a:solidFill>
+                        <a:schemeClr val="tx1"/>
+                      </a:solidFill>
+                      <a:prstDash val="solid"/>
+                      <a:round/>
+                      <a:headEnd type="none" w="med" len="med"/>
+                      <a:tailEnd type="none" w="med" len="med"/>
+                    </a:lnL>
+                    <a:lnR w="28575" cap="flat" cmpd="sng" algn="ctr">
+                      <a:solidFill>
+                        <a:scrgbClr r="0" g="0" b="0"/>
+                      </a:solidFill>
+                      <a:prstDash val="solid"/>
+                      <a:round/>
+                      <a:headEnd type="none" w="med" len="med"/>
+                      <a:tailEnd type="none" w="med" len="med"/>
+                    </a:lnR>
+                    <a:lnT w="12700" cap="flat" cmpd="sng" algn="ctr">
+                      <a:solidFill>
+                        <a:schemeClr val="tx1"/>
+                      </a:solidFill>
+                      <a:prstDash val="solid"/>
+                      <a:round/>
+                      <a:headEnd type="none" w="med" len="med"/>
+                      <a:tailEnd type="none" w="med" len="med"/>
+                    </a:lnT>
+                    <a:lnB w="12700" cap="flat" cmpd="sng" algn="ctr">
+                      <a:solidFill>
+                        <a:schemeClr val="tx1"/>
+                      </a:solidFill>
+                      <a:prstDash val="solid"/>
+                      <a:round/>
+                      <a:headEnd type="none" w="med" len="med"/>
+                      <a:tailEnd type="none" w="med" len="med"/>
+                    </a:lnB>
+                    <a:lnTlToBr>
+                      <a:noFill/>
+                    </a:lnTlToBr>
+                    <a:lnBlToTr>
+                      <a:noFill/>
+                    </a:lnBlToTr>
+                    <a:noFill/>
+                  </a:tcPr>
+                </a:tc>
+              </a:tr>
+              <a:tr h="396172">
+                <a:tc>
+                  <a:txBody>
+                    <a:bodyPr/>
+                    <a:lstStyle/>
+                    <a:p>
+                      <a:pPr marL="0" marR="0" lvl="0" indent="0" algn="l" defTabSz="914400" rtl="0" eaLnBrk="0" fontAlgn="base" latinLnBrk="0" hangingPunct="0">
+                        <a:lnSpc>
+                          <a:spcPct val="100000"/>
+                        </a:lnSpc>
+                        <a:spcBef>
+                          <a:spcPct val="35000"/>
+                        </a:spcBef>
+                        <a:spcAft>
+                          <a:spcPct val="0"/>
+                        </a:spcAft>
+                        <a:buClrTx/>
+                        <a:buSzTx/>
+                        <a:buFontTx/>
+                        <a:buNone/>
+                        <a:tabLst/>
+                      </a:pPr>
+                      <a:r>
+                        <a:rPr kumimoji="0" lang="en-US" sz="1400" b="0" i="0" u="none" strike="noStrike" cap="none" normalizeH="0" baseline="0">
+                          <a:ln>
+                            <a:noFill/>
+                          </a:ln>
+                          <a:solidFill>
+                            <a:schemeClr val="tx1"/>
+                          </a:solidFill>
+                          <a:effectLst/>
+                          <a:latin typeface="Arial" pitchFamily="-112" charset="0"/>
+                          <a:ea typeface="ヒラギノ角ゴ Pro W3" pitchFamily="-112" charset="-128"/>
+                          <a:cs typeface="ヒラギノ角ゴ Pro W3" pitchFamily="-112" charset="-128"/>
+                        </a:rPr>
+                        <a:t>NetNumber</a:t>
+                      </a:r>
+                    </a:p>
+                  </a:txBody>
+                  <a:tcPr marT="45692" marB="45692" horzOverflow="overflow">
+                    <a:lnL w="28575" cap="flat" cmpd="sng" algn="ctr">
+                      <a:solidFill>
+                        <a:scrgbClr r="0" g="0" b="0"/>
+                      </a:solidFill>
+                      <a:prstDash val="solid"/>
+                      <a:round/>
+                      <a:headEnd type="none" w="med" len="med"/>
+                      <a:tailEnd type="none" w="med" len="med"/>
+                    </a:lnL>
+                    <a:lnR w="12700" cap="flat" cmpd="sng" algn="ctr">
+                      <a:solidFill>
+                        <a:schemeClr val="tx1"/>
+                      </a:solidFill>
+                      <a:prstDash val="solid"/>
+                      <a:round/>
+                      <a:headEnd type="none" w="med" len="med"/>
+                      <a:tailEnd type="none" w="med" len="med"/>
+                    </a:lnR>
+                    <a:lnT w="12700" cap="flat" cmpd="sng" algn="ctr">
+                      <a:solidFill>
+                        <a:schemeClr val="tx1"/>
+                      </a:solidFill>
+                      <a:prstDash val="solid"/>
+                      <a:round/>
+                      <a:headEnd type="none" w="med" len="med"/>
+                      <a:tailEnd type="none" w="med" len="med"/>
+                    </a:lnT>
+                    <a:lnB w="12700" cap="flat" cmpd="sng" algn="ctr">
+                      <a:solidFill>
+                        <a:scrgbClr r="0" g="0" b="0"/>
+                      </a:solidFill>
+                      <a:prstDash val="dash"/>
+                      <a:round/>
+                      <a:headEnd type="none" w="med" len="med"/>
+                      <a:tailEnd type="none" w="med" len="med"/>
+                    </a:lnB>
+                    <a:lnTlToBr>
+                      <a:noFill/>
+                    </a:lnTlToBr>
+                    <a:lnBlToTr>
+                      <a:noFill/>
+                    </a:lnBlToTr>
+                    <a:noFill/>
+                  </a:tcPr>
+                </a:tc>
+                <a:tc>
+                  <a:txBody>
+                    <a:bodyPr/>
+                    <a:lstStyle/>
+                    <a:p>
+                      <a:pPr marL="0" marR="0" lvl="0" indent="0" algn="l" defTabSz="914400" rtl="0" eaLnBrk="0" fontAlgn="base" latinLnBrk="0" hangingPunct="0">
+                        <a:lnSpc>
+                          <a:spcPct val="100000"/>
+                        </a:lnSpc>
+                        <a:spcBef>
+                          <a:spcPct val="35000"/>
+                        </a:spcBef>
+                        <a:spcAft>
+                          <a:spcPct val="0"/>
+                        </a:spcAft>
+                        <a:buClrTx/>
+                        <a:buSzTx/>
+                        <a:buFontTx/>
+                        <a:buNone/>
+                        <a:tabLst/>
+                      </a:pPr>
+                      <a:r>
+                        <a:rPr kumimoji="0" lang="en-US" sz="1400" b="0" i="0" u="none" strike="noStrike" cap="none" normalizeH="0" baseline="0">
+                          <a:ln>
+                            <a:noFill/>
+                          </a:ln>
+                          <a:solidFill>
+                            <a:schemeClr val="tx1"/>
+                          </a:solidFill>
+                          <a:effectLst/>
+                          <a:latin typeface="Arial" pitchFamily="-112" charset="0"/>
+                          <a:ea typeface="ヒラギノ角ゴ Pro W3" pitchFamily="-112" charset="-128"/>
+                          <a:cs typeface="ヒラギノ角ゴ Pro W3" pitchFamily="-112" charset="-128"/>
+                        </a:rPr>
+                        <a:t>int</a:t>
+                      </a:r>
+                    </a:p>
+                  </a:txBody>
+                  <a:tcPr marT="45692" marB="45692" horzOverflow="overflow">
+                    <a:lnL w="12700" cap="flat" cmpd="sng" algn="ctr">
+                      <a:solidFill>
+                        <a:schemeClr val="tx1"/>
+                      </a:solidFill>
+                      <a:prstDash val="solid"/>
+                      <a:round/>
+                      <a:headEnd type="none" w="med" len="med"/>
+                      <a:tailEnd type="none" w="med" len="med"/>
+                    </a:lnL>
+                    <a:lnR w="12700" cap="flat" cmpd="sng" algn="ctr">
+                      <a:solidFill>
+                        <a:schemeClr val="tx1"/>
+                      </a:solidFill>
+                      <a:prstDash val="solid"/>
+                      <a:round/>
+                      <a:headEnd type="none" w="med" len="med"/>
+                      <a:tailEnd type="none" w="med" len="med"/>
+                    </a:lnR>
+                    <a:lnT w="12700" cap="flat" cmpd="sng" algn="ctr">
+                      <a:solidFill>
+                        <a:schemeClr val="tx1"/>
+                      </a:solidFill>
+                      <a:prstDash val="solid"/>
+                      <a:round/>
+                      <a:headEnd type="none" w="med" len="med"/>
+                      <a:tailEnd type="none" w="med" len="med"/>
+                    </a:lnT>
+                    <a:lnB w="12700" cap="flat" cmpd="sng" algn="ctr">
+                      <a:solidFill>
+                        <a:scrgbClr r="0" g="0" b="0"/>
+                      </a:solidFill>
+                      <a:prstDash val="dash"/>
+                      <a:round/>
+                      <a:headEnd type="none" w="med" len="med"/>
+                      <a:tailEnd type="none" w="med" len="med"/>
+                    </a:lnB>
+                    <a:lnTlToBr>
+                      <a:noFill/>
+                    </a:lnTlToBr>
+                    <a:lnBlToTr>
+                      <a:noFill/>
+                    </a:lnBlToTr>
+                    <a:noFill/>
+                  </a:tcPr>
+                </a:tc>
+                <a:tc>
+                  <a:txBody>
+                    <a:bodyPr/>
+                    <a:lstStyle/>
+                    <a:p>
+                      <a:pPr marL="0" marR="0" lvl="0" indent="0" algn="l" defTabSz="914400" rtl="0" eaLnBrk="0" fontAlgn="base" latinLnBrk="0" hangingPunct="0">
+                        <a:lnSpc>
+                          <a:spcPct val="100000"/>
+                        </a:lnSpc>
+                        <a:spcBef>
+                          <a:spcPct val="35000"/>
+                        </a:spcBef>
+                        <a:spcAft>
+                          <a:spcPct val="0"/>
+                        </a:spcAft>
+                        <a:buClrTx/>
+                        <a:buSzTx/>
+                        <a:buFontTx/>
+                        <a:buNone/>
+                        <a:tabLst/>
+                      </a:pPr>
+                      <a:r>
+                        <a:rPr kumimoji="0" lang="en-US" sz="1400" b="0" i="0" u="none" strike="noStrike" cap="none" normalizeH="0" baseline="0">
+                          <a:ln>
+                            <a:noFill/>
+                          </a:ln>
+                          <a:solidFill>
+                            <a:schemeClr val="tx1"/>
+                          </a:solidFill>
+                          <a:effectLst/>
+                          <a:latin typeface="Arial" pitchFamily="-112" charset="0"/>
+                          <a:ea typeface="ヒラギノ角ゴ Pro W3" pitchFamily="-112" charset="-128"/>
+                          <a:cs typeface="ヒラギノ角ゴ Pro W3" pitchFamily="-112" charset="-128"/>
+                        </a:rPr>
+                        <a:t>The Network Number (if you have multiple distinct networks sharing peers.)</a:t>
+                      </a:r>
+                    </a:p>
+                  </a:txBody>
+                  <a:tcPr marT="45692" marB="45692" horzOverflow="overflow">
+                    <a:lnL w="12700" cap="flat" cmpd="sng" algn="ctr">
+                      <a:solidFill>
+                        <a:schemeClr val="tx1"/>
+                      </a:solidFill>
+                      <a:prstDash val="solid"/>
+                      <a:round/>
+                      <a:headEnd type="none" w="med" len="med"/>
+                      <a:tailEnd type="none" w="med" len="med"/>
+                    </a:lnL>
+                    <a:lnR w="28575" cap="flat" cmpd="sng" algn="ctr">
+                      <a:solidFill>
+                        <a:scrgbClr r="0" g="0" b="0"/>
+                      </a:solidFill>
+                      <a:prstDash val="solid"/>
+                      <a:round/>
+                      <a:headEnd type="none" w="med" len="med"/>
+                      <a:tailEnd type="none" w="med" len="med"/>
+                    </a:lnR>
+                    <a:lnT w="12700" cap="flat" cmpd="sng" algn="ctr">
+                      <a:solidFill>
+                        <a:schemeClr val="tx1"/>
+                      </a:solidFill>
+                      <a:prstDash val="solid"/>
+                      <a:round/>
+                      <a:headEnd type="none" w="med" len="med"/>
+                      <a:tailEnd type="none" w="med" len="med"/>
+                    </a:lnT>
+                    <a:lnB w="12700" cap="flat" cmpd="sng" algn="ctr">
+                      <a:solidFill>
+                        <a:scrgbClr r="0" g="0" b="0"/>
+                      </a:solidFill>
+                      <a:prstDash val="dash"/>
+                      <a:round/>
+                      <a:headEnd type="none" w="med" len="med"/>
+                      <a:tailEnd type="none" w="med" len="med"/>
+                    </a:lnB>
+                    <a:lnTlToBr>
+                      <a:noFill/>
+                    </a:lnTlToBr>
+                    <a:lnBlToTr>
+                      <a:noFill/>
+                    </a:lnBlToTr>
+                    <a:noFill/>
+                  </a:tcPr>
+                </a:tc>
+              </a:tr>
+              <a:tr h="396172">
+                <a:tc gridSpan="3">
+                  <a:txBody>
+                    <a:bodyPr/>
+                    <a:lstStyle/>
+                    <a:p>
+                      <a:pPr marL="0" marR="0" lvl="0" indent="0" algn="l" defTabSz="914400" rtl="0" eaLnBrk="0" fontAlgn="base" latinLnBrk="0" hangingPunct="0">
+                        <a:lnSpc>
+                          <a:spcPct val="100000"/>
+                        </a:lnSpc>
+                        <a:spcBef>
+                          <a:spcPct val="35000"/>
+                        </a:spcBef>
+                        <a:spcAft>
+                          <a:spcPct val="0"/>
+                        </a:spcAft>
+                        <a:buClrTx/>
+                        <a:buSzTx/>
+                        <a:buFontTx/>
+                        <a:buNone/>
+                        <a:tabLst/>
+                      </a:pPr>
+                      <a:r>
+                        <a:rPr kumimoji="0" lang="en-US" sz="1400" b="1" i="0" u="none" strike="noStrike" cap="none" normalizeH="0" baseline="0">
+                          <a:ln>
+                            <a:noFill/>
+                          </a:ln>
+                          <a:solidFill>
+                            <a:schemeClr val="tx1"/>
+                          </a:solidFill>
+                          <a:effectLst/>
+                          <a:latin typeface="Arial" pitchFamily="-112" charset="0"/>
+                          <a:ea typeface="ヒラギノ角ゴ Pro W3" pitchFamily="-112" charset="-128"/>
+                          <a:cs typeface="ヒラギノ角ゴ Pro W3" pitchFamily="-112" charset="-128"/>
+                        </a:rPr>
+                        <a:t>+++ module-specific parameters (e.g. hostname/port, serial device filename, etc.)</a:t>
+                      </a:r>
+                    </a:p>
+                  </a:txBody>
+                  <a:tcPr marT="45692" marB="45692" horzOverflow="overflow">
+                    <a:lnL w="28575" cap="flat" cmpd="sng" algn="ctr">
+                      <a:solidFill>
+                        <a:scrgbClr r="0" g="0" b="0"/>
+                      </a:solidFill>
+                      <a:prstDash val="solid"/>
+                      <a:round/>
+                      <a:headEnd type="none" w="med" len="med"/>
+                      <a:tailEnd type="none" w="med" len="med"/>
+                    </a:lnL>
+                    <a:lnR w="28575" cap="flat" cmpd="sng" algn="ctr">
+                      <a:solidFill>
+                        <a:scrgbClr r="0" g="0" b="0"/>
+                      </a:solidFill>
+                      <a:prstDash val="solid"/>
+                      <a:round/>
+                      <a:headEnd type="none" w="med" len="med"/>
+                      <a:tailEnd type="none" w="med" len="med"/>
+                    </a:lnR>
+                    <a:lnT w="12700" cap="flat" cmpd="sng" algn="ctr">
+                      <a:solidFill>
+                        <a:scrgbClr r="0" g="0" b="0"/>
+                      </a:solidFill>
+                      <a:prstDash val="dash"/>
+                      <a:round/>
+                      <a:headEnd type="none" w="med" len="med"/>
+                      <a:tailEnd type="none" w="med" len="med"/>
+                    </a:lnT>
+                    <a:lnB w="28575" cap="flat" cmpd="sng" algn="ctr">
+                      <a:solidFill>
+                        <a:scrgbClr r="0" g="0" b="0"/>
+                      </a:solidFill>
+                      <a:prstDash val="solid"/>
+                      <a:round/>
+                      <a:headEnd type="none" w="med" len="med"/>
+                      <a:tailEnd type="none" w="med" len="med"/>
+                    </a:lnB>
+                    <a:lnTlToBr>
+                      <a:noFill/>
+                    </a:lnTlToBr>
+                    <a:lnBlToTr>
+                      <a:noFill/>
+                    </a:lnBlToTr>
+                    <a:noFill/>
+                  </a:tcPr>
+                </a:tc>
+                <a:tc hMerge="1">
+                  <a:txBody>
+                    <a:bodyPr/>
+                    <a:lstStyle/>
+                    <a:p>
+                      <a:pPr marL="0" marR="0" lvl="0" indent="0" algn="l" defTabSz="914400" rtl="0" eaLnBrk="0" fontAlgn="base" latinLnBrk="0" hangingPunct="0">
+                        <a:lnSpc>
+                          <a:spcPct val="100000"/>
+                        </a:lnSpc>
+                        <a:spcBef>
+                          <a:spcPct val="35000"/>
+                        </a:spcBef>
+                        <a:spcAft>
+                          <a:spcPct val="0"/>
+                        </a:spcAft>
+                        <a:buClrTx/>
+                        <a:buSzTx/>
+                        <a:buFontTx/>
+                        <a:buNone/>
+                        <a:tabLst/>
+                      </a:pPr>
+                      <a:endParaRPr kumimoji="0" lang="en-US" sz="1400" b="0" i="0" u="none" strike="noStrike" cap="none" normalizeH="0" baseline="0">
+                        <a:ln>
+                          <a:noFill/>
+                        </a:ln>
+                        <a:solidFill>
+                          <a:schemeClr val="tx1"/>
+                        </a:solidFill>
+                        <a:effectLst/>
+                        <a:latin typeface="Arial" pitchFamily="-112" charset="0"/>
+                        <a:ea typeface="ヒラギノ角ゴ Pro W3" pitchFamily="-112" charset="-128"/>
+                        <a:cs typeface="ヒラギノ角ゴ Pro W3" pitchFamily="-112" charset="-128"/>
+                      </a:endParaRPr>
+                    </a:p>
+                  </a:txBody>
+                  <a:tcPr marT="45692" marB="45692" horzOverflow="overflow">
+                    <a:lnL w="12700" cap="flat" cmpd="sng" algn="ctr">
+                      <a:solidFill>
+                        <a:schemeClr val="tx1"/>
+                      </a:solidFill>
+                      <a:prstDash val="solid"/>
+                      <a:round/>
+                      <a:headEnd type="none" w="med" len="med"/>
+                      <a:tailEnd type="none" w="med" len="med"/>
+                    </a:lnL>
+                    <a:lnR w="12700" cap="flat" cmpd="sng" algn="ctr">
+                      <a:solidFill>
+                        <a:schemeClr val="tx1"/>
+                      </a:solidFill>
+                      <a:prstDash val="solid"/>
+                      <a:round/>
+                      <a:headEnd type="none" w="med" len="med"/>
+                      <a:tailEnd type="none" w="med" len="med"/>
+                    </a:lnR>
+                    <a:lnT w="12700" cap="flat" cmpd="sng" algn="ctr">
+                      <a:solidFill>
+                        <a:schemeClr val="tx1"/>
+                      </a:solidFill>
+                      <a:prstDash val="solid"/>
+                      <a:round/>
+                      <a:headEnd type="none" w="med" len="med"/>
+                      <a:tailEnd type="none" w="med" len="med"/>
+                    </a:lnT>
+                    <a:lnB w="12700" cap="flat" cmpd="sng" algn="ctr">
+                      <a:solidFill>
+                        <a:schemeClr val="tx1"/>
+                      </a:solidFill>
+                      <a:prstDash val="solid"/>
+                      <a:round/>
+                      <a:headEnd type="none" w="med" len="med"/>
+                      <a:tailEnd type="none" w="med" len="med"/>
+                    </a:lnB>
+                    <a:lnTlToBr>
+                      <a:noFill/>
+                    </a:lnTlToBr>
+                    <a:lnBlToTr>
+                      <a:noFill/>
+                    </a:lnBlToTr>
+                    <a:noFill/>
+                  </a:tcPr>
+                </a:tc>
+                <a:tc hMerge="1">
+                  <a:txBody>
+                    <a:bodyPr/>
+                    <a:lstStyle/>
+                    <a:p>
+                      <a:pPr marL="0" marR="0" lvl="0" indent="0" algn="l" defTabSz="914400" rtl="0" eaLnBrk="0" fontAlgn="base" latinLnBrk="0" hangingPunct="0">
+                        <a:lnSpc>
+                          <a:spcPct val="100000"/>
+                        </a:lnSpc>
+                        <a:spcBef>
+                          <a:spcPct val="35000"/>
+                        </a:spcBef>
+                        <a:spcAft>
+                          <a:spcPct val="0"/>
+                        </a:spcAft>
+                        <a:buClrTx/>
+                        <a:buSzTx/>
+                        <a:buFontTx/>
+                        <a:buNone/>
+                        <a:tabLst/>
+                      </a:pPr>
+                      <a:endParaRPr kumimoji="0" lang="en-US" sz="1400" b="0" i="0" u="none" strike="noStrike" cap="none" normalizeH="0" baseline="0">
+                        <a:ln>
+                          <a:noFill/>
+                        </a:ln>
+                        <a:solidFill>
+                          <a:schemeClr val="tx1"/>
+                        </a:solidFill>
+                        <a:effectLst/>
+                        <a:latin typeface="Arial" pitchFamily="-112" charset="0"/>
+                        <a:ea typeface="ヒラギノ角ゴ Pro W3" pitchFamily="-112" charset="-128"/>
+                        <a:cs typeface="ヒラギノ角ゴ Pro W3" pitchFamily="-112" charset="-128"/>
+                      </a:endParaRPr>
+                    </a:p>
+                  </a:txBody>
+                  <a:tcPr marT="45692" marB="45692" horzOverflow="overflow">
+                    <a:lnL w="12700" cap="flat" cmpd="sng" algn="ctr">
+                      <a:solidFill>
+                        <a:schemeClr val="tx1"/>
+                      </a:solidFill>
+                      <a:prstDash val="solid"/>
+                      <a:round/>
+                      <a:headEnd type="none" w="med" len="med"/>
+                      <a:tailEnd type="none" w="med" len="med"/>
+                    </a:lnL>
+                    <a:lnR w="28575" cap="flat" cmpd="sng" algn="ctr">
+                      <a:solidFill>
+                        <a:scrgbClr r="0" g="0" b="0"/>
+                      </a:solidFill>
+                      <a:prstDash val="solid"/>
+                      <a:round/>
+                      <a:headEnd type="none" w="med" len="med"/>
+                      <a:tailEnd type="none" w="med" len="med"/>
+                    </a:lnR>
+                    <a:lnT w="12700" cap="flat" cmpd="sng" algn="ctr">
+                      <a:solidFill>
+                        <a:schemeClr val="tx1"/>
+                      </a:solidFill>
+                      <a:prstDash val="solid"/>
+                      <a:round/>
+                      <a:headEnd type="none" w="med" len="med"/>
+                      <a:tailEnd type="none" w="med" len="med"/>
+                    </a:lnT>
+                    <a:lnB w="12700" cap="flat" cmpd="sng" algn="ctr">
+                      <a:solidFill>
+                        <a:schemeClr val="tx1"/>
+                      </a:solidFill>
+                      <a:prstDash val="solid"/>
+                      <a:round/>
+                      <a:headEnd type="none" w="med" len="med"/>
+                      <a:tailEnd type="none" w="med" len="med"/>
+                    </a:lnB>
+                    <a:lnTlToBr>
+                      <a:noFill/>
+                    </a:lnTlToBr>
+                    <a:lnBlToTr>
+                      <a:noFill/>
+                    </a:lnBlToTr>
+                    <a:noFill/>
+                  </a:tcPr>
+                </a:tc>
+              </a:tr>
+            </a:tbl>
+          </a:graphicData>
+        </a:graphic>
+      </p:graphicFrame>
+      <p:sp>
+        <p:nvSpPr>
+          <p:cNvPr id="2" name="Date Placeholder 1"/>
+          <p:cNvSpPr>
+            <a:spLocks noGrp="1"/>
+          </p:cNvSpPr>
+          <p:nvPr>
+            <p:ph type="dt" sz="quarter" idx="11"/>
+          </p:nvPr>
+        </p:nvSpPr>
+        <p:spPr/>
+        <p:txBody>
+          <a:bodyPr/>
+          <a:lstStyle/>
+          <a:p>
+            <a:pPr>
+              <a:defRPr/>
+            </a:pPr>
+            <a:fld id="{7EB3607B-311D-CD49-AD8D-9D9F140825C4}" type="datetime1">
+              <a:rPr lang="en-US"/>
+              <a:pPr>
+                <a:defRPr/>
+              </a:pPr>
+              <a:t>9/30/16</a:t>
+            </a:fld>
+            <a:endParaRPr lang="en-US"/>
+          </a:p>
+        </p:txBody>
+      </p:sp>
+      <p:sp>
+        <p:nvSpPr>
+          <p:cNvPr id="3" name="Footer Placeholder 2"/>
+          <p:cNvSpPr>
+            <a:spLocks noGrp="1"/>
+          </p:cNvSpPr>
+          <p:nvPr>
+            <p:ph type="ftr" sz="quarter" idx="12"/>
+          </p:nvPr>
+        </p:nvSpPr>
+        <p:spPr/>
+        <p:txBody>
+          <a:bodyPr/>
+          <a:lstStyle/>
+          <a:p>
+            <a:pPr>
+              <a:defRPr/>
+            </a:pPr>
+            <a:r>
+              <a:rPr lang="en-US"/>
+              <a:t>cFS Application: SBN</a:t>
+            </a:r>
+          </a:p>
+        </p:txBody>
+      </p:sp>
+    </p:spTree>
+    <p:extLst>
+      <p:ext uri="{BB962C8B-B14F-4D97-AF65-F5344CB8AC3E}">
+        <p14:creationId xmlns:p14="http://schemas.microsoft.com/office/powerpoint/2010/main" val="2362947601"/>
+      </p:ext>
+    </p:extLst>
+  </p:cSld>
+  <p:clrMapOvr>
+    <a:masterClrMapping/>
+  </p:clrMapOvr>
+</p:sld>
+</file>
+
+<file path=ppt/slides/slide11.xml><?xml version="1.0" encoding="utf-8"?>
+<p:sld xmlns:a="http://schemas.openxmlformats.org/drawingml/2006/main" xmlns:r="http://schemas.openxmlformats.org/officeDocument/2006/relationships" xmlns:p="http://schemas.openxmlformats.org/presentationml/2006/main">
+  <p:cSld>
+    <p:spTree>
+      <p:nvGrpSpPr>
+        <p:cNvPr id="1" name=""/>
+        <p:cNvGrpSpPr/>
+        <p:nvPr/>
+      </p:nvGrpSpPr>
+      <p:grpSpPr>
+        <a:xfrm>
+          <a:off x="0" y="0"/>
+          <a:ext cx="0" cy="0"/>
+          <a:chOff x="0" y="0"/>
+          <a:chExt cx="0" cy="0"/>
+        </a:xfrm>
+      </p:grpSpPr>
+      <p:sp>
+        <p:nvSpPr>
+          <p:cNvPr id="30721" name="Slide Number Placeholder 3"/>
+          <p:cNvSpPr>
+            <a:spLocks noGrp="1"/>
+          </p:cNvSpPr>
+          <p:nvPr>
+            <p:ph type="sldNum" sz="quarter" idx="10"/>
+          </p:nvPr>
+        </p:nvSpPr>
+        <p:spPr>
+          <a:noFill/>
+          <a:ln/>
+          <a:extLst>
+            <a:ext uri="{909E8E84-426E-40dd-AFC4-6F175D3DCCD1}">
+              <a14:hiddenFill xmlns:a14="http://schemas.microsoft.com/office/drawing/2010/main">
+                <a:solidFill>
+                  <a:srgbClr val="FFFFFF"/>
+                </a:solidFill>
+              </a14:hiddenFill>
+            </a:ext>
+            <a:ext uri="{91240B29-F687-4f45-9708-019B960494DF}">
+              <a14:hiddenLine xmlns:a14="http://schemas.microsoft.com/office/drawing/2010/main" w="9525">
+                <a:solidFill>
+                  <a:srgbClr val="000000"/>
+                </a:solidFill>
+                <a:miter lim="800000"/>
+                <a:headEnd/>
+                <a:tailEnd/>
+              </a14:hiddenLine>
+            </a:ext>
+          </a:extLst>
+        </p:spPr>
+        <p:txBody>
+          <a:bodyPr/>
+          <a:lstStyle>
+            <a:lvl1pPr eaLnBrk="0" hangingPunct="0">
+              <a:defRPr sz="2400">
+                <a:solidFill>
+                  <a:schemeClr val="tx1"/>
+                </a:solidFill>
+                <a:latin typeface="Arial" charset="0"/>
+                <a:ea typeface="ヒラギノ角ゴ Pro W3" charset="0"/>
+                <a:cs typeface="ヒラギノ角ゴ Pro W3" charset="0"/>
+              </a:defRPr>
+            </a:lvl1pPr>
+            <a:lvl2pPr marL="742950" indent="-285750" eaLnBrk="0" hangingPunct="0">
+              <a:defRPr sz="2400">
+                <a:solidFill>
+                  <a:schemeClr val="tx1"/>
+                </a:solidFill>
+                <a:latin typeface="Arial" charset="0"/>
+                <a:ea typeface="ヒラギノ角ゴ Pro W3" charset="0"/>
+                <a:cs typeface="ヒラギノ角ゴ Pro W3" charset="0"/>
+              </a:defRPr>
+            </a:lvl2pPr>
+            <a:lvl3pPr marL="1143000" indent="-228600" eaLnBrk="0" hangingPunct="0">
+              <a:defRPr sz="2400">
+                <a:solidFill>
+                  <a:schemeClr val="tx1"/>
+                </a:solidFill>
+                <a:latin typeface="Arial" charset="0"/>
+                <a:ea typeface="ヒラギノ角ゴ Pro W3" charset="0"/>
+                <a:cs typeface="ヒラギノ角ゴ Pro W3" charset="0"/>
+              </a:defRPr>
+            </a:lvl3pPr>
+            <a:lvl4pPr marL="1600200" indent="-228600" eaLnBrk="0" hangingPunct="0">
+              <a:defRPr sz="2400">
+                <a:solidFill>
+                  <a:schemeClr val="tx1"/>
+                </a:solidFill>
+                <a:latin typeface="Arial" charset="0"/>
+                <a:ea typeface="ヒラギノ角ゴ Pro W3" charset="0"/>
+                <a:cs typeface="ヒラギノ角ゴ Pro W3" charset="0"/>
+              </a:defRPr>
+            </a:lvl4pPr>
+            <a:lvl5pPr marL="2057400" indent="-228600" eaLnBrk="0" hangingPunct="0">
+              <a:defRPr sz="2400">
+                <a:solidFill>
+                  <a:schemeClr val="tx1"/>
+                </a:solidFill>
+                <a:latin typeface="Arial" charset="0"/>
+                <a:ea typeface="ヒラギノ角ゴ Pro W3" charset="0"/>
+                <a:cs typeface="ヒラギノ角ゴ Pro W3" charset="0"/>
+              </a:defRPr>
+            </a:lvl5pPr>
+            <a:lvl6pPr marL="2514600" indent="-228600" algn="ctr" eaLnBrk="0" fontAlgn="base" hangingPunct="0">
+              <a:spcBef>
+                <a:spcPct val="0"/>
+              </a:spcBef>
+              <a:spcAft>
+                <a:spcPct val="0"/>
+              </a:spcAft>
+              <a:defRPr sz="2400">
+                <a:solidFill>
+                  <a:schemeClr val="tx1"/>
+                </a:solidFill>
+                <a:latin typeface="Arial" charset="0"/>
+                <a:ea typeface="ヒラギノ角ゴ Pro W3" charset="0"/>
+                <a:cs typeface="ヒラギノ角ゴ Pro W3" charset="0"/>
+              </a:defRPr>
+            </a:lvl6pPr>
+            <a:lvl7pPr marL="2971800" indent="-228600" algn="ctr" eaLnBrk="0" fontAlgn="base" hangingPunct="0">
+              <a:spcBef>
+                <a:spcPct val="0"/>
+              </a:spcBef>
+              <a:spcAft>
+                <a:spcPct val="0"/>
+              </a:spcAft>
+              <a:defRPr sz="2400">
+                <a:solidFill>
+                  <a:schemeClr val="tx1"/>
+                </a:solidFill>
+                <a:latin typeface="Arial" charset="0"/>
+                <a:ea typeface="ヒラギノ角ゴ Pro W3" charset="0"/>
+                <a:cs typeface="ヒラギノ角ゴ Pro W3" charset="0"/>
+              </a:defRPr>
+            </a:lvl7pPr>
+            <a:lvl8pPr marL="3429000" indent="-228600" algn="ctr" eaLnBrk="0" fontAlgn="base" hangingPunct="0">
+              <a:spcBef>
+                <a:spcPct val="0"/>
+              </a:spcBef>
+              <a:spcAft>
+                <a:spcPct val="0"/>
+              </a:spcAft>
+              <a:defRPr sz="2400">
+                <a:solidFill>
+                  <a:schemeClr val="tx1"/>
+                </a:solidFill>
+                <a:latin typeface="Arial" charset="0"/>
+                <a:ea typeface="ヒラギノ角ゴ Pro W3" charset="0"/>
+                <a:cs typeface="ヒラギノ角ゴ Pro W3" charset="0"/>
+              </a:defRPr>
+            </a:lvl8pPr>
+            <a:lvl9pPr marL="3886200" indent="-228600" algn="ctr" eaLnBrk="0" fontAlgn="base" hangingPunct="0">
+              <a:spcBef>
+                <a:spcPct val="0"/>
+              </a:spcBef>
+              <a:spcAft>
+                <a:spcPct val="0"/>
+              </a:spcAft>
+              <a:defRPr sz="2400">
+                <a:solidFill>
+                  <a:schemeClr val="tx1"/>
+                </a:solidFill>
+                <a:latin typeface="Arial" charset="0"/>
+                <a:ea typeface="ヒラギノ角ゴ Pro W3" charset="0"/>
+                <a:cs typeface="ヒラギノ角ゴ Pro W3" charset="0"/>
+              </a:defRPr>
+            </a:lvl9pPr>
+          </a:lstStyle>
+          <a:p>
+            <a:pPr eaLnBrk="1" hangingPunct="1"/>
+            <a:fld id="{EE975231-3F63-4F4E-B8F6-0A246541BABA}" type="slidenum">
+              <a:rPr lang="en-US" sz="1400"/>
+              <a:pPr eaLnBrk="1" hangingPunct="1"/>
+              <a:t>11</a:t>
             </a:fld>
             <a:endParaRPr lang="en-US" sz="1400"/>
           </a:p>
@@ -11034,7 +13671,7 @@
               <a:pPr>
                 <a:defRPr/>
               </a:pPr>
-              <a:t>9/28/16</a:t>
+              <a:t>9/30/16</a:t>
             </a:fld>
             <a:endParaRPr lang="en-US"/>
           </a:p>
@@ -11078,7 +13715,7 @@
 </p:sld>
 </file>
 
-<file path=ppt/slides/slide11.xml><?xml version="1.0" encoding="utf-8"?>
+<file path=ppt/slides/slide12.xml><?xml version="1.0" encoding="utf-8"?>
 <p:sld xmlns:a="http://schemas.openxmlformats.org/drawingml/2006/main" xmlns:r="http://schemas.openxmlformats.org/officeDocument/2006/relationships" xmlns:p="http://schemas.openxmlformats.org/presentationml/2006/main">
   <p:cSld>
     <p:spTree>
@@ -11251,7 +13888,7 @@
             <a:fld id="{EE975231-3F63-4F4E-B8F6-0A246541BABA}" type="slidenum">
               <a:rPr lang="en-US" sz="1400"/>
               <a:pPr eaLnBrk="1" hangingPunct="1"/>
-              <a:t>11</a:t>
+              <a:t>12</a:t>
             </a:fld>
             <a:endParaRPr lang="en-US" sz="1400"/>
           </a:p>
@@ -13304,7 +15941,7 @@
               <a:pPr>
                 <a:defRPr/>
               </a:pPr>
-              <a:t>9/28/16</a:t>
+              <a:t>9/30/16</a:t>
             </a:fld>
             <a:endParaRPr lang="en-US"/>
           </a:p>
@@ -13348,7 +15985,7 @@
 </p:sld>
 </file>
 
-<file path=ppt/slides/slide12.xml><?xml version="1.0" encoding="utf-8"?>
+<file path=ppt/slides/slide13.xml><?xml version="1.0" encoding="utf-8"?>
 <p:sld xmlns:a="http://schemas.openxmlformats.org/drawingml/2006/main" xmlns:r="http://schemas.openxmlformats.org/officeDocument/2006/relationships" xmlns:p="http://schemas.openxmlformats.org/presentationml/2006/main">
   <p:cSld>
     <p:spTree>
@@ -13521,7 +16158,7 @@
             <a:fld id="{55A1EC38-4983-4447-A9CA-30921677F47E}" type="slidenum">
               <a:rPr lang="en-US" sz="1400"/>
               <a:pPr eaLnBrk="1" hangingPunct="1"/>
-              <a:t>12</a:t>
+              <a:t>13</a:t>
             </a:fld>
             <a:endParaRPr lang="en-US" sz="1400"/>
           </a:p>
@@ -16071,7 +18708,7 @@
               <a:defRPr/>
             </a:pPr>
             <a:fld id="{0F7BDA28-418C-9143-89A1-46CE07347BF0}" type="datetime1">
-              <a:t>9/28/16</a:t>
+              <a:t>9/30/16</a:t>
             </a:fld>
             <a:endParaRPr lang="en-US"/>
           </a:p>
@@ -16277,7 +18914,7 @@
 </p:sld>
 </file>
 
-<file path=ppt/slides/slide13.xml><?xml version="1.0" encoding="utf-8"?>
+<file path=ppt/slides/slide14.xml><?xml version="1.0" encoding="utf-8"?>
 <p:sld xmlns:a="http://schemas.openxmlformats.org/drawingml/2006/main" xmlns:r="http://schemas.openxmlformats.org/officeDocument/2006/relationships" xmlns:p="http://schemas.openxmlformats.org/presentationml/2006/main">
   <p:cSld>
     <p:spTree>
@@ -16457,7 +19094,7 @@
             <a:fld id="{C00B6422-2848-6D42-8742-B05BF8E48EE5}" type="slidenum">
               <a:rPr lang="en-US" sz="1400"/>
               <a:pPr algn="r" eaLnBrk="1" hangingPunct="1"/>
-              <a:t>13</a:t>
+              <a:t>14</a:t>
             </a:fld>
             <a:endParaRPr lang="en-US" sz="1400"/>
           </a:p>
@@ -19535,7 +22172,7 @@
               <a:defRPr/>
             </a:pPr>
             <a:fld id="{59DBD478-FE4D-DB41-B957-A9DBBBBF7C99}" type="datetime1">
-              <a:t>9/28/16</a:t>
+              <a:t>9/30/16</a:t>
             </a:fld>
             <a:endParaRPr lang="en-US"/>
           </a:p>
@@ -19722,7 +22359,7 @@
             <a:fld id="{A98656E8-BAD3-2A42-9D86-EB9A7DD7D73C}" type="slidenum">
               <a:rPr lang="en-US" sz="1400"/>
               <a:pPr eaLnBrk="1" hangingPunct="1"/>
-              <a:t>13</a:t>
+              <a:t>14</a:t>
             </a:fld>
             <a:endParaRPr lang="en-US" sz="1400"/>
           </a:p>
@@ -19736,7 +22373,7 @@
 </p:sld>
 </file>
 
-<file path=ppt/slides/slide14.xml><?xml version="1.0" encoding="utf-8"?>
+<file path=ppt/slides/slide15.xml><?xml version="1.0" encoding="utf-8"?>
 <p:sld xmlns:a="http://schemas.openxmlformats.org/drawingml/2006/main" xmlns:r="http://schemas.openxmlformats.org/officeDocument/2006/relationships" xmlns:p="http://schemas.openxmlformats.org/presentationml/2006/main">
   <p:cSld>
     <p:spTree>
@@ -19916,7 +22553,7 @@
             <a:fld id="{C00B6422-2848-6D42-8742-B05BF8E48EE5}" type="slidenum">
               <a:rPr lang="en-US" sz="1400"/>
               <a:pPr algn="r" eaLnBrk="1" hangingPunct="1"/>
-              <a:t>14</a:t>
+              <a:t>15</a:t>
             </a:fld>
             <a:endParaRPr lang="en-US" sz="1400"/>
           </a:p>
@@ -19967,7 +22604,7 @@
               <a:defRPr/>
             </a:pPr>
             <a:fld id="{59DBD478-FE4D-DB41-B957-A9DBBBBF7C99}" type="datetime1">
-              <a:t>9/28/16</a:t>
+              <a:t>9/30/16</a:t>
             </a:fld>
             <a:endParaRPr lang="en-US"/>
           </a:p>
@@ -20154,7 +22791,7 @@
             <a:fld id="{A98656E8-BAD3-2A42-9D86-EB9A7DD7D73C}" type="slidenum">
               <a:rPr lang="en-US" sz="1400"/>
               <a:pPr eaLnBrk="1" hangingPunct="1"/>
-              <a:t>14</a:t>
+              <a:t>15</a:t>
             </a:fld>
             <a:endParaRPr lang="en-US" sz="1400"/>
           </a:p>
@@ -24727,7 +27364,7 @@
 </p:sld>
 </file>
 
-<file path=ppt/slides/slide15.xml><?xml version="1.0" encoding="utf-8"?>
+<file path=ppt/slides/slide16.xml><?xml version="1.0" encoding="utf-8"?>
 <p:sld xmlns:a="http://schemas.openxmlformats.org/drawingml/2006/main" xmlns:r="http://schemas.openxmlformats.org/officeDocument/2006/relationships" xmlns:p="http://schemas.openxmlformats.org/presentationml/2006/main">
   <p:cSld>
     <p:spTree>
@@ -24907,7 +27544,7 @@
             <a:fld id="{C00B6422-2848-6D42-8742-B05BF8E48EE5}" type="slidenum">
               <a:rPr lang="en-US" sz="1400"/>
               <a:pPr algn="r" eaLnBrk="1" hangingPunct="1"/>
-              <a:t>15</a:t>
+              <a:t>16</a:t>
             </a:fld>
             <a:endParaRPr lang="en-US" sz="1400"/>
           </a:p>
@@ -26701,7 +29338,7 @@
               <a:defRPr/>
             </a:pPr>
             <a:fld id="{59DBD478-FE4D-DB41-B957-A9DBBBBF7C99}" type="datetime1">
-              <a:t>9/28/16</a:t>
+              <a:t>9/30/16</a:t>
             </a:fld>
             <a:endParaRPr lang="en-US"/>
           </a:p>
@@ -26888,7 +29525,7 @@
             <a:fld id="{A98656E8-BAD3-2A42-9D86-EB9A7DD7D73C}" type="slidenum">
               <a:rPr lang="en-US" sz="1400"/>
               <a:pPr eaLnBrk="1" hangingPunct="1"/>
-              <a:t>15</a:t>
+              <a:t>16</a:t>
             </a:fld>
             <a:endParaRPr lang="en-US" sz="1400"/>
           </a:p>
@@ -26907,7 +29544,7 @@
 </p:sld>
 </file>
 
-<file path=ppt/slides/slide16.xml><?xml version="1.0" encoding="utf-8"?>
+<file path=ppt/slides/slide17.xml><?xml version="1.0" encoding="utf-8"?>
 <p:sld xmlns:a="http://schemas.openxmlformats.org/drawingml/2006/main" xmlns:r="http://schemas.openxmlformats.org/officeDocument/2006/relationships" xmlns:p="http://schemas.openxmlformats.org/presentationml/2006/main">
   <p:cSld>
     <p:spTree>
@@ -27080,7 +29717,7 @@
             <a:fld id="{CAA63246-3EE3-4545-8E2D-A932119B18F1}" type="slidenum">
               <a:rPr lang="en-US" sz="1400"/>
               <a:pPr eaLnBrk="1" hangingPunct="1"/>
-              <a:t>16</a:t>
+              <a:t>17</a:t>
             </a:fld>
             <a:endParaRPr lang="en-US" sz="1400"/>
           </a:p>
@@ -28746,7 +31383,7 @@
               <a:defRPr/>
             </a:pPr>
             <a:fld id="{DA2A2AB7-0D68-F246-A81D-87CD21846C56}" type="datetime1">
-              <a:t>9/28/16</a:t>
+              <a:t>9/30/16</a:t>
             </a:fld>
             <a:endParaRPr lang="en-US"/>
           </a:p>
@@ -29016,7 +31653,7 @@
                 </a:solidFill>
                 <a:latin typeface="Times New Roman" charset="0"/>
               </a:rPr>
-              <a:t>Design</a:t>
+              <a:t>Design (1)</a:t>
             </a:r>
             <a:endParaRPr lang="en-US" b="1">
               <a:solidFill>
@@ -29038,7 +31675,7 @@
         <p:spPr bwMode="auto">
           <a:xfrm>
             <a:off x="609600" y="1358900"/>
-            <a:ext cx="7848600" cy="4829015"/>
+            <a:ext cx="7848600" cy="4216539"/>
           </a:xfrm>
           <a:prstGeom prst="rect">
             <a:avLst/>
@@ -29194,7 +31831,7 @@
               </a:spcBef>
             </a:pPr>
             <a:r>
-              <a:rPr lang="en-US" sz="1800" b="1">
+              <a:rPr lang="en-US" sz="2000" b="1">
                 <a:cs typeface="Times New Roman" charset="0"/>
               </a:rPr>
               <a:t>SBN is a cFS application that:</a:t>
@@ -29209,10 +31846,10 @@
               <a:buChar char="•"/>
             </a:pPr>
             <a:r>
-              <a:rPr lang="en-US" sz="1800" b="1">
+              <a:rPr lang="en-US" sz="2000" b="1">
                 <a:cs typeface="Times New Roman" charset="0"/>
               </a:rPr>
-              <a:t>connects point-to-point with other SBN applications on other multiple cFS software busses together such that messages sent by an application on one bus can be received by an application on another bus.</a:t>
+              <a:t>Connects point-to-point with other SBN applications on other multiple cFS software busses together such that messages sent by an application on one bus can be received by an application on another bus.</a:t>
             </a:r>
           </a:p>
           <a:p>
@@ -29224,10 +31861,10 @@
               <a:buChar char="•"/>
             </a:pPr>
             <a:r>
-              <a:rPr lang="en-US" sz="1800" b="1">
+              <a:rPr lang="en-US" sz="2000" b="1">
                 <a:cs typeface="Times New Roman" charset="0"/>
               </a:rPr>
-              <a:t>has a modular network architecture (TCP, UDP, Serial, SpaceWire, etc.) to connect peers and supports mixed-mode peer networks.</a:t>
+              <a:t>Has a modular network architecture (TCP, UDP, Serial, SpaceWire, etc.) to connect peers and supports mixed-mode peer networks.</a:t>
             </a:r>
           </a:p>
           <a:p>
@@ -29239,10 +31876,16 @@
               <a:buChar char="•"/>
             </a:pPr>
             <a:r>
-              <a:rPr lang="en-US" sz="1800" b="1">
+              <a:rPr lang="en-US" sz="2000" b="1">
                 <a:cs typeface="Times New Roman" charset="0"/>
               </a:rPr>
-              <a:t>utilizes an “announce” and “heartbeat” protocol to provide network state awareness to the SBN application.</a:t>
+              <a:t>U</a:t>
+            </a:r>
+            <a:r>
+              <a:rPr lang="en-US" sz="2000" b="1">
+                <a:cs typeface="Times New Roman" charset="0"/>
+              </a:rPr>
+              <a:t>tilizes an “announce” and “heartbeat” protocol to provide network state awareness to the SBN application.</a:t>
             </a:r>
           </a:p>
           <a:p>
@@ -29254,49 +31897,14 @@
               <a:buChar char="•"/>
             </a:pPr>
             <a:r>
-              <a:rPr lang="en-US" sz="1800" b="1">
+              <a:rPr lang="en-US" sz="2000" b="1">
                 <a:cs typeface="Times New Roman" charset="0"/>
               </a:rPr>
-              <a:t>subscribes to the </a:t>
+              <a:t>Remaps and filters outgoing messages (configured by table.)</a:t>
             </a:r>
-            <a:r>
-              <a:rPr lang="en-US" sz="1800" b="1"/>
-              <a:t>CFE_SB_ALLSUBS_TLM_MID and sends a CFE_SB_SEND_PREV_SUBS_CC to receive all existing subscriptions at startup.</a:t>
-            </a:r>
-          </a:p>
-          <a:p>
-            <a:pPr algn="l">
-              <a:spcBef>
-                <a:spcPct val="35000"/>
-              </a:spcBef>
-              <a:buFontTx/>
-              <a:buChar char="•"/>
-            </a:pPr>
-            <a:r>
-              <a:rPr lang="en-US" sz="1800" b="1">
-                <a:cs typeface="Times New Roman" charset="0"/>
-              </a:rPr>
-              <a:t>subscribes to the </a:t>
-            </a:r>
-            <a:r>
-              <a:rPr lang="en-US" sz="1800" b="1"/>
-              <a:t>CFE_SB_ONESUB_TLM_MID message that informs SBN when a local application has (un)subscribed.</a:t>
-            </a:r>
-          </a:p>
-          <a:p>
-            <a:pPr algn="l">
-              <a:spcBef>
-                <a:spcPct val="35000"/>
-              </a:spcBef>
-              <a:buFontTx/>
-              <a:buChar char="•"/>
-            </a:pPr>
-            <a:r>
-              <a:rPr lang="en-US" sz="1800" b="1">
-                <a:cs typeface="Times New Roman" charset="0"/>
-              </a:rPr>
-              <a:t>Ensures all SBN and CCSDS headers are big-endian over the wire.</a:t>
-            </a:r>
+            <a:endParaRPr lang="en-US" sz="2000" b="1">
+              <a:cs typeface="Times New Roman" charset="0"/>
+            </a:endParaRPr>
           </a:p>
         </p:txBody>
       </p:sp>
@@ -29319,7 +31927,7 @@
               <a:defRPr/>
             </a:pPr>
             <a:fld id="{B90418B6-1B50-F34D-B458-B7530561AB98}" type="datetime1">
-              <a:t>9/28/16</a:t>
+              <a:t>9/30/16</a:t>
             </a:fld>
             <a:endParaRPr lang="en-US"/>
           </a:p>
@@ -29377,6 +31985,553 @@
       </p:grpSpPr>
       <p:sp>
         <p:nvSpPr>
+          <p:cNvPr id="18433" name="Slide Number Placeholder 4"/>
+          <p:cNvSpPr>
+            <a:spLocks noGrp="1"/>
+          </p:cNvSpPr>
+          <p:nvPr>
+            <p:ph type="sldNum" sz="quarter" idx="10"/>
+          </p:nvPr>
+        </p:nvSpPr>
+        <p:spPr>
+          <a:noFill/>
+          <a:ln/>
+          <a:extLst>
+            <a:ext uri="{909E8E84-426E-40dd-AFC4-6F175D3DCCD1}">
+              <a14:hiddenFill xmlns:a14="http://schemas.microsoft.com/office/drawing/2010/main">
+                <a:solidFill>
+                  <a:srgbClr val="FFFFFF"/>
+                </a:solidFill>
+              </a14:hiddenFill>
+            </a:ext>
+            <a:ext uri="{91240B29-F687-4f45-9708-019B960494DF}">
+              <a14:hiddenLine xmlns:a14="http://schemas.microsoft.com/office/drawing/2010/main" w="9525">
+                <a:solidFill>
+                  <a:srgbClr val="000000"/>
+                </a:solidFill>
+                <a:miter lim="800000"/>
+                <a:headEnd/>
+                <a:tailEnd/>
+              </a14:hiddenLine>
+            </a:ext>
+          </a:extLst>
+        </p:spPr>
+        <p:txBody>
+          <a:bodyPr/>
+          <a:lstStyle>
+            <a:lvl1pPr eaLnBrk="0" hangingPunct="0">
+              <a:defRPr sz="2400">
+                <a:solidFill>
+                  <a:schemeClr val="tx1"/>
+                </a:solidFill>
+                <a:latin typeface="Arial" charset="0"/>
+                <a:ea typeface="ヒラギノ角ゴ Pro W3" charset="0"/>
+                <a:cs typeface="ヒラギノ角ゴ Pro W3" charset="0"/>
+              </a:defRPr>
+            </a:lvl1pPr>
+            <a:lvl2pPr marL="742950" indent="-285750" eaLnBrk="0" hangingPunct="0">
+              <a:defRPr sz="2400">
+                <a:solidFill>
+                  <a:schemeClr val="tx1"/>
+                </a:solidFill>
+                <a:latin typeface="Arial" charset="0"/>
+                <a:ea typeface="ヒラギノ角ゴ Pro W3" charset="0"/>
+                <a:cs typeface="ヒラギノ角ゴ Pro W3" charset="0"/>
+              </a:defRPr>
+            </a:lvl2pPr>
+            <a:lvl3pPr marL="1143000" indent="-228600" eaLnBrk="0" hangingPunct="0">
+              <a:defRPr sz="2400">
+                <a:solidFill>
+                  <a:schemeClr val="tx1"/>
+                </a:solidFill>
+                <a:latin typeface="Arial" charset="0"/>
+                <a:ea typeface="ヒラギノ角ゴ Pro W3" charset="0"/>
+                <a:cs typeface="ヒラギノ角ゴ Pro W3" charset="0"/>
+              </a:defRPr>
+            </a:lvl3pPr>
+            <a:lvl4pPr marL="1600200" indent="-228600" eaLnBrk="0" hangingPunct="0">
+              <a:defRPr sz="2400">
+                <a:solidFill>
+                  <a:schemeClr val="tx1"/>
+                </a:solidFill>
+                <a:latin typeface="Arial" charset="0"/>
+                <a:ea typeface="ヒラギノ角ゴ Pro W3" charset="0"/>
+                <a:cs typeface="ヒラギノ角ゴ Pro W3" charset="0"/>
+              </a:defRPr>
+            </a:lvl4pPr>
+            <a:lvl5pPr marL="2057400" indent="-228600" eaLnBrk="0" hangingPunct="0">
+              <a:defRPr sz="2400">
+                <a:solidFill>
+                  <a:schemeClr val="tx1"/>
+                </a:solidFill>
+                <a:latin typeface="Arial" charset="0"/>
+                <a:ea typeface="ヒラギノ角ゴ Pro W3" charset="0"/>
+                <a:cs typeface="ヒラギノ角ゴ Pro W3" charset="0"/>
+              </a:defRPr>
+            </a:lvl5pPr>
+            <a:lvl6pPr marL="2514600" indent="-228600" algn="ctr" eaLnBrk="0" fontAlgn="base" hangingPunct="0">
+              <a:spcBef>
+                <a:spcPct val="0"/>
+              </a:spcBef>
+              <a:spcAft>
+                <a:spcPct val="0"/>
+              </a:spcAft>
+              <a:defRPr sz="2400">
+                <a:solidFill>
+                  <a:schemeClr val="tx1"/>
+                </a:solidFill>
+                <a:latin typeface="Arial" charset="0"/>
+                <a:ea typeface="ヒラギノ角ゴ Pro W3" charset="0"/>
+                <a:cs typeface="ヒラギノ角ゴ Pro W3" charset="0"/>
+              </a:defRPr>
+            </a:lvl6pPr>
+            <a:lvl7pPr marL="2971800" indent="-228600" algn="ctr" eaLnBrk="0" fontAlgn="base" hangingPunct="0">
+              <a:spcBef>
+                <a:spcPct val="0"/>
+              </a:spcBef>
+              <a:spcAft>
+                <a:spcPct val="0"/>
+              </a:spcAft>
+              <a:defRPr sz="2400">
+                <a:solidFill>
+                  <a:schemeClr val="tx1"/>
+                </a:solidFill>
+                <a:latin typeface="Arial" charset="0"/>
+                <a:ea typeface="ヒラギノ角ゴ Pro W3" charset="0"/>
+                <a:cs typeface="ヒラギノ角ゴ Pro W3" charset="0"/>
+              </a:defRPr>
+            </a:lvl7pPr>
+            <a:lvl8pPr marL="3429000" indent="-228600" algn="ctr" eaLnBrk="0" fontAlgn="base" hangingPunct="0">
+              <a:spcBef>
+                <a:spcPct val="0"/>
+              </a:spcBef>
+              <a:spcAft>
+                <a:spcPct val="0"/>
+              </a:spcAft>
+              <a:defRPr sz="2400">
+                <a:solidFill>
+                  <a:schemeClr val="tx1"/>
+                </a:solidFill>
+                <a:latin typeface="Arial" charset="0"/>
+                <a:ea typeface="ヒラギノ角ゴ Pro W3" charset="0"/>
+                <a:cs typeface="ヒラギノ角ゴ Pro W3" charset="0"/>
+              </a:defRPr>
+            </a:lvl8pPr>
+            <a:lvl9pPr marL="3886200" indent="-228600" algn="ctr" eaLnBrk="0" fontAlgn="base" hangingPunct="0">
+              <a:spcBef>
+                <a:spcPct val="0"/>
+              </a:spcBef>
+              <a:spcAft>
+                <a:spcPct val="0"/>
+              </a:spcAft>
+              <a:defRPr sz="2400">
+                <a:solidFill>
+                  <a:schemeClr val="tx1"/>
+                </a:solidFill>
+                <a:latin typeface="Arial" charset="0"/>
+                <a:ea typeface="ヒラギノ角ゴ Pro W3" charset="0"/>
+                <a:cs typeface="ヒラギノ角ゴ Pro W3" charset="0"/>
+              </a:defRPr>
+            </a:lvl9pPr>
+          </a:lstStyle>
+          <a:p>
+            <a:pPr eaLnBrk="1" hangingPunct="1"/>
+            <a:fld id="{B6953E68-731D-B04B-BDD7-AFF9F6DECD3A}" type="slidenum">
+              <a:rPr lang="en-US" sz="1400"/>
+              <a:pPr eaLnBrk="1" hangingPunct="1"/>
+              <a:t>3</a:t>
+            </a:fld>
+            <a:endParaRPr lang="en-US" sz="1400"/>
+          </a:p>
+        </p:txBody>
+      </p:sp>
+      <p:sp>
+        <p:nvSpPr>
+          <p:cNvPr id="18434" name="Rectangle 2"/>
+          <p:cNvSpPr>
+            <a:spLocks noChangeArrowheads="1"/>
+          </p:cNvSpPr>
+          <p:nvPr/>
+        </p:nvSpPr>
+        <p:spPr bwMode="auto">
+          <a:xfrm>
+            <a:off x="1371600" y="76200"/>
+            <a:ext cx="6553200" cy="688975"/>
+          </a:xfrm>
+          <a:prstGeom prst="rect">
+            <a:avLst/>
+          </a:prstGeom>
+          <a:noFill/>
+          <a:ln>
+            <a:noFill/>
+          </a:ln>
+          <a:extLst>
+            <a:ext uri="{909E8E84-426E-40dd-AFC4-6F175D3DCCD1}">
+              <a14:hiddenFill xmlns:a14="http://schemas.microsoft.com/office/drawing/2010/main">
+                <a:solidFill>
+                  <a:srgbClr val="FFFFFF"/>
+                </a:solidFill>
+              </a14:hiddenFill>
+            </a:ext>
+            <a:ext uri="{91240B29-F687-4f45-9708-019B960494DF}">
+              <a14:hiddenLine xmlns:a14="http://schemas.microsoft.com/office/drawing/2010/main" w="9525">
+                <a:solidFill>
+                  <a:srgbClr val="000000"/>
+                </a:solidFill>
+                <a:miter lim="800000"/>
+                <a:headEnd/>
+                <a:tailEnd/>
+              </a14:hiddenLine>
+            </a:ext>
+          </a:extLst>
+        </p:spPr>
+        <p:txBody>
+          <a:bodyPr lIns="91429" tIns="45714" rIns="91429" bIns="45714" anchor="ctr"/>
+          <a:lstStyle/>
+          <a:p>
+            <a:pPr eaLnBrk="0" hangingPunct="0"/>
+            <a:r>
+              <a:rPr lang="en-US" sz="2800" b="1">
+                <a:solidFill>
+                  <a:schemeClr val="accent2"/>
+                </a:solidFill>
+                <a:latin typeface="Times New Roman" charset="0"/>
+              </a:rPr>
+              <a:t>Design (2)</a:t>
+            </a:r>
+            <a:endParaRPr lang="en-US" b="1">
+              <a:solidFill>
+                <a:schemeClr val="accent2"/>
+              </a:solidFill>
+              <a:latin typeface="Times New Roman" charset="0"/>
+            </a:endParaRPr>
+          </a:p>
+        </p:txBody>
+      </p:sp>
+      <p:sp>
+        <p:nvSpPr>
+          <p:cNvPr id="18435" name="TextBox 2"/>
+          <p:cNvSpPr txBox="1">
+            <a:spLocks noChangeArrowheads="1"/>
+          </p:cNvSpPr>
+          <p:nvPr/>
+        </p:nvSpPr>
+        <p:spPr bwMode="auto">
+          <a:xfrm>
+            <a:off x="609600" y="1358900"/>
+            <a:ext cx="7848600" cy="3908762"/>
+          </a:xfrm>
+          <a:prstGeom prst="rect">
+            <a:avLst/>
+          </a:prstGeom>
+          <a:noFill/>
+          <a:ln>
+            <a:noFill/>
+          </a:ln>
+          <a:extLst>
+            <a:ext uri="{909E8E84-426E-40dd-AFC4-6F175D3DCCD1}">
+              <a14:hiddenFill xmlns:a14="http://schemas.microsoft.com/office/drawing/2010/main">
+                <a:solidFill>
+                  <a:srgbClr val="FFFFFF"/>
+                </a:solidFill>
+              </a14:hiddenFill>
+            </a:ext>
+            <a:ext uri="{91240B29-F687-4f45-9708-019B960494DF}">
+              <a14:hiddenLine xmlns:a14="http://schemas.microsoft.com/office/drawing/2010/main" w="9525">
+                <a:solidFill>
+                  <a:srgbClr val="000000"/>
+                </a:solidFill>
+                <a:miter lim="800000"/>
+                <a:headEnd/>
+                <a:tailEnd/>
+              </a14:hiddenLine>
+            </a:ext>
+          </a:extLst>
+        </p:spPr>
+        <p:txBody>
+          <a:bodyPr>
+            <a:spAutoFit/>
+          </a:bodyPr>
+          <a:lstStyle>
+            <a:lvl1pPr marL="342900" indent="-342900" eaLnBrk="0" hangingPunct="0">
+              <a:defRPr sz="2400">
+                <a:solidFill>
+                  <a:schemeClr val="tx1"/>
+                </a:solidFill>
+                <a:latin typeface="Arial" charset="0"/>
+                <a:ea typeface="ヒラギノ角ゴ Pro W3" charset="0"/>
+                <a:cs typeface="ヒラギノ角ゴ Pro W3" charset="0"/>
+              </a:defRPr>
+            </a:lvl1pPr>
+            <a:lvl2pPr marL="742950" indent="-285750" eaLnBrk="0" hangingPunct="0">
+              <a:defRPr sz="2400">
+                <a:solidFill>
+                  <a:schemeClr val="tx1"/>
+                </a:solidFill>
+                <a:latin typeface="Arial" charset="0"/>
+                <a:ea typeface="ヒラギノ角ゴ Pro W3" charset="0"/>
+                <a:cs typeface="ヒラギノ角ゴ Pro W3" charset="0"/>
+              </a:defRPr>
+            </a:lvl2pPr>
+            <a:lvl3pPr marL="1143000" indent="-228600" eaLnBrk="0" hangingPunct="0">
+              <a:defRPr sz="2400">
+                <a:solidFill>
+                  <a:schemeClr val="tx1"/>
+                </a:solidFill>
+                <a:latin typeface="Arial" charset="0"/>
+                <a:ea typeface="ヒラギノ角ゴ Pro W3" charset="0"/>
+                <a:cs typeface="ヒラギノ角ゴ Pro W3" charset="0"/>
+              </a:defRPr>
+            </a:lvl3pPr>
+            <a:lvl4pPr marL="1600200" indent="-228600" eaLnBrk="0" hangingPunct="0">
+              <a:defRPr sz="2400">
+                <a:solidFill>
+                  <a:schemeClr val="tx1"/>
+                </a:solidFill>
+                <a:latin typeface="Arial" charset="0"/>
+                <a:ea typeface="ヒラギノ角ゴ Pro W3" charset="0"/>
+                <a:cs typeface="ヒラギノ角ゴ Pro W3" charset="0"/>
+              </a:defRPr>
+            </a:lvl4pPr>
+            <a:lvl5pPr marL="2057400" indent="-228600" eaLnBrk="0" hangingPunct="0">
+              <a:defRPr sz="2400">
+                <a:solidFill>
+                  <a:schemeClr val="tx1"/>
+                </a:solidFill>
+                <a:latin typeface="Arial" charset="0"/>
+                <a:ea typeface="ヒラギノ角ゴ Pro W3" charset="0"/>
+                <a:cs typeface="ヒラギノ角ゴ Pro W3" charset="0"/>
+              </a:defRPr>
+            </a:lvl5pPr>
+            <a:lvl6pPr marL="2514600" indent="-228600" algn="ctr" eaLnBrk="0" fontAlgn="base" hangingPunct="0">
+              <a:spcBef>
+                <a:spcPct val="0"/>
+              </a:spcBef>
+              <a:spcAft>
+                <a:spcPct val="0"/>
+              </a:spcAft>
+              <a:defRPr sz="2400">
+                <a:solidFill>
+                  <a:schemeClr val="tx1"/>
+                </a:solidFill>
+                <a:latin typeface="Arial" charset="0"/>
+                <a:ea typeface="ヒラギノ角ゴ Pro W3" charset="0"/>
+                <a:cs typeface="ヒラギノ角ゴ Pro W3" charset="0"/>
+              </a:defRPr>
+            </a:lvl6pPr>
+            <a:lvl7pPr marL="2971800" indent="-228600" algn="ctr" eaLnBrk="0" fontAlgn="base" hangingPunct="0">
+              <a:spcBef>
+                <a:spcPct val="0"/>
+              </a:spcBef>
+              <a:spcAft>
+                <a:spcPct val="0"/>
+              </a:spcAft>
+              <a:defRPr sz="2400">
+                <a:solidFill>
+                  <a:schemeClr val="tx1"/>
+                </a:solidFill>
+                <a:latin typeface="Arial" charset="0"/>
+                <a:ea typeface="ヒラギノ角ゴ Pro W3" charset="0"/>
+                <a:cs typeface="ヒラギノ角ゴ Pro W3" charset="0"/>
+              </a:defRPr>
+            </a:lvl7pPr>
+            <a:lvl8pPr marL="3429000" indent="-228600" algn="ctr" eaLnBrk="0" fontAlgn="base" hangingPunct="0">
+              <a:spcBef>
+                <a:spcPct val="0"/>
+              </a:spcBef>
+              <a:spcAft>
+                <a:spcPct val="0"/>
+              </a:spcAft>
+              <a:defRPr sz="2400">
+                <a:solidFill>
+                  <a:schemeClr val="tx1"/>
+                </a:solidFill>
+                <a:latin typeface="Arial" charset="0"/>
+                <a:ea typeface="ヒラギノ角ゴ Pro W3" charset="0"/>
+                <a:cs typeface="ヒラギノ角ゴ Pro W3" charset="0"/>
+              </a:defRPr>
+            </a:lvl8pPr>
+            <a:lvl9pPr marL="3886200" indent="-228600" algn="ctr" eaLnBrk="0" fontAlgn="base" hangingPunct="0">
+              <a:spcBef>
+                <a:spcPct val="0"/>
+              </a:spcBef>
+              <a:spcAft>
+                <a:spcPct val="0"/>
+              </a:spcAft>
+              <a:defRPr sz="2400">
+                <a:solidFill>
+                  <a:schemeClr val="tx1"/>
+                </a:solidFill>
+                <a:latin typeface="Arial" charset="0"/>
+                <a:ea typeface="ヒラギノ角ゴ Pro W3" charset="0"/>
+                <a:cs typeface="ヒラギノ角ゴ Pro W3" charset="0"/>
+              </a:defRPr>
+            </a:lvl9pPr>
+          </a:lstStyle>
+          <a:p>
+            <a:pPr marL="0" indent="0" algn="l">
+              <a:spcBef>
+                <a:spcPct val="35000"/>
+              </a:spcBef>
+            </a:pPr>
+            <a:r>
+              <a:rPr lang="en-US" sz="2000" b="1">
+                <a:cs typeface="Times New Roman" charset="0"/>
+              </a:rPr>
+              <a:t>SBN is a cFS application that:</a:t>
+            </a:r>
+          </a:p>
+          <a:p>
+            <a:pPr algn="l">
+              <a:spcBef>
+                <a:spcPct val="35000"/>
+              </a:spcBef>
+              <a:buFontTx/>
+              <a:buChar char="•"/>
+            </a:pPr>
+            <a:r>
+              <a:rPr lang="en-US" sz="2000" b="1">
+                <a:cs typeface="Times New Roman" charset="0"/>
+              </a:rPr>
+              <a:t>Subscribes to the </a:t>
+            </a:r>
+            <a:r>
+              <a:rPr lang="en-US" sz="2000" b="1"/>
+              <a:t>CFE_SB_ALLSUBS_TLM_MID and sends a CFE_SB_SEND_PREV_SUBS_CC to receive all existing subscriptions at startup.</a:t>
+            </a:r>
+          </a:p>
+          <a:p>
+            <a:pPr algn="l">
+              <a:spcBef>
+                <a:spcPct val="35000"/>
+              </a:spcBef>
+              <a:buFontTx/>
+              <a:buChar char="•"/>
+            </a:pPr>
+            <a:r>
+              <a:rPr lang="en-US" sz="2000" b="1">
+                <a:cs typeface="Times New Roman" charset="0"/>
+              </a:rPr>
+              <a:t>Subscribes to the </a:t>
+            </a:r>
+            <a:r>
+              <a:rPr lang="en-US" sz="2000" b="1"/>
+              <a:t>CFE_SB_ONESUB_TLM_MID message that informs SBN when a local application has (un)subscribed.</a:t>
+            </a:r>
+          </a:p>
+          <a:p>
+            <a:pPr algn="l">
+              <a:spcBef>
+                <a:spcPct val="35000"/>
+              </a:spcBef>
+              <a:buFontTx/>
+              <a:buChar char="•"/>
+            </a:pPr>
+            <a:r>
+              <a:rPr lang="en-US" sz="2000" b="1"/>
+              <a:t>Polls pipes and network connections periodically (either via SCH command or a timeout.)</a:t>
+            </a:r>
+            <a:endParaRPr lang="en-US" sz="2000" b="1"/>
+          </a:p>
+          <a:p>
+            <a:pPr algn="l">
+              <a:spcBef>
+                <a:spcPct val="35000"/>
+              </a:spcBef>
+              <a:buFontTx/>
+              <a:buChar char="•"/>
+            </a:pPr>
+            <a:r>
+              <a:rPr lang="en-US" sz="2000" b="1">
+                <a:cs typeface="Times New Roman" charset="0"/>
+              </a:rPr>
+              <a:t>Ensures all SBN and CCSDS headers are big-endian over the wire.</a:t>
+            </a:r>
+          </a:p>
+        </p:txBody>
+      </p:sp>
+      <p:sp>
+        <p:nvSpPr>
+          <p:cNvPr id="2" name="Date Placeholder 1"/>
+          <p:cNvSpPr>
+            <a:spLocks noGrp="1"/>
+          </p:cNvSpPr>
+          <p:nvPr>
+            <p:ph type="dt" sz="quarter" idx="11"/>
+          </p:nvPr>
+        </p:nvSpPr>
+        <p:spPr/>
+        <p:txBody>
+          <a:bodyPr/>
+          <a:lstStyle/>
+          <a:p>
+            <a:pPr>
+              <a:defRPr/>
+            </a:pPr>
+            <a:fld id="{B90418B6-1B50-F34D-B458-B7530561AB98}" type="datetime1">
+              <a:t>9/30/16</a:t>
+            </a:fld>
+            <a:endParaRPr lang="en-US"/>
+          </a:p>
+        </p:txBody>
+      </p:sp>
+      <p:sp>
+        <p:nvSpPr>
+          <p:cNvPr id="3" name="Footer Placeholder 2"/>
+          <p:cNvSpPr>
+            <a:spLocks noGrp="1"/>
+          </p:cNvSpPr>
+          <p:nvPr>
+            <p:ph type="ftr" sz="quarter" idx="12"/>
+          </p:nvPr>
+        </p:nvSpPr>
+        <p:spPr/>
+        <p:txBody>
+          <a:bodyPr/>
+          <a:lstStyle/>
+          <a:p>
+            <a:pPr>
+              <a:defRPr/>
+            </a:pPr>
+            <a:r>
+              <a:rPr lang="en-US"/>
+              <a:t>cFS Application: SBN</a:t>
+            </a:r>
+          </a:p>
+        </p:txBody>
+      </p:sp>
+    </p:spTree>
+    <p:extLst>
+      <p:ext uri="{BB962C8B-B14F-4D97-AF65-F5344CB8AC3E}">
+        <p14:creationId xmlns:p14="http://schemas.microsoft.com/office/powerpoint/2010/main" val="877718566"/>
+      </p:ext>
+    </p:extLst>
+  </p:cSld>
+  <p:clrMapOvr>
+    <a:masterClrMapping/>
+  </p:clrMapOvr>
+</p:sld>
+</file>
+
+<file path=ppt/slides/slide4.xml><?xml version="1.0" encoding="utf-8"?>
+<p:sld xmlns:a="http://schemas.openxmlformats.org/drawingml/2006/main" xmlns:r="http://schemas.openxmlformats.org/officeDocument/2006/relationships" xmlns:p="http://schemas.openxmlformats.org/presentationml/2006/main">
+  <p:cSld>
+    <p:spTree>
+      <p:nvGrpSpPr>
+        <p:cNvPr id="1" name=""/>
+        <p:cNvGrpSpPr/>
+        <p:nvPr/>
+      </p:nvGrpSpPr>
+      <p:grpSpPr>
+        <a:xfrm>
+          <a:off x="0" y="0"/>
+          <a:ext cx="0" cy="0"/>
+          <a:chOff x="0" y="0"/>
+          <a:chExt cx="0" cy="0"/>
+        </a:xfrm>
+      </p:grpSpPr>
+      <p:sp>
+        <p:nvSpPr>
           <p:cNvPr id="22529" name="Slide Number Placeholder 4"/>
           <p:cNvSpPr>
             <a:spLocks noGrp="1"/>
@@ -29531,7 +32686,7 @@
             <a:fld id="{6274E1C5-9E98-A64F-B559-FB3F275AD9AC}" type="slidenum">
               <a:rPr lang="en-US" sz="1400"/>
               <a:pPr eaLnBrk="1" hangingPunct="1"/>
-              <a:t>3</a:t>
+              <a:t>4</a:t>
             </a:fld>
             <a:endParaRPr lang="en-US" sz="1400"/>
           </a:p>
@@ -29776,7 +32931,7 @@
               <a:defRPr/>
             </a:pPr>
             <a:fld id="{05B289AB-880F-764B-B46B-97A10573CB72}" type="datetime1">
-              <a:t>9/28/16</a:t>
+              <a:t>9/30/16</a:t>
             </a:fld>
             <a:endParaRPr lang="en-US"/>
           </a:p>
@@ -29816,14 +32971,14 @@
           <p:nvPr>
             <p:extLst>
               <p:ext uri="{D42A27DB-BD31-4B8C-83A1-F6EECF244321}">
-                <p14:modId xmlns:p14="http://schemas.microsoft.com/office/powerpoint/2010/main" val="2402670025"/>
+                <p14:modId xmlns:p14="http://schemas.microsoft.com/office/powerpoint/2010/main" val="3642837113"/>
               </p:ext>
             </p:extLst>
           </p:nvPr>
         </p:nvGraphicFramePr>
         <p:xfrm>
           <a:off x="552691" y="1236835"/>
-          <a:ext cx="8063870" cy="4362623"/>
+          <a:ext cx="8063870" cy="4585913"/>
         </p:xfrm>
         <a:graphic>
           <a:graphicData uri="http://schemas.openxmlformats.org/drawingml/2006/table">
@@ -30130,8 +33285,17 @@
                         <a:rPr lang="en-US" sz="1600" b="0">
                           <a:cs typeface="Times New Roman" charset="0"/>
                         </a:rPr>
-                        <a:t>MID collisions likely in large networks.</a:t>
+                        <a:t>UDP module polls</a:t>
                       </a:r>
+                      <a:r>
+                        <a:rPr lang="en-US" sz="1600" b="0" baseline="0">
+                          <a:cs typeface="Times New Roman" charset="0"/>
+                        </a:rPr>
+                        <a:t> socket.</a:t>
+                      </a:r>
+                      <a:endParaRPr lang="en-US" sz="1600" b="0">
+                        <a:cs typeface="Times New Roman" charset="0"/>
+                      </a:endParaRPr>
                     </a:p>
                   </a:txBody>
                   <a:tcPr>
@@ -30183,13 +33347,140 @@
                     <a:p>
                       <a:r>
                         <a:rPr lang="en-US" sz="1600" b="0"/>
-                        <a:t>Develop</a:t>
+                        <a:t>Switch</a:t>
                       </a:r>
                       <a:r>
                         <a:rPr lang="en-US" sz="1600" b="0" baseline="0"/>
-                        <a:t> filtering and remapping architecture.</a:t>
+                        <a:t> to select or multi-threading.</a:t>
                       </a:r>
                       <a:endParaRPr lang="en-US" sz="1600" b="0"/>
+                    </a:p>
+                  </a:txBody>
+                  <a:tcPr>
+                    <a:lnL w="12700" cap="flat" cmpd="sng" algn="ctr">
+                      <a:solidFill>
+                        <a:scrgbClr r="0" g="0" b="0"/>
+                      </a:solidFill>
+                      <a:prstDash val="solid"/>
+                      <a:round/>
+                      <a:headEnd type="none" w="med" len="med"/>
+                      <a:tailEnd type="none" w="med" len="med"/>
+                    </a:lnL>
+                    <a:lnR w="12700" cap="flat" cmpd="sng" algn="ctr">
+                      <a:solidFill>
+                        <a:scrgbClr r="0" g="0" b="0"/>
+                      </a:solidFill>
+                      <a:prstDash val="solid"/>
+                      <a:round/>
+                      <a:headEnd type="none" w="med" len="med"/>
+                      <a:tailEnd type="none" w="med" len="med"/>
+                    </a:lnR>
+                    <a:lnT w="12700" cap="flat" cmpd="sng" algn="ctr">
+                      <a:solidFill>
+                        <a:scrgbClr r="0" g="0" b="0"/>
+                      </a:solidFill>
+                      <a:prstDash val="solid"/>
+                      <a:round/>
+                      <a:headEnd type="none" w="med" len="med"/>
+                      <a:tailEnd type="none" w="med" len="med"/>
+                    </a:lnT>
+                    <a:lnB w="12700" cap="flat" cmpd="sng" algn="ctr">
+                      <a:solidFill>
+                        <a:scrgbClr r="0" g="0" b="0"/>
+                      </a:solidFill>
+                      <a:prstDash val="solid"/>
+                      <a:round/>
+                      <a:headEnd type="none" w="med" len="med"/>
+                      <a:tailEnd type="none" w="med" len="med"/>
+                    </a:lnB>
+                    <a:solidFill>
+                      <a:schemeClr val="bg1"/>
+                    </a:solidFill>
+                  </a:tcPr>
+                </a:tc>
+              </a:tr>
+              <a:tr h="401205">
+                <a:tc>
+                  <a:txBody>
+                    <a:bodyPr/>
+                    <a:lstStyle/>
+                    <a:p>
+                      <a:pPr marL="0" marR="0" indent="0" algn="l" defTabSz="457200" rtl="0" eaLnBrk="1" fontAlgn="auto" latinLnBrk="0" hangingPunct="1">
+                        <a:lnSpc>
+                          <a:spcPct val="100000"/>
+                        </a:lnSpc>
+                        <a:spcBef>
+                          <a:spcPts val="0"/>
+                        </a:spcBef>
+                        <a:spcAft>
+                          <a:spcPts val="0"/>
+                        </a:spcAft>
+                        <a:buClrTx/>
+                        <a:buSzTx/>
+                        <a:buFontTx/>
+                        <a:buNone/>
+                        <a:tabLst/>
+                        <a:defRPr/>
+                      </a:pPr>
+                      <a:r>
+                        <a:rPr lang="en-US" sz="1600" b="0">
+                          <a:cs typeface="Times New Roman" charset="0"/>
+                        </a:rPr>
+                        <a:t>MID collisions likely in large networks.</a:t>
+                      </a:r>
+                    </a:p>
+                  </a:txBody>
+                  <a:tcPr>
+                    <a:lnL w="12700" cap="flat" cmpd="sng" algn="ctr">
+                      <a:solidFill>
+                        <a:scrgbClr r="0" g="0" b="0"/>
+                      </a:solidFill>
+                      <a:prstDash val="solid"/>
+                      <a:round/>
+                      <a:headEnd type="none" w="med" len="med"/>
+                      <a:tailEnd type="none" w="med" len="med"/>
+                    </a:lnL>
+                    <a:lnR w="12700" cap="flat" cmpd="sng" algn="ctr">
+                      <a:solidFill>
+                        <a:scrgbClr r="0" g="0" b="0"/>
+                      </a:solidFill>
+                      <a:prstDash val="solid"/>
+                      <a:round/>
+                      <a:headEnd type="none" w="med" len="med"/>
+                      <a:tailEnd type="none" w="med" len="med"/>
+                    </a:lnR>
+                    <a:lnT w="12700" cap="flat" cmpd="sng" algn="ctr">
+                      <a:solidFill>
+                        <a:scrgbClr r="0" g="0" b="0"/>
+                      </a:solidFill>
+                      <a:prstDash val="solid"/>
+                      <a:round/>
+                      <a:headEnd type="none" w="med" len="med"/>
+                      <a:tailEnd type="none" w="med" len="med"/>
+                    </a:lnT>
+                    <a:lnB w="12700" cap="flat" cmpd="sng" algn="ctr">
+                      <a:solidFill>
+                        <a:scrgbClr r="0" g="0" b="0"/>
+                      </a:solidFill>
+                      <a:prstDash val="solid"/>
+                      <a:round/>
+                      <a:headEnd type="none" w="med" len="med"/>
+                      <a:tailEnd type="none" w="med" len="med"/>
+                    </a:lnB>
+                    <a:solidFill>
+                      <a:schemeClr val="bg1"/>
+                    </a:solidFill>
+                  </a:tcPr>
+                </a:tc>
+                <a:tc>
+                  <a:txBody>
+                    <a:bodyPr/>
+                    <a:lstStyle/>
+                    <a:p>
+                      <a:r>
+                        <a:rPr lang="en-US" sz="1600" b="0"/>
+                        <a:t>Utilize remapping/filtering.</a:t>
+                      </a:r>
                     </a:p>
                   </a:txBody>
                   <a:tcPr>
@@ -30811,7 +34102,7 @@
 </p:sld>
 </file>
 
-<file path=ppt/slides/slide4.xml><?xml version="1.0" encoding="utf-8"?>
+<file path=ppt/slides/slide5.xml><?xml version="1.0" encoding="utf-8"?>
 <p:sld xmlns:a="http://schemas.openxmlformats.org/drawingml/2006/main" xmlns:r="http://schemas.openxmlformats.org/officeDocument/2006/relationships" xmlns:p="http://schemas.openxmlformats.org/presentationml/2006/main">
   <p:cSld>
     <p:spTree>
@@ -30836,7 +34127,7 @@
         </p:nvSpPr>
         <p:spPr bwMode="auto">
           <a:xfrm>
-            <a:off x="204831" y="2676293"/>
+            <a:off x="204831" y="3632157"/>
             <a:ext cx="3195365" cy="2389547"/>
           </a:xfrm>
           <a:prstGeom prst="roundRect">
@@ -30864,7 +34155,7 @@
           </a:bodyPr>
           <a:lstStyle/>
           <a:p>
-            <a:pPr marL="0" marR="0" indent="0" algn="ctr" defTabSz="914400" rtl="0" eaLnBrk="1" fontAlgn="base" latinLnBrk="0" hangingPunct="1">
+            <a:pPr marL="0" marR="0" indent="0" algn="l" defTabSz="914400" rtl="0" eaLnBrk="1" fontAlgn="base" latinLnBrk="0" hangingPunct="1">
               <a:lnSpc>
                 <a:spcPct val="100000"/>
               </a:lnSpc>
@@ -31060,7 +34351,7 @@
             <a:fld id="{C6977354-87A3-C747-817B-6BF0041CBF60}" type="slidenum">
               <a:rPr lang="en-US" sz="1400"/>
               <a:pPr algn="r" eaLnBrk="1" hangingPunct="1"/>
-              <a:t>4</a:t>
+              <a:t>5</a:t>
             </a:fld>
             <a:endParaRPr lang="en-US" sz="1400"/>
           </a:p>
@@ -31102,7 +34393,7 @@
         </p:nvSpPr>
         <p:spPr bwMode="auto">
           <a:xfrm>
-            <a:off x="2568575" y="4656138"/>
+            <a:off x="2568575" y="5612002"/>
             <a:ext cx="0" cy="0"/>
           </a:xfrm>
           <a:prstGeom prst="line">
@@ -31143,7 +34434,7 @@
         </p:nvSpPr>
         <p:spPr bwMode="auto">
           <a:xfrm>
-            <a:off x="678703" y="3978357"/>
+            <a:off x="678703" y="4934221"/>
             <a:ext cx="1766887" cy="461665"/>
           </a:xfrm>
           <a:prstGeom prst="rect">
@@ -31302,7 +34593,7 @@
         </p:nvSpPr>
         <p:spPr bwMode="auto">
           <a:xfrm>
-            <a:off x="1997711" y="3157528"/>
+            <a:off x="1997711" y="4113392"/>
             <a:ext cx="1111250" cy="1104900"/>
           </a:xfrm>
           <a:prstGeom prst="ellipse">
@@ -31350,7 +34641,7 @@
               <a:defRPr/>
             </a:pPr>
             <a:fld id="{E4B56D29-4AFD-2543-B780-B0364A4E64D6}" type="datetime1">
-              <a:t>9/28/16</a:t>
+              <a:t>9/30/16</a:t>
             </a:fld>
             <a:endParaRPr lang="en-US"/>
           </a:p>
@@ -31537,7 +34828,7 @@
             <a:fld id="{B5959A39-F535-A04A-9FD7-2F32C2DFC645}" type="slidenum">
               <a:rPr lang="en-US" sz="1400"/>
               <a:pPr eaLnBrk="1" hangingPunct="1"/>
-              <a:t>4</a:t>
+              <a:t>5</a:t>
             </a:fld>
             <a:endParaRPr lang="en-US" sz="1400"/>
           </a:p>
@@ -31553,7 +34844,7 @@
         </p:nvSpPr>
         <p:spPr bwMode="auto">
           <a:xfrm>
-            <a:off x="523875" y="3403600"/>
+            <a:off x="523875" y="4359464"/>
             <a:ext cx="609600" cy="609600"/>
           </a:xfrm>
           <a:prstGeom prst="ellipse">
@@ -31590,7 +34881,7 @@
         </p:nvSpPr>
         <p:spPr bwMode="auto">
           <a:xfrm>
-            <a:off x="1119743" y="3536530"/>
+            <a:off x="1119743" y="4492394"/>
             <a:ext cx="969533" cy="355018"/>
           </a:xfrm>
           <a:prstGeom prst="leftArrow">
@@ -31683,7 +34974,7 @@
           </a:bodyPr>
           <a:lstStyle/>
           <a:p>
-            <a:pPr marL="0" marR="0" indent="0" algn="ctr" defTabSz="914400" rtl="0" eaLnBrk="1" fontAlgn="base" latinLnBrk="0" hangingPunct="1">
+            <a:pPr marL="0" marR="0" indent="0" algn="l" defTabSz="914400" rtl="0" eaLnBrk="1" fontAlgn="base" latinLnBrk="0" hangingPunct="1">
               <a:lnSpc>
                 <a:spcPct val="100000"/>
               </a:lnSpc>
@@ -31701,7 +34992,7 @@
             </a:pPr>
             <a:r>
               <a:rPr lang="en-US"/>
-              <a:t>Peer</a:t>
+              <a:t>Peer 2</a:t>
             </a:r>
             <a:endParaRPr kumimoji="0" lang="en-US" sz="1800" b="0" i="0" u="none" strike="noStrike" cap="none" normalizeH="0" baseline="0">
               <a:ln>
@@ -31895,7 +35186,7 @@
           </a:bodyPr>
           <a:lstStyle/>
           <a:p>
-            <a:pPr marL="0" marR="0" indent="0" algn="ctr" defTabSz="914400" rtl="0" eaLnBrk="1" fontAlgn="base" latinLnBrk="0" hangingPunct="1">
+            <a:pPr marL="0" marR="0" indent="0" algn="r" defTabSz="914400" rtl="0" eaLnBrk="1" fontAlgn="base" latinLnBrk="0" hangingPunct="1">
               <a:lnSpc>
                 <a:spcPct val="100000"/>
               </a:lnSpc>
@@ -31913,7 +35204,7 @@
             </a:pPr>
             <a:r>
               <a:rPr lang="en-US"/>
-              <a:t>Peer</a:t>
+              <a:t>Peer 3</a:t>
             </a:r>
             <a:endParaRPr kumimoji="0" lang="en-US" sz="1800" b="0" i="0" u="none" strike="noStrike" cap="none" normalizeH="0" baseline="0">
               <a:ln>
@@ -32078,9 +35369,9 @@
           <p:nvPr/>
         </p:nvSpPr>
         <p:spPr bwMode="auto">
-          <a:xfrm rot="20183683">
-            <a:off x="2815793" y="2860823"/>
-            <a:ext cx="2211952" cy="409637"/>
+          <a:xfrm rot="19564955">
+            <a:off x="2577912" y="3312618"/>
+            <a:ext cx="2657994" cy="409637"/>
           </a:xfrm>
           <a:prstGeom prst="leftRightArrow">
             <a:avLst/>
@@ -32145,9 +35436,9 @@
           <p:nvPr/>
         </p:nvSpPr>
         <p:spPr bwMode="auto">
-          <a:xfrm rot="1642885">
-            <a:off x="2858949" y="4132896"/>
-            <a:ext cx="2211952" cy="409637"/>
+          <a:xfrm rot="541527">
+            <a:off x="2984990" y="4549034"/>
+            <a:ext cx="1939730" cy="409637"/>
           </a:xfrm>
           <a:prstGeom prst="leftRightArrow">
             <a:avLst/>
@@ -32272,6 +35563,471 @@
           </a:p>
         </p:txBody>
       </p:sp>
+      <p:sp>
+        <p:nvSpPr>
+          <p:cNvPr id="4" name="Cloud 3"/>
+          <p:cNvSpPr/>
+          <p:nvPr/>
+        </p:nvSpPr>
+        <p:spPr bwMode="auto">
+          <a:xfrm>
+            <a:off x="3076914" y="2906874"/>
+            <a:ext cx="2382971" cy="2330738"/>
+          </a:xfrm>
+          <a:prstGeom prst="cloud">
+            <a:avLst/>
+          </a:prstGeom>
+          <a:solidFill>
+            <a:schemeClr val="bg1">
+              <a:alpha val="59000"/>
+            </a:schemeClr>
+          </a:solidFill>
+          <a:ln w="9525" cap="flat" cmpd="sng" algn="ctr">
+            <a:solidFill>
+              <a:schemeClr val="tx1"/>
+            </a:solidFill>
+            <a:prstDash val="solid"/>
+            <a:round/>
+            <a:headEnd type="none" w="med" len="med"/>
+            <a:tailEnd type="none" w="med" len="med"/>
+          </a:ln>
+          <a:effectLst/>
+        </p:spPr>
+        <p:txBody>
+          <a:bodyPr vert="horz" wrap="square" lIns="91440" tIns="45720" rIns="91440" bIns="45720" numCol="1" rtlCol="0" anchor="ctr" anchorCtr="0" compatLnSpc="1">
+            <a:prstTxWarp prst="textNoShape">
+              <a:avLst/>
+            </a:prstTxWarp>
+          </a:bodyPr>
+          <a:lstStyle/>
+          <a:p>
+            <a:pPr marL="0" marR="0" indent="0" algn="ctr" defTabSz="914400" rtl="0" eaLnBrk="1" fontAlgn="base" latinLnBrk="0" hangingPunct="1">
+              <a:lnSpc>
+                <a:spcPct val="100000"/>
+              </a:lnSpc>
+              <a:spcBef>
+                <a:spcPct val="0"/>
+              </a:spcBef>
+              <a:spcAft>
+                <a:spcPct val="0"/>
+              </a:spcAft>
+              <a:buClrTx/>
+              <a:buSzTx/>
+              <a:buFontTx/>
+              <a:buNone/>
+              <a:tabLst/>
+            </a:pPr>
+            <a:r>
+              <a:rPr kumimoji="0" lang="en-US" sz="1800" b="0" i="0" u="none" strike="noStrike" cap="none" normalizeH="0" baseline="0">
+                <a:ln>
+                  <a:noFill/>
+                </a:ln>
+                <a:solidFill>
+                  <a:schemeClr val="tx1"/>
+                </a:solidFill>
+                <a:effectLst/>
+                <a:latin typeface="Arial" charset="0"/>
+              </a:rPr>
+              <a:t>NetNum</a:t>
+            </a:r>
+            <a:r>
+              <a:rPr kumimoji="0" lang="en-US" sz="1800" b="0" i="0" u="none" strike="noStrike" cap="none" normalizeH="0">
+                <a:ln>
+                  <a:noFill/>
+                </a:ln>
+                <a:solidFill>
+                  <a:schemeClr val="tx1"/>
+                </a:solidFill>
+                <a:effectLst/>
+                <a:latin typeface="Arial" charset="0"/>
+              </a:rPr>
+              <a:t> 1</a:t>
+            </a:r>
+            <a:endParaRPr kumimoji="0" lang="en-US" sz="1800" b="0" i="0" u="none" strike="noStrike" cap="none" normalizeH="0" baseline="0">
+              <a:ln>
+                <a:noFill/>
+              </a:ln>
+              <a:solidFill>
+                <a:schemeClr val="tx1"/>
+              </a:solidFill>
+              <a:effectLst/>
+              <a:latin typeface="Arial" charset="0"/>
+            </a:endParaRPr>
+          </a:p>
+        </p:txBody>
+      </p:sp>
+      <p:sp>
+        <p:nvSpPr>
+          <p:cNvPr id="25" name="Rounded Rectangle 24"/>
+          <p:cNvSpPr/>
+          <p:nvPr/>
+        </p:nvSpPr>
+        <p:spPr bwMode="auto">
+          <a:xfrm>
+            <a:off x="394160" y="1067010"/>
+            <a:ext cx="3195365" cy="2389547"/>
+          </a:xfrm>
+          <a:prstGeom prst="roundRect">
+            <a:avLst/>
+          </a:prstGeom>
+          <a:solidFill>
+            <a:srgbClr val="FFFFFF"/>
+          </a:solidFill>
+          <a:ln w="9525" cap="flat" cmpd="sng" algn="ctr">
+            <a:solidFill>
+              <a:schemeClr val="tx1"/>
+            </a:solidFill>
+            <a:prstDash val="solid"/>
+            <a:round/>
+            <a:headEnd type="none" w="med" len="med"/>
+            <a:tailEnd type="none" w="med" len="med"/>
+          </a:ln>
+          <a:effectLst/>
+        </p:spPr>
+        <p:txBody>
+          <a:bodyPr vert="horz" wrap="square" lIns="91440" tIns="45720" rIns="91440" bIns="45720" numCol="1" rtlCol="0" anchor="t" anchorCtr="0" compatLnSpc="1">
+            <a:prstTxWarp prst="textNoShape">
+              <a:avLst/>
+            </a:prstTxWarp>
+          </a:bodyPr>
+          <a:lstStyle/>
+          <a:p>
+            <a:pPr marL="0" marR="0" indent="0" algn="l" defTabSz="914400" rtl="0" eaLnBrk="1" fontAlgn="base" latinLnBrk="0" hangingPunct="1">
+              <a:lnSpc>
+                <a:spcPct val="100000"/>
+              </a:lnSpc>
+              <a:spcBef>
+                <a:spcPct val="0"/>
+              </a:spcBef>
+              <a:spcAft>
+                <a:spcPct val="0"/>
+              </a:spcAft>
+              <a:buClrTx/>
+              <a:buSzTx/>
+              <a:buFontTx/>
+              <a:buNone/>
+              <a:tabLst/>
+            </a:pPr>
+            <a:r>
+              <a:rPr lang="en-US"/>
+              <a:t>Peer 1</a:t>
+            </a:r>
+            <a:endParaRPr kumimoji="0" lang="en-US" sz="1800" b="0" i="0" u="none" strike="noStrike" cap="none" normalizeH="0" baseline="0">
+              <a:ln>
+                <a:noFill/>
+              </a:ln>
+              <a:solidFill>
+                <a:schemeClr val="tx1"/>
+              </a:solidFill>
+              <a:effectLst/>
+              <a:latin typeface="Arial" charset="0"/>
+            </a:endParaRPr>
+          </a:p>
+        </p:txBody>
+      </p:sp>
+      <p:sp>
+        <p:nvSpPr>
+          <p:cNvPr id="27" name="Oval 40"/>
+          <p:cNvSpPr>
+            <a:spLocks noChangeArrowheads="1"/>
+          </p:cNvSpPr>
+          <p:nvPr/>
+        </p:nvSpPr>
+        <p:spPr bwMode="auto">
+          <a:xfrm>
+            <a:off x="630324" y="1807682"/>
+            <a:ext cx="1111250" cy="1104900"/>
+          </a:xfrm>
+          <a:prstGeom prst="ellipse">
+            <a:avLst/>
+          </a:prstGeom>
+          <a:solidFill>
+            <a:schemeClr val="bg1"/>
+          </a:solidFill>
+          <a:ln w="9525">
+            <a:solidFill>
+              <a:schemeClr val="tx1"/>
+            </a:solidFill>
+            <a:round/>
+            <a:headEnd/>
+            <a:tailEnd/>
+          </a:ln>
+        </p:spPr>
+        <p:txBody>
+          <a:bodyPr wrap="none" anchor="ctr"/>
+          <a:lstStyle/>
+          <a:p>
+            <a:r>
+              <a:rPr lang="en-US"/>
+              <a:t>SBN</a:t>
+            </a:r>
+          </a:p>
+        </p:txBody>
+      </p:sp>
+      <p:sp>
+        <p:nvSpPr>
+          <p:cNvPr id="28" name="Oval 4"/>
+          <p:cNvSpPr>
+            <a:spLocks noChangeArrowheads="1"/>
+          </p:cNvSpPr>
+          <p:nvPr/>
+        </p:nvSpPr>
+        <p:spPr bwMode="auto">
+          <a:xfrm>
+            <a:off x="2611305" y="2122027"/>
+            <a:ext cx="609600" cy="609600"/>
+          </a:xfrm>
+          <a:prstGeom prst="ellipse">
+            <a:avLst/>
+          </a:prstGeom>
+          <a:solidFill>
+            <a:schemeClr val="bg1"/>
+          </a:solidFill>
+          <a:ln w="9525">
+            <a:solidFill>
+              <a:srgbClr val="000000"/>
+            </a:solidFill>
+            <a:round/>
+            <a:headEnd/>
+            <a:tailEnd/>
+          </a:ln>
+        </p:spPr>
+        <p:txBody>
+          <a:bodyPr wrap="none" anchor="ctr"/>
+          <a:lstStyle/>
+          <a:p>
+            <a:r>
+              <a:rPr lang="en-US" sz="1200"/>
+              <a:t>SB</a:t>
+            </a:r>
+          </a:p>
+        </p:txBody>
+      </p:sp>
+      <p:sp>
+        <p:nvSpPr>
+          <p:cNvPr id="30" name="Left Arrow 29"/>
+          <p:cNvSpPr/>
+          <p:nvPr/>
+        </p:nvSpPr>
+        <p:spPr bwMode="auto">
+          <a:xfrm rot="10800000">
+            <a:off x="1650458" y="2213994"/>
+            <a:ext cx="969533" cy="355018"/>
+          </a:xfrm>
+          <a:prstGeom prst="leftArrow">
+            <a:avLst/>
+          </a:prstGeom>
+          <a:solidFill>
+            <a:srgbClr val="FFFFFF"/>
+          </a:solidFill>
+          <a:ln w="9525" cap="flat" cmpd="sng" algn="ctr">
+            <a:solidFill>
+              <a:schemeClr val="tx1"/>
+            </a:solidFill>
+            <a:prstDash val="solid"/>
+            <a:round/>
+            <a:headEnd type="none" w="med" len="med"/>
+            <a:tailEnd type="none" w="med" len="med"/>
+          </a:ln>
+          <a:effectLst/>
+        </p:spPr>
+        <p:txBody>
+          <a:bodyPr vert="horz" wrap="square" lIns="91440" tIns="45720" rIns="91440" bIns="45720" numCol="1" rtlCol="0" anchor="t" anchorCtr="0" compatLnSpc="1">
+            <a:prstTxWarp prst="textNoShape">
+              <a:avLst/>
+            </a:prstTxWarp>
+          </a:bodyPr>
+          <a:lstStyle/>
+          <a:p>
+            <a:pPr marL="0" marR="0" indent="0" algn="ctr" defTabSz="914400" rtl="0" eaLnBrk="1" fontAlgn="base" latinLnBrk="0" hangingPunct="1">
+              <a:lnSpc>
+                <a:spcPct val="100000"/>
+              </a:lnSpc>
+              <a:spcBef>
+                <a:spcPct val="0"/>
+              </a:spcBef>
+              <a:spcAft>
+                <a:spcPct val="0"/>
+              </a:spcAft>
+              <a:buClrTx/>
+              <a:buSzTx/>
+              <a:buFontTx/>
+              <a:buNone/>
+              <a:tabLst/>
+            </a:pPr>
+            <a:endParaRPr kumimoji="0" lang="en-US" sz="1800" b="0" i="0" u="none" strike="noStrike" cap="none" normalizeH="0" baseline="0">
+              <a:ln>
+                <a:noFill/>
+              </a:ln>
+              <a:solidFill>
+                <a:schemeClr val="tx1"/>
+              </a:solidFill>
+              <a:effectLst/>
+              <a:latin typeface="Arial" charset="0"/>
+            </a:endParaRPr>
+          </a:p>
+        </p:txBody>
+      </p:sp>
+      <p:sp>
+        <p:nvSpPr>
+          <p:cNvPr id="37" name="Left-Right Arrow 36"/>
+          <p:cNvSpPr/>
+          <p:nvPr/>
+        </p:nvSpPr>
+        <p:spPr bwMode="auto">
+          <a:xfrm rot="14106966">
+            <a:off x="763567" y="3324867"/>
+            <a:ext cx="2029127" cy="409637"/>
+          </a:xfrm>
+          <a:prstGeom prst="leftRightArrow">
+            <a:avLst/>
+          </a:prstGeom>
+          <a:solidFill>
+            <a:schemeClr val="bg1">
+              <a:lumMod val="75000"/>
+            </a:schemeClr>
+          </a:solidFill>
+          <a:ln w="9525" cap="flat" cmpd="sng" algn="ctr">
+            <a:solidFill>
+              <a:schemeClr val="tx1"/>
+            </a:solidFill>
+            <a:prstDash val="solid"/>
+            <a:round/>
+            <a:headEnd type="none" w="med" len="med"/>
+            <a:tailEnd type="none" w="med" len="med"/>
+          </a:ln>
+          <a:effectLst/>
+        </p:spPr>
+        <p:txBody>
+          <a:bodyPr vert="horz" wrap="square" lIns="91440" tIns="45720" rIns="91440" bIns="45720" numCol="1" rtlCol="0" anchor="ctr" anchorCtr="0" compatLnSpc="1">
+            <a:prstTxWarp prst="textNoShape">
+              <a:avLst/>
+            </a:prstTxWarp>
+          </a:bodyPr>
+          <a:lstStyle/>
+          <a:p>
+            <a:pPr marL="0" marR="0" indent="0" algn="ctr" defTabSz="914400" rtl="0" eaLnBrk="1" fontAlgn="base" latinLnBrk="0" hangingPunct="1">
+              <a:lnSpc>
+                <a:spcPct val="100000"/>
+              </a:lnSpc>
+              <a:spcBef>
+                <a:spcPct val="0"/>
+              </a:spcBef>
+              <a:spcAft>
+                <a:spcPct val="0"/>
+              </a:spcAft>
+              <a:buClrTx/>
+              <a:buSzTx/>
+              <a:buFontTx/>
+              <a:buNone/>
+              <a:tabLst/>
+            </a:pPr>
+            <a:endParaRPr kumimoji="0" lang="en-US" sz="1200" b="0" i="0" u="none" strike="noStrike" cap="none" normalizeH="0" baseline="0">
+              <a:ln>
+                <a:noFill/>
+              </a:ln>
+              <a:solidFill>
+                <a:schemeClr val="tx1"/>
+              </a:solidFill>
+              <a:effectLst/>
+              <a:latin typeface="Arial" charset="0"/>
+            </a:endParaRPr>
+          </a:p>
+        </p:txBody>
+      </p:sp>
+      <p:sp>
+        <p:nvSpPr>
+          <p:cNvPr id="40" name="Cloud 39"/>
+          <p:cNvSpPr/>
+          <p:nvPr/>
+        </p:nvSpPr>
+        <p:spPr bwMode="auto">
+          <a:xfrm rot="3775766">
+            <a:off x="810699" y="2977717"/>
+            <a:ext cx="1839203" cy="1043903"/>
+          </a:xfrm>
+          <a:prstGeom prst="cloud">
+            <a:avLst/>
+          </a:prstGeom>
+          <a:solidFill>
+            <a:schemeClr val="bg1">
+              <a:alpha val="59000"/>
+            </a:schemeClr>
+          </a:solidFill>
+          <a:ln w="9525" cap="flat" cmpd="sng" algn="ctr">
+            <a:solidFill>
+              <a:schemeClr val="tx1"/>
+            </a:solidFill>
+            <a:prstDash val="solid"/>
+            <a:round/>
+            <a:headEnd type="none" w="med" len="med"/>
+            <a:tailEnd type="none" w="med" len="med"/>
+          </a:ln>
+          <a:effectLst/>
+        </p:spPr>
+        <p:txBody>
+          <a:bodyPr vert="horz" wrap="square" lIns="91440" tIns="45720" rIns="91440" bIns="45720" numCol="1" rtlCol="0" anchor="ctr" anchorCtr="0" compatLnSpc="1">
+            <a:prstTxWarp prst="textNoShape">
+              <a:avLst/>
+            </a:prstTxWarp>
+          </a:bodyPr>
+          <a:lstStyle/>
+          <a:p>
+            <a:pPr marL="0" marR="0" indent="0" algn="ctr" defTabSz="914400" rtl="0" eaLnBrk="1" fontAlgn="base" latinLnBrk="0" hangingPunct="1">
+              <a:lnSpc>
+                <a:spcPct val="100000"/>
+              </a:lnSpc>
+              <a:spcBef>
+                <a:spcPct val="0"/>
+              </a:spcBef>
+              <a:spcAft>
+                <a:spcPct val="0"/>
+              </a:spcAft>
+              <a:buClrTx/>
+              <a:buSzTx/>
+              <a:buFontTx/>
+              <a:buNone/>
+              <a:tabLst/>
+            </a:pPr>
+            <a:r>
+              <a:rPr kumimoji="0" lang="en-US" sz="1800" b="0" i="0" u="none" strike="noStrike" cap="none" normalizeH="0" baseline="0">
+                <a:ln>
+                  <a:noFill/>
+                </a:ln>
+                <a:solidFill>
+                  <a:schemeClr val="tx1"/>
+                </a:solidFill>
+                <a:effectLst/>
+                <a:latin typeface="Arial" charset="0"/>
+              </a:rPr>
+              <a:t>NetNum</a:t>
+            </a:r>
+            <a:r>
+              <a:rPr kumimoji="0" lang="en-US" sz="1800" b="0" i="0" u="none" strike="noStrike" cap="none" normalizeH="0">
+                <a:ln>
+                  <a:noFill/>
+                </a:ln>
+                <a:solidFill>
+                  <a:schemeClr val="tx1"/>
+                </a:solidFill>
+                <a:effectLst/>
+                <a:latin typeface="Arial" charset="0"/>
+              </a:rPr>
+              <a:t> 0</a:t>
+            </a:r>
+            <a:endParaRPr kumimoji="0" lang="en-US" sz="1800" b="0" i="0" u="none" strike="noStrike" cap="none" normalizeH="0" baseline="0">
+              <a:ln>
+                <a:noFill/>
+              </a:ln>
+              <a:solidFill>
+                <a:schemeClr val="tx1"/>
+              </a:solidFill>
+              <a:effectLst/>
+              <a:latin typeface="Arial" charset="0"/>
+            </a:endParaRPr>
+          </a:p>
+        </p:txBody>
+      </p:sp>
     </p:spTree>
   </p:cSld>
   <p:clrMapOvr>
@@ -32287,7 +36043,7 @@
 </p:sld>
 </file>
 
-<file path=ppt/slides/slide5.xml><?xml version="1.0" encoding="utf-8"?>
+<file path=ppt/slides/slide6.xml><?xml version="1.0" encoding="utf-8"?>
 <p:sld xmlns:a="http://schemas.openxmlformats.org/drawingml/2006/main" xmlns:r="http://schemas.openxmlformats.org/officeDocument/2006/relationships" xmlns:p="http://schemas.openxmlformats.org/presentationml/2006/main">
   <p:cSld>
     <p:spTree>
@@ -32584,7 +36340,7 @@
             <a:fld id="{D3CDD568-6222-B140-A574-A4C08029A517}" type="slidenum">
               <a:rPr lang="en-US" sz="1400"/>
               <a:pPr eaLnBrk="1" hangingPunct="1"/>
-              <a:t>5</a:t>
+              <a:t>6</a:t>
             </a:fld>
             <a:endParaRPr lang="en-US" sz="1400"/>
           </a:p>
@@ -32609,7 +36365,7 @@
               <a:defRPr/>
             </a:pPr>
             <a:fld id="{B58AE35B-4B8A-B14C-A608-7A3AEEBA245B}" type="datetime1">
-              <a:t>9/28/16</a:t>
+              <a:t>9/30/16</a:t>
             </a:fld>
             <a:endParaRPr lang="en-US"/>
           </a:p>
@@ -34677,7 +38433,7 @@
 </p:sld>
 </file>
 
-<file path=ppt/slides/slide6.xml><?xml version="1.0" encoding="utf-8"?>
+<file path=ppt/slides/slide7.xml><?xml version="1.0" encoding="utf-8"?>
 <p:sld xmlns:a="http://schemas.openxmlformats.org/drawingml/2006/main" xmlns:r="http://schemas.openxmlformats.org/officeDocument/2006/relationships" xmlns:p="http://schemas.openxmlformats.org/presentationml/2006/main">
   <p:cSld>
     <p:spTree>
@@ -34881,7 +38637,7 @@
             <a:fld id="{D3CDD568-6222-B140-A574-A4C08029A517}" type="slidenum">
               <a:rPr lang="en-US" sz="1400"/>
               <a:pPr eaLnBrk="1" hangingPunct="1"/>
-              <a:t>6</a:t>
+              <a:t>7</a:t>
             </a:fld>
             <a:endParaRPr lang="en-US" sz="1400"/>
           </a:p>
@@ -34906,7 +38662,7 @@
               <a:defRPr/>
             </a:pPr>
             <a:fld id="{B58AE35B-4B8A-B14C-A608-7A3AEEBA245B}" type="datetime1">
-              <a:t>9/28/16</a:t>
+              <a:t>9/30/16</a:t>
             </a:fld>
             <a:endParaRPr lang="en-US"/>
           </a:p>
@@ -36756,7 +40512,7 @@
 </p:sld>
 </file>
 
-<file path=ppt/slides/slide7.xml><?xml version="1.0" encoding="utf-8"?>
+<file path=ppt/slides/slide8.xml><?xml version="1.0" encoding="utf-8"?>
 <p:sld xmlns:a="http://schemas.openxmlformats.org/drawingml/2006/main" xmlns:r="http://schemas.openxmlformats.org/officeDocument/2006/relationships" xmlns:p="http://schemas.openxmlformats.org/presentationml/2006/main">
   <p:cSld>
     <p:spTree>
@@ -36962,7 +40718,7 @@
             <a:fld id="{D3CDD568-6222-B140-A574-A4C08029A517}" type="slidenum">
               <a:rPr lang="en-US" sz="1400"/>
               <a:pPr eaLnBrk="1" hangingPunct="1"/>
-              <a:t>7</a:t>
+              <a:t>8</a:t>
             </a:fld>
             <a:endParaRPr lang="en-US" sz="1400"/>
           </a:p>
@@ -36989,7 +40745,7 @@
               <a:defRPr/>
             </a:pPr>
             <a:fld id="{B58AE35B-4B8A-B14C-A608-7A3AEEBA245B}" type="datetime1">
-              <a:t>9/28/16</a:t>
+              <a:t>9/30/16</a:t>
             </a:fld>
             <a:endParaRPr lang="en-US"/>
           </a:p>
@@ -38128,7 +41884,7 @@
 </p:sld>
 </file>
 
-<file path=ppt/slides/slide8.xml><?xml version="1.0" encoding="utf-8"?>
+<file path=ppt/slides/slide9.xml><?xml version="1.0" encoding="utf-8"?>
 <p:sld xmlns:a="http://schemas.openxmlformats.org/drawingml/2006/main" xmlns:r="http://schemas.openxmlformats.org/officeDocument/2006/relationships" xmlns:p="http://schemas.openxmlformats.org/presentationml/2006/main">
   <p:cSld>
     <p:spTree>
@@ -38301,7 +42057,7 @@
             <a:fld id="{EE975231-3F63-4F4E-B8F6-0A246541BABA}" type="slidenum">
               <a:rPr lang="en-US" sz="1400"/>
               <a:pPr eaLnBrk="1" hangingPunct="1"/>
-              <a:t>8</a:t>
+              <a:t>9</a:t>
             </a:fld>
             <a:endParaRPr lang="en-US" sz="1400"/>
           </a:p>
@@ -39683,7 +43439,7 @@
               <a:pPr>
                 <a:defRPr/>
               </a:pPr>
-              <a:t>9/28/16</a:t>
+              <a:t>9/30/16</a:t>
             </a:fld>
             <a:endParaRPr lang="en-US"/>
           </a:p>
@@ -39787,2395 +43543,6 @@
     <p:extLst>
       <p:ext uri="{BB962C8B-B14F-4D97-AF65-F5344CB8AC3E}">
         <p14:creationId xmlns:p14="http://schemas.microsoft.com/office/powerpoint/2010/main" val="1441914820"/>
-      </p:ext>
-    </p:extLst>
-  </p:cSld>
-  <p:clrMapOvr>
-    <a:masterClrMapping/>
-  </p:clrMapOvr>
-</p:sld>
-</file>
-
-<file path=ppt/slides/slide9.xml><?xml version="1.0" encoding="utf-8"?>
-<p:sld xmlns:a="http://schemas.openxmlformats.org/drawingml/2006/main" xmlns:r="http://schemas.openxmlformats.org/officeDocument/2006/relationships" xmlns:p="http://schemas.openxmlformats.org/presentationml/2006/main">
-  <p:cSld>
-    <p:spTree>
-      <p:nvGrpSpPr>
-        <p:cNvPr id="1" name=""/>
-        <p:cNvGrpSpPr/>
-        <p:nvPr/>
-      </p:nvGrpSpPr>
-      <p:grpSpPr>
-        <a:xfrm>
-          <a:off x="0" y="0"/>
-          <a:ext cx="0" cy="0"/>
-          <a:chOff x="0" y="0"/>
-          <a:chExt cx="0" cy="0"/>
-        </a:xfrm>
-      </p:grpSpPr>
-      <p:sp>
-        <p:nvSpPr>
-          <p:cNvPr id="30721" name="Slide Number Placeholder 3"/>
-          <p:cNvSpPr>
-            <a:spLocks noGrp="1"/>
-          </p:cNvSpPr>
-          <p:nvPr>
-            <p:ph type="sldNum" sz="quarter" idx="10"/>
-          </p:nvPr>
-        </p:nvSpPr>
-        <p:spPr>
-          <a:noFill/>
-          <a:ln/>
-          <a:extLst>
-            <a:ext uri="{909E8E84-426E-40dd-AFC4-6F175D3DCCD1}">
-              <a14:hiddenFill xmlns:a14="http://schemas.microsoft.com/office/drawing/2010/main">
-                <a:solidFill>
-                  <a:srgbClr val="FFFFFF"/>
-                </a:solidFill>
-              </a14:hiddenFill>
-            </a:ext>
-            <a:ext uri="{91240B29-F687-4f45-9708-019B960494DF}">
-              <a14:hiddenLine xmlns:a14="http://schemas.microsoft.com/office/drawing/2010/main" w="9525">
-                <a:solidFill>
-                  <a:srgbClr val="000000"/>
-                </a:solidFill>
-                <a:miter lim="800000"/>
-                <a:headEnd/>
-                <a:tailEnd/>
-              </a14:hiddenLine>
-            </a:ext>
-          </a:extLst>
-        </p:spPr>
-        <p:txBody>
-          <a:bodyPr/>
-          <a:lstStyle>
-            <a:lvl1pPr eaLnBrk="0" hangingPunct="0">
-              <a:defRPr sz="2400">
-                <a:solidFill>
-                  <a:schemeClr val="tx1"/>
-                </a:solidFill>
-                <a:latin typeface="Arial" charset="0"/>
-                <a:ea typeface="ヒラギノ角ゴ Pro W3" charset="0"/>
-                <a:cs typeface="ヒラギノ角ゴ Pro W3" charset="0"/>
-              </a:defRPr>
-            </a:lvl1pPr>
-            <a:lvl2pPr marL="742950" indent="-285750" eaLnBrk="0" hangingPunct="0">
-              <a:defRPr sz="2400">
-                <a:solidFill>
-                  <a:schemeClr val="tx1"/>
-                </a:solidFill>
-                <a:latin typeface="Arial" charset="0"/>
-                <a:ea typeface="ヒラギノ角ゴ Pro W3" charset="0"/>
-                <a:cs typeface="ヒラギノ角ゴ Pro W3" charset="0"/>
-              </a:defRPr>
-            </a:lvl2pPr>
-            <a:lvl3pPr marL="1143000" indent="-228600" eaLnBrk="0" hangingPunct="0">
-              <a:defRPr sz="2400">
-                <a:solidFill>
-                  <a:schemeClr val="tx1"/>
-                </a:solidFill>
-                <a:latin typeface="Arial" charset="0"/>
-                <a:ea typeface="ヒラギノ角ゴ Pro W3" charset="0"/>
-                <a:cs typeface="ヒラギノ角ゴ Pro W3" charset="0"/>
-              </a:defRPr>
-            </a:lvl3pPr>
-            <a:lvl4pPr marL="1600200" indent="-228600" eaLnBrk="0" hangingPunct="0">
-              <a:defRPr sz="2400">
-                <a:solidFill>
-                  <a:schemeClr val="tx1"/>
-                </a:solidFill>
-                <a:latin typeface="Arial" charset="0"/>
-                <a:ea typeface="ヒラギノ角ゴ Pro W3" charset="0"/>
-                <a:cs typeface="ヒラギノ角ゴ Pro W3" charset="0"/>
-              </a:defRPr>
-            </a:lvl4pPr>
-            <a:lvl5pPr marL="2057400" indent="-228600" eaLnBrk="0" hangingPunct="0">
-              <a:defRPr sz="2400">
-                <a:solidFill>
-                  <a:schemeClr val="tx1"/>
-                </a:solidFill>
-                <a:latin typeface="Arial" charset="0"/>
-                <a:ea typeface="ヒラギノ角ゴ Pro W3" charset="0"/>
-                <a:cs typeface="ヒラギノ角ゴ Pro W3" charset="0"/>
-              </a:defRPr>
-            </a:lvl5pPr>
-            <a:lvl6pPr marL="2514600" indent="-228600" algn="ctr" eaLnBrk="0" fontAlgn="base" hangingPunct="0">
-              <a:spcBef>
-                <a:spcPct val="0"/>
-              </a:spcBef>
-              <a:spcAft>
-                <a:spcPct val="0"/>
-              </a:spcAft>
-              <a:defRPr sz="2400">
-                <a:solidFill>
-                  <a:schemeClr val="tx1"/>
-                </a:solidFill>
-                <a:latin typeface="Arial" charset="0"/>
-                <a:ea typeface="ヒラギノ角ゴ Pro W3" charset="0"/>
-                <a:cs typeface="ヒラギノ角ゴ Pro W3" charset="0"/>
-              </a:defRPr>
-            </a:lvl6pPr>
-            <a:lvl7pPr marL="2971800" indent="-228600" algn="ctr" eaLnBrk="0" fontAlgn="base" hangingPunct="0">
-              <a:spcBef>
-                <a:spcPct val="0"/>
-              </a:spcBef>
-              <a:spcAft>
-                <a:spcPct val="0"/>
-              </a:spcAft>
-              <a:defRPr sz="2400">
-                <a:solidFill>
-                  <a:schemeClr val="tx1"/>
-                </a:solidFill>
-                <a:latin typeface="Arial" charset="0"/>
-                <a:ea typeface="ヒラギノ角ゴ Pro W3" charset="0"/>
-                <a:cs typeface="ヒラギノ角ゴ Pro W3" charset="0"/>
-              </a:defRPr>
-            </a:lvl7pPr>
-            <a:lvl8pPr marL="3429000" indent="-228600" algn="ctr" eaLnBrk="0" fontAlgn="base" hangingPunct="0">
-              <a:spcBef>
-                <a:spcPct val="0"/>
-              </a:spcBef>
-              <a:spcAft>
-                <a:spcPct val="0"/>
-              </a:spcAft>
-              <a:defRPr sz="2400">
-                <a:solidFill>
-                  <a:schemeClr val="tx1"/>
-                </a:solidFill>
-                <a:latin typeface="Arial" charset="0"/>
-                <a:ea typeface="ヒラギノ角ゴ Pro W3" charset="0"/>
-                <a:cs typeface="ヒラギノ角ゴ Pro W3" charset="0"/>
-              </a:defRPr>
-            </a:lvl8pPr>
-            <a:lvl9pPr marL="3886200" indent="-228600" algn="ctr" eaLnBrk="0" fontAlgn="base" hangingPunct="0">
-              <a:spcBef>
-                <a:spcPct val="0"/>
-              </a:spcBef>
-              <a:spcAft>
-                <a:spcPct val="0"/>
-              </a:spcAft>
-              <a:defRPr sz="2400">
-                <a:solidFill>
-                  <a:schemeClr val="tx1"/>
-                </a:solidFill>
-                <a:latin typeface="Arial" charset="0"/>
-                <a:ea typeface="ヒラギノ角ゴ Pro W3" charset="0"/>
-                <a:cs typeface="ヒラギノ角ゴ Pro W3" charset="0"/>
-              </a:defRPr>
-            </a:lvl9pPr>
-          </a:lstStyle>
-          <a:p>
-            <a:pPr eaLnBrk="1" hangingPunct="1"/>
-            <a:fld id="{EE975231-3F63-4F4E-B8F6-0A246541BABA}" type="slidenum">
-              <a:rPr lang="en-US" sz="1400"/>
-              <a:pPr eaLnBrk="1" hangingPunct="1"/>
-              <a:t>9</a:t>
-            </a:fld>
-            <a:endParaRPr lang="en-US" sz="1400"/>
-          </a:p>
-        </p:txBody>
-      </p:sp>
-      <p:sp>
-        <p:nvSpPr>
-          <p:cNvPr id="30722" name="Rectangle 2"/>
-          <p:cNvSpPr>
-            <a:spLocks noGrp="1" noChangeArrowheads="1"/>
-          </p:cNvSpPr>
-          <p:nvPr>
-            <p:ph type="title"/>
-          </p:nvPr>
-        </p:nvSpPr>
-        <p:spPr/>
-        <p:txBody>
-          <a:bodyPr/>
-          <a:lstStyle/>
-          <a:p>
-            <a:r>
-              <a:rPr lang="en-US">
-                <a:latin typeface="Times New Roman" charset="0"/>
-                <a:ea typeface="ヒラギノ角ゴ Pro W3" charset="0"/>
-                <a:cs typeface="ヒラギノ角ゴ Pro W3" charset="0"/>
-              </a:rPr>
-              <a:t>Configuration Files: Peer Data</a:t>
-            </a:r>
-          </a:p>
-        </p:txBody>
-      </p:sp>
-      <p:graphicFrame>
-        <p:nvGraphicFramePr>
-          <p:cNvPr id="56467" name="Group 147"/>
-          <p:cNvGraphicFramePr>
-            <a:graphicFrameLocks noGrp="1"/>
-          </p:cNvGraphicFramePr>
-          <p:nvPr>
-            <p:extLst>
-              <p:ext uri="{D42A27DB-BD31-4B8C-83A1-F6EECF244321}">
-                <p14:modId xmlns:p14="http://schemas.microsoft.com/office/powerpoint/2010/main" val="1547464845"/>
-              </p:ext>
-            </p:extLst>
-          </p:nvPr>
-        </p:nvGraphicFramePr>
-        <p:xfrm>
-          <a:off x="287869" y="1187450"/>
-          <a:ext cx="8013253" cy="4006111"/>
-        </p:xfrm>
-        <a:graphic>
-          <a:graphicData uri="http://schemas.openxmlformats.org/drawingml/2006/table">
-            <a:tbl>
-              <a:tblPr/>
-              <a:tblGrid>
-                <a:gridCol w="1673989"/>
-                <a:gridCol w="2241076"/>
-                <a:gridCol w="4098188"/>
-              </a:tblGrid>
-              <a:tr h="336550">
-                <a:tc>
-                  <a:txBody>
-                    <a:bodyPr/>
-                    <a:lstStyle/>
-                    <a:p>
-                      <a:pPr marL="0" marR="0" lvl="0" indent="0" algn="l" defTabSz="914400" rtl="0" eaLnBrk="0" fontAlgn="base" latinLnBrk="0" hangingPunct="0">
-                        <a:lnSpc>
-                          <a:spcPct val="100000"/>
-                        </a:lnSpc>
-                        <a:spcBef>
-                          <a:spcPct val="35000"/>
-                        </a:spcBef>
-                        <a:spcAft>
-                          <a:spcPct val="0"/>
-                        </a:spcAft>
-                        <a:buClrTx/>
-                        <a:buSzTx/>
-                        <a:buFontTx/>
-                        <a:buNone/>
-                        <a:tabLst/>
-                      </a:pPr>
-                      <a:r>
-                        <a:rPr kumimoji="0" lang="en-US" sz="2400" b="1" i="0" u="none" strike="noStrike" cap="none" normalizeH="0" baseline="0" smtClean="0">
-                          <a:ln>
-                            <a:noFill/>
-                          </a:ln>
-                          <a:solidFill>
-                            <a:schemeClr val="tx1"/>
-                          </a:solidFill>
-                          <a:effectLst/>
-                          <a:latin typeface="Arial" pitchFamily="-112" charset="0"/>
-                          <a:ea typeface="ヒラギノ角ゴ Pro W3" pitchFamily="-112" charset="-128"/>
-                          <a:cs typeface="ヒラギノ角ゴ Pro W3" pitchFamily="-112" charset="-128"/>
-                        </a:rPr>
-                        <a:t>Parameter</a:t>
-                      </a:r>
-                    </a:p>
-                  </a:txBody>
-                  <a:tcPr marT="45692" marB="45692" horzOverflow="overflow">
-                    <a:lnL w="28575" cap="flat" cmpd="sng" algn="ctr">
-                      <a:solidFill>
-                        <a:schemeClr val="tx1"/>
-                      </a:solidFill>
-                      <a:prstDash val="solid"/>
-                      <a:round/>
-                      <a:headEnd type="none" w="med" len="med"/>
-                      <a:tailEnd type="none" w="med" len="med"/>
-                    </a:lnL>
-                    <a:lnR w="12700" cap="flat" cmpd="sng" algn="ctr">
-                      <a:solidFill>
-                        <a:schemeClr val="tx1"/>
-                      </a:solidFill>
-                      <a:prstDash val="solid"/>
-                      <a:round/>
-                      <a:headEnd type="none" w="med" len="med"/>
-                      <a:tailEnd type="none" w="med" len="med"/>
-                    </a:lnR>
-                    <a:lnT w="28575" cap="flat" cmpd="sng" algn="ctr">
-                      <a:solidFill>
-                        <a:schemeClr val="tx1"/>
-                      </a:solidFill>
-                      <a:prstDash val="solid"/>
-                      <a:round/>
-                      <a:headEnd type="none" w="med" len="med"/>
-                      <a:tailEnd type="none" w="med" len="med"/>
-                    </a:lnT>
-                    <a:lnB w="28575" cap="flat" cmpd="sng" algn="ctr">
-                      <a:solidFill>
-                        <a:scrgbClr r="0" g="0" b="0"/>
-                      </a:solidFill>
-                      <a:prstDash val="solid"/>
-                      <a:round/>
-                      <a:headEnd type="none" w="med" len="med"/>
-                      <a:tailEnd type="none" w="med" len="med"/>
-                    </a:lnB>
-                    <a:lnTlToBr>
-                      <a:noFill/>
-                    </a:lnTlToBr>
-                    <a:lnBlToTr>
-                      <a:noFill/>
-                    </a:lnBlToTr>
-                    <a:noFill/>
-                  </a:tcPr>
-                </a:tc>
-                <a:tc>
-                  <a:txBody>
-                    <a:bodyPr/>
-                    <a:lstStyle/>
-                    <a:p>
-                      <a:pPr marL="0" marR="0" lvl="0" indent="0" algn="l" defTabSz="914400" rtl="0" eaLnBrk="0" fontAlgn="base" latinLnBrk="0" hangingPunct="0">
-                        <a:lnSpc>
-                          <a:spcPct val="100000"/>
-                        </a:lnSpc>
-                        <a:spcBef>
-                          <a:spcPct val="35000"/>
-                        </a:spcBef>
-                        <a:spcAft>
-                          <a:spcPct val="0"/>
-                        </a:spcAft>
-                        <a:buClrTx/>
-                        <a:buSzTx/>
-                        <a:buFontTx/>
-                        <a:buNone/>
-                        <a:tabLst/>
-                      </a:pPr>
-                      <a:r>
-                        <a:rPr kumimoji="0" lang="en-US" sz="2400" b="1" i="0" u="none" strike="noStrike" kern="1200" cap="none" normalizeH="0" baseline="0">
-                          <a:ln>
-                            <a:noFill/>
-                          </a:ln>
-                          <a:solidFill>
-                            <a:schemeClr val="tx1"/>
-                          </a:solidFill>
-                          <a:effectLst/>
-                          <a:latin typeface="Arial" pitchFamily="-112" charset="0"/>
-                          <a:ea typeface="ヒラギノ角ゴ Pro W3" pitchFamily="-112" charset="-128"/>
-                          <a:cs typeface="ヒラギノ角ゴ Pro W3" pitchFamily="-112" charset="-128"/>
-                        </a:rPr>
-                        <a:t>Type</a:t>
-                      </a:r>
-                    </a:p>
-                  </a:txBody>
-                  <a:tcPr marT="45692" marB="45692" horzOverflow="overflow">
-                    <a:lnL w="12700" cap="flat" cmpd="sng" algn="ctr">
-                      <a:solidFill>
-                        <a:schemeClr val="tx1"/>
-                      </a:solidFill>
-                      <a:prstDash val="solid"/>
-                      <a:round/>
-                      <a:headEnd type="none" w="med" len="med"/>
-                      <a:tailEnd type="none" w="med" len="med"/>
-                    </a:lnL>
-                    <a:lnR w="12700" cap="flat" cmpd="sng" algn="ctr">
-                      <a:solidFill>
-                        <a:schemeClr val="tx1"/>
-                      </a:solidFill>
-                      <a:prstDash val="solid"/>
-                      <a:round/>
-                      <a:headEnd type="none" w="med" len="med"/>
-                      <a:tailEnd type="none" w="med" len="med"/>
-                    </a:lnR>
-                    <a:lnT w="28575" cap="flat" cmpd="sng" algn="ctr">
-                      <a:solidFill>
-                        <a:schemeClr val="tx1"/>
-                      </a:solidFill>
-                      <a:prstDash val="solid"/>
-                      <a:round/>
-                      <a:headEnd type="none" w="med" len="med"/>
-                      <a:tailEnd type="none" w="med" len="med"/>
-                    </a:lnT>
-                    <a:lnB w="28575" cap="flat" cmpd="sng" algn="ctr">
-                      <a:solidFill>
-                        <a:scrgbClr r="0" g="0" b="0"/>
-                      </a:solidFill>
-                      <a:prstDash val="solid"/>
-                      <a:round/>
-                      <a:headEnd type="none" w="med" len="med"/>
-                      <a:tailEnd type="none" w="med" len="med"/>
-                    </a:lnB>
-                    <a:lnTlToBr>
-                      <a:noFill/>
-                    </a:lnTlToBr>
-                    <a:lnBlToTr>
-                      <a:noFill/>
-                    </a:lnBlToTr>
-                    <a:noFill/>
-                  </a:tcPr>
-                </a:tc>
-                <a:tc>
-                  <a:txBody>
-                    <a:bodyPr/>
-                    <a:lstStyle/>
-                    <a:p>
-                      <a:pPr marL="0" marR="0" lvl="0" indent="0" algn="l" defTabSz="914400" rtl="0" eaLnBrk="0" fontAlgn="base" latinLnBrk="0" hangingPunct="0">
-                        <a:lnSpc>
-                          <a:spcPct val="100000"/>
-                        </a:lnSpc>
-                        <a:spcBef>
-                          <a:spcPct val="35000"/>
-                        </a:spcBef>
-                        <a:spcAft>
-                          <a:spcPct val="0"/>
-                        </a:spcAft>
-                        <a:buClrTx/>
-                        <a:buSzTx/>
-                        <a:buFontTx/>
-                        <a:buNone/>
-                        <a:tabLst/>
-                      </a:pPr>
-                      <a:r>
-                        <a:rPr kumimoji="0" lang="en-US" sz="2400" b="1" i="0" u="none" strike="noStrike" cap="none" normalizeH="0" baseline="0">
-                          <a:ln>
-                            <a:noFill/>
-                          </a:ln>
-                          <a:solidFill>
-                            <a:schemeClr val="tx1"/>
-                          </a:solidFill>
-                          <a:effectLst/>
-                          <a:latin typeface="Arial" pitchFamily="-112" charset="0"/>
-                          <a:ea typeface="ヒラギノ角ゴ Pro W3" pitchFamily="-112" charset="-128"/>
-                          <a:cs typeface="ヒラギノ角ゴ Pro W3" pitchFamily="-112" charset="-128"/>
-                        </a:rPr>
-                        <a:t>Description</a:t>
-                      </a:r>
-                    </a:p>
-                  </a:txBody>
-                  <a:tcPr marT="45692" marB="45692" horzOverflow="overflow">
-                    <a:lnL w="12700" cap="flat" cmpd="sng" algn="ctr">
-                      <a:solidFill>
-                        <a:schemeClr val="tx1"/>
-                      </a:solidFill>
-                      <a:prstDash val="solid"/>
-                      <a:round/>
-                      <a:headEnd type="none" w="med" len="med"/>
-                      <a:tailEnd type="none" w="med" len="med"/>
-                    </a:lnL>
-                    <a:lnR w="28575" cap="flat" cmpd="sng" algn="ctr">
-                      <a:solidFill>
-                        <a:schemeClr val="tx1"/>
-                      </a:solidFill>
-                      <a:prstDash val="solid"/>
-                      <a:round/>
-                      <a:headEnd type="none" w="med" len="med"/>
-                      <a:tailEnd type="none" w="med" len="med"/>
-                    </a:lnR>
-                    <a:lnT w="28575" cap="flat" cmpd="sng" algn="ctr">
-                      <a:solidFill>
-                        <a:schemeClr val="tx1"/>
-                      </a:solidFill>
-                      <a:prstDash val="solid"/>
-                      <a:round/>
-                      <a:headEnd type="none" w="med" len="med"/>
-                      <a:tailEnd type="none" w="med" len="med"/>
-                    </a:lnT>
-                    <a:lnB w="28575" cap="flat" cmpd="sng" algn="ctr">
-                      <a:solidFill>
-                        <a:scrgbClr r="0" g="0" b="0"/>
-                      </a:solidFill>
-                      <a:prstDash val="solid"/>
-                      <a:round/>
-                      <a:headEnd type="none" w="med" len="med"/>
-                      <a:tailEnd type="none" w="med" len="med"/>
-                    </a:lnB>
-                    <a:lnTlToBr>
-                      <a:noFill/>
-                    </a:lnTlToBr>
-                    <a:lnBlToTr>
-                      <a:noFill/>
-                    </a:lnBlToTr>
-                    <a:noFill/>
-                  </a:tcPr>
-                </a:tc>
-              </a:tr>
-              <a:tr h="0">
-                <a:tc>
-                  <a:txBody>
-                    <a:bodyPr/>
-                    <a:lstStyle/>
-                    <a:p>
-                      <a:pPr marL="0" marR="0" lvl="0" indent="0" algn="l" defTabSz="914400" rtl="0" eaLnBrk="0" fontAlgn="base" latinLnBrk="0" hangingPunct="0">
-                        <a:lnSpc>
-                          <a:spcPct val="100000"/>
-                        </a:lnSpc>
-                        <a:spcBef>
-                          <a:spcPct val="35000"/>
-                        </a:spcBef>
-                        <a:spcAft>
-                          <a:spcPct val="0"/>
-                        </a:spcAft>
-                        <a:buClrTx/>
-                        <a:buSzTx/>
-                        <a:buFontTx/>
-                        <a:buNone/>
-                        <a:tabLst/>
-                        <a:defRPr/>
-                      </a:pPr>
-                      <a:r>
-                        <a:rPr kumimoji="0" lang="en-US" sz="1400" b="0" i="0" u="none" strike="noStrike" kern="1200" cap="none" normalizeH="0" baseline="0" smtClean="0">
-                          <a:ln>
-                            <a:noFill/>
-                          </a:ln>
-                          <a:solidFill>
-                            <a:schemeClr val="tx1"/>
-                          </a:solidFill>
-                          <a:effectLst/>
-                          <a:latin typeface="Arial" pitchFamily="-112" charset="0"/>
-                          <a:ea typeface="ヒラギノ角ゴ Pro W3" pitchFamily="-112" charset="-128"/>
-                          <a:cs typeface="ヒラギノ角ゴ Pro W3" pitchFamily="-112" charset="-128"/>
-                        </a:rPr>
-                        <a:t>CPU Name</a:t>
-                      </a:r>
-                      <a:endParaRPr kumimoji="0" lang="en-US" sz="1400" b="0" i="0" u="none" strike="noStrike" kern="1200" cap="none" normalizeH="0" baseline="0">
-                        <a:ln>
-                          <a:noFill/>
-                        </a:ln>
-                        <a:solidFill>
-                          <a:schemeClr val="tx1"/>
-                        </a:solidFill>
-                        <a:effectLst/>
-                        <a:latin typeface="Arial" pitchFamily="-112" charset="0"/>
-                        <a:ea typeface="ヒラギノ角ゴ Pro W3" pitchFamily="-112" charset="-128"/>
-                        <a:cs typeface="ヒラギノ角ゴ Pro W3" pitchFamily="-112" charset="-128"/>
-                      </a:endParaRPr>
-                    </a:p>
-                  </a:txBody>
-                  <a:tcPr marT="45692" marB="45692" horzOverflow="overflow">
-                    <a:lnL w="28575" cap="flat" cmpd="sng" algn="ctr">
-                      <a:solidFill>
-                        <a:scrgbClr r="0" g="0" b="0"/>
-                      </a:solidFill>
-                      <a:prstDash val="solid"/>
-                      <a:round/>
-                      <a:headEnd type="none" w="med" len="med"/>
-                      <a:tailEnd type="none" w="med" len="med"/>
-                    </a:lnL>
-                    <a:lnR w="12700" cap="flat" cmpd="sng" algn="ctr">
-                      <a:solidFill>
-                        <a:schemeClr val="tx1"/>
-                      </a:solidFill>
-                      <a:prstDash val="solid"/>
-                      <a:round/>
-                      <a:headEnd type="none" w="med" len="med"/>
-                      <a:tailEnd type="none" w="med" len="med"/>
-                    </a:lnR>
-                    <a:lnT w="28575" cap="flat" cmpd="sng" algn="ctr">
-                      <a:solidFill>
-                        <a:scrgbClr r="0" g="0" b="0"/>
-                      </a:solidFill>
-                      <a:prstDash val="solid"/>
-                      <a:round/>
-                      <a:headEnd type="none" w="med" len="med"/>
-                      <a:tailEnd type="none" w="med" len="med"/>
-                    </a:lnT>
-                    <a:lnB w="12700" cap="flat" cmpd="sng" algn="ctr">
-                      <a:solidFill>
-                        <a:schemeClr val="tx1"/>
-                      </a:solidFill>
-                      <a:prstDash val="solid"/>
-                      <a:round/>
-                      <a:headEnd type="none" w="med" len="med"/>
-                      <a:tailEnd type="none" w="med" len="med"/>
-                    </a:lnB>
-                    <a:lnTlToBr>
-                      <a:noFill/>
-                    </a:lnTlToBr>
-                    <a:lnBlToTr>
-                      <a:noFill/>
-                    </a:lnBlToTr>
-                    <a:noFill/>
-                  </a:tcPr>
-                </a:tc>
-                <a:tc>
-                  <a:txBody>
-                    <a:bodyPr/>
-                    <a:lstStyle/>
-                    <a:p>
-                      <a:pPr marL="0" marR="0" lvl="0" indent="0" algn="l" defTabSz="914400" rtl="0" eaLnBrk="0" fontAlgn="base" latinLnBrk="0" hangingPunct="0">
-                        <a:lnSpc>
-                          <a:spcPct val="100000"/>
-                        </a:lnSpc>
-                        <a:spcBef>
-                          <a:spcPct val="35000"/>
-                        </a:spcBef>
-                        <a:spcAft>
-                          <a:spcPct val="0"/>
-                        </a:spcAft>
-                        <a:buClrTx/>
-                        <a:buSzTx/>
-                        <a:buFontTx/>
-                        <a:buNone/>
-                        <a:tabLst/>
-                        <a:defRPr/>
-                      </a:pPr>
-                      <a:r>
-                        <a:rPr kumimoji="0" lang="en-US" sz="1400" b="0" i="0" u="none" strike="noStrike" kern="1200" cap="none" normalizeH="0" baseline="0">
-                          <a:ln>
-                            <a:noFill/>
-                          </a:ln>
-                          <a:solidFill>
-                            <a:schemeClr val="tx1"/>
-                          </a:solidFill>
-                          <a:effectLst/>
-                          <a:latin typeface="Arial" pitchFamily="-112" charset="0"/>
-                          <a:ea typeface="ヒラギノ角ゴ Pro W3" pitchFamily="-112" charset="-128"/>
-                          <a:cs typeface="ヒラギノ角ゴ Pro W3" pitchFamily="-112" charset="-128"/>
-                        </a:rPr>
-                        <a:t>char[</a:t>
-                      </a:r>
-                    </a:p>
-                    <a:p>
-                      <a:pPr marL="0" marR="0" lvl="0" indent="0" algn="l" defTabSz="914400" rtl="0" eaLnBrk="0" fontAlgn="base" latinLnBrk="0" hangingPunct="0">
-                        <a:lnSpc>
-                          <a:spcPct val="100000"/>
-                        </a:lnSpc>
-                        <a:spcBef>
-                          <a:spcPct val="35000"/>
-                        </a:spcBef>
-                        <a:spcAft>
-                          <a:spcPct val="0"/>
-                        </a:spcAft>
-                        <a:buClrTx/>
-                        <a:buSzTx/>
-                        <a:buFontTx/>
-                        <a:buNone/>
-                        <a:tabLst/>
-                        <a:defRPr/>
-                      </a:pPr>
-                      <a:r>
-                        <a:rPr kumimoji="0" lang="en-US" sz="1400" b="0" i="0" u="none" strike="noStrike" kern="1200" cap="none" normalizeH="0" baseline="0">
-                          <a:ln>
-                            <a:noFill/>
-                          </a:ln>
-                          <a:solidFill>
-                            <a:schemeClr val="tx1"/>
-                          </a:solidFill>
-                          <a:effectLst/>
-                          <a:latin typeface="Arial" pitchFamily="-112" charset="0"/>
-                          <a:ea typeface="ヒラギノ角ゴ Pro W3" pitchFamily="-112" charset="-128"/>
-                          <a:cs typeface="ヒラギノ角ゴ Pro W3" pitchFamily="-112" charset="-128"/>
-                        </a:rPr>
-                        <a:t>SBN_MAX_PEERNAME_LENGTH]</a:t>
-                      </a:r>
-                    </a:p>
-                  </a:txBody>
-                  <a:tcPr marT="45692" marB="45692" horzOverflow="overflow">
-                    <a:lnL w="12700" cap="flat" cmpd="sng" algn="ctr">
-                      <a:solidFill>
-                        <a:schemeClr val="tx1"/>
-                      </a:solidFill>
-                      <a:prstDash val="solid"/>
-                      <a:round/>
-                      <a:headEnd type="none" w="med" len="med"/>
-                      <a:tailEnd type="none" w="med" len="med"/>
-                    </a:lnL>
-                    <a:lnR w="12700" cap="flat" cmpd="sng" algn="ctr">
-                      <a:solidFill>
-                        <a:schemeClr val="tx1"/>
-                      </a:solidFill>
-                      <a:prstDash val="solid"/>
-                      <a:round/>
-                      <a:headEnd type="none" w="med" len="med"/>
-                      <a:tailEnd type="none" w="med" len="med"/>
-                    </a:lnR>
-                    <a:lnT w="28575" cap="flat" cmpd="sng" algn="ctr">
-                      <a:solidFill>
-                        <a:scrgbClr r="0" g="0" b="0"/>
-                      </a:solidFill>
-                      <a:prstDash val="solid"/>
-                      <a:round/>
-                      <a:headEnd type="none" w="med" len="med"/>
-                      <a:tailEnd type="none" w="med" len="med"/>
-                    </a:lnT>
-                    <a:lnB w="12700" cap="flat" cmpd="sng" algn="ctr">
-                      <a:solidFill>
-                        <a:schemeClr val="tx1"/>
-                      </a:solidFill>
-                      <a:prstDash val="solid"/>
-                      <a:round/>
-                      <a:headEnd type="none" w="med" len="med"/>
-                      <a:tailEnd type="none" w="med" len="med"/>
-                    </a:lnB>
-                    <a:lnTlToBr>
-                      <a:noFill/>
-                    </a:lnTlToBr>
-                    <a:lnBlToTr>
-                      <a:noFill/>
-                    </a:lnBlToTr>
-                    <a:noFill/>
-                  </a:tcPr>
-                </a:tc>
-                <a:tc>
-                  <a:txBody>
-                    <a:bodyPr/>
-                    <a:lstStyle/>
-                    <a:p>
-                      <a:pPr marL="0" marR="0" lvl="0" indent="0" algn="l" defTabSz="914400" rtl="0" eaLnBrk="0" fontAlgn="base" latinLnBrk="0" hangingPunct="0">
-                        <a:lnSpc>
-                          <a:spcPct val="100000"/>
-                        </a:lnSpc>
-                        <a:spcBef>
-                          <a:spcPct val="35000"/>
-                        </a:spcBef>
-                        <a:spcAft>
-                          <a:spcPct val="0"/>
-                        </a:spcAft>
-                        <a:buClrTx/>
-                        <a:buSzTx/>
-                        <a:buFontTx/>
-                        <a:buNone/>
-                        <a:tabLst/>
-                      </a:pPr>
-                      <a:r>
-                        <a:rPr kumimoji="0" lang="en-US" sz="1400" b="0" i="0" u="none" strike="noStrike" cap="none" normalizeH="0" baseline="0">
-                          <a:ln>
-                            <a:noFill/>
-                          </a:ln>
-                          <a:solidFill>
-                            <a:schemeClr val="tx1"/>
-                          </a:solidFill>
-                          <a:effectLst/>
-                          <a:latin typeface="Arial" pitchFamily="-112" charset="0"/>
-                          <a:ea typeface="ヒラギノ角ゴ Pro W3" pitchFamily="-112" charset="-128"/>
-                          <a:cs typeface="ヒラギノ角ゴ Pro W3" pitchFamily="-112" charset="-128"/>
-                        </a:rPr>
-                        <a:t>The CPU name of the node (needs to match CFE_CPU_NAME.)</a:t>
-                      </a:r>
-                    </a:p>
-                  </a:txBody>
-                  <a:tcPr marT="45692" marB="45692" horzOverflow="overflow">
-                    <a:lnL w="12700" cap="flat" cmpd="sng" algn="ctr">
-                      <a:solidFill>
-                        <a:schemeClr val="tx1"/>
-                      </a:solidFill>
-                      <a:prstDash val="solid"/>
-                      <a:round/>
-                      <a:headEnd type="none" w="med" len="med"/>
-                      <a:tailEnd type="none" w="med" len="med"/>
-                    </a:lnL>
-                    <a:lnR w="28575" cap="flat" cmpd="sng" algn="ctr">
-                      <a:solidFill>
-                        <a:scrgbClr r="0" g="0" b="0"/>
-                      </a:solidFill>
-                      <a:prstDash val="solid"/>
-                      <a:round/>
-                      <a:headEnd type="none" w="med" len="med"/>
-                      <a:tailEnd type="none" w="med" len="med"/>
-                    </a:lnR>
-                    <a:lnT w="28575" cap="flat" cmpd="sng" algn="ctr">
-                      <a:solidFill>
-                        <a:scrgbClr r="0" g="0" b="0"/>
-                      </a:solidFill>
-                      <a:prstDash val="solid"/>
-                      <a:round/>
-                      <a:headEnd type="none" w="med" len="med"/>
-                      <a:tailEnd type="none" w="med" len="med"/>
-                    </a:lnT>
-                    <a:lnB w="12700" cap="flat" cmpd="sng" algn="ctr">
-                      <a:solidFill>
-                        <a:schemeClr val="tx1"/>
-                      </a:solidFill>
-                      <a:prstDash val="solid"/>
-                      <a:round/>
-                      <a:headEnd type="none" w="med" len="med"/>
-                      <a:tailEnd type="none" w="med" len="med"/>
-                    </a:lnB>
-                    <a:lnTlToBr>
-                      <a:noFill/>
-                    </a:lnTlToBr>
-                    <a:lnBlToTr>
-                      <a:noFill/>
-                    </a:lnBlToTr>
-                    <a:noFill/>
-                  </a:tcPr>
-                </a:tc>
-              </a:tr>
-              <a:tr h="0">
-                <a:tc>
-                  <a:txBody>
-                    <a:bodyPr/>
-                    <a:lstStyle/>
-                    <a:p>
-                      <a:pPr marL="0" marR="0" lvl="0" indent="0" algn="l" defTabSz="914400" rtl="0" eaLnBrk="0" fontAlgn="base" latinLnBrk="0" hangingPunct="0">
-                        <a:lnSpc>
-                          <a:spcPct val="100000"/>
-                        </a:lnSpc>
-                        <a:spcBef>
-                          <a:spcPct val="35000"/>
-                        </a:spcBef>
-                        <a:spcAft>
-                          <a:spcPct val="0"/>
-                        </a:spcAft>
-                        <a:buClrTx/>
-                        <a:buSzTx/>
-                        <a:buFontTx/>
-                        <a:buNone/>
-                        <a:tabLst/>
-                      </a:pPr>
-                      <a:r>
-                        <a:rPr kumimoji="0" lang="en-US" sz="1400" b="0" i="0" u="none" strike="noStrike" cap="none" normalizeH="0" baseline="0">
-                          <a:ln>
-                            <a:noFill/>
-                          </a:ln>
-                          <a:solidFill>
-                            <a:schemeClr val="tx1"/>
-                          </a:solidFill>
-                          <a:effectLst/>
-                          <a:latin typeface="Arial" pitchFamily="-112" charset="0"/>
-                          <a:ea typeface="ヒラギノ角ゴ Pro W3" pitchFamily="-112" charset="-128"/>
-                          <a:cs typeface="ヒラギノ角ゴ Pro W3" pitchFamily="-112" charset="-128"/>
-                        </a:rPr>
-                        <a:t>CPU ID</a:t>
-                      </a:r>
-                    </a:p>
-                  </a:txBody>
-                  <a:tcPr marT="45692" marB="45692" horzOverflow="overflow">
-                    <a:lnL w="28575" cap="flat" cmpd="sng" algn="ctr">
-                      <a:solidFill>
-                        <a:scrgbClr r="0" g="0" b="0"/>
-                      </a:solidFill>
-                      <a:prstDash val="solid"/>
-                      <a:round/>
-                      <a:headEnd type="none" w="med" len="med"/>
-                      <a:tailEnd type="none" w="med" len="med"/>
-                    </a:lnL>
-                    <a:lnR w="12700" cap="flat" cmpd="sng" algn="ctr">
-                      <a:solidFill>
-                        <a:schemeClr val="tx1"/>
-                      </a:solidFill>
-                      <a:prstDash val="solid"/>
-                      <a:round/>
-                      <a:headEnd type="none" w="med" len="med"/>
-                      <a:tailEnd type="none" w="med" len="med"/>
-                    </a:lnR>
-                    <a:lnT w="12700" cap="flat" cmpd="sng" algn="ctr">
-                      <a:solidFill>
-                        <a:schemeClr val="tx1"/>
-                      </a:solidFill>
-                      <a:prstDash val="solid"/>
-                      <a:round/>
-                      <a:headEnd type="none" w="med" len="med"/>
-                      <a:tailEnd type="none" w="med" len="med"/>
-                    </a:lnT>
-                    <a:lnB w="12700" cap="flat" cmpd="sng" algn="ctr">
-                      <a:solidFill>
-                        <a:schemeClr val="tx1"/>
-                      </a:solidFill>
-                      <a:prstDash val="solid"/>
-                      <a:round/>
-                      <a:headEnd type="none" w="med" len="med"/>
-                      <a:tailEnd type="none" w="med" len="med"/>
-                    </a:lnB>
-                    <a:lnTlToBr>
-                      <a:noFill/>
-                    </a:lnTlToBr>
-                    <a:lnBlToTr>
-                      <a:noFill/>
-                    </a:lnBlToTr>
-                    <a:noFill/>
-                  </a:tcPr>
-                </a:tc>
-                <a:tc>
-                  <a:txBody>
-                    <a:bodyPr/>
-                    <a:lstStyle/>
-                    <a:p>
-                      <a:pPr marL="0" marR="0" lvl="0" indent="0" algn="l" defTabSz="914400" rtl="0" eaLnBrk="0" fontAlgn="base" latinLnBrk="0" hangingPunct="0">
-                        <a:lnSpc>
-                          <a:spcPct val="100000"/>
-                        </a:lnSpc>
-                        <a:spcBef>
-                          <a:spcPct val="35000"/>
-                        </a:spcBef>
-                        <a:spcAft>
-                          <a:spcPct val="0"/>
-                        </a:spcAft>
-                        <a:buClrTx/>
-                        <a:buSzTx/>
-                        <a:buFontTx/>
-                        <a:buNone/>
-                        <a:tabLst/>
-                      </a:pPr>
-                      <a:r>
-                        <a:rPr kumimoji="0" lang="en-US" sz="1400" b="0" i="0" u="none" strike="noStrike" cap="none" normalizeH="0" baseline="0">
-                          <a:ln>
-                            <a:noFill/>
-                          </a:ln>
-                          <a:solidFill>
-                            <a:schemeClr val="tx1"/>
-                          </a:solidFill>
-                          <a:effectLst/>
-                          <a:latin typeface="Arial" pitchFamily="-112" charset="0"/>
-                          <a:ea typeface="ヒラギノ角ゴ Pro W3" pitchFamily="-112" charset="-128"/>
-                          <a:cs typeface="ヒラギノ角ゴ Pro W3" pitchFamily="-112" charset="-128"/>
-                        </a:rPr>
-                        <a:t>uint32</a:t>
-                      </a:r>
-                    </a:p>
-                  </a:txBody>
-                  <a:tcPr marT="45692" marB="45692" horzOverflow="overflow">
-                    <a:lnL w="12700" cap="flat" cmpd="sng" algn="ctr">
-                      <a:solidFill>
-                        <a:schemeClr val="tx1"/>
-                      </a:solidFill>
-                      <a:prstDash val="solid"/>
-                      <a:round/>
-                      <a:headEnd type="none" w="med" len="med"/>
-                      <a:tailEnd type="none" w="med" len="med"/>
-                    </a:lnL>
-                    <a:lnR w="12700" cap="flat" cmpd="sng" algn="ctr">
-                      <a:solidFill>
-                        <a:schemeClr val="tx1"/>
-                      </a:solidFill>
-                      <a:prstDash val="solid"/>
-                      <a:round/>
-                      <a:headEnd type="none" w="med" len="med"/>
-                      <a:tailEnd type="none" w="med" len="med"/>
-                    </a:lnR>
-                    <a:lnT w="12700" cap="flat" cmpd="sng" algn="ctr">
-                      <a:solidFill>
-                        <a:schemeClr val="tx1"/>
-                      </a:solidFill>
-                      <a:prstDash val="solid"/>
-                      <a:round/>
-                      <a:headEnd type="none" w="med" len="med"/>
-                      <a:tailEnd type="none" w="med" len="med"/>
-                    </a:lnT>
-                    <a:lnB w="12700" cap="flat" cmpd="sng" algn="ctr">
-                      <a:solidFill>
-                        <a:schemeClr val="tx1"/>
-                      </a:solidFill>
-                      <a:prstDash val="solid"/>
-                      <a:round/>
-                      <a:headEnd type="none" w="med" len="med"/>
-                      <a:tailEnd type="none" w="med" len="med"/>
-                    </a:lnB>
-                    <a:lnTlToBr>
-                      <a:noFill/>
-                    </a:lnTlToBr>
-                    <a:lnBlToTr>
-                      <a:noFill/>
-                    </a:lnBlToTr>
-                    <a:noFill/>
-                  </a:tcPr>
-                </a:tc>
-                <a:tc>
-                  <a:txBody>
-                    <a:bodyPr/>
-                    <a:lstStyle/>
-                    <a:p>
-                      <a:pPr marL="0" marR="0" lvl="0" indent="0" algn="l" defTabSz="914400" rtl="0" eaLnBrk="0" fontAlgn="base" latinLnBrk="0" hangingPunct="0">
-                        <a:lnSpc>
-                          <a:spcPct val="100000"/>
-                        </a:lnSpc>
-                        <a:spcBef>
-                          <a:spcPct val="35000"/>
-                        </a:spcBef>
-                        <a:spcAft>
-                          <a:spcPct val="0"/>
-                        </a:spcAft>
-                        <a:buClrTx/>
-                        <a:buSzTx/>
-                        <a:buFontTx/>
-                        <a:buNone/>
-                        <a:tabLst/>
-                      </a:pPr>
-                      <a:r>
-                        <a:rPr kumimoji="0" lang="en-US" sz="1400" b="0" i="0" u="none" strike="noStrike" cap="none" normalizeH="0" baseline="0" smtClean="0">
-                          <a:ln>
-                            <a:noFill/>
-                          </a:ln>
-                          <a:solidFill>
-                            <a:schemeClr val="tx1"/>
-                          </a:solidFill>
-                          <a:effectLst/>
-                          <a:latin typeface="Arial" pitchFamily="-112" charset="0"/>
-                          <a:ea typeface="ヒラギノ角ゴ Pro W3" pitchFamily="-112" charset="-128"/>
-                          <a:cs typeface="ヒラギノ角ゴ Pro W3" pitchFamily="-112" charset="-128"/>
-                        </a:rPr>
-                        <a:t>The ID of the node (needs to match CFE_CPU_ID.)</a:t>
-                      </a:r>
-                      <a:endParaRPr kumimoji="0" lang="en-US" sz="1400" b="0" i="0" u="none" strike="noStrike" cap="none" normalizeH="0" baseline="0">
-                        <a:ln>
-                          <a:noFill/>
-                        </a:ln>
-                        <a:solidFill>
-                          <a:schemeClr val="tx1"/>
-                        </a:solidFill>
-                        <a:effectLst/>
-                        <a:latin typeface="Arial" pitchFamily="-112" charset="0"/>
-                        <a:ea typeface="ヒラギノ角ゴ Pro W3" pitchFamily="-112" charset="-128"/>
-                        <a:cs typeface="ヒラギノ角ゴ Pro W3" pitchFamily="-112" charset="-128"/>
-                      </a:endParaRPr>
-                    </a:p>
-                  </a:txBody>
-                  <a:tcPr marT="45692" marB="45692" horzOverflow="overflow">
-                    <a:lnL w="12700" cap="flat" cmpd="sng" algn="ctr">
-                      <a:solidFill>
-                        <a:schemeClr val="tx1"/>
-                      </a:solidFill>
-                      <a:prstDash val="solid"/>
-                      <a:round/>
-                      <a:headEnd type="none" w="med" len="med"/>
-                      <a:tailEnd type="none" w="med" len="med"/>
-                    </a:lnL>
-                    <a:lnR w="28575" cap="flat" cmpd="sng" algn="ctr">
-                      <a:solidFill>
-                        <a:scrgbClr r="0" g="0" b="0"/>
-                      </a:solidFill>
-                      <a:prstDash val="solid"/>
-                      <a:round/>
-                      <a:headEnd type="none" w="med" len="med"/>
-                      <a:tailEnd type="none" w="med" len="med"/>
-                    </a:lnR>
-                    <a:lnT w="12700" cap="flat" cmpd="sng" algn="ctr">
-                      <a:solidFill>
-                        <a:schemeClr val="tx1"/>
-                      </a:solidFill>
-                      <a:prstDash val="solid"/>
-                      <a:round/>
-                      <a:headEnd type="none" w="med" len="med"/>
-                      <a:tailEnd type="none" w="med" len="med"/>
-                    </a:lnT>
-                    <a:lnB w="12700" cap="flat" cmpd="sng" algn="ctr">
-                      <a:solidFill>
-                        <a:schemeClr val="tx1"/>
-                      </a:solidFill>
-                      <a:prstDash val="solid"/>
-                      <a:round/>
-                      <a:headEnd type="none" w="med" len="med"/>
-                      <a:tailEnd type="none" w="med" len="med"/>
-                    </a:lnB>
-                    <a:lnTlToBr>
-                      <a:noFill/>
-                    </a:lnTlToBr>
-                    <a:lnBlToTr>
-                      <a:noFill/>
-                    </a:lnBlToTr>
-                    <a:noFill/>
-                  </a:tcPr>
-                </a:tc>
-              </a:tr>
-              <a:tr h="0">
-                <a:tc>
-                  <a:txBody>
-                    <a:bodyPr/>
-                    <a:lstStyle/>
-                    <a:p>
-                      <a:pPr marL="0" marR="0" lvl="0" indent="0" algn="l" defTabSz="914400" rtl="0" eaLnBrk="0" fontAlgn="base" latinLnBrk="0" hangingPunct="0">
-                        <a:lnSpc>
-                          <a:spcPct val="100000"/>
-                        </a:lnSpc>
-                        <a:spcBef>
-                          <a:spcPct val="35000"/>
-                        </a:spcBef>
-                        <a:spcAft>
-                          <a:spcPct val="0"/>
-                        </a:spcAft>
-                        <a:buClrTx/>
-                        <a:buSzTx/>
-                        <a:buFontTx/>
-                        <a:buNone/>
-                        <a:tabLst/>
-                      </a:pPr>
-                      <a:r>
-                        <a:rPr kumimoji="0" lang="en-US" sz="1400" b="0" i="0" u="none" strike="noStrike" cap="none" normalizeH="0" baseline="0">
-                          <a:ln>
-                            <a:noFill/>
-                          </a:ln>
-                          <a:solidFill>
-                            <a:schemeClr val="tx1"/>
-                          </a:solidFill>
-                          <a:effectLst/>
-                          <a:latin typeface="Arial" pitchFamily="-112" charset="0"/>
-                          <a:ea typeface="ヒラギノ角ゴ Pro W3" pitchFamily="-112" charset="-128"/>
-                          <a:cs typeface="ヒラギノ角ゴ Pro W3" pitchFamily="-112" charset="-128"/>
-                        </a:rPr>
-                        <a:t>Protocol ID</a:t>
-                      </a:r>
-                    </a:p>
-                  </a:txBody>
-                  <a:tcPr marT="45692" marB="45692" horzOverflow="overflow">
-                    <a:lnL w="28575" cap="flat" cmpd="sng" algn="ctr">
-                      <a:solidFill>
-                        <a:scrgbClr r="0" g="0" b="0"/>
-                      </a:solidFill>
-                      <a:prstDash val="solid"/>
-                      <a:round/>
-                      <a:headEnd type="none" w="med" len="med"/>
-                      <a:tailEnd type="none" w="med" len="med"/>
-                    </a:lnL>
-                    <a:lnR w="12700" cap="flat" cmpd="sng" algn="ctr">
-                      <a:solidFill>
-                        <a:schemeClr val="tx1"/>
-                      </a:solidFill>
-                      <a:prstDash val="solid"/>
-                      <a:round/>
-                      <a:headEnd type="none" w="med" len="med"/>
-                      <a:tailEnd type="none" w="med" len="med"/>
-                    </a:lnR>
-                    <a:lnT w="12700" cap="flat" cmpd="sng" algn="ctr">
-                      <a:solidFill>
-                        <a:schemeClr val="tx1"/>
-                      </a:solidFill>
-                      <a:prstDash val="solid"/>
-                      <a:round/>
-                      <a:headEnd type="none" w="med" len="med"/>
-                      <a:tailEnd type="none" w="med" len="med"/>
-                    </a:lnT>
-                    <a:lnB w="12700" cap="flat" cmpd="sng" algn="ctr">
-                      <a:solidFill>
-                        <a:schemeClr val="tx1"/>
-                      </a:solidFill>
-                      <a:prstDash val="solid"/>
-                      <a:round/>
-                      <a:headEnd type="none" w="med" len="med"/>
-                      <a:tailEnd type="none" w="med" len="med"/>
-                    </a:lnB>
-                    <a:lnTlToBr>
-                      <a:noFill/>
-                    </a:lnTlToBr>
-                    <a:lnBlToTr>
-                      <a:noFill/>
-                    </a:lnBlToTr>
-                    <a:noFill/>
-                  </a:tcPr>
-                </a:tc>
-                <a:tc>
-                  <a:txBody>
-                    <a:bodyPr/>
-                    <a:lstStyle/>
-                    <a:p>
-                      <a:pPr marL="0" marR="0" lvl="0" indent="0" algn="l" defTabSz="914400" rtl="0" eaLnBrk="0" fontAlgn="base" latinLnBrk="0" hangingPunct="0">
-                        <a:lnSpc>
-                          <a:spcPct val="100000"/>
-                        </a:lnSpc>
-                        <a:spcBef>
-                          <a:spcPct val="35000"/>
-                        </a:spcBef>
-                        <a:spcAft>
-                          <a:spcPct val="0"/>
-                        </a:spcAft>
-                        <a:buClrTx/>
-                        <a:buSzTx/>
-                        <a:buFontTx/>
-                        <a:buNone/>
-                        <a:tabLst/>
-                      </a:pPr>
-                      <a:r>
-                        <a:rPr kumimoji="0" lang="en-US" sz="1400" b="0" i="0" u="none" strike="noStrike" cap="none" normalizeH="0" baseline="0">
-                          <a:ln>
-                            <a:noFill/>
-                          </a:ln>
-                          <a:solidFill>
-                            <a:schemeClr val="tx1"/>
-                          </a:solidFill>
-                          <a:effectLst/>
-                          <a:latin typeface="Arial" pitchFamily="-112" charset="0"/>
-                          <a:ea typeface="ヒラギノ角ゴ Pro W3" pitchFamily="-112" charset="-128"/>
-                          <a:cs typeface="ヒラギノ角ゴ Pro W3" pitchFamily="-112" charset="-128"/>
-                        </a:rPr>
-                        <a:t>int</a:t>
-                      </a:r>
-                    </a:p>
-                  </a:txBody>
-                  <a:tcPr marT="45692" marB="45692" horzOverflow="overflow">
-                    <a:lnL w="12700" cap="flat" cmpd="sng" algn="ctr">
-                      <a:solidFill>
-                        <a:schemeClr val="tx1"/>
-                      </a:solidFill>
-                      <a:prstDash val="solid"/>
-                      <a:round/>
-                      <a:headEnd type="none" w="med" len="med"/>
-                      <a:tailEnd type="none" w="med" len="med"/>
-                    </a:lnL>
-                    <a:lnR w="12700" cap="flat" cmpd="sng" algn="ctr">
-                      <a:solidFill>
-                        <a:schemeClr val="tx1"/>
-                      </a:solidFill>
-                      <a:prstDash val="solid"/>
-                      <a:round/>
-                      <a:headEnd type="none" w="med" len="med"/>
-                      <a:tailEnd type="none" w="med" len="med"/>
-                    </a:lnR>
-                    <a:lnT w="12700" cap="flat" cmpd="sng" algn="ctr">
-                      <a:solidFill>
-                        <a:schemeClr val="tx1"/>
-                      </a:solidFill>
-                      <a:prstDash val="solid"/>
-                      <a:round/>
-                      <a:headEnd type="none" w="med" len="med"/>
-                      <a:tailEnd type="none" w="med" len="med"/>
-                    </a:lnT>
-                    <a:lnB w="12700" cap="flat" cmpd="sng" algn="ctr">
-                      <a:solidFill>
-                        <a:schemeClr val="tx1"/>
-                      </a:solidFill>
-                      <a:prstDash val="solid"/>
-                      <a:round/>
-                      <a:headEnd type="none" w="med" len="med"/>
-                      <a:tailEnd type="none" w="med" len="med"/>
-                    </a:lnB>
-                    <a:lnTlToBr>
-                      <a:noFill/>
-                    </a:lnTlToBr>
-                    <a:lnBlToTr>
-                      <a:noFill/>
-                    </a:lnBlToTr>
-                    <a:noFill/>
-                  </a:tcPr>
-                </a:tc>
-                <a:tc>
-                  <a:txBody>
-                    <a:bodyPr/>
-                    <a:lstStyle/>
-                    <a:p>
-                      <a:pPr marL="0" marR="0" lvl="0" indent="0" algn="l" defTabSz="914400" rtl="0" eaLnBrk="0" fontAlgn="base" latinLnBrk="0" hangingPunct="0">
-                        <a:lnSpc>
-                          <a:spcPct val="100000"/>
-                        </a:lnSpc>
-                        <a:spcBef>
-                          <a:spcPct val="35000"/>
-                        </a:spcBef>
-                        <a:spcAft>
-                          <a:spcPct val="0"/>
-                        </a:spcAft>
-                        <a:buClrTx/>
-                        <a:buSzTx/>
-                        <a:buFontTx/>
-                        <a:buNone/>
-                        <a:tabLst/>
-                      </a:pPr>
-                      <a:r>
-                        <a:rPr kumimoji="0" lang="en-US" sz="1400" b="0" i="0" u="none" strike="noStrike" cap="none" normalizeH="0" baseline="0">
-                          <a:ln>
-                            <a:noFill/>
-                          </a:ln>
-                          <a:solidFill>
-                            <a:schemeClr val="tx1"/>
-                          </a:solidFill>
-                          <a:effectLst/>
-                          <a:latin typeface="Arial" pitchFamily="-112" charset="0"/>
-                          <a:ea typeface="ヒラギノ角ゴ Pro W3" pitchFamily="-112" charset="-128"/>
-                          <a:cs typeface="ヒラギノ角ゴ Pro W3" pitchFamily="-112" charset="-128"/>
-                        </a:rPr>
-                        <a:t>The protocol ID for the module to connect to this node.</a:t>
-                      </a:r>
-                    </a:p>
-                  </a:txBody>
-                  <a:tcPr marT="45692" marB="45692" horzOverflow="overflow">
-                    <a:lnL w="12700" cap="flat" cmpd="sng" algn="ctr">
-                      <a:solidFill>
-                        <a:schemeClr val="tx1"/>
-                      </a:solidFill>
-                      <a:prstDash val="solid"/>
-                      <a:round/>
-                      <a:headEnd type="none" w="med" len="med"/>
-                      <a:tailEnd type="none" w="med" len="med"/>
-                    </a:lnL>
-                    <a:lnR w="28575" cap="flat" cmpd="sng" algn="ctr">
-                      <a:solidFill>
-                        <a:scrgbClr r="0" g="0" b="0"/>
-                      </a:solidFill>
-                      <a:prstDash val="solid"/>
-                      <a:round/>
-                      <a:headEnd type="none" w="med" len="med"/>
-                      <a:tailEnd type="none" w="med" len="med"/>
-                    </a:lnR>
-                    <a:lnT w="12700" cap="flat" cmpd="sng" algn="ctr">
-                      <a:solidFill>
-                        <a:schemeClr val="tx1"/>
-                      </a:solidFill>
-                      <a:prstDash val="solid"/>
-                      <a:round/>
-                      <a:headEnd type="none" w="med" len="med"/>
-                      <a:tailEnd type="none" w="med" len="med"/>
-                    </a:lnT>
-                    <a:lnB w="12700" cap="flat" cmpd="sng" algn="ctr">
-                      <a:solidFill>
-                        <a:schemeClr val="tx1"/>
-                      </a:solidFill>
-                      <a:prstDash val="solid"/>
-                      <a:round/>
-                      <a:headEnd type="none" w="med" len="med"/>
-                      <a:tailEnd type="none" w="med" len="med"/>
-                    </a:lnB>
-                    <a:lnTlToBr>
-                      <a:noFill/>
-                    </a:lnTlToBr>
-                    <a:lnBlToTr>
-                      <a:noFill/>
-                    </a:lnBlToTr>
-                    <a:noFill/>
-                  </a:tcPr>
-                </a:tc>
-              </a:tr>
-              <a:tr h="396172">
-                <a:tc>
-                  <a:txBody>
-                    <a:bodyPr/>
-                    <a:lstStyle/>
-                    <a:p>
-                      <a:pPr marL="0" marR="0" lvl="0" indent="0" algn="l" defTabSz="914400" rtl="0" eaLnBrk="0" fontAlgn="base" latinLnBrk="0" hangingPunct="0">
-                        <a:lnSpc>
-                          <a:spcPct val="100000"/>
-                        </a:lnSpc>
-                        <a:spcBef>
-                          <a:spcPct val="35000"/>
-                        </a:spcBef>
-                        <a:spcAft>
-                          <a:spcPct val="0"/>
-                        </a:spcAft>
-                        <a:buClrTx/>
-                        <a:buSzTx/>
-                        <a:buFontTx/>
-                        <a:buNone/>
-                        <a:tabLst/>
-                      </a:pPr>
-                      <a:r>
-                        <a:rPr kumimoji="0" lang="en-US" sz="1400" b="0" i="0" u="none" strike="noStrike" cap="none" normalizeH="0" baseline="0">
-                          <a:ln>
-                            <a:noFill/>
-                          </a:ln>
-                          <a:solidFill>
-                            <a:schemeClr val="tx1"/>
-                          </a:solidFill>
-                          <a:effectLst/>
-                          <a:latin typeface="Arial" pitchFamily="-112" charset="0"/>
-                          <a:ea typeface="ヒラギノ角ゴ Pro W3" pitchFamily="-112" charset="-128"/>
-                          <a:cs typeface="ヒラギノ角ゴ Pro W3" pitchFamily="-112" charset="-128"/>
-                        </a:rPr>
-                        <a:t>Spacecraft ID</a:t>
-                      </a:r>
-                    </a:p>
-                  </a:txBody>
-                  <a:tcPr marT="45692" marB="45692" horzOverflow="overflow">
-                    <a:lnL w="28575" cap="flat" cmpd="sng" algn="ctr">
-                      <a:solidFill>
-                        <a:scrgbClr r="0" g="0" b="0"/>
-                      </a:solidFill>
-                      <a:prstDash val="solid"/>
-                      <a:round/>
-                      <a:headEnd type="none" w="med" len="med"/>
-                      <a:tailEnd type="none" w="med" len="med"/>
-                    </a:lnL>
-                    <a:lnR w="12700" cap="flat" cmpd="sng" algn="ctr">
-                      <a:solidFill>
-                        <a:schemeClr val="tx1"/>
-                      </a:solidFill>
-                      <a:prstDash val="solid"/>
-                      <a:round/>
-                      <a:headEnd type="none" w="med" len="med"/>
-                      <a:tailEnd type="none" w="med" len="med"/>
-                    </a:lnR>
-                    <a:lnT w="12700" cap="flat" cmpd="sng" algn="ctr">
-                      <a:solidFill>
-                        <a:schemeClr val="tx1"/>
-                      </a:solidFill>
-                      <a:prstDash val="solid"/>
-                      <a:round/>
-                      <a:headEnd type="none" w="med" len="med"/>
-                      <a:tailEnd type="none" w="med" len="med"/>
-                    </a:lnT>
-                    <a:lnB w="12700" cap="flat" cmpd="sng" algn="ctr">
-                      <a:solidFill>
-                        <a:schemeClr val="tx1"/>
-                      </a:solidFill>
-                      <a:prstDash val="solid"/>
-                      <a:round/>
-                      <a:headEnd type="none" w="med" len="med"/>
-                      <a:tailEnd type="none" w="med" len="med"/>
-                    </a:lnB>
-                    <a:lnTlToBr>
-                      <a:noFill/>
-                    </a:lnTlToBr>
-                    <a:lnBlToTr>
-                      <a:noFill/>
-                    </a:lnBlToTr>
-                    <a:noFill/>
-                  </a:tcPr>
-                </a:tc>
-                <a:tc>
-                  <a:txBody>
-                    <a:bodyPr/>
-                    <a:lstStyle/>
-                    <a:p>
-                      <a:pPr marL="0" marR="0" lvl="0" indent="0" algn="l" defTabSz="914400" rtl="0" eaLnBrk="0" fontAlgn="base" latinLnBrk="0" hangingPunct="0">
-                        <a:lnSpc>
-                          <a:spcPct val="100000"/>
-                        </a:lnSpc>
-                        <a:spcBef>
-                          <a:spcPct val="35000"/>
-                        </a:spcBef>
-                        <a:spcAft>
-                          <a:spcPct val="0"/>
-                        </a:spcAft>
-                        <a:buClrTx/>
-                        <a:buSzTx/>
-                        <a:buFontTx/>
-                        <a:buNone/>
-                        <a:tabLst/>
-                      </a:pPr>
-                      <a:r>
-                        <a:rPr kumimoji="0" lang="en-US" sz="1400" b="0" i="0" u="none" strike="noStrike" cap="none" normalizeH="0" baseline="0">
-                          <a:ln>
-                            <a:noFill/>
-                          </a:ln>
-                          <a:solidFill>
-                            <a:schemeClr val="tx1"/>
-                          </a:solidFill>
-                          <a:effectLst/>
-                          <a:latin typeface="Arial" pitchFamily="-112" charset="0"/>
-                          <a:ea typeface="ヒラギノ角ゴ Pro W3" pitchFamily="-112" charset="-128"/>
-                          <a:cs typeface="ヒラギノ角ゴ Pro W3" pitchFamily="-112" charset="-128"/>
-                        </a:rPr>
-                        <a:t>uint32</a:t>
-                      </a:r>
-                    </a:p>
-                  </a:txBody>
-                  <a:tcPr marT="45692" marB="45692" horzOverflow="overflow">
-                    <a:lnL w="12700" cap="flat" cmpd="sng" algn="ctr">
-                      <a:solidFill>
-                        <a:schemeClr val="tx1"/>
-                      </a:solidFill>
-                      <a:prstDash val="solid"/>
-                      <a:round/>
-                      <a:headEnd type="none" w="med" len="med"/>
-                      <a:tailEnd type="none" w="med" len="med"/>
-                    </a:lnL>
-                    <a:lnR w="12700" cap="flat" cmpd="sng" algn="ctr">
-                      <a:solidFill>
-                        <a:schemeClr val="tx1"/>
-                      </a:solidFill>
-                      <a:prstDash val="solid"/>
-                      <a:round/>
-                      <a:headEnd type="none" w="med" len="med"/>
-                      <a:tailEnd type="none" w="med" len="med"/>
-                    </a:lnR>
-                    <a:lnT w="12700" cap="flat" cmpd="sng" algn="ctr">
-                      <a:solidFill>
-                        <a:schemeClr val="tx1"/>
-                      </a:solidFill>
-                      <a:prstDash val="solid"/>
-                      <a:round/>
-                      <a:headEnd type="none" w="med" len="med"/>
-                      <a:tailEnd type="none" w="med" len="med"/>
-                    </a:lnT>
-                    <a:lnB w="12700" cap="flat" cmpd="sng" algn="ctr">
-                      <a:solidFill>
-                        <a:schemeClr val="tx1"/>
-                      </a:solidFill>
-                      <a:prstDash val="solid"/>
-                      <a:round/>
-                      <a:headEnd type="none" w="med" len="med"/>
-                      <a:tailEnd type="none" w="med" len="med"/>
-                    </a:lnB>
-                    <a:lnTlToBr>
-                      <a:noFill/>
-                    </a:lnTlToBr>
-                    <a:lnBlToTr>
-                      <a:noFill/>
-                    </a:lnBlToTr>
-                    <a:noFill/>
-                  </a:tcPr>
-                </a:tc>
-                <a:tc>
-                  <a:txBody>
-                    <a:bodyPr/>
-                    <a:lstStyle/>
-                    <a:p>
-                      <a:pPr marL="0" marR="0" lvl="0" indent="0" algn="l" defTabSz="914400" rtl="0" eaLnBrk="0" fontAlgn="base" latinLnBrk="0" hangingPunct="0">
-                        <a:lnSpc>
-                          <a:spcPct val="100000"/>
-                        </a:lnSpc>
-                        <a:spcBef>
-                          <a:spcPct val="35000"/>
-                        </a:spcBef>
-                        <a:spcAft>
-                          <a:spcPct val="0"/>
-                        </a:spcAft>
-                        <a:buClrTx/>
-                        <a:buSzTx/>
-                        <a:buFontTx/>
-                        <a:buNone/>
-                        <a:tabLst/>
-                      </a:pPr>
-                      <a:r>
-                        <a:rPr kumimoji="0" lang="en-US" sz="1400" b="0" i="0" u="none" strike="noStrike" cap="none" normalizeH="0" baseline="0">
-                          <a:ln>
-                            <a:noFill/>
-                          </a:ln>
-                          <a:solidFill>
-                            <a:schemeClr val="tx1"/>
-                          </a:solidFill>
-                          <a:effectLst/>
-                          <a:latin typeface="Arial" pitchFamily="-112" charset="0"/>
-                          <a:ea typeface="ヒラギノ角ゴ Pro W3" pitchFamily="-112" charset="-128"/>
-                          <a:cs typeface="ヒラギノ角ゴ Pro W3" pitchFamily="-112" charset="-128"/>
-                        </a:rPr>
-                        <a:t>The Spacecraft ID</a:t>
-                      </a:r>
-                    </a:p>
-                  </a:txBody>
-                  <a:tcPr marT="45692" marB="45692" horzOverflow="overflow">
-                    <a:lnL w="12700" cap="flat" cmpd="sng" algn="ctr">
-                      <a:solidFill>
-                        <a:schemeClr val="tx1"/>
-                      </a:solidFill>
-                      <a:prstDash val="solid"/>
-                      <a:round/>
-                      <a:headEnd type="none" w="med" len="med"/>
-                      <a:tailEnd type="none" w="med" len="med"/>
-                    </a:lnL>
-                    <a:lnR w="28575" cap="flat" cmpd="sng" algn="ctr">
-                      <a:solidFill>
-                        <a:scrgbClr r="0" g="0" b="0"/>
-                      </a:solidFill>
-                      <a:prstDash val="solid"/>
-                      <a:round/>
-                      <a:headEnd type="none" w="med" len="med"/>
-                      <a:tailEnd type="none" w="med" len="med"/>
-                    </a:lnR>
-                    <a:lnT w="12700" cap="flat" cmpd="sng" algn="ctr">
-                      <a:solidFill>
-                        <a:schemeClr val="tx1"/>
-                      </a:solidFill>
-                      <a:prstDash val="solid"/>
-                      <a:round/>
-                      <a:headEnd type="none" w="med" len="med"/>
-                      <a:tailEnd type="none" w="med" len="med"/>
-                    </a:lnT>
-                    <a:lnB w="12700" cap="flat" cmpd="sng" algn="ctr">
-                      <a:solidFill>
-                        <a:schemeClr val="tx1"/>
-                      </a:solidFill>
-                      <a:prstDash val="solid"/>
-                      <a:round/>
-                      <a:headEnd type="none" w="med" len="med"/>
-                      <a:tailEnd type="none" w="med" len="med"/>
-                    </a:lnB>
-                    <a:lnTlToBr>
-                      <a:noFill/>
-                    </a:lnTlToBr>
-                    <a:lnBlToTr>
-                      <a:noFill/>
-                    </a:lnBlToTr>
-                    <a:noFill/>
-                  </a:tcPr>
-                </a:tc>
-              </a:tr>
-              <a:tr h="396172">
-                <a:tc>
-                  <a:txBody>
-                    <a:bodyPr/>
-                    <a:lstStyle/>
-                    <a:p>
-                      <a:pPr marL="0" marR="0" lvl="0" indent="0" algn="l" defTabSz="914400" rtl="0" eaLnBrk="0" fontAlgn="base" latinLnBrk="0" hangingPunct="0">
-                        <a:lnSpc>
-                          <a:spcPct val="100000"/>
-                        </a:lnSpc>
-                        <a:spcBef>
-                          <a:spcPct val="35000"/>
-                        </a:spcBef>
-                        <a:spcAft>
-                          <a:spcPct val="0"/>
-                        </a:spcAft>
-                        <a:buClrTx/>
-                        <a:buSzTx/>
-                        <a:buFontTx/>
-                        <a:buNone/>
-                        <a:tabLst/>
-                      </a:pPr>
-                      <a:r>
-                        <a:rPr kumimoji="0" lang="en-US" sz="1400" b="0" i="0" u="none" strike="noStrike" cap="none" normalizeH="0" baseline="0">
-                          <a:ln>
-                            <a:noFill/>
-                          </a:ln>
-                          <a:solidFill>
-                            <a:schemeClr val="tx1"/>
-                          </a:solidFill>
-                          <a:effectLst/>
-                          <a:latin typeface="Arial" pitchFamily="-112" charset="0"/>
-                          <a:ea typeface="ヒラギノ角ゴ Pro W3" pitchFamily="-112" charset="-128"/>
-                          <a:cs typeface="ヒラギノ角ゴ Pro W3" pitchFamily="-112" charset="-128"/>
-                        </a:rPr>
-                        <a:t>QoS</a:t>
-                      </a:r>
-                    </a:p>
-                  </a:txBody>
-                  <a:tcPr marT="45692" marB="45692" horzOverflow="overflow">
-                    <a:lnL w="28575" cap="flat" cmpd="sng" algn="ctr">
-                      <a:solidFill>
-                        <a:scrgbClr r="0" g="0" b="0"/>
-                      </a:solidFill>
-                      <a:prstDash val="solid"/>
-                      <a:round/>
-                      <a:headEnd type="none" w="med" len="med"/>
-                      <a:tailEnd type="none" w="med" len="med"/>
-                    </a:lnL>
-                    <a:lnR w="12700" cap="flat" cmpd="sng" algn="ctr">
-                      <a:solidFill>
-                        <a:schemeClr val="tx1"/>
-                      </a:solidFill>
-                      <a:prstDash val="solid"/>
-                      <a:round/>
-                      <a:headEnd type="none" w="med" len="med"/>
-                      <a:tailEnd type="none" w="med" len="med"/>
-                    </a:lnR>
-                    <a:lnT w="12700" cap="flat" cmpd="sng" algn="ctr">
-                      <a:solidFill>
-                        <a:schemeClr val="tx1"/>
-                      </a:solidFill>
-                      <a:prstDash val="solid"/>
-                      <a:round/>
-                      <a:headEnd type="none" w="med" len="med"/>
-                      <a:tailEnd type="none" w="med" len="med"/>
-                    </a:lnT>
-                    <a:lnB w="12700" cap="flat" cmpd="sng" algn="ctr">
-                      <a:solidFill>
-                        <a:schemeClr val="tx1"/>
-                      </a:solidFill>
-                      <a:prstDash val="solid"/>
-                      <a:round/>
-                      <a:headEnd type="none" w="med" len="med"/>
-                      <a:tailEnd type="none" w="med" len="med"/>
-                    </a:lnB>
-                    <a:lnTlToBr>
-                      <a:noFill/>
-                    </a:lnTlToBr>
-                    <a:lnBlToTr>
-                      <a:noFill/>
-                    </a:lnBlToTr>
-                    <a:noFill/>
-                  </a:tcPr>
-                </a:tc>
-                <a:tc>
-                  <a:txBody>
-                    <a:bodyPr/>
-                    <a:lstStyle/>
-                    <a:p>
-                      <a:pPr marL="0" marR="0" lvl="0" indent="0" algn="l" defTabSz="914400" rtl="0" eaLnBrk="0" fontAlgn="base" latinLnBrk="0" hangingPunct="0">
-                        <a:lnSpc>
-                          <a:spcPct val="100000"/>
-                        </a:lnSpc>
-                        <a:spcBef>
-                          <a:spcPct val="35000"/>
-                        </a:spcBef>
-                        <a:spcAft>
-                          <a:spcPct val="0"/>
-                        </a:spcAft>
-                        <a:buClrTx/>
-                        <a:buSzTx/>
-                        <a:buFontTx/>
-                        <a:buNone/>
-                        <a:tabLst/>
-                      </a:pPr>
-                      <a:r>
-                        <a:rPr kumimoji="0" lang="en-US" sz="1400" b="0" i="0" u="none" strike="noStrike" cap="none" normalizeH="0" baseline="0">
-                          <a:ln>
-                            <a:noFill/>
-                          </a:ln>
-                          <a:solidFill>
-                            <a:schemeClr val="tx1"/>
-                          </a:solidFill>
-                          <a:effectLst/>
-                          <a:latin typeface="Arial" pitchFamily="-112" charset="0"/>
-                          <a:ea typeface="ヒラギノ角ゴ Pro W3" pitchFamily="-112" charset="-128"/>
-                          <a:cs typeface="ヒラギノ角ゴ Pro W3" pitchFamily="-112" charset="-128"/>
-                        </a:rPr>
-                        <a:t>uint8</a:t>
-                      </a:r>
-                    </a:p>
-                  </a:txBody>
-                  <a:tcPr marT="45692" marB="45692" horzOverflow="overflow">
-                    <a:lnL w="12700" cap="flat" cmpd="sng" algn="ctr">
-                      <a:solidFill>
-                        <a:schemeClr val="tx1"/>
-                      </a:solidFill>
-                      <a:prstDash val="solid"/>
-                      <a:round/>
-                      <a:headEnd type="none" w="med" len="med"/>
-                      <a:tailEnd type="none" w="med" len="med"/>
-                    </a:lnL>
-                    <a:lnR w="12700" cap="flat" cmpd="sng" algn="ctr">
-                      <a:solidFill>
-                        <a:schemeClr val="tx1"/>
-                      </a:solidFill>
-                      <a:prstDash val="solid"/>
-                      <a:round/>
-                      <a:headEnd type="none" w="med" len="med"/>
-                      <a:tailEnd type="none" w="med" len="med"/>
-                    </a:lnR>
-                    <a:lnT w="12700" cap="flat" cmpd="sng" algn="ctr">
-                      <a:solidFill>
-                        <a:schemeClr val="tx1"/>
-                      </a:solidFill>
-                      <a:prstDash val="solid"/>
-                      <a:round/>
-                      <a:headEnd type="none" w="med" len="med"/>
-                      <a:tailEnd type="none" w="med" len="med"/>
-                    </a:lnT>
-                    <a:lnB w="12700" cap="flat" cmpd="sng" algn="ctr">
-                      <a:solidFill>
-                        <a:schemeClr val="tx1"/>
-                      </a:solidFill>
-                      <a:prstDash val="solid"/>
-                      <a:round/>
-                      <a:headEnd type="none" w="med" len="med"/>
-                      <a:tailEnd type="none" w="med" len="med"/>
-                    </a:lnB>
-                    <a:lnTlToBr>
-                      <a:noFill/>
-                    </a:lnTlToBr>
-                    <a:lnBlToTr>
-                      <a:noFill/>
-                    </a:lnBlToTr>
-                    <a:noFill/>
-                  </a:tcPr>
-                </a:tc>
-                <a:tc>
-                  <a:txBody>
-                    <a:bodyPr/>
-                    <a:lstStyle/>
-                    <a:p>
-                      <a:pPr marL="0" marR="0" lvl="0" indent="0" algn="l" defTabSz="914400" rtl="0" eaLnBrk="0" fontAlgn="base" latinLnBrk="0" hangingPunct="0">
-                        <a:lnSpc>
-                          <a:spcPct val="100000"/>
-                        </a:lnSpc>
-                        <a:spcBef>
-                          <a:spcPct val="35000"/>
-                        </a:spcBef>
-                        <a:spcAft>
-                          <a:spcPct val="0"/>
-                        </a:spcAft>
-                        <a:buClrTx/>
-                        <a:buSzTx/>
-                        <a:buFontTx/>
-                        <a:buNone/>
-                        <a:tabLst/>
-                      </a:pPr>
-                      <a:r>
-                        <a:rPr kumimoji="0" lang="en-US" sz="1400" b="0" i="0" u="none" strike="noStrike" cap="none" normalizeH="0" baseline="0">
-                          <a:ln>
-                            <a:noFill/>
-                          </a:ln>
-                          <a:solidFill>
-                            <a:schemeClr val="tx1"/>
-                          </a:solidFill>
-                          <a:effectLst/>
-                          <a:latin typeface="Arial" pitchFamily="-112" charset="0"/>
-                          <a:ea typeface="ヒラギノ角ゴ Pro W3" pitchFamily="-112" charset="-128"/>
-                          <a:cs typeface="ヒラギノ角ゴ Pro W3" pitchFamily="-112" charset="-128"/>
-                        </a:rPr>
-                        <a:t>The QoS of the connection.</a:t>
-                      </a:r>
-                    </a:p>
-                  </a:txBody>
-                  <a:tcPr marT="45692" marB="45692" horzOverflow="overflow">
-                    <a:lnL w="12700" cap="flat" cmpd="sng" algn="ctr">
-                      <a:solidFill>
-                        <a:schemeClr val="tx1"/>
-                      </a:solidFill>
-                      <a:prstDash val="solid"/>
-                      <a:round/>
-                      <a:headEnd type="none" w="med" len="med"/>
-                      <a:tailEnd type="none" w="med" len="med"/>
-                    </a:lnL>
-                    <a:lnR w="28575" cap="flat" cmpd="sng" algn="ctr">
-                      <a:solidFill>
-                        <a:scrgbClr r="0" g="0" b="0"/>
-                      </a:solidFill>
-                      <a:prstDash val="solid"/>
-                      <a:round/>
-                      <a:headEnd type="none" w="med" len="med"/>
-                      <a:tailEnd type="none" w="med" len="med"/>
-                    </a:lnR>
-                    <a:lnT w="12700" cap="flat" cmpd="sng" algn="ctr">
-                      <a:solidFill>
-                        <a:schemeClr val="tx1"/>
-                      </a:solidFill>
-                      <a:prstDash val="solid"/>
-                      <a:round/>
-                      <a:headEnd type="none" w="med" len="med"/>
-                      <a:tailEnd type="none" w="med" len="med"/>
-                    </a:lnT>
-                    <a:lnB w="12700" cap="flat" cmpd="sng" algn="ctr">
-                      <a:solidFill>
-                        <a:schemeClr val="tx1"/>
-                      </a:solidFill>
-                      <a:prstDash val="solid"/>
-                      <a:round/>
-                      <a:headEnd type="none" w="med" len="med"/>
-                      <a:tailEnd type="none" w="med" len="med"/>
-                    </a:lnB>
-                    <a:lnTlToBr>
-                      <a:noFill/>
-                    </a:lnTlToBr>
-                    <a:lnBlToTr>
-                      <a:noFill/>
-                    </a:lnBlToTr>
-                    <a:noFill/>
-                  </a:tcPr>
-                </a:tc>
-              </a:tr>
-              <a:tr h="396172">
-                <a:tc>
-                  <a:txBody>
-                    <a:bodyPr/>
-                    <a:lstStyle/>
-                    <a:p>
-                      <a:pPr marL="0" marR="0" lvl="0" indent="0" algn="l" defTabSz="914400" rtl="0" eaLnBrk="0" fontAlgn="base" latinLnBrk="0" hangingPunct="0">
-                        <a:lnSpc>
-                          <a:spcPct val="100000"/>
-                        </a:lnSpc>
-                        <a:spcBef>
-                          <a:spcPct val="35000"/>
-                        </a:spcBef>
-                        <a:spcAft>
-                          <a:spcPct val="0"/>
-                        </a:spcAft>
-                        <a:buClrTx/>
-                        <a:buSzTx/>
-                        <a:buFontTx/>
-                        <a:buNone/>
-                        <a:tabLst/>
-                      </a:pPr>
-                      <a:r>
-                        <a:rPr kumimoji="0" lang="en-US" sz="1400" b="0" i="0" u="none" strike="noStrike" cap="none" normalizeH="0" baseline="0">
-                          <a:ln>
-                            <a:noFill/>
-                          </a:ln>
-                          <a:solidFill>
-                            <a:schemeClr val="tx1"/>
-                          </a:solidFill>
-                          <a:effectLst/>
-                          <a:latin typeface="Arial" pitchFamily="-112" charset="0"/>
-                          <a:ea typeface="ヒラギノ角ゴ Pro W3" pitchFamily="-112" charset="-128"/>
-                          <a:cs typeface="ヒラギノ角ゴ Pro W3" pitchFamily="-112" charset="-128"/>
-                        </a:rPr>
-                        <a:t>NetNumber</a:t>
-                      </a:r>
-                    </a:p>
-                  </a:txBody>
-                  <a:tcPr marT="45692" marB="45692" horzOverflow="overflow">
-                    <a:lnL w="28575" cap="flat" cmpd="sng" algn="ctr">
-                      <a:solidFill>
-                        <a:scrgbClr r="0" g="0" b="0"/>
-                      </a:solidFill>
-                      <a:prstDash val="solid"/>
-                      <a:round/>
-                      <a:headEnd type="none" w="med" len="med"/>
-                      <a:tailEnd type="none" w="med" len="med"/>
-                    </a:lnL>
-                    <a:lnR w="12700" cap="flat" cmpd="sng" algn="ctr">
-                      <a:solidFill>
-                        <a:schemeClr val="tx1"/>
-                      </a:solidFill>
-                      <a:prstDash val="solid"/>
-                      <a:round/>
-                      <a:headEnd type="none" w="med" len="med"/>
-                      <a:tailEnd type="none" w="med" len="med"/>
-                    </a:lnR>
-                    <a:lnT w="12700" cap="flat" cmpd="sng" algn="ctr">
-                      <a:solidFill>
-                        <a:schemeClr val="tx1"/>
-                      </a:solidFill>
-                      <a:prstDash val="solid"/>
-                      <a:round/>
-                      <a:headEnd type="none" w="med" len="med"/>
-                      <a:tailEnd type="none" w="med" len="med"/>
-                    </a:lnT>
-                    <a:lnB w="12700" cap="flat" cmpd="sng" algn="ctr">
-                      <a:solidFill>
-                        <a:scrgbClr r="0" g="0" b="0"/>
-                      </a:solidFill>
-                      <a:prstDash val="dash"/>
-                      <a:round/>
-                      <a:headEnd type="none" w="med" len="med"/>
-                      <a:tailEnd type="none" w="med" len="med"/>
-                    </a:lnB>
-                    <a:lnTlToBr>
-                      <a:noFill/>
-                    </a:lnTlToBr>
-                    <a:lnBlToTr>
-                      <a:noFill/>
-                    </a:lnBlToTr>
-                    <a:noFill/>
-                  </a:tcPr>
-                </a:tc>
-                <a:tc>
-                  <a:txBody>
-                    <a:bodyPr/>
-                    <a:lstStyle/>
-                    <a:p>
-                      <a:pPr marL="0" marR="0" lvl="0" indent="0" algn="l" defTabSz="914400" rtl="0" eaLnBrk="0" fontAlgn="base" latinLnBrk="0" hangingPunct="0">
-                        <a:lnSpc>
-                          <a:spcPct val="100000"/>
-                        </a:lnSpc>
-                        <a:spcBef>
-                          <a:spcPct val="35000"/>
-                        </a:spcBef>
-                        <a:spcAft>
-                          <a:spcPct val="0"/>
-                        </a:spcAft>
-                        <a:buClrTx/>
-                        <a:buSzTx/>
-                        <a:buFontTx/>
-                        <a:buNone/>
-                        <a:tabLst/>
-                      </a:pPr>
-                      <a:r>
-                        <a:rPr kumimoji="0" lang="en-US" sz="1400" b="0" i="0" u="none" strike="noStrike" cap="none" normalizeH="0" baseline="0">
-                          <a:ln>
-                            <a:noFill/>
-                          </a:ln>
-                          <a:solidFill>
-                            <a:schemeClr val="tx1"/>
-                          </a:solidFill>
-                          <a:effectLst/>
-                          <a:latin typeface="Arial" pitchFamily="-112" charset="0"/>
-                          <a:ea typeface="ヒラギノ角ゴ Pro W3" pitchFamily="-112" charset="-128"/>
-                          <a:cs typeface="ヒラギノ角ゴ Pro W3" pitchFamily="-112" charset="-128"/>
-                        </a:rPr>
-                        <a:t>int</a:t>
-                      </a:r>
-                    </a:p>
-                  </a:txBody>
-                  <a:tcPr marT="45692" marB="45692" horzOverflow="overflow">
-                    <a:lnL w="12700" cap="flat" cmpd="sng" algn="ctr">
-                      <a:solidFill>
-                        <a:schemeClr val="tx1"/>
-                      </a:solidFill>
-                      <a:prstDash val="solid"/>
-                      <a:round/>
-                      <a:headEnd type="none" w="med" len="med"/>
-                      <a:tailEnd type="none" w="med" len="med"/>
-                    </a:lnL>
-                    <a:lnR w="12700" cap="flat" cmpd="sng" algn="ctr">
-                      <a:solidFill>
-                        <a:schemeClr val="tx1"/>
-                      </a:solidFill>
-                      <a:prstDash val="solid"/>
-                      <a:round/>
-                      <a:headEnd type="none" w="med" len="med"/>
-                      <a:tailEnd type="none" w="med" len="med"/>
-                    </a:lnR>
-                    <a:lnT w="12700" cap="flat" cmpd="sng" algn="ctr">
-                      <a:solidFill>
-                        <a:schemeClr val="tx1"/>
-                      </a:solidFill>
-                      <a:prstDash val="solid"/>
-                      <a:round/>
-                      <a:headEnd type="none" w="med" len="med"/>
-                      <a:tailEnd type="none" w="med" len="med"/>
-                    </a:lnT>
-                    <a:lnB w="12700" cap="flat" cmpd="sng" algn="ctr">
-                      <a:solidFill>
-                        <a:scrgbClr r="0" g="0" b="0"/>
-                      </a:solidFill>
-                      <a:prstDash val="dash"/>
-                      <a:round/>
-                      <a:headEnd type="none" w="med" len="med"/>
-                      <a:tailEnd type="none" w="med" len="med"/>
-                    </a:lnB>
-                    <a:lnTlToBr>
-                      <a:noFill/>
-                    </a:lnTlToBr>
-                    <a:lnBlToTr>
-                      <a:noFill/>
-                    </a:lnBlToTr>
-                    <a:noFill/>
-                  </a:tcPr>
-                </a:tc>
-                <a:tc>
-                  <a:txBody>
-                    <a:bodyPr/>
-                    <a:lstStyle/>
-                    <a:p>
-                      <a:pPr marL="0" marR="0" lvl="0" indent="0" algn="l" defTabSz="914400" rtl="0" eaLnBrk="0" fontAlgn="base" latinLnBrk="0" hangingPunct="0">
-                        <a:lnSpc>
-                          <a:spcPct val="100000"/>
-                        </a:lnSpc>
-                        <a:spcBef>
-                          <a:spcPct val="35000"/>
-                        </a:spcBef>
-                        <a:spcAft>
-                          <a:spcPct val="0"/>
-                        </a:spcAft>
-                        <a:buClrTx/>
-                        <a:buSzTx/>
-                        <a:buFontTx/>
-                        <a:buNone/>
-                        <a:tabLst/>
-                      </a:pPr>
-                      <a:r>
-                        <a:rPr kumimoji="0" lang="en-US" sz="1400" b="0" i="0" u="none" strike="noStrike" cap="none" normalizeH="0" baseline="0">
-                          <a:ln>
-                            <a:noFill/>
-                          </a:ln>
-                          <a:solidFill>
-                            <a:schemeClr val="tx1"/>
-                          </a:solidFill>
-                          <a:effectLst/>
-                          <a:latin typeface="Arial" pitchFamily="-112" charset="0"/>
-                          <a:ea typeface="ヒラギノ角ゴ Pro W3" pitchFamily="-112" charset="-128"/>
-                          <a:cs typeface="ヒラギノ角ゴ Pro W3" pitchFamily="-112" charset="-128"/>
-                        </a:rPr>
-                        <a:t>The Network Number (if you have multiple distinct networks sharing peers.)</a:t>
-                      </a:r>
-                    </a:p>
-                  </a:txBody>
-                  <a:tcPr marT="45692" marB="45692" horzOverflow="overflow">
-                    <a:lnL w="12700" cap="flat" cmpd="sng" algn="ctr">
-                      <a:solidFill>
-                        <a:schemeClr val="tx1"/>
-                      </a:solidFill>
-                      <a:prstDash val="solid"/>
-                      <a:round/>
-                      <a:headEnd type="none" w="med" len="med"/>
-                      <a:tailEnd type="none" w="med" len="med"/>
-                    </a:lnL>
-                    <a:lnR w="28575" cap="flat" cmpd="sng" algn="ctr">
-                      <a:solidFill>
-                        <a:scrgbClr r="0" g="0" b="0"/>
-                      </a:solidFill>
-                      <a:prstDash val="solid"/>
-                      <a:round/>
-                      <a:headEnd type="none" w="med" len="med"/>
-                      <a:tailEnd type="none" w="med" len="med"/>
-                    </a:lnR>
-                    <a:lnT w="12700" cap="flat" cmpd="sng" algn="ctr">
-                      <a:solidFill>
-                        <a:schemeClr val="tx1"/>
-                      </a:solidFill>
-                      <a:prstDash val="solid"/>
-                      <a:round/>
-                      <a:headEnd type="none" w="med" len="med"/>
-                      <a:tailEnd type="none" w="med" len="med"/>
-                    </a:lnT>
-                    <a:lnB w="12700" cap="flat" cmpd="sng" algn="ctr">
-                      <a:solidFill>
-                        <a:scrgbClr r="0" g="0" b="0"/>
-                      </a:solidFill>
-                      <a:prstDash val="dash"/>
-                      <a:round/>
-                      <a:headEnd type="none" w="med" len="med"/>
-                      <a:tailEnd type="none" w="med" len="med"/>
-                    </a:lnB>
-                    <a:lnTlToBr>
-                      <a:noFill/>
-                    </a:lnTlToBr>
-                    <a:lnBlToTr>
-                      <a:noFill/>
-                    </a:lnBlToTr>
-                    <a:noFill/>
-                  </a:tcPr>
-                </a:tc>
-              </a:tr>
-              <a:tr h="396172">
-                <a:tc gridSpan="3">
-                  <a:txBody>
-                    <a:bodyPr/>
-                    <a:lstStyle/>
-                    <a:p>
-                      <a:pPr marL="0" marR="0" lvl="0" indent="0" algn="l" defTabSz="914400" rtl="0" eaLnBrk="0" fontAlgn="base" latinLnBrk="0" hangingPunct="0">
-                        <a:lnSpc>
-                          <a:spcPct val="100000"/>
-                        </a:lnSpc>
-                        <a:spcBef>
-                          <a:spcPct val="35000"/>
-                        </a:spcBef>
-                        <a:spcAft>
-                          <a:spcPct val="0"/>
-                        </a:spcAft>
-                        <a:buClrTx/>
-                        <a:buSzTx/>
-                        <a:buFontTx/>
-                        <a:buNone/>
-                        <a:tabLst/>
-                      </a:pPr>
-                      <a:r>
-                        <a:rPr kumimoji="0" lang="en-US" sz="1400" b="1" i="0" u="none" strike="noStrike" cap="none" normalizeH="0" baseline="0">
-                          <a:ln>
-                            <a:noFill/>
-                          </a:ln>
-                          <a:solidFill>
-                            <a:schemeClr val="tx1"/>
-                          </a:solidFill>
-                          <a:effectLst/>
-                          <a:latin typeface="Arial" pitchFamily="-112" charset="0"/>
-                          <a:ea typeface="ヒラギノ角ゴ Pro W3" pitchFamily="-112" charset="-128"/>
-                          <a:cs typeface="ヒラギノ角ゴ Pro W3" pitchFamily="-112" charset="-128"/>
-                        </a:rPr>
-                        <a:t>+++ module-specific parameters (e.g. hostname/port, serial device filename, etc.)</a:t>
-                      </a:r>
-                    </a:p>
-                  </a:txBody>
-                  <a:tcPr marT="45692" marB="45692" horzOverflow="overflow">
-                    <a:lnL w="28575" cap="flat" cmpd="sng" algn="ctr">
-                      <a:solidFill>
-                        <a:scrgbClr r="0" g="0" b="0"/>
-                      </a:solidFill>
-                      <a:prstDash val="solid"/>
-                      <a:round/>
-                      <a:headEnd type="none" w="med" len="med"/>
-                      <a:tailEnd type="none" w="med" len="med"/>
-                    </a:lnL>
-                    <a:lnR w="28575" cap="flat" cmpd="sng" algn="ctr">
-                      <a:solidFill>
-                        <a:scrgbClr r="0" g="0" b="0"/>
-                      </a:solidFill>
-                      <a:prstDash val="solid"/>
-                      <a:round/>
-                      <a:headEnd type="none" w="med" len="med"/>
-                      <a:tailEnd type="none" w="med" len="med"/>
-                    </a:lnR>
-                    <a:lnT w="12700" cap="flat" cmpd="sng" algn="ctr">
-                      <a:solidFill>
-                        <a:scrgbClr r="0" g="0" b="0"/>
-                      </a:solidFill>
-                      <a:prstDash val="dash"/>
-                      <a:round/>
-                      <a:headEnd type="none" w="med" len="med"/>
-                      <a:tailEnd type="none" w="med" len="med"/>
-                    </a:lnT>
-                    <a:lnB w="28575" cap="flat" cmpd="sng" algn="ctr">
-                      <a:solidFill>
-                        <a:scrgbClr r="0" g="0" b="0"/>
-                      </a:solidFill>
-                      <a:prstDash val="solid"/>
-                      <a:round/>
-                      <a:headEnd type="none" w="med" len="med"/>
-                      <a:tailEnd type="none" w="med" len="med"/>
-                    </a:lnB>
-                    <a:lnTlToBr>
-                      <a:noFill/>
-                    </a:lnTlToBr>
-                    <a:lnBlToTr>
-                      <a:noFill/>
-                    </a:lnBlToTr>
-                    <a:noFill/>
-                  </a:tcPr>
-                </a:tc>
-                <a:tc hMerge="1">
-                  <a:txBody>
-                    <a:bodyPr/>
-                    <a:lstStyle/>
-                    <a:p>
-                      <a:pPr marL="0" marR="0" lvl="0" indent="0" algn="l" defTabSz="914400" rtl="0" eaLnBrk="0" fontAlgn="base" latinLnBrk="0" hangingPunct="0">
-                        <a:lnSpc>
-                          <a:spcPct val="100000"/>
-                        </a:lnSpc>
-                        <a:spcBef>
-                          <a:spcPct val="35000"/>
-                        </a:spcBef>
-                        <a:spcAft>
-                          <a:spcPct val="0"/>
-                        </a:spcAft>
-                        <a:buClrTx/>
-                        <a:buSzTx/>
-                        <a:buFontTx/>
-                        <a:buNone/>
-                        <a:tabLst/>
-                      </a:pPr>
-                      <a:endParaRPr kumimoji="0" lang="en-US" sz="1400" b="0" i="0" u="none" strike="noStrike" cap="none" normalizeH="0" baseline="0">
-                        <a:ln>
-                          <a:noFill/>
-                        </a:ln>
-                        <a:solidFill>
-                          <a:schemeClr val="tx1"/>
-                        </a:solidFill>
-                        <a:effectLst/>
-                        <a:latin typeface="Arial" pitchFamily="-112" charset="0"/>
-                        <a:ea typeface="ヒラギノ角ゴ Pro W3" pitchFamily="-112" charset="-128"/>
-                        <a:cs typeface="ヒラギノ角ゴ Pro W3" pitchFamily="-112" charset="-128"/>
-                      </a:endParaRPr>
-                    </a:p>
-                  </a:txBody>
-                  <a:tcPr marT="45692" marB="45692" horzOverflow="overflow">
-                    <a:lnL w="12700" cap="flat" cmpd="sng" algn="ctr">
-                      <a:solidFill>
-                        <a:schemeClr val="tx1"/>
-                      </a:solidFill>
-                      <a:prstDash val="solid"/>
-                      <a:round/>
-                      <a:headEnd type="none" w="med" len="med"/>
-                      <a:tailEnd type="none" w="med" len="med"/>
-                    </a:lnL>
-                    <a:lnR w="12700" cap="flat" cmpd="sng" algn="ctr">
-                      <a:solidFill>
-                        <a:schemeClr val="tx1"/>
-                      </a:solidFill>
-                      <a:prstDash val="solid"/>
-                      <a:round/>
-                      <a:headEnd type="none" w="med" len="med"/>
-                      <a:tailEnd type="none" w="med" len="med"/>
-                    </a:lnR>
-                    <a:lnT w="12700" cap="flat" cmpd="sng" algn="ctr">
-                      <a:solidFill>
-                        <a:schemeClr val="tx1"/>
-                      </a:solidFill>
-                      <a:prstDash val="solid"/>
-                      <a:round/>
-                      <a:headEnd type="none" w="med" len="med"/>
-                      <a:tailEnd type="none" w="med" len="med"/>
-                    </a:lnT>
-                    <a:lnB w="12700" cap="flat" cmpd="sng" algn="ctr">
-                      <a:solidFill>
-                        <a:schemeClr val="tx1"/>
-                      </a:solidFill>
-                      <a:prstDash val="solid"/>
-                      <a:round/>
-                      <a:headEnd type="none" w="med" len="med"/>
-                      <a:tailEnd type="none" w="med" len="med"/>
-                    </a:lnB>
-                    <a:lnTlToBr>
-                      <a:noFill/>
-                    </a:lnTlToBr>
-                    <a:lnBlToTr>
-                      <a:noFill/>
-                    </a:lnBlToTr>
-                    <a:noFill/>
-                  </a:tcPr>
-                </a:tc>
-                <a:tc hMerge="1">
-                  <a:txBody>
-                    <a:bodyPr/>
-                    <a:lstStyle/>
-                    <a:p>
-                      <a:pPr marL="0" marR="0" lvl="0" indent="0" algn="l" defTabSz="914400" rtl="0" eaLnBrk="0" fontAlgn="base" latinLnBrk="0" hangingPunct="0">
-                        <a:lnSpc>
-                          <a:spcPct val="100000"/>
-                        </a:lnSpc>
-                        <a:spcBef>
-                          <a:spcPct val="35000"/>
-                        </a:spcBef>
-                        <a:spcAft>
-                          <a:spcPct val="0"/>
-                        </a:spcAft>
-                        <a:buClrTx/>
-                        <a:buSzTx/>
-                        <a:buFontTx/>
-                        <a:buNone/>
-                        <a:tabLst/>
-                      </a:pPr>
-                      <a:endParaRPr kumimoji="0" lang="en-US" sz="1400" b="0" i="0" u="none" strike="noStrike" cap="none" normalizeH="0" baseline="0">
-                        <a:ln>
-                          <a:noFill/>
-                        </a:ln>
-                        <a:solidFill>
-                          <a:schemeClr val="tx1"/>
-                        </a:solidFill>
-                        <a:effectLst/>
-                        <a:latin typeface="Arial" pitchFamily="-112" charset="0"/>
-                        <a:ea typeface="ヒラギノ角ゴ Pro W3" pitchFamily="-112" charset="-128"/>
-                        <a:cs typeface="ヒラギノ角ゴ Pro W3" pitchFamily="-112" charset="-128"/>
-                      </a:endParaRPr>
-                    </a:p>
-                  </a:txBody>
-                  <a:tcPr marT="45692" marB="45692" horzOverflow="overflow">
-                    <a:lnL w="12700" cap="flat" cmpd="sng" algn="ctr">
-                      <a:solidFill>
-                        <a:schemeClr val="tx1"/>
-                      </a:solidFill>
-                      <a:prstDash val="solid"/>
-                      <a:round/>
-                      <a:headEnd type="none" w="med" len="med"/>
-                      <a:tailEnd type="none" w="med" len="med"/>
-                    </a:lnL>
-                    <a:lnR w="28575" cap="flat" cmpd="sng" algn="ctr">
-                      <a:solidFill>
-                        <a:scrgbClr r="0" g="0" b="0"/>
-                      </a:solidFill>
-                      <a:prstDash val="solid"/>
-                      <a:round/>
-                      <a:headEnd type="none" w="med" len="med"/>
-                      <a:tailEnd type="none" w="med" len="med"/>
-                    </a:lnR>
-                    <a:lnT w="12700" cap="flat" cmpd="sng" algn="ctr">
-                      <a:solidFill>
-                        <a:schemeClr val="tx1"/>
-                      </a:solidFill>
-                      <a:prstDash val="solid"/>
-                      <a:round/>
-                      <a:headEnd type="none" w="med" len="med"/>
-                      <a:tailEnd type="none" w="med" len="med"/>
-                    </a:lnT>
-                    <a:lnB w="12700" cap="flat" cmpd="sng" algn="ctr">
-                      <a:solidFill>
-                        <a:schemeClr val="tx1"/>
-                      </a:solidFill>
-                      <a:prstDash val="solid"/>
-                      <a:round/>
-                      <a:headEnd type="none" w="med" len="med"/>
-                      <a:tailEnd type="none" w="med" len="med"/>
-                    </a:lnB>
-                    <a:lnTlToBr>
-                      <a:noFill/>
-                    </a:lnTlToBr>
-                    <a:lnBlToTr>
-                      <a:noFill/>
-                    </a:lnBlToTr>
-                    <a:noFill/>
-                  </a:tcPr>
-                </a:tc>
-              </a:tr>
-            </a:tbl>
-          </a:graphicData>
-        </a:graphic>
-      </p:graphicFrame>
-      <p:sp>
-        <p:nvSpPr>
-          <p:cNvPr id="2" name="Date Placeholder 1"/>
-          <p:cNvSpPr>
-            <a:spLocks noGrp="1"/>
-          </p:cNvSpPr>
-          <p:nvPr>
-            <p:ph type="dt" sz="quarter" idx="11"/>
-          </p:nvPr>
-        </p:nvSpPr>
-        <p:spPr/>
-        <p:txBody>
-          <a:bodyPr/>
-          <a:lstStyle/>
-          <a:p>
-            <a:pPr>
-              <a:defRPr/>
-            </a:pPr>
-            <a:fld id="{7EB3607B-311D-CD49-AD8D-9D9F140825C4}" type="datetime1">
-              <a:rPr lang="en-US"/>
-              <a:pPr>
-                <a:defRPr/>
-              </a:pPr>
-              <a:t>9/28/16</a:t>
-            </a:fld>
-            <a:endParaRPr lang="en-US"/>
-          </a:p>
-        </p:txBody>
-      </p:sp>
-      <p:sp>
-        <p:nvSpPr>
-          <p:cNvPr id="3" name="Footer Placeholder 2"/>
-          <p:cNvSpPr>
-            <a:spLocks noGrp="1"/>
-          </p:cNvSpPr>
-          <p:nvPr>
-            <p:ph type="ftr" sz="quarter" idx="12"/>
-          </p:nvPr>
-        </p:nvSpPr>
-        <p:spPr/>
-        <p:txBody>
-          <a:bodyPr/>
-          <a:lstStyle/>
-          <a:p>
-            <a:pPr>
-              <a:defRPr/>
-            </a:pPr>
-            <a:r>
-              <a:rPr lang="en-US"/>
-              <a:t>cFS Application: SBN</a:t>
-            </a:r>
-          </a:p>
-        </p:txBody>
-      </p:sp>
-    </p:spTree>
-    <p:extLst>
-      <p:ext uri="{BB962C8B-B14F-4D97-AF65-F5344CB8AC3E}">
-        <p14:creationId xmlns:p14="http://schemas.microsoft.com/office/powerpoint/2010/main" val="2362947601"/>
       </p:ext>
     </p:extLst>
   </p:cSld>

--- a/docs/SBN_Design.pptx
+++ b/docs/SBN_Design.pptx
@@ -156,6 +156,36 @@
       </a:defRPr>
     </a:lvl9pPr>
   </p:defaultTextStyle>
+  <p:extLst>
+    <p:ext uri="{EFAFB233-063F-42B5-8137-9DF3F51BA10A}">
+      <p15:sldGuideLst xmlns:p15="http://schemas.microsoft.com/office/powerpoint/2012/main">
+        <p15:guide id="1" orient="horz" pos="2160">
+          <p15:clr>
+            <a:srgbClr val="A4A3A4"/>
+          </p15:clr>
+        </p15:guide>
+        <p15:guide id="2" pos="2880">
+          <p15:clr>
+            <a:srgbClr val="A4A3A4"/>
+          </p15:clr>
+        </p15:guide>
+      </p15:sldGuideLst>
+    </p:ext>
+    <p:ext uri="{2D200454-40CA-4A62-9FC3-DE9A4176ACB9}">
+      <p15:notesGuideLst xmlns:p15="http://schemas.microsoft.com/office/powerpoint/2012/main">
+        <p15:guide id="1" orient="horz" pos="2880">
+          <p15:clr>
+            <a:srgbClr val="A4A3A4"/>
+          </p15:clr>
+        </p15:guide>
+        <p15:guide id="2" pos="2160">
+          <p15:clr>
+            <a:srgbClr val="A4A3A4"/>
+          </p15:clr>
+        </p15:guide>
+      </p15:notesGuideLst>
+    </p:ext>
+  </p:extLst>
 </p:presentation>
 </file>
 
@@ -555,15 +585,15 @@
             <a:tailEnd/>
           </a:ln>
           <a:extLst>
-            <a:ext uri="{909E8E84-426E-40dd-AFC4-6F175D3DCCD1}">
-              <a14:hiddenFill xmlns:a14="http://schemas.microsoft.com/office/drawing/2010/main">
-                <a:solidFill>
-                  <a:srgbClr val="FFFFFF"/>
-                </a:solidFill>
-              </a14:hiddenFill>
-            </a:ext>
             <a:ext uri="{FAA26D3D-D897-4be2-8F04-BA451C77F1D7}">
               <ma14:placeholderFlag xmlns:ma14="http://schemas.microsoft.com/office/mac/drawingml/2011/main" val="1"/>
+            </a:ext>
+            <a:ext uri="{909E8E84-426E-40dd-AFC4-6F175D3DCCD1}">
+              <a14:hiddenFill xmlns:a14="http://schemas.microsoft.com/office/drawing/2010/main" xmlns="">
+                <a:solidFill>
+                  <a:srgbClr val="FFFFFF"/>
+                </a:solidFill>
+              </a14:hiddenFill>
             </a:ext>
           </a:extLst>
         </p:spPr>
@@ -911,14 +941,14 @@
           <a:ln/>
           <a:extLst>
             <a:ext uri="{909E8E84-426E-40dd-AFC4-6F175D3DCCD1}">
-              <a14:hiddenFill xmlns:a14="http://schemas.microsoft.com/office/drawing/2010/main">
+              <a14:hiddenFill xmlns:a14="http://schemas.microsoft.com/office/drawing/2010/main" xmlns="">
                 <a:solidFill>
                   <a:srgbClr val="FFFFFF"/>
                 </a:solidFill>
               </a14:hiddenFill>
             </a:ext>
             <a:ext uri="{91240B29-F687-4f45-9708-019B960494DF}">
-              <a14:hiddenLine xmlns:a14="http://schemas.microsoft.com/office/drawing/2010/main" w="9525">
+              <a14:hiddenLine xmlns:a14="http://schemas.microsoft.com/office/drawing/2010/main" xmlns="" w="9525">
                 <a:solidFill>
                   <a:srgbClr val="000000"/>
                 </a:solidFill>
@@ -1084,15 +1114,18 @@
           <a:noFill/>
           <a:ln/>
           <a:extLst>
+            <a:ext uri="{FAA26D3D-D897-4be2-8F04-BA451C77F1D7}">
+              <ma14:placeholderFlag xmlns:ma14="http://schemas.microsoft.com/office/mac/drawingml/2011/main" val="1"/>
+            </a:ext>
             <a:ext uri="{909E8E84-426E-40dd-AFC4-6F175D3DCCD1}">
-              <a14:hiddenFill xmlns:a14="http://schemas.microsoft.com/office/drawing/2010/main">
+              <a14:hiddenFill xmlns:a14="http://schemas.microsoft.com/office/drawing/2010/main" xmlns="">
                 <a:solidFill>
                   <a:srgbClr val="FFFFFF"/>
                 </a:solidFill>
               </a14:hiddenFill>
             </a:ext>
             <a:ext uri="{91240B29-F687-4f45-9708-019B960494DF}">
-              <a14:hiddenLine xmlns:a14="http://schemas.microsoft.com/office/drawing/2010/main" w="9525">
+              <a14:hiddenLine xmlns:a14="http://schemas.microsoft.com/office/drawing/2010/main" xmlns="" w="9525">
                 <a:solidFill>
                   <a:srgbClr val="000000"/>
                 </a:solidFill>
@@ -1100,9 +1133,6 @@
                 <a:headEnd/>
                 <a:tailEnd/>
               </a14:hiddenLine>
-            </a:ext>
-            <a:ext uri="{FAA26D3D-D897-4be2-8F04-BA451C77F1D7}">
-              <ma14:placeholderFlag xmlns:ma14="http://schemas.microsoft.com/office/mac/drawingml/2011/main" val="1"/>
             </a:ext>
           </a:extLst>
         </p:spPr>
@@ -1165,14 +1195,14 @@
           </a:ln>
           <a:extLst>
             <a:ext uri="{909E8E84-426E-40dd-AFC4-6F175D3DCCD1}">
-              <a14:hiddenFill xmlns:a14="http://schemas.microsoft.com/office/drawing/2010/main">
+              <a14:hiddenFill xmlns:a14="http://schemas.microsoft.com/office/drawing/2010/main" xmlns="">
                 <a:solidFill>
                   <a:srgbClr val="FFFFFF"/>
                 </a:solidFill>
               </a14:hiddenFill>
             </a:ext>
             <a:ext uri="{91240B29-F687-4f45-9708-019B960494DF}">
-              <a14:hiddenLine xmlns:a14="http://schemas.microsoft.com/office/drawing/2010/main" w="9525">
+              <a14:hiddenLine xmlns:a14="http://schemas.microsoft.com/office/drawing/2010/main" xmlns="" w="9525">
                 <a:solidFill>
                   <a:srgbClr val="000000"/>
                 </a:solidFill>
@@ -1338,15 +1368,18 @@
           <a:noFill/>
           <a:ln/>
           <a:extLst>
+            <a:ext uri="{FAA26D3D-D897-4be2-8F04-BA451C77F1D7}">
+              <ma14:placeholderFlag xmlns:ma14="http://schemas.microsoft.com/office/mac/drawingml/2011/main" val="1"/>
+            </a:ext>
             <a:ext uri="{909E8E84-426E-40dd-AFC4-6F175D3DCCD1}">
-              <a14:hiddenFill xmlns:a14="http://schemas.microsoft.com/office/drawing/2010/main">
+              <a14:hiddenFill xmlns:a14="http://schemas.microsoft.com/office/drawing/2010/main" xmlns="">
                 <a:solidFill>
                   <a:srgbClr val="FFFFFF"/>
                 </a:solidFill>
               </a14:hiddenFill>
             </a:ext>
             <a:ext uri="{91240B29-F687-4f45-9708-019B960494DF}">
-              <a14:hiddenLine xmlns:a14="http://schemas.microsoft.com/office/drawing/2010/main" w="9525">
+              <a14:hiddenLine xmlns:a14="http://schemas.microsoft.com/office/drawing/2010/main" xmlns="" w="9525">
                 <a:solidFill>
                   <a:srgbClr val="000000"/>
                 </a:solidFill>
@@ -1354,9 +1387,6 @@
                 <a:headEnd/>
                 <a:tailEnd/>
               </a14:hiddenLine>
-            </a:ext>
-            <a:ext uri="{FAA26D3D-D897-4be2-8F04-BA451C77F1D7}">
-              <ma14:placeholderFlag xmlns:ma14="http://schemas.microsoft.com/office/mac/drawingml/2011/main" val="1"/>
             </a:ext>
           </a:extLst>
         </p:spPr>
@@ -1419,14 +1449,14 @@
           </a:ln>
           <a:extLst>
             <a:ext uri="{909E8E84-426E-40dd-AFC4-6F175D3DCCD1}">
-              <a14:hiddenFill xmlns:a14="http://schemas.microsoft.com/office/drawing/2010/main">
+              <a14:hiddenFill xmlns:a14="http://schemas.microsoft.com/office/drawing/2010/main" xmlns="">
                 <a:solidFill>
                   <a:srgbClr val="FFFFFF"/>
                 </a:solidFill>
               </a14:hiddenFill>
             </a:ext>
             <a:ext uri="{91240B29-F687-4f45-9708-019B960494DF}">
-              <a14:hiddenLine xmlns:a14="http://schemas.microsoft.com/office/drawing/2010/main" w="9525">
+              <a14:hiddenLine xmlns:a14="http://schemas.microsoft.com/office/drawing/2010/main" xmlns="" w="9525">
                 <a:solidFill>
                   <a:srgbClr val="000000"/>
                 </a:solidFill>
@@ -1592,15 +1622,18 @@
           <a:noFill/>
           <a:ln/>
           <a:extLst>
+            <a:ext uri="{FAA26D3D-D897-4be2-8F04-BA451C77F1D7}">
+              <ma14:placeholderFlag xmlns:ma14="http://schemas.microsoft.com/office/mac/drawingml/2011/main" val="1"/>
+            </a:ext>
             <a:ext uri="{909E8E84-426E-40dd-AFC4-6F175D3DCCD1}">
-              <a14:hiddenFill xmlns:a14="http://schemas.microsoft.com/office/drawing/2010/main">
+              <a14:hiddenFill xmlns:a14="http://schemas.microsoft.com/office/drawing/2010/main" xmlns="">
                 <a:solidFill>
                   <a:srgbClr val="FFFFFF"/>
                 </a:solidFill>
               </a14:hiddenFill>
             </a:ext>
             <a:ext uri="{91240B29-F687-4f45-9708-019B960494DF}">
-              <a14:hiddenLine xmlns:a14="http://schemas.microsoft.com/office/drawing/2010/main" w="9525">
+              <a14:hiddenLine xmlns:a14="http://schemas.microsoft.com/office/drawing/2010/main" xmlns="" w="9525">
                 <a:solidFill>
                   <a:srgbClr val="000000"/>
                 </a:solidFill>
@@ -1608,9 +1641,6 @@
                 <a:headEnd/>
                 <a:tailEnd/>
               </a14:hiddenLine>
-            </a:ext>
-            <a:ext uri="{FAA26D3D-D897-4be2-8F04-BA451C77F1D7}">
-              <ma14:placeholderFlag xmlns:ma14="http://schemas.microsoft.com/office/mac/drawingml/2011/main" val="1"/>
             </a:ext>
           </a:extLst>
         </p:spPr>
@@ -1673,14 +1703,14 @@
           </a:ln>
           <a:extLst>
             <a:ext uri="{909E8E84-426E-40dd-AFC4-6F175D3DCCD1}">
-              <a14:hiddenFill xmlns:a14="http://schemas.microsoft.com/office/drawing/2010/main">
+              <a14:hiddenFill xmlns:a14="http://schemas.microsoft.com/office/drawing/2010/main" xmlns="">
                 <a:solidFill>
                   <a:srgbClr val="FFFFFF"/>
                 </a:solidFill>
               </a14:hiddenFill>
             </a:ext>
             <a:ext uri="{91240B29-F687-4f45-9708-019B960494DF}">
-              <a14:hiddenLine xmlns:a14="http://schemas.microsoft.com/office/drawing/2010/main" w="9525">
+              <a14:hiddenLine xmlns:a14="http://schemas.microsoft.com/office/drawing/2010/main" xmlns="" w="9525">
                 <a:solidFill>
                   <a:srgbClr val="000000"/>
                 </a:solidFill>
@@ -1846,15 +1876,18 @@
           <a:noFill/>
           <a:ln/>
           <a:extLst>
+            <a:ext uri="{FAA26D3D-D897-4be2-8F04-BA451C77F1D7}">
+              <ma14:placeholderFlag xmlns:ma14="http://schemas.microsoft.com/office/mac/drawingml/2011/main" val="1"/>
+            </a:ext>
             <a:ext uri="{909E8E84-426E-40dd-AFC4-6F175D3DCCD1}">
-              <a14:hiddenFill xmlns:a14="http://schemas.microsoft.com/office/drawing/2010/main">
+              <a14:hiddenFill xmlns:a14="http://schemas.microsoft.com/office/drawing/2010/main" xmlns="">
                 <a:solidFill>
                   <a:srgbClr val="FFFFFF"/>
                 </a:solidFill>
               </a14:hiddenFill>
             </a:ext>
             <a:ext uri="{91240B29-F687-4f45-9708-019B960494DF}">
-              <a14:hiddenLine xmlns:a14="http://schemas.microsoft.com/office/drawing/2010/main" w="9525">
+              <a14:hiddenLine xmlns:a14="http://schemas.microsoft.com/office/drawing/2010/main" xmlns="" w="9525">
                 <a:solidFill>
                   <a:srgbClr val="000000"/>
                 </a:solidFill>
@@ -1862,9 +1895,6 @@
                 <a:headEnd/>
                 <a:tailEnd/>
               </a14:hiddenLine>
-            </a:ext>
-            <a:ext uri="{FAA26D3D-D897-4be2-8F04-BA451C77F1D7}">
-              <ma14:placeholderFlag xmlns:ma14="http://schemas.microsoft.com/office/mac/drawingml/2011/main" val="1"/>
             </a:ext>
           </a:extLst>
         </p:spPr>
@@ -1920,14 +1950,14 @@
           <a:ln/>
           <a:extLst>
             <a:ext uri="{909E8E84-426E-40dd-AFC4-6F175D3DCCD1}">
-              <a14:hiddenFill xmlns:a14="http://schemas.microsoft.com/office/drawing/2010/main">
+              <a14:hiddenFill xmlns:a14="http://schemas.microsoft.com/office/drawing/2010/main" xmlns="">
                 <a:solidFill>
                   <a:srgbClr val="FFFFFF"/>
                 </a:solidFill>
               </a14:hiddenFill>
             </a:ext>
             <a:ext uri="{91240B29-F687-4f45-9708-019B960494DF}">
-              <a14:hiddenLine xmlns:a14="http://schemas.microsoft.com/office/drawing/2010/main" w="9525">
+              <a14:hiddenLine xmlns:a14="http://schemas.microsoft.com/office/drawing/2010/main" xmlns="" w="9525">
                 <a:solidFill>
                   <a:srgbClr val="000000"/>
                 </a:solidFill>
@@ -2093,15 +2123,18 @@
           <a:noFill/>
           <a:ln/>
           <a:extLst>
+            <a:ext uri="{FAA26D3D-D897-4be2-8F04-BA451C77F1D7}">
+              <ma14:placeholderFlag xmlns:ma14="http://schemas.microsoft.com/office/mac/drawingml/2011/main" val="1"/>
+            </a:ext>
             <a:ext uri="{909E8E84-426E-40dd-AFC4-6F175D3DCCD1}">
-              <a14:hiddenFill xmlns:a14="http://schemas.microsoft.com/office/drawing/2010/main">
+              <a14:hiddenFill xmlns:a14="http://schemas.microsoft.com/office/drawing/2010/main" xmlns="">
                 <a:solidFill>
                   <a:srgbClr val="FFFFFF"/>
                 </a:solidFill>
               </a14:hiddenFill>
             </a:ext>
             <a:ext uri="{91240B29-F687-4f45-9708-019B960494DF}">
-              <a14:hiddenLine xmlns:a14="http://schemas.microsoft.com/office/drawing/2010/main" w="9525">
+              <a14:hiddenLine xmlns:a14="http://schemas.microsoft.com/office/drawing/2010/main" xmlns="" w="9525">
                 <a:solidFill>
                   <a:srgbClr val="000000"/>
                 </a:solidFill>
@@ -2109,9 +2142,6 @@
                 <a:headEnd/>
                 <a:tailEnd/>
               </a14:hiddenLine>
-            </a:ext>
-            <a:ext uri="{FAA26D3D-D897-4be2-8F04-BA451C77F1D7}">
-              <ma14:placeholderFlag xmlns:ma14="http://schemas.microsoft.com/office/mac/drawingml/2011/main" val="1"/>
             </a:ext>
           </a:extLst>
         </p:spPr>
@@ -2167,14 +2197,14 @@
           <a:ln/>
           <a:extLst>
             <a:ext uri="{909E8E84-426E-40dd-AFC4-6F175D3DCCD1}">
-              <a14:hiddenFill xmlns:a14="http://schemas.microsoft.com/office/drawing/2010/main">
+              <a14:hiddenFill xmlns:a14="http://schemas.microsoft.com/office/drawing/2010/main" xmlns="">
                 <a:solidFill>
                   <a:srgbClr val="FFFFFF"/>
                 </a:solidFill>
               </a14:hiddenFill>
             </a:ext>
             <a:ext uri="{91240B29-F687-4f45-9708-019B960494DF}">
-              <a14:hiddenLine xmlns:a14="http://schemas.microsoft.com/office/drawing/2010/main" w="9525">
+              <a14:hiddenLine xmlns:a14="http://schemas.microsoft.com/office/drawing/2010/main" xmlns="" w="9525">
                 <a:solidFill>
                   <a:srgbClr val="000000"/>
                 </a:solidFill>
@@ -2340,15 +2370,18 @@
           <a:noFill/>
           <a:ln/>
           <a:extLst>
+            <a:ext uri="{FAA26D3D-D897-4be2-8F04-BA451C77F1D7}">
+              <ma14:placeholderFlag xmlns:ma14="http://schemas.microsoft.com/office/mac/drawingml/2011/main" val="1"/>
+            </a:ext>
             <a:ext uri="{909E8E84-426E-40dd-AFC4-6F175D3DCCD1}">
-              <a14:hiddenFill xmlns:a14="http://schemas.microsoft.com/office/drawing/2010/main">
+              <a14:hiddenFill xmlns:a14="http://schemas.microsoft.com/office/drawing/2010/main" xmlns="">
                 <a:solidFill>
                   <a:srgbClr val="FFFFFF"/>
                 </a:solidFill>
               </a14:hiddenFill>
             </a:ext>
             <a:ext uri="{91240B29-F687-4f45-9708-019B960494DF}">
-              <a14:hiddenLine xmlns:a14="http://schemas.microsoft.com/office/drawing/2010/main" w="9525">
+              <a14:hiddenLine xmlns:a14="http://schemas.microsoft.com/office/drawing/2010/main" xmlns="" w="9525">
                 <a:solidFill>
                   <a:srgbClr val="000000"/>
                 </a:solidFill>
@@ -2356,9 +2389,6 @@
                 <a:headEnd/>
                 <a:tailEnd/>
               </a14:hiddenLine>
-            </a:ext>
-            <a:ext uri="{FAA26D3D-D897-4be2-8F04-BA451C77F1D7}">
-              <ma14:placeholderFlag xmlns:ma14="http://schemas.microsoft.com/office/mac/drawingml/2011/main" val="1"/>
             </a:ext>
           </a:extLst>
         </p:spPr>
@@ -2414,14 +2444,14 @@
           <a:ln/>
           <a:extLst>
             <a:ext uri="{909E8E84-426E-40dd-AFC4-6F175D3DCCD1}">
-              <a14:hiddenFill xmlns:a14="http://schemas.microsoft.com/office/drawing/2010/main">
+              <a14:hiddenFill xmlns:a14="http://schemas.microsoft.com/office/drawing/2010/main" xmlns="">
                 <a:solidFill>
                   <a:srgbClr val="FFFFFF"/>
                 </a:solidFill>
               </a14:hiddenFill>
             </a:ext>
             <a:ext uri="{91240B29-F687-4f45-9708-019B960494DF}">
-              <a14:hiddenLine xmlns:a14="http://schemas.microsoft.com/office/drawing/2010/main" w="9525">
+              <a14:hiddenLine xmlns:a14="http://schemas.microsoft.com/office/drawing/2010/main" xmlns="" w="9525">
                 <a:solidFill>
                   <a:srgbClr val="000000"/>
                 </a:solidFill>
@@ -2587,15 +2617,18 @@
           <a:noFill/>
           <a:ln/>
           <a:extLst>
+            <a:ext uri="{FAA26D3D-D897-4be2-8F04-BA451C77F1D7}">
+              <ma14:placeholderFlag xmlns:ma14="http://schemas.microsoft.com/office/mac/drawingml/2011/main" val="1"/>
+            </a:ext>
             <a:ext uri="{909E8E84-426E-40dd-AFC4-6F175D3DCCD1}">
-              <a14:hiddenFill xmlns:a14="http://schemas.microsoft.com/office/drawing/2010/main">
+              <a14:hiddenFill xmlns:a14="http://schemas.microsoft.com/office/drawing/2010/main" xmlns="">
                 <a:solidFill>
                   <a:srgbClr val="FFFFFF"/>
                 </a:solidFill>
               </a14:hiddenFill>
             </a:ext>
             <a:ext uri="{91240B29-F687-4f45-9708-019B960494DF}">
-              <a14:hiddenLine xmlns:a14="http://schemas.microsoft.com/office/drawing/2010/main" w="9525">
+              <a14:hiddenLine xmlns:a14="http://schemas.microsoft.com/office/drawing/2010/main" xmlns="" w="9525">
                 <a:solidFill>
                   <a:srgbClr val="000000"/>
                 </a:solidFill>
@@ -2603,9 +2636,6 @@
                 <a:headEnd/>
                 <a:tailEnd/>
               </a14:hiddenLine>
-            </a:ext>
-            <a:ext uri="{FAA26D3D-D897-4be2-8F04-BA451C77F1D7}">
-              <ma14:placeholderFlag xmlns:ma14="http://schemas.microsoft.com/office/mac/drawingml/2011/main" val="1"/>
             </a:ext>
           </a:extLst>
         </p:spPr>
@@ -2668,14 +2698,14 @@
           </a:ln>
           <a:extLst>
             <a:ext uri="{909E8E84-426E-40dd-AFC4-6F175D3DCCD1}">
-              <a14:hiddenFill xmlns:a14="http://schemas.microsoft.com/office/drawing/2010/main">
+              <a14:hiddenFill xmlns:a14="http://schemas.microsoft.com/office/drawing/2010/main" xmlns="">
                 <a:solidFill>
                   <a:srgbClr val="FFFFFF"/>
                 </a:solidFill>
               </a14:hiddenFill>
             </a:ext>
             <a:ext uri="{91240B29-F687-4f45-9708-019B960494DF}">
-              <a14:hiddenLine xmlns:a14="http://schemas.microsoft.com/office/drawing/2010/main" w="9525">
+              <a14:hiddenLine xmlns:a14="http://schemas.microsoft.com/office/drawing/2010/main" xmlns="" w="9525">
                 <a:solidFill>
                   <a:srgbClr val="000000"/>
                 </a:solidFill>
@@ -2906,14 +2936,14 @@
           <a:ln/>
           <a:extLst>
             <a:ext uri="{909E8E84-426E-40dd-AFC4-6F175D3DCCD1}">
-              <a14:hiddenFill xmlns:a14="http://schemas.microsoft.com/office/drawing/2010/main">
+              <a14:hiddenFill xmlns:a14="http://schemas.microsoft.com/office/drawing/2010/main" xmlns="">
                 <a:solidFill>
                   <a:srgbClr val="FFFFFF"/>
                 </a:solidFill>
               </a14:hiddenFill>
             </a:ext>
             <a:ext uri="{91240B29-F687-4f45-9708-019B960494DF}">
-              <a14:hiddenLine xmlns:a14="http://schemas.microsoft.com/office/drawing/2010/main" w="9525">
+              <a14:hiddenLine xmlns:a14="http://schemas.microsoft.com/office/drawing/2010/main" xmlns="" w="9525">
                 <a:solidFill>
                   <a:srgbClr val="000000"/>
                 </a:solidFill>
@@ -3079,15 +3109,18 @@
           <a:noFill/>
           <a:ln/>
           <a:extLst>
+            <a:ext uri="{FAA26D3D-D897-4be2-8F04-BA451C77F1D7}">
+              <ma14:placeholderFlag xmlns:ma14="http://schemas.microsoft.com/office/mac/drawingml/2011/main" val="1"/>
+            </a:ext>
             <a:ext uri="{909E8E84-426E-40dd-AFC4-6F175D3DCCD1}">
-              <a14:hiddenFill xmlns:a14="http://schemas.microsoft.com/office/drawing/2010/main">
+              <a14:hiddenFill xmlns:a14="http://schemas.microsoft.com/office/drawing/2010/main" xmlns="">
                 <a:solidFill>
                   <a:srgbClr val="FFFFFF"/>
                 </a:solidFill>
               </a14:hiddenFill>
             </a:ext>
             <a:ext uri="{91240B29-F687-4f45-9708-019B960494DF}">
-              <a14:hiddenLine xmlns:a14="http://schemas.microsoft.com/office/drawing/2010/main" w="9525">
+              <a14:hiddenLine xmlns:a14="http://schemas.microsoft.com/office/drawing/2010/main" xmlns="" w="9525">
                 <a:solidFill>
                   <a:srgbClr val="000000"/>
                 </a:solidFill>
@@ -3095,9 +3128,6 @@
                 <a:headEnd/>
                 <a:tailEnd/>
               </a14:hiddenLine>
-            </a:ext>
-            <a:ext uri="{FAA26D3D-D897-4be2-8F04-BA451C77F1D7}">
-              <ma14:placeholderFlag xmlns:ma14="http://schemas.microsoft.com/office/mac/drawingml/2011/main" val="1"/>
             </a:ext>
           </a:extLst>
         </p:spPr>
@@ -3153,14 +3183,14 @@
           <a:ln/>
           <a:extLst>
             <a:ext uri="{909E8E84-426E-40dd-AFC4-6F175D3DCCD1}">
-              <a14:hiddenFill xmlns:a14="http://schemas.microsoft.com/office/drawing/2010/main">
+              <a14:hiddenFill xmlns:a14="http://schemas.microsoft.com/office/drawing/2010/main" xmlns="">
                 <a:solidFill>
                   <a:srgbClr val="FFFFFF"/>
                 </a:solidFill>
               </a14:hiddenFill>
             </a:ext>
             <a:ext uri="{91240B29-F687-4f45-9708-019B960494DF}">
-              <a14:hiddenLine xmlns:a14="http://schemas.microsoft.com/office/drawing/2010/main" w="9525">
+              <a14:hiddenLine xmlns:a14="http://schemas.microsoft.com/office/drawing/2010/main" xmlns="" w="9525">
                 <a:solidFill>
                   <a:srgbClr val="000000"/>
                 </a:solidFill>
@@ -3326,15 +3356,18 @@
           <a:noFill/>
           <a:ln/>
           <a:extLst>
+            <a:ext uri="{FAA26D3D-D897-4be2-8F04-BA451C77F1D7}">
+              <ma14:placeholderFlag xmlns:ma14="http://schemas.microsoft.com/office/mac/drawingml/2011/main" val="1"/>
+            </a:ext>
             <a:ext uri="{909E8E84-426E-40dd-AFC4-6F175D3DCCD1}">
-              <a14:hiddenFill xmlns:a14="http://schemas.microsoft.com/office/drawing/2010/main">
+              <a14:hiddenFill xmlns:a14="http://schemas.microsoft.com/office/drawing/2010/main" xmlns="">
                 <a:solidFill>
                   <a:srgbClr val="FFFFFF"/>
                 </a:solidFill>
               </a14:hiddenFill>
             </a:ext>
             <a:ext uri="{91240B29-F687-4f45-9708-019B960494DF}">
-              <a14:hiddenLine xmlns:a14="http://schemas.microsoft.com/office/drawing/2010/main" w="9525">
+              <a14:hiddenLine xmlns:a14="http://schemas.microsoft.com/office/drawing/2010/main" xmlns="" w="9525">
                 <a:solidFill>
                   <a:srgbClr val="000000"/>
                 </a:solidFill>
@@ -3342,9 +3375,6 @@
                 <a:headEnd/>
                 <a:tailEnd/>
               </a14:hiddenLine>
-            </a:ext>
-            <a:ext uri="{FAA26D3D-D897-4be2-8F04-BA451C77F1D7}">
-              <ma14:placeholderFlag xmlns:ma14="http://schemas.microsoft.com/office/mac/drawingml/2011/main" val="1"/>
             </a:ext>
           </a:extLst>
         </p:spPr>
@@ -3400,14 +3430,14 @@
           <a:ln/>
           <a:extLst>
             <a:ext uri="{909E8E84-426E-40dd-AFC4-6F175D3DCCD1}">
-              <a14:hiddenFill xmlns:a14="http://schemas.microsoft.com/office/drawing/2010/main">
+              <a14:hiddenFill xmlns:a14="http://schemas.microsoft.com/office/drawing/2010/main" xmlns="">
                 <a:solidFill>
                   <a:srgbClr val="FFFFFF"/>
                 </a:solidFill>
               </a14:hiddenFill>
             </a:ext>
             <a:ext uri="{91240B29-F687-4f45-9708-019B960494DF}">
-              <a14:hiddenLine xmlns:a14="http://schemas.microsoft.com/office/drawing/2010/main" w="9525">
+              <a14:hiddenLine xmlns:a14="http://schemas.microsoft.com/office/drawing/2010/main" xmlns="" w="9525">
                 <a:solidFill>
                   <a:srgbClr val="000000"/>
                 </a:solidFill>
@@ -3573,15 +3603,18 @@
           <a:noFill/>
           <a:ln/>
           <a:extLst>
+            <a:ext uri="{FAA26D3D-D897-4be2-8F04-BA451C77F1D7}">
+              <ma14:placeholderFlag xmlns:ma14="http://schemas.microsoft.com/office/mac/drawingml/2011/main" val="1"/>
+            </a:ext>
             <a:ext uri="{909E8E84-426E-40dd-AFC4-6F175D3DCCD1}">
-              <a14:hiddenFill xmlns:a14="http://schemas.microsoft.com/office/drawing/2010/main">
+              <a14:hiddenFill xmlns:a14="http://schemas.microsoft.com/office/drawing/2010/main" xmlns="">
                 <a:solidFill>
                   <a:srgbClr val="FFFFFF"/>
                 </a:solidFill>
               </a14:hiddenFill>
             </a:ext>
             <a:ext uri="{91240B29-F687-4f45-9708-019B960494DF}">
-              <a14:hiddenLine xmlns:a14="http://schemas.microsoft.com/office/drawing/2010/main" w="9525">
+              <a14:hiddenLine xmlns:a14="http://schemas.microsoft.com/office/drawing/2010/main" xmlns="" w="9525">
                 <a:solidFill>
                   <a:srgbClr val="000000"/>
                 </a:solidFill>
@@ -3589,9 +3622,6 @@
                 <a:headEnd/>
                 <a:tailEnd/>
               </a14:hiddenLine>
-            </a:ext>
-            <a:ext uri="{FAA26D3D-D897-4be2-8F04-BA451C77F1D7}">
-              <ma14:placeholderFlag xmlns:ma14="http://schemas.microsoft.com/office/mac/drawingml/2011/main" val="1"/>
             </a:ext>
           </a:extLst>
         </p:spPr>
@@ -3647,14 +3677,14 @@
           <a:ln/>
           <a:extLst>
             <a:ext uri="{909E8E84-426E-40dd-AFC4-6F175D3DCCD1}">
-              <a14:hiddenFill xmlns:a14="http://schemas.microsoft.com/office/drawing/2010/main">
+              <a14:hiddenFill xmlns:a14="http://schemas.microsoft.com/office/drawing/2010/main" xmlns="">
                 <a:solidFill>
                   <a:srgbClr val="FFFFFF"/>
                 </a:solidFill>
               </a14:hiddenFill>
             </a:ext>
             <a:ext uri="{91240B29-F687-4f45-9708-019B960494DF}">
-              <a14:hiddenLine xmlns:a14="http://schemas.microsoft.com/office/drawing/2010/main" w="9525">
+              <a14:hiddenLine xmlns:a14="http://schemas.microsoft.com/office/drawing/2010/main" xmlns="" w="9525">
                 <a:solidFill>
                   <a:srgbClr val="000000"/>
                 </a:solidFill>
@@ -3820,15 +3850,18 @@
           <a:noFill/>
           <a:ln/>
           <a:extLst>
+            <a:ext uri="{FAA26D3D-D897-4be2-8F04-BA451C77F1D7}">
+              <ma14:placeholderFlag xmlns:ma14="http://schemas.microsoft.com/office/mac/drawingml/2011/main" val="1"/>
+            </a:ext>
             <a:ext uri="{909E8E84-426E-40dd-AFC4-6F175D3DCCD1}">
-              <a14:hiddenFill xmlns:a14="http://schemas.microsoft.com/office/drawing/2010/main">
+              <a14:hiddenFill xmlns:a14="http://schemas.microsoft.com/office/drawing/2010/main" xmlns="">
                 <a:solidFill>
                   <a:srgbClr val="FFFFFF"/>
                 </a:solidFill>
               </a14:hiddenFill>
             </a:ext>
             <a:ext uri="{91240B29-F687-4f45-9708-019B960494DF}">
-              <a14:hiddenLine xmlns:a14="http://schemas.microsoft.com/office/drawing/2010/main" w="9525">
+              <a14:hiddenLine xmlns:a14="http://schemas.microsoft.com/office/drawing/2010/main" xmlns="" w="9525">
                 <a:solidFill>
                   <a:srgbClr val="000000"/>
                 </a:solidFill>
@@ -3836,9 +3869,6 @@
                 <a:headEnd/>
                 <a:tailEnd/>
               </a14:hiddenLine>
-            </a:ext>
-            <a:ext uri="{FAA26D3D-D897-4be2-8F04-BA451C77F1D7}">
-              <ma14:placeholderFlag xmlns:ma14="http://schemas.microsoft.com/office/mac/drawingml/2011/main" val="1"/>
             </a:ext>
           </a:extLst>
         </p:spPr>
@@ -3894,14 +3924,14 @@
           <a:ln/>
           <a:extLst>
             <a:ext uri="{909E8E84-426E-40dd-AFC4-6F175D3DCCD1}">
-              <a14:hiddenFill xmlns:a14="http://schemas.microsoft.com/office/drawing/2010/main">
+              <a14:hiddenFill xmlns:a14="http://schemas.microsoft.com/office/drawing/2010/main" xmlns="">
                 <a:solidFill>
                   <a:srgbClr val="FFFFFF"/>
                 </a:solidFill>
               </a14:hiddenFill>
             </a:ext>
             <a:ext uri="{91240B29-F687-4f45-9708-019B960494DF}">
-              <a14:hiddenLine xmlns:a14="http://schemas.microsoft.com/office/drawing/2010/main" w="9525">
+              <a14:hiddenLine xmlns:a14="http://schemas.microsoft.com/office/drawing/2010/main" xmlns="" w="9525">
                 <a:solidFill>
                   <a:srgbClr val="000000"/>
                 </a:solidFill>
@@ -4067,15 +4097,18 @@
           <a:noFill/>
           <a:ln/>
           <a:extLst>
+            <a:ext uri="{FAA26D3D-D897-4be2-8F04-BA451C77F1D7}">
+              <ma14:placeholderFlag xmlns:ma14="http://schemas.microsoft.com/office/mac/drawingml/2011/main" val="1"/>
+            </a:ext>
             <a:ext uri="{909E8E84-426E-40dd-AFC4-6F175D3DCCD1}">
-              <a14:hiddenFill xmlns:a14="http://schemas.microsoft.com/office/drawing/2010/main">
+              <a14:hiddenFill xmlns:a14="http://schemas.microsoft.com/office/drawing/2010/main" xmlns="">
                 <a:solidFill>
                   <a:srgbClr val="FFFFFF"/>
                 </a:solidFill>
               </a14:hiddenFill>
             </a:ext>
             <a:ext uri="{91240B29-F687-4f45-9708-019B960494DF}">
-              <a14:hiddenLine xmlns:a14="http://schemas.microsoft.com/office/drawing/2010/main" w="9525">
+              <a14:hiddenLine xmlns:a14="http://schemas.microsoft.com/office/drawing/2010/main" xmlns="" w="9525">
                 <a:solidFill>
                   <a:srgbClr val="000000"/>
                 </a:solidFill>
@@ -4083,9 +4116,6 @@
                 <a:headEnd/>
                 <a:tailEnd/>
               </a14:hiddenLine>
-            </a:ext>
-            <a:ext uri="{FAA26D3D-D897-4be2-8F04-BA451C77F1D7}">
-              <ma14:placeholderFlag xmlns:ma14="http://schemas.microsoft.com/office/mac/drawingml/2011/main" val="1"/>
             </a:ext>
           </a:extLst>
         </p:spPr>
@@ -4282,7 +4312,7 @@
               <a:defRPr/>
             </a:pPr>
             <a:fld id="{AC0EBD74-B9E4-0E4B-AC6A-6A6644FA211D}" type="datetime1">
-              <a:t>9/30/16</a:t>
+              <a:t>11/16/16</a:t>
             </a:fld>
             <a:endParaRPr lang="en-US"/>
           </a:p>
@@ -4492,7 +4522,7 @@
               <a:defRPr/>
             </a:pPr>
             <a:fld id="{6B45423E-01F1-194D-BEF2-59037D9E890E}" type="datetime1">
-              <a:t>9/30/16</a:t>
+              <a:t>11/16/16</a:t>
             </a:fld>
             <a:endParaRPr lang="en-US"/>
           </a:p>
@@ -4707,7 +4737,7 @@
               <a:defRPr/>
             </a:pPr>
             <a:fld id="{82B48BEB-BEE3-334D-B79E-E768C9FAF8E5}" type="datetime1">
-              <a:t>9/30/16</a:t>
+              <a:t>11/16/16</a:t>
             </a:fld>
             <a:endParaRPr lang="en-US"/>
           </a:p>
@@ -4890,7 +4920,7 @@
               <a:defRPr/>
             </a:pPr>
             <a:fld id="{B2C39720-93FE-664C-90ED-4CAF6FDDEA10}" type="datetime1">
-              <a:t>9/30/16</a:t>
+              <a:t>11/16/16</a:t>
             </a:fld>
             <a:endParaRPr lang="en-US"/>
           </a:p>
@@ -5165,7 +5195,7 @@
               <a:defRPr/>
             </a:pPr>
             <a:fld id="{A2FE285A-049E-F04F-84A2-B30C773B375D}" type="datetime1">
-              <a:t>9/30/16</a:t>
+              <a:t>11/16/16</a:t>
             </a:fld>
             <a:endParaRPr lang="en-US"/>
           </a:p>
@@ -5375,7 +5405,7 @@
               <a:defRPr/>
             </a:pPr>
             <a:fld id="{2D3EAE3E-5FC7-A54A-AF77-DDA1203272CF}" type="datetime1">
-              <a:t>9/30/16</a:t>
+              <a:t>11/16/16</a:t>
             </a:fld>
             <a:endParaRPr lang="en-US"/>
           </a:p>
@@ -5602,7 +5632,7 @@
               <a:defRPr/>
             </a:pPr>
             <a:fld id="{95763E2F-E129-8144-85E5-DEFD93E5B96E}" type="datetime1">
-              <a:t>9/30/16</a:t>
+              <a:t>11/16/16</a:t>
             </a:fld>
             <a:endParaRPr lang="en-US"/>
           </a:p>
@@ -5928,7 +5958,7 @@
               <a:defRPr/>
             </a:pPr>
             <a:fld id="{5981D202-225B-274E-B468-B23944D81B5F}" type="datetime1">
-              <a:t>9/30/16</a:t>
+              <a:t>11/16/16</a:t>
             </a:fld>
             <a:endParaRPr lang="en-US"/>
           </a:p>
@@ -6399,7 +6429,7 @@
               <a:defRPr/>
             </a:pPr>
             <a:fld id="{5D77E727-DBBF-C24A-80AB-D1A64464A970}" type="datetime1">
-              <a:t>9/30/16</a:t>
+              <a:t>11/16/16</a:t>
             </a:fld>
             <a:endParaRPr lang="en-US"/>
           </a:p>
@@ -6549,7 +6579,7 @@
               <a:defRPr/>
             </a:pPr>
             <a:fld id="{335DF27D-CB15-7843-AC95-0CBD4BB583FE}" type="datetime1">
-              <a:t>9/30/16</a:t>
+              <a:t>11/16/16</a:t>
             </a:fld>
             <a:endParaRPr lang="en-US"/>
           </a:p>
@@ -6676,7 +6706,7 @@
               <a:defRPr/>
             </a:pPr>
             <a:fld id="{358F54F2-E1C3-E741-9012-F819890FDEF2}" type="datetime1">
-              <a:t>9/30/16</a:t>
+              <a:t>11/16/16</a:t>
             </a:fld>
             <a:endParaRPr lang="en-US"/>
           </a:p>
@@ -6991,7 +7021,7 @@
               <a:defRPr/>
             </a:pPr>
             <a:fld id="{9D5FE2EA-BB63-0142-BBBA-3114D28210BA}" type="datetime1">
-              <a:t>9/30/16</a:t>
+              <a:t>11/16/16</a:t>
             </a:fld>
             <a:endParaRPr lang="en-US"/>
           </a:p>
@@ -7283,7 +7313,7 @@
               <a:defRPr/>
             </a:pPr>
             <a:fld id="{7D606BD5-D583-F445-A197-4E9204106D8D}" type="datetime1">
-              <a:t>9/30/16</a:t>
+              <a:t>11/16/16</a:t>
             </a:fld>
             <a:endParaRPr lang="en-US"/>
           </a:p>
@@ -7381,15 +7411,18 @@
             <a:noFill/>
           </a:ln>
           <a:extLst>
+            <a:ext uri="{FAA26D3D-D897-4be2-8F04-BA451C77F1D7}">
+              <ma14:placeholderFlag xmlns:ma14="http://schemas.microsoft.com/office/mac/drawingml/2011/main" val="1"/>
+            </a:ext>
             <a:ext uri="{909E8E84-426E-40dd-AFC4-6F175D3DCCD1}">
-              <a14:hiddenFill xmlns:a14="http://schemas.microsoft.com/office/drawing/2010/main">
+              <a14:hiddenFill xmlns:a14="http://schemas.microsoft.com/office/drawing/2010/main" xmlns="">
                 <a:solidFill>
                   <a:srgbClr val="FFFFFF"/>
                 </a:solidFill>
               </a14:hiddenFill>
             </a:ext>
             <a:ext uri="{91240B29-F687-4f45-9708-019B960494DF}">
-              <a14:hiddenLine xmlns:a14="http://schemas.microsoft.com/office/drawing/2010/main" w="9525">
+              <a14:hiddenLine xmlns:a14="http://schemas.microsoft.com/office/drawing/2010/main" xmlns="" w="9525">
                 <a:solidFill>
                   <a:srgbClr val="000000"/>
                 </a:solidFill>
@@ -7397,9 +7430,6 @@
                 <a:headEnd/>
                 <a:tailEnd/>
               </a14:hiddenLine>
-            </a:ext>
-            <a:ext uri="{FAA26D3D-D897-4be2-8F04-BA451C77F1D7}">
-              <ma14:placeholderFlag xmlns:ma14="http://schemas.microsoft.com/office/mac/drawingml/2011/main" val="1"/>
             </a:ext>
           </a:extLst>
         </p:spPr>
@@ -7451,7 +7481,7 @@
           </a:ln>
           <a:extLst>
             <a:ext uri="{91240B29-F687-4f45-9708-019B960494DF}">
-              <a14:hiddenLine xmlns:a14="http://schemas.microsoft.com/office/drawing/2010/main" w="9525">
+              <a14:hiddenLine xmlns:a14="http://schemas.microsoft.com/office/drawing/2010/main" xmlns="" w="9525">
                 <a:solidFill>
                   <a:srgbClr val="000000"/>
                 </a:solidFill>
@@ -7655,14 +7685,14 @@
           </a:ln>
           <a:extLst>
             <a:ext uri="{909E8E84-426E-40dd-AFC4-6F175D3DCCD1}">
-              <a14:hiddenFill xmlns:a14="http://schemas.microsoft.com/office/drawing/2010/main">
+              <a14:hiddenFill xmlns:a14="http://schemas.microsoft.com/office/drawing/2010/main" xmlns="">
                 <a:solidFill>
                   <a:srgbClr val="FFFFFF"/>
                 </a:solidFill>
               </a14:hiddenFill>
             </a:ext>
             <a:ext uri="{91240B29-F687-4f45-9708-019B960494DF}">
-              <a14:hiddenLine xmlns:a14="http://schemas.microsoft.com/office/drawing/2010/main" w="9525">
+              <a14:hiddenLine xmlns:a14="http://schemas.microsoft.com/office/drawing/2010/main" xmlns="" w="9525">
                 <a:solidFill>
                   <a:srgbClr val="000000"/>
                 </a:solidFill>
@@ -7901,7 +7931,7 @@
               <a:defRPr/>
             </a:pPr>
             <a:fld id="{FA71DDE3-1BFD-2B4B-9B0E-6E78A067C89E}" type="datetime1">
-              <a:t>9/30/16</a:t>
+              <a:t>11/16/16</a:t>
             </a:fld>
             <a:endParaRPr lang="en-US"/>
           </a:p>
@@ -7995,14 +8025,14 @@
           </a:ln>
           <a:extLst>
             <a:ext uri="{909E8E84-426E-40dd-AFC4-6F175D3DCCD1}">
-              <a14:hiddenFill xmlns:a14="http://schemas.microsoft.com/office/drawing/2010/main">
+              <a14:hiddenFill xmlns:a14="http://schemas.microsoft.com/office/drawing/2010/main" xmlns="">
                 <a:solidFill>
                   <a:srgbClr val="FFFFFF"/>
                 </a:solidFill>
               </a14:hiddenFill>
             </a:ext>
             <a:ext uri="{91240B29-F687-4f45-9708-019B960494DF}">
-              <a14:hiddenLine xmlns:a14="http://schemas.microsoft.com/office/drawing/2010/main" w="9525">
+              <a14:hiddenLine xmlns:a14="http://schemas.microsoft.com/office/drawing/2010/main" xmlns="" w="9525">
                 <a:solidFill>
                   <a:srgbClr val="000000"/>
                 </a:solidFill>
@@ -8049,14 +8079,14 @@
           </a:ln>
           <a:extLst>
             <a:ext uri="{909E8E84-426E-40dd-AFC4-6F175D3DCCD1}">
-              <a14:hiddenFill xmlns:a14="http://schemas.microsoft.com/office/drawing/2010/main">
+              <a14:hiddenFill xmlns:a14="http://schemas.microsoft.com/office/drawing/2010/main" xmlns="">
                 <a:solidFill>
                   <a:srgbClr val="FFFFFF"/>
                 </a:solidFill>
               </a14:hiddenFill>
             </a:ext>
             <a:ext uri="{91240B29-F687-4f45-9708-019B960494DF}">
-              <a14:hiddenLine xmlns:a14="http://schemas.microsoft.com/office/drawing/2010/main" w="9525">
+              <a14:hiddenLine xmlns:a14="http://schemas.microsoft.com/office/drawing/2010/main" xmlns="" w="9525">
                 <a:solidFill>
                   <a:srgbClr val="000000"/>
                 </a:solidFill>
@@ -8688,7 +8718,7 @@
               <a:defRPr/>
             </a:pPr>
             <a:fld id="{90E2CE17-9310-CB4D-A759-84364C03D56E}" type="datetime1">
-              <a:t>9/30/16</a:t>
+              <a:t>11/16/16</a:t>
             </a:fld>
             <a:endParaRPr lang="en-US"/>
           </a:p>
@@ -8734,14 +8764,14 @@
           <a:ln/>
           <a:extLst>
             <a:ext uri="{909E8E84-426E-40dd-AFC4-6F175D3DCCD1}">
-              <a14:hiddenFill xmlns:a14="http://schemas.microsoft.com/office/drawing/2010/main">
+              <a14:hiddenFill xmlns:a14="http://schemas.microsoft.com/office/drawing/2010/main" xmlns="">
                 <a:solidFill>
                   <a:srgbClr val="FFFFFF"/>
                 </a:solidFill>
               </a14:hiddenFill>
             </a:ext>
             <a:ext uri="{91240B29-F687-4f45-9708-019B960494DF}">
-              <a14:hiddenLine xmlns:a14="http://schemas.microsoft.com/office/drawing/2010/main" w="9525">
+              <a14:hiddenLine xmlns:a14="http://schemas.microsoft.com/office/drawing/2010/main" xmlns="" w="9525">
                 <a:solidFill>
                   <a:srgbClr val="000000"/>
                 </a:solidFill>
@@ -8889,7 +8919,7 @@
   <p:timing>
     <p:tnLst>
       <p:par>
-        <p:cTn xmlns:p14="http://schemas.microsoft.com/office/powerpoint/2010/main" id="1" dur="indefinite" restart="never" nodeType="tmRoot"/>
+        <p:cTn id="1" dur="indefinite" restart="never" nodeType="tmRoot"/>
       </p:par>
     </p:tnLst>
   </p:timing>
@@ -8928,14 +8958,14 @@
           <a:ln/>
           <a:extLst>
             <a:ext uri="{909E8E84-426E-40dd-AFC4-6F175D3DCCD1}">
-              <a14:hiddenFill xmlns:a14="http://schemas.microsoft.com/office/drawing/2010/main">
+              <a14:hiddenFill xmlns:a14="http://schemas.microsoft.com/office/drawing/2010/main" xmlns="">
                 <a:solidFill>
                   <a:srgbClr val="FFFFFF"/>
                 </a:solidFill>
               </a14:hiddenFill>
             </a:ext>
             <a:ext uri="{91240B29-F687-4f45-9708-019B960494DF}">
-              <a14:hiddenLine xmlns:a14="http://schemas.microsoft.com/office/drawing/2010/main" w="9525">
+              <a14:hiddenLine xmlns:a14="http://schemas.microsoft.com/office/drawing/2010/main" xmlns="" w="9525">
                 <a:solidFill>
                   <a:srgbClr val="000000"/>
                 </a:solidFill>
@@ -9117,7 +9147,7 @@
         </p:nvGraphicFramePr>
         <p:xfrm>
           <a:off x="287869" y="1187450"/>
-          <a:ext cx="8013253" cy="4006111"/>
+          <a:ext cx="8013253" cy="4371872"/>
         </p:xfrm>
         <a:graphic>
           <a:graphicData uri="http://schemas.openxmlformats.org/drawingml/2006/table">
@@ -11241,7 +11271,7 @@
               <a:pPr>
                 <a:defRPr/>
               </a:pPr>
-              <a:t>9/30/16</a:t>
+              <a:t>11/16/16</a:t>
             </a:fld>
             <a:endParaRPr lang="en-US"/>
           </a:p>
@@ -11317,14 +11347,14 @@
           <a:ln/>
           <a:extLst>
             <a:ext uri="{909E8E84-426E-40dd-AFC4-6F175D3DCCD1}">
-              <a14:hiddenFill xmlns:a14="http://schemas.microsoft.com/office/drawing/2010/main">
+              <a14:hiddenFill xmlns:a14="http://schemas.microsoft.com/office/drawing/2010/main" xmlns="">
                 <a:solidFill>
                   <a:srgbClr val="FFFFFF"/>
                 </a:solidFill>
               </a14:hiddenFill>
             </a:ext>
             <a:ext uri="{91240B29-F687-4f45-9708-019B960494DF}">
-              <a14:hiddenLine xmlns:a14="http://schemas.microsoft.com/office/drawing/2010/main" w="9525">
+              <a14:hiddenLine xmlns:a14="http://schemas.microsoft.com/office/drawing/2010/main" xmlns="" w="9525">
                 <a:solidFill>
                   <a:srgbClr val="000000"/>
                 </a:solidFill>
@@ -11506,7 +11536,7 @@
         </p:nvGraphicFramePr>
         <p:xfrm>
           <a:off x="287869" y="1187450"/>
-          <a:ext cx="8449732" cy="4036615"/>
+          <a:ext cx="8449732" cy="4036616"/>
         </p:xfrm>
         <a:graphic>
           <a:graphicData uri="http://schemas.openxmlformats.org/drawingml/2006/table">
@@ -13671,7 +13701,7 @@
               <a:pPr>
                 <a:defRPr/>
               </a:pPr>
-              <a:t>9/30/16</a:t>
+              <a:t>11/16/16</a:t>
             </a:fld>
             <a:endParaRPr lang="en-US"/>
           </a:p>
@@ -13747,14 +13777,14 @@
           <a:ln/>
           <a:extLst>
             <a:ext uri="{909E8E84-426E-40dd-AFC4-6F175D3DCCD1}">
-              <a14:hiddenFill xmlns:a14="http://schemas.microsoft.com/office/drawing/2010/main">
+              <a14:hiddenFill xmlns:a14="http://schemas.microsoft.com/office/drawing/2010/main" xmlns="">
                 <a:solidFill>
                   <a:srgbClr val="FFFFFF"/>
                 </a:solidFill>
               </a14:hiddenFill>
             </a:ext>
             <a:ext uri="{91240B29-F687-4f45-9708-019B960494DF}">
-              <a14:hiddenLine xmlns:a14="http://schemas.microsoft.com/office/drawing/2010/main" w="9525">
+              <a14:hiddenLine xmlns:a14="http://schemas.microsoft.com/office/drawing/2010/main" xmlns="" w="9525">
                 <a:solidFill>
                   <a:srgbClr val="000000"/>
                 </a:solidFill>
@@ -13936,7 +13966,7 @@
         </p:nvGraphicFramePr>
         <p:xfrm>
           <a:off x="287868" y="1187450"/>
-          <a:ext cx="8178799" cy="3427071"/>
+          <a:ext cx="8178799" cy="3427072"/>
         </p:xfrm>
         <a:graphic>
           <a:graphicData uri="http://schemas.openxmlformats.org/drawingml/2006/table">
@@ -15941,7 +15971,7 @@
               <a:pPr>
                 <a:defRPr/>
               </a:pPr>
-              <a:t>9/30/16</a:t>
+              <a:t>11/16/16</a:t>
             </a:fld>
             <a:endParaRPr lang="en-US"/>
           </a:p>
@@ -16017,14 +16047,14 @@
           <a:ln/>
           <a:extLst>
             <a:ext uri="{909E8E84-426E-40dd-AFC4-6F175D3DCCD1}">
-              <a14:hiddenFill xmlns:a14="http://schemas.microsoft.com/office/drawing/2010/main">
+              <a14:hiddenFill xmlns:a14="http://schemas.microsoft.com/office/drawing/2010/main" xmlns="">
                 <a:solidFill>
                   <a:srgbClr val="FFFFFF"/>
                 </a:solidFill>
               </a14:hiddenFill>
             </a:ext>
             <a:ext uri="{91240B29-F687-4f45-9708-019B960494DF}">
-              <a14:hiddenLine xmlns:a14="http://schemas.microsoft.com/office/drawing/2010/main" w="9525">
+              <a14:hiddenLine xmlns:a14="http://schemas.microsoft.com/office/drawing/2010/main" xmlns="" w="9525">
                 <a:solidFill>
                   <a:srgbClr val="000000"/>
                 </a:solidFill>
@@ -18708,7 +18738,7 @@
               <a:defRPr/>
             </a:pPr>
             <a:fld id="{0F7BDA28-418C-9143-89A1-46CE07347BF0}" type="datetime1">
-              <a:t>9/30/16</a:t>
+              <a:t>11/16/16</a:t>
             </a:fld>
             <a:endParaRPr lang="en-US"/>
           </a:p>
@@ -18761,14 +18791,14 @@
           </a:ln>
           <a:extLst>
             <a:ext uri="{909E8E84-426E-40dd-AFC4-6F175D3DCCD1}">
-              <a14:hiddenFill xmlns:a14="http://schemas.microsoft.com/office/drawing/2010/main">
+              <a14:hiddenFill xmlns:a14="http://schemas.microsoft.com/office/drawing/2010/main" xmlns="">
                 <a:solidFill>
                   <a:srgbClr val="FFFFFF"/>
                 </a:solidFill>
               </a14:hiddenFill>
             </a:ext>
             <a:ext uri="{91240B29-F687-4f45-9708-019B960494DF}">
-              <a14:hiddenLine xmlns:a14="http://schemas.microsoft.com/office/drawing/2010/main" w="9525">
+              <a14:hiddenLine xmlns:a14="http://schemas.microsoft.com/office/drawing/2010/main" xmlns="" w="9525">
                 <a:solidFill>
                   <a:srgbClr val="000000"/>
                 </a:solidFill>
@@ -18953,14 +18983,14 @@
           </a:ln>
           <a:extLst>
             <a:ext uri="{909E8E84-426E-40dd-AFC4-6F175D3DCCD1}">
-              <a14:hiddenFill xmlns:a14="http://schemas.microsoft.com/office/drawing/2010/main">
+              <a14:hiddenFill xmlns:a14="http://schemas.microsoft.com/office/drawing/2010/main" xmlns="">
                 <a:solidFill>
                   <a:srgbClr val="FFFFFF"/>
                 </a:solidFill>
               </a14:hiddenFill>
             </a:ext>
             <a:ext uri="{91240B29-F687-4f45-9708-019B960494DF}">
-              <a14:hiddenLine xmlns:a14="http://schemas.microsoft.com/office/drawing/2010/main" w="9525">
+              <a14:hiddenLine xmlns:a14="http://schemas.microsoft.com/office/drawing/2010/main" xmlns="" w="9525">
                 <a:solidFill>
                   <a:srgbClr val="000000"/>
                 </a:solidFill>
@@ -22006,14 +22036,14 @@
           </a:ln>
           <a:extLst>
             <a:ext uri="{909E8E84-426E-40dd-AFC4-6F175D3DCCD1}">
-              <a14:hiddenFill xmlns:a14="http://schemas.microsoft.com/office/drawing/2010/main">
+              <a14:hiddenFill xmlns:a14="http://schemas.microsoft.com/office/drawing/2010/main" xmlns="">
                 <a:solidFill>
                   <a:srgbClr val="FFFFFF"/>
                 </a:solidFill>
               </a14:hiddenFill>
             </a:ext>
             <a:ext uri="{91240B29-F687-4f45-9708-019B960494DF}">
-              <a14:hiddenLine xmlns:a14="http://schemas.microsoft.com/office/drawing/2010/main" w="9525">
+              <a14:hiddenLine xmlns:a14="http://schemas.microsoft.com/office/drawing/2010/main" xmlns="" w="9525">
                 <a:solidFill>
                   <a:srgbClr val="000000"/>
                 </a:solidFill>
@@ -22172,7 +22202,7 @@
               <a:defRPr/>
             </a:pPr>
             <a:fld id="{59DBD478-FE4D-DB41-B957-A9DBBBBF7C99}" type="datetime1">
-              <a:t>9/30/16</a:t>
+              <a:t>11/16/16</a:t>
             </a:fld>
             <a:endParaRPr lang="en-US"/>
           </a:p>
@@ -22218,14 +22248,14 @@
           <a:ln/>
           <a:extLst>
             <a:ext uri="{909E8E84-426E-40dd-AFC4-6F175D3DCCD1}">
-              <a14:hiddenFill xmlns:a14="http://schemas.microsoft.com/office/drawing/2010/main">
+              <a14:hiddenFill xmlns:a14="http://schemas.microsoft.com/office/drawing/2010/main" xmlns="">
                 <a:solidFill>
                   <a:srgbClr val="FFFFFF"/>
                 </a:solidFill>
               </a14:hiddenFill>
             </a:ext>
             <a:ext uri="{91240B29-F687-4f45-9708-019B960494DF}">
-              <a14:hiddenLine xmlns:a14="http://schemas.microsoft.com/office/drawing/2010/main" w="9525">
+              <a14:hiddenLine xmlns:a14="http://schemas.microsoft.com/office/drawing/2010/main" xmlns="" w="9525">
                 <a:solidFill>
                   <a:srgbClr val="000000"/>
                 </a:solidFill>
@@ -22412,14 +22442,14 @@
           </a:ln>
           <a:extLst>
             <a:ext uri="{909E8E84-426E-40dd-AFC4-6F175D3DCCD1}">
-              <a14:hiddenFill xmlns:a14="http://schemas.microsoft.com/office/drawing/2010/main">
+              <a14:hiddenFill xmlns:a14="http://schemas.microsoft.com/office/drawing/2010/main" xmlns="">
                 <a:solidFill>
                   <a:srgbClr val="FFFFFF"/>
                 </a:solidFill>
               </a14:hiddenFill>
             </a:ext>
             <a:ext uri="{91240B29-F687-4f45-9708-019B960494DF}">
-              <a14:hiddenLine xmlns:a14="http://schemas.microsoft.com/office/drawing/2010/main" w="9525">
+              <a14:hiddenLine xmlns:a14="http://schemas.microsoft.com/office/drawing/2010/main" xmlns="" w="9525">
                 <a:solidFill>
                   <a:srgbClr val="000000"/>
                 </a:solidFill>
@@ -22604,7 +22634,7 @@
               <a:defRPr/>
             </a:pPr>
             <a:fld id="{59DBD478-FE4D-DB41-B957-A9DBBBBF7C99}" type="datetime1">
-              <a:t>9/30/16</a:t>
+              <a:t>11/16/16</a:t>
             </a:fld>
             <a:endParaRPr lang="en-US"/>
           </a:p>
@@ -22650,14 +22680,14 @@
           <a:ln/>
           <a:extLst>
             <a:ext uri="{909E8E84-426E-40dd-AFC4-6F175D3DCCD1}">
-              <a14:hiddenFill xmlns:a14="http://schemas.microsoft.com/office/drawing/2010/main">
+              <a14:hiddenFill xmlns:a14="http://schemas.microsoft.com/office/drawing/2010/main" xmlns="">
                 <a:solidFill>
                   <a:srgbClr val="FFFFFF"/>
                 </a:solidFill>
               </a14:hiddenFill>
             </a:ext>
             <a:ext uri="{91240B29-F687-4f45-9708-019B960494DF}">
-              <a14:hiddenLine xmlns:a14="http://schemas.microsoft.com/office/drawing/2010/main" w="9525">
+              <a14:hiddenLine xmlns:a14="http://schemas.microsoft.com/office/drawing/2010/main" xmlns="" w="9525">
                 <a:solidFill>
                   <a:srgbClr val="000000"/>
                 </a:solidFill>
@@ -27403,14 +27433,14 @@
           </a:ln>
           <a:extLst>
             <a:ext uri="{909E8E84-426E-40dd-AFC4-6F175D3DCCD1}">
-              <a14:hiddenFill xmlns:a14="http://schemas.microsoft.com/office/drawing/2010/main">
+              <a14:hiddenFill xmlns:a14="http://schemas.microsoft.com/office/drawing/2010/main" xmlns="">
                 <a:solidFill>
                   <a:srgbClr val="FFFFFF"/>
                 </a:solidFill>
               </a14:hiddenFill>
             </a:ext>
             <a:ext uri="{91240B29-F687-4f45-9708-019B960494DF}">
-              <a14:hiddenLine xmlns:a14="http://schemas.microsoft.com/office/drawing/2010/main" w="9525">
+              <a14:hiddenLine xmlns:a14="http://schemas.microsoft.com/office/drawing/2010/main" xmlns="" w="9525">
                 <a:solidFill>
                   <a:srgbClr val="000000"/>
                 </a:solidFill>
@@ -29172,14 +29202,14 @@
           </a:ln>
           <a:extLst>
             <a:ext uri="{909E8E84-426E-40dd-AFC4-6F175D3DCCD1}">
-              <a14:hiddenFill xmlns:a14="http://schemas.microsoft.com/office/drawing/2010/main">
+              <a14:hiddenFill xmlns:a14="http://schemas.microsoft.com/office/drawing/2010/main" xmlns="">
                 <a:solidFill>
                   <a:srgbClr val="FFFFFF"/>
                 </a:solidFill>
               </a14:hiddenFill>
             </a:ext>
             <a:ext uri="{91240B29-F687-4f45-9708-019B960494DF}">
-              <a14:hiddenLine xmlns:a14="http://schemas.microsoft.com/office/drawing/2010/main" w="9525">
+              <a14:hiddenLine xmlns:a14="http://schemas.microsoft.com/office/drawing/2010/main" xmlns="" w="9525">
                 <a:solidFill>
                   <a:srgbClr val="000000"/>
                 </a:solidFill>
@@ -29338,7 +29368,7 @@
               <a:defRPr/>
             </a:pPr>
             <a:fld id="{59DBD478-FE4D-DB41-B957-A9DBBBBF7C99}" type="datetime1">
-              <a:t>9/30/16</a:t>
+              <a:t>11/16/16</a:t>
             </a:fld>
             <a:endParaRPr lang="en-US"/>
           </a:p>
@@ -29384,14 +29414,14 @@
           <a:ln/>
           <a:extLst>
             <a:ext uri="{909E8E84-426E-40dd-AFC4-6F175D3DCCD1}">
-              <a14:hiddenFill xmlns:a14="http://schemas.microsoft.com/office/drawing/2010/main">
+              <a14:hiddenFill xmlns:a14="http://schemas.microsoft.com/office/drawing/2010/main" xmlns="">
                 <a:solidFill>
                   <a:srgbClr val="FFFFFF"/>
                 </a:solidFill>
               </a14:hiddenFill>
             </a:ext>
             <a:ext uri="{91240B29-F687-4f45-9708-019B960494DF}">
-              <a14:hiddenLine xmlns:a14="http://schemas.microsoft.com/office/drawing/2010/main" w="9525">
+              <a14:hiddenLine xmlns:a14="http://schemas.microsoft.com/office/drawing/2010/main" xmlns="" w="9525">
                 <a:solidFill>
                   <a:srgbClr val="000000"/>
                 </a:solidFill>
@@ -29576,14 +29606,14 @@
           <a:ln/>
           <a:extLst>
             <a:ext uri="{909E8E84-426E-40dd-AFC4-6F175D3DCCD1}">
-              <a14:hiddenFill xmlns:a14="http://schemas.microsoft.com/office/drawing/2010/main">
+              <a14:hiddenFill xmlns:a14="http://schemas.microsoft.com/office/drawing/2010/main" xmlns="">
                 <a:solidFill>
                   <a:srgbClr val="FFFFFF"/>
                 </a:solidFill>
               </a14:hiddenFill>
             </a:ext>
             <a:ext uri="{91240B29-F687-4f45-9708-019B960494DF}">
-              <a14:hiddenLine xmlns:a14="http://schemas.microsoft.com/office/drawing/2010/main" w="9525">
+              <a14:hiddenLine xmlns:a14="http://schemas.microsoft.com/office/drawing/2010/main" xmlns="" w="9525">
                 <a:solidFill>
                   <a:srgbClr val="000000"/>
                 </a:solidFill>
@@ -31383,7 +31413,7 @@
               <a:defRPr/>
             </a:pPr>
             <a:fld id="{DA2A2AB7-0D68-F246-A81D-87CD21846C56}" type="datetime1">
-              <a:t>9/30/16</a:t>
+              <a:t>11/16/16</a:t>
             </a:fld>
             <a:endParaRPr lang="en-US"/>
           </a:p>
@@ -31454,14 +31484,14 @@
           <a:ln/>
           <a:extLst>
             <a:ext uri="{909E8E84-426E-40dd-AFC4-6F175D3DCCD1}">
-              <a14:hiddenFill xmlns:a14="http://schemas.microsoft.com/office/drawing/2010/main">
+              <a14:hiddenFill xmlns:a14="http://schemas.microsoft.com/office/drawing/2010/main" xmlns="">
                 <a:solidFill>
                   <a:srgbClr val="FFFFFF"/>
                 </a:solidFill>
               </a14:hiddenFill>
             </a:ext>
             <a:ext uri="{91240B29-F687-4f45-9708-019B960494DF}">
-              <a14:hiddenLine xmlns:a14="http://schemas.microsoft.com/office/drawing/2010/main" w="9525">
+              <a14:hiddenLine xmlns:a14="http://schemas.microsoft.com/office/drawing/2010/main" xmlns="" w="9525">
                 <a:solidFill>
                   <a:srgbClr val="000000"/>
                 </a:solidFill>
@@ -31623,14 +31653,14 @@
           </a:ln>
           <a:extLst>
             <a:ext uri="{909E8E84-426E-40dd-AFC4-6F175D3DCCD1}">
-              <a14:hiddenFill xmlns:a14="http://schemas.microsoft.com/office/drawing/2010/main">
+              <a14:hiddenFill xmlns:a14="http://schemas.microsoft.com/office/drawing/2010/main" xmlns="">
                 <a:solidFill>
                   <a:srgbClr val="FFFFFF"/>
                 </a:solidFill>
               </a14:hiddenFill>
             </a:ext>
             <a:ext uri="{91240B29-F687-4f45-9708-019B960494DF}">
-              <a14:hiddenLine xmlns:a14="http://schemas.microsoft.com/office/drawing/2010/main" w="9525">
+              <a14:hiddenLine xmlns:a14="http://schemas.microsoft.com/office/drawing/2010/main" xmlns="" w="9525">
                 <a:solidFill>
                   <a:srgbClr val="000000"/>
                 </a:solidFill>
@@ -31686,14 +31716,14 @@
           </a:ln>
           <a:extLst>
             <a:ext uri="{909E8E84-426E-40dd-AFC4-6F175D3DCCD1}">
-              <a14:hiddenFill xmlns:a14="http://schemas.microsoft.com/office/drawing/2010/main">
+              <a14:hiddenFill xmlns:a14="http://schemas.microsoft.com/office/drawing/2010/main" xmlns="">
                 <a:solidFill>
                   <a:srgbClr val="FFFFFF"/>
                 </a:solidFill>
               </a14:hiddenFill>
             </a:ext>
             <a:ext uri="{91240B29-F687-4f45-9708-019B960494DF}">
-              <a14:hiddenLine xmlns:a14="http://schemas.microsoft.com/office/drawing/2010/main" w="9525">
+              <a14:hiddenLine xmlns:a14="http://schemas.microsoft.com/office/drawing/2010/main" xmlns="" w="9525">
                 <a:solidFill>
                   <a:srgbClr val="000000"/>
                 </a:solidFill>
@@ -31831,10 +31861,22 @@
               </a:spcBef>
             </a:pPr>
             <a:r>
-              <a:rPr lang="en-US" sz="2000" b="1">
+              <a:rPr lang="en-US" sz="2000" b="1" dirty="0">
                 <a:cs typeface="Times New Roman" charset="0"/>
               </a:rPr>
-              <a:t>SBN is a cFS application that:</a:t>
+              <a:t>SBN is a </a:t>
+            </a:r>
+            <a:r>
+              <a:rPr lang="en-US" sz="2000" b="1" dirty="0" err="1">
+                <a:cs typeface="Times New Roman" charset="0"/>
+              </a:rPr>
+              <a:t>cFS</a:t>
+            </a:r>
+            <a:r>
+              <a:rPr lang="en-US" sz="2000" b="1" dirty="0">
+                <a:cs typeface="Times New Roman" charset="0"/>
+              </a:rPr>
+              <a:t> application that:</a:t>
             </a:r>
           </a:p>
           <a:p>
@@ -31846,10 +31888,22 @@
               <a:buChar char="•"/>
             </a:pPr>
             <a:r>
-              <a:rPr lang="en-US" sz="2000" b="1">
+              <a:rPr lang="en-US" sz="2000" b="1" dirty="0">
                 <a:cs typeface="Times New Roman" charset="0"/>
               </a:rPr>
-              <a:t>Connects point-to-point with other SBN applications on other multiple cFS software busses together such that messages sent by an application on one bus can be received by an application on another bus.</a:t>
+              <a:t>Connects point-to-point with other SBN applications on other multiple </a:t>
+            </a:r>
+            <a:r>
+              <a:rPr lang="en-US" sz="2000" b="1" dirty="0" err="1">
+                <a:cs typeface="Times New Roman" charset="0"/>
+              </a:rPr>
+              <a:t>cFS</a:t>
+            </a:r>
+            <a:r>
+              <a:rPr lang="en-US" sz="2000" b="1" dirty="0">
+                <a:cs typeface="Times New Roman" charset="0"/>
+              </a:rPr>
+              <a:t> software busses together such that messages sent by an application on one bus can be received by an application on another bus.</a:t>
             </a:r>
           </a:p>
           <a:p>
@@ -31861,10 +31915,22 @@
               <a:buChar char="•"/>
             </a:pPr>
             <a:r>
-              <a:rPr lang="en-US" sz="2000" b="1">
+              <a:rPr lang="en-US" sz="2000" b="1" dirty="0">
                 <a:cs typeface="Times New Roman" charset="0"/>
               </a:rPr>
-              <a:t>Has a modular network architecture (TCP, UDP, Serial, SpaceWire, etc.) to connect peers and supports mixed-mode peer networks.</a:t>
+              <a:t>Has a modular network architecture (TCP, UDP, Serial, </a:t>
+            </a:r>
+            <a:r>
+              <a:rPr lang="en-US" sz="2000" b="1" dirty="0" err="1">
+                <a:cs typeface="Times New Roman" charset="0"/>
+              </a:rPr>
+              <a:t>SpaceWire</a:t>
+            </a:r>
+            <a:r>
+              <a:rPr lang="en-US" sz="2000" b="1" dirty="0">
+                <a:cs typeface="Times New Roman" charset="0"/>
+              </a:rPr>
+              <a:t>, etc.) to connect peers and supports mixed-mode peer networks.</a:t>
             </a:r>
           </a:p>
           <a:p>
@@ -31876,16 +31942,10 @@
               <a:buChar char="•"/>
             </a:pPr>
             <a:r>
-              <a:rPr lang="en-US" sz="2000" b="1">
+              <a:rPr lang="en-US" sz="2000" b="1" dirty="0">
                 <a:cs typeface="Times New Roman" charset="0"/>
               </a:rPr>
-              <a:t>U</a:t>
-            </a:r>
-            <a:r>
-              <a:rPr lang="en-US" sz="2000" b="1">
-                <a:cs typeface="Times New Roman" charset="0"/>
-              </a:rPr>
-              <a:t>tilizes an “announce” and “heartbeat” protocol to provide network state awareness to the SBN application.</a:t>
+              <a:t>Utilizes an “announce” and “heartbeat” protocol to provide network state awareness to the SBN application.</a:t>
             </a:r>
           </a:p>
           <a:p>
@@ -31897,12 +31957,30 @@
               <a:buChar char="•"/>
             </a:pPr>
             <a:r>
-              <a:rPr lang="en-US" sz="2000" b="1">
+              <a:rPr lang="en-US" sz="2000" b="1" dirty="0">
                 <a:cs typeface="Times New Roman" charset="0"/>
               </a:rPr>
-              <a:t>Remaps and filters outgoing messages (configured by table.)</a:t>
+              <a:t>Remaps and filters outgoing messages </a:t>
             </a:r>
-            <a:endParaRPr lang="en-US" sz="2000" b="1">
+            <a:r>
+              <a:rPr lang="en-US" sz="2000" b="1" dirty="0" smtClean="0">
+                <a:cs typeface="Times New Roman" charset="0"/>
+              </a:rPr>
+              <a:t>(</a:t>
+            </a:r>
+            <a:r>
+              <a:rPr lang="en-US" sz="2000" b="1" dirty="0" err="1" smtClean="0">
+                <a:cs typeface="Times New Roman" charset="0"/>
+              </a:rPr>
+              <a:t>cFS</a:t>
+            </a:r>
+            <a:r>
+              <a:rPr lang="en-US" sz="2000" b="1" dirty="0" smtClean="0">
+                <a:cs typeface="Times New Roman" charset="0"/>
+              </a:rPr>
+              <a:t> table configured.)</a:t>
+            </a:r>
+            <a:endParaRPr lang="en-US" sz="2000" b="1" dirty="0">
               <a:cs typeface="Times New Roman" charset="0"/>
             </a:endParaRPr>
           </a:p>
@@ -31927,7 +32005,7 @@
               <a:defRPr/>
             </a:pPr>
             <a:fld id="{B90418B6-1B50-F34D-B458-B7530561AB98}" type="datetime1">
-              <a:t>9/30/16</a:t>
+              <a:t>11/16/16</a:t>
             </a:fld>
             <a:endParaRPr lang="en-US"/>
           </a:p>
@@ -31998,14 +32076,14 @@
           <a:ln/>
           <a:extLst>
             <a:ext uri="{909E8E84-426E-40dd-AFC4-6F175D3DCCD1}">
-              <a14:hiddenFill xmlns:a14="http://schemas.microsoft.com/office/drawing/2010/main">
+              <a14:hiddenFill xmlns:a14="http://schemas.microsoft.com/office/drawing/2010/main" xmlns="">
                 <a:solidFill>
                   <a:srgbClr val="FFFFFF"/>
                 </a:solidFill>
               </a14:hiddenFill>
             </a:ext>
             <a:ext uri="{91240B29-F687-4f45-9708-019B960494DF}">
-              <a14:hiddenLine xmlns:a14="http://schemas.microsoft.com/office/drawing/2010/main" w="9525">
+              <a14:hiddenLine xmlns:a14="http://schemas.microsoft.com/office/drawing/2010/main" xmlns="" w="9525">
                 <a:solidFill>
                   <a:srgbClr val="000000"/>
                 </a:solidFill>
@@ -32167,14 +32245,14 @@
           </a:ln>
           <a:extLst>
             <a:ext uri="{909E8E84-426E-40dd-AFC4-6F175D3DCCD1}">
-              <a14:hiddenFill xmlns:a14="http://schemas.microsoft.com/office/drawing/2010/main">
+              <a14:hiddenFill xmlns:a14="http://schemas.microsoft.com/office/drawing/2010/main" xmlns="">
                 <a:solidFill>
                   <a:srgbClr val="FFFFFF"/>
                 </a:solidFill>
               </a14:hiddenFill>
             </a:ext>
             <a:ext uri="{91240B29-F687-4f45-9708-019B960494DF}">
-              <a14:hiddenLine xmlns:a14="http://schemas.microsoft.com/office/drawing/2010/main" w="9525">
+              <a14:hiddenLine xmlns:a14="http://schemas.microsoft.com/office/drawing/2010/main" xmlns="" w="9525">
                 <a:solidFill>
                   <a:srgbClr val="000000"/>
                 </a:solidFill>
@@ -32219,7 +32297,7 @@
         <p:spPr bwMode="auto">
           <a:xfrm>
             <a:off x="609600" y="1358900"/>
-            <a:ext cx="7848600" cy="3908762"/>
+            <a:ext cx="7848600" cy="4324261"/>
           </a:xfrm>
           <a:prstGeom prst="rect">
             <a:avLst/>
@@ -32230,14 +32308,14 @@
           </a:ln>
           <a:extLst>
             <a:ext uri="{909E8E84-426E-40dd-AFC4-6F175D3DCCD1}">
-              <a14:hiddenFill xmlns:a14="http://schemas.microsoft.com/office/drawing/2010/main">
+              <a14:hiddenFill xmlns:a14="http://schemas.microsoft.com/office/drawing/2010/main" xmlns="">
                 <a:solidFill>
                   <a:srgbClr val="FFFFFF"/>
                 </a:solidFill>
               </a14:hiddenFill>
             </a:ext>
             <a:ext uri="{91240B29-F687-4f45-9708-019B960494DF}">
-              <a14:hiddenLine xmlns:a14="http://schemas.microsoft.com/office/drawing/2010/main" w="9525">
+              <a14:hiddenLine xmlns:a14="http://schemas.microsoft.com/office/drawing/2010/main" xmlns="" w="9525">
                 <a:solidFill>
                   <a:srgbClr val="000000"/>
                 </a:solidFill>
@@ -32375,77 +32453,159 @@
               </a:spcBef>
             </a:pPr>
             <a:r>
-              <a:rPr lang="en-US" sz="2000" b="1">
+              <a:rPr lang="en-US" sz="2000" b="1" dirty="0">
                 <a:cs typeface="Times New Roman" charset="0"/>
               </a:rPr>
-              <a:t>SBN is a cFS application that:</a:t>
+              <a:t>SBN is a </a:t>
             </a:r>
+            <a:r>
+              <a:rPr lang="en-US" sz="2000" b="1" dirty="0" err="1">
+                <a:cs typeface="Times New Roman" charset="0"/>
+              </a:rPr>
+              <a:t>cFS</a:t>
+            </a:r>
+            <a:r>
+              <a:rPr lang="en-US" sz="2000" b="1" dirty="0">
+                <a:cs typeface="Times New Roman" charset="0"/>
+              </a:rPr>
+              <a:t> application </a:t>
+            </a:r>
+            <a:r>
+              <a:rPr lang="en-US" sz="2000" b="1" dirty="0" smtClean="0">
+                <a:cs typeface="Times New Roman" charset="0"/>
+              </a:rPr>
+              <a:t>that</a:t>
+            </a:r>
+            <a:r>
+              <a:rPr lang="mr-IN" sz="2000" b="1" dirty="0" smtClean="0">
+                <a:cs typeface="Times New Roman" charset="0"/>
+              </a:rPr>
+              <a:t>…</a:t>
+            </a:r>
+            <a:endParaRPr lang="en-US" sz="2000" b="1" dirty="0">
+              <a:cs typeface="Times New Roman" charset="0"/>
+            </a:endParaRPr>
           </a:p>
           <a:p>
-            <a:pPr algn="l">
+            <a:pPr marL="0" indent="0" algn="l">
               <a:spcBef>
                 <a:spcPct val="35000"/>
               </a:spcBef>
-              <a:buFontTx/>
-              <a:buChar char="•"/>
             </a:pPr>
             <a:r>
-              <a:rPr lang="en-US" sz="2000" b="1">
+              <a:rPr lang="mr-IN" sz="2000" b="1" dirty="0" smtClean="0">
                 <a:cs typeface="Times New Roman" charset="0"/>
               </a:rPr>
-              <a:t>Subscribes to the </a:t>
+              <a:t>…</a:t>
             </a:r>
             <a:r>
-              <a:rPr lang="en-US" sz="2000" b="1"/>
+              <a:rPr lang="en-US" sz="2000" b="1" dirty="0" smtClean="0">
+                <a:cs typeface="Times New Roman" charset="0"/>
+              </a:rPr>
+              <a:t>subscribes </a:t>
+            </a:r>
+            <a:r>
+              <a:rPr lang="en-US" sz="2000" b="1" dirty="0">
+                <a:cs typeface="Times New Roman" charset="0"/>
+              </a:rPr>
+              <a:t>to the </a:t>
+            </a:r>
+            <a:r>
+              <a:rPr lang="en-US" sz="2000" b="1" dirty="0"/>
               <a:t>CFE_SB_ALLSUBS_TLM_MID and sends a CFE_SB_SEND_PREV_SUBS_CC to receive all existing subscriptions at startup.</a:t>
             </a:r>
           </a:p>
           <a:p>
-            <a:pPr algn="l">
+            <a:pPr marL="0" indent="0" algn="l">
               <a:spcBef>
                 <a:spcPct val="35000"/>
               </a:spcBef>
-              <a:buFontTx/>
-              <a:buChar char="•"/>
             </a:pPr>
             <a:r>
-              <a:rPr lang="en-US" sz="2000" b="1">
+              <a:rPr lang="mr-IN" sz="2000" b="1" dirty="0" smtClean="0">
                 <a:cs typeface="Times New Roman" charset="0"/>
               </a:rPr>
-              <a:t>Subscribes to the </a:t>
+              <a:t>…</a:t>
             </a:r>
             <a:r>
-              <a:rPr lang="en-US" sz="2000" b="1"/>
+              <a:rPr lang="en-US" sz="2000" b="1" dirty="0" smtClean="0">
+                <a:cs typeface="Times New Roman" charset="0"/>
+              </a:rPr>
+              <a:t>subscribes </a:t>
+            </a:r>
+            <a:r>
+              <a:rPr lang="en-US" sz="2000" b="1" dirty="0">
+                <a:cs typeface="Times New Roman" charset="0"/>
+              </a:rPr>
+              <a:t>to the </a:t>
+            </a:r>
+            <a:r>
+              <a:rPr lang="en-US" sz="2000" b="1" dirty="0"/>
               <a:t>CFE_SB_ONESUB_TLM_MID message that informs SBN when a local application has (un)subscribed.</a:t>
             </a:r>
           </a:p>
           <a:p>
-            <a:pPr algn="l">
+            <a:pPr marL="0" indent="0" algn="l">
               <a:spcBef>
                 <a:spcPct val="35000"/>
               </a:spcBef>
-              <a:buFontTx/>
-              <a:buChar char="•"/>
             </a:pPr>
             <a:r>
-              <a:rPr lang="en-US" sz="2000" b="1"/>
-              <a:t>Polls pipes and network connections periodically (either via SCH command or a timeout.)</a:t>
+              <a:rPr lang="mr-IN" sz="2000" b="1" dirty="0" smtClean="0"/>
+              <a:t>…</a:t>
             </a:r>
-            <a:endParaRPr lang="en-US" sz="2000" b="1"/>
+            <a:r>
+              <a:rPr lang="en-US" sz="2000" b="1" dirty="0" smtClean="0"/>
+              <a:t>uses a task for each peer for receiving messages from the peer and publishing it on the local SB.</a:t>
+            </a:r>
           </a:p>
           <a:p>
-            <a:pPr algn="l">
+            <a:pPr marL="0" indent="0" algn="l">
               <a:spcBef>
                 <a:spcPct val="35000"/>
               </a:spcBef>
-              <a:buFontTx/>
-              <a:buChar char="•"/>
             </a:pPr>
             <a:r>
-              <a:rPr lang="en-US" sz="2000" b="1">
+              <a:rPr lang="mr-IN" sz="2000" b="1" dirty="0" smtClean="0"/>
+              <a:t>…</a:t>
+            </a:r>
+            <a:r>
+              <a:rPr lang="en-US" sz="2000" b="1" dirty="0" smtClean="0"/>
+              <a:t>polls local pipes periodically (via </a:t>
+            </a:r>
+            <a:r>
+              <a:rPr lang="en-US" sz="2000" b="1" dirty="0"/>
+              <a:t>SCH </a:t>
+            </a:r>
+            <a:r>
+              <a:rPr lang="en-US" sz="2000" b="1" dirty="0" smtClean="0"/>
+              <a:t>command and/or timeout) for messages to send out to peers.</a:t>
+            </a:r>
+            <a:endParaRPr lang="en-US" sz="2000" b="1" dirty="0"/>
+          </a:p>
+          <a:p>
+            <a:pPr marL="0" indent="0" algn="l">
+              <a:spcBef>
+                <a:spcPct val="35000"/>
+              </a:spcBef>
+            </a:pPr>
+            <a:r>
+              <a:rPr lang="en-US" sz="2000" b="1" dirty="0">
                 <a:cs typeface="Times New Roman" charset="0"/>
               </a:rPr>
-              <a:t>Ensures all SBN and CCSDS headers are big-endian over the wire.</a:t>
+              <a:t>.</a:t>
+            </a:r>
+            <a:r>
+              <a:rPr lang="en-US" sz="2000" b="1" dirty="0" smtClean="0">
+                <a:cs typeface="Times New Roman" charset="0"/>
+              </a:rPr>
+              <a:t>..Ensures </a:t>
+            </a:r>
+            <a:r>
+              <a:rPr lang="en-US" sz="2000" b="1" dirty="0">
+                <a:cs typeface="Times New Roman" charset="0"/>
+              </a:rPr>
+              <a:t>all SBN and CCSDS headers are big-endian over the wire.</a:t>
             </a:r>
           </a:p>
         </p:txBody>
@@ -32469,7 +32629,7 @@
               <a:defRPr/>
             </a:pPr>
             <a:fld id="{B90418B6-1B50-F34D-B458-B7530561AB98}" type="datetime1">
-              <a:t>9/30/16</a:t>
+              <a:t>11/16/16</a:t>
             </a:fld>
             <a:endParaRPr lang="en-US"/>
           </a:p>
@@ -32545,14 +32705,14 @@
           <a:ln/>
           <a:extLst>
             <a:ext uri="{909E8E84-426E-40dd-AFC4-6F175D3DCCD1}">
-              <a14:hiddenFill xmlns:a14="http://schemas.microsoft.com/office/drawing/2010/main">
+              <a14:hiddenFill xmlns:a14="http://schemas.microsoft.com/office/drawing/2010/main" xmlns="">
                 <a:solidFill>
                   <a:srgbClr val="FFFFFF"/>
                 </a:solidFill>
               </a14:hiddenFill>
             </a:ext>
             <a:ext uri="{91240B29-F687-4f45-9708-019B960494DF}">
-              <a14:hiddenLine xmlns:a14="http://schemas.microsoft.com/office/drawing/2010/main" w="9525">
+              <a14:hiddenLine xmlns:a14="http://schemas.microsoft.com/office/drawing/2010/main" xmlns="" w="9525">
                 <a:solidFill>
                   <a:srgbClr val="000000"/>
                 </a:solidFill>
@@ -32714,14 +32874,14 @@
           </a:ln>
           <a:extLst>
             <a:ext uri="{909E8E84-426E-40dd-AFC4-6F175D3DCCD1}">
-              <a14:hiddenFill xmlns:a14="http://schemas.microsoft.com/office/drawing/2010/main">
+              <a14:hiddenFill xmlns:a14="http://schemas.microsoft.com/office/drawing/2010/main" xmlns="">
                 <a:solidFill>
                   <a:srgbClr val="FFFFFF"/>
                 </a:solidFill>
               </a14:hiddenFill>
             </a:ext>
             <a:ext uri="{91240B29-F687-4f45-9708-019B960494DF}">
-              <a14:hiddenLine xmlns:a14="http://schemas.microsoft.com/office/drawing/2010/main" w="9525">
+              <a14:hiddenLine xmlns:a14="http://schemas.microsoft.com/office/drawing/2010/main" xmlns="" w="9525">
                 <a:solidFill>
                   <a:srgbClr val="000000"/>
                 </a:solidFill>
@@ -32931,7 +33091,7 @@
               <a:defRPr/>
             </a:pPr>
             <a:fld id="{05B289AB-880F-764B-B46B-97A10573CB72}" type="datetime1">
-              <a:t>9/30/16</a:t>
+              <a:t>11/16/16</a:t>
             </a:fld>
             <a:endParaRPr lang="en-US"/>
           </a:p>
@@ -32971,14 +33131,14 @@
           <p:nvPr>
             <p:extLst>
               <p:ext uri="{D42A27DB-BD31-4B8C-83A1-F6EECF244321}">
-                <p14:modId xmlns:p14="http://schemas.microsoft.com/office/powerpoint/2010/main" val="3642837113"/>
+                <p14:modId xmlns:p14="http://schemas.microsoft.com/office/powerpoint/2010/main" val="1514323257"/>
               </p:ext>
             </p:extLst>
           </p:nvPr>
         </p:nvGraphicFramePr>
         <p:xfrm>
           <a:off x="552691" y="1236835"/>
-          <a:ext cx="8063870" cy="4585913"/>
+          <a:ext cx="8063870" cy="3448223"/>
         </p:xfrm>
         <a:graphic>
           <a:graphicData uri="http://schemas.openxmlformats.org/drawingml/2006/table">
@@ -33258,7 +33418,7 @@
                   </a:tcPr>
                 </a:tc>
               </a:tr>
-              <a:tr h="401205">
+              <a:tr h="682047">
                 <a:tc>
                   <a:txBody>
                     <a:bodyPr/>
@@ -33282,20 +33442,23 @@
                         <a:defRPr/>
                       </a:pPr>
                       <a:r>
-                        <a:rPr lang="en-US" sz="1600" b="0">
+                        <a:rPr lang="en-US" sz="1600" b="0" dirty="0">
                           <a:cs typeface="Times New Roman" charset="0"/>
                         </a:rPr>
-                        <a:t>UDP module polls</a:t>
+                        <a:t>SBN</a:t>
                       </a:r>
                       <a:r>
-                        <a:rPr lang="en-US" sz="1600" b="0" baseline="0">
+                        <a:rPr lang="en-US" sz="1600" b="0" baseline="0" dirty="0">
                           <a:cs typeface="Times New Roman" charset="0"/>
                         </a:rPr>
-                        <a:t> socket.</a:t>
+                        <a:t> “star network” only, </a:t>
                       </a:r>
-                      <a:endParaRPr lang="en-US" sz="1600" b="0">
-                        <a:cs typeface="Times New Roman" charset="0"/>
-                      </a:endParaRPr>
+                      <a:r>
+                        <a:rPr lang="en-US" sz="1600" b="0" dirty="0">
+                          <a:cs typeface="Times New Roman" charset="0"/>
+                        </a:rPr>
+                        <a:t>lacks any forwarding/routing capability.</a:t>
+                      </a:r>
                     </a:p>
                   </a:txBody>
                   <a:tcPr>
@@ -33347,140 +33510,13 @@
                     <a:p>
                       <a:r>
                         <a:rPr lang="en-US" sz="1600" b="0"/>
-                        <a:t>Switch</a:t>
+                        <a:t>Develop forwarding/routing architecture,</a:t>
                       </a:r>
                       <a:r>
                         <a:rPr lang="en-US" sz="1600" b="0" baseline="0"/>
-                        <a:t> to select or multi-threading.</a:t>
+                        <a:t> or develop/integrate separate app (CI/TO?)</a:t>
                       </a:r>
                       <a:endParaRPr lang="en-US" sz="1600" b="0"/>
-                    </a:p>
-                  </a:txBody>
-                  <a:tcPr>
-                    <a:lnL w="12700" cap="flat" cmpd="sng" algn="ctr">
-                      <a:solidFill>
-                        <a:scrgbClr r="0" g="0" b="0"/>
-                      </a:solidFill>
-                      <a:prstDash val="solid"/>
-                      <a:round/>
-                      <a:headEnd type="none" w="med" len="med"/>
-                      <a:tailEnd type="none" w="med" len="med"/>
-                    </a:lnL>
-                    <a:lnR w="12700" cap="flat" cmpd="sng" algn="ctr">
-                      <a:solidFill>
-                        <a:scrgbClr r="0" g="0" b="0"/>
-                      </a:solidFill>
-                      <a:prstDash val="solid"/>
-                      <a:round/>
-                      <a:headEnd type="none" w="med" len="med"/>
-                      <a:tailEnd type="none" w="med" len="med"/>
-                    </a:lnR>
-                    <a:lnT w="12700" cap="flat" cmpd="sng" algn="ctr">
-                      <a:solidFill>
-                        <a:scrgbClr r="0" g="0" b="0"/>
-                      </a:solidFill>
-                      <a:prstDash val="solid"/>
-                      <a:round/>
-                      <a:headEnd type="none" w="med" len="med"/>
-                      <a:tailEnd type="none" w="med" len="med"/>
-                    </a:lnT>
-                    <a:lnB w="12700" cap="flat" cmpd="sng" algn="ctr">
-                      <a:solidFill>
-                        <a:scrgbClr r="0" g="0" b="0"/>
-                      </a:solidFill>
-                      <a:prstDash val="solid"/>
-                      <a:round/>
-                      <a:headEnd type="none" w="med" len="med"/>
-                      <a:tailEnd type="none" w="med" len="med"/>
-                    </a:lnB>
-                    <a:solidFill>
-                      <a:schemeClr val="bg1"/>
-                    </a:solidFill>
-                  </a:tcPr>
-                </a:tc>
-              </a:tr>
-              <a:tr h="401205">
-                <a:tc>
-                  <a:txBody>
-                    <a:bodyPr/>
-                    <a:lstStyle/>
-                    <a:p>
-                      <a:pPr marL="0" marR="0" indent="0" algn="l" defTabSz="457200" rtl="0" eaLnBrk="1" fontAlgn="auto" latinLnBrk="0" hangingPunct="1">
-                        <a:lnSpc>
-                          <a:spcPct val="100000"/>
-                        </a:lnSpc>
-                        <a:spcBef>
-                          <a:spcPts val="0"/>
-                        </a:spcBef>
-                        <a:spcAft>
-                          <a:spcPts val="0"/>
-                        </a:spcAft>
-                        <a:buClrTx/>
-                        <a:buSzTx/>
-                        <a:buFontTx/>
-                        <a:buNone/>
-                        <a:tabLst/>
-                        <a:defRPr/>
-                      </a:pPr>
-                      <a:r>
-                        <a:rPr lang="en-US" sz="1600" b="0">
-                          <a:cs typeface="Times New Roman" charset="0"/>
-                        </a:rPr>
-                        <a:t>MID collisions likely in large networks.</a:t>
-                      </a:r>
-                    </a:p>
-                  </a:txBody>
-                  <a:tcPr>
-                    <a:lnL w="12700" cap="flat" cmpd="sng" algn="ctr">
-                      <a:solidFill>
-                        <a:scrgbClr r="0" g="0" b="0"/>
-                      </a:solidFill>
-                      <a:prstDash val="solid"/>
-                      <a:round/>
-                      <a:headEnd type="none" w="med" len="med"/>
-                      <a:tailEnd type="none" w="med" len="med"/>
-                    </a:lnL>
-                    <a:lnR w="12700" cap="flat" cmpd="sng" algn="ctr">
-                      <a:solidFill>
-                        <a:scrgbClr r="0" g="0" b="0"/>
-                      </a:solidFill>
-                      <a:prstDash val="solid"/>
-                      <a:round/>
-                      <a:headEnd type="none" w="med" len="med"/>
-                      <a:tailEnd type="none" w="med" len="med"/>
-                    </a:lnR>
-                    <a:lnT w="12700" cap="flat" cmpd="sng" algn="ctr">
-                      <a:solidFill>
-                        <a:scrgbClr r="0" g="0" b="0"/>
-                      </a:solidFill>
-                      <a:prstDash val="solid"/>
-                      <a:round/>
-                      <a:headEnd type="none" w="med" len="med"/>
-                      <a:tailEnd type="none" w="med" len="med"/>
-                    </a:lnT>
-                    <a:lnB w="12700" cap="flat" cmpd="sng" algn="ctr">
-                      <a:solidFill>
-                        <a:scrgbClr r="0" g="0" b="0"/>
-                      </a:solidFill>
-                      <a:prstDash val="solid"/>
-                      <a:round/>
-                      <a:headEnd type="none" w="med" len="med"/>
-                      <a:tailEnd type="none" w="med" len="med"/>
-                    </a:lnB>
-                    <a:solidFill>
-                      <a:schemeClr val="bg1"/>
-                    </a:solidFill>
-                  </a:tcPr>
-                </a:tc>
-                <a:tc>
-                  <a:txBody>
-                    <a:bodyPr/>
-                    <a:lstStyle/>
-                    <a:p>
-                      <a:r>
-                        <a:rPr lang="en-US" sz="1600" b="0"/>
-                        <a:t>Utilize remapping/filtering.</a:t>
-                      </a:r>
                     </a:p>
                   </a:txBody>
                   <a:tcPr>
@@ -33550,163 +33586,25 @@
                         <a:defRPr/>
                       </a:pPr>
                       <a:r>
-                        <a:rPr lang="en-US" sz="1600" b="0">
+                        <a:rPr lang="en-US" sz="1600" b="0" dirty="0" err="1">
                           <a:cs typeface="Times New Roman" charset="0"/>
                         </a:rPr>
-                        <a:t>SBN</a:t>
+                        <a:t>cFS</a:t>
                       </a:r>
                       <a:r>
-                        <a:rPr lang="en-US" sz="1600" b="0" baseline="0">
+                        <a:rPr lang="en-US" sz="1600" b="0" dirty="0">
                           <a:cs typeface="Times New Roman" charset="0"/>
                         </a:rPr>
-                        <a:t> “star network” only, </a:t>
+                        <a:t> SB limits the total number of MIDs to 256</a:t>
                       </a:r>
                       <a:r>
-                        <a:rPr lang="en-US" sz="1600" b="0">
-                          <a:cs typeface="Times New Roman" charset="0"/>
-                        </a:rPr>
-                        <a:t>lacks any forwarding/routing capability.</a:t>
-                      </a:r>
-                    </a:p>
-                  </a:txBody>
-                  <a:tcPr>
-                    <a:lnL w="12700" cap="flat" cmpd="sng" algn="ctr">
-                      <a:solidFill>
-                        <a:scrgbClr r="0" g="0" b="0"/>
-                      </a:solidFill>
-                      <a:prstDash val="solid"/>
-                      <a:round/>
-                      <a:headEnd type="none" w="med" len="med"/>
-                      <a:tailEnd type="none" w="med" len="med"/>
-                    </a:lnL>
-                    <a:lnR w="12700" cap="flat" cmpd="sng" algn="ctr">
-                      <a:solidFill>
-                        <a:scrgbClr r="0" g="0" b="0"/>
-                      </a:solidFill>
-                      <a:prstDash val="solid"/>
-                      <a:round/>
-                      <a:headEnd type="none" w="med" len="med"/>
-                      <a:tailEnd type="none" w="med" len="med"/>
-                    </a:lnR>
-                    <a:lnT w="12700" cap="flat" cmpd="sng" algn="ctr">
-                      <a:solidFill>
-                        <a:scrgbClr r="0" g="0" b="0"/>
-                      </a:solidFill>
-                      <a:prstDash val="solid"/>
-                      <a:round/>
-                      <a:headEnd type="none" w="med" len="med"/>
-                      <a:tailEnd type="none" w="med" len="med"/>
-                    </a:lnT>
-                    <a:lnB w="12700" cap="flat" cmpd="sng" algn="ctr">
-                      <a:solidFill>
-                        <a:scrgbClr r="0" g="0" b="0"/>
-                      </a:solidFill>
-                      <a:prstDash val="solid"/>
-                      <a:round/>
-                      <a:headEnd type="none" w="med" len="med"/>
-                      <a:tailEnd type="none" w="med" len="med"/>
-                    </a:lnB>
-                    <a:solidFill>
-                      <a:schemeClr val="bg1"/>
-                    </a:solidFill>
-                  </a:tcPr>
-                </a:tc>
-                <a:tc>
-                  <a:txBody>
-                    <a:bodyPr/>
-                    <a:lstStyle/>
-                    <a:p>
-                      <a:r>
-                        <a:rPr lang="en-US" sz="1600" b="0"/>
-                        <a:t>Develop forwarding/routing architecture,</a:t>
-                      </a:r>
-                      <a:r>
-                        <a:rPr lang="en-US" sz="1600" b="0" baseline="0"/>
-                        <a:t> or develop/integrate separate app (CI/TO?)</a:t>
-                      </a:r>
-                      <a:endParaRPr lang="en-US" sz="1600" b="0"/>
-                    </a:p>
-                  </a:txBody>
-                  <a:tcPr>
-                    <a:lnL w="12700" cap="flat" cmpd="sng" algn="ctr">
-                      <a:solidFill>
-                        <a:scrgbClr r="0" g="0" b="0"/>
-                      </a:solidFill>
-                      <a:prstDash val="solid"/>
-                      <a:round/>
-                      <a:headEnd type="none" w="med" len="med"/>
-                      <a:tailEnd type="none" w="med" len="med"/>
-                    </a:lnL>
-                    <a:lnR w="12700" cap="flat" cmpd="sng" algn="ctr">
-                      <a:solidFill>
-                        <a:scrgbClr r="0" g="0" b="0"/>
-                      </a:solidFill>
-                      <a:prstDash val="solid"/>
-                      <a:round/>
-                      <a:headEnd type="none" w="med" len="med"/>
-                      <a:tailEnd type="none" w="med" len="med"/>
-                    </a:lnR>
-                    <a:lnT w="12700" cap="flat" cmpd="sng" algn="ctr">
-                      <a:solidFill>
-                        <a:scrgbClr r="0" g="0" b="0"/>
-                      </a:solidFill>
-                      <a:prstDash val="solid"/>
-                      <a:round/>
-                      <a:headEnd type="none" w="med" len="med"/>
-                      <a:tailEnd type="none" w="med" len="med"/>
-                    </a:lnT>
-                    <a:lnB w="12700" cap="flat" cmpd="sng" algn="ctr">
-                      <a:solidFill>
-                        <a:scrgbClr r="0" g="0" b="0"/>
-                      </a:solidFill>
-                      <a:prstDash val="solid"/>
-                      <a:round/>
-                      <a:headEnd type="none" w="med" len="med"/>
-                      <a:tailEnd type="none" w="med" len="med"/>
-                    </a:lnB>
-                    <a:solidFill>
-                      <a:schemeClr val="bg1"/>
-                    </a:solidFill>
-                  </a:tcPr>
-                </a:tc>
-              </a:tr>
-              <a:tr h="682047">
-                <a:tc>
-                  <a:txBody>
-                    <a:bodyPr/>
-                    <a:lstStyle/>
-                    <a:p>
-                      <a:pPr marL="0" marR="0" indent="0" algn="l" defTabSz="457200" rtl="0" eaLnBrk="1" fontAlgn="auto" latinLnBrk="0" hangingPunct="1">
-                        <a:lnSpc>
-                          <a:spcPct val="100000"/>
-                        </a:lnSpc>
-                        <a:spcBef>
-                          <a:spcPts val="0"/>
-                        </a:spcBef>
-                        <a:spcAft>
-                          <a:spcPts val="0"/>
-                        </a:spcAft>
-                        <a:buClrTx/>
-                        <a:buSzTx/>
-                        <a:buFontTx/>
-                        <a:buNone/>
-                        <a:tabLst/>
-                        <a:defRPr/>
-                      </a:pPr>
-                      <a:r>
-                        <a:rPr lang="en-US" sz="1600" b="0">
-                          <a:cs typeface="Times New Roman" charset="0"/>
-                        </a:rPr>
-                        <a:t>cFS SB limits the total number of MIDs to 256</a:t>
-                      </a:r>
-                      <a:r>
-                        <a:rPr lang="en-US" sz="1600" b="0" baseline="0">
+                        <a:rPr lang="en-US" sz="1600" b="0" baseline="0" dirty="0">
                           <a:cs typeface="Times New Roman" charset="0"/>
                         </a:rPr>
                         <a:t>. </a:t>
                       </a:r>
                       <a:r>
-                        <a:rPr lang="en-US" sz="1600" b="0">
+                        <a:rPr lang="en-US" sz="1600" b="0" dirty="0">
                           <a:cs typeface="Times New Roman" charset="0"/>
                         </a:rPr>
                         <a:t>Large SBN networks will need significantly more.</a:t>
@@ -33905,146 +33803,14 @@
                     <a:lstStyle/>
                     <a:p>
                       <a:r>
-                        <a:rPr lang="en-US" sz="1600" b="0"/>
+                        <a:rPr lang="en-US" sz="1600" b="0" dirty="0"/>
                         <a:t>Increase</a:t>
                       </a:r>
                       <a:r>
-                        <a:rPr lang="en-US" sz="1600" b="0" baseline="0"/>
+                        <a:rPr lang="en-US" sz="1600" b="0" baseline="0" dirty="0"/>
                         <a:t> limits, develop filtering to limit subs for peers, “subscribe all” to receive all SB messages (need deep pipe.)</a:t>
                       </a:r>
-                      <a:endParaRPr lang="en-US" sz="1600" b="0"/>
-                    </a:p>
-                  </a:txBody>
-                  <a:tcPr>
-                    <a:lnL w="12700" cap="flat" cmpd="sng" algn="ctr">
-                      <a:solidFill>
-                        <a:scrgbClr r="0" g="0" b="0"/>
-                      </a:solidFill>
-                      <a:prstDash val="solid"/>
-                      <a:round/>
-                      <a:headEnd type="none" w="med" len="med"/>
-                      <a:tailEnd type="none" w="med" len="med"/>
-                    </a:lnL>
-                    <a:lnR w="12700" cap="flat" cmpd="sng" algn="ctr">
-                      <a:solidFill>
-                        <a:scrgbClr r="0" g="0" b="0"/>
-                      </a:solidFill>
-                      <a:prstDash val="solid"/>
-                      <a:round/>
-                      <a:headEnd type="none" w="med" len="med"/>
-                      <a:tailEnd type="none" w="med" len="med"/>
-                    </a:lnR>
-                    <a:lnT w="12700" cap="flat" cmpd="sng" algn="ctr">
-                      <a:solidFill>
-                        <a:scrgbClr r="0" g="0" b="0"/>
-                      </a:solidFill>
-                      <a:prstDash val="solid"/>
-                      <a:round/>
-                      <a:headEnd type="none" w="med" len="med"/>
-                      <a:tailEnd type="none" w="med" len="med"/>
-                    </a:lnT>
-                    <a:lnB w="12700" cap="flat" cmpd="sng" algn="ctr">
-                      <a:solidFill>
-                        <a:scrgbClr r="0" g="0" b="0"/>
-                      </a:solidFill>
-                      <a:prstDash val="solid"/>
-                      <a:round/>
-                      <a:headEnd type="none" w="med" len="med"/>
-                      <a:tailEnd type="none" w="med" len="med"/>
-                    </a:lnB>
-                    <a:solidFill>
-                      <a:schemeClr val="bg1"/>
-                    </a:solidFill>
-                  </a:tcPr>
-                </a:tc>
-              </a:tr>
-              <a:tr h="0">
-                <a:tc>
-                  <a:txBody>
-                    <a:bodyPr/>
-                    <a:lstStyle/>
-                    <a:p>
-                      <a:pPr marL="0" marR="0" indent="0" algn="l" defTabSz="457200" rtl="0" eaLnBrk="1" fontAlgn="auto" latinLnBrk="0" hangingPunct="1">
-                        <a:lnSpc>
-                          <a:spcPct val="100000"/>
-                        </a:lnSpc>
-                        <a:spcBef>
-                          <a:spcPts val="0"/>
-                        </a:spcBef>
-                        <a:spcAft>
-                          <a:spcPts val="0"/>
-                        </a:spcAft>
-                        <a:buClrTx/>
-                        <a:buSzTx/>
-                        <a:buFontTx/>
-                        <a:buNone/>
-                        <a:tabLst/>
-                        <a:defRPr/>
-                      </a:pPr>
-                      <a:r>
-                        <a:rPr lang="en-US" sz="1600" b="0">
-                          <a:cs typeface="Times New Roman" charset="0"/>
-                        </a:rPr>
-                        <a:t>SBN configuration is error-prone.</a:t>
-                      </a:r>
-                    </a:p>
-                  </a:txBody>
-                  <a:tcPr>
-                    <a:lnL w="12700" cap="flat" cmpd="sng" algn="ctr">
-                      <a:solidFill>
-                        <a:scrgbClr r="0" g="0" b="0"/>
-                      </a:solidFill>
-                      <a:prstDash val="solid"/>
-                      <a:round/>
-                      <a:headEnd type="none" w="med" len="med"/>
-                      <a:tailEnd type="none" w="med" len="med"/>
-                    </a:lnL>
-                    <a:lnR w="12700" cap="flat" cmpd="sng" algn="ctr">
-                      <a:solidFill>
-                        <a:scrgbClr r="0" g="0" b="0"/>
-                      </a:solidFill>
-                      <a:prstDash val="solid"/>
-                      <a:round/>
-                      <a:headEnd type="none" w="med" len="med"/>
-                      <a:tailEnd type="none" w="med" len="med"/>
-                    </a:lnR>
-                    <a:lnT w="12700" cap="flat" cmpd="sng" algn="ctr">
-                      <a:solidFill>
-                        <a:scrgbClr r="0" g="0" b="0"/>
-                      </a:solidFill>
-                      <a:prstDash val="solid"/>
-                      <a:round/>
-                      <a:headEnd type="none" w="med" len="med"/>
-                      <a:tailEnd type="none" w="med" len="med"/>
-                    </a:lnT>
-                    <a:lnB w="12700" cap="flat" cmpd="sng" algn="ctr">
-                      <a:solidFill>
-                        <a:scrgbClr r="0" g="0" b="0"/>
-                      </a:solidFill>
-                      <a:prstDash val="solid"/>
-                      <a:round/>
-                      <a:headEnd type="none" w="med" len="med"/>
-                      <a:tailEnd type="none" w="med" len="med"/>
-                    </a:lnB>
-                    <a:solidFill>
-                      <a:schemeClr val="bg1"/>
-                    </a:solidFill>
-                  </a:tcPr>
-                </a:tc>
-                <a:tc>
-                  <a:txBody>
-                    <a:bodyPr/>
-                    <a:lstStyle/>
-                    <a:p>
-                      <a:r>
-                        <a:rPr lang="en-US" sz="1600" b="0"/>
-                        <a:t>Redesign,</a:t>
-                      </a:r>
-                      <a:r>
-                        <a:rPr lang="en-US" sz="1600" b="0" baseline="0"/>
-                        <a:t> use OSAL configloader.</a:t>
-                      </a:r>
-                      <a:endParaRPr lang="en-US" sz="1600" b="0"/>
+                      <a:endParaRPr lang="en-US" sz="1600" b="0" dirty="0"/>
                     </a:p>
                   </a:txBody>
                   <a:tcPr>
@@ -34210,14 +33976,14 @@
           </a:ln>
           <a:extLst>
             <a:ext uri="{909E8E84-426E-40dd-AFC4-6F175D3DCCD1}">
-              <a14:hiddenFill xmlns:a14="http://schemas.microsoft.com/office/drawing/2010/main">
+              <a14:hiddenFill xmlns:a14="http://schemas.microsoft.com/office/drawing/2010/main" xmlns="">
                 <a:solidFill>
                   <a:srgbClr val="FFFFFF"/>
                 </a:solidFill>
               </a14:hiddenFill>
             </a:ext>
             <a:ext uri="{91240B29-F687-4f45-9708-019B960494DF}">
-              <a14:hiddenLine xmlns:a14="http://schemas.microsoft.com/office/drawing/2010/main" w="9525">
+              <a14:hiddenLine xmlns:a14="http://schemas.microsoft.com/office/drawing/2010/main" xmlns="" w="9525">
                 <a:solidFill>
                   <a:srgbClr val="000000"/>
                 </a:solidFill>
@@ -34410,7 +34176,7 @@
           </a:ln>
           <a:extLst>
             <a:ext uri="{909E8E84-426E-40dd-AFC4-6F175D3DCCD1}">
-              <a14:hiddenFill xmlns:a14="http://schemas.microsoft.com/office/drawing/2010/main">
+              <a14:hiddenFill xmlns:a14="http://schemas.microsoft.com/office/drawing/2010/main" xmlns="">
                 <a:noFill/>
               </a14:hiddenFill>
             </a:ext>
@@ -34641,7 +34407,7 @@
               <a:defRPr/>
             </a:pPr>
             <a:fld id="{E4B56D29-4AFD-2543-B780-B0364A4E64D6}" type="datetime1">
-              <a:t>9/30/16</a:t>
+              <a:t>11/16/16</a:t>
             </a:fld>
             <a:endParaRPr lang="en-US"/>
           </a:p>
@@ -34687,14 +34453,14 @@
           <a:ln/>
           <a:extLst>
             <a:ext uri="{909E8E84-426E-40dd-AFC4-6F175D3DCCD1}">
-              <a14:hiddenFill xmlns:a14="http://schemas.microsoft.com/office/drawing/2010/main">
+              <a14:hiddenFill xmlns:a14="http://schemas.microsoft.com/office/drawing/2010/main" xmlns="">
                 <a:solidFill>
                   <a:srgbClr val="FFFFFF"/>
                 </a:solidFill>
               </a14:hiddenFill>
             </a:ext>
             <a:ext uri="{91240B29-F687-4f45-9708-019B960494DF}">
-              <a14:hiddenLine xmlns:a14="http://schemas.microsoft.com/office/drawing/2010/main" w="9525">
+              <a14:hiddenLine xmlns:a14="http://schemas.microsoft.com/office/drawing/2010/main" xmlns="" w="9525">
                 <a:solidFill>
                   <a:srgbClr val="000000"/>
                 </a:solidFill>
@@ -36036,7 +35802,7 @@
   <p:timing>
     <p:tnLst>
       <p:par>
-        <p:cTn xmlns:p14="http://schemas.microsoft.com/office/powerpoint/2010/main" id="1" dur="indefinite" restart="never" nodeType="tmRoot"/>
+        <p:cTn id="1" dur="indefinite" restart="never" nodeType="tmRoot"/>
       </p:par>
     </p:tnLst>
   </p:timing>
@@ -36199,14 +35965,14 @@
           <a:ln/>
           <a:extLst>
             <a:ext uri="{909E8E84-426E-40dd-AFC4-6F175D3DCCD1}">
-              <a14:hiddenFill xmlns:a14="http://schemas.microsoft.com/office/drawing/2010/main">
+              <a14:hiddenFill xmlns:a14="http://schemas.microsoft.com/office/drawing/2010/main" xmlns="">
                 <a:solidFill>
                   <a:srgbClr val="FFFFFF"/>
                 </a:solidFill>
               </a14:hiddenFill>
             </a:ext>
             <a:ext uri="{91240B29-F687-4f45-9708-019B960494DF}">
-              <a14:hiddenLine xmlns:a14="http://schemas.microsoft.com/office/drawing/2010/main" w="9525">
+              <a14:hiddenLine xmlns:a14="http://schemas.microsoft.com/office/drawing/2010/main" xmlns="" w="9525">
                 <a:solidFill>
                   <a:srgbClr val="000000"/>
                 </a:solidFill>
@@ -36365,7 +36131,7 @@
               <a:defRPr/>
             </a:pPr>
             <a:fld id="{B58AE35B-4B8A-B14C-A608-7A3AEEBA245B}" type="datetime1">
-              <a:t>9/30/16</a:t>
+              <a:t>11/16/16</a:t>
             </a:fld>
             <a:endParaRPr lang="en-US"/>
           </a:p>
@@ -38496,14 +38262,14 @@
           <a:ln/>
           <a:extLst>
             <a:ext uri="{909E8E84-426E-40dd-AFC4-6F175D3DCCD1}">
-              <a14:hiddenFill xmlns:a14="http://schemas.microsoft.com/office/drawing/2010/main">
+              <a14:hiddenFill xmlns:a14="http://schemas.microsoft.com/office/drawing/2010/main" xmlns="">
                 <a:solidFill>
                   <a:srgbClr val="FFFFFF"/>
                 </a:solidFill>
               </a14:hiddenFill>
             </a:ext>
             <a:ext uri="{91240B29-F687-4f45-9708-019B960494DF}">
-              <a14:hiddenLine xmlns:a14="http://schemas.microsoft.com/office/drawing/2010/main" w="9525">
+              <a14:hiddenLine xmlns:a14="http://schemas.microsoft.com/office/drawing/2010/main" xmlns="" w="9525">
                 <a:solidFill>
                   <a:srgbClr val="000000"/>
                 </a:solidFill>
@@ -38662,7 +38428,7 @@
               <a:defRPr/>
             </a:pPr>
             <a:fld id="{B58AE35B-4B8A-B14C-A608-7A3AEEBA245B}" type="datetime1">
-              <a:t>9/30/16</a:t>
+              <a:t>11/16/16</a:t>
             </a:fld>
             <a:endParaRPr lang="en-US"/>
           </a:p>
@@ -40577,14 +40343,14 @@
           <a:effectLst/>
           <a:extLst>
             <a:ext uri="{909E8E84-426E-40dd-AFC4-6F175D3DCCD1}">
-              <a14:hiddenFill xmlns:a14="http://schemas.microsoft.com/office/drawing/2010/main">
+              <a14:hiddenFill xmlns:a14="http://schemas.microsoft.com/office/drawing/2010/main" xmlns="">
                 <a:solidFill>
                   <a:srgbClr val="FFFFFF"/>
                 </a:solidFill>
               </a14:hiddenFill>
             </a:ext>
             <a:ext uri="{91240B29-F687-4f45-9708-019B960494DF}">
-              <a14:hiddenLine xmlns:a14="http://schemas.microsoft.com/office/drawing/2010/main" w="9525">
+              <a14:hiddenLine xmlns:a14="http://schemas.microsoft.com/office/drawing/2010/main" xmlns="" w="9525">
                 <a:solidFill>
                   <a:srgbClr val="000000"/>
                 </a:solidFill>
@@ -40745,7 +40511,7 @@
               <a:defRPr/>
             </a:pPr>
             <a:fld id="{B58AE35B-4B8A-B14C-A608-7A3AEEBA245B}" type="datetime1">
-              <a:t>9/30/16</a:t>
+              <a:t>11/16/16</a:t>
             </a:fld>
             <a:endParaRPr lang="en-US"/>
           </a:p>
@@ -41916,14 +41682,14 @@
           <a:ln/>
           <a:extLst>
             <a:ext uri="{909E8E84-426E-40dd-AFC4-6F175D3DCCD1}">
-              <a14:hiddenFill xmlns:a14="http://schemas.microsoft.com/office/drawing/2010/main">
+              <a14:hiddenFill xmlns:a14="http://schemas.microsoft.com/office/drawing/2010/main" xmlns="">
                 <a:solidFill>
                   <a:srgbClr val="FFFFFF"/>
                 </a:solidFill>
               </a14:hiddenFill>
             </a:ext>
             <a:ext uri="{91240B29-F687-4f45-9708-019B960494DF}">
-              <a14:hiddenLine xmlns:a14="http://schemas.microsoft.com/office/drawing/2010/main" w="9525">
+              <a14:hiddenLine xmlns:a14="http://schemas.microsoft.com/office/drawing/2010/main" xmlns="" w="9525">
                 <a:solidFill>
                   <a:srgbClr val="000000"/>
                 </a:solidFill>
@@ -42105,7 +41871,7 @@
         </p:nvGraphicFramePr>
         <p:xfrm>
           <a:off x="287869" y="1187450"/>
-          <a:ext cx="8449732" cy="1889479"/>
+          <a:ext cx="8449732" cy="1889480"/>
         </p:xfrm>
         <a:graphic>
           <a:graphicData uri="http://schemas.openxmlformats.org/drawingml/2006/table">
@@ -43439,7 +43205,7 @@
               <a:pPr>
                 <a:defRPr/>
               </a:pPr>
-              <a:t>9/30/16</a:t>
+              <a:t>11/16/16</a:t>
             </a:fld>
             <a:endParaRPr lang="en-US"/>
           </a:p>

--- a/docs/SBN_Design.pptx
+++ b/docs/SBN_Design.pptx
@@ -589,7 +589,7 @@
               <ma14:placeholderFlag xmlns:ma14="http://schemas.microsoft.com/office/mac/drawingml/2011/main" val="1"/>
             </a:ext>
             <a:ext uri="{909E8E84-426E-40dd-AFC4-6F175D3DCCD1}">
-              <a14:hiddenFill xmlns:a14="http://schemas.microsoft.com/office/drawing/2010/main" xmlns="">
+              <a14:hiddenFill xmlns="" xmlns:a14="http://schemas.microsoft.com/office/drawing/2010/main">
                 <a:solidFill>
                   <a:srgbClr val="FFFFFF"/>
                 </a:solidFill>
@@ -941,14 +941,14 @@
           <a:ln/>
           <a:extLst>
             <a:ext uri="{909E8E84-426E-40dd-AFC4-6F175D3DCCD1}">
-              <a14:hiddenFill xmlns:a14="http://schemas.microsoft.com/office/drawing/2010/main" xmlns="">
+              <a14:hiddenFill xmlns="" xmlns:a14="http://schemas.microsoft.com/office/drawing/2010/main">
                 <a:solidFill>
                   <a:srgbClr val="FFFFFF"/>
                 </a:solidFill>
               </a14:hiddenFill>
             </a:ext>
             <a:ext uri="{91240B29-F687-4f45-9708-019B960494DF}">
-              <a14:hiddenLine xmlns:a14="http://schemas.microsoft.com/office/drawing/2010/main" xmlns="" w="9525">
+              <a14:hiddenLine xmlns="" xmlns:a14="http://schemas.microsoft.com/office/drawing/2010/main" w="9525">
                 <a:solidFill>
                   <a:srgbClr val="000000"/>
                 </a:solidFill>
@@ -1118,14 +1118,14 @@
               <ma14:placeholderFlag xmlns:ma14="http://schemas.microsoft.com/office/mac/drawingml/2011/main" val="1"/>
             </a:ext>
             <a:ext uri="{909E8E84-426E-40dd-AFC4-6F175D3DCCD1}">
-              <a14:hiddenFill xmlns:a14="http://schemas.microsoft.com/office/drawing/2010/main" xmlns="">
+              <a14:hiddenFill xmlns="" xmlns:a14="http://schemas.microsoft.com/office/drawing/2010/main">
                 <a:solidFill>
                   <a:srgbClr val="FFFFFF"/>
                 </a:solidFill>
               </a14:hiddenFill>
             </a:ext>
             <a:ext uri="{91240B29-F687-4f45-9708-019B960494DF}">
-              <a14:hiddenLine xmlns:a14="http://schemas.microsoft.com/office/drawing/2010/main" xmlns="" w="9525">
+              <a14:hiddenLine xmlns="" xmlns:a14="http://schemas.microsoft.com/office/drawing/2010/main" w="9525">
                 <a:solidFill>
                   <a:srgbClr val="000000"/>
                 </a:solidFill>
@@ -1195,14 +1195,14 @@
           </a:ln>
           <a:extLst>
             <a:ext uri="{909E8E84-426E-40dd-AFC4-6F175D3DCCD1}">
-              <a14:hiddenFill xmlns:a14="http://schemas.microsoft.com/office/drawing/2010/main" xmlns="">
+              <a14:hiddenFill xmlns="" xmlns:a14="http://schemas.microsoft.com/office/drawing/2010/main">
                 <a:solidFill>
                   <a:srgbClr val="FFFFFF"/>
                 </a:solidFill>
               </a14:hiddenFill>
             </a:ext>
             <a:ext uri="{91240B29-F687-4f45-9708-019B960494DF}">
-              <a14:hiddenLine xmlns:a14="http://schemas.microsoft.com/office/drawing/2010/main" xmlns="" w="9525">
+              <a14:hiddenLine xmlns="" xmlns:a14="http://schemas.microsoft.com/office/drawing/2010/main" w="9525">
                 <a:solidFill>
                   <a:srgbClr val="000000"/>
                 </a:solidFill>
@@ -1372,14 +1372,14 @@
               <ma14:placeholderFlag xmlns:ma14="http://schemas.microsoft.com/office/mac/drawingml/2011/main" val="1"/>
             </a:ext>
             <a:ext uri="{909E8E84-426E-40dd-AFC4-6F175D3DCCD1}">
-              <a14:hiddenFill xmlns:a14="http://schemas.microsoft.com/office/drawing/2010/main" xmlns="">
+              <a14:hiddenFill xmlns="" xmlns:a14="http://schemas.microsoft.com/office/drawing/2010/main">
                 <a:solidFill>
                   <a:srgbClr val="FFFFFF"/>
                 </a:solidFill>
               </a14:hiddenFill>
             </a:ext>
             <a:ext uri="{91240B29-F687-4f45-9708-019B960494DF}">
-              <a14:hiddenLine xmlns:a14="http://schemas.microsoft.com/office/drawing/2010/main" xmlns="" w="9525">
+              <a14:hiddenLine xmlns="" xmlns:a14="http://schemas.microsoft.com/office/drawing/2010/main" w="9525">
                 <a:solidFill>
                   <a:srgbClr val="000000"/>
                 </a:solidFill>
@@ -1449,14 +1449,14 @@
           </a:ln>
           <a:extLst>
             <a:ext uri="{909E8E84-426E-40dd-AFC4-6F175D3DCCD1}">
-              <a14:hiddenFill xmlns:a14="http://schemas.microsoft.com/office/drawing/2010/main" xmlns="">
+              <a14:hiddenFill xmlns="" xmlns:a14="http://schemas.microsoft.com/office/drawing/2010/main">
                 <a:solidFill>
                   <a:srgbClr val="FFFFFF"/>
                 </a:solidFill>
               </a14:hiddenFill>
             </a:ext>
             <a:ext uri="{91240B29-F687-4f45-9708-019B960494DF}">
-              <a14:hiddenLine xmlns:a14="http://schemas.microsoft.com/office/drawing/2010/main" xmlns="" w="9525">
+              <a14:hiddenLine xmlns="" xmlns:a14="http://schemas.microsoft.com/office/drawing/2010/main" w="9525">
                 <a:solidFill>
                   <a:srgbClr val="000000"/>
                 </a:solidFill>
@@ -1626,14 +1626,14 @@
               <ma14:placeholderFlag xmlns:ma14="http://schemas.microsoft.com/office/mac/drawingml/2011/main" val="1"/>
             </a:ext>
             <a:ext uri="{909E8E84-426E-40dd-AFC4-6F175D3DCCD1}">
-              <a14:hiddenFill xmlns:a14="http://schemas.microsoft.com/office/drawing/2010/main" xmlns="">
+              <a14:hiddenFill xmlns="" xmlns:a14="http://schemas.microsoft.com/office/drawing/2010/main">
                 <a:solidFill>
                   <a:srgbClr val="FFFFFF"/>
                 </a:solidFill>
               </a14:hiddenFill>
             </a:ext>
             <a:ext uri="{91240B29-F687-4f45-9708-019B960494DF}">
-              <a14:hiddenLine xmlns:a14="http://schemas.microsoft.com/office/drawing/2010/main" xmlns="" w="9525">
+              <a14:hiddenLine xmlns="" xmlns:a14="http://schemas.microsoft.com/office/drawing/2010/main" w="9525">
                 <a:solidFill>
                   <a:srgbClr val="000000"/>
                 </a:solidFill>
@@ -1703,14 +1703,14 @@
           </a:ln>
           <a:extLst>
             <a:ext uri="{909E8E84-426E-40dd-AFC4-6F175D3DCCD1}">
-              <a14:hiddenFill xmlns:a14="http://schemas.microsoft.com/office/drawing/2010/main" xmlns="">
+              <a14:hiddenFill xmlns="" xmlns:a14="http://schemas.microsoft.com/office/drawing/2010/main">
                 <a:solidFill>
                   <a:srgbClr val="FFFFFF"/>
                 </a:solidFill>
               </a14:hiddenFill>
             </a:ext>
             <a:ext uri="{91240B29-F687-4f45-9708-019B960494DF}">
-              <a14:hiddenLine xmlns:a14="http://schemas.microsoft.com/office/drawing/2010/main" xmlns="" w="9525">
+              <a14:hiddenLine xmlns="" xmlns:a14="http://schemas.microsoft.com/office/drawing/2010/main" w="9525">
                 <a:solidFill>
                   <a:srgbClr val="000000"/>
                 </a:solidFill>
@@ -1880,14 +1880,14 @@
               <ma14:placeholderFlag xmlns:ma14="http://schemas.microsoft.com/office/mac/drawingml/2011/main" val="1"/>
             </a:ext>
             <a:ext uri="{909E8E84-426E-40dd-AFC4-6F175D3DCCD1}">
-              <a14:hiddenFill xmlns:a14="http://schemas.microsoft.com/office/drawing/2010/main" xmlns="">
+              <a14:hiddenFill xmlns="" xmlns:a14="http://schemas.microsoft.com/office/drawing/2010/main">
                 <a:solidFill>
                   <a:srgbClr val="FFFFFF"/>
                 </a:solidFill>
               </a14:hiddenFill>
             </a:ext>
             <a:ext uri="{91240B29-F687-4f45-9708-019B960494DF}">
-              <a14:hiddenLine xmlns:a14="http://schemas.microsoft.com/office/drawing/2010/main" xmlns="" w="9525">
+              <a14:hiddenLine xmlns="" xmlns:a14="http://schemas.microsoft.com/office/drawing/2010/main" w="9525">
                 <a:solidFill>
                   <a:srgbClr val="000000"/>
                 </a:solidFill>
@@ -1950,14 +1950,14 @@
           <a:ln/>
           <a:extLst>
             <a:ext uri="{909E8E84-426E-40dd-AFC4-6F175D3DCCD1}">
-              <a14:hiddenFill xmlns:a14="http://schemas.microsoft.com/office/drawing/2010/main" xmlns="">
+              <a14:hiddenFill xmlns="" xmlns:a14="http://schemas.microsoft.com/office/drawing/2010/main">
                 <a:solidFill>
                   <a:srgbClr val="FFFFFF"/>
                 </a:solidFill>
               </a14:hiddenFill>
             </a:ext>
             <a:ext uri="{91240B29-F687-4f45-9708-019B960494DF}">
-              <a14:hiddenLine xmlns:a14="http://schemas.microsoft.com/office/drawing/2010/main" xmlns="" w="9525">
+              <a14:hiddenLine xmlns="" xmlns:a14="http://schemas.microsoft.com/office/drawing/2010/main" w="9525">
                 <a:solidFill>
                   <a:srgbClr val="000000"/>
                 </a:solidFill>
@@ -2127,14 +2127,14 @@
               <ma14:placeholderFlag xmlns:ma14="http://schemas.microsoft.com/office/mac/drawingml/2011/main" val="1"/>
             </a:ext>
             <a:ext uri="{909E8E84-426E-40dd-AFC4-6F175D3DCCD1}">
-              <a14:hiddenFill xmlns:a14="http://schemas.microsoft.com/office/drawing/2010/main" xmlns="">
+              <a14:hiddenFill xmlns="" xmlns:a14="http://schemas.microsoft.com/office/drawing/2010/main">
                 <a:solidFill>
                   <a:srgbClr val="FFFFFF"/>
                 </a:solidFill>
               </a14:hiddenFill>
             </a:ext>
             <a:ext uri="{91240B29-F687-4f45-9708-019B960494DF}">
-              <a14:hiddenLine xmlns:a14="http://schemas.microsoft.com/office/drawing/2010/main" xmlns="" w="9525">
+              <a14:hiddenLine xmlns="" xmlns:a14="http://schemas.microsoft.com/office/drawing/2010/main" w="9525">
                 <a:solidFill>
                   <a:srgbClr val="000000"/>
                 </a:solidFill>
@@ -2197,14 +2197,14 @@
           <a:ln/>
           <a:extLst>
             <a:ext uri="{909E8E84-426E-40dd-AFC4-6F175D3DCCD1}">
-              <a14:hiddenFill xmlns:a14="http://schemas.microsoft.com/office/drawing/2010/main" xmlns="">
+              <a14:hiddenFill xmlns="" xmlns:a14="http://schemas.microsoft.com/office/drawing/2010/main">
                 <a:solidFill>
                   <a:srgbClr val="FFFFFF"/>
                 </a:solidFill>
               </a14:hiddenFill>
             </a:ext>
             <a:ext uri="{91240B29-F687-4f45-9708-019B960494DF}">
-              <a14:hiddenLine xmlns:a14="http://schemas.microsoft.com/office/drawing/2010/main" xmlns="" w="9525">
+              <a14:hiddenLine xmlns="" xmlns:a14="http://schemas.microsoft.com/office/drawing/2010/main" w="9525">
                 <a:solidFill>
                   <a:srgbClr val="000000"/>
                 </a:solidFill>
@@ -2374,14 +2374,14 @@
               <ma14:placeholderFlag xmlns:ma14="http://schemas.microsoft.com/office/mac/drawingml/2011/main" val="1"/>
             </a:ext>
             <a:ext uri="{909E8E84-426E-40dd-AFC4-6F175D3DCCD1}">
-              <a14:hiddenFill xmlns:a14="http://schemas.microsoft.com/office/drawing/2010/main" xmlns="">
+              <a14:hiddenFill xmlns="" xmlns:a14="http://schemas.microsoft.com/office/drawing/2010/main">
                 <a:solidFill>
                   <a:srgbClr val="FFFFFF"/>
                 </a:solidFill>
               </a14:hiddenFill>
             </a:ext>
             <a:ext uri="{91240B29-F687-4f45-9708-019B960494DF}">
-              <a14:hiddenLine xmlns:a14="http://schemas.microsoft.com/office/drawing/2010/main" xmlns="" w="9525">
+              <a14:hiddenLine xmlns="" xmlns:a14="http://schemas.microsoft.com/office/drawing/2010/main" w="9525">
                 <a:solidFill>
                   <a:srgbClr val="000000"/>
                 </a:solidFill>
@@ -2444,14 +2444,14 @@
           <a:ln/>
           <a:extLst>
             <a:ext uri="{909E8E84-426E-40dd-AFC4-6F175D3DCCD1}">
-              <a14:hiddenFill xmlns:a14="http://schemas.microsoft.com/office/drawing/2010/main" xmlns="">
+              <a14:hiddenFill xmlns="" xmlns:a14="http://schemas.microsoft.com/office/drawing/2010/main">
                 <a:solidFill>
                   <a:srgbClr val="FFFFFF"/>
                 </a:solidFill>
               </a14:hiddenFill>
             </a:ext>
             <a:ext uri="{91240B29-F687-4f45-9708-019B960494DF}">
-              <a14:hiddenLine xmlns:a14="http://schemas.microsoft.com/office/drawing/2010/main" xmlns="" w="9525">
+              <a14:hiddenLine xmlns="" xmlns:a14="http://schemas.microsoft.com/office/drawing/2010/main" w="9525">
                 <a:solidFill>
                   <a:srgbClr val="000000"/>
                 </a:solidFill>
@@ -2621,14 +2621,14 @@
               <ma14:placeholderFlag xmlns:ma14="http://schemas.microsoft.com/office/mac/drawingml/2011/main" val="1"/>
             </a:ext>
             <a:ext uri="{909E8E84-426E-40dd-AFC4-6F175D3DCCD1}">
-              <a14:hiddenFill xmlns:a14="http://schemas.microsoft.com/office/drawing/2010/main" xmlns="">
+              <a14:hiddenFill xmlns="" xmlns:a14="http://schemas.microsoft.com/office/drawing/2010/main">
                 <a:solidFill>
                   <a:srgbClr val="FFFFFF"/>
                 </a:solidFill>
               </a14:hiddenFill>
             </a:ext>
             <a:ext uri="{91240B29-F687-4f45-9708-019B960494DF}">
-              <a14:hiddenLine xmlns:a14="http://schemas.microsoft.com/office/drawing/2010/main" xmlns="" w="9525">
+              <a14:hiddenLine xmlns="" xmlns:a14="http://schemas.microsoft.com/office/drawing/2010/main" w="9525">
                 <a:solidFill>
                   <a:srgbClr val="000000"/>
                 </a:solidFill>
@@ -2698,14 +2698,14 @@
           </a:ln>
           <a:extLst>
             <a:ext uri="{909E8E84-426E-40dd-AFC4-6F175D3DCCD1}">
-              <a14:hiddenFill xmlns:a14="http://schemas.microsoft.com/office/drawing/2010/main" xmlns="">
+              <a14:hiddenFill xmlns="" xmlns:a14="http://schemas.microsoft.com/office/drawing/2010/main">
                 <a:solidFill>
                   <a:srgbClr val="FFFFFF"/>
                 </a:solidFill>
               </a14:hiddenFill>
             </a:ext>
             <a:ext uri="{91240B29-F687-4f45-9708-019B960494DF}">
-              <a14:hiddenLine xmlns:a14="http://schemas.microsoft.com/office/drawing/2010/main" xmlns="" w="9525">
+              <a14:hiddenLine xmlns="" xmlns:a14="http://schemas.microsoft.com/office/drawing/2010/main" w="9525">
                 <a:solidFill>
                   <a:srgbClr val="000000"/>
                 </a:solidFill>
@@ -2936,14 +2936,14 @@
           <a:ln/>
           <a:extLst>
             <a:ext uri="{909E8E84-426E-40dd-AFC4-6F175D3DCCD1}">
-              <a14:hiddenFill xmlns:a14="http://schemas.microsoft.com/office/drawing/2010/main" xmlns="">
+              <a14:hiddenFill xmlns="" xmlns:a14="http://schemas.microsoft.com/office/drawing/2010/main">
                 <a:solidFill>
                   <a:srgbClr val="FFFFFF"/>
                 </a:solidFill>
               </a14:hiddenFill>
             </a:ext>
             <a:ext uri="{91240B29-F687-4f45-9708-019B960494DF}">
-              <a14:hiddenLine xmlns:a14="http://schemas.microsoft.com/office/drawing/2010/main" xmlns="" w="9525">
+              <a14:hiddenLine xmlns="" xmlns:a14="http://schemas.microsoft.com/office/drawing/2010/main" w="9525">
                 <a:solidFill>
                   <a:srgbClr val="000000"/>
                 </a:solidFill>
@@ -3113,14 +3113,14 @@
               <ma14:placeholderFlag xmlns:ma14="http://schemas.microsoft.com/office/mac/drawingml/2011/main" val="1"/>
             </a:ext>
             <a:ext uri="{909E8E84-426E-40dd-AFC4-6F175D3DCCD1}">
-              <a14:hiddenFill xmlns:a14="http://schemas.microsoft.com/office/drawing/2010/main" xmlns="">
+              <a14:hiddenFill xmlns="" xmlns:a14="http://schemas.microsoft.com/office/drawing/2010/main">
                 <a:solidFill>
                   <a:srgbClr val="FFFFFF"/>
                 </a:solidFill>
               </a14:hiddenFill>
             </a:ext>
             <a:ext uri="{91240B29-F687-4f45-9708-019B960494DF}">
-              <a14:hiddenLine xmlns:a14="http://schemas.microsoft.com/office/drawing/2010/main" xmlns="" w="9525">
+              <a14:hiddenLine xmlns="" xmlns:a14="http://schemas.microsoft.com/office/drawing/2010/main" w="9525">
                 <a:solidFill>
                   <a:srgbClr val="000000"/>
                 </a:solidFill>
@@ -3183,14 +3183,14 @@
           <a:ln/>
           <a:extLst>
             <a:ext uri="{909E8E84-426E-40dd-AFC4-6F175D3DCCD1}">
-              <a14:hiddenFill xmlns:a14="http://schemas.microsoft.com/office/drawing/2010/main" xmlns="">
+              <a14:hiddenFill xmlns="" xmlns:a14="http://schemas.microsoft.com/office/drawing/2010/main">
                 <a:solidFill>
                   <a:srgbClr val="FFFFFF"/>
                 </a:solidFill>
               </a14:hiddenFill>
             </a:ext>
             <a:ext uri="{91240B29-F687-4f45-9708-019B960494DF}">
-              <a14:hiddenLine xmlns:a14="http://schemas.microsoft.com/office/drawing/2010/main" xmlns="" w="9525">
+              <a14:hiddenLine xmlns="" xmlns:a14="http://schemas.microsoft.com/office/drawing/2010/main" w="9525">
                 <a:solidFill>
                   <a:srgbClr val="000000"/>
                 </a:solidFill>
@@ -3360,14 +3360,14 @@
               <ma14:placeholderFlag xmlns:ma14="http://schemas.microsoft.com/office/mac/drawingml/2011/main" val="1"/>
             </a:ext>
             <a:ext uri="{909E8E84-426E-40dd-AFC4-6F175D3DCCD1}">
-              <a14:hiddenFill xmlns:a14="http://schemas.microsoft.com/office/drawing/2010/main" xmlns="">
+              <a14:hiddenFill xmlns="" xmlns:a14="http://schemas.microsoft.com/office/drawing/2010/main">
                 <a:solidFill>
                   <a:srgbClr val="FFFFFF"/>
                 </a:solidFill>
               </a14:hiddenFill>
             </a:ext>
             <a:ext uri="{91240B29-F687-4f45-9708-019B960494DF}">
-              <a14:hiddenLine xmlns:a14="http://schemas.microsoft.com/office/drawing/2010/main" xmlns="" w="9525">
+              <a14:hiddenLine xmlns="" xmlns:a14="http://schemas.microsoft.com/office/drawing/2010/main" w="9525">
                 <a:solidFill>
                   <a:srgbClr val="000000"/>
                 </a:solidFill>
@@ -3430,14 +3430,14 @@
           <a:ln/>
           <a:extLst>
             <a:ext uri="{909E8E84-426E-40dd-AFC4-6F175D3DCCD1}">
-              <a14:hiddenFill xmlns:a14="http://schemas.microsoft.com/office/drawing/2010/main" xmlns="">
+              <a14:hiddenFill xmlns="" xmlns:a14="http://schemas.microsoft.com/office/drawing/2010/main">
                 <a:solidFill>
                   <a:srgbClr val="FFFFFF"/>
                 </a:solidFill>
               </a14:hiddenFill>
             </a:ext>
             <a:ext uri="{91240B29-F687-4f45-9708-019B960494DF}">
-              <a14:hiddenLine xmlns:a14="http://schemas.microsoft.com/office/drawing/2010/main" xmlns="" w="9525">
+              <a14:hiddenLine xmlns="" xmlns:a14="http://schemas.microsoft.com/office/drawing/2010/main" w="9525">
                 <a:solidFill>
                   <a:srgbClr val="000000"/>
                 </a:solidFill>
@@ -3607,14 +3607,14 @@
               <ma14:placeholderFlag xmlns:ma14="http://schemas.microsoft.com/office/mac/drawingml/2011/main" val="1"/>
             </a:ext>
             <a:ext uri="{909E8E84-426E-40dd-AFC4-6F175D3DCCD1}">
-              <a14:hiddenFill xmlns:a14="http://schemas.microsoft.com/office/drawing/2010/main" xmlns="">
+              <a14:hiddenFill xmlns="" xmlns:a14="http://schemas.microsoft.com/office/drawing/2010/main">
                 <a:solidFill>
                   <a:srgbClr val="FFFFFF"/>
                 </a:solidFill>
               </a14:hiddenFill>
             </a:ext>
             <a:ext uri="{91240B29-F687-4f45-9708-019B960494DF}">
-              <a14:hiddenLine xmlns:a14="http://schemas.microsoft.com/office/drawing/2010/main" xmlns="" w="9525">
+              <a14:hiddenLine xmlns="" xmlns:a14="http://schemas.microsoft.com/office/drawing/2010/main" w="9525">
                 <a:solidFill>
                   <a:srgbClr val="000000"/>
                 </a:solidFill>
@@ -3677,14 +3677,14 @@
           <a:ln/>
           <a:extLst>
             <a:ext uri="{909E8E84-426E-40dd-AFC4-6F175D3DCCD1}">
-              <a14:hiddenFill xmlns:a14="http://schemas.microsoft.com/office/drawing/2010/main" xmlns="">
+              <a14:hiddenFill xmlns="" xmlns:a14="http://schemas.microsoft.com/office/drawing/2010/main">
                 <a:solidFill>
                   <a:srgbClr val="FFFFFF"/>
                 </a:solidFill>
               </a14:hiddenFill>
             </a:ext>
             <a:ext uri="{91240B29-F687-4f45-9708-019B960494DF}">
-              <a14:hiddenLine xmlns:a14="http://schemas.microsoft.com/office/drawing/2010/main" xmlns="" w="9525">
+              <a14:hiddenLine xmlns="" xmlns:a14="http://schemas.microsoft.com/office/drawing/2010/main" w="9525">
                 <a:solidFill>
                   <a:srgbClr val="000000"/>
                 </a:solidFill>
@@ -3854,14 +3854,14 @@
               <ma14:placeholderFlag xmlns:ma14="http://schemas.microsoft.com/office/mac/drawingml/2011/main" val="1"/>
             </a:ext>
             <a:ext uri="{909E8E84-426E-40dd-AFC4-6F175D3DCCD1}">
-              <a14:hiddenFill xmlns:a14="http://schemas.microsoft.com/office/drawing/2010/main" xmlns="">
+              <a14:hiddenFill xmlns="" xmlns:a14="http://schemas.microsoft.com/office/drawing/2010/main">
                 <a:solidFill>
                   <a:srgbClr val="FFFFFF"/>
                 </a:solidFill>
               </a14:hiddenFill>
             </a:ext>
             <a:ext uri="{91240B29-F687-4f45-9708-019B960494DF}">
-              <a14:hiddenLine xmlns:a14="http://schemas.microsoft.com/office/drawing/2010/main" xmlns="" w="9525">
+              <a14:hiddenLine xmlns="" xmlns:a14="http://schemas.microsoft.com/office/drawing/2010/main" w="9525">
                 <a:solidFill>
                   <a:srgbClr val="000000"/>
                 </a:solidFill>
@@ -3924,14 +3924,14 @@
           <a:ln/>
           <a:extLst>
             <a:ext uri="{909E8E84-426E-40dd-AFC4-6F175D3DCCD1}">
-              <a14:hiddenFill xmlns:a14="http://schemas.microsoft.com/office/drawing/2010/main" xmlns="">
+              <a14:hiddenFill xmlns="" xmlns:a14="http://schemas.microsoft.com/office/drawing/2010/main">
                 <a:solidFill>
                   <a:srgbClr val="FFFFFF"/>
                 </a:solidFill>
               </a14:hiddenFill>
             </a:ext>
             <a:ext uri="{91240B29-F687-4f45-9708-019B960494DF}">
-              <a14:hiddenLine xmlns:a14="http://schemas.microsoft.com/office/drawing/2010/main" xmlns="" w="9525">
+              <a14:hiddenLine xmlns="" xmlns:a14="http://schemas.microsoft.com/office/drawing/2010/main" w="9525">
                 <a:solidFill>
                   <a:srgbClr val="000000"/>
                 </a:solidFill>
@@ -4101,14 +4101,14 @@
               <ma14:placeholderFlag xmlns:ma14="http://schemas.microsoft.com/office/mac/drawingml/2011/main" val="1"/>
             </a:ext>
             <a:ext uri="{909E8E84-426E-40dd-AFC4-6F175D3DCCD1}">
-              <a14:hiddenFill xmlns:a14="http://schemas.microsoft.com/office/drawing/2010/main" xmlns="">
+              <a14:hiddenFill xmlns="" xmlns:a14="http://schemas.microsoft.com/office/drawing/2010/main">
                 <a:solidFill>
                   <a:srgbClr val="FFFFFF"/>
                 </a:solidFill>
               </a14:hiddenFill>
             </a:ext>
             <a:ext uri="{91240B29-F687-4f45-9708-019B960494DF}">
-              <a14:hiddenLine xmlns:a14="http://schemas.microsoft.com/office/drawing/2010/main" xmlns="" w="9525">
+              <a14:hiddenLine xmlns="" xmlns:a14="http://schemas.microsoft.com/office/drawing/2010/main" w="9525">
                 <a:solidFill>
                   <a:srgbClr val="000000"/>
                 </a:solidFill>
@@ -7415,14 +7415,14 @@
               <ma14:placeholderFlag xmlns:ma14="http://schemas.microsoft.com/office/mac/drawingml/2011/main" val="1"/>
             </a:ext>
             <a:ext uri="{909E8E84-426E-40dd-AFC4-6F175D3DCCD1}">
-              <a14:hiddenFill xmlns:a14="http://schemas.microsoft.com/office/drawing/2010/main" xmlns="">
+              <a14:hiddenFill xmlns="" xmlns:a14="http://schemas.microsoft.com/office/drawing/2010/main">
                 <a:solidFill>
                   <a:srgbClr val="FFFFFF"/>
                 </a:solidFill>
               </a14:hiddenFill>
             </a:ext>
             <a:ext uri="{91240B29-F687-4f45-9708-019B960494DF}">
-              <a14:hiddenLine xmlns:a14="http://schemas.microsoft.com/office/drawing/2010/main" xmlns="" w="9525">
+              <a14:hiddenLine xmlns="" xmlns:a14="http://schemas.microsoft.com/office/drawing/2010/main" w="9525">
                 <a:solidFill>
                   <a:srgbClr val="000000"/>
                 </a:solidFill>
@@ -7481,7 +7481,7 @@
           </a:ln>
           <a:extLst>
             <a:ext uri="{91240B29-F687-4f45-9708-019B960494DF}">
-              <a14:hiddenLine xmlns:a14="http://schemas.microsoft.com/office/drawing/2010/main" xmlns="" w="9525">
+              <a14:hiddenLine xmlns="" xmlns:a14="http://schemas.microsoft.com/office/drawing/2010/main" w="9525">
                 <a:solidFill>
                   <a:srgbClr val="000000"/>
                 </a:solidFill>
@@ -7685,14 +7685,14 @@
           </a:ln>
           <a:extLst>
             <a:ext uri="{909E8E84-426E-40dd-AFC4-6F175D3DCCD1}">
-              <a14:hiddenFill xmlns:a14="http://schemas.microsoft.com/office/drawing/2010/main" xmlns="">
+              <a14:hiddenFill xmlns="" xmlns:a14="http://schemas.microsoft.com/office/drawing/2010/main">
                 <a:solidFill>
                   <a:srgbClr val="FFFFFF"/>
                 </a:solidFill>
               </a14:hiddenFill>
             </a:ext>
             <a:ext uri="{91240B29-F687-4f45-9708-019B960494DF}">
-              <a14:hiddenLine xmlns:a14="http://schemas.microsoft.com/office/drawing/2010/main" xmlns="" w="9525">
+              <a14:hiddenLine xmlns="" xmlns:a14="http://schemas.microsoft.com/office/drawing/2010/main" w="9525">
                 <a:solidFill>
                   <a:srgbClr val="000000"/>
                 </a:solidFill>
@@ -8025,14 +8025,14 @@
           </a:ln>
           <a:extLst>
             <a:ext uri="{909E8E84-426E-40dd-AFC4-6F175D3DCCD1}">
-              <a14:hiddenFill xmlns:a14="http://schemas.microsoft.com/office/drawing/2010/main" xmlns="">
+              <a14:hiddenFill xmlns="" xmlns:a14="http://schemas.microsoft.com/office/drawing/2010/main">
                 <a:solidFill>
                   <a:srgbClr val="FFFFFF"/>
                 </a:solidFill>
               </a14:hiddenFill>
             </a:ext>
             <a:ext uri="{91240B29-F687-4f45-9708-019B960494DF}">
-              <a14:hiddenLine xmlns:a14="http://schemas.microsoft.com/office/drawing/2010/main" xmlns="" w="9525">
+              <a14:hiddenLine xmlns="" xmlns:a14="http://schemas.microsoft.com/office/drawing/2010/main" w="9525">
                 <a:solidFill>
                   <a:srgbClr val="000000"/>
                 </a:solidFill>
@@ -8079,14 +8079,14 @@
           </a:ln>
           <a:extLst>
             <a:ext uri="{909E8E84-426E-40dd-AFC4-6F175D3DCCD1}">
-              <a14:hiddenFill xmlns:a14="http://schemas.microsoft.com/office/drawing/2010/main" xmlns="">
+              <a14:hiddenFill xmlns="" xmlns:a14="http://schemas.microsoft.com/office/drawing/2010/main">
                 <a:solidFill>
                   <a:srgbClr val="FFFFFF"/>
                 </a:solidFill>
               </a14:hiddenFill>
             </a:ext>
             <a:ext uri="{91240B29-F687-4f45-9708-019B960494DF}">
-              <a14:hiddenLine xmlns:a14="http://schemas.microsoft.com/office/drawing/2010/main" xmlns="" w="9525">
+              <a14:hiddenLine xmlns="" xmlns:a14="http://schemas.microsoft.com/office/drawing/2010/main" w="9525">
                 <a:solidFill>
                   <a:srgbClr val="000000"/>
                 </a:solidFill>
@@ -8764,14 +8764,14 @@
           <a:ln/>
           <a:extLst>
             <a:ext uri="{909E8E84-426E-40dd-AFC4-6F175D3DCCD1}">
-              <a14:hiddenFill xmlns:a14="http://schemas.microsoft.com/office/drawing/2010/main" xmlns="">
+              <a14:hiddenFill xmlns="" xmlns:a14="http://schemas.microsoft.com/office/drawing/2010/main">
                 <a:solidFill>
                   <a:srgbClr val="FFFFFF"/>
                 </a:solidFill>
               </a14:hiddenFill>
             </a:ext>
             <a:ext uri="{91240B29-F687-4f45-9708-019B960494DF}">
-              <a14:hiddenLine xmlns:a14="http://schemas.microsoft.com/office/drawing/2010/main" xmlns="" w="9525">
+              <a14:hiddenLine xmlns="" xmlns:a14="http://schemas.microsoft.com/office/drawing/2010/main" w="9525">
                 <a:solidFill>
                   <a:srgbClr val="000000"/>
                 </a:solidFill>
@@ -8958,14 +8958,14 @@
           <a:ln/>
           <a:extLst>
             <a:ext uri="{909E8E84-426E-40dd-AFC4-6F175D3DCCD1}">
-              <a14:hiddenFill xmlns:a14="http://schemas.microsoft.com/office/drawing/2010/main" xmlns="">
+              <a14:hiddenFill xmlns="" xmlns:a14="http://schemas.microsoft.com/office/drawing/2010/main">
                 <a:solidFill>
                   <a:srgbClr val="FFFFFF"/>
                 </a:solidFill>
               </a14:hiddenFill>
             </a:ext>
             <a:ext uri="{91240B29-F687-4f45-9708-019B960494DF}">
-              <a14:hiddenLine xmlns:a14="http://schemas.microsoft.com/office/drawing/2010/main" xmlns="" w="9525">
+              <a14:hiddenLine xmlns="" xmlns:a14="http://schemas.microsoft.com/office/drawing/2010/main" w="9525">
                 <a:solidFill>
                   <a:srgbClr val="000000"/>
                 </a:solidFill>
@@ -11347,14 +11347,14 @@
           <a:ln/>
           <a:extLst>
             <a:ext uri="{909E8E84-426E-40dd-AFC4-6F175D3DCCD1}">
-              <a14:hiddenFill xmlns:a14="http://schemas.microsoft.com/office/drawing/2010/main" xmlns="">
+              <a14:hiddenFill xmlns="" xmlns:a14="http://schemas.microsoft.com/office/drawing/2010/main">
                 <a:solidFill>
                   <a:srgbClr val="FFFFFF"/>
                 </a:solidFill>
               </a14:hiddenFill>
             </a:ext>
             <a:ext uri="{91240B29-F687-4f45-9708-019B960494DF}">
-              <a14:hiddenLine xmlns:a14="http://schemas.microsoft.com/office/drawing/2010/main" xmlns="" w="9525">
+              <a14:hiddenLine xmlns="" xmlns:a14="http://schemas.microsoft.com/office/drawing/2010/main" w="9525">
                 <a:solidFill>
                   <a:srgbClr val="000000"/>
                 </a:solidFill>
@@ -11529,14 +11529,14 @@
           <p:nvPr>
             <p:extLst>
               <p:ext uri="{D42A27DB-BD31-4B8C-83A1-F6EECF244321}">
-                <p14:modId xmlns:p14="http://schemas.microsoft.com/office/powerpoint/2010/main" val="1516263846"/>
+                <p14:modId xmlns:p14="http://schemas.microsoft.com/office/powerpoint/2010/main" val="822487263"/>
               </p:ext>
             </p:extLst>
           </p:nvPr>
         </p:nvGraphicFramePr>
         <p:xfrm>
           <a:off x="287869" y="1187450"/>
-          <a:ext cx="8449732" cy="4036616"/>
+          <a:ext cx="8449732" cy="4341360"/>
         </p:xfrm>
         <a:graphic>
           <a:graphicData uri="http://schemas.openxmlformats.org/drawingml/2006/table">
@@ -11870,7 +11870,7 @@
                         <a:defRPr/>
                       </a:pPr>
                       <a:r>
-                        <a:rPr kumimoji="0" lang="en-US" sz="1400" b="0" i="0" u="none" strike="noStrike" kern="1200" cap="none" normalizeH="0" baseline="0" smtClean="0">
+                        <a:rPr kumimoji="0" lang="en-US" sz="1400" b="0" i="0" u="none" strike="noStrike" kern="1200" cap="none" normalizeH="0" baseline="0" dirty="0" err="1" smtClean="0">
                           <a:ln>
                             <a:noFill/>
                           </a:ln>
@@ -11882,9 +11882,24 @@
                           <a:ea typeface="ヒラギノ角ゴ Pro W3" pitchFamily="-112" charset="-128"/>
                           <a:cs typeface="ヒラギノ角ゴ Pro W3" pitchFamily="-112" charset="-128"/>
                         </a:rPr>
-                        <a:t>int SUB_PIPE_DEPTH</a:t>
+                        <a:t>int</a:t>
                       </a:r>
-                      <a:endParaRPr kumimoji="0" lang="en-US" sz="1400" b="0" i="0" u="none" strike="noStrike" kern="1200" cap="none" normalizeH="0" baseline="0">
+                      <a:r>
+                        <a:rPr kumimoji="0" lang="en-US" sz="1400" b="0" i="0" u="none" strike="noStrike" kern="1200" cap="none" normalizeH="0" baseline="0" dirty="0" smtClean="0">
+                          <a:ln>
+                            <a:noFill/>
+                          </a:ln>
+                          <a:solidFill>
+                            <a:schemeClr val="tx1"/>
+                          </a:solidFill>
+                          <a:effectLst/>
+                          <a:latin typeface="Arial" pitchFamily="-112" charset="0"/>
+                          <a:ea typeface="ヒラギノ角ゴ Pro W3" pitchFamily="-112" charset="-128"/>
+                          <a:cs typeface="ヒラギノ角ゴ Pro W3" pitchFamily="-112" charset="-128"/>
+                        </a:rPr>
+                        <a:t> MAX_NETWORK_PEERS</a:t>
+                      </a:r>
+                      <a:endParaRPr kumimoji="0" lang="en-US" sz="1400" b="0" i="0" u="none" strike="noStrike" kern="1200" cap="none" normalizeH="0" baseline="0" dirty="0">
                         <a:ln>
                           <a:noFill/>
                         </a:ln>
@@ -11967,7 +11982,7 @@
                         <a:defRPr/>
                       </a:pPr>
                       <a:r>
-                        <a:rPr kumimoji="0" lang="en-US" sz="1400" b="0" i="0" u="none" strike="noStrike" kern="1200" cap="none" normalizeH="0" baseline="0">
+                        <a:rPr kumimoji="0" lang="en-US" sz="1400" b="0" i="0" u="none" strike="noStrike" kern="1200" cap="none" normalizeH="0" baseline="0" dirty="0" smtClean="0">
                           <a:ln>
                             <a:noFill/>
                           </a:ln>
@@ -11979,8 +11994,20 @@
                           <a:ea typeface="ヒラギノ角ゴ Pro W3" pitchFamily="-112" charset="-128"/>
                           <a:cs typeface="ヒラギノ角ゴ Pro W3" pitchFamily="-112" charset="-128"/>
                         </a:rPr>
-                        <a:t>256</a:t>
+                        <a:t>4</a:t>
                       </a:r>
+                      <a:endParaRPr kumimoji="0" lang="en-US" sz="1400" b="0" i="0" u="none" strike="noStrike" kern="1200" cap="none" normalizeH="0" baseline="0" dirty="0">
+                        <a:ln>
+                          <a:noFill/>
+                        </a:ln>
+                        <a:solidFill>
+                          <a:schemeClr val="tx1"/>
+                        </a:solidFill>
+                        <a:effectLst/>
+                        <a:latin typeface="Arial" pitchFamily="-112" charset="0"/>
+                        <a:ea typeface="ヒラギノ角ゴ Pro W3" pitchFamily="-112" charset="-128"/>
+                        <a:cs typeface="ヒラギノ角ゴ Pro W3" pitchFamily="-112" charset="-128"/>
+                      </a:endParaRPr>
                     </a:p>
                   </a:txBody>
                   <a:tcPr marT="45692" marB="45692" horzOverflow="overflow">
@@ -12051,7 +12078,302 @@
                         <a:tabLst/>
                       </a:pPr>
                       <a:r>
-                        <a:rPr kumimoji="0" lang="en-US" sz="1400" b="0" i="0" u="none" strike="noStrike" cap="none" normalizeH="0" baseline="0">
+                        <a:rPr kumimoji="0" lang="en-US" sz="1400" b="0" i="0" u="none" strike="noStrike" cap="none" normalizeH="0" baseline="0" dirty="0" smtClean="0">
+                          <a:ln>
+                            <a:noFill/>
+                          </a:ln>
+                          <a:solidFill>
+                            <a:schemeClr val="tx1"/>
+                          </a:solidFill>
+                          <a:effectLst/>
+                          <a:latin typeface="Arial" pitchFamily="-112" charset="0"/>
+                          <a:ea typeface="ヒラギノ角ゴ Pro W3" pitchFamily="-112" charset="-128"/>
+                          <a:cs typeface="ヒラギノ角ゴ Pro W3" pitchFamily="-112" charset="-128"/>
+                        </a:rPr>
+                        <a:t>Number of peers allowed a network.</a:t>
+                      </a:r>
+                      <a:endParaRPr kumimoji="0" lang="en-US" sz="1400" b="0" i="0" u="none" strike="noStrike" cap="none" normalizeH="0" baseline="0" dirty="0">
+                        <a:ln>
+                          <a:noFill/>
+                        </a:ln>
+                        <a:solidFill>
+                          <a:schemeClr val="tx1"/>
+                        </a:solidFill>
+                        <a:effectLst/>
+                        <a:latin typeface="Arial" pitchFamily="-112" charset="0"/>
+                        <a:ea typeface="ヒラギノ角ゴ Pro W3" pitchFamily="-112" charset="-128"/>
+                        <a:cs typeface="ヒラギノ角ゴ Pro W3" pitchFamily="-112" charset="-128"/>
+                      </a:endParaRPr>
+                    </a:p>
+                  </a:txBody>
+                  <a:tcPr marT="45692" marB="45692" horzOverflow="overflow">
+                    <a:lnL w="12700" cap="flat" cmpd="sng" algn="ctr">
+                      <a:solidFill>
+                        <a:schemeClr val="tx1"/>
+                      </a:solidFill>
+                      <a:prstDash val="solid"/>
+                      <a:round/>
+                      <a:headEnd type="none" w="med" len="med"/>
+                      <a:tailEnd type="none" w="med" len="med"/>
+                    </a:lnL>
+                    <a:lnR w="28575" cap="flat" cmpd="sng" algn="ctr">
+                      <a:solidFill>
+                        <a:scrgbClr r="0" g="0" b="0"/>
+                      </a:solidFill>
+                      <a:prstDash val="solid"/>
+                      <a:round/>
+                      <a:headEnd type="none" w="med" len="med"/>
+                      <a:tailEnd type="none" w="med" len="med"/>
+                    </a:lnR>
+                    <a:lnT w="28575" cap="flat" cmpd="sng" algn="ctr">
+                      <a:solidFill>
+                        <a:scrgbClr r="0" g="0" b="0"/>
+                      </a:solidFill>
+                      <a:prstDash val="solid"/>
+                      <a:round/>
+                      <a:headEnd type="none" w="med" len="med"/>
+                      <a:tailEnd type="none" w="med" len="med"/>
+                    </a:lnT>
+                    <a:lnB w="12700" cap="flat" cmpd="sng" algn="ctr">
+                      <a:solidFill>
+                        <a:schemeClr val="tx1"/>
+                      </a:solidFill>
+                      <a:prstDash val="solid"/>
+                      <a:round/>
+                      <a:headEnd type="none" w="med" len="med"/>
+                      <a:tailEnd type="none" w="med" len="med"/>
+                    </a:lnB>
+                    <a:lnTlToBr>
+                      <a:noFill/>
+                    </a:lnTlToBr>
+                    <a:lnBlToTr>
+                      <a:noFill/>
+                    </a:lnBlToTr>
+                    <a:noFill/>
+                  </a:tcPr>
+                </a:tc>
+              </a:tr>
+              <a:tr h="0">
+                <a:tc>
+                  <a:txBody>
+                    <a:bodyPr/>
+                    <a:lstStyle/>
+                    <a:p>
+                      <a:pPr marL="0" marR="0" lvl="0" indent="0" algn="l" defTabSz="914400" rtl="0" eaLnBrk="0" fontAlgn="base" latinLnBrk="0" hangingPunct="0">
+                        <a:lnSpc>
+                          <a:spcPct val="100000"/>
+                        </a:lnSpc>
+                        <a:spcBef>
+                          <a:spcPct val="35000"/>
+                        </a:spcBef>
+                        <a:spcAft>
+                          <a:spcPct val="0"/>
+                        </a:spcAft>
+                        <a:buClrTx/>
+                        <a:buSzTx/>
+                        <a:buFontTx/>
+                        <a:buNone/>
+                        <a:tabLst/>
+                        <a:defRPr/>
+                      </a:pPr>
+                      <a:r>
+                        <a:rPr kumimoji="0" lang="en-US" sz="1400" b="0" i="0" u="none" strike="noStrike" kern="1200" cap="none" normalizeH="0" baseline="0" dirty="0" err="1" smtClean="0">
+                          <a:ln>
+                            <a:noFill/>
+                          </a:ln>
+                          <a:solidFill>
+                            <a:schemeClr val="tx1"/>
+                          </a:solidFill>
+                          <a:effectLst/>
+                          <a:latin typeface="Arial" pitchFamily="-112" charset="0"/>
+                          <a:ea typeface="ヒラギノ角ゴ Pro W3" pitchFamily="-112" charset="-128"/>
+                          <a:cs typeface="ヒラギノ角ゴ Pro W3" pitchFamily="-112" charset="-128"/>
+                        </a:rPr>
+                        <a:t>int</a:t>
+                      </a:r>
+                      <a:r>
+                        <a:rPr kumimoji="0" lang="en-US" sz="1400" b="0" i="0" u="none" strike="noStrike" kern="1200" cap="none" normalizeH="0" baseline="0" dirty="0" smtClean="0">
+                          <a:ln>
+                            <a:noFill/>
+                          </a:ln>
+                          <a:solidFill>
+                            <a:schemeClr val="tx1"/>
+                          </a:solidFill>
+                          <a:effectLst/>
+                          <a:latin typeface="Arial" pitchFamily="-112" charset="0"/>
+                          <a:ea typeface="ヒラギノ角ゴ Pro W3" pitchFamily="-112" charset="-128"/>
+                          <a:cs typeface="ヒラギノ角ゴ Pro W3" pitchFamily="-112" charset="-128"/>
+                        </a:rPr>
+                        <a:t> SUB_PIPE_DEPTH</a:t>
+                      </a:r>
+                      <a:endParaRPr kumimoji="0" lang="en-US" sz="1400" b="0" i="0" u="none" strike="noStrike" kern="1200" cap="none" normalizeH="0" baseline="0" dirty="0">
+                        <a:ln>
+                          <a:noFill/>
+                        </a:ln>
+                        <a:solidFill>
+                          <a:schemeClr val="tx1"/>
+                        </a:solidFill>
+                        <a:effectLst/>
+                        <a:latin typeface="Arial" pitchFamily="-112" charset="0"/>
+                        <a:ea typeface="ヒラギノ角ゴ Pro W3" pitchFamily="-112" charset="-128"/>
+                        <a:cs typeface="ヒラギノ角ゴ Pro W3" pitchFamily="-112" charset="-128"/>
+                      </a:endParaRPr>
+                    </a:p>
+                  </a:txBody>
+                  <a:tcPr marT="45692" marB="45692" horzOverflow="overflow">
+                    <a:lnL w="28575" cap="flat" cmpd="sng" algn="ctr">
+                      <a:solidFill>
+                        <a:scrgbClr r="0" g="0" b="0"/>
+                      </a:solidFill>
+                      <a:prstDash val="solid"/>
+                      <a:round/>
+                      <a:headEnd type="none" w="med" len="med"/>
+                      <a:tailEnd type="none" w="med" len="med"/>
+                    </a:lnL>
+                    <a:lnR w="12700" cap="flat" cmpd="sng" algn="ctr">
+                      <a:solidFill>
+                        <a:schemeClr val="tx1"/>
+                      </a:solidFill>
+                      <a:prstDash val="solid"/>
+                      <a:round/>
+                      <a:headEnd type="none" w="med" len="med"/>
+                      <a:tailEnd type="none" w="med" len="med"/>
+                    </a:lnR>
+                    <a:lnT w="12700" cap="flat" cmpd="sng" algn="ctr">
+                      <a:solidFill>
+                        <a:schemeClr val="tx1"/>
+                      </a:solidFill>
+                      <a:prstDash val="solid"/>
+                      <a:round/>
+                      <a:headEnd type="none" w="med" len="med"/>
+                      <a:tailEnd type="none" w="med" len="med"/>
+                    </a:lnT>
+                    <a:lnB w="12700" cap="flat" cmpd="sng" algn="ctr">
+                      <a:solidFill>
+                        <a:schemeClr val="tx1"/>
+                      </a:solidFill>
+                      <a:prstDash val="solid"/>
+                      <a:round/>
+                      <a:headEnd type="none" w="med" len="med"/>
+                      <a:tailEnd type="none" w="med" len="med"/>
+                    </a:lnB>
+                    <a:lnTlToBr>
+                      <a:noFill/>
+                    </a:lnTlToBr>
+                    <a:lnBlToTr>
+                      <a:noFill/>
+                    </a:lnBlToTr>
+                    <a:noFill/>
+                  </a:tcPr>
+                </a:tc>
+                <a:tc>
+                  <a:txBody>
+                    <a:bodyPr/>
+                    <a:lstStyle/>
+                    <a:p>
+                      <a:pPr marL="0" marR="0" lvl="0" indent="0" algn="l" defTabSz="914400" rtl="0" eaLnBrk="0" fontAlgn="base" latinLnBrk="0" hangingPunct="0">
+                        <a:lnSpc>
+                          <a:spcPct val="100000"/>
+                        </a:lnSpc>
+                        <a:spcBef>
+                          <a:spcPct val="35000"/>
+                        </a:spcBef>
+                        <a:spcAft>
+                          <a:spcPct val="0"/>
+                        </a:spcAft>
+                        <a:buClrTx/>
+                        <a:buSzTx/>
+                        <a:buFontTx/>
+                        <a:buNone/>
+                        <a:tabLst/>
+                        <a:defRPr/>
+                      </a:pPr>
+                      <a:r>
+                        <a:rPr kumimoji="0" lang="en-US" sz="1400" b="0" i="0" u="none" strike="noStrike" kern="1200" cap="none" normalizeH="0" baseline="0" dirty="0">
+                          <a:ln>
+                            <a:noFill/>
+                          </a:ln>
+                          <a:solidFill>
+                            <a:schemeClr val="tx1"/>
+                          </a:solidFill>
+                          <a:effectLst/>
+                          <a:latin typeface="Arial" pitchFamily="-112" charset="0"/>
+                          <a:ea typeface="ヒラギノ角ゴ Pro W3" pitchFamily="-112" charset="-128"/>
+                          <a:cs typeface="ヒラギノ角ゴ Pro W3" pitchFamily="-112" charset="-128"/>
+                        </a:rPr>
+                        <a:t>256</a:t>
+                      </a:r>
+                    </a:p>
+                  </a:txBody>
+                  <a:tcPr marT="45692" marB="45692" horzOverflow="overflow">
+                    <a:lnL w="12700" cap="flat" cmpd="sng" algn="ctr">
+                      <a:solidFill>
+                        <a:schemeClr val="tx1"/>
+                      </a:solidFill>
+                      <a:prstDash val="solid"/>
+                      <a:round/>
+                      <a:headEnd type="none" w="med" len="med"/>
+                      <a:tailEnd type="none" w="med" len="med"/>
+                    </a:lnL>
+                    <a:lnR w="12700" cap="flat" cmpd="sng" algn="ctr">
+                      <a:solidFill>
+                        <a:schemeClr val="tx1"/>
+                      </a:solidFill>
+                      <a:prstDash val="solid"/>
+                      <a:round/>
+                      <a:headEnd type="none" w="med" len="med"/>
+                      <a:tailEnd type="none" w="med" len="med"/>
+                    </a:lnR>
+                    <a:lnT w="12700" cap="flat" cmpd="sng" algn="ctr">
+                      <a:solidFill>
+                        <a:schemeClr val="tx1"/>
+                      </a:solidFill>
+                      <a:prstDash val="solid"/>
+                      <a:round/>
+                      <a:headEnd type="none" w="med" len="med"/>
+                      <a:tailEnd type="none" w="med" len="med"/>
+                    </a:lnT>
+                    <a:lnB w="12700" cap="flat" cmpd="sng" algn="ctr">
+                      <a:solidFill>
+                        <a:schemeClr val="tx1"/>
+                      </a:solidFill>
+                      <a:prstDash val="solid"/>
+                      <a:round/>
+                      <a:headEnd type="none" w="med" len="med"/>
+                      <a:tailEnd type="none" w="med" len="med"/>
+                    </a:lnB>
+                    <a:lnTlToBr>
+                      <a:noFill/>
+                    </a:lnTlToBr>
+                    <a:lnBlToTr>
+                      <a:noFill/>
+                    </a:lnBlToTr>
+                    <a:noFill/>
+                  </a:tcPr>
+                </a:tc>
+                <a:tc>
+                  <a:txBody>
+                    <a:bodyPr/>
+                    <a:lstStyle/>
+                    <a:p>
+                      <a:pPr marL="0" marR="0" lvl="0" indent="0" algn="l" defTabSz="914400" rtl="0" eaLnBrk="0" fontAlgn="base" latinLnBrk="0" hangingPunct="0">
+                        <a:lnSpc>
+                          <a:spcPct val="100000"/>
+                        </a:lnSpc>
+                        <a:spcBef>
+                          <a:spcPct val="35000"/>
+                        </a:spcBef>
+                        <a:spcAft>
+                          <a:spcPct val="0"/>
+                        </a:spcAft>
+                        <a:buClrTx/>
+                        <a:buSzTx/>
+                        <a:buFontTx/>
+                        <a:buNone/>
+                        <a:tabLst/>
+                      </a:pPr>
+                      <a:r>
+                        <a:rPr kumimoji="0" lang="en-US" sz="1400" b="0" i="0" u="none" strike="noStrike" cap="none" normalizeH="0" baseline="0" dirty="0">
                           <a:ln>
                             <a:noFill/>
                           </a:ln>
@@ -12086,9 +12408,9 @@
                       <a:headEnd type="none" w="med" len="med"/>
                       <a:tailEnd type="none" w="med" len="med"/>
                     </a:lnR>
-                    <a:lnT w="28575" cap="flat" cmpd="sng" algn="ctr">
-                      <a:solidFill>
-                        <a:scrgbClr r="0" g="0" b="0"/>
+                    <a:lnT w="12700" cap="flat" cmpd="sng" algn="ctr">
+                      <a:solidFill>
+                        <a:schemeClr val="tx1"/>
                       </a:solidFill>
                       <a:prstDash val="solid"/>
                       <a:round/>
@@ -12317,7 +12639,7 @@
                         <a:tabLst/>
                       </a:pPr>
                       <a:r>
-                        <a:rPr kumimoji="0" lang="en-US" sz="1400" b="0" i="0" u="none" strike="noStrike" cap="none" normalizeH="0" baseline="0" smtClean="0">
+                        <a:rPr kumimoji="0" lang="en-US" sz="1400" b="0" i="0" u="none" strike="noStrike" cap="none" normalizeH="0" baseline="0" dirty="0" smtClean="0">
                           <a:ln>
                             <a:noFill/>
                           </a:ln>
@@ -12331,7 +12653,7 @@
                         </a:rPr>
                         <a:t>Maximum number of individual subscription messages on the subscription pipe.</a:t>
                       </a:r>
-                      <a:endParaRPr kumimoji="0" lang="en-US" sz="1400" b="0" i="0" u="none" strike="noStrike" cap="none" normalizeH="0" baseline="0">
+                      <a:endParaRPr kumimoji="0" lang="en-US" sz="1400" b="0" i="0" u="none" strike="noStrike" cap="none" normalizeH="0" baseline="0" dirty="0">
                         <a:ln>
                           <a:noFill/>
                         </a:ln>
@@ -12681,7 +13003,7 @@
                         <a:tabLst/>
                       </a:pPr>
                       <a:r>
-                        <a:rPr kumimoji="0" lang="en-US" sz="1400" b="0" i="0" u="none" strike="noStrike" cap="none" normalizeH="0" baseline="0">
+                        <a:rPr kumimoji="0" lang="en-US" sz="1400" b="0" i="0" u="none" strike="noStrike" cap="none" normalizeH="0" baseline="0" dirty="0" err="1">
                           <a:ln>
                             <a:noFill/>
                           </a:ln>
@@ -12693,7 +13015,22 @@
                           <a:ea typeface="ヒラギノ角ゴ Pro W3" pitchFamily="-112" charset="-128"/>
                           <a:cs typeface="ヒラギノ角ゴ Pro W3" pitchFamily="-112" charset="-128"/>
                         </a:rPr>
-                        <a:t>int MAX_INTERFACE_TYPES</a:t>
+                        <a:t>int</a:t>
+                      </a:r>
+                      <a:r>
+                        <a:rPr kumimoji="0" lang="en-US" sz="1400" b="0" i="0" u="none" strike="noStrike" cap="none" normalizeH="0" baseline="0" dirty="0">
+                          <a:ln>
+                            <a:noFill/>
+                          </a:ln>
+                          <a:solidFill>
+                            <a:schemeClr val="tx1"/>
+                          </a:solidFill>
+                          <a:effectLst/>
+                          <a:latin typeface="Arial" pitchFamily="-112" charset="0"/>
+                          <a:ea typeface="ヒラギノ角ゴ Pro W3" pitchFamily="-112" charset="-128"/>
+                          <a:cs typeface="ヒラギノ角ゴ Pro W3" pitchFamily="-112" charset="-128"/>
+                        </a:rPr>
+                        <a:t> MAX_INTERFACE_TYPES</a:t>
                       </a:r>
                     </a:p>
                   </a:txBody>
@@ -13189,7 +13526,7 @@
                         <a:tabLst/>
                       </a:pPr>
                       <a:r>
-                        <a:rPr kumimoji="0" lang="en-US" sz="1400" b="0" i="0" u="none" strike="noStrike" cap="none" normalizeH="0" baseline="0">
+                        <a:rPr kumimoji="0" lang="en-US" sz="1400" b="0" i="0" u="none" strike="noStrike" cap="none" normalizeH="0" baseline="0" dirty="0" err="1">
                           <a:ln>
                             <a:noFill/>
                           </a:ln>
@@ -13201,8 +13538,50 @@
                           <a:ea typeface="ヒラギノ角ゴ Pro W3" pitchFamily="-112" charset="-128"/>
                           <a:cs typeface="ヒラギノ角ゴ Pro W3" pitchFamily="-112" charset="-128"/>
                         </a:rPr>
-                        <a:t>int STATUS_MSG_SIZE</a:t>
+                        <a:t>int</a:t>
                       </a:r>
+                      <a:r>
+                        <a:rPr kumimoji="0" lang="en-US" sz="1400" b="0" i="0" u="none" strike="noStrike" cap="none" normalizeH="0" baseline="0" dirty="0">
+                          <a:ln>
+                            <a:noFill/>
+                          </a:ln>
+                          <a:solidFill>
+                            <a:schemeClr val="tx1"/>
+                          </a:solidFill>
+                          <a:effectLst/>
+                          <a:latin typeface="Arial" pitchFamily="-112" charset="0"/>
+                          <a:ea typeface="ヒラギノ角ゴ Pro W3" pitchFamily="-112" charset="-128"/>
+                          <a:cs typeface="ヒラギノ角ゴ Pro W3" pitchFamily="-112" charset="-128"/>
+                        </a:rPr>
+                        <a:t> </a:t>
+                      </a:r>
+                      <a:r>
+                        <a:rPr kumimoji="0" lang="en-US" sz="1400" b="0" i="0" u="none" strike="noStrike" cap="none" normalizeH="0" baseline="0" dirty="0" smtClean="0">
+                          <a:ln>
+                            <a:noFill/>
+                          </a:ln>
+                          <a:solidFill>
+                            <a:schemeClr val="tx1"/>
+                          </a:solidFill>
+                          <a:effectLst/>
+                          <a:latin typeface="Arial" pitchFamily="-112" charset="0"/>
+                          <a:ea typeface="ヒラギノ角ゴ Pro W3" pitchFamily="-112" charset="-128"/>
+                          <a:cs typeface="ヒラギノ角ゴ Pro W3" pitchFamily="-112" charset="-128"/>
+                        </a:rPr>
+                        <a:t>MOD_STATUS_MSG_SIZE</a:t>
+                      </a:r>
+                      <a:endParaRPr kumimoji="0" lang="en-US" sz="1400" b="0" i="0" u="none" strike="noStrike" cap="none" normalizeH="0" baseline="0" dirty="0">
+                        <a:ln>
+                          <a:noFill/>
+                        </a:ln>
+                        <a:solidFill>
+                          <a:schemeClr val="tx1"/>
+                        </a:solidFill>
+                        <a:effectLst/>
+                        <a:latin typeface="Arial" pitchFamily="-112" charset="0"/>
+                        <a:ea typeface="ヒラギノ角ゴ Pro W3" pitchFamily="-112" charset="-128"/>
+                        <a:cs typeface="ヒラギノ角ゴ Pro W3" pitchFamily="-112" charset="-128"/>
+                      </a:endParaRPr>
                     </a:p>
                   </a:txBody>
                   <a:tcPr marT="45692" marB="45692" horzOverflow="overflow">
@@ -13443,7 +13822,7 @@
                         <a:tabLst/>
                       </a:pPr>
                       <a:r>
-                        <a:rPr kumimoji="0" lang="en-US" sz="1400" b="0" i="0" u="none" strike="noStrike" cap="none" normalizeH="0" baseline="0">
+                        <a:rPr kumimoji="0" lang="en-US" sz="1400" b="0" i="0" u="none" strike="noStrike" cap="none" normalizeH="0" baseline="0" dirty="0" err="1">
                           <a:ln>
                             <a:noFill/>
                           </a:ln>
@@ -13455,7 +13834,22 @@
                           <a:ea typeface="ヒラギノ角ゴ Pro W3" pitchFamily="-112" charset="-128"/>
                           <a:cs typeface="ヒラギノ角ゴ Pro W3" pitchFamily="-112" charset="-128"/>
                         </a:rPr>
-                        <a:t>boolean DEBUG_MSGS</a:t>
+                        <a:t>boolean</a:t>
+                      </a:r>
+                      <a:r>
+                        <a:rPr kumimoji="0" lang="en-US" sz="1400" b="0" i="0" u="none" strike="noStrike" cap="none" normalizeH="0" baseline="0" dirty="0">
+                          <a:ln>
+                            <a:noFill/>
+                          </a:ln>
+                          <a:solidFill>
+                            <a:schemeClr val="tx1"/>
+                          </a:solidFill>
+                          <a:effectLst/>
+                          <a:latin typeface="Arial" pitchFamily="-112" charset="0"/>
+                          <a:ea typeface="ヒラギノ角ゴ Pro W3" pitchFamily="-112" charset="-128"/>
+                          <a:cs typeface="ヒラギノ角ゴ Pro W3" pitchFamily="-112" charset="-128"/>
+                        </a:rPr>
+                        <a:t> DEBUG_MSGS</a:t>
                       </a:r>
                     </a:p>
                   </a:txBody>
@@ -13611,7 +14005,7 @@
                         <a:tabLst/>
                       </a:pPr>
                       <a:r>
-                        <a:rPr kumimoji="0" lang="en-US" sz="1400" b="0" i="0" u="none" strike="noStrike" cap="none" normalizeH="0" baseline="0">
+                        <a:rPr kumimoji="0" lang="en-US" sz="1400" b="0" i="0" u="none" strike="noStrike" cap="none" normalizeH="0" baseline="0" dirty="0">
                           <a:ln>
                             <a:noFill/>
                           </a:ln>
@@ -13777,14 +14171,14 @@
           <a:ln/>
           <a:extLst>
             <a:ext uri="{909E8E84-426E-40dd-AFC4-6F175D3DCCD1}">
-              <a14:hiddenFill xmlns:a14="http://schemas.microsoft.com/office/drawing/2010/main" xmlns="">
+              <a14:hiddenFill xmlns="" xmlns:a14="http://schemas.microsoft.com/office/drawing/2010/main">
                 <a:solidFill>
                   <a:srgbClr val="FFFFFF"/>
                 </a:solidFill>
               </a14:hiddenFill>
             </a:ext>
             <a:ext uri="{91240B29-F687-4f45-9708-019B960494DF}">
-              <a14:hiddenLine xmlns:a14="http://schemas.microsoft.com/office/drawing/2010/main" xmlns="" w="9525">
+              <a14:hiddenLine xmlns="" xmlns:a14="http://schemas.microsoft.com/office/drawing/2010/main" w="9525">
                 <a:solidFill>
                   <a:srgbClr val="000000"/>
                 </a:solidFill>
@@ -16047,14 +16441,14 @@
           <a:ln/>
           <a:extLst>
             <a:ext uri="{909E8E84-426E-40dd-AFC4-6F175D3DCCD1}">
-              <a14:hiddenFill xmlns:a14="http://schemas.microsoft.com/office/drawing/2010/main" xmlns="">
+              <a14:hiddenFill xmlns="" xmlns:a14="http://schemas.microsoft.com/office/drawing/2010/main">
                 <a:solidFill>
                   <a:srgbClr val="FFFFFF"/>
                 </a:solidFill>
               </a14:hiddenFill>
             </a:ext>
             <a:ext uri="{91240B29-F687-4f45-9708-019B960494DF}">
-              <a14:hiddenLine xmlns:a14="http://schemas.microsoft.com/office/drawing/2010/main" xmlns="" w="9525">
+              <a14:hiddenLine xmlns="" xmlns:a14="http://schemas.microsoft.com/office/drawing/2010/main" w="9525">
                 <a:solidFill>
                   <a:srgbClr val="000000"/>
                 </a:solidFill>
@@ -18791,14 +19185,14 @@
           </a:ln>
           <a:extLst>
             <a:ext uri="{909E8E84-426E-40dd-AFC4-6F175D3DCCD1}">
-              <a14:hiddenFill xmlns:a14="http://schemas.microsoft.com/office/drawing/2010/main" xmlns="">
+              <a14:hiddenFill xmlns="" xmlns:a14="http://schemas.microsoft.com/office/drawing/2010/main">
                 <a:solidFill>
                   <a:srgbClr val="FFFFFF"/>
                 </a:solidFill>
               </a14:hiddenFill>
             </a:ext>
             <a:ext uri="{91240B29-F687-4f45-9708-019B960494DF}">
-              <a14:hiddenLine xmlns:a14="http://schemas.microsoft.com/office/drawing/2010/main" xmlns="" w="9525">
+              <a14:hiddenLine xmlns="" xmlns:a14="http://schemas.microsoft.com/office/drawing/2010/main" w="9525">
                 <a:solidFill>
                   <a:srgbClr val="000000"/>
                 </a:solidFill>
@@ -18983,14 +19377,14 @@
           </a:ln>
           <a:extLst>
             <a:ext uri="{909E8E84-426E-40dd-AFC4-6F175D3DCCD1}">
-              <a14:hiddenFill xmlns:a14="http://schemas.microsoft.com/office/drawing/2010/main" xmlns="">
+              <a14:hiddenFill xmlns="" xmlns:a14="http://schemas.microsoft.com/office/drawing/2010/main">
                 <a:solidFill>
                   <a:srgbClr val="FFFFFF"/>
                 </a:solidFill>
               </a14:hiddenFill>
             </a:ext>
             <a:ext uri="{91240B29-F687-4f45-9708-019B960494DF}">
-              <a14:hiddenLine xmlns:a14="http://schemas.microsoft.com/office/drawing/2010/main" xmlns="" w="9525">
+              <a14:hiddenLine xmlns="" xmlns:a14="http://schemas.microsoft.com/office/drawing/2010/main" w="9525">
                 <a:solidFill>
                   <a:srgbClr val="000000"/>
                 </a:solidFill>
@@ -19172,7 +19566,7 @@
         </p:nvGraphicFramePr>
         <p:xfrm>
           <a:off x="595313" y="1411288"/>
-          <a:ext cx="7693025" cy="3046503"/>
+          <a:ext cx="7693025" cy="3046504"/>
         </p:xfrm>
         <a:graphic>
           <a:graphicData uri="http://schemas.openxmlformats.org/drawingml/2006/table">
@@ -22036,14 +22430,14 @@
           </a:ln>
           <a:extLst>
             <a:ext uri="{909E8E84-426E-40dd-AFC4-6F175D3DCCD1}">
-              <a14:hiddenFill xmlns:a14="http://schemas.microsoft.com/office/drawing/2010/main" xmlns="">
+              <a14:hiddenFill xmlns="" xmlns:a14="http://schemas.microsoft.com/office/drawing/2010/main">
                 <a:solidFill>
                   <a:srgbClr val="FFFFFF"/>
                 </a:solidFill>
               </a14:hiddenFill>
             </a:ext>
             <a:ext uri="{91240B29-F687-4f45-9708-019B960494DF}">
-              <a14:hiddenLine xmlns:a14="http://schemas.microsoft.com/office/drawing/2010/main" xmlns="" w="9525">
+              <a14:hiddenLine xmlns="" xmlns:a14="http://schemas.microsoft.com/office/drawing/2010/main" w="9525">
                 <a:solidFill>
                   <a:srgbClr val="000000"/>
                 </a:solidFill>
@@ -22248,14 +22642,14 @@
           <a:ln/>
           <a:extLst>
             <a:ext uri="{909E8E84-426E-40dd-AFC4-6F175D3DCCD1}">
-              <a14:hiddenFill xmlns:a14="http://schemas.microsoft.com/office/drawing/2010/main" xmlns="">
+              <a14:hiddenFill xmlns="" xmlns:a14="http://schemas.microsoft.com/office/drawing/2010/main">
                 <a:solidFill>
                   <a:srgbClr val="FFFFFF"/>
                 </a:solidFill>
               </a14:hiddenFill>
             </a:ext>
             <a:ext uri="{91240B29-F687-4f45-9708-019B960494DF}">
-              <a14:hiddenLine xmlns:a14="http://schemas.microsoft.com/office/drawing/2010/main" xmlns="" w="9525">
+              <a14:hiddenLine xmlns="" xmlns:a14="http://schemas.microsoft.com/office/drawing/2010/main" w="9525">
                 <a:solidFill>
                   <a:srgbClr val="000000"/>
                 </a:solidFill>
@@ -22442,14 +22836,14 @@
           </a:ln>
           <a:extLst>
             <a:ext uri="{909E8E84-426E-40dd-AFC4-6F175D3DCCD1}">
-              <a14:hiddenFill xmlns:a14="http://schemas.microsoft.com/office/drawing/2010/main" xmlns="">
+              <a14:hiddenFill xmlns="" xmlns:a14="http://schemas.microsoft.com/office/drawing/2010/main">
                 <a:solidFill>
                   <a:srgbClr val="FFFFFF"/>
                 </a:solidFill>
               </a14:hiddenFill>
             </a:ext>
             <a:ext uri="{91240B29-F687-4f45-9708-019B960494DF}">
-              <a14:hiddenLine xmlns:a14="http://schemas.microsoft.com/office/drawing/2010/main" xmlns="" w="9525">
+              <a14:hiddenLine xmlns="" xmlns:a14="http://schemas.microsoft.com/office/drawing/2010/main" w="9525">
                 <a:solidFill>
                   <a:srgbClr val="000000"/>
                 </a:solidFill>
@@ -22680,14 +23074,14 @@
           <a:ln/>
           <a:extLst>
             <a:ext uri="{909E8E84-426E-40dd-AFC4-6F175D3DCCD1}">
-              <a14:hiddenFill xmlns:a14="http://schemas.microsoft.com/office/drawing/2010/main" xmlns="">
+              <a14:hiddenFill xmlns="" xmlns:a14="http://schemas.microsoft.com/office/drawing/2010/main">
                 <a:solidFill>
                   <a:srgbClr val="FFFFFF"/>
                 </a:solidFill>
               </a14:hiddenFill>
             </a:ext>
             <a:ext uri="{91240B29-F687-4f45-9708-019B960494DF}">
-              <a14:hiddenLine xmlns:a14="http://schemas.microsoft.com/office/drawing/2010/main" xmlns="" w="9525">
+              <a14:hiddenLine xmlns="" xmlns:a14="http://schemas.microsoft.com/office/drawing/2010/main" w="9525">
                 <a:solidFill>
                   <a:srgbClr val="000000"/>
                 </a:solidFill>
@@ -27433,14 +27827,14 @@
           </a:ln>
           <a:extLst>
             <a:ext uri="{909E8E84-426E-40dd-AFC4-6F175D3DCCD1}">
-              <a14:hiddenFill xmlns:a14="http://schemas.microsoft.com/office/drawing/2010/main" xmlns="">
+              <a14:hiddenFill xmlns="" xmlns:a14="http://schemas.microsoft.com/office/drawing/2010/main">
                 <a:solidFill>
                   <a:srgbClr val="FFFFFF"/>
                 </a:solidFill>
               </a14:hiddenFill>
             </a:ext>
             <a:ext uri="{91240B29-F687-4f45-9708-019B960494DF}">
-              <a14:hiddenLine xmlns:a14="http://schemas.microsoft.com/office/drawing/2010/main" xmlns="" w="9525">
+              <a14:hiddenLine xmlns="" xmlns:a14="http://schemas.microsoft.com/office/drawing/2010/main" w="9525">
                 <a:solidFill>
                   <a:srgbClr val="000000"/>
                 </a:solidFill>
@@ -29202,14 +29596,14 @@
           </a:ln>
           <a:extLst>
             <a:ext uri="{909E8E84-426E-40dd-AFC4-6F175D3DCCD1}">
-              <a14:hiddenFill xmlns:a14="http://schemas.microsoft.com/office/drawing/2010/main" xmlns="">
+              <a14:hiddenFill xmlns="" xmlns:a14="http://schemas.microsoft.com/office/drawing/2010/main">
                 <a:solidFill>
                   <a:srgbClr val="FFFFFF"/>
                 </a:solidFill>
               </a14:hiddenFill>
             </a:ext>
             <a:ext uri="{91240B29-F687-4f45-9708-019B960494DF}">
-              <a14:hiddenLine xmlns:a14="http://schemas.microsoft.com/office/drawing/2010/main" xmlns="" w="9525">
+              <a14:hiddenLine xmlns="" xmlns:a14="http://schemas.microsoft.com/office/drawing/2010/main" w="9525">
                 <a:solidFill>
                   <a:srgbClr val="000000"/>
                 </a:solidFill>
@@ -29414,14 +29808,14 @@
           <a:ln/>
           <a:extLst>
             <a:ext uri="{909E8E84-426E-40dd-AFC4-6F175D3DCCD1}">
-              <a14:hiddenFill xmlns:a14="http://schemas.microsoft.com/office/drawing/2010/main" xmlns="">
+              <a14:hiddenFill xmlns="" xmlns:a14="http://schemas.microsoft.com/office/drawing/2010/main">
                 <a:solidFill>
                   <a:srgbClr val="FFFFFF"/>
                 </a:solidFill>
               </a14:hiddenFill>
             </a:ext>
             <a:ext uri="{91240B29-F687-4f45-9708-019B960494DF}">
-              <a14:hiddenLine xmlns:a14="http://schemas.microsoft.com/office/drawing/2010/main" xmlns="" w="9525">
+              <a14:hiddenLine xmlns="" xmlns:a14="http://schemas.microsoft.com/office/drawing/2010/main" w="9525">
                 <a:solidFill>
                   <a:srgbClr val="000000"/>
                 </a:solidFill>
@@ -29606,14 +30000,14 @@
           <a:ln/>
           <a:extLst>
             <a:ext uri="{909E8E84-426E-40dd-AFC4-6F175D3DCCD1}">
-              <a14:hiddenFill xmlns:a14="http://schemas.microsoft.com/office/drawing/2010/main" xmlns="">
+              <a14:hiddenFill xmlns="" xmlns:a14="http://schemas.microsoft.com/office/drawing/2010/main">
                 <a:solidFill>
                   <a:srgbClr val="FFFFFF"/>
                 </a:solidFill>
               </a14:hiddenFill>
             </a:ext>
             <a:ext uri="{91240B29-F687-4f45-9708-019B960494DF}">
-              <a14:hiddenLine xmlns:a14="http://schemas.microsoft.com/office/drawing/2010/main" xmlns="" w="9525">
+              <a14:hiddenLine xmlns="" xmlns:a14="http://schemas.microsoft.com/office/drawing/2010/main" w="9525">
                 <a:solidFill>
                   <a:srgbClr val="000000"/>
                 </a:solidFill>
@@ -31484,14 +31878,14 @@
           <a:ln/>
           <a:extLst>
             <a:ext uri="{909E8E84-426E-40dd-AFC4-6F175D3DCCD1}">
-              <a14:hiddenFill xmlns:a14="http://schemas.microsoft.com/office/drawing/2010/main" xmlns="">
+              <a14:hiddenFill xmlns="" xmlns:a14="http://schemas.microsoft.com/office/drawing/2010/main">
                 <a:solidFill>
                   <a:srgbClr val="FFFFFF"/>
                 </a:solidFill>
               </a14:hiddenFill>
             </a:ext>
             <a:ext uri="{91240B29-F687-4f45-9708-019B960494DF}">
-              <a14:hiddenLine xmlns:a14="http://schemas.microsoft.com/office/drawing/2010/main" xmlns="" w="9525">
+              <a14:hiddenLine xmlns="" xmlns:a14="http://schemas.microsoft.com/office/drawing/2010/main" w="9525">
                 <a:solidFill>
                   <a:srgbClr val="000000"/>
                 </a:solidFill>
@@ -31653,14 +32047,14 @@
           </a:ln>
           <a:extLst>
             <a:ext uri="{909E8E84-426E-40dd-AFC4-6F175D3DCCD1}">
-              <a14:hiddenFill xmlns:a14="http://schemas.microsoft.com/office/drawing/2010/main" xmlns="">
+              <a14:hiddenFill xmlns="" xmlns:a14="http://schemas.microsoft.com/office/drawing/2010/main">
                 <a:solidFill>
                   <a:srgbClr val="FFFFFF"/>
                 </a:solidFill>
               </a14:hiddenFill>
             </a:ext>
             <a:ext uri="{91240B29-F687-4f45-9708-019B960494DF}">
-              <a14:hiddenLine xmlns:a14="http://schemas.microsoft.com/office/drawing/2010/main" xmlns="" w="9525">
+              <a14:hiddenLine xmlns="" xmlns:a14="http://schemas.microsoft.com/office/drawing/2010/main" w="9525">
                 <a:solidFill>
                   <a:srgbClr val="000000"/>
                 </a:solidFill>
@@ -31716,14 +32110,14 @@
           </a:ln>
           <a:extLst>
             <a:ext uri="{909E8E84-426E-40dd-AFC4-6F175D3DCCD1}">
-              <a14:hiddenFill xmlns:a14="http://schemas.microsoft.com/office/drawing/2010/main" xmlns="">
+              <a14:hiddenFill xmlns="" xmlns:a14="http://schemas.microsoft.com/office/drawing/2010/main">
                 <a:solidFill>
                   <a:srgbClr val="FFFFFF"/>
                 </a:solidFill>
               </a14:hiddenFill>
             </a:ext>
             <a:ext uri="{91240B29-F687-4f45-9708-019B960494DF}">
-              <a14:hiddenLine xmlns:a14="http://schemas.microsoft.com/office/drawing/2010/main" xmlns="" w="9525">
+              <a14:hiddenLine xmlns="" xmlns:a14="http://schemas.microsoft.com/office/drawing/2010/main" w="9525">
                 <a:solidFill>
                   <a:srgbClr val="000000"/>
                 </a:solidFill>
@@ -32076,14 +32470,14 @@
           <a:ln/>
           <a:extLst>
             <a:ext uri="{909E8E84-426E-40dd-AFC4-6F175D3DCCD1}">
-              <a14:hiddenFill xmlns:a14="http://schemas.microsoft.com/office/drawing/2010/main" xmlns="">
+              <a14:hiddenFill xmlns="" xmlns:a14="http://schemas.microsoft.com/office/drawing/2010/main">
                 <a:solidFill>
                   <a:srgbClr val="FFFFFF"/>
                 </a:solidFill>
               </a14:hiddenFill>
             </a:ext>
             <a:ext uri="{91240B29-F687-4f45-9708-019B960494DF}">
-              <a14:hiddenLine xmlns:a14="http://schemas.microsoft.com/office/drawing/2010/main" xmlns="" w="9525">
+              <a14:hiddenLine xmlns="" xmlns:a14="http://schemas.microsoft.com/office/drawing/2010/main" w="9525">
                 <a:solidFill>
                   <a:srgbClr val="000000"/>
                 </a:solidFill>
@@ -32245,14 +32639,14 @@
           </a:ln>
           <a:extLst>
             <a:ext uri="{909E8E84-426E-40dd-AFC4-6F175D3DCCD1}">
-              <a14:hiddenFill xmlns:a14="http://schemas.microsoft.com/office/drawing/2010/main" xmlns="">
+              <a14:hiddenFill xmlns="" xmlns:a14="http://schemas.microsoft.com/office/drawing/2010/main">
                 <a:solidFill>
                   <a:srgbClr val="FFFFFF"/>
                 </a:solidFill>
               </a14:hiddenFill>
             </a:ext>
             <a:ext uri="{91240B29-F687-4f45-9708-019B960494DF}">
-              <a14:hiddenLine xmlns:a14="http://schemas.microsoft.com/office/drawing/2010/main" xmlns="" w="9525">
+              <a14:hiddenLine xmlns="" xmlns:a14="http://schemas.microsoft.com/office/drawing/2010/main" w="9525">
                 <a:solidFill>
                   <a:srgbClr val="000000"/>
                 </a:solidFill>
@@ -32308,14 +32702,14 @@
           </a:ln>
           <a:extLst>
             <a:ext uri="{909E8E84-426E-40dd-AFC4-6F175D3DCCD1}">
-              <a14:hiddenFill xmlns:a14="http://schemas.microsoft.com/office/drawing/2010/main" xmlns="">
+              <a14:hiddenFill xmlns="" xmlns:a14="http://schemas.microsoft.com/office/drawing/2010/main">
                 <a:solidFill>
                   <a:srgbClr val="FFFFFF"/>
                 </a:solidFill>
               </a14:hiddenFill>
             </a:ext>
             <a:ext uri="{91240B29-F687-4f45-9708-019B960494DF}">
-              <a14:hiddenLine xmlns:a14="http://schemas.microsoft.com/office/drawing/2010/main" xmlns="" w="9525">
+              <a14:hiddenLine xmlns="" xmlns:a14="http://schemas.microsoft.com/office/drawing/2010/main" w="9525">
                 <a:solidFill>
                   <a:srgbClr val="000000"/>
                 </a:solidFill>
@@ -32705,14 +33099,14 @@
           <a:ln/>
           <a:extLst>
             <a:ext uri="{909E8E84-426E-40dd-AFC4-6F175D3DCCD1}">
-              <a14:hiddenFill xmlns:a14="http://schemas.microsoft.com/office/drawing/2010/main" xmlns="">
+              <a14:hiddenFill xmlns="" xmlns:a14="http://schemas.microsoft.com/office/drawing/2010/main">
                 <a:solidFill>
                   <a:srgbClr val="FFFFFF"/>
                 </a:solidFill>
               </a14:hiddenFill>
             </a:ext>
             <a:ext uri="{91240B29-F687-4f45-9708-019B960494DF}">
-              <a14:hiddenLine xmlns:a14="http://schemas.microsoft.com/office/drawing/2010/main" xmlns="" w="9525">
+              <a14:hiddenLine xmlns="" xmlns:a14="http://schemas.microsoft.com/office/drawing/2010/main" w="9525">
                 <a:solidFill>
                   <a:srgbClr val="000000"/>
                 </a:solidFill>
@@ -32874,14 +33268,14 @@
           </a:ln>
           <a:extLst>
             <a:ext uri="{909E8E84-426E-40dd-AFC4-6F175D3DCCD1}">
-              <a14:hiddenFill xmlns:a14="http://schemas.microsoft.com/office/drawing/2010/main" xmlns="">
+              <a14:hiddenFill xmlns="" xmlns:a14="http://schemas.microsoft.com/office/drawing/2010/main">
                 <a:solidFill>
                   <a:srgbClr val="FFFFFF"/>
                 </a:solidFill>
               </a14:hiddenFill>
             </a:ext>
             <a:ext uri="{91240B29-F687-4f45-9708-019B960494DF}">
-              <a14:hiddenLine xmlns:a14="http://schemas.microsoft.com/office/drawing/2010/main" xmlns="" w="9525">
+              <a14:hiddenLine xmlns="" xmlns:a14="http://schemas.microsoft.com/office/drawing/2010/main" w="9525">
                 <a:solidFill>
                   <a:srgbClr val="000000"/>
                 </a:solidFill>
@@ -33976,14 +34370,14 @@
           </a:ln>
           <a:extLst>
             <a:ext uri="{909E8E84-426E-40dd-AFC4-6F175D3DCCD1}">
-              <a14:hiddenFill xmlns:a14="http://schemas.microsoft.com/office/drawing/2010/main" xmlns="">
+              <a14:hiddenFill xmlns="" xmlns:a14="http://schemas.microsoft.com/office/drawing/2010/main">
                 <a:solidFill>
                   <a:srgbClr val="FFFFFF"/>
                 </a:solidFill>
               </a14:hiddenFill>
             </a:ext>
             <a:ext uri="{91240B29-F687-4f45-9708-019B960494DF}">
-              <a14:hiddenLine xmlns:a14="http://schemas.microsoft.com/office/drawing/2010/main" xmlns="" w="9525">
+              <a14:hiddenLine xmlns="" xmlns:a14="http://schemas.microsoft.com/office/drawing/2010/main" w="9525">
                 <a:solidFill>
                   <a:srgbClr val="000000"/>
                 </a:solidFill>
@@ -34176,7 +34570,7 @@
           </a:ln>
           <a:extLst>
             <a:ext uri="{909E8E84-426E-40dd-AFC4-6F175D3DCCD1}">
-              <a14:hiddenFill xmlns:a14="http://schemas.microsoft.com/office/drawing/2010/main" xmlns="">
+              <a14:hiddenFill xmlns="" xmlns:a14="http://schemas.microsoft.com/office/drawing/2010/main">
                 <a:noFill/>
               </a14:hiddenFill>
             </a:ext>
@@ -34453,14 +34847,14 @@
           <a:ln/>
           <a:extLst>
             <a:ext uri="{909E8E84-426E-40dd-AFC4-6F175D3DCCD1}">
-              <a14:hiddenFill xmlns:a14="http://schemas.microsoft.com/office/drawing/2010/main" xmlns="">
+              <a14:hiddenFill xmlns="" xmlns:a14="http://schemas.microsoft.com/office/drawing/2010/main">
                 <a:solidFill>
                   <a:srgbClr val="FFFFFF"/>
                 </a:solidFill>
               </a14:hiddenFill>
             </a:ext>
             <a:ext uri="{91240B29-F687-4f45-9708-019B960494DF}">
-              <a14:hiddenLine xmlns:a14="http://schemas.microsoft.com/office/drawing/2010/main" xmlns="" w="9525">
+              <a14:hiddenLine xmlns="" xmlns:a14="http://schemas.microsoft.com/office/drawing/2010/main" w="9525">
                 <a:solidFill>
                   <a:srgbClr val="000000"/>
                 </a:solidFill>
@@ -35965,14 +36359,14 @@
           <a:ln/>
           <a:extLst>
             <a:ext uri="{909E8E84-426E-40dd-AFC4-6F175D3DCCD1}">
-              <a14:hiddenFill xmlns:a14="http://schemas.microsoft.com/office/drawing/2010/main" xmlns="">
+              <a14:hiddenFill xmlns="" xmlns:a14="http://schemas.microsoft.com/office/drawing/2010/main">
                 <a:solidFill>
                   <a:srgbClr val="FFFFFF"/>
                 </a:solidFill>
               </a14:hiddenFill>
             </a:ext>
             <a:ext uri="{91240B29-F687-4f45-9708-019B960494DF}">
-              <a14:hiddenLine xmlns:a14="http://schemas.microsoft.com/office/drawing/2010/main" xmlns="" w="9525">
+              <a14:hiddenLine xmlns="" xmlns:a14="http://schemas.microsoft.com/office/drawing/2010/main" w="9525">
                 <a:solidFill>
                   <a:srgbClr val="000000"/>
                 </a:solidFill>
@@ -38262,14 +38656,14 @@
           <a:ln/>
           <a:extLst>
             <a:ext uri="{909E8E84-426E-40dd-AFC4-6F175D3DCCD1}">
-              <a14:hiddenFill xmlns:a14="http://schemas.microsoft.com/office/drawing/2010/main" xmlns="">
+              <a14:hiddenFill xmlns="" xmlns:a14="http://schemas.microsoft.com/office/drawing/2010/main">
                 <a:solidFill>
                   <a:srgbClr val="FFFFFF"/>
                 </a:solidFill>
               </a14:hiddenFill>
             </a:ext>
             <a:ext uri="{91240B29-F687-4f45-9708-019B960494DF}">
-              <a14:hiddenLine xmlns:a14="http://schemas.microsoft.com/office/drawing/2010/main" xmlns="" w="9525">
+              <a14:hiddenLine xmlns="" xmlns:a14="http://schemas.microsoft.com/office/drawing/2010/main" w="9525">
                 <a:solidFill>
                   <a:srgbClr val="000000"/>
                 </a:solidFill>
@@ -40343,14 +40737,14 @@
           <a:effectLst/>
           <a:extLst>
             <a:ext uri="{909E8E84-426E-40dd-AFC4-6F175D3DCCD1}">
-              <a14:hiddenFill xmlns:a14="http://schemas.microsoft.com/office/drawing/2010/main" xmlns="">
+              <a14:hiddenFill xmlns="" xmlns:a14="http://schemas.microsoft.com/office/drawing/2010/main">
                 <a:solidFill>
                   <a:srgbClr val="FFFFFF"/>
                 </a:solidFill>
               </a14:hiddenFill>
             </a:ext>
             <a:ext uri="{91240B29-F687-4f45-9708-019B960494DF}">
-              <a14:hiddenLine xmlns:a14="http://schemas.microsoft.com/office/drawing/2010/main" xmlns="" w="9525">
+              <a14:hiddenLine xmlns="" xmlns:a14="http://schemas.microsoft.com/office/drawing/2010/main" w="9525">
                 <a:solidFill>
                   <a:srgbClr val="000000"/>
                 </a:solidFill>
@@ -41682,14 +42076,14 @@
           <a:ln/>
           <a:extLst>
             <a:ext uri="{909E8E84-426E-40dd-AFC4-6F175D3DCCD1}">
-              <a14:hiddenFill xmlns:a14="http://schemas.microsoft.com/office/drawing/2010/main" xmlns="">
+              <a14:hiddenFill xmlns="" xmlns:a14="http://schemas.microsoft.com/office/drawing/2010/main">
                 <a:solidFill>
                   <a:srgbClr val="FFFFFF"/>
                 </a:solidFill>
               </a14:hiddenFill>
             </a:ext>
             <a:ext uri="{91240B29-F687-4f45-9708-019B960494DF}">
-              <a14:hiddenLine xmlns:a14="http://schemas.microsoft.com/office/drawing/2010/main" xmlns="" w="9525">
+              <a14:hiddenLine xmlns="" xmlns:a14="http://schemas.microsoft.com/office/drawing/2010/main" w="9525">
                 <a:solidFill>
                   <a:srgbClr val="000000"/>
                 </a:solidFill>

--- a/docs/SBN_Design.pptx
+++ b/docs/SBN_Design.pptx
@@ -5,10 +5,10 @@
     <p:sldMasterId id="2147483649" r:id="rId1"/>
   </p:sldMasterIdLst>
   <p:notesMasterIdLst>
-    <p:notesMasterId r:id="rId19"/>
+    <p:notesMasterId r:id="rId21"/>
   </p:notesMasterIdLst>
   <p:handoutMasterIdLst>
-    <p:handoutMasterId r:id="rId20"/>
+    <p:handoutMasterId r:id="rId22"/>
   </p:handoutMasterIdLst>
   <p:sldIdLst>
     <p:sldId id="437" r:id="rId2"/>
@@ -28,6 +28,8 @@
     <p:sldId id="470" r:id="rId16"/>
     <p:sldId id="471" r:id="rId17"/>
     <p:sldId id="408" r:id="rId18"/>
+    <p:sldId id="479" r:id="rId19"/>
+    <p:sldId id="478" r:id="rId20"/>
   </p:sldIdLst>
   <p:sldSz cx="9144000" cy="6858000" type="screen4x3"/>
   <p:notesSz cx="6858000" cy="9144000"/>
@@ -589,7 +591,7 @@
               <ma14:placeholderFlag xmlns:ma14="http://schemas.microsoft.com/office/mac/drawingml/2011/main" val="1"/>
             </a:ext>
             <a:ext uri="{909E8E84-426E-40dd-AFC4-6F175D3DCCD1}">
-              <a14:hiddenFill xmlns="" xmlns:a14="http://schemas.microsoft.com/office/drawing/2010/main">
+              <a14:hiddenFill xmlns:a14="http://schemas.microsoft.com/office/drawing/2010/main" xmlns="">
                 <a:solidFill>
                   <a:srgbClr val="FFFFFF"/>
                 </a:solidFill>
@@ -941,14 +943,14 @@
           <a:ln/>
           <a:extLst>
             <a:ext uri="{909E8E84-426E-40dd-AFC4-6F175D3DCCD1}">
-              <a14:hiddenFill xmlns="" xmlns:a14="http://schemas.microsoft.com/office/drawing/2010/main">
+              <a14:hiddenFill xmlns:a14="http://schemas.microsoft.com/office/drawing/2010/main" xmlns="">
                 <a:solidFill>
                   <a:srgbClr val="FFFFFF"/>
                 </a:solidFill>
               </a14:hiddenFill>
             </a:ext>
             <a:ext uri="{91240B29-F687-4f45-9708-019B960494DF}">
-              <a14:hiddenLine xmlns="" xmlns:a14="http://schemas.microsoft.com/office/drawing/2010/main" w="9525">
+              <a14:hiddenLine xmlns:a14="http://schemas.microsoft.com/office/drawing/2010/main" xmlns="" w="9525">
                 <a:solidFill>
                   <a:srgbClr val="000000"/>
                 </a:solidFill>
@@ -1118,14 +1120,14 @@
               <ma14:placeholderFlag xmlns:ma14="http://schemas.microsoft.com/office/mac/drawingml/2011/main" val="1"/>
             </a:ext>
             <a:ext uri="{909E8E84-426E-40dd-AFC4-6F175D3DCCD1}">
-              <a14:hiddenFill xmlns="" xmlns:a14="http://schemas.microsoft.com/office/drawing/2010/main">
+              <a14:hiddenFill xmlns:a14="http://schemas.microsoft.com/office/drawing/2010/main" xmlns="">
                 <a:solidFill>
                   <a:srgbClr val="FFFFFF"/>
                 </a:solidFill>
               </a14:hiddenFill>
             </a:ext>
             <a:ext uri="{91240B29-F687-4f45-9708-019B960494DF}">
-              <a14:hiddenLine xmlns="" xmlns:a14="http://schemas.microsoft.com/office/drawing/2010/main" w="9525">
+              <a14:hiddenLine xmlns:a14="http://schemas.microsoft.com/office/drawing/2010/main" xmlns="" w="9525">
                 <a:solidFill>
                   <a:srgbClr val="000000"/>
                 </a:solidFill>
@@ -1195,14 +1197,14 @@
           </a:ln>
           <a:extLst>
             <a:ext uri="{909E8E84-426E-40dd-AFC4-6F175D3DCCD1}">
-              <a14:hiddenFill xmlns="" xmlns:a14="http://schemas.microsoft.com/office/drawing/2010/main">
+              <a14:hiddenFill xmlns:a14="http://schemas.microsoft.com/office/drawing/2010/main" xmlns="">
                 <a:solidFill>
                   <a:srgbClr val="FFFFFF"/>
                 </a:solidFill>
               </a14:hiddenFill>
             </a:ext>
             <a:ext uri="{91240B29-F687-4f45-9708-019B960494DF}">
-              <a14:hiddenLine xmlns="" xmlns:a14="http://schemas.microsoft.com/office/drawing/2010/main" w="9525">
+              <a14:hiddenLine xmlns:a14="http://schemas.microsoft.com/office/drawing/2010/main" xmlns="" w="9525">
                 <a:solidFill>
                   <a:srgbClr val="000000"/>
                 </a:solidFill>
@@ -1372,14 +1374,14 @@
               <ma14:placeholderFlag xmlns:ma14="http://schemas.microsoft.com/office/mac/drawingml/2011/main" val="1"/>
             </a:ext>
             <a:ext uri="{909E8E84-426E-40dd-AFC4-6F175D3DCCD1}">
-              <a14:hiddenFill xmlns="" xmlns:a14="http://schemas.microsoft.com/office/drawing/2010/main">
+              <a14:hiddenFill xmlns:a14="http://schemas.microsoft.com/office/drawing/2010/main" xmlns="">
                 <a:solidFill>
                   <a:srgbClr val="FFFFFF"/>
                 </a:solidFill>
               </a14:hiddenFill>
             </a:ext>
             <a:ext uri="{91240B29-F687-4f45-9708-019B960494DF}">
-              <a14:hiddenLine xmlns="" xmlns:a14="http://schemas.microsoft.com/office/drawing/2010/main" w="9525">
+              <a14:hiddenLine xmlns:a14="http://schemas.microsoft.com/office/drawing/2010/main" xmlns="" w="9525">
                 <a:solidFill>
                   <a:srgbClr val="000000"/>
                 </a:solidFill>
@@ -1449,14 +1451,14 @@
           </a:ln>
           <a:extLst>
             <a:ext uri="{909E8E84-426E-40dd-AFC4-6F175D3DCCD1}">
-              <a14:hiddenFill xmlns="" xmlns:a14="http://schemas.microsoft.com/office/drawing/2010/main">
+              <a14:hiddenFill xmlns:a14="http://schemas.microsoft.com/office/drawing/2010/main" xmlns="">
                 <a:solidFill>
                   <a:srgbClr val="FFFFFF"/>
                 </a:solidFill>
               </a14:hiddenFill>
             </a:ext>
             <a:ext uri="{91240B29-F687-4f45-9708-019B960494DF}">
-              <a14:hiddenLine xmlns="" xmlns:a14="http://schemas.microsoft.com/office/drawing/2010/main" w="9525">
+              <a14:hiddenLine xmlns:a14="http://schemas.microsoft.com/office/drawing/2010/main" xmlns="" w="9525">
                 <a:solidFill>
                   <a:srgbClr val="000000"/>
                 </a:solidFill>
@@ -1626,14 +1628,14 @@
               <ma14:placeholderFlag xmlns:ma14="http://schemas.microsoft.com/office/mac/drawingml/2011/main" val="1"/>
             </a:ext>
             <a:ext uri="{909E8E84-426E-40dd-AFC4-6F175D3DCCD1}">
-              <a14:hiddenFill xmlns="" xmlns:a14="http://schemas.microsoft.com/office/drawing/2010/main">
+              <a14:hiddenFill xmlns:a14="http://schemas.microsoft.com/office/drawing/2010/main" xmlns="">
                 <a:solidFill>
                   <a:srgbClr val="FFFFFF"/>
                 </a:solidFill>
               </a14:hiddenFill>
             </a:ext>
             <a:ext uri="{91240B29-F687-4f45-9708-019B960494DF}">
-              <a14:hiddenLine xmlns="" xmlns:a14="http://schemas.microsoft.com/office/drawing/2010/main" w="9525">
+              <a14:hiddenLine xmlns:a14="http://schemas.microsoft.com/office/drawing/2010/main" xmlns="" w="9525">
                 <a:solidFill>
                   <a:srgbClr val="000000"/>
                 </a:solidFill>
@@ -1703,14 +1705,14 @@
           </a:ln>
           <a:extLst>
             <a:ext uri="{909E8E84-426E-40dd-AFC4-6F175D3DCCD1}">
-              <a14:hiddenFill xmlns="" xmlns:a14="http://schemas.microsoft.com/office/drawing/2010/main">
+              <a14:hiddenFill xmlns:a14="http://schemas.microsoft.com/office/drawing/2010/main" xmlns="">
                 <a:solidFill>
                   <a:srgbClr val="FFFFFF"/>
                 </a:solidFill>
               </a14:hiddenFill>
             </a:ext>
             <a:ext uri="{91240B29-F687-4f45-9708-019B960494DF}">
-              <a14:hiddenLine xmlns="" xmlns:a14="http://schemas.microsoft.com/office/drawing/2010/main" w="9525">
+              <a14:hiddenLine xmlns:a14="http://schemas.microsoft.com/office/drawing/2010/main" xmlns="" w="9525">
                 <a:solidFill>
                   <a:srgbClr val="000000"/>
                 </a:solidFill>
@@ -1880,14 +1882,14 @@
               <ma14:placeholderFlag xmlns:ma14="http://schemas.microsoft.com/office/mac/drawingml/2011/main" val="1"/>
             </a:ext>
             <a:ext uri="{909E8E84-426E-40dd-AFC4-6F175D3DCCD1}">
-              <a14:hiddenFill xmlns="" xmlns:a14="http://schemas.microsoft.com/office/drawing/2010/main">
+              <a14:hiddenFill xmlns:a14="http://schemas.microsoft.com/office/drawing/2010/main" xmlns="">
                 <a:solidFill>
                   <a:srgbClr val="FFFFFF"/>
                 </a:solidFill>
               </a14:hiddenFill>
             </a:ext>
             <a:ext uri="{91240B29-F687-4f45-9708-019B960494DF}">
-              <a14:hiddenLine xmlns="" xmlns:a14="http://schemas.microsoft.com/office/drawing/2010/main" w="9525">
+              <a14:hiddenLine xmlns:a14="http://schemas.microsoft.com/office/drawing/2010/main" xmlns="" w="9525">
                 <a:solidFill>
                   <a:srgbClr val="000000"/>
                 </a:solidFill>
@@ -1950,14 +1952,14 @@
           <a:ln/>
           <a:extLst>
             <a:ext uri="{909E8E84-426E-40dd-AFC4-6F175D3DCCD1}">
-              <a14:hiddenFill xmlns="" xmlns:a14="http://schemas.microsoft.com/office/drawing/2010/main">
+              <a14:hiddenFill xmlns:a14="http://schemas.microsoft.com/office/drawing/2010/main" xmlns="">
                 <a:solidFill>
                   <a:srgbClr val="FFFFFF"/>
                 </a:solidFill>
               </a14:hiddenFill>
             </a:ext>
             <a:ext uri="{91240B29-F687-4f45-9708-019B960494DF}">
-              <a14:hiddenLine xmlns="" xmlns:a14="http://schemas.microsoft.com/office/drawing/2010/main" w="9525">
+              <a14:hiddenLine xmlns:a14="http://schemas.microsoft.com/office/drawing/2010/main" xmlns="" w="9525">
                 <a:solidFill>
                   <a:srgbClr val="000000"/>
                 </a:solidFill>
@@ -2127,14 +2129,14 @@
               <ma14:placeholderFlag xmlns:ma14="http://schemas.microsoft.com/office/mac/drawingml/2011/main" val="1"/>
             </a:ext>
             <a:ext uri="{909E8E84-426E-40dd-AFC4-6F175D3DCCD1}">
-              <a14:hiddenFill xmlns="" xmlns:a14="http://schemas.microsoft.com/office/drawing/2010/main">
+              <a14:hiddenFill xmlns:a14="http://schemas.microsoft.com/office/drawing/2010/main" xmlns="">
                 <a:solidFill>
                   <a:srgbClr val="FFFFFF"/>
                 </a:solidFill>
               </a14:hiddenFill>
             </a:ext>
             <a:ext uri="{91240B29-F687-4f45-9708-019B960494DF}">
-              <a14:hiddenLine xmlns="" xmlns:a14="http://schemas.microsoft.com/office/drawing/2010/main" w="9525">
+              <a14:hiddenLine xmlns:a14="http://schemas.microsoft.com/office/drawing/2010/main" xmlns="" w="9525">
                 <a:solidFill>
                   <a:srgbClr val="000000"/>
                 </a:solidFill>
@@ -2158,6 +2160,510 @@
         </p:txBody>
       </p:sp>
     </p:spTree>
+  </p:cSld>
+  <p:clrMapOvr>
+    <a:masterClrMapping/>
+  </p:clrMapOvr>
+</p:notes>
+</file>
+
+<file path=ppt/notesSlides/notesSlide14.xml><?xml version="1.0" encoding="utf-8"?>
+<p:notes xmlns:a="http://schemas.openxmlformats.org/drawingml/2006/main" xmlns:r="http://schemas.openxmlformats.org/officeDocument/2006/relationships" xmlns:p="http://schemas.openxmlformats.org/presentationml/2006/main">
+  <p:cSld>
+    <p:spTree>
+      <p:nvGrpSpPr>
+        <p:cNvPr id="1" name=""/>
+        <p:cNvGrpSpPr/>
+        <p:nvPr/>
+      </p:nvGrpSpPr>
+      <p:grpSpPr>
+        <a:xfrm>
+          <a:off x="0" y="0"/>
+          <a:ext cx="0" cy="0"/>
+          <a:chOff x="0" y="0"/>
+          <a:chExt cx="0" cy="0"/>
+        </a:xfrm>
+      </p:grpSpPr>
+      <p:sp>
+        <p:nvSpPr>
+          <p:cNvPr id="31745" name="Rectangle 6"/>
+          <p:cNvSpPr>
+            <a:spLocks noGrp="1" noChangeArrowheads="1"/>
+          </p:cNvSpPr>
+          <p:nvPr>
+            <p:ph type="ftr" sz="quarter" idx="4"/>
+          </p:nvPr>
+        </p:nvSpPr>
+        <p:spPr>
+          <a:noFill/>
+          <a:ln/>
+          <a:extLst>
+            <a:ext uri="{909E8E84-426E-40dd-AFC4-6F175D3DCCD1}">
+              <a14:hiddenFill xmlns:a14="http://schemas.microsoft.com/office/drawing/2010/main" xmlns="">
+                <a:solidFill>
+                  <a:srgbClr val="FFFFFF"/>
+                </a:solidFill>
+              </a14:hiddenFill>
+            </a:ext>
+            <a:ext uri="{91240B29-F687-4f45-9708-019B960494DF}">
+              <a14:hiddenLine xmlns:a14="http://schemas.microsoft.com/office/drawing/2010/main" xmlns="" w="9525">
+                <a:solidFill>
+                  <a:srgbClr val="000000"/>
+                </a:solidFill>
+                <a:miter lim="800000"/>
+                <a:headEnd/>
+                <a:tailEnd/>
+              </a14:hiddenLine>
+            </a:ext>
+          </a:extLst>
+        </p:spPr>
+        <p:txBody>
+          <a:bodyPr/>
+          <a:lstStyle>
+            <a:lvl1pPr eaLnBrk="0" hangingPunct="0">
+              <a:defRPr sz="2400">
+                <a:solidFill>
+                  <a:schemeClr val="tx1"/>
+                </a:solidFill>
+                <a:latin typeface="Arial" charset="0"/>
+                <a:ea typeface="ヒラギノ角ゴ Pro W3" charset="0"/>
+                <a:cs typeface="ヒラギノ角ゴ Pro W3" charset="0"/>
+              </a:defRPr>
+            </a:lvl1pPr>
+            <a:lvl2pPr marL="742950" indent="-285750" eaLnBrk="0" hangingPunct="0">
+              <a:defRPr sz="2400">
+                <a:solidFill>
+                  <a:schemeClr val="tx1"/>
+                </a:solidFill>
+                <a:latin typeface="Arial" charset="0"/>
+                <a:ea typeface="ヒラギノ角ゴ Pro W3" charset="0"/>
+                <a:cs typeface="ヒラギノ角ゴ Pro W3" charset="0"/>
+              </a:defRPr>
+            </a:lvl2pPr>
+            <a:lvl3pPr marL="1143000" indent="-228600" eaLnBrk="0" hangingPunct="0">
+              <a:defRPr sz="2400">
+                <a:solidFill>
+                  <a:schemeClr val="tx1"/>
+                </a:solidFill>
+                <a:latin typeface="Arial" charset="0"/>
+                <a:ea typeface="ヒラギノ角ゴ Pro W3" charset="0"/>
+                <a:cs typeface="ヒラギノ角ゴ Pro W3" charset="0"/>
+              </a:defRPr>
+            </a:lvl3pPr>
+            <a:lvl4pPr marL="1600200" indent="-228600" eaLnBrk="0" hangingPunct="0">
+              <a:defRPr sz="2400">
+                <a:solidFill>
+                  <a:schemeClr val="tx1"/>
+                </a:solidFill>
+                <a:latin typeface="Arial" charset="0"/>
+                <a:ea typeface="ヒラギノ角ゴ Pro W3" charset="0"/>
+                <a:cs typeface="ヒラギノ角ゴ Pro W3" charset="0"/>
+              </a:defRPr>
+            </a:lvl4pPr>
+            <a:lvl5pPr marL="2057400" indent="-228600" eaLnBrk="0" hangingPunct="0">
+              <a:defRPr sz="2400">
+                <a:solidFill>
+                  <a:schemeClr val="tx1"/>
+                </a:solidFill>
+                <a:latin typeface="Arial" charset="0"/>
+                <a:ea typeface="ヒラギノ角ゴ Pro W3" charset="0"/>
+                <a:cs typeface="ヒラギノ角ゴ Pro W3" charset="0"/>
+              </a:defRPr>
+            </a:lvl5pPr>
+            <a:lvl6pPr marL="2514600" indent="-228600" algn="ctr" eaLnBrk="0" fontAlgn="base" hangingPunct="0">
+              <a:spcBef>
+                <a:spcPct val="0"/>
+              </a:spcBef>
+              <a:spcAft>
+                <a:spcPct val="0"/>
+              </a:spcAft>
+              <a:defRPr sz="2400">
+                <a:solidFill>
+                  <a:schemeClr val="tx1"/>
+                </a:solidFill>
+                <a:latin typeface="Arial" charset="0"/>
+                <a:ea typeface="ヒラギノ角ゴ Pro W3" charset="0"/>
+                <a:cs typeface="ヒラギノ角ゴ Pro W3" charset="0"/>
+              </a:defRPr>
+            </a:lvl6pPr>
+            <a:lvl7pPr marL="2971800" indent="-228600" algn="ctr" eaLnBrk="0" fontAlgn="base" hangingPunct="0">
+              <a:spcBef>
+                <a:spcPct val="0"/>
+              </a:spcBef>
+              <a:spcAft>
+                <a:spcPct val="0"/>
+              </a:spcAft>
+              <a:defRPr sz="2400">
+                <a:solidFill>
+                  <a:schemeClr val="tx1"/>
+                </a:solidFill>
+                <a:latin typeface="Arial" charset="0"/>
+                <a:ea typeface="ヒラギノ角ゴ Pro W3" charset="0"/>
+                <a:cs typeface="ヒラギノ角ゴ Pro W3" charset="0"/>
+              </a:defRPr>
+            </a:lvl7pPr>
+            <a:lvl8pPr marL="3429000" indent="-228600" algn="ctr" eaLnBrk="0" fontAlgn="base" hangingPunct="0">
+              <a:spcBef>
+                <a:spcPct val="0"/>
+              </a:spcBef>
+              <a:spcAft>
+                <a:spcPct val="0"/>
+              </a:spcAft>
+              <a:defRPr sz="2400">
+                <a:solidFill>
+                  <a:schemeClr val="tx1"/>
+                </a:solidFill>
+                <a:latin typeface="Arial" charset="0"/>
+                <a:ea typeface="ヒラギノ角ゴ Pro W3" charset="0"/>
+                <a:cs typeface="ヒラギノ角ゴ Pro W3" charset="0"/>
+              </a:defRPr>
+            </a:lvl8pPr>
+            <a:lvl9pPr marL="3886200" indent="-228600" algn="ctr" eaLnBrk="0" fontAlgn="base" hangingPunct="0">
+              <a:spcBef>
+                <a:spcPct val="0"/>
+              </a:spcBef>
+              <a:spcAft>
+                <a:spcPct val="0"/>
+              </a:spcAft>
+              <a:defRPr sz="2400">
+                <a:solidFill>
+                  <a:schemeClr val="tx1"/>
+                </a:solidFill>
+                <a:latin typeface="Arial" charset="0"/>
+                <a:ea typeface="ヒラギノ角ゴ Pro W3" charset="0"/>
+                <a:cs typeface="ヒラギノ角ゴ Pro W3" charset="0"/>
+              </a:defRPr>
+            </a:lvl9pPr>
+          </a:lstStyle>
+          <a:p>
+            <a:pPr eaLnBrk="1" hangingPunct="1"/>
+            <a:r>
+              <a:rPr lang="en-US" sz="1200"/>
+              <a:t>testnotes</a:t>
+            </a:r>
+          </a:p>
+        </p:txBody>
+      </p:sp>
+      <p:sp>
+        <p:nvSpPr>
+          <p:cNvPr id="31746" name="Rectangle 2"/>
+          <p:cNvSpPr>
+            <a:spLocks noGrp="1" noRot="1" noChangeAspect="1" noChangeArrowheads="1" noTextEdit="1"/>
+          </p:cNvSpPr>
+          <p:nvPr>
+            <p:ph type="sldImg"/>
+          </p:nvPr>
+        </p:nvSpPr>
+        <p:spPr>
+          <a:ln/>
+        </p:spPr>
+      </p:sp>
+      <p:sp>
+        <p:nvSpPr>
+          <p:cNvPr id="31747" name="Rectangle 3"/>
+          <p:cNvSpPr>
+            <a:spLocks noGrp="1" noChangeArrowheads="1"/>
+          </p:cNvSpPr>
+          <p:nvPr>
+            <p:ph type="body" idx="1"/>
+          </p:nvPr>
+        </p:nvSpPr>
+        <p:spPr>
+          <a:noFill/>
+          <a:ln/>
+          <a:extLst>
+            <a:ext uri="{FAA26D3D-D897-4be2-8F04-BA451C77F1D7}">
+              <ma14:placeholderFlag xmlns:ma14="http://schemas.microsoft.com/office/mac/drawingml/2011/main" val="1"/>
+            </a:ext>
+            <a:ext uri="{909E8E84-426E-40dd-AFC4-6F175D3DCCD1}">
+              <a14:hiddenFill xmlns:a14="http://schemas.microsoft.com/office/drawing/2010/main" xmlns="">
+                <a:solidFill>
+                  <a:srgbClr val="FFFFFF"/>
+                </a:solidFill>
+              </a14:hiddenFill>
+            </a:ext>
+            <a:ext uri="{91240B29-F687-4f45-9708-019B960494DF}">
+              <a14:hiddenLine xmlns:a14="http://schemas.microsoft.com/office/drawing/2010/main" xmlns="" w="9525">
+                <a:solidFill>
+                  <a:srgbClr val="000000"/>
+                </a:solidFill>
+                <a:miter lim="800000"/>
+                <a:headEnd/>
+                <a:tailEnd/>
+              </a14:hiddenLine>
+            </a:ext>
+          </a:extLst>
+        </p:spPr>
+        <p:txBody>
+          <a:bodyPr/>
+          <a:lstStyle/>
+          <a:p>
+            <a:pPr eaLnBrk="1" hangingPunct="1"/>
+            <a:endParaRPr lang="en-US">
+              <a:ea typeface="ヒラギノ角ゴ Pro W3" charset="0"/>
+              <a:cs typeface="ヒラギノ角ゴ Pro W3" charset="0"/>
+            </a:endParaRPr>
+          </a:p>
+        </p:txBody>
+      </p:sp>
+    </p:spTree>
+    <p:extLst>
+      <p:ext uri="{BB962C8B-B14F-4D97-AF65-F5344CB8AC3E}">
+        <p14:creationId xmlns:p14="http://schemas.microsoft.com/office/powerpoint/2010/main" val="1916945233"/>
+      </p:ext>
+    </p:extLst>
+  </p:cSld>
+  <p:clrMapOvr>
+    <a:masterClrMapping/>
+  </p:clrMapOvr>
+</p:notes>
+</file>
+
+<file path=ppt/notesSlides/notesSlide15.xml><?xml version="1.0" encoding="utf-8"?>
+<p:notes xmlns:a="http://schemas.openxmlformats.org/drawingml/2006/main" xmlns:r="http://schemas.openxmlformats.org/officeDocument/2006/relationships" xmlns:p="http://schemas.openxmlformats.org/presentationml/2006/main">
+  <p:cSld>
+    <p:spTree>
+      <p:nvGrpSpPr>
+        <p:cNvPr id="1" name=""/>
+        <p:cNvGrpSpPr/>
+        <p:nvPr/>
+      </p:nvGrpSpPr>
+      <p:grpSpPr>
+        <a:xfrm>
+          <a:off x="0" y="0"/>
+          <a:ext cx="0" cy="0"/>
+          <a:chOff x="0" y="0"/>
+          <a:chExt cx="0" cy="0"/>
+        </a:xfrm>
+      </p:grpSpPr>
+      <p:sp>
+        <p:nvSpPr>
+          <p:cNvPr id="31745" name="Rectangle 6"/>
+          <p:cNvSpPr>
+            <a:spLocks noGrp="1" noChangeArrowheads="1"/>
+          </p:cNvSpPr>
+          <p:nvPr>
+            <p:ph type="ftr" sz="quarter" idx="4"/>
+          </p:nvPr>
+        </p:nvSpPr>
+        <p:spPr>
+          <a:noFill/>
+          <a:ln/>
+          <a:extLst>
+            <a:ext uri="{909E8E84-426E-40dd-AFC4-6F175D3DCCD1}">
+              <a14:hiddenFill xmlns:a14="http://schemas.microsoft.com/office/drawing/2010/main" xmlns="">
+                <a:solidFill>
+                  <a:srgbClr val="FFFFFF"/>
+                </a:solidFill>
+              </a14:hiddenFill>
+            </a:ext>
+            <a:ext uri="{91240B29-F687-4f45-9708-019B960494DF}">
+              <a14:hiddenLine xmlns:a14="http://schemas.microsoft.com/office/drawing/2010/main" xmlns="" w="9525">
+                <a:solidFill>
+                  <a:srgbClr val="000000"/>
+                </a:solidFill>
+                <a:miter lim="800000"/>
+                <a:headEnd/>
+                <a:tailEnd/>
+              </a14:hiddenLine>
+            </a:ext>
+          </a:extLst>
+        </p:spPr>
+        <p:txBody>
+          <a:bodyPr/>
+          <a:lstStyle>
+            <a:lvl1pPr eaLnBrk="0" hangingPunct="0">
+              <a:defRPr sz="2400">
+                <a:solidFill>
+                  <a:schemeClr val="tx1"/>
+                </a:solidFill>
+                <a:latin typeface="Arial" charset="0"/>
+                <a:ea typeface="ヒラギノ角ゴ Pro W3" charset="0"/>
+                <a:cs typeface="ヒラギノ角ゴ Pro W3" charset="0"/>
+              </a:defRPr>
+            </a:lvl1pPr>
+            <a:lvl2pPr marL="742950" indent="-285750" eaLnBrk="0" hangingPunct="0">
+              <a:defRPr sz="2400">
+                <a:solidFill>
+                  <a:schemeClr val="tx1"/>
+                </a:solidFill>
+                <a:latin typeface="Arial" charset="0"/>
+                <a:ea typeface="ヒラギノ角ゴ Pro W3" charset="0"/>
+                <a:cs typeface="ヒラギノ角ゴ Pro W3" charset="0"/>
+              </a:defRPr>
+            </a:lvl2pPr>
+            <a:lvl3pPr marL="1143000" indent="-228600" eaLnBrk="0" hangingPunct="0">
+              <a:defRPr sz="2400">
+                <a:solidFill>
+                  <a:schemeClr val="tx1"/>
+                </a:solidFill>
+                <a:latin typeface="Arial" charset="0"/>
+                <a:ea typeface="ヒラギノ角ゴ Pro W3" charset="0"/>
+                <a:cs typeface="ヒラギノ角ゴ Pro W3" charset="0"/>
+              </a:defRPr>
+            </a:lvl3pPr>
+            <a:lvl4pPr marL="1600200" indent="-228600" eaLnBrk="0" hangingPunct="0">
+              <a:defRPr sz="2400">
+                <a:solidFill>
+                  <a:schemeClr val="tx1"/>
+                </a:solidFill>
+                <a:latin typeface="Arial" charset="0"/>
+                <a:ea typeface="ヒラギノ角ゴ Pro W3" charset="0"/>
+                <a:cs typeface="ヒラギノ角ゴ Pro W3" charset="0"/>
+              </a:defRPr>
+            </a:lvl4pPr>
+            <a:lvl5pPr marL="2057400" indent="-228600" eaLnBrk="0" hangingPunct="0">
+              <a:defRPr sz="2400">
+                <a:solidFill>
+                  <a:schemeClr val="tx1"/>
+                </a:solidFill>
+                <a:latin typeface="Arial" charset="0"/>
+                <a:ea typeface="ヒラギノ角ゴ Pro W3" charset="0"/>
+                <a:cs typeface="ヒラギノ角ゴ Pro W3" charset="0"/>
+              </a:defRPr>
+            </a:lvl5pPr>
+            <a:lvl6pPr marL="2514600" indent="-228600" algn="ctr" eaLnBrk="0" fontAlgn="base" hangingPunct="0">
+              <a:spcBef>
+                <a:spcPct val="0"/>
+              </a:spcBef>
+              <a:spcAft>
+                <a:spcPct val="0"/>
+              </a:spcAft>
+              <a:defRPr sz="2400">
+                <a:solidFill>
+                  <a:schemeClr val="tx1"/>
+                </a:solidFill>
+                <a:latin typeface="Arial" charset="0"/>
+                <a:ea typeface="ヒラギノ角ゴ Pro W3" charset="0"/>
+                <a:cs typeface="ヒラギノ角ゴ Pro W3" charset="0"/>
+              </a:defRPr>
+            </a:lvl6pPr>
+            <a:lvl7pPr marL="2971800" indent="-228600" algn="ctr" eaLnBrk="0" fontAlgn="base" hangingPunct="0">
+              <a:spcBef>
+                <a:spcPct val="0"/>
+              </a:spcBef>
+              <a:spcAft>
+                <a:spcPct val="0"/>
+              </a:spcAft>
+              <a:defRPr sz="2400">
+                <a:solidFill>
+                  <a:schemeClr val="tx1"/>
+                </a:solidFill>
+                <a:latin typeface="Arial" charset="0"/>
+                <a:ea typeface="ヒラギノ角ゴ Pro W3" charset="0"/>
+                <a:cs typeface="ヒラギノ角ゴ Pro W3" charset="0"/>
+              </a:defRPr>
+            </a:lvl7pPr>
+            <a:lvl8pPr marL="3429000" indent="-228600" algn="ctr" eaLnBrk="0" fontAlgn="base" hangingPunct="0">
+              <a:spcBef>
+                <a:spcPct val="0"/>
+              </a:spcBef>
+              <a:spcAft>
+                <a:spcPct val="0"/>
+              </a:spcAft>
+              <a:defRPr sz="2400">
+                <a:solidFill>
+                  <a:schemeClr val="tx1"/>
+                </a:solidFill>
+                <a:latin typeface="Arial" charset="0"/>
+                <a:ea typeface="ヒラギノ角ゴ Pro W3" charset="0"/>
+                <a:cs typeface="ヒラギノ角ゴ Pro W3" charset="0"/>
+              </a:defRPr>
+            </a:lvl8pPr>
+            <a:lvl9pPr marL="3886200" indent="-228600" algn="ctr" eaLnBrk="0" fontAlgn="base" hangingPunct="0">
+              <a:spcBef>
+                <a:spcPct val="0"/>
+              </a:spcBef>
+              <a:spcAft>
+                <a:spcPct val="0"/>
+              </a:spcAft>
+              <a:defRPr sz="2400">
+                <a:solidFill>
+                  <a:schemeClr val="tx1"/>
+                </a:solidFill>
+                <a:latin typeface="Arial" charset="0"/>
+                <a:ea typeface="ヒラギノ角ゴ Pro W3" charset="0"/>
+                <a:cs typeface="ヒラギノ角ゴ Pro W3" charset="0"/>
+              </a:defRPr>
+            </a:lvl9pPr>
+          </a:lstStyle>
+          <a:p>
+            <a:pPr eaLnBrk="1" hangingPunct="1"/>
+            <a:r>
+              <a:rPr lang="en-US" sz="1200"/>
+              <a:t>testnotes</a:t>
+            </a:r>
+          </a:p>
+        </p:txBody>
+      </p:sp>
+      <p:sp>
+        <p:nvSpPr>
+          <p:cNvPr id="31746" name="Rectangle 2"/>
+          <p:cNvSpPr>
+            <a:spLocks noGrp="1" noRot="1" noChangeAspect="1" noChangeArrowheads="1" noTextEdit="1"/>
+          </p:cNvSpPr>
+          <p:nvPr>
+            <p:ph type="sldImg"/>
+          </p:nvPr>
+        </p:nvSpPr>
+        <p:spPr>
+          <a:ln/>
+        </p:spPr>
+      </p:sp>
+      <p:sp>
+        <p:nvSpPr>
+          <p:cNvPr id="31747" name="Rectangle 3"/>
+          <p:cNvSpPr>
+            <a:spLocks noGrp="1" noChangeArrowheads="1"/>
+          </p:cNvSpPr>
+          <p:nvPr>
+            <p:ph type="body" idx="1"/>
+          </p:nvPr>
+        </p:nvSpPr>
+        <p:spPr>
+          <a:noFill/>
+          <a:ln/>
+          <a:extLst>
+            <a:ext uri="{FAA26D3D-D897-4be2-8F04-BA451C77F1D7}">
+              <ma14:placeholderFlag xmlns:ma14="http://schemas.microsoft.com/office/mac/drawingml/2011/main" val="1"/>
+            </a:ext>
+            <a:ext uri="{909E8E84-426E-40dd-AFC4-6F175D3DCCD1}">
+              <a14:hiddenFill xmlns:a14="http://schemas.microsoft.com/office/drawing/2010/main" xmlns="">
+                <a:solidFill>
+                  <a:srgbClr val="FFFFFF"/>
+                </a:solidFill>
+              </a14:hiddenFill>
+            </a:ext>
+            <a:ext uri="{91240B29-F687-4f45-9708-019B960494DF}">
+              <a14:hiddenLine xmlns:a14="http://schemas.microsoft.com/office/drawing/2010/main" xmlns="" w="9525">
+                <a:solidFill>
+                  <a:srgbClr val="000000"/>
+                </a:solidFill>
+                <a:miter lim="800000"/>
+                <a:headEnd/>
+                <a:tailEnd/>
+              </a14:hiddenLine>
+            </a:ext>
+          </a:extLst>
+        </p:spPr>
+        <p:txBody>
+          <a:bodyPr/>
+          <a:lstStyle/>
+          <a:p>
+            <a:pPr eaLnBrk="1" hangingPunct="1"/>
+            <a:endParaRPr lang="en-US">
+              <a:ea typeface="ヒラギノ角ゴ Pro W3" charset="0"/>
+              <a:cs typeface="ヒラギノ角ゴ Pro W3" charset="0"/>
+            </a:endParaRPr>
+          </a:p>
+        </p:txBody>
+      </p:sp>
+    </p:spTree>
+    <p:extLst>
+      <p:ext uri="{BB962C8B-B14F-4D97-AF65-F5344CB8AC3E}">
+        <p14:creationId xmlns:p14="http://schemas.microsoft.com/office/powerpoint/2010/main" val="773108666"/>
+      </p:ext>
+    </p:extLst>
   </p:cSld>
   <p:clrMapOvr>
     <a:masterClrMapping/>
@@ -2197,14 +2703,14 @@
           <a:ln/>
           <a:extLst>
             <a:ext uri="{909E8E84-426E-40dd-AFC4-6F175D3DCCD1}">
-              <a14:hiddenFill xmlns="" xmlns:a14="http://schemas.microsoft.com/office/drawing/2010/main">
+              <a14:hiddenFill xmlns:a14="http://schemas.microsoft.com/office/drawing/2010/main" xmlns="">
                 <a:solidFill>
                   <a:srgbClr val="FFFFFF"/>
                 </a:solidFill>
               </a14:hiddenFill>
             </a:ext>
             <a:ext uri="{91240B29-F687-4f45-9708-019B960494DF}">
-              <a14:hiddenLine xmlns="" xmlns:a14="http://schemas.microsoft.com/office/drawing/2010/main" w="9525">
+              <a14:hiddenLine xmlns:a14="http://schemas.microsoft.com/office/drawing/2010/main" xmlns="" w="9525">
                 <a:solidFill>
                   <a:srgbClr val="000000"/>
                 </a:solidFill>
@@ -2374,14 +2880,14 @@
               <ma14:placeholderFlag xmlns:ma14="http://schemas.microsoft.com/office/mac/drawingml/2011/main" val="1"/>
             </a:ext>
             <a:ext uri="{909E8E84-426E-40dd-AFC4-6F175D3DCCD1}">
-              <a14:hiddenFill xmlns="" xmlns:a14="http://schemas.microsoft.com/office/drawing/2010/main">
+              <a14:hiddenFill xmlns:a14="http://schemas.microsoft.com/office/drawing/2010/main" xmlns="">
                 <a:solidFill>
                   <a:srgbClr val="FFFFFF"/>
                 </a:solidFill>
               </a14:hiddenFill>
             </a:ext>
             <a:ext uri="{91240B29-F687-4f45-9708-019B960494DF}">
-              <a14:hiddenLine xmlns="" xmlns:a14="http://schemas.microsoft.com/office/drawing/2010/main" w="9525">
+              <a14:hiddenLine xmlns:a14="http://schemas.microsoft.com/office/drawing/2010/main" xmlns="" w="9525">
                 <a:solidFill>
                   <a:srgbClr val="000000"/>
                 </a:solidFill>
@@ -2444,14 +2950,14 @@
           <a:ln/>
           <a:extLst>
             <a:ext uri="{909E8E84-426E-40dd-AFC4-6F175D3DCCD1}">
-              <a14:hiddenFill xmlns="" xmlns:a14="http://schemas.microsoft.com/office/drawing/2010/main">
+              <a14:hiddenFill xmlns:a14="http://schemas.microsoft.com/office/drawing/2010/main" xmlns="">
                 <a:solidFill>
                   <a:srgbClr val="FFFFFF"/>
                 </a:solidFill>
               </a14:hiddenFill>
             </a:ext>
             <a:ext uri="{91240B29-F687-4f45-9708-019B960494DF}">
-              <a14:hiddenLine xmlns="" xmlns:a14="http://schemas.microsoft.com/office/drawing/2010/main" w="9525">
+              <a14:hiddenLine xmlns:a14="http://schemas.microsoft.com/office/drawing/2010/main" xmlns="" w="9525">
                 <a:solidFill>
                   <a:srgbClr val="000000"/>
                 </a:solidFill>
@@ -2621,14 +3127,14 @@
               <ma14:placeholderFlag xmlns:ma14="http://schemas.microsoft.com/office/mac/drawingml/2011/main" val="1"/>
             </a:ext>
             <a:ext uri="{909E8E84-426E-40dd-AFC4-6F175D3DCCD1}">
-              <a14:hiddenFill xmlns="" xmlns:a14="http://schemas.microsoft.com/office/drawing/2010/main">
+              <a14:hiddenFill xmlns:a14="http://schemas.microsoft.com/office/drawing/2010/main" xmlns="">
                 <a:solidFill>
                   <a:srgbClr val="FFFFFF"/>
                 </a:solidFill>
               </a14:hiddenFill>
             </a:ext>
             <a:ext uri="{91240B29-F687-4f45-9708-019B960494DF}">
-              <a14:hiddenLine xmlns="" xmlns:a14="http://schemas.microsoft.com/office/drawing/2010/main" w="9525">
+              <a14:hiddenLine xmlns:a14="http://schemas.microsoft.com/office/drawing/2010/main" xmlns="" w="9525">
                 <a:solidFill>
                   <a:srgbClr val="000000"/>
                 </a:solidFill>
@@ -2698,14 +3204,14 @@
           </a:ln>
           <a:extLst>
             <a:ext uri="{909E8E84-426E-40dd-AFC4-6F175D3DCCD1}">
-              <a14:hiddenFill xmlns="" xmlns:a14="http://schemas.microsoft.com/office/drawing/2010/main">
+              <a14:hiddenFill xmlns:a14="http://schemas.microsoft.com/office/drawing/2010/main" xmlns="">
                 <a:solidFill>
                   <a:srgbClr val="FFFFFF"/>
                 </a:solidFill>
               </a14:hiddenFill>
             </a:ext>
             <a:ext uri="{91240B29-F687-4f45-9708-019B960494DF}">
-              <a14:hiddenLine xmlns="" xmlns:a14="http://schemas.microsoft.com/office/drawing/2010/main" w="9525">
+              <a14:hiddenLine xmlns:a14="http://schemas.microsoft.com/office/drawing/2010/main" xmlns="" w="9525">
                 <a:solidFill>
                   <a:srgbClr val="000000"/>
                 </a:solidFill>
@@ -2936,14 +3442,14 @@
           <a:ln/>
           <a:extLst>
             <a:ext uri="{909E8E84-426E-40dd-AFC4-6F175D3DCCD1}">
-              <a14:hiddenFill xmlns="" xmlns:a14="http://schemas.microsoft.com/office/drawing/2010/main">
+              <a14:hiddenFill xmlns:a14="http://schemas.microsoft.com/office/drawing/2010/main" xmlns="">
                 <a:solidFill>
                   <a:srgbClr val="FFFFFF"/>
                 </a:solidFill>
               </a14:hiddenFill>
             </a:ext>
             <a:ext uri="{91240B29-F687-4f45-9708-019B960494DF}">
-              <a14:hiddenLine xmlns="" xmlns:a14="http://schemas.microsoft.com/office/drawing/2010/main" w="9525">
+              <a14:hiddenLine xmlns:a14="http://schemas.microsoft.com/office/drawing/2010/main" xmlns="" w="9525">
                 <a:solidFill>
                   <a:srgbClr val="000000"/>
                 </a:solidFill>
@@ -3113,14 +3619,14 @@
               <ma14:placeholderFlag xmlns:ma14="http://schemas.microsoft.com/office/mac/drawingml/2011/main" val="1"/>
             </a:ext>
             <a:ext uri="{909E8E84-426E-40dd-AFC4-6F175D3DCCD1}">
-              <a14:hiddenFill xmlns="" xmlns:a14="http://schemas.microsoft.com/office/drawing/2010/main">
+              <a14:hiddenFill xmlns:a14="http://schemas.microsoft.com/office/drawing/2010/main" xmlns="">
                 <a:solidFill>
                   <a:srgbClr val="FFFFFF"/>
                 </a:solidFill>
               </a14:hiddenFill>
             </a:ext>
             <a:ext uri="{91240B29-F687-4f45-9708-019B960494DF}">
-              <a14:hiddenLine xmlns="" xmlns:a14="http://schemas.microsoft.com/office/drawing/2010/main" w="9525">
+              <a14:hiddenLine xmlns:a14="http://schemas.microsoft.com/office/drawing/2010/main" xmlns="" w="9525">
                 <a:solidFill>
                   <a:srgbClr val="000000"/>
                 </a:solidFill>
@@ -3183,14 +3689,14 @@
           <a:ln/>
           <a:extLst>
             <a:ext uri="{909E8E84-426E-40dd-AFC4-6F175D3DCCD1}">
-              <a14:hiddenFill xmlns="" xmlns:a14="http://schemas.microsoft.com/office/drawing/2010/main">
+              <a14:hiddenFill xmlns:a14="http://schemas.microsoft.com/office/drawing/2010/main" xmlns="">
                 <a:solidFill>
                   <a:srgbClr val="FFFFFF"/>
                 </a:solidFill>
               </a14:hiddenFill>
             </a:ext>
             <a:ext uri="{91240B29-F687-4f45-9708-019B960494DF}">
-              <a14:hiddenLine xmlns="" xmlns:a14="http://schemas.microsoft.com/office/drawing/2010/main" w="9525">
+              <a14:hiddenLine xmlns:a14="http://schemas.microsoft.com/office/drawing/2010/main" xmlns="" w="9525">
                 <a:solidFill>
                   <a:srgbClr val="000000"/>
                 </a:solidFill>
@@ -3360,14 +3866,14 @@
               <ma14:placeholderFlag xmlns:ma14="http://schemas.microsoft.com/office/mac/drawingml/2011/main" val="1"/>
             </a:ext>
             <a:ext uri="{909E8E84-426E-40dd-AFC4-6F175D3DCCD1}">
-              <a14:hiddenFill xmlns="" xmlns:a14="http://schemas.microsoft.com/office/drawing/2010/main">
+              <a14:hiddenFill xmlns:a14="http://schemas.microsoft.com/office/drawing/2010/main" xmlns="">
                 <a:solidFill>
                   <a:srgbClr val="FFFFFF"/>
                 </a:solidFill>
               </a14:hiddenFill>
             </a:ext>
             <a:ext uri="{91240B29-F687-4f45-9708-019B960494DF}">
-              <a14:hiddenLine xmlns="" xmlns:a14="http://schemas.microsoft.com/office/drawing/2010/main" w="9525">
+              <a14:hiddenLine xmlns:a14="http://schemas.microsoft.com/office/drawing/2010/main" xmlns="" w="9525">
                 <a:solidFill>
                   <a:srgbClr val="000000"/>
                 </a:solidFill>
@@ -3430,14 +3936,14 @@
           <a:ln/>
           <a:extLst>
             <a:ext uri="{909E8E84-426E-40dd-AFC4-6F175D3DCCD1}">
-              <a14:hiddenFill xmlns="" xmlns:a14="http://schemas.microsoft.com/office/drawing/2010/main">
+              <a14:hiddenFill xmlns:a14="http://schemas.microsoft.com/office/drawing/2010/main" xmlns="">
                 <a:solidFill>
                   <a:srgbClr val="FFFFFF"/>
                 </a:solidFill>
               </a14:hiddenFill>
             </a:ext>
             <a:ext uri="{91240B29-F687-4f45-9708-019B960494DF}">
-              <a14:hiddenLine xmlns="" xmlns:a14="http://schemas.microsoft.com/office/drawing/2010/main" w="9525">
+              <a14:hiddenLine xmlns:a14="http://schemas.microsoft.com/office/drawing/2010/main" xmlns="" w="9525">
                 <a:solidFill>
                   <a:srgbClr val="000000"/>
                 </a:solidFill>
@@ -3607,14 +4113,14 @@
               <ma14:placeholderFlag xmlns:ma14="http://schemas.microsoft.com/office/mac/drawingml/2011/main" val="1"/>
             </a:ext>
             <a:ext uri="{909E8E84-426E-40dd-AFC4-6F175D3DCCD1}">
-              <a14:hiddenFill xmlns="" xmlns:a14="http://schemas.microsoft.com/office/drawing/2010/main">
+              <a14:hiddenFill xmlns:a14="http://schemas.microsoft.com/office/drawing/2010/main" xmlns="">
                 <a:solidFill>
                   <a:srgbClr val="FFFFFF"/>
                 </a:solidFill>
               </a14:hiddenFill>
             </a:ext>
             <a:ext uri="{91240B29-F687-4f45-9708-019B960494DF}">
-              <a14:hiddenLine xmlns="" xmlns:a14="http://schemas.microsoft.com/office/drawing/2010/main" w="9525">
+              <a14:hiddenLine xmlns:a14="http://schemas.microsoft.com/office/drawing/2010/main" xmlns="" w="9525">
                 <a:solidFill>
                   <a:srgbClr val="000000"/>
                 </a:solidFill>
@@ -3677,14 +4183,14 @@
           <a:ln/>
           <a:extLst>
             <a:ext uri="{909E8E84-426E-40dd-AFC4-6F175D3DCCD1}">
-              <a14:hiddenFill xmlns="" xmlns:a14="http://schemas.microsoft.com/office/drawing/2010/main">
+              <a14:hiddenFill xmlns:a14="http://schemas.microsoft.com/office/drawing/2010/main" xmlns="">
                 <a:solidFill>
                   <a:srgbClr val="FFFFFF"/>
                 </a:solidFill>
               </a14:hiddenFill>
             </a:ext>
             <a:ext uri="{91240B29-F687-4f45-9708-019B960494DF}">
-              <a14:hiddenLine xmlns="" xmlns:a14="http://schemas.microsoft.com/office/drawing/2010/main" w="9525">
+              <a14:hiddenLine xmlns:a14="http://schemas.microsoft.com/office/drawing/2010/main" xmlns="" w="9525">
                 <a:solidFill>
                   <a:srgbClr val="000000"/>
                 </a:solidFill>
@@ -3854,14 +4360,14 @@
               <ma14:placeholderFlag xmlns:ma14="http://schemas.microsoft.com/office/mac/drawingml/2011/main" val="1"/>
             </a:ext>
             <a:ext uri="{909E8E84-426E-40dd-AFC4-6F175D3DCCD1}">
-              <a14:hiddenFill xmlns="" xmlns:a14="http://schemas.microsoft.com/office/drawing/2010/main">
+              <a14:hiddenFill xmlns:a14="http://schemas.microsoft.com/office/drawing/2010/main" xmlns="">
                 <a:solidFill>
                   <a:srgbClr val="FFFFFF"/>
                 </a:solidFill>
               </a14:hiddenFill>
             </a:ext>
             <a:ext uri="{91240B29-F687-4f45-9708-019B960494DF}">
-              <a14:hiddenLine xmlns="" xmlns:a14="http://schemas.microsoft.com/office/drawing/2010/main" w="9525">
+              <a14:hiddenLine xmlns:a14="http://schemas.microsoft.com/office/drawing/2010/main" xmlns="" w="9525">
                 <a:solidFill>
                   <a:srgbClr val="000000"/>
                 </a:solidFill>
@@ -3924,14 +4430,14 @@
           <a:ln/>
           <a:extLst>
             <a:ext uri="{909E8E84-426E-40dd-AFC4-6F175D3DCCD1}">
-              <a14:hiddenFill xmlns="" xmlns:a14="http://schemas.microsoft.com/office/drawing/2010/main">
+              <a14:hiddenFill xmlns:a14="http://schemas.microsoft.com/office/drawing/2010/main" xmlns="">
                 <a:solidFill>
                   <a:srgbClr val="FFFFFF"/>
                 </a:solidFill>
               </a14:hiddenFill>
             </a:ext>
             <a:ext uri="{91240B29-F687-4f45-9708-019B960494DF}">
-              <a14:hiddenLine xmlns="" xmlns:a14="http://schemas.microsoft.com/office/drawing/2010/main" w="9525">
+              <a14:hiddenLine xmlns:a14="http://schemas.microsoft.com/office/drawing/2010/main" xmlns="" w="9525">
                 <a:solidFill>
                   <a:srgbClr val="000000"/>
                 </a:solidFill>
@@ -4101,14 +4607,14 @@
               <ma14:placeholderFlag xmlns:ma14="http://schemas.microsoft.com/office/mac/drawingml/2011/main" val="1"/>
             </a:ext>
             <a:ext uri="{909E8E84-426E-40dd-AFC4-6F175D3DCCD1}">
-              <a14:hiddenFill xmlns="" xmlns:a14="http://schemas.microsoft.com/office/drawing/2010/main">
+              <a14:hiddenFill xmlns:a14="http://schemas.microsoft.com/office/drawing/2010/main" xmlns="">
                 <a:solidFill>
                   <a:srgbClr val="FFFFFF"/>
                 </a:solidFill>
               </a14:hiddenFill>
             </a:ext>
             <a:ext uri="{91240B29-F687-4f45-9708-019B960494DF}">
-              <a14:hiddenLine xmlns="" xmlns:a14="http://schemas.microsoft.com/office/drawing/2010/main" w="9525">
+              <a14:hiddenLine xmlns:a14="http://schemas.microsoft.com/office/drawing/2010/main" xmlns="" w="9525">
                 <a:solidFill>
                   <a:srgbClr val="000000"/>
                 </a:solidFill>
@@ -4312,7 +4818,7 @@
               <a:defRPr/>
             </a:pPr>
             <a:fld id="{AC0EBD74-B9E4-0E4B-AC6A-6A6644FA211D}" type="datetime1">
-              <a:t>11/16/16</a:t>
+              <a:t>12/11/16</a:t>
             </a:fld>
             <a:endParaRPr lang="en-US"/>
           </a:p>
@@ -4522,7 +5028,7 @@
               <a:defRPr/>
             </a:pPr>
             <a:fld id="{6B45423E-01F1-194D-BEF2-59037D9E890E}" type="datetime1">
-              <a:t>11/16/16</a:t>
+              <a:t>12/11/16</a:t>
             </a:fld>
             <a:endParaRPr lang="en-US"/>
           </a:p>
@@ -4737,7 +5243,7 @@
               <a:defRPr/>
             </a:pPr>
             <a:fld id="{82B48BEB-BEE3-334D-B79E-E768C9FAF8E5}" type="datetime1">
-              <a:t>11/16/16</a:t>
+              <a:t>12/11/16</a:t>
             </a:fld>
             <a:endParaRPr lang="en-US"/>
           </a:p>
@@ -4920,7 +5426,7 @@
               <a:defRPr/>
             </a:pPr>
             <a:fld id="{B2C39720-93FE-664C-90ED-4CAF6FDDEA10}" type="datetime1">
-              <a:t>11/16/16</a:t>
+              <a:t>12/11/16</a:t>
             </a:fld>
             <a:endParaRPr lang="en-US"/>
           </a:p>
@@ -5195,7 +5701,7 @@
               <a:defRPr/>
             </a:pPr>
             <a:fld id="{A2FE285A-049E-F04F-84A2-B30C773B375D}" type="datetime1">
-              <a:t>11/16/16</a:t>
+              <a:t>12/11/16</a:t>
             </a:fld>
             <a:endParaRPr lang="en-US"/>
           </a:p>
@@ -5405,7 +5911,7 @@
               <a:defRPr/>
             </a:pPr>
             <a:fld id="{2D3EAE3E-5FC7-A54A-AF77-DDA1203272CF}" type="datetime1">
-              <a:t>11/16/16</a:t>
+              <a:t>12/11/16</a:t>
             </a:fld>
             <a:endParaRPr lang="en-US"/>
           </a:p>
@@ -5632,7 +6138,7 @@
               <a:defRPr/>
             </a:pPr>
             <a:fld id="{95763E2F-E129-8144-85E5-DEFD93E5B96E}" type="datetime1">
-              <a:t>11/16/16</a:t>
+              <a:t>12/11/16</a:t>
             </a:fld>
             <a:endParaRPr lang="en-US"/>
           </a:p>
@@ -5958,7 +6464,7 @@
               <a:defRPr/>
             </a:pPr>
             <a:fld id="{5981D202-225B-274E-B468-B23944D81B5F}" type="datetime1">
-              <a:t>11/16/16</a:t>
+              <a:t>12/11/16</a:t>
             </a:fld>
             <a:endParaRPr lang="en-US"/>
           </a:p>
@@ -6429,7 +6935,7 @@
               <a:defRPr/>
             </a:pPr>
             <a:fld id="{5D77E727-DBBF-C24A-80AB-D1A64464A970}" type="datetime1">
-              <a:t>11/16/16</a:t>
+              <a:t>12/11/16</a:t>
             </a:fld>
             <a:endParaRPr lang="en-US"/>
           </a:p>
@@ -6579,7 +7085,7 @@
               <a:defRPr/>
             </a:pPr>
             <a:fld id="{335DF27D-CB15-7843-AC95-0CBD4BB583FE}" type="datetime1">
-              <a:t>11/16/16</a:t>
+              <a:t>12/11/16</a:t>
             </a:fld>
             <a:endParaRPr lang="en-US"/>
           </a:p>
@@ -6706,7 +7212,7 @@
               <a:defRPr/>
             </a:pPr>
             <a:fld id="{358F54F2-E1C3-E741-9012-F819890FDEF2}" type="datetime1">
-              <a:t>11/16/16</a:t>
+              <a:t>12/11/16</a:t>
             </a:fld>
             <a:endParaRPr lang="en-US"/>
           </a:p>
@@ -7021,7 +7527,7 @@
               <a:defRPr/>
             </a:pPr>
             <a:fld id="{9D5FE2EA-BB63-0142-BBBA-3114D28210BA}" type="datetime1">
-              <a:t>11/16/16</a:t>
+              <a:t>12/11/16</a:t>
             </a:fld>
             <a:endParaRPr lang="en-US"/>
           </a:p>
@@ -7313,7 +7819,7 @@
               <a:defRPr/>
             </a:pPr>
             <a:fld id="{7D606BD5-D583-F445-A197-4E9204106D8D}" type="datetime1">
-              <a:t>11/16/16</a:t>
+              <a:t>12/11/16</a:t>
             </a:fld>
             <a:endParaRPr lang="en-US"/>
           </a:p>
@@ -7415,14 +7921,14 @@
               <ma14:placeholderFlag xmlns:ma14="http://schemas.microsoft.com/office/mac/drawingml/2011/main" val="1"/>
             </a:ext>
             <a:ext uri="{909E8E84-426E-40dd-AFC4-6F175D3DCCD1}">
-              <a14:hiddenFill xmlns="" xmlns:a14="http://schemas.microsoft.com/office/drawing/2010/main">
+              <a14:hiddenFill xmlns:a14="http://schemas.microsoft.com/office/drawing/2010/main" xmlns="">
                 <a:solidFill>
                   <a:srgbClr val="FFFFFF"/>
                 </a:solidFill>
               </a14:hiddenFill>
             </a:ext>
             <a:ext uri="{91240B29-F687-4f45-9708-019B960494DF}">
-              <a14:hiddenLine xmlns="" xmlns:a14="http://schemas.microsoft.com/office/drawing/2010/main" w="9525">
+              <a14:hiddenLine xmlns:a14="http://schemas.microsoft.com/office/drawing/2010/main" xmlns="" w="9525">
                 <a:solidFill>
                   <a:srgbClr val="000000"/>
                 </a:solidFill>
@@ -7481,7 +7987,7 @@
           </a:ln>
           <a:extLst>
             <a:ext uri="{91240B29-F687-4f45-9708-019B960494DF}">
-              <a14:hiddenLine xmlns="" xmlns:a14="http://schemas.microsoft.com/office/drawing/2010/main" w="9525">
+              <a14:hiddenLine xmlns:a14="http://schemas.microsoft.com/office/drawing/2010/main" xmlns="" w="9525">
                 <a:solidFill>
                   <a:srgbClr val="000000"/>
                 </a:solidFill>
@@ -7685,14 +8191,14 @@
           </a:ln>
           <a:extLst>
             <a:ext uri="{909E8E84-426E-40dd-AFC4-6F175D3DCCD1}">
-              <a14:hiddenFill xmlns="" xmlns:a14="http://schemas.microsoft.com/office/drawing/2010/main">
+              <a14:hiddenFill xmlns:a14="http://schemas.microsoft.com/office/drawing/2010/main" xmlns="">
                 <a:solidFill>
                   <a:srgbClr val="FFFFFF"/>
                 </a:solidFill>
               </a14:hiddenFill>
             </a:ext>
             <a:ext uri="{91240B29-F687-4f45-9708-019B960494DF}">
-              <a14:hiddenLine xmlns="" xmlns:a14="http://schemas.microsoft.com/office/drawing/2010/main" w="9525">
+              <a14:hiddenLine xmlns:a14="http://schemas.microsoft.com/office/drawing/2010/main" xmlns="" w="9525">
                 <a:solidFill>
                   <a:srgbClr val="000000"/>
                 </a:solidFill>
@@ -7931,7 +8437,7 @@
               <a:defRPr/>
             </a:pPr>
             <a:fld id="{FA71DDE3-1BFD-2B4B-9B0E-6E78A067C89E}" type="datetime1">
-              <a:t>11/16/16</a:t>
+              <a:t>12/11/16</a:t>
             </a:fld>
             <a:endParaRPr lang="en-US"/>
           </a:p>
@@ -8025,14 +8531,14 @@
           </a:ln>
           <a:extLst>
             <a:ext uri="{909E8E84-426E-40dd-AFC4-6F175D3DCCD1}">
-              <a14:hiddenFill xmlns="" xmlns:a14="http://schemas.microsoft.com/office/drawing/2010/main">
+              <a14:hiddenFill xmlns:a14="http://schemas.microsoft.com/office/drawing/2010/main" xmlns="">
                 <a:solidFill>
                   <a:srgbClr val="FFFFFF"/>
                 </a:solidFill>
               </a14:hiddenFill>
             </a:ext>
             <a:ext uri="{91240B29-F687-4f45-9708-019B960494DF}">
-              <a14:hiddenLine xmlns="" xmlns:a14="http://schemas.microsoft.com/office/drawing/2010/main" w="9525">
+              <a14:hiddenLine xmlns:a14="http://schemas.microsoft.com/office/drawing/2010/main" xmlns="" w="9525">
                 <a:solidFill>
                   <a:srgbClr val="000000"/>
                 </a:solidFill>
@@ -8079,14 +8585,14 @@
           </a:ln>
           <a:extLst>
             <a:ext uri="{909E8E84-426E-40dd-AFC4-6F175D3DCCD1}">
-              <a14:hiddenFill xmlns="" xmlns:a14="http://schemas.microsoft.com/office/drawing/2010/main">
+              <a14:hiddenFill xmlns:a14="http://schemas.microsoft.com/office/drawing/2010/main" xmlns="">
                 <a:solidFill>
                   <a:srgbClr val="FFFFFF"/>
                 </a:solidFill>
               </a14:hiddenFill>
             </a:ext>
             <a:ext uri="{91240B29-F687-4f45-9708-019B960494DF}">
-              <a14:hiddenLine xmlns="" xmlns:a14="http://schemas.microsoft.com/office/drawing/2010/main" w="9525">
+              <a14:hiddenLine xmlns:a14="http://schemas.microsoft.com/office/drawing/2010/main" xmlns="" w="9525">
                 <a:solidFill>
                   <a:srgbClr val="000000"/>
                 </a:solidFill>
@@ -8718,7 +9224,7 @@
               <a:defRPr/>
             </a:pPr>
             <a:fld id="{90E2CE17-9310-CB4D-A759-84364C03D56E}" type="datetime1">
-              <a:t>11/16/16</a:t>
+              <a:t>12/11/16</a:t>
             </a:fld>
             <a:endParaRPr lang="en-US"/>
           </a:p>
@@ -8764,14 +9270,14 @@
           <a:ln/>
           <a:extLst>
             <a:ext uri="{909E8E84-426E-40dd-AFC4-6F175D3DCCD1}">
-              <a14:hiddenFill xmlns="" xmlns:a14="http://schemas.microsoft.com/office/drawing/2010/main">
+              <a14:hiddenFill xmlns:a14="http://schemas.microsoft.com/office/drawing/2010/main" xmlns="">
                 <a:solidFill>
                   <a:srgbClr val="FFFFFF"/>
                 </a:solidFill>
               </a14:hiddenFill>
             </a:ext>
             <a:ext uri="{91240B29-F687-4f45-9708-019B960494DF}">
-              <a14:hiddenLine xmlns="" xmlns:a14="http://schemas.microsoft.com/office/drawing/2010/main" w="9525">
+              <a14:hiddenLine xmlns:a14="http://schemas.microsoft.com/office/drawing/2010/main" xmlns="" w="9525">
                 <a:solidFill>
                   <a:srgbClr val="000000"/>
                 </a:solidFill>
@@ -8958,14 +9464,14 @@
           <a:ln/>
           <a:extLst>
             <a:ext uri="{909E8E84-426E-40dd-AFC4-6F175D3DCCD1}">
-              <a14:hiddenFill xmlns="" xmlns:a14="http://schemas.microsoft.com/office/drawing/2010/main">
+              <a14:hiddenFill xmlns:a14="http://schemas.microsoft.com/office/drawing/2010/main" xmlns="">
                 <a:solidFill>
                   <a:srgbClr val="FFFFFF"/>
                 </a:solidFill>
               </a14:hiddenFill>
             </a:ext>
             <a:ext uri="{91240B29-F687-4f45-9708-019B960494DF}">
-              <a14:hiddenLine xmlns="" xmlns:a14="http://schemas.microsoft.com/office/drawing/2010/main" w="9525">
+              <a14:hiddenLine xmlns:a14="http://schemas.microsoft.com/office/drawing/2010/main" xmlns="" w="9525">
                 <a:solidFill>
                   <a:srgbClr val="000000"/>
                 </a:solidFill>
@@ -9140,22 +9646,22 @@
           <p:nvPr>
             <p:extLst>
               <p:ext uri="{D42A27DB-BD31-4B8C-83A1-F6EECF244321}">
-                <p14:modId xmlns:p14="http://schemas.microsoft.com/office/powerpoint/2010/main" val="1547464845"/>
+                <p14:modId xmlns:p14="http://schemas.microsoft.com/office/powerpoint/2010/main" val="843502102"/>
               </p:ext>
             </p:extLst>
           </p:nvPr>
         </p:nvGraphicFramePr>
         <p:xfrm>
           <a:off x="287869" y="1187450"/>
-          <a:ext cx="8013253" cy="4371872"/>
+          <a:ext cx="8013253" cy="4006112"/>
         </p:xfrm>
         <a:graphic>
           <a:graphicData uri="http://schemas.openxmlformats.org/drawingml/2006/table">
             <a:tbl>
               <a:tblPr/>
               <a:tblGrid>
-                <a:gridCol w="1673989"/>
-                <a:gridCol w="2241076"/>
+                <a:gridCol w="1973417"/>
+                <a:gridCol w="1941648"/>
                 <a:gridCol w="4098188"/>
               </a:tblGrid>
               <a:tr h="336550">
@@ -11019,7 +11525,7 @@
                         <a:tabLst/>
                       </a:pPr>
                       <a:r>
-                        <a:rPr kumimoji="0" lang="en-US" sz="1400" b="1" i="0" u="none" strike="noStrike" cap="none" normalizeH="0" baseline="0">
+                        <a:rPr kumimoji="0" lang="en-US" sz="1400" b="1" i="0" u="none" strike="noStrike" cap="none" normalizeH="0" baseline="0" dirty="0">
                           <a:ln>
                             <a:noFill/>
                           </a:ln>
@@ -11271,7 +11777,7 @@
               <a:pPr>
                 <a:defRPr/>
               </a:pPr>
-              <a:t>11/16/16</a:t>
+              <a:t>12/11/16</a:t>
             </a:fld>
             <a:endParaRPr lang="en-US"/>
           </a:p>
@@ -11347,14 +11853,14 @@
           <a:ln/>
           <a:extLst>
             <a:ext uri="{909E8E84-426E-40dd-AFC4-6F175D3DCCD1}">
-              <a14:hiddenFill xmlns="" xmlns:a14="http://schemas.microsoft.com/office/drawing/2010/main">
+              <a14:hiddenFill xmlns:a14="http://schemas.microsoft.com/office/drawing/2010/main" xmlns="">
                 <a:solidFill>
                   <a:srgbClr val="FFFFFF"/>
                 </a:solidFill>
               </a14:hiddenFill>
             </a:ext>
             <a:ext uri="{91240B29-F687-4f45-9708-019B960494DF}">
-              <a14:hiddenLine xmlns="" xmlns:a14="http://schemas.microsoft.com/office/drawing/2010/main" w="9525">
+              <a14:hiddenLine xmlns:a14="http://schemas.microsoft.com/office/drawing/2010/main" xmlns="" w="9525">
                 <a:solidFill>
                   <a:srgbClr val="000000"/>
                 </a:solidFill>
@@ -14095,7 +14601,7 @@
               <a:pPr>
                 <a:defRPr/>
               </a:pPr>
-              <a:t>11/16/16</a:t>
+              <a:t>12/11/16</a:t>
             </a:fld>
             <a:endParaRPr lang="en-US"/>
           </a:p>
@@ -14171,14 +14677,14 @@
           <a:ln/>
           <a:extLst>
             <a:ext uri="{909E8E84-426E-40dd-AFC4-6F175D3DCCD1}">
-              <a14:hiddenFill xmlns="" xmlns:a14="http://schemas.microsoft.com/office/drawing/2010/main">
+              <a14:hiddenFill xmlns:a14="http://schemas.microsoft.com/office/drawing/2010/main" xmlns="">
                 <a:solidFill>
                   <a:srgbClr val="FFFFFF"/>
                 </a:solidFill>
               </a14:hiddenFill>
             </a:ext>
             <a:ext uri="{91240B29-F687-4f45-9708-019B960494DF}">
-              <a14:hiddenLine xmlns="" xmlns:a14="http://schemas.microsoft.com/office/drawing/2010/main" w="9525">
+              <a14:hiddenLine xmlns:a14="http://schemas.microsoft.com/office/drawing/2010/main" xmlns="" w="9525">
                 <a:solidFill>
                   <a:srgbClr val="000000"/>
                 </a:solidFill>
@@ -16365,7 +16871,7 @@
               <a:pPr>
                 <a:defRPr/>
               </a:pPr>
-              <a:t>11/16/16</a:t>
+              <a:t>12/11/16</a:t>
             </a:fld>
             <a:endParaRPr lang="en-US"/>
           </a:p>
@@ -16441,14 +16947,14 @@
           <a:ln/>
           <a:extLst>
             <a:ext uri="{909E8E84-426E-40dd-AFC4-6F175D3DCCD1}">
-              <a14:hiddenFill xmlns="" xmlns:a14="http://schemas.microsoft.com/office/drawing/2010/main">
+              <a14:hiddenFill xmlns:a14="http://schemas.microsoft.com/office/drawing/2010/main" xmlns="">
                 <a:solidFill>
                   <a:srgbClr val="FFFFFF"/>
                 </a:solidFill>
               </a14:hiddenFill>
             </a:ext>
             <a:ext uri="{91240B29-F687-4f45-9708-019B960494DF}">
-              <a14:hiddenLine xmlns="" xmlns:a14="http://schemas.microsoft.com/office/drawing/2010/main" w="9525">
+              <a14:hiddenLine xmlns:a14="http://schemas.microsoft.com/office/drawing/2010/main" xmlns="" w="9525">
                 <a:solidFill>
                   <a:srgbClr val="000000"/>
                 </a:solidFill>
@@ -19132,7 +19638,7 @@
               <a:defRPr/>
             </a:pPr>
             <a:fld id="{0F7BDA28-418C-9143-89A1-46CE07347BF0}" type="datetime1">
-              <a:t>11/16/16</a:t>
+              <a:t>12/11/16</a:t>
             </a:fld>
             <a:endParaRPr lang="en-US"/>
           </a:p>
@@ -19185,14 +19691,14 @@
           </a:ln>
           <a:extLst>
             <a:ext uri="{909E8E84-426E-40dd-AFC4-6F175D3DCCD1}">
-              <a14:hiddenFill xmlns="" xmlns:a14="http://schemas.microsoft.com/office/drawing/2010/main">
+              <a14:hiddenFill xmlns:a14="http://schemas.microsoft.com/office/drawing/2010/main" xmlns="">
                 <a:solidFill>
                   <a:srgbClr val="FFFFFF"/>
                 </a:solidFill>
               </a14:hiddenFill>
             </a:ext>
             <a:ext uri="{91240B29-F687-4f45-9708-019B960494DF}">
-              <a14:hiddenLine xmlns="" xmlns:a14="http://schemas.microsoft.com/office/drawing/2010/main" w="9525">
+              <a14:hiddenLine xmlns:a14="http://schemas.microsoft.com/office/drawing/2010/main" xmlns="" w="9525">
                 <a:solidFill>
                   <a:srgbClr val="000000"/>
                 </a:solidFill>
@@ -19377,14 +19883,14 @@
           </a:ln>
           <a:extLst>
             <a:ext uri="{909E8E84-426E-40dd-AFC4-6F175D3DCCD1}">
-              <a14:hiddenFill xmlns="" xmlns:a14="http://schemas.microsoft.com/office/drawing/2010/main">
+              <a14:hiddenFill xmlns:a14="http://schemas.microsoft.com/office/drawing/2010/main" xmlns="">
                 <a:solidFill>
                   <a:srgbClr val="FFFFFF"/>
                 </a:solidFill>
               </a14:hiddenFill>
             </a:ext>
             <a:ext uri="{91240B29-F687-4f45-9708-019B960494DF}">
-              <a14:hiddenLine xmlns="" xmlns:a14="http://schemas.microsoft.com/office/drawing/2010/main" w="9525">
+              <a14:hiddenLine xmlns:a14="http://schemas.microsoft.com/office/drawing/2010/main" xmlns="" w="9525">
                 <a:solidFill>
                   <a:srgbClr val="000000"/>
                 </a:solidFill>
@@ -22430,14 +22936,14 @@
           </a:ln>
           <a:extLst>
             <a:ext uri="{909E8E84-426E-40dd-AFC4-6F175D3DCCD1}">
-              <a14:hiddenFill xmlns="" xmlns:a14="http://schemas.microsoft.com/office/drawing/2010/main">
+              <a14:hiddenFill xmlns:a14="http://schemas.microsoft.com/office/drawing/2010/main" xmlns="">
                 <a:solidFill>
                   <a:srgbClr val="FFFFFF"/>
                 </a:solidFill>
               </a14:hiddenFill>
             </a:ext>
             <a:ext uri="{91240B29-F687-4f45-9708-019B960494DF}">
-              <a14:hiddenLine xmlns="" xmlns:a14="http://schemas.microsoft.com/office/drawing/2010/main" w="9525">
+              <a14:hiddenLine xmlns:a14="http://schemas.microsoft.com/office/drawing/2010/main" xmlns="" w="9525">
                 <a:solidFill>
                   <a:srgbClr val="000000"/>
                 </a:solidFill>
@@ -22596,7 +23102,7 @@
               <a:defRPr/>
             </a:pPr>
             <a:fld id="{59DBD478-FE4D-DB41-B957-A9DBBBBF7C99}" type="datetime1">
-              <a:t>11/16/16</a:t>
+              <a:t>12/11/16</a:t>
             </a:fld>
             <a:endParaRPr lang="en-US"/>
           </a:p>
@@ -22642,14 +23148,14 @@
           <a:ln/>
           <a:extLst>
             <a:ext uri="{909E8E84-426E-40dd-AFC4-6F175D3DCCD1}">
-              <a14:hiddenFill xmlns="" xmlns:a14="http://schemas.microsoft.com/office/drawing/2010/main">
+              <a14:hiddenFill xmlns:a14="http://schemas.microsoft.com/office/drawing/2010/main" xmlns="">
                 <a:solidFill>
                   <a:srgbClr val="FFFFFF"/>
                 </a:solidFill>
               </a14:hiddenFill>
             </a:ext>
             <a:ext uri="{91240B29-F687-4f45-9708-019B960494DF}">
-              <a14:hiddenLine xmlns="" xmlns:a14="http://schemas.microsoft.com/office/drawing/2010/main" w="9525">
+              <a14:hiddenLine xmlns:a14="http://schemas.microsoft.com/office/drawing/2010/main" xmlns="" w="9525">
                 <a:solidFill>
                   <a:srgbClr val="000000"/>
                 </a:solidFill>
@@ -22836,14 +23342,14 @@
           </a:ln>
           <a:extLst>
             <a:ext uri="{909E8E84-426E-40dd-AFC4-6F175D3DCCD1}">
-              <a14:hiddenFill xmlns="" xmlns:a14="http://schemas.microsoft.com/office/drawing/2010/main">
+              <a14:hiddenFill xmlns:a14="http://schemas.microsoft.com/office/drawing/2010/main" xmlns="">
                 <a:solidFill>
                   <a:srgbClr val="FFFFFF"/>
                 </a:solidFill>
               </a14:hiddenFill>
             </a:ext>
             <a:ext uri="{91240B29-F687-4f45-9708-019B960494DF}">
-              <a14:hiddenLine xmlns="" xmlns:a14="http://schemas.microsoft.com/office/drawing/2010/main" w="9525">
+              <a14:hiddenLine xmlns:a14="http://schemas.microsoft.com/office/drawing/2010/main" xmlns="" w="9525">
                 <a:solidFill>
                   <a:srgbClr val="000000"/>
                 </a:solidFill>
@@ -23028,7 +23534,7 @@
               <a:defRPr/>
             </a:pPr>
             <a:fld id="{59DBD478-FE4D-DB41-B957-A9DBBBBF7C99}" type="datetime1">
-              <a:t>11/16/16</a:t>
+              <a:t>12/11/16</a:t>
             </a:fld>
             <a:endParaRPr lang="en-US"/>
           </a:p>
@@ -23074,14 +23580,14 @@
           <a:ln/>
           <a:extLst>
             <a:ext uri="{909E8E84-426E-40dd-AFC4-6F175D3DCCD1}">
-              <a14:hiddenFill xmlns="" xmlns:a14="http://schemas.microsoft.com/office/drawing/2010/main">
+              <a14:hiddenFill xmlns:a14="http://schemas.microsoft.com/office/drawing/2010/main" xmlns="">
                 <a:solidFill>
                   <a:srgbClr val="FFFFFF"/>
                 </a:solidFill>
               </a14:hiddenFill>
             </a:ext>
             <a:ext uri="{91240B29-F687-4f45-9708-019B960494DF}">
-              <a14:hiddenLine xmlns="" xmlns:a14="http://schemas.microsoft.com/office/drawing/2010/main" w="9525">
+              <a14:hiddenLine xmlns:a14="http://schemas.microsoft.com/office/drawing/2010/main" xmlns="" w="9525">
                 <a:solidFill>
                   <a:srgbClr val="000000"/>
                 </a:solidFill>
@@ -23237,7 +23743,7 @@
         </p:nvGraphicFramePr>
         <p:xfrm>
           <a:off x="665780" y="1413488"/>
-          <a:ext cx="7693025" cy="4661091"/>
+          <a:ext cx="7693025" cy="4661092"/>
         </p:xfrm>
         <a:graphic>
           <a:graphicData uri="http://schemas.openxmlformats.org/drawingml/2006/table">
@@ -27827,14 +28333,14 @@
           </a:ln>
           <a:extLst>
             <a:ext uri="{909E8E84-426E-40dd-AFC4-6F175D3DCCD1}">
-              <a14:hiddenFill xmlns="" xmlns:a14="http://schemas.microsoft.com/office/drawing/2010/main">
+              <a14:hiddenFill xmlns:a14="http://schemas.microsoft.com/office/drawing/2010/main" xmlns="">
                 <a:solidFill>
                   <a:srgbClr val="FFFFFF"/>
                 </a:solidFill>
               </a14:hiddenFill>
             </a:ext>
             <a:ext uri="{91240B29-F687-4f45-9708-019B960494DF}">
-              <a14:hiddenLine xmlns="" xmlns:a14="http://schemas.microsoft.com/office/drawing/2010/main" w="9525">
+              <a14:hiddenLine xmlns:a14="http://schemas.microsoft.com/office/drawing/2010/main" xmlns="" w="9525">
                 <a:solidFill>
                   <a:srgbClr val="000000"/>
                 </a:solidFill>
@@ -28016,7 +28522,7 @@
         </p:nvGraphicFramePr>
         <p:xfrm>
           <a:off x="595313" y="1411288"/>
-          <a:ext cx="7693025" cy="1828007"/>
+          <a:ext cx="7693025" cy="1828008"/>
         </p:xfrm>
         <a:graphic>
           <a:graphicData uri="http://schemas.openxmlformats.org/drawingml/2006/table">
@@ -29596,14 +30102,14 @@
           </a:ln>
           <a:extLst>
             <a:ext uri="{909E8E84-426E-40dd-AFC4-6F175D3DCCD1}">
-              <a14:hiddenFill xmlns="" xmlns:a14="http://schemas.microsoft.com/office/drawing/2010/main">
+              <a14:hiddenFill xmlns:a14="http://schemas.microsoft.com/office/drawing/2010/main" xmlns="">
                 <a:solidFill>
                   <a:srgbClr val="FFFFFF"/>
                 </a:solidFill>
               </a14:hiddenFill>
             </a:ext>
             <a:ext uri="{91240B29-F687-4f45-9708-019B960494DF}">
-              <a14:hiddenLine xmlns="" xmlns:a14="http://schemas.microsoft.com/office/drawing/2010/main" w="9525">
+              <a14:hiddenLine xmlns:a14="http://schemas.microsoft.com/office/drawing/2010/main" xmlns="" w="9525">
                 <a:solidFill>
                   <a:srgbClr val="000000"/>
                 </a:solidFill>
@@ -29762,7 +30268,7 @@
               <a:defRPr/>
             </a:pPr>
             <a:fld id="{59DBD478-FE4D-DB41-B957-A9DBBBBF7C99}" type="datetime1">
-              <a:t>11/16/16</a:t>
+              <a:t>12/11/16</a:t>
             </a:fld>
             <a:endParaRPr lang="en-US"/>
           </a:p>
@@ -29808,14 +30314,14 @@
           <a:ln/>
           <a:extLst>
             <a:ext uri="{909E8E84-426E-40dd-AFC4-6F175D3DCCD1}">
-              <a14:hiddenFill xmlns="" xmlns:a14="http://schemas.microsoft.com/office/drawing/2010/main">
+              <a14:hiddenFill xmlns:a14="http://schemas.microsoft.com/office/drawing/2010/main" xmlns="">
                 <a:solidFill>
                   <a:srgbClr val="FFFFFF"/>
                 </a:solidFill>
               </a14:hiddenFill>
             </a:ext>
             <a:ext uri="{91240B29-F687-4f45-9708-019B960494DF}">
-              <a14:hiddenLine xmlns="" xmlns:a14="http://schemas.microsoft.com/office/drawing/2010/main" w="9525">
+              <a14:hiddenLine xmlns:a14="http://schemas.microsoft.com/office/drawing/2010/main" xmlns="" w="9525">
                 <a:solidFill>
                   <a:srgbClr val="000000"/>
                 </a:solidFill>
@@ -30000,14 +30506,14 @@
           <a:ln/>
           <a:extLst>
             <a:ext uri="{909E8E84-426E-40dd-AFC4-6F175D3DCCD1}">
-              <a14:hiddenFill xmlns="" xmlns:a14="http://schemas.microsoft.com/office/drawing/2010/main">
+              <a14:hiddenFill xmlns:a14="http://schemas.microsoft.com/office/drawing/2010/main" xmlns="">
                 <a:solidFill>
                   <a:srgbClr val="FFFFFF"/>
                 </a:solidFill>
               </a14:hiddenFill>
             </a:ext>
             <a:ext uri="{91240B29-F687-4f45-9708-019B960494DF}">
-              <a14:hiddenLine xmlns="" xmlns:a14="http://schemas.microsoft.com/office/drawing/2010/main" w="9525">
+              <a14:hiddenLine xmlns:a14="http://schemas.microsoft.com/office/drawing/2010/main" xmlns="" w="9525">
                 <a:solidFill>
                   <a:srgbClr val="000000"/>
                 </a:solidFill>
@@ -31807,7 +32313,7 @@
               <a:defRPr/>
             </a:pPr>
             <a:fld id="{DA2A2AB7-0D68-F246-A81D-87CD21846C56}" type="datetime1">
-              <a:t>11/16/16</a:t>
+              <a:t>12/11/16</a:t>
             </a:fld>
             <a:endParaRPr lang="en-US"/>
           </a:p>
@@ -31839,6 +32345,3695 @@
         </p:txBody>
       </p:sp>
     </p:spTree>
+  </p:cSld>
+  <p:clrMapOvr>
+    <a:masterClrMapping/>
+  </p:clrMapOvr>
+</p:sld>
+</file>
+
+<file path=ppt/slides/slide18.xml><?xml version="1.0" encoding="utf-8"?>
+<p:sld xmlns:a="http://schemas.openxmlformats.org/drawingml/2006/main" xmlns:r="http://schemas.openxmlformats.org/officeDocument/2006/relationships" xmlns:p="http://schemas.openxmlformats.org/presentationml/2006/main">
+  <p:cSld>
+    <p:spTree>
+      <p:nvGrpSpPr>
+        <p:cNvPr id="1" name=""/>
+        <p:cNvGrpSpPr/>
+        <p:nvPr/>
+      </p:nvGrpSpPr>
+      <p:grpSpPr>
+        <a:xfrm>
+          <a:off x="0" y="0"/>
+          <a:ext cx="0" cy="0"/>
+          <a:chOff x="0" y="0"/>
+          <a:chExt cx="0" cy="0"/>
+        </a:xfrm>
+      </p:grpSpPr>
+      <p:sp>
+        <p:nvSpPr>
+          <p:cNvPr id="30721" name="Slide Number Placeholder 3"/>
+          <p:cNvSpPr>
+            <a:spLocks noGrp="1"/>
+          </p:cNvSpPr>
+          <p:nvPr>
+            <p:ph type="sldNum" sz="quarter" idx="10"/>
+          </p:nvPr>
+        </p:nvSpPr>
+        <p:spPr>
+          <a:noFill/>
+          <a:ln/>
+          <a:extLst>
+            <a:ext uri="{909E8E84-426E-40dd-AFC4-6F175D3DCCD1}">
+              <a14:hiddenFill xmlns:a14="http://schemas.microsoft.com/office/drawing/2010/main" xmlns="">
+                <a:solidFill>
+                  <a:srgbClr val="FFFFFF"/>
+                </a:solidFill>
+              </a14:hiddenFill>
+            </a:ext>
+            <a:ext uri="{91240B29-F687-4f45-9708-019B960494DF}">
+              <a14:hiddenLine xmlns:a14="http://schemas.microsoft.com/office/drawing/2010/main" xmlns="" w="9525">
+                <a:solidFill>
+                  <a:srgbClr val="000000"/>
+                </a:solidFill>
+                <a:miter lim="800000"/>
+                <a:headEnd/>
+                <a:tailEnd/>
+              </a14:hiddenLine>
+            </a:ext>
+          </a:extLst>
+        </p:spPr>
+        <p:txBody>
+          <a:bodyPr/>
+          <a:lstStyle>
+            <a:lvl1pPr eaLnBrk="0" hangingPunct="0">
+              <a:defRPr sz="2400">
+                <a:solidFill>
+                  <a:schemeClr val="tx1"/>
+                </a:solidFill>
+                <a:latin typeface="Arial" charset="0"/>
+                <a:ea typeface="ヒラギノ角ゴ Pro W3" charset="0"/>
+                <a:cs typeface="ヒラギノ角ゴ Pro W3" charset="0"/>
+              </a:defRPr>
+            </a:lvl1pPr>
+            <a:lvl2pPr marL="742950" indent="-285750" eaLnBrk="0" hangingPunct="0">
+              <a:defRPr sz="2400">
+                <a:solidFill>
+                  <a:schemeClr val="tx1"/>
+                </a:solidFill>
+                <a:latin typeface="Arial" charset="0"/>
+                <a:ea typeface="ヒラギノ角ゴ Pro W3" charset="0"/>
+                <a:cs typeface="ヒラギノ角ゴ Pro W3" charset="0"/>
+              </a:defRPr>
+            </a:lvl2pPr>
+            <a:lvl3pPr marL="1143000" indent="-228600" eaLnBrk="0" hangingPunct="0">
+              <a:defRPr sz="2400">
+                <a:solidFill>
+                  <a:schemeClr val="tx1"/>
+                </a:solidFill>
+                <a:latin typeface="Arial" charset="0"/>
+                <a:ea typeface="ヒラギノ角ゴ Pro W3" charset="0"/>
+                <a:cs typeface="ヒラギノ角ゴ Pro W3" charset="0"/>
+              </a:defRPr>
+            </a:lvl3pPr>
+            <a:lvl4pPr marL="1600200" indent="-228600" eaLnBrk="0" hangingPunct="0">
+              <a:defRPr sz="2400">
+                <a:solidFill>
+                  <a:schemeClr val="tx1"/>
+                </a:solidFill>
+                <a:latin typeface="Arial" charset="0"/>
+                <a:ea typeface="ヒラギノ角ゴ Pro W3" charset="0"/>
+                <a:cs typeface="ヒラギノ角ゴ Pro W3" charset="0"/>
+              </a:defRPr>
+            </a:lvl4pPr>
+            <a:lvl5pPr marL="2057400" indent="-228600" eaLnBrk="0" hangingPunct="0">
+              <a:defRPr sz="2400">
+                <a:solidFill>
+                  <a:schemeClr val="tx1"/>
+                </a:solidFill>
+                <a:latin typeface="Arial" charset="0"/>
+                <a:ea typeface="ヒラギノ角ゴ Pro W3" charset="0"/>
+                <a:cs typeface="ヒラギノ角ゴ Pro W3" charset="0"/>
+              </a:defRPr>
+            </a:lvl5pPr>
+            <a:lvl6pPr marL="2514600" indent="-228600" algn="ctr" eaLnBrk="0" fontAlgn="base" hangingPunct="0">
+              <a:spcBef>
+                <a:spcPct val="0"/>
+              </a:spcBef>
+              <a:spcAft>
+                <a:spcPct val="0"/>
+              </a:spcAft>
+              <a:defRPr sz="2400">
+                <a:solidFill>
+                  <a:schemeClr val="tx1"/>
+                </a:solidFill>
+                <a:latin typeface="Arial" charset="0"/>
+                <a:ea typeface="ヒラギノ角ゴ Pro W3" charset="0"/>
+                <a:cs typeface="ヒラギノ角ゴ Pro W3" charset="0"/>
+              </a:defRPr>
+            </a:lvl6pPr>
+            <a:lvl7pPr marL="2971800" indent="-228600" algn="ctr" eaLnBrk="0" fontAlgn="base" hangingPunct="0">
+              <a:spcBef>
+                <a:spcPct val="0"/>
+              </a:spcBef>
+              <a:spcAft>
+                <a:spcPct val="0"/>
+              </a:spcAft>
+              <a:defRPr sz="2400">
+                <a:solidFill>
+                  <a:schemeClr val="tx1"/>
+                </a:solidFill>
+                <a:latin typeface="Arial" charset="0"/>
+                <a:ea typeface="ヒラギノ角ゴ Pro W3" charset="0"/>
+                <a:cs typeface="ヒラギノ角ゴ Pro W3" charset="0"/>
+              </a:defRPr>
+            </a:lvl7pPr>
+            <a:lvl8pPr marL="3429000" indent="-228600" algn="ctr" eaLnBrk="0" fontAlgn="base" hangingPunct="0">
+              <a:spcBef>
+                <a:spcPct val="0"/>
+              </a:spcBef>
+              <a:spcAft>
+                <a:spcPct val="0"/>
+              </a:spcAft>
+              <a:defRPr sz="2400">
+                <a:solidFill>
+                  <a:schemeClr val="tx1"/>
+                </a:solidFill>
+                <a:latin typeface="Arial" charset="0"/>
+                <a:ea typeface="ヒラギノ角ゴ Pro W3" charset="0"/>
+                <a:cs typeface="ヒラギノ角ゴ Pro W3" charset="0"/>
+              </a:defRPr>
+            </a:lvl8pPr>
+            <a:lvl9pPr marL="3886200" indent="-228600" algn="ctr" eaLnBrk="0" fontAlgn="base" hangingPunct="0">
+              <a:spcBef>
+                <a:spcPct val="0"/>
+              </a:spcBef>
+              <a:spcAft>
+                <a:spcPct val="0"/>
+              </a:spcAft>
+              <a:defRPr sz="2400">
+                <a:solidFill>
+                  <a:schemeClr val="tx1"/>
+                </a:solidFill>
+                <a:latin typeface="Arial" charset="0"/>
+                <a:ea typeface="ヒラギノ角ゴ Pro W3" charset="0"/>
+                <a:cs typeface="ヒラギノ角ゴ Pro W3" charset="0"/>
+              </a:defRPr>
+            </a:lvl9pPr>
+          </a:lstStyle>
+          <a:p>
+            <a:pPr eaLnBrk="1" hangingPunct="1"/>
+            <a:fld id="{EE975231-3F63-4F4E-B8F6-0A246541BABA}" type="slidenum">
+              <a:rPr lang="en-US" sz="1400"/>
+              <a:pPr eaLnBrk="1" hangingPunct="1"/>
+              <a:t>18</a:t>
+            </a:fld>
+            <a:endParaRPr lang="en-US" sz="1400"/>
+          </a:p>
+        </p:txBody>
+      </p:sp>
+      <p:sp>
+        <p:nvSpPr>
+          <p:cNvPr id="30722" name="Rectangle 2"/>
+          <p:cNvSpPr>
+            <a:spLocks noGrp="1" noChangeArrowheads="1"/>
+          </p:cNvSpPr>
+          <p:nvPr>
+            <p:ph type="title"/>
+          </p:nvPr>
+        </p:nvSpPr>
+        <p:spPr/>
+        <p:txBody>
+          <a:bodyPr/>
+          <a:lstStyle/>
+          <a:p>
+            <a:r>
+              <a:rPr lang="en-US" dirty="0" smtClean="0">
+                <a:latin typeface="Times New Roman" charset="0"/>
+                <a:ea typeface="ヒラギノ角ゴ Pro W3" charset="0"/>
+                <a:cs typeface="ヒラギノ角ゴ Pro W3" charset="0"/>
+              </a:rPr>
+              <a:t>Network Protocol</a:t>
+            </a:r>
+            <a:endParaRPr lang="en-US" dirty="0">
+              <a:latin typeface="Times New Roman" charset="0"/>
+              <a:ea typeface="ヒラギノ角ゴ Pro W3" charset="0"/>
+              <a:cs typeface="ヒラギノ角ゴ Pro W3" charset="0"/>
+            </a:endParaRPr>
+          </a:p>
+        </p:txBody>
+      </p:sp>
+      <p:graphicFrame>
+        <p:nvGraphicFramePr>
+          <p:cNvPr id="56467" name="Group 147"/>
+          <p:cNvGraphicFramePr>
+            <a:graphicFrameLocks noGrp="1"/>
+          </p:cNvGraphicFramePr>
+          <p:nvPr>
+            <p:extLst>
+              <p:ext uri="{D42A27DB-BD31-4B8C-83A1-F6EECF244321}">
+                <p14:modId xmlns:p14="http://schemas.microsoft.com/office/powerpoint/2010/main" val="1906220490"/>
+              </p:ext>
+            </p:extLst>
+          </p:nvPr>
+        </p:nvGraphicFramePr>
+        <p:xfrm>
+          <a:off x="287869" y="1187450"/>
+          <a:ext cx="8449732" cy="1371376"/>
+        </p:xfrm>
+        <a:graphic>
+          <a:graphicData uri="http://schemas.openxmlformats.org/drawingml/2006/table">
+            <a:tbl>
+              <a:tblPr/>
+              <a:tblGrid>
+                <a:gridCol w="2938288"/>
+                <a:gridCol w="1494488"/>
+                <a:gridCol w="4016956"/>
+              </a:tblGrid>
+              <a:tr h="0">
+                <a:tc>
+                  <a:txBody>
+                    <a:bodyPr/>
+                    <a:lstStyle/>
+                    <a:p>
+                      <a:pPr marL="0" marR="0" lvl="0" indent="0" algn="l" defTabSz="914400" rtl="0" eaLnBrk="0" fontAlgn="base" latinLnBrk="0" hangingPunct="0">
+                        <a:lnSpc>
+                          <a:spcPct val="100000"/>
+                        </a:lnSpc>
+                        <a:spcBef>
+                          <a:spcPct val="35000"/>
+                        </a:spcBef>
+                        <a:spcAft>
+                          <a:spcPct val="0"/>
+                        </a:spcAft>
+                        <a:buClrTx/>
+                        <a:buSzTx/>
+                        <a:buFontTx/>
+                        <a:buNone/>
+                        <a:tabLst/>
+                      </a:pPr>
+                      <a:r>
+                        <a:rPr kumimoji="0" lang="en-US" sz="2400" b="1" i="0" u="none" strike="noStrike" cap="none" normalizeH="0" baseline="0" dirty="0" smtClean="0">
+                          <a:ln>
+                            <a:noFill/>
+                          </a:ln>
+                          <a:solidFill>
+                            <a:schemeClr val="tx1"/>
+                          </a:solidFill>
+                          <a:effectLst/>
+                          <a:latin typeface="Arial" pitchFamily="-112" charset="0"/>
+                          <a:ea typeface="ヒラギノ角ゴ Pro W3" pitchFamily="-112" charset="-128"/>
+                          <a:cs typeface="ヒラギノ角ゴ Pro W3" pitchFamily="-112" charset="-128"/>
+                        </a:rPr>
+                        <a:t>Field</a:t>
+                      </a:r>
+                    </a:p>
+                  </a:txBody>
+                  <a:tcPr marT="45692" marB="45692" horzOverflow="overflow">
+                    <a:lnL w="28575" cap="flat" cmpd="sng" algn="ctr">
+                      <a:solidFill>
+                        <a:schemeClr val="tx1"/>
+                      </a:solidFill>
+                      <a:prstDash val="solid"/>
+                      <a:round/>
+                      <a:headEnd type="none" w="med" len="med"/>
+                      <a:tailEnd type="none" w="med" len="med"/>
+                    </a:lnL>
+                    <a:lnR w="12700" cap="flat" cmpd="sng" algn="ctr">
+                      <a:solidFill>
+                        <a:schemeClr val="tx1"/>
+                      </a:solidFill>
+                      <a:prstDash val="solid"/>
+                      <a:round/>
+                      <a:headEnd type="none" w="med" len="med"/>
+                      <a:tailEnd type="none" w="med" len="med"/>
+                    </a:lnR>
+                    <a:lnT w="28575" cap="flat" cmpd="sng" algn="ctr">
+                      <a:solidFill>
+                        <a:schemeClr val="tx1"/>
+                      </a:solidFill>
+                      <a:prstDash val="solid"/>
+                      <a:round/>
+                      <a:headEnd type="none" w="med" len="med"/>
+                      <a:tailEnd type="none" w="med" len="med"/>
+                    </a:lnT>
+                    <a:lnB w="28575" cap="flat" cmpd="sng" algn="ctr">
+                      <a:solidFill>
+                        <a:scrgbClr r="0" g="0" b="0"/>
+                      </a:solidFill>
+                      <a:prstDash val="solid"/>
+                      <a:round/>
+                      <a:headEnd type="none" w="med" len="med"/>
+                      <a:tailEnd type="none" w="med" len="med"/>
+                    </a:lnB>
+                    <a:lnTlToBr>
+                      <a:noFill/>
+                    </a:lnTlToBr>
+                    <a:lnBlToTr>
+                      <a:noFill/>
+                    </a:lnBlToTr>
+                    <a:noFill/>
+                  </a:tcPr>
+                </a:tc>
+                <a:tc>
+                  <a:txBody>
+                    <a:bodyPr/>
+                    <a:lstStyle/>
+                    <a:p>
+                      <a:pPr marL="0" marR="0" lvl="0" indent="0" algn="l" defTabSz="914400" rtl="0" eaLnBrk="0" fontAlgn="base" latinLnBrk="0" hangingPunct="0">
+                        <a:lnSpc>
+                          <a:spcPct val="100000"/>
+                        </a:lnSpc>
+                        <a:spcBef>
+                          <a:spcPct val="35000"/>
+                        </a:spcBef>
+                        <a:spcAft>
+                          <a:spcPct val="0"/>
+                        </a:spcAft>
+                        <a:buClrTx/>
+                        <a:buSzTx/>
+                        <a:buFontTx/>
+                        <a:buNone/>
+                        <a:tabLst/>
+                      </a:pPr>
+                      <a:r>
+                        <a:rPr kumimoji="0" lang="en-US" sz="2400" b="1" i="0" u="none" strike="noStrike" kern="1200" cap="none" normalizeH="0" baseline="0" dirty="0" smtClean="0">
+                          <a:ln>
+                            <a:noFill/>
+                          </a:ln>
+                          <a:solidFill>
+                            <a:schemeClr val="tx1"/>
+                          </a:solidFill>
+                          <a:effectLst/>
+                          <a:latin typeface="Arial" pitchFamily="-112" charset="0"/>
+                          <a:ea typeface="ヒラギノ角ゴ Pro W3" pitchFamily="-112" charset="-128"/>
+                          <a:cs typeface="ヒラギノ角ゴ Pro W3" pitchFamily="-112" charset="-128"/>
+                        </a:rPr>
+                        <a:t>Type</a:t>
+                      </a:r>
+                      <a:endParaRPr kumimoji="0" lang="en-US" sz="2400" b="1" i="0" u="none" strike="noStrike" kern="1200" cap="none" normalizeH="0" baseline="0" dirty="0">
+                        <a:ln>
+                          <a:noFill/>
+                        </a:ln>
+                        <a:solidFill>
+                          <a:schemeClr val="tx1"/>
+                        </a:solidFill>
+                        <a:effectLst/>
+                        <a:latin typeface="Arial" pitchFamily="-112" charset="0"/>
+                        <a:ea typeface="ヒラギノ角ゴ Pro W3" pitchFamily="-112" charset="-128"/>
+                        <a:cs typeface="ヒラギノ角ゴ Pro W3" pitchFamily="-112" charset="-128"/>
+                      </a:endParaRPr>
+                    </a:p>
+                  </a:txBody>
+                  <a:tcPr marT="45692" marB="45692" horzOverflow="overflow">
+                    <a:lnL w="12700" cap="flat" cmpd="sng" algn="ctr">
+                      <a:solidFill>
+                        <a:schemeClr val="tx1"/>
+                      </a:solidFill>
+                      <a:prstDash val="solid"/>
+                      <a:round/>
+                      <a:headEnd type="none" w="med" len="med"/>
+                      <a:tailEnd type="none" w="med" len="med"/>
+                    </a:lnL>
+                    <a:lnR w="12700" cap="flat" cmpd="sng" algn="ctr">
+                      <a:solidFill>
+                        <a:schemeClr val="tx1"/>
+                      </a:solidFill>
+                      <a:prstDash val="solid"/>
+                      <a:round/>
+                      <a:headEnd type="none" w="med" len="med"/>
+                      <a:tailEnd type="none" w="med" len="med"/>
+                    </a:lnR>
+                    <a:lnT w="28575" cap="flat" cmpd="sng" algn="ctr">
+                      <a:solidFill>
+                        <a:schemeClr val="tx1"/>
+                      </a:solidFill>
+                      <a:prstDash val="solid"/>
+                      <a:round/>
+                      <a:headEnd type="none" w="med" len="med"/>
+                      <a:tailEnd type="none" w="med" len="med"/>
+                    </a:lnT>
+                    <a:lnB w="28575" cap="flat" cmpd="sng" algn="ctr">
+                      <a:solidFill>
+                        <a:scrgbClr r="0" g="0" b="0"/>
+                      </a:solidFill>
+                      <a:prstDash val="solid"/>
+                      <a:round/>
+                      <a:headEnd type="none" w="med" len="med"/>
+                      <a:tailEnd type="none" w="med" len="med"/>
+                    </a:lnB>
+                    <a:lnTlToBr>
+                      <a:noFill/>
+                    </a:lnTlToBr>
+                    <a:lnBlToTr>
+                      <a:noFill/>
+                    </a:lnBlToTr>
+                    <a:noFill/>
+                  </a:tcPr>
+                </a:tc>
+                <a:tc>
+                  <a:txBody>
+                    <a:bodyPr/>
+                    <a:lstStyle/>
+                    <a:p>
+                      <a:pPr marL="0" marR="0" lvl="0" indent="0" algn="l" defTabSz="914400" rtl="0" eaLnBrk="0" fontAlgn="base" latinLnBrk="0" hangingPunct="0">
+                        <a:lnSpc>
+                          <a:spcPct val="100000"/>
+                        </a:lnSpc>
+                        <a:spcBef>
+                          <a:spcPct val="35000"/>
+                        </a:spcBef>
+                        <a:spcAft>
+                          <a:spcPct val="0"/>
+                        </a:spcAft>
+                        <a:buClrTx/>
+                        <a:buSzTx/>
+                        <a:buFontTx/>
+                        <a:buNone/>
+                        <a:tabLst/>
+                      </a:pPr>
+                      <a:r>
+                        <a:rPr kumimoji="0" lang="en-US" sz="2400" b="1" i="0" u="none" strike="noStrike" cap="none" normalizeH="0" baseline="0" dirty="0">
+                          <a:ln>
+                            <a:noFill/>
+                          </a:ln>
+                          <a:solidFill>
+                            <a:schemeClr val="tx1"/>
+                          </a:solidFill>
+                          <a:effectLst/>
+                          <a:latin typeface="Arial" pitchFamily="-112" charset="0"/>
+                          <a:ea typeface="ヒラギノ角ゴ Pro W3" pitchFamily="-112" charset="-128"/>
+                          <a:cs typeface="ヒラギノ角ゴ Pro W3" pitchFamily="-112" charset="-128"/>
+                        </a:rPr>
+                        <a:t>Description</a:t>
+                      </a:r>
+                    </a:p>
+                  </a:txBody>
+                  <a:tcPr marT="45692" marB="45692" horzOverflow="overflow">
+                    <a:lnL w="12700" cap="flat" cmpd="sng" algn="ctr">
+                      <a:solidFill>
+                        <a:schemeClr val="tx1"/>
+                      </a:solidFill>
+                      <a:prstDash val="solid"/>
+                      <a:round/>
+                      <a:headEnd type="none" w="med" len="med"/>
+                      <a:tailEnd type="none" w="med" len="med"/>
+                    </a:lnL>
+                    <a:lnR w="28575" cap="flat" cmpd="sng" algn="ctr">
+                      <a:solidFill>
+                        <a:schemeClr val="tx1"/>
+                      </a:solidFill>
+                      <a:prstDash val="solid"/>
+                      <a:round/>
+                      <a:headEnd type="none" w="med" len="med"/>
+                      <a:tailEnd type="none" w="med" len="med"/>
+                    </a:lnR>
+                    <a:lnT w="28575" cap="flat" cmpd="sng" algn="ctr">
+                      <a:solidFill>
+                        <a:schemeClr val="tx1"/>
+                      </a:solidFill>
+                      <a:prstDash val="solid"/>
+                      <a:round/>
+                      <a:headEnd type="none" w="med" len="med"/>
+                      <a:tailEnd type="none" w="med" len="med"/>
+                    </a:lnT>
+                    <a:lnB w="28575" cap="flat" cmpd="sng" algn="ctr">
+                      <a:solidFill>
+                        <a:scrgbClr r="0" g="0" b="0"/>
+                      </a:solidFill>
+                      <a:prstDash val="solid"/>
+                      <a:round/>
+                      <a:headEnd type="none" w="med" len="med"/>
+                      <a:tailEnd type="none" w="med" len="med"/>
+                    </a:lnB>
+                    <a:lnTlToBr>
+                      <a:noFill/>
+                    </a:lnTlToBr>
+                    <a:lnBlToTr>
+                      <a:noFill/>
+                    </a:lnBlToTr>
+                    <a:noFill/>
+                  </a:tcPr>
+                </a:tc>
+              </a:tr>
+              <a:tr h="0">
+                <a:tc>
+                  <a:txBody>
+                    <a:bodyPr/>
+                    <a:lstStyle/>
+                    <a:p>
+                      <a:pPr marL="0" marR="0" lvl="0" indent="0" algn="l" defTabSz="914400" rtl="0" eaLnBrk="0" fontAlgn="base" latinLnBrk="0" hangingPunct="0">
+                        <a:lnSpc>
+                          <a:spcPct val="100000"/>
+                        </a:lnSpc>
+                        <a:spcBef>
+                          <a:spcPct val="35000"/>
+                        </a:spcBef>
+                        <a:spcAft>
+                          <a:spcPct val="0"/>
+                        </a:spcAft>
+                        <a:buClrTx/>
+                        <a:buSzTx/>
+                        <a:buFontTx/>
+                        <a:buNone/>
+                        <a:tabLst/>
+                        <a:defRPr/>
+                      </a:pPr>
+                      <a:r>
+                        <a:rPr kumimoji="0" lang="en-US" sz="1400" b="0" i="0" u="none" strike="noStrike" kern="1200" cap="none" normalizeH="0" baseline="0" dirty="0" err="1" smtClean="0">
+                          <a:ln>
+                            <a:noFill/>
+                          </a:ln>
+                          <a:solidFill>
+                            <a:schemeClr val="tx1"/>
+                          </a:solidFill>
+                          <a:effectLst/>
+                          <a:latin typeface="Arial" pitchFamily="-112" charset="0"/>
+                          <a:ea typeface="ヒラギノ角ゴ Pro W3" pitchFamily="-112" charset="-128"/>
+                          <a:cs typeface="ヒラギノ角ゴ Pro W3" pitchFamily="-112" charset="-128"/>
+                        </a:rPr>
+                        <a:t>MsgSize</a:t>
+                      </a:r>
+                      <a:endParaRPr kumimoji="0" lang="en-US" sz="1400" b="0" i="0" u="none" strike="noStrike" kern="1200" cap="none" normalizeH="0" baseline="0" dirty="0">
+                        <a:ln>
+                          <a:noFill/>
+                        </a:ln>
+                        <a:solidFill>
+                          <a:schemeClr val="tx1"/>
+                        </a:solidFill>
+                        <a:effectLst/>
+                        <a:latin typeface="Arial" pitchFamily="-112" charset="0"/>
+                        <a:ea typeface="ヒラギノ角ゴ Pro W3" pitchFamily="-112" charset="-128"/>
+                        <a:cs typeface="ヒラギノ角ゴ Pro W3" pitchFamily="-112" charset="-128"/>
+                      </a:endParaRPr>
+                    </a:p>
+                  </a:txBody>
+                  <a:tcPr marT="45692" marB="45692" horzOverflow="overflow">
+                    <a:lnL w="28575" cap="flat" cmpd="sng" algn="ctr">
+                      <a:solidFill>
+                        <a:scrgbClr r="0" g="0" b="0"/>
+                      </a:solidFill>
+                      <a:prstDash val="solid"/>
+                      <a:round/>
+                      <a:headEnd type="none" w="med" len="med"/>
+                      <a:tailEnd type="none" w="med" len="med"/>
+                    </a:lnL>
+                    <a:lnR w="12700" cap="flat" cmpd="sng" algn="ctr">
+                      <a:solidFill>
+                        <a:schemeClr val="tx1"/>
+                      </a:solidFill>
+                      <a:prstDash val="solid"/>
+                      <a:round/>
+                      <a:headEnd type="none" w="med" len="med"/>
+                      <a:tailEnd type="none" w="med" len="med"/>
+                    </a:lnR>
+                    <a:lnT w="28575" cap="flat" cmpd="sng" algn="ctr">
+                      <a:solidFill>
+                        <a:scrgbClr r="0" g="0" b="0"/>
+                      </a:solidFill>
+                      <a:prstDash val="solid"/>
+                      <a:round/>
+                      <a:headEnd type="none" w="med" len="med"/>
+                      <a:tailEnd type="none" w="med" len="med"/>
+                    </a:lnT>
+                    <a:lnB w="12700" cap="flat" cmpd="sng" algn="ctr">
+                      <a:solidFill>
+                        <a:schemeClr val="tx1"/>
+                      </a:solidFill>
+                      <a:prstDash val="solid"/>
+                      <a:round/>
+                      <a:headEnd type="none" w="med" len="med"/>
+                      <a:tailEnd type="none" w="med" len="med"/>
+                    </a:lnB>
+                    <a:lnTlToBr>
+                      <a:noFill/>
+                    </a:lnTlToBr>
+                    <a:lnBlToTr>
+                      <a:noFill/>
+                    </a:lnBlToTr>
+                    <a:noFill/>
+                  </a:tcPr>
+                </a:tc>
+                <a:tc>
+                  <a:txBody>
+                    <a:bodyPr/>
+                    <a:lstStyle/>
+                    <a:p>
+                      <a:pPr marL="0" marR="0" lvl="0" indent="0" algn="l" defTabSz="914400" rtl="0" eaLnBrk="0" fontAlgn="base" latinLnBrk="0" hangingPunct="0">
+                        <a:lnSpc>
+                          <a:spcPct val="100000"/>
+                        </a:lnSpc>
+                        <a:spcBef>
+                          <a:spcPct val="35000"/>
+                        </a:spcBef>
+                        <a:spcAft>
+                          <a:spcPct val="0"/>
+                        </a:spcAft>
+                        <a:buClrTx/>
+                        <a:buSzTx/>
+                        <a:buFontTx/>
+                        <a:buNone/>
+                        <a:tabLst/>
+                        <a:defRPr/>
+                      </a:pPr>
+                      <a:r>
+                        <a:rPr kumimoji="0" lang="en-US" sz="1400" b="0" i="0" u="none" strike="noStrike" kern="1200" cap="none" normalizeH="0" baseline="0" dirty="0" smtClean="0">
+                          <a:ln>
+                            <a:noFill/>
+                          </a:ln>
+                          <a:solidFill>
+                            <a:schemeClr val="tx1"/>
+                          </a:solidFill>
+                          <a:effectLst/>
+                          <a:latin typeface="Arial" pitchFamily="-112" charset="0"/>
+                          <a:ea typeface="ヒラギノ角ゴ Pro W3" pitchFamily="-112" charset="-128"/>
+                          <a:cs typeface="ヒラギノ角ゴ Pro W3" pitchFamily="-112" charset="-128"/>
+                        </a:rPr>
+                        <a:t>uint16</a:t>
+                      </a:r>
+                      <a:endParaRPr kumimoji="0" lang="en-US" sz="1400" b="0" i="0" u="none" strike="noStrike" kern="1200" cap="none" normalizeH="0" baseline="0" dirty="0">
+                        <a:ln>
+                          <a:noFill/>
+                        </a:ln>
+                        <a:solidFill>
+                          <a:schemeClr val="tx1"/>
+                        </a:solidFill>
+                        <a:effectLst/>
+                        <a:latin typeface="Arial" pitchFamily="-112" charset="0"/>
+                        <a:ea typeface="ヒラギノ角ゴ Pro W3" pitchFamily="-112" charset="-128"/>
+                        <a:cs typeface="ヒラギノ角ゴ Pro W3" pitchFamily="-112" charset="-128"/>
+                      </a:endParaRPr>
+                    </a:p>
+                  </a:txBody>
+                  <a:tcPr marT="45692" marB="45692" horzOverflow="overflow">
+                    <a:lnL w="12700" cap="flat" cmpd="sng" algn="ctr">
+                      <a:solidFill>
+                        <a:schemeClr val="tx1"/>
+                      </a:solidFill>
+                      <a:prstDash val="solid"/>
+                      <a:round/>
+                      <a:headEnd type="none" w="med" len="med"/>
+                      <a:tailEnd type="none" w="med" len="med"/>
+                    </a:lnL>
+                    <a:lnR w="12700" cap="flat" cmpd="sng" algn="ctr">
+                      <a:solidFill>
+                        <a:schemeClr val="tx1"/>
+                      </a:solidFill>
+                      <a:prstDash val="solid"/>
+                      <a:round/>
+                      <a:headEnd type="none" w="med" len="med"/>
+                      <a:tailEnd type="none" w="med" len="med"/>
+                    </a:lnR>
+                    <a:lnT w="28575" cap="flat" cmpd="sng" algn="ctr">
+                      <a:solidFill>
+                        <a:scrgbClr r="0" g="0" b="0"/>
+                      </a:solidFill>
+                      <a:prstDash val="solid"/>
+                      <a:round/>
+                      <a:headEnd type="none" w="med" len="med"/>
+                      <a:tailEnd type="none" w="med" len="med"/>
+                    </a:lnT>
+                    <a:lnB w="12700" cap="flat" cmpd="sng" algn="ctr">
+                      <a:solidFill>
+                        <a:schemeClr val="tx1"/>
+                      </a:solidFill>
+                      <a:prstDash val="solid"/>
+                      <a:round/>
+                      <a:headEnd type="none" w="med" len="med"/>
+                      <a:tailEnd type="none" w="med" len="med"/>
+                    </a:lnB>
+                    <a:lnTlToBr>
+                      <a:noFill/>
+                    </a:lnTlToBr>
+                    <a:lnBlToTr>
+                      <a:noFill/>
+                    </a:lnBlToTr>
+                    <a:noFill/>
+                  </a:tcPr>
+                </a:tc>
+                <a:tc>
+                  <a:txBody>
+                    <a:bodyPr/>
+                    <a:lstStyle/>
+                    <a:p>
+                      <a:pPr marL="0" marR="0" lvl="0" indent="0" algn="l" defTabSz="914400" rtl="0" eaLnBrk="0" fontAlgn="base" latinLnBrk="0" hangingPunct="0">
+                        <a:lnSpc>
+                          <a:spcPct val="100000"/>
+                        </a:lnSpc>
+                        <a:spcBef>
+                          <a:spcPct val="35000"/>
+                        </a:spcBef>
+                        <a:spcAft>
+                          <a:spcPct val="0"/>
+                        </a:spcAft>
+                        <a:buClrTx/>
+                        <a:buSzTx/>
+                        <a:buFontTx/>
+                        <a:buNone/>
+                        <a:tabLst/>
+                      </a:pPr>
+                      <a:r>
+                        <a:rPr kumimoji="0" lang="en-US" sz="1400" b="0" i="0" u="none" strike="noStrike" cap="none" normalizeH="0" baseline="0" dirty="0" smtClean="0">
+                          <a:ln>
+                            <a:noFill/>
+                          </a:ln>
+                          <a:solidFill>
+                            <a:schemeClr val="tx1"/>
+                          </a:solidFill>
+                          <a:effectLst/>
+                          <a:latin typeface="Arial" pitchFamily="-112" charset="0"/>
+                          <a:ea typeface="ヒラギノ角ゴ Pro W3" pitchFamily="-112" charset="-128"/>
+                          <a:cs typeface="ヒラギノ角ゴ Pro W3" pitchFamily="-112" charset="-128"/>
+                        </a:rPr>
+                        <a:t>Size of the payload.</a:t>
+                      </a:r>
+                      <a:endParaRPr kumimoji="0" lang="en-US" sz="1400" b="0" i="0" u="none" strike="noStrike" cap="none" normalizeH="0" baseline="0" dirty="0">
+                        <a:ln>
+                          <a:noFill/>
+                        </a:ln>
+                        <a:solidFill>
+                          <a:schemeClr val="tx1"/>
+                        </a:solidFill>
+                        <a:effectLst/>
+                        <a:latin typeface="Arial" pitchFamily="-112" charset="0"/>
+                        <a:ea typeface="ヒラギノ角ゴ Pro W3" pitchFamily="-112" charset="-128"/>
+                        <a:cs typeface="ヒラギノ角ゴ Pro W3" pitchFamily="-112" charset="-128"/>
+                      </a:endParaRPr>
+                    </a:p>
+                  </a:txBody>
+                  <a:tcPr marT="45692" marB="45692" horzOverflow="overflow">
+                    <a:lnL w="12700" cap="flat" cmpd="sng" algn="ctr">
+                      <a:solidFill>
+                        <a:schemeClr val="tx1"/>
+                      </a:solidFill>
+                      <a:prstDash val="solid"/>
+                      <a:round/>
+                      <a:headEnd type="none" w="med" len="med"/>
+                      <a:tailEnd type="none" w="med" len="med"/>
+                    </a:lnL>
+                    <a:lnR w="28575" cap="flat" cmpd="sng" algn="ctr">
+                      <a:solidFill>
+                        <a:scrgbClr r="0" g="0" b="0"/>
+                      </a:solidFill>
+                      <a:prstDash val="solid"/>
+                      <a:round/>
+                      <a:headEnd type="none" w="med" len="med"/>
+                      <a:tailEnd type="none" w="med" len="med"/>
+                    </a:lnR>
+                    <a:lnT w="28575" cap="flat" cmpd="sng" algn="ctr">
+                      <a:solidFill>
+                        <a:scrgbClr r="0" g="0" b="0"/>
+                      </a:solidFill>
+                      <a:prstDash val="solid"/>
+                      <a:round/>
+                      <a:headEnd type="none" w="med" len="med"/>
+                      <a:tailEnd type="none" w="med" len="med"/>
+                    </a:lnT>
+                    <a:lnB w="12700" cap="flat" cmpd="sng" algn="ctr">
+                      <a:solidFill>
+                        <a:schemeClr val="tx1"/>
+                      </a:solidFill>
+                      <a:prstDash val="solid"/>
+                      <a:round/>
+                      <a:headEnd type="none" w="med" len="med"/>
+                      <a:tailEnd type="none" w="med" len="med"/>
+                    </a:lnB>
+                    <a:lnTlToBr>
+                      <a:noFill/>
+                    </a:lnTlToBr>
+                    <a:lnBlToTr>
+                      <a:noFill/>
+                    </a:lnBlToTr>
+                    <a:noFill/>
+                  </a:tcPr>
+                </a:tc>
+              </a:tr>
+              <a:tr h="0">
+                <a:tc>
+                  <a:txBody>
+                    <a:bodyPr/>
+                    <a:lstStyle/>
+                    <a:p>
+                      <a:pPr marL="0" marR="0" lvl="0" indent="0" algn="l" defTabSz="914400" rtl="0" eaLnBrk="0" fontAlgn="base" latinLnBrk="0" hangingPunct="0">
+                        <a:lnSpc>
+                          <a:spcPct val="100000"/>
+                        </a:lnSpc>
+                        <a:spcBef>
+                          <a:spcPct val="35000"/>
+                        </a:spcBef>
+                        <a:spcAft>
+                          <a:spcPct val="0"/>
+                        </a:spcAft>
+                        <a:buClrTx/>
+                        <a:buSzTx/>
+                        <a:buFontTx/>
+                        <a:buNone/>
+                        <a:tabLst/>
+                        <a:defRPr/>
+                      </a:pPr>
+                      <a:r>
+                        <a:rPr kumimoji="0" lang="en-US" sz="1400" b="0" i="0" u="none" strike="noStrike" kern="1200" cap="none" normalizeH="0" baseline="0" dirty="0" smtClean="0">
+                          <a:ln>
+                            <a:noFill/>
+                          </a:ln>
+                          <a:solidFill>
+                            <a:schemeClr val="tx1"/>
+                          </a:solidFill>
+                          <a:effectLst/>
+                          <a:latin typeface="Arial" pitchFamily="-112" charset="0"/>
+                          <a:ea typeface="ヒラギノ角ゴ Pro W3" pitchFamily="-112" charset="-128"/>
+                          <a:cs typeface="ヒラギノ角ゴ Pro W3" pitchFamily="-112" charset="-128"/>
+                        </a:rPr>
+                        <a:t>Type</a:t>
+                      </a:r>
+                      <a:endParaRPr kumimoji="0" lang="en-US" sz="1400" b="0" i="0" u="none" strike="noStrike" kern="1200" cap="none" normalizeH="0" baseline="0" dirty="0">
+                        <a:ln>
+                          <a:noFill/>
+                        </a:ln>
+                        <a:solidFill>
+                          <a:schemeClr val="tx1"/>
+                        </a:solidFill>
+                        <a:effectLst/>
+                        <a:latin typeface="Arial" pitchFamily="-112" charset="0"/>
+                        <a:ea typeface="ヒラギノ角ゴ Pro W3" pitchFamily="-112" charset="-128"/>
+                        <a:cs typeface="ヒラギノ角ゴ Pro W3" pitchFamily="-112" charset="-128"/>
+                      </a:endParaRPr>
+                    </a:p>
+                  </a:txBody>
+                  <a:tcPr marT="45692" marB="45692" horzOverflow="overflow">
+                    <a:lnL w="28575" cap="flat" cmpd="sng" algn="ctr">
+                      <a:solidFill>
+                        <a:scrgbClr r="0" g="0" b="0"/>
+                      </a:solidFill>
+                      <a:prstDash val="solid"/>
+                      <a:round/>
+                      <a:headEnd type="none" w="med" len="med"/>
+                      <a:tailEnd type="none" w="med" len="med"/>
+                    </a:lnL>
+                    <a:lnR w="12700" cap="flat" cmpd="sng" algn="ctr">
+                      <a:solidFill>
+                        <a:schemeClr val="tx1"/>
+                      </a:solidFill>
+                      <a:prstDash val="solid"/>
+                      <a:round/>
+                      <a:headEnd type="none" w="med" len="med"/>
+                      <a:tailEnd type="none" w="med" len="med"/>
+                    </a:lnR>
+                    <a:lnT w="12700" cap="flat" cmpd="sng" algn="ctr">
+                      <a:solidFill>
+                        <a:schemeClr val="tx1"/>
+                      </a:solidFill>
+                      <a:prstDash val="solid"/>
+                      <a:round/>
+                      <a:headEnd type="none" w="med" len="med"/>
+                      <a:tailEnd type="none" w="med" len="med"/>
+                    </a:lnT>
+                    <a:lnB w="12700" cap="flat" cmpd="sng" algn="ctr">
+                      <a:solidFill>
+                        <a:schemeClr val="tx1"/>
+                      </a:solidFill>
+                      <a:prstDash val="solid"/>
+                      <a:round/>
+                      <a:headEnd type="none" w="med" len="med"/>
+                      <a:tailEnd type="none" w="med" len="med"/>
+                    </a:lnB>
+                    <a:lnTlToBr>
+                      <a:noFill/>
+                    </a:lnTlToBr>
+                    <a:lnBlToTr>
+                      <a:noFill/>
+                    </a:lnBlToTr>
+                    <a:noFill/>
+                  </a:tcPr>
+                </a:tc>
+                <a:tc>
+                  <a:txBody>
+                    <a:bodyPr/>
+                    <a:lstStyle/>
+                    <a:p>
+                      <a:pPr marL="0" marR="0" lvl="0" indent="0" algn="l" defTabSz="914400" rtl="0" eaLnBrk="0" fontAlgn="base" latinLnBrk="0" hangingPunct="0">
+                        <a:lnSpc>
+                          <a:spcPct val="100000"/>
+                        </a:lnSpc>
+                        <a:spcBef>
+                          <a:spcPct val="35000"/>
+                        </a:spcBef>
+                        <a:spcAft>
+                          <a:spcPct val="0"/>
+                        </a:spcAft>
+                        <a:buClrTx/>
+                        <a:buSzTx/>
+                        <a:buFontTx/>
+                        <a:buNone/>
+                        <a:tabLst/>
+                        <a:defRPr/>
+                      </a:pPr>
+                      <a:r>
+                        <a:rPr kumimoji="0" lang="en-US" sz="1400" b="0" i="0" u="none" strike="noStrike" kern="1200" cap="none" normalizeH="0" baseline="0" dirty="0" smtClean="0">
+                          <a:ln>
+                            <a:noFill/>
+                          </a:ln>
+                          <a:solidFill>
+                            <a:schemeClr val="tx1"/>
+                          </a:solidFill>
+                          <a:effectLst/>
+                          <a:latin typeface="Arial" pitchFamily="-112" charset="0"/>
+                          <a:ea typeface="ヒラギノ角ゴ Pro W3" pitchFamily="-112" charset="-128"/>
+                          <a:cs typeface="ヒラギノ角ゴ Pro W3" pitchFamily="-112" charset="-128"/>
+                        </a:rPr>
+                        <a:t>uint8</a:t>
+                      </a:r>
+                      <a:endParaRPr kumimoji="0" lang="en-US" sz="1400" b="0" i="0" u="none" strike="noStrike" kern="1200" cap="none" normalizeH="0" baseline="0" dirty="0">
+                        <a:ln>
+                          <a:noFill/>
+                        </a:ln>
+                        <a:solidFill>
+                          <a:schemeClr val="tx1"/>
+                        </a:solidFill>
+                        <a:effectLst/>
+                        <a:latin typeface="Arial" pitchFamily="-112" charset="0"/>
+                        <a:ea typeface="ヒラギノ角ゴ Pro W3" pitchFamily="-112" charset="-128"/>
+                        <a:cs typeface="ヒラギノ角ゴ Pro W3" pitchFamily="-112" charset="-128"/>
+                      </a:endParaRPr>
+                    </a:p>
+                  </a:txBody>
+                  <a:tcPr marT="45692" marB="45692" horzOverflow="overflow">
+                    <a:lnL w="12700" cap="flat" cmpd="sng" algn="ctr">
+                      <a:solidFill>
+                        <a:schemeClr val="tx1"/>
+                      </a:solidFill>
+                      <a:prstDash val="solid"/>
+                      <a:round/>
+                      <a:headEnd type="none" w="med" len="med"/>
+                      <a:tailEnd type="none" w="med" len="med"/>
+                    </a:lnL>
+                    <a:lnR w="12700" cap="flat" cmpd="sng" algn="ctr">
+                      <a:solidFill>
+                        <a:schemeClr val="tx1"/>
+                      </a:solidFill>
+                      <a:prstDash val="solid"/>
+                      <a:round/>
+                      <a:headEnd type="none" w="med" len="med"/>
+                      <a:tailEnd type="none" w="med" len="med"/>
+                    </a:lnR>
+                    <a:lnT w="12700" cap="flat" cmpd="sng" algn="ctr">
+                      <a:solidFill>
+                        <a:schemeClr val="tx1"/>
+                      </a:solidFill>
+                      <a:prstDash val="solid"/>
+                      <a:round/>
+                      <a:headEnd type="none" w="med" len="med"/>
+                      <a:tailEnd type="none" w="med" len="med"/>
+                    </a:lnT>
+                    <a:lnB w="12700" cap="flat" cmpd="sng" algn="ctr">
+                      <a:solidFill>
+                        <a:schemeClr val="tx1"/>
+                      </a:solidFill>
+                      <a:prstDash val="solid"/>
+                      <a:round/>
+                      <a:headEnd type="none" w="med" len="med"/>
+                      <a:tailEnd type="none" w="med" len="med"/>
+                    </a:lnB>
+                    <a:lnTlToBr>
+                      <a:noFill/>
+                    </a:lnTlToBr>
+                    <a:lnBlToTr>
+                      <a:noFill/>
+                    </a:lnBlToTr>
+                    <a:noFill/>
+                  </a:tcPr>
+                </a:tc>
+                <a:tc>
+                  <a:txBody>
+                    <a:bodyPr/>
+                    <a:lstStyle/>
+                    <a:p>
+                      <a:pPr marL="0" marR="0" lvl="0" indent="0" algn="l" defTabSz="914400" rtl="0" eaLnBrk="0" fontAlgn="base" latinLnBrk="0" hangingPunct="0">
+                        <a:lnSpc>
+                          <a:spcPct val="100000"/>
+                        </a:lnSpc>
+                        <a:spcBef>
+                          <a:spcPct val="35000"/>
+                        </a:spcBef>
+                        <a:spcAft>
+                          <a:spcPct val="0"/>
+                        </a:spcAft>
+                        <a:buClrTx/>
+                        <a:buSzTx/>
+                        <a:buFontTx/>
+                        <a:buNone/>
+                        <a:tabLst/>
+                      </a:pPr>
+                      <a:r>
+                        <a:rPr kumimoji="0" lang="en-US" sz="1400" b="0" i="0" u="none" strike="noStrike" cap="none" normalizeH="0" baseline="0" dirty="0" smtClean="0">
+                          <a:ln>
+                            <a:noFill/>
+                          </a:ln>
+                          <a:solidFill>
+                            <a:schemeClr val="tx1"/>
+                          </a:solidFill>
+                          <a:effectLst/>
+                          <a:latin typeface="Arial" pitchFamily="-112" charset="0"/>
+                          <a:ea typeface="ヒラギノ角ゴ Pro W3" pitchFamily="-112" charset="-128"/>
+                          <a:cs typeface="ヒラギノ角ゴ Pro W3" pitchFamily="-112" charset="-128"/>
+                        </a:rPr>
+                        <a:t>Announce/Sub/Unsub/App</a:t>
+                      </a:r>
+                      <a:endParaRPr kumimoji="0" lang="en-US" sz="1400" b="0" i="0" u="none" strike="noStrike" cap="none" normalizeH="0" baseline="0" dirty="0">
+                        <a:ln>
+                          <a:noFill/>
+                        </a:ln>
+                        <a:solidFill>
+                          <a:schemeClr val="tx1"/>
+                        </a:solidFill>
+                        <a:effectLst/>
+                        <a:latin typeface="Arial" pitchFamily="-112" charset="0"/>
+                        <a:ea typeface="ヒラギノ角ゴ Pro W3" pitchFamily="-112" charset="-128"/>
+                        <a:cs typeface="ヒラギノ角ゴ Pro W3" pitchFamily="-112" charset="-128"/>
+                      </a:endParaRPr>
+                    </a:p>
+                  </a:txBody>
+                  <a:tcPr marT="45692" marB="45692" horzOverflow="overflow">
+                    <a:lnL w="12700" cap="flat" cmpd="sng" algn="ctr">
+                      <a:solidFill>
+                        <a:schemeClr val="tx1"/>
+                      </a:solidFill>
+                      <a:prstDash val="solid"/>
+                      <a:round/>
+                      <a:headEnd type="none" w="med" len="med"/>
+                      <a:tailEnd type="none" w="med" len="med"/>
+                    </a:lnL>
+                    <a:lnR w="28575" cap="flat" cmpd="sng" algn="ctr">
+                      <a:solidFill>
+                        <a:scrgbClr r="0" g="0" b="0"/>
+                      </a:solidFill>
+                      <a:prstDash val="solid"/>
+                      <a:round/>
+                      <a:headEnd type="none" w="med" len="med"/>
+                      <a:tailEnd type="none" w="med" len="med"/>
+                    </a:lnR>
+                    <a:lnT w="12700" cap="flat" cmpd="sng" algn="ctr">
+                      <a:solidFill>
+                        <a:schemeClr val="tx1"/>
+                      </a:solidFill>
+                      <a:prstDash val="solid"/>
+                      <a:round/>
+                      <a:headEnd type="none" w="med" len="med"/>
+                      <a:tailEnd type="none" w="med" len="med"/>
+                    </a:lnT>
+                    <a:lnB w="12700" cap="flat" cmpd="sng" algn="ctr">
+                      <a:solidFill>
+                        <a:schemeClr val="tx1"/>
+                      </a:solidFill>
+                      <a:prstDash val="solid"/>
+                      <a:round/>
+                      <a:headEnd type="none" w="med" len="med"/>
+                      <a:tailEnd type="none" w="med" len="med"/>
+                    </a:lnB>
+                    <a:lnTlToBr>
+                      <a:noFill/>
+                    </a:lnTlToBr>
+                    <a:lnBlToTr>
+                      <a:noFill/>
+                    </a:lnBlToTr>
+                    <a:noFill/>
+                  </a:tcPr>
+                </a:tc>
+              </a:tr>
+              <a:tr h="0">
+                <a:tc>
+                  <a:txBody>
+                    <a:bodyPr/>
+                    <a:lstStyle/>
+                    <a:p>
+                      <a:pPr marL="0" marR="0" lvl="0" indent="0" algn="l" defTabSz="914400" rtl="0" eaLnBrk="0" fontAlgn="base" latinLnBrk="0" hangingPunct="0">
+                        <a:lnSpc>
+                          <a:spcPct val="100000"/>
+                        </a:lnSpc>
+                        <a:spcBef>
+                          <a:spcPct val="35000"/>
+                        </a:spcBef>
+                        <a:spcAft>
+                          <a:spcPct val="0"/>
+                        </a:spcAft>
+                        <a:buClrTx/>
+                        <a:buSzTx/>
+                        <a:buFontTx/>
+                        <a:buNone/>
+                        <a:tabLst/>
+                      </a:pPr>
+                      <a:r>
+                        <a:rPr kumimoji="0" lang="en-US" sz="1400" b="0" i="0" u="none" strike="noStrike" cap="none" normalizeH="0" baseline="0" dirty="0" err="1" smtClean="0">
+                          <a:ln>
+                            <a:noFill/>
+                          </a:ln>
+                          <a:solidFill>
+                            <a:schemeClr val="tx1"/>
+                          </a:solidFill>
+                          <a:effectLst/>
+                          <a:latin typeface="Arial" pitchFamily="-112" charset="0"/>
+                          <a:ea typeface="ヒラギノ角ゴ Pro W3" pitchFamily="-112" charset="-128"/>
+                          <a:cs typeface="ヒラギノ角ゴ Pro W3" pitchFamily="-112" charset="-128"/>
+                        </a:rPr>
+                        <a:t>CpuId</a:t>
+                      </a:r>
+                      <a:endParaRPr kumimoji="0" lang="en-US" sz="1400" b="0" i="0" u="none" strike="noStrike" cap="none" normalizeH="0" baseline="0" dirty="0">
+                        <a:ln>
+                          <a:noFill/>
+                        </a:ln>
+                        <a:solidFill>
+                          <a:schemeClr val="tx1"/>
+                        </a:solidFill>
+                        <a:effectLst/>
+                        <a:latin typeface="Arial" pitchFamily="-112" charset="0"/>
+                        <a:ea typeface="ヒラギノ角ゴ Pro W3" pitchFamily="-112" charset="-128"/>
+                        <a:cs typeface="ヒラギノ角ゴ Pro W3" pitchFamily="-112" charset="-128"/>
+                      </a:endParaRPr>
+                    </a:p>
+                  </a:txBody>
+                  <a:tcPr marT="45692" marB="45692" horzOverflow="overflow">
+                    <a:lnL w="28575" cap="flat" cmpd="sng" algn="ctr">
+                      <a:solidFill>
+                        <a:scrgbClr r="0" g="0" b="0"/>
+                      </a:solidFill>
+                      <a:prstDash val="solid"/>
+                      <a:round/>
+                      <a:headEnd type="none" w="med" len="med"/>
+                      <a:tailEnd type="none" w="med" len="med"/>
+                    </a:lnL>
+                    <a:lnR w="12700" cap="flat" cmpd="sng" algn="ctr">
+                      <a:solidFill>
+                        <a:schemeClr val="tx1"/>
+                      </a:solidFill>
+                      <a:prstDash val="solid"/>
+                      <a:round/>
+                      <a:headEnd type="none" w="med" len="med"/>
+                      <a:tailEnd type="none" w="med" len="med"/>
+                    </a:lnR>
+                    <a:lnT w="12700" cap="flat" cmpd="sng" algn="ctr">
+                      <a:solidFill>
+                        <a:schemeClr val="tx1"/>
+                      </a:solidFill>
+                      <a:prstDash val="solid"/>
+                      <a:round/>
+                      <a:headEnd type="none" w="med" len="med"/>
+                      <a:tailEnd type="none" w="med" len="med"/>
+                    </a:lnT>
+                    <a:lnB w="12700" cap="flat" cmpd="sng" algn="ctr">
+                      <a:solidFill>
+                        <a:schemeClr val="tx1"/>
+                      </a:solidFill>
+                      <a:prstDash val="solid"/>
+                      <a:round/>
+                      <a:headEnd type="none" w="med" len="med"/>
+                      <a:tailEnd type="none" w="med" len="med"/>
+                    </a:lnB>
+                    <a:lnTlToBr>
+                      <a:noFill/>
+                    </a:lnTlToBr>
+                    <a:lnBlToTr>
+                      <a:noFill/>
+                    </a:lnBlToTr>
+                    <a:noFill/>
+                  </a:tcPr>
+                </a:tc>
+                <a:tc>
+                  <a:txBody>
+                    <a:bodyPr/>
+                    <a:lstStyle/>
+                    <a:p>
+                      <a:pPr marL="0" marR="0" lvl="0" indent="0" algn="l" defTabSz="914400" rtl="0" eaLnBrk="0" fontAlgn="base" latinLnBrk="0" hangingPunct="0">
+                        <a:lnSpc>
+                          <a:spcPct val="100000"/>
+                        </a:lnSpc>
+                        <a:spcBef>
+                          <a:spcPct val="35000"/>
+                        </a:spcBef>
+                        <a:spcAft>
+                          <a:spcPct val="0"/>
+                        </a:spcAft>
+                        <a:buClrTx/>
+                        <a:buSzTx/>
+                        <a:buFontTx/>
+                        <a:buNone/>
+                        <a:tabLst/>
+                      </a:pPr>
+                      <a:r>
+                        <a:rPr kumimoji="0" lang="en-US" sz="1400" b="0" i="0" u="none" strike="noStrike" cap="none" normalizeH="0" baseline="0" dirty="0" smtClean="0">
+                          <a:ln>
+                            <a:noFill/>
+                          </a:ln>
+                          <a:solidFill>
+                            <a:schemeClr val="tx1"/>
+                          </a:solidFill>
+                          <a:effectLst/>
+                          <a:latin typeface="Arial" pitchFamily="-112" charset="0"/>
+                          <a:ea typeface="ヒラギノ角ゴ Pro W3" pitchFamily="-112" charset="-128"/>
+                          <a:cs typeface="ヒラギノ角ゴ Pro W3" pitchFamily="-112" charset="-128"/>
+                        </a:rPr>
+                        <a:t>uint32</a:t>
+                      </a:r>
+                      <a:endParaRPr kumimoji="0" lang="en-US" sz="1400" b="0" i="0" u="none" strike="noStrike" cap="none" normalizeH="0" baseline="0" dirty="0">
+                        <a:ln>
+                          <a:noFill/>
+                        </a:ln>
+                        <a:solidFill>
+                          <a:schemeClr val="tx1"/>
+                        </a:solidFill>
+                        <a:effectLst/>
+                        <a:latin typeface="Arial" pitchFamily="-112" charset="0"/>
+                        <a:ea typeface="ヒラギノ角ゴ Pro W3" pitchFamily="-112" charset="-128"/>
+                        <a:cs typeface="ヒラギノ角ゴ Pro W3" pitchFamily="-112" charset="-128"/>
+                      </a:endParaRPr>
+                    </a:p>
+                  </a:txBody>
+                  <a:tcPr marT="45692" marB="45692" horzOverflow="overflow">
+                    <a:lnL w="12700" cap="flat" cmpd="sng" algn="ctr">
+                      <a:solidFill>
+                        <a:schemeClr val="tx1"/>
+                      </a:solidFill>
+                      <a:prstDash val="solid"/>
+                      <a:round/>
+                      <a:headEnd type="none" w="med" len="med"/>
+                      <a:tailEnd type="none" w="med" len="med"/>
+                    </a:lnL>
+                    <a:lnR w="12700" cap="flat" cmpd="sng" algn="ctr">
+                      <a:solidFill>
+                        <a:schemeClr val="tx1"/>
+                      </a:solidFill>
+                      <a:prstDash val="solid"/>
+                      <a:round/>
+                      <a:headEnd type="none" w="med" len="med"/>
+                      <a:tailEnd type="none" w="med" len="med"/>
+                    </a:lnR>
+                    <a:lnT w="12700" cap="flat" cmpd="sng" algn="ctr">
+                      <a:solidFill>
+                        <a:schemeClr val="tx1"/>
+                      </a:solidFill>
+                      <a:prstDash val="solid"/>
+                      <a:round/>
+                      <a:headEnd type="none" w="med" len="med"/>
+                      <a:tailEnd type="none" w="med" len="med"/>
+                    </a:lnT>
+                    <a:lnB w="12700" cap="flat" cmpd="sng" algn="ctr">
+                      <a:solidFill>
+                        <a:schemeClr val="tx1"/>
+                      </a:solidFill>
+                      <a:prstDash val="solid"/>
+                      <a:round/>
+                      <a:headEnd type="none" w="med" len="med"/>
+                      <a:tailEnd type="none" w="med" len="med"/>
+                    </a:lnB>
+                    <a:lnTlToBr>
+                      <a:noFill/>
+                    </a:lnTlToBr>
+                    <a:lnBlToTr>
+                      <a:noFill/>
+                    </a:lnBlToTr>
+                    <a:noFill/>
+                  </a:tcPr>
+                </a:tc>
+                <a:tc>
+                  <a:txBody>
+                    <a:bodyPr/>
+                    <a:lstStyle/>
+                    <a:p>
+                      <a:pPr marL="0" marR="0" lvl="0" indent="0" algn="l" defTabSz="914400" rtl="0" eaLnBrk="0" fontAlgn="base" latinLnBrk="0" hangingPunct="0">
+                        <a:lnSpc>
+                          <a:spcPct val="100000"/>
+                        </a:lnSpc>
+                        <a:spcBef>
+                          <a:spcPct val="35000"/>
+                        </a:spcBef>
+                        <a:spcAft>
+                          <a:spcPct val="0"/>
+                        </a:spcAft>
+                        <a:buClrTx/>
+                        <a:buSzTx/>
+                        <a:buFontTx/>
+                        <a:buNone/>
+                        <a:tabLst/>
+                      </a:pPr>
+                      <a:r>
+                        <a:rPr kumimoji="0" lang="en-US" sz="1400" b="0" i="0" u="none" strike="noStrike" cap="none" normalizeH="0" baseline="0" dirty="0" smtClean="0">
+                          <a:ln>
+                            <a:noFill/>
+                          </a:ln>
+                          <a:solidFill>
+                            <a:schemeClr val="tx1"/>
+                          </a:solidFill>
+                          <a:effectLst/>
+                          <a:latin typeface="Arial" pitchFamily="-112" charset="0"/>
+                          <a:ea typeface="ヒラギノ角ゴ Pro W3" pitchFamily="-112" charset="-128"/>
+                          <a:cs typeface="ヒラギノ角ゴ Pro W3" pitchFamily="-112" charset="-128"/>
+                        </a:rPr>
+                        <a:t>CPU ID of the sender. (Needed for UDP).</a:t>
+                      </a:r>
+                      <a:endParaRPr kumimoji="0" lang="en-US" sz="1400" b="0" i="0" u="none" strike="noStrike" cap="none" normalizeH="0" baseline="0" dirty="0">
+                        <a:ln>
+                          <a:noFill/>
+                        </a:ln>
+                        <a:solidFill>
+                          <a:schemeClr val="tx1"/>
+                        </a:solidFill>
+                        <a:effectLst/>
+                        <a:latin typeface="Arial" pitchFamily="-112" charset="0"/>
+                        <a:ea typeface="ヒラギノ角ゴ Pro W3" pitchFamily="-112" charset="-128"/>
+                        <a:cs typeface="ヒラギノ角ゴ Pro W3" pitchFamily="-112" charset="-128"/>
+                      </a:endParaRPr>
+                    </a:p>
+                  </a:txBody>
+                  <a:tcPr marT="45692" marB="45692" horzOverflow="overflow">
+                    <a:lnL w="12700" cap="flat" cmpd="sng" algn="ctr">
+                      <a:solidFill>
+                        <a:schemeClr val="tx1"/>
+                      </a:solidFill>
+                      <a:prstDash val="solid"/>
+                      <a:round/>
+                      <a:headEnd type="none" w="med" len="med"/>
+                      <a:tailEnd type="none" w="med" len="med"/>
+                    </a:lnL>
+                    <a:lnR w="28575" cap="flat" cmpd="sng" algn="ctr">
+                      <a:solidFill>
+                        <a:scrgbClr r="0" g="0" b="0"/>
+                      </a:solidFill>
+                      <a:prstDash val="solid"/>
+                      <a:round/>
+                      <a:headEnd type="none" w="med" len="med"/>
+                      <a:tailEnd type="none" w="med" len="med"/>
+                    </a:lnR>
+                    <a:lnT w="12700" cap="flat" cmpd="sng" algn="ctr">
+                      <a:solidFill>
+                        <a:schemeClr val="tx1"/>
+                      </a:solidFill>
+                      <a:prstDash val="solid"/>
+                      <a:round/>
+                      <a:headEnd type="none" w="med" len="med"/>
+                      <a:tailEnd type="none" w="med" len="med"/>
+                    </a:lnT>
+                    <a:lnB w="12700" cap="flat" cmpd="sng" algn="ctr">
+                      <a:solidFill>
+                        <a:schemeClr val="tx1"/>
+                      </a:solidFill>
+                      <a:prstDash val="solid"/>
+                      <a:round/>
+                      <a:headEnd type="none" w="med" len="med"/>
+                      <a:tailEnd type="none" w="med" len="med"/>
+                    </a:lnB>
+                    <a:lnTlToBr>
+                      <a:noFill/>
+                    </a:lnTlToBr>
+                    <a:lnBlToTr>
+                      <a:noFill/>
+                    </a:lnBlToTr>
+                    <a:noFill/>
+                  </a:tcPr>
+                </a:tc>
+              </a:tr>
+            </a:tbl>
+          </a:graphicData>
+        </a:graphic>
+      </p:graphicFrame>
+      <p:sp>
+        <p:nvSpPr>
+          <p:cNvPr id="2" name="Date Placeholder 1"/>
+          <p:cNvSpPr>
+            <a:spLocks noGrp="1"/>
+          </p:cNvSpPr>
+          <p:nvPr>
+            <p:ph type="dt" sz="quarter" idx="11"/>
+          </p:nvPr>
+        </p:nvSpPr>
+        <p:spPr/>
+        <p:txBody>
+          <a:bodyPr/>
+          <a:lstStyle/>
+          <a:p>
+            <a:pPr>
+              <a:defRPr/>
+            </a:pPr>
+            <a:fld id="{7EB3607B-311D-CD49-AD8D-9D9F140825C4}" type="datetime1">
+              <a:rPr lang="en-US"/>
+              <a:pPr>
+                <a:defRPr/>
+              </a:pPr>
+              <a:t>12/11/16</a:t>
+            </a:fld>
+            <a:endParaRPr lang="en-US"/>
+          </a:p>
+        </p:txBody>
+      </p:sp>
+      <p:sp>
+        <p:nvSpPr>
+          <p:cNvPr id="3" name="Footer Placeholder 2"/>
+          <p:cNvSpPr>
+            <a:spLocks noGrp="1"/>
+          </p:cNvSpPr>
+          <p:nvPr>
+            <p:ph type="ftr" sz="quarter" idx="12"/>
+          </p:nvPr>
+        </p:nvSpPr>
+        <p:spPr/>
+        <p:txBody>
+          <a:bodyPr/>
+          <a:lstStyle/>
+          <a:p>
+            <a:pPr>
+              <a:defRPr/>
+            </a:pPr>
+            <a:r>
+              <a:rPr lang="en-US"/>
+              <a:t>cFS Application: SBN</a:t>
+            </a:r>
+          </a:p>
+        </p:txBody>
+      </p:sp>
+      <p:graphicFrame>
+        <p:nvGraphicFramePr>
+          <p:cNvPr id="8" name="Group 147"/>
+          <p:cNvGraphicFramePr>
+            <a:graphicFrameLocks noGrp="1"/>
+          </p:cNvGraphicFramePr>
+          <p:nvPr>
+            <p:extLst>
+              <p:ext uri="{D42A27DB-BD31-4B8C-83A1-F6EECF244321}">
+                <p14:modId xmlns:p14="http://schemas.microsoft.com/office/powerpoint/2010/main" val="1265094901"/>
+              </p:ext>
+            </p:extLst>
+          </p:nvPr>
+        </p:nvGraphicFramePr>
+        <p:xfrm>
+          <a:off x="287869" y="4930597"/>
+          <a:ext cx="8449732" cy="1066632"/>
+        </p:xfrm>
+        <a:graphic>
+          <a:graphicData uri="http://schemas.openxmlformats.org/drawingml/2006/table">
+            <a:tbl>
+              <a:tblPr/>
+              <a:tblGrid>
+                <a:gridCol w="2938288"/>
+                <a:gridCol w="1494488"/>
+                <a:gridCol w="4016956"/>
+              </a:tblGrid>
+              <a:tr h="0">
+                <a:tc>
+                  <a:txBody>
+                    <a:bodyPr/>
+                    <a:lstStyle/>
+                    <a:p>
+                      <a:pPr marL="0" marR="0" lvl="0" indent="0" algn="l" defTabSz="914400" rtl="0" eaLnBrk="0" fontAlgn="base" latinLnBrk="0" hangingPunct="0">
+                        <a:lnSpc>
+                          <a:spcPct val="100000"/>
+                        </a:lnSpc>
+                        <a:spcBef>
+                          <a:spcPct val="35000"/>
+                        </a:spcBef>
+                        <a:spcAft>
+                          <a:spcPct val="0"/>
+                        </a:spcAft>
+                        <a:buClrTx/>
+                        <a:buSzTx/>
+                        <a:buFontTx/>
+                        <a:buNone/>
+                        <a:tabLst/>
+                      </a:pPr>
+                      <a:r>
+                        <a:rPr kumimoji="0" lang="en-US" sz="2400" b="1" i="0" u="none" strike="noStrike" cap="none" normalizeH="0" baseline="0" dirty="0" smtClean="0">
+                          <a:ln>
+                            <a:noFill/>
+                          </a:ln>
+                          <a:solidFill>
+                            <a:schemeClr val="tx1"/>
+                          </a:solidFill>
+                          <a:effectLst/>
+                          <a:latin typeface="Arial" pitchFamily="-112" charset="0"/>
+                          <a:ea typeface="ヒラギノ角ゴ Pro W3" pitchFamily="-112" charset="-128"/>
+                          <a:cs typeface="ヒラギノ角ゴ Pro W3" pitchFamily="-112" charset="-128"/>
+                        </a:rPr>
+                        <a:t>Field</a:t>
+                      </a:r>
+                    </a:p>
+                  </a:txBody>
+                  <a:tcPr marT="45692" marB="45692" horzOverflow="overflow">
+                    <a:lnL w="28575" cap="flat" cmpd="sng" algn="ctr">
+                      <a:solidFill>
+                        <a:schemeClr val="tx1"/>
+                      </a:solidFill>
+                      <a:prstDash val="solid"/>
+                      <a:round/>
+                      <a:headEnd type="none" w="med" len="med"/>
+                      <a:tailEnd type="none" w="med" len="med"/>
+                    </a:lnL>
+                    <a:lnR w="12700" cap="flat" cmpd="sng" algn="ctr">
+                      <a:solidFill>
+                        <a:schemeClr val="tx1"/>
+                      </a:solidFill>
+                      <a:prstDash val="solid"/>
+                      <a:round/>
+                      <a:headEnd type="none" w="med" len="med"/>
+                      <a:tailEnd type="none" w="med" len="med"/>
+                    </a:lnR>
+                    <a:lnT w="28575" cap="flat" cmpd="sng" algn="ctr">
+                      <a:solidFill>
+                        <a:schemeClr val="tx1"/>
+                      </a:solidFill>
+                      <a:prstDash val="solid"/>
+                      <a:round/>
+                      <a:headEnd type="none" w="med" len="med"/>
+                      <a:tailEnd type="none" w="med" len="med"/>
+                    </a:lnT>
+                    <a:lnB w="28575" cap="flat" cmpd="sng" algn="ctr">
+                      <a:solidFill>
+                        <a:scrgbClr r="0" g="0" b="0"/>
+                      </a:solidFill>
+                      <a:prstDash val="solid"/>
+                      <a:round/>
+                      <a:headEnd type="none" w="med" len="med"/>
+                      <a:tailEnd type="none" w="med" len="med"/>
+                    </a:lnB>
+                    <a:lnTlToBr>
+                      <a:noFill/>
+                    </a:lnTlToBr>
+                    <a:lnBlToTr>
+                      <a:noFill/>
+                    </a:lnBlToTr>
+                    <a:noFill/>
+                  </a:tcPr>
+                </a:tc>
+                <a:tc>
+                  <a:txBody>
+                    <a:bodyPr/>
+                    <a:lstStyle/>
+                    <a:p>
+                      <a:pPr marL="0" marR="0" lvl="0" indent="0" algn="l" defTabSz="914400" rtl="0" eaLnBrk="0" fontAlgn="base" latinLnBrk="0" hangingPunct="0">
+                        <a:lnSpc>
+                          <a:spcPct val="100000"/>
+                        </a:lnSpc>
+                        <a:spcBef>
+                          <a:spcPct val="35000"/>
+                        </a:spcBef>
+                        <a:spcAft>
+                          <a:spcPct val="0"/>
+                        </a:spcAft>
+                        <a:buClrTx/>
+                        <a:buSzTx/>
+                        <a:buFontTx/>
+                        <a:buNone/>
+                        <a:tabLst/>
+                      </a:pPr>
+                      <a:r>
+                        <a:rPr kumimoji="0" lang="en-US" sz="2400" b="1" i="0" u="none" strike="noStrike" kern="1200" cap="none" normalizeH="0" baseline="0" dirty="0" smtClean="0">
+                          <a:ln>
+                            <a:noFill/>
+                          </a:ln>
+                          <a:solidFill>
+                            <a:schemeClr val="tx1"/>
+                          </a:solidFill>
+                          <a:effectLst/>
+                          <a:latin typeface="Arial" pitchFamily="-112" charset="0"/>
+                          <a:ea typeface="ヒラギノ角ゴ Pro W3" pitchFamily="-112" charset="-128"/>
+                          <a:cs typeface="ヒラギノ角ゴ Pro W3" pitchFamily="-112" charset="-128"/>
+                        </a:rPr>
+                        <a:t>Type</a:t>
+                      </a:r>
+                      <a:endParaRPr kumimoji="0" lang="en-US" sz="2400" b="1" i="0" u="none" strike="noStrike" kern="1200" cap="none" normalizeH="0" baseline="0" dirty="0">
+                        <a:ln>
+                          <a:noFill/>
+                        </a:ln>
+                        <a:solidFill>
+                          <a:schemeClr val="tx1"/>
+                        </a:solidFill>
+                        <a:effectLst/>
+                        <a:latin typeface="Arial" pitchFamily="-112" charset="0"/>
+                        <a:ea typeface="ヒラギノ角ゴ Pro W3" pitchFamily="-112" charset="-128"/>
+                        <a:cs typeface="ヒラギノ角ゴ Pro W3" pitchFamily="-112" charset="-128"/>
+                      </a:endParaRPr>
+                    </a:p>
+                  </a:txBody>
+                  <a:tcPr marT="45692" marB="45692" horzOverflow="overflow">
+                    <a:lnL w="12700" cap="flat" cmpd="sng" algn="ctr">
+                      <a:solidFill>
+                        <a:schemeClr val="tx1"/>
+                      </a:solidFill>
+                      <a:prstDash val="solid"/>
+                      <a:round/>
+                      <a:headEnd type="none" w="med" len="med"/>
+                      <a:tailEnd type="none" w="med" len="med"/>
+                    </a:lnL>
+                    <a:lnR w="12700" cap="flat" cmpd="sng" algn="ctr">
+                      <a:solidFill>
+                        <a:schemeClr val="tx1"/>
+                      </a:solidFill>
+                      <a:prstDash val="solid"/>
+                      <a:round/>
+                      <a:headEnd type="none" w="med" len="med"/>
+                      <a:tailEnd type="none" w="med" len="med"/>
+                    </a:lnR>
+                    <a:lnT w="28575" cap="flat" cmpd="sng" algn="ctr">
+                      <a:solidFill>
+                        <a:schemeClr val="tx1"/>
+                      </a:solidFill>
+                      <a:prstDash val="solid"/>
+                      <a:round/>
+                      <a:headEnd type="none" w="med" len="med"/>
+                      <a:tailEnd type="none" w="med" len="med"/>
+                    </a:lnT>
+                    <a:lnB w="28575" cap="flat" cmpd="sng" algn="ctr">
+                      <a:solidFill>
+                        <a:scrgbClr r="0" g="0" b="0"/>
+                      </a:solidFill>
+                      <a:prstDash val="solid"/>
+                      <a:round/>
+                      <a:headEnd type="none" w="med" len="med"/>
+                      <a:tailEnd type="none" w="med" len="med"/>
+                    </a:lnB>
+                    <a:lnTlToBr>
+                      <a:noFill/>
+                    </a:lnTlToBr>
+                    <a:lnBlToTr>
+                      <a:noFill/>
+                    </a:lnBlToTr>
+                    <a:noFill/>
+                  </a:tcPr>
+                </a:tc>
+                <a:tc>
+                  <a:txBody>
+                    <a:bodyPr/>
+                    <a:lstStyle/>
+                    <a:p>
+                      <a:pPr marL="0" marR="0" lvl="0" indent="0" algn="l" defTabSz="914400" rtl="0" eaLnBrk="0" fontAlgn="base" latinLnBrk="0" hangingPunct="0">
+                        <a:lnSpc>
+                          <a:spcPct val="100000"/>
+                        </a:lnSpc>
+                        <a:spcBef>
+                          <a:spcPct val="35000"/>
+                        </a:spcBef>
+                        <a:spcAft>
+                          <a:spcPct val="0"/>
+                        </a:spcAft>
+                        <a:buClrTx/>
+                        <a:buSzTx/>
+                        <a:buFontTx/>
+                        <a:buNone/>
+                        <a:tabLst/>
+                      </a:pPr>
+                      <a:r>
+                        <a:rPr kumimoji="0" lang="en-US" sz="2400" b="1" i="0" u="none" strike="noStrike" cap="none" normalizeH="0" baseline="0" dirty="0">
+                          <a:ln>
+                            <a:noFill/>
+                          </a:ln>
+                          <a:solidFill>
+                            <a:schemeClr val="tx1"/>
+                          </a:solidFill>
+                          <a:effectLst/>
+                          <a:latin typeface="Arial" pitchFamily="-112" charset="0"/>
+                          <a:ea typeface="ヒラギノ角ゴ Pro W3" pitchFamily="-112" charset="-128"/>
+                          <a:cs typeface="ヒラギノ角ゴ Pro W3" pitchFamily="-112" charset="-128"/>
+                        </a:rPr>
+                        <a:t>Description</a:t>
+                      </a:r>
+                    </a:p>
+                  </a:txBody>
+                  <a:tcPr marT="45692" marB="45692" horzOverflow="overflow">
+                    <a:lnL w="12700" cap="flat" cmpd="sng" algn="ctr">
+                      <a:solidFill>
+                        <a:schemeClr val="tx1"/>
+                      </a:solidFill>
+                      <a:prstDash val="solid"/>
+                      <a:round/>
+                      <a:headEnd type="none" w="med" len="med"/>
+                      <a:tailEnd type="none" w="med" len="med"/>
+                    </a:lnL>
+                    <a:lnR w="28575" cap="flat" cmpd="sng" algn="ctr">
+                      <a:solidFill>
+                        <a:schemeClr val="tx1"/>
+                      </a:solidFill>
+                      <a:prstDash val="solid"/>
+                      <a:round/>
+                      <a:headEnd type="none" w="med" len="med"/>
+                      <a:tailEnd type="none" w="med" len="med"/>
+                    </a:lnR>
+                    <a:lnT w="28575" cap="flat" cmpd="sng" algn="ctr">
+                      <a:solidFill>
+                        <a:schemeClr val="tx1"/>
+                      </a:solidFill>
+                      <a:prstDash val="solid"/>
+                      <a:round/>
+                      <a:headEnd type="none" w="med" len="med"/>
+                      <a:tailEnd type="none" w="med" len="med"/>
+                    </a:lnT>
+                    <a:lnB w="28575" cap="flat" cmpd="sng" algn="ctr">
+                      <a:solidFill>
+                        <a:scrgbClr r="0" g="0" b="0"/>
+                      </a:solidFill>
+                      <a:prstDash val="solid"/>
+                      <a:round/>
+                      <a:headEnd type="none" w="med" len="med"/>
+                      <a:tailEnd type="none" w="med" len="med"/>
+                    </a:lnB>
+                    <a:lnTlToBr>
+                      <a:noFill/>
+                    </a:lnTlToBr>
+                    <a:lnBlToTr>
+                      <a:noFill/>
+                    </a:lnBlToTr>
+                    <a:noFill/>
+                  </a:tcPr>
+                </a:tc>
+              </a:tr>
+              <a:tr h="0">
+                <a:tc>
+                  <a:txBody>
+                    <a:bodyPr/>
+                    <a:lstStyle/>
+                    <a:p>
+                      <a:pPr marL="0" marR="0" lvl="0" indent="0" algn="l" defTabSz="914400" rtl="0" eaLnBrk="0" fontAlgn="base" latinLnBrk="0" hangingPunct="0">
+                        <a:lnSpc>
+                          <a:spcPct val="100000"/>
+                        </a:lnSpc>
+                        <a:spcBef>
+                          <a:spcPct val="35000"/>
+                        </a:spcBef>
+                        <a:spcAft>
+                          <a:spcPct val="0"/>
+                        </a:spcAft>
+                        <a:buClrTx/>
+                        <a:buSzTx/>
+                        <a:buFontTx/>
+                        <a:buNone/>
+                        <a:tabLst/>
+                        <a:defRPr/>
+                      </a:pPr>
+                      <a:r>
+                        <a:rPr kumimoji="0" lang="en-US" sz="1400" b="0" i="0" u="none" strike="noStrike" kern="1200" cap="none" normalizeH="0" baseline="0" dirty="0" err="1" smtClean="0">
+                          <a:ln>
+                            <a:noFill/>
+                          </a:ln>
+                          <a:solidFill>
+                            <a:schemeClr val="tx1"/>
+                          </a:solidFill>
+                          <a:effectLst/>
+                          <a:latin typeface="Arial" pitchFamily="-112" charset="0"/>
+                          <a:ea typeface="ヒラギノ角ゴ Pro W3" pitchFamily="-112" charset="-128"/>
+                          <a:cs typeface="ヒラギノ角ゴ Pro W3" pitchFamily="-112" charset="-128"/>
+                        </a:rPr>
+                        <a:t>MsgId</a:t>
+                      </a:r>
+                      <a:endParaRPr kumimoji="0" lang="en-US" sz="1400" b="0" i="0" u="none" strike="noStrike" kern="1200" cap="none" normalizeH="0" baseline="0" dirty="0">
+                        <a:ln>
+                          <a:noFill/>
+                        </a:ln>
+                        <a:solidFill>
+                          <a:schemeClr val="tx1"/>
+                        </a:solidFill>
+                        <a:effectLst/>
+                        <a:latin typeface="Arial" pitchFamily="-112" charset="0"/>
+                        <a:ea typeface="ヒラギノ角ゴ Pro W3" pitchFamily="-112" charset="-128"/>
+                        <a:cs typeface="ヒラギノ角ゴ Pro W3" pitchFamily="-112" charset="-128"/>
+                      </a:endParaRPr>
+                    </a:p>
+                  </a:txBody>
+                  <a:tcPr marT="45692" marB="45692" horzOverflow="overflow">
+                    <a:lnL w="28575" cap="flat" cmpd="sng" algn="ctr">
+                      <a:solidFill>
+                        <a:scrgbClr r="0" g="0" b="0"/>
+                      </a:solidFill>
+                      <a:prstDash val="solid"/>
+                      <a:round/>
+                      <a:headEnd type="none" w="med" len="med"/>
+                      <a:tailEnd type="none" w="med" len="med"/>
+                    </a:lnL>
+                    <a:lnR w="12700" cap="flat" cmpd="sng" algn="ctr">
+                      <a:solidFill>
+                        <a:schemeClr val="tx1"/>
+                      </a:solidFill>
+                      <a:prstDash val="solid"/>
+                      <a:round/>
+                      <a:headEnd type="none" w="med" len="med"/>
+                      <a:tailEnd type="none" w="med" len="med"/>
+                    </a:lnR>
+                    <a:lnT w="28575" cap="flat" cmpd="sng" algn="ctr">
+                      <a:solidFill>
+                        <a:scrgbClr r="0" g="0" b="0"/>
+                      </a:solidFill>
+                      <a:prstDash val="solid"/>
+                      <a:round/>
+                      <a:headEnd type="none" w="med" len="med"/>
+                      <a:tailEnd type="none" w="med" len="med"/>
+                    </a:lnT>
+                    <a:lnB w="12700" cap="flat" cmpd="sng" algn="ctr">
+                      <a:solidFill>
+                        <a:schemeClr val="tx1"/>
+                      </a:solidFill>
+                      <a:prstDash val="solid"/>
+                      <a:round/>
+                      <a:headEnd type="none" w="med" len="med"/>
+                      <a:tailEnd type="none" w="med" len="med"/>
+                    </a:lnB>
+                    <a:lnTlToBr>
+                      <a:noFill/>
+                    </a:lnTlToBr>
+                    <a:lnBlToTr>
+                      <a:noFill/>
+                    </a:lnBlToTr>
+                    <a:noFill/>
+                  </a:tcPr>
+                </a:tc>
+                <a:tc>
+                  <a:txBody>
+                    <a:bodyPr/>
+                    <a:lstStyle/>
+                    <a:p>
+                      <a:pPr marL="0" marR="0" lvl="0" indent="0" algn="l" defTabSz="914400" rtl="0" eaLnBrk="0" fontAlgn="base" latinLnBrk="0" hangingPunct="0">
+                        <a:lnSpc>
+                          <a:spcPct val="100000"/>
+                        </a:lnSpc>
+                        <a:spcBef>
+                          <a:spcPct val="35000"/>
+                        </a:spcBef>
+                        <a:spcAft>
+                          <a:spcPct val="0"/>
+                        </a:spcAft>
+                        <a:buClrTx/>
+                        <a:buSzTx/>
+                        <a:buFontTx/>
+                        <a:buNone/>
+                        <a:tabLst/>
+                        <a:defRPr/>
+                      </a:pPr>
+                      <a:r>
+                        <a:rPr kumimoji="0" lang="en-US" sz="1400" b="0" i="0" u="none" strike="noStrike" kern="1200" cap="none" normalizeH="0" baseline="0" dirty="0" smtClean="0">
+                          <a:ln>
+                            <a:noFill/>
+                          </a:ln>
+                          <a:solidFill>
+                            <a:schemeClr val="tx1"/>
+                          </a:solidFill>
+                          <a:effectLst/>
+                          <a:latin typeface="Arial" pitchFamily="-112" charset="0"/>
+                          <a:ea typeface="ヒラギノ角ゴ Pro W3" pitchFamily="-112" charset="-128"/>
+                          <a:cs typeface="ヒラギノ角ゴ Pro W3" pitchFamily="-112" charset="-128"/>
+                        </a:rPr>
+                        <a:t>uint16</a:t>
+                      </a:r>
+                      <a:endParaRPr kumimoji="0" lang="en-US" sz="1400" b="0" i="0" u="none" strike="noStrike" kern="1200" cap="none" normalizeH="0" baseline="0" dirty="0">
+                        <a:ln>
+                          <a:noFill/>
+                        </a:ln>
+                        <a:solidFill>
+                          <a:schemeClr val="tx1"/>
+                        </a:solidFill>
+                        <a:effectLst/>
+                        <a:latin typeface="Arial" pitchFamily="-112" charset="0"/>
+                        <a:ea typeface="ヒラギノ角ゴ Pro W3" pitchFamily="-112" charset="-128"/>
+                        <a:cs typeface="ヒラギノ角ゴ Pro W3" pitchFamily="-112" charset="-128"/>
+                      </a:endParaRPr>
+                    </a:p>
+                  </a:txBody>
+                  <a:tcPr marT="45692" marB="45692" horzOverflow="overflow">
+                    <a:lnL w="12700" cap="flat" cmpd="sng" algn="ctr">
+                      <a:solidFill>
+                        <a:schemeClr val="tx1"/>
+                      </a:solidFill>
+                      <a:prstDash val="solid"/>
+                      <a:round/>
+                      <a:headEnd type="none" w="med" len="med"/>
+                      <a:tailEnd type="none" w="med" len="med"/>
+                    </a:lnL>
+                    <a:lnR w="12700" cap="flat" cmpd="sng" algn="ctr">
+                      <a:solidFill>
+                        <a:schemeClr val="tx1"/>
+                      </a:solidFill>
+                      <a:prstDash val="solid"/>
+                      <a:round/>
+                      <a:headEnd type="none" w="med" len="med"/>
+                      <a:tailEnd type="none" w="med" len="med"/>
+                    </a:lnR>
+                    <a:lnT w="28575" cap="flat" cmpd="sng" algn="ctr">
+                      <a:solidFill>
+                        <a:scrgbClr r="0" g="0" b="0"/>
+                      </a:solidFill>
+                      <a:prstDash val="solid"/>
+                      <a:round/>
+                      <a:headEnd type="none" w="med" len="med"/>
+                      <a:tailEnd type="none" w="med" len="med"/>
+                    </a:lnT>
+                    <a:lnB w="12700" cap="flat" cmpd="sng" algn="ctr">
+                      <a:solidFill>
+                        <a:schemeClr val="tx1"/>
+                      </a:solidFill>
+                      <a:prstDash val="solid"/>
+                      <a:round/>
+                      <a:headEnd type="none" w="med" len="med"/>
+                      <a:tailEnd type="none" w="med" len="med"/>
+                    </a:lnB>
+                    <a:lnTlToBr>
+                      <a:noFill/>
+                    </a:lnTlToBr>
+                    <a:lnBlToTr>
+                      <a:noFill/>
+                    </a:lnBlToTr>
+                    <a:noFill/>
+                  </a:tcPr>
+                </a:tc>
+                <a:tc>
+                  <a:txBody>
+                    <a:bodyPr/>
+                    <a:lstStyle/>
+                    <a:p>
+                      <a:pPr marL="0" marR="0" lvl="0" indent="0" algn="l" defTabSz="914400" rtl="0" eaLnBrk="0" fontAlgn="base" latinLnBrk="0" hangingPunct="0">
+                        <a:lnSpc>
+                          <a:spcPct val="100000"/>
+                        </a:lnSpc>
+                        <a:spcBef>
+                          <a:spcPct val="35000"/>
+                        </a:spcBef>
+                        <a:spcAft>
+                          <a:spcPct val="0"/>
+                        </a:spcAft>
+                        <a:buClrTx/>
+                        <a:buSzTx/>
+                        <a:buFontTx/>
+                        <a:buNone/>
+                        <a:tabLst/>
+                      </a:pPr>
+                      <a:r>
+                        <a:rPr kumimoji="0" lang="en-US" sz="1400" b="0" i="0" u="none" strike="noStrike" cap="none" normalizeH="0" baseline="0" dirty="0" smtClean="0">
+                          <a:ln>
+                            <a:noFill/>
+                          </a:ln>
+                          <a:solidFill>
+                            <a:schemeClr val="tx1"/>
+                          </a:solidFill>
+                          <a:effectLst/>
+                          <a:latin typeface="Arial" pitchFamily="-112" charset="0"/>
+                          <a:ea typeface="ヒラギノ角ゴ Pro W3" pitchFamily="-112" charset="-128"/>
+                          <a:cs typeface="ヒラギノ角ゴ Pro W3" pitchFamily="-112" charset="-128"/>
+                        </a:rPr>
+                        <a:t>Message ID of the subscription.</a:t>
+                      </a:r>
+                      <a:endParaRPr kumimoji="0" lang="en-US" sz="1400" b="0" i="0" u="none" strike="noStrike" cap="none" normalizeH="0" baseline="0" dirty="0">
+                        <a:ln>
+                          <a:noFill/>
+                        </a:ln>
+                        <a:solidFill>
+                          <a:schemeClr val="tx1"/>
+                        </a:solidFill>
+                        <a:effectLst/>
+                        <a:latin typeface="Arial" pitchFamily="-112" charset="0"/>
+                        <a:ea typeface="ヒラギノ角ゴ Pro W3" pitchFamily="-112" charset="-128"/>
+                        <a:cs typeface="ヒラギノ角ゴ Pro W3" pitchFamily="-112" charset="-128"/>
+                      </a:endParaRPr>
+                    </a:p>
+                  </a:txBody>
+                  <a:tcPr marT="45692" marB="45692" horzOverflow="overflow">
+                    <a:lnL w="12700" cap="flat" cmpd="sng" algn="ctr">
+                      <a:solidFill>
+                        <a:schemeClr val="tx1"/>
+                      </a:solidFill>
+                      <a:prstDash val="solid"/>
+                      <a:round/>
+                      <a:headEnd type="none" w="med" len="med"/>
+                      <a:tailEnd type="none" w="med" len="med"/>
+                    </a:lnL>
+                    <a:lnR w="28575" cap="flat" cmpd="sng" algn="ctr">
+                      <a:solidFill>
+                        <a:scrgbClr r="0" g="0" b="0"/>
+                      </a:solidFill>
+                      <a:prstDash val="solid"/>
+                      <a:round/>
+                      <a:headEnd type="none" w="med" len="med"/>
+                      <a:tailEnd type="none" w="med" len="med"/>
+                    </a:lnR>
+                    <a:lnT w="28575" cap="flat" cmpd="sng" algn="ctr">
+                      <a:solidFill>
+                        <a:scrgbClr r="0" g="0" b="0"/>
+                      </a:solidFill>
+                      <a:prstDash val="solid"/>
+                      <a:round/>
+                      <a:headEnd type="none" w="med" len="med"/>
+                      <a:tailEnd type="none" w="med" len="med"/>
+                    </a:lnT>
+                    <a:lnB w="12700" cap="flat" cmpd="sng" algn="ctr">
+                      <a:solidFill>
+                        <a:schemeClr val="tx1"/>
+                      </a:solidFill>
+                      <a:prstDash val="solid"/>
+                      <a:round/>
+                      <a:headEnd type="none" w="med" len="med"/>
+                      <a:tailEnd type="none" w="med" len="med"/>
+                    </a:lnB>
+                    <a:lnTlToBr>
+                      <a:noFill/>
+                    </a:lnTlToBr>
+                    <a:lnBlToTr>
+                      <a:noFill/>
+                    </a:lnBlToTr>
+                    <a:noFill/>
+                  </a:tcPr>
+                </a:tc>
+              </a:tr>
+              <a:tr h="0">
+                <a:tc>
+                  <a:txBody>
+                    <a:bodyPr/>
+                    <a:lstStyle/>
+                    <a:p>
+                      <a:pPr marL="0" marR="0" lvl="0" indent="0" algn="l" defTabSz="914400" rtl="0" eaLnBrk="0" fontAlgn="base" latinLnBrk="0" hangingPunct="0">
+                        <a:lnSpc>
+                          <a:spcPct val="100000"/>
+                        </a:lnSpc>
+                        <a:spcBef>
+                          <a:spcPct val="35000"/>
+                        </a:spcBef>
+                        <a:spcAft>
+                          <a:spcPct val="0"/>
+                        </a:spcAft>
+                        <a:buClrTx/>
+                        <a:buSzTx/>
+                        <a:buFontTx/>
+                        <a:buNone/>
+                        <a:tabLst/>
+                        <a:defRPr/>
+                      </a:pPr>
+                      <a:r>
+                        <a:rPr kumimoji="0" lang="en-US" sz="1400" b="0" i="0" u="none" strike="noStrike" kern="1200" cap="none" normalizeH="0" baseline="0" dirty="0" err="1" smtClean="0">
+                          <a:ln>
+                            <a:noFill/>
+                          </a:ln>
+                          <a:solidFill>
+                            <a:schemeClr val="tx1"/>
+                          </a:solidFill>
+                          <a:effectLst/>
+                          <a:latin typeface="Arial" pitchFamily="-112" charset="0"/>
+                          <a:ea typeface="ヒラギノ角ゴ Pro W3" pitchFamily="-112" charset="-128"/>
+                          <a:cs typeface="ヒラギノ角ゴ Pro W3" pitchFamily="-112" charset="-128"/>
+                        </a:rPr>
+                        <a:t>Qos</a:t>
+                      </a:r>
+                      <a:endParaRPr kumimoji="0" lang="en-US" sz="1400" b="0" i="0" u="none" strike="noStrike" kern="1200" cap="none" normalizeH="0" baseline="0" dirty="0">
+                        <a:ln>
+                          <a:noFill/>
+                        </a:ln>
+                        <a:solidFill>
+                          <a:schemeClr val="tx1"/>
+                        </a:solidFill>
+                        <a:effectLst/>
+                        <a:latin typeface="Arial" pitchFamily="-112" charset="0"/>
+                        <a:ea typeface="ヒラギノ角ゴ Pro W3" pitchFamily="-112" charset="-128"/>
+                        <a:cs typeface="ヒラギノ角ゴ Pro W3" pitchFamily="-112" charset="-128"/>
+                      </a:endParaRPr>
+                    </a:p>
+                  </a:txBody>
+                  <a:tcPr marT="45692" marB="45692" horzOverflow="overflow">
+                    <a:lnL w="28575" cap="flat" cmpd="sng" algn="ctr">
+                      <a:solidFill>
+                        <a:scrgbClr r="0" g="0" b="0"/>
+                      </a:solidFill>
+                      <a:prstDash val="solid"/>
+                      <a:round/>
+                      <a:headEnd type="none" w="med" len="med"/>
+                      <a:tailEnd type="none" w="med" len="med"/>
+                    </a:lnL>
+                    <a:lnR w="12700" cap="flat" cmpd="sng" algn="ctr">
+                      <a:solidFill>
+                        <a:schemeClr val="tx1"/>
+                      </a:solidFill>
+                      <a:prstDash val="solid"/>
+                      <a:round/>
+                      <a:headEnd type="none" w="med" len="med"/>
+                      <a:tailEnd type="none" w="med" len="med"/>
+                    </a:lnR>
+                    <a:lnT w="12700" cap="flat" cmpd="sng" algn="ctr">
+                      <a:solidFill>
+                        <a:schemeClr val="tx1"/>
+                      </a:solidFill>
+                      <a:prstDash val="solid"/>
+                      <a:round/>
+                      <a:headEnd type="none" w="med" len="med"/>
+                      <a:tailEnd type="none" w="med" len="med"/>
+                    </a:lnT>
+                    <a:lnB w="12700" cap="flat" cmpd="sng" algn="ctr">
+                      <a:solidFill>
+                        <a:schemeClr val="tx1"/>
+                      </a:solidFill>
+                      <a:prstDash val="solid"/>
+                      <a:round/>
+                      <a:headEnd type="none" w="med" len="med"/>
+                      <a:tailEnd type="none" w="med" len="med"/>
+                    </a:lnB>
+                    <a:lnTlToBr>
+                      <a:noFill/>
+                    </a:lnTlToBr>
+                    <a:lnBlToTr>
+                      <a:noFill/>
+                    </a:lnBlToTr>
+                    <a:noFill/>
+                  </a:tcPr>
+                </a:tc>
+                <a:tc>
+                  <a:txBody>
+                    <a:bodyPr/>
+                    <a:lstStyle/>
+                    <a:p>
+                      <a:pPr marL="0" marR="0" lvl="0" indent="0" algn="l" defTabSz="914400" rtl="0" eaLnBrk="0" fontAlgn="base" latinLnBrk="0" hangingPunct="0">
+                        <a:lnSpc>
+                          <a:spcPct val="100000"/>
+                        </a:lnSpc>
+                        <a:spcBef>
+                          <a:spcPct val="35000"/>
+                        </a:spcBef>
+                        <a:spcAft>
+                          <a:spcPct val="0"/>
+                        </a:spcAft>
+                        <a:buClrTx/>
+                        <a:buSzTx/>
+                        <a:buFontTx/>
+                        <a:buNone/>
+                        <a:tabLst/>
+                        <a:defRPr/>
+                      </a:pPr>
+                      <a:r>
+                        <a:rPr kumimoji="0" lang="en-US" sz="1400" b="0" i="0" u="none" strike="noStrike" kern="1200" cap="none" normalizeH="0" baseline="0" dirty="0" smtClean="0">
+                          <a:ln>
+                            <a:noFill/>
+                          </a:ln>
+                          <a:solidFill>
+                            <a:schemeClr val="tx1"/>
+                          </a:solidFill>
+                          <a:effectLst/>
+                          <a:latin typeface="Arial" pitchFamily="-112" charset="0"/>
+                          <a:ea typeface="ヒラギノ角ゴ Pro W3" pitchFamily="-112" charset="-128"/>
+                          <a:cs typeface="ヒラギノ角ゴ Pro W3" pitchFamily="-112" charset="-128"/>
+                        </a:rPr>
+                        <a:t>uint8 + uint8</a:t>
+                      </a:r>
+                      <a:endParaRPr kumimoji="0" lang="en-US" sz="1400" b="0" i="0" u="none" strike="noStrike" kern="1200" cap="none" normalizeH="0" baseline="0" dirty="0">
+                        <a:ln>
+                          <a:noFill/>
+                        </a:ln>
+                        <a:solidFill>
+                          <a:schemeClr val="tx1"/>
+                        </a:solidFill>
+                        <a:effectLst/>
+                        <a:latin typeface="Arial" pitchFamily="-112" charset="0"/>
+                        <a:ea typeface="ヒラギノ角ゴ Pro W3" pitchFamily="-112" charset="-128"/>
+                        <a:cs typeface="ヒラギノ角ゴ Pro W3" pitchFamily="-112" charset="-128"/>
+                      </a:endParaRPr>
+                    </a:p>
+                  </a:txBody>
+                  <a:tcPr marT="45692" marB="45692" horzOverflow="overflow">
+                    <a:lnL w="12700" cap="flat" cmpd="sng" algn="ctr">
+                      <a:solidFill>
+                        <a:schemeClr val="tx1"/>
+                      </a:solidFill>
+                      <a:prstDash val="solid"/>
+                      <a:round/>
+                      <a:headEnd type="none" w="med" len="med"/>
+                      <a:tailEnd type="none" w="med" len="med"/>
+                    </a:lnL>
+                    <a:lnR w="12700" cap="flat" cmpd="sng" algn="ctr">
+                      <a:solidFill>
+                        <a:schemeClr val="tx1"/>
+                      </a:solidFill>
+                      <a:prstDash val="solid"/>
+                      <a:round/>
+                      <a:headEnd type="none" w="med" len="med"/>
+                      <a:tailEnd type="none" w="med" len="med"/>
+                    </a:lnR>
+                    <a:lnT w="12700" cap="flat" cmpd="sng" algn="ctr">
+                      <a:solidFill>
+                        <a:schemeClr val="tx1"/>
+                      </a:solidFill>
+                      <a:prstDash val="solid"/>
+                      <a:round/>
+                      <a:headEnd type="none" w="med" len="med"/>
+                      <a:tailEnd type="none" w="med" len="med"/>
+                    </a:lnT>
+                    <a:lnB w="12700" cap="flat" cmpd="sng" algn="ctr">
+                      <a:solidFill>
+                        <a:schemeClr val="tx1"/>
+                      </a:solidFill>
+                      <a:prstDash val="solid"/>
+                      <a:round/>
+                      <a:headEnd type="none" w="med" len="med"/>
+                      <a:tailEnd type="none" w="med" len="med"/>
+                    </a:lnB>
+                    <a:lnTlToBr>
+                      <a:noFill/>
+                    </a:lnTlToBr>
+                    <a:lnBlToTr>
+                      <a:noFill/>
+                    </a:lnBlToTr>
+                    <a:noFill/>
+                  </a:tcPr>
+                </a:tc>
+                <a:tc>
+                  <a:txBody>
+                    <a:bodyPr/>
+                    <a:lstStyle/>
+                    <a:p>
+                      <a:pPr marL="0" marR="0" lvl="0" indent="0" algn="l" defTabSz="914400" rtl="0" eaLnBrk="0" fontAlgn="base" latinLnBrk="0" hangingPunct="0">
+                        <a:lnSpc>
+                          <a:spcPct val="100000"/>
+                        </a:lnSpc>
+                        <a:spcBef>
+                          <a:spcPct val="35000"/>
+                        </a:spcBef>
+                        <a:spcAft>
+                          <a:spcPct val="0"/>
+                        </a:spcAft>
+                        <a:buClrTx/>
+                        <a:buSzTx/>
+                        <a:buFontTx/>
+                        <a:buNone/>
+                        <a:tabLst/>
+                      </a:pPr>
+                      <a:r>
+                        <a:rPr kumimoji="0" lang="en-US" sz="1400" b="0" i="0" u="none" strike="noStrike" cap="none" normalizeH="0" baseline="0" dirty="0" err="1" smtClean="0">
+                          <a:ln>
+                            <a:noFill/>
+                          </a:ln>
+                          <a:solidFill>
+                            <a:schemeClr val="tx1"/>
+                          </a:solidFill>
+                          <a:effectLst/>
+                          <a:latin typeface="Arial" pitchFamily="-112" charset="0"/>
+                          <a:ea typeface="ヒラギノ角ゴ Pro W3" pitchFamily="-112" charset="-128"/>
+                          <a:cs typeface="ヒラギノ角ゴ Pro W3" pitchFamily="-112" charset="-128"/>
+                        </a:rPr>
+                        <a:t>Qos</a:t>
+                      </a:r>
+                      <a:endParaRPr kumimoji="0" lang="en-US" sz="1400" b="0" i="0" u="none" strike="noStrike" cap="none" normalizeH="0" baseline="0" dirty="0">
+                        <a:ln>
+                          <a:noFill/>
+                        </a:ln>
+                        <a:solidFill>
+                          <a:schemeClr val="tx1"/>
+                        </a:solidFill>
+                        <a:effectLst/>
+                        <a:latin typeface="Arial" pitchFamily="-112" charset="0"/>
+                        <a:ea typeface="ヒラギノ角ゴ Pro W3" pitchFamily="-112" charset="-128"/>
+                        <a:cs typeface="ヒラギノ角ゴ Pro W3" pitchFamily="-112" charset="-128"/>
+                      </a:endParaRPr>
+                    </a:p>
+                  </a:txBody>
+                  <a:tcPr marT="45692" marB="45692" horzOverflow="overflow">
+                    <a:lnL w="12700" cap="flat" cmpd="sng" algn="ctr">
+                      <a:solidFill>
+                        <a:schemeClr val="tx1"/>
+                      </a:solidFill>
+                      <a:prstDash val="solid"/>
+                      <a:round/>
+                      <a:headEnd type="none" w="med" len="med"/>
+                      <a:tailEnd type="none" w="med" len="med"/>
+                    </a:lnL>
+                    <a:lnR w="28575" cap="flat" cmpd="sng" algn="ctr">
+                      <a:solidFill>
+                        <a:scrgbClr r="0" g="0" b="0"/>
+                      </a:solidFill>
+                      <a:prstDash val="solid"/>
+                      <a:round/>
+                      <a:headEnd type="none" w="med" len="med"/>
+                      <a:tailEnd type="none" w="med" len="med"/>
+                    </a:lnR>
+                    <a:lnT w="12700" cap="flat" cmpd="sng" algn="ctr">
+                      <a:solidFill>
+                        <a:schemeClr val="tx1"/>
+                      </a:solidFill>
+                      <a:prstDash val="solid"/>
+                      <a:round/>
+                      <a:headEnd type="none" w="med" len="med"/>
+                      <a:tailEnd type="none" w="med" len="med"/>
+                    </a:lnT>
+                    <a:lnB w="12700" cap="flat" cmpd="sng" algn="ctr">
+                      <a:solidFill>
+                        <a:schemeClr val="tx1"/>
+                      </a:solidFill>
+                      <a:prstDash val="solid"/>
+                      <a:round/>
+                      <a:headEnd type="none" w="med" len="med"/>
+                      <a:tailEnd type="none" w="med" len="med"/>
+                    </a:lnB>
+                    <a:lnTlToBr>
+                      <a:noFill/>
+                    </a:lnTlToBr>
+                    <a:lnBlToTr>
+                      <a:noFill/>
+                    </a:lnBlToTr>
+                    <a:noFill/>
+                  </a:tcPr>
+                </a:tc>
+              </a:tr>
+            </a:tbl>
+          </a:graphicData>
+        </a:graphic>
+      </p:graphicFrame>
+      <p:sp>
+        <p:nvSpPr>
+          <p:cNvPr id="5" name="TextBox 4"/>
+          <p:cNvSpPr txBox="1"/>
+          <p:nvPr/>
+        </p:nvSpPr>
+        <p:spPr>
+          <a:xfrm>
+            <a:off x="287869" y="4561265"/>
+            <a:ext cx="2903360" cy="369332"/>
+          </a:xfrm>
+          <a:prstGeom prst="rect">
+            <a:avLst/>
+          </a:prstGeom>
+          <a:noFill/>
+        </p:spPr>
+        <p:txBody>
+          <a:bodyPr wrap="none" rtlCol="0">
+            <a:spAutoFit/>
+          </a:bodyPr>
+          <a:lstStyle/>
+          <a:p>
+            <a:pPr algn="l"/>
+            <a:r>
+              <a:rPr lang="en-US" dirty="0" smtClean="0"/>
+              <a:t>(Un)Subscription Message</a:t>
+            </a:r>
+            <a:endParaRPr lang="en-US" dirty="0"/>
+          </a:p>
+        </p:txBody>
+      </p:sp>
+      <p:graphicFrame>
+        <p:nvGraphicFramePr>
+          <p:cNvPr id="13" name="Group 147"/>
+          <p:cNvGraphicFramePr>
+            <a:graphicFrameLocks noGrp="1"/>
+          </p:cNvGraphicFramePr>
+          <p:nvPr>
+            <p:extLst>
+              <p:ext uri="{D42A27DB-BD31-4B8C-83A1-F6EECF244321}">
+                <p14:modId xmlns:p14="http://schemas.microsoft.com/office/powerpoint/2010/main" val="497053558"/>
+              </p:ext>
+            </p:extLst>
+          </p:nvPr>
+        </p:nvGraphicFramePr>
+        <p:xfrm>
+          <a:off x="287869" y="3179329"/>
+          <a:ext cx="8449732" cy="761888"/>
+        </p:xfrm>
+        <a:graphic>
+          <a:graphicData uri="http://schemas.openxmlformats.org/drawingml/2006/table">
+            <a:tbl>
+              <a:tblPr/>
+              <a:tblGrid>
+                <a:gridCol w="2938288"/>
+                <a:gridCol w="1494488"/>
+                <a:gridCol w="4016956"/>
+              </a:tblGrid>
+              <a:tr h="0">
+                <a:tc>
+                  <a:txBody>
+                    <a:bodyPr/>
+                    <a:lstStyle/>
+                    <a:p>
+                      <a:pPr marL="0" marR="0" lvl="0" indent="0" algn="l" defTabSz="914400" rtl="0" eaLnBrk="0" fontAlgn="base" latinLnBrk="0" hangingPunct="0">
+                        <a:lnSpc>
+                          <a:spcPct val="100000"/>
+                        </a:lnSpc>
+                        <a:spcBef>
+                          <a:spcPct val="35000"/>
+                        </a:spcBef>
+                        <a:spcAft>
+                          <a:spcPct val="0"/>
+                        </a:spcAft>
+                        <a:buClrTx/>
+                        <a:buSzTx/>
+                        <a:buFontTx/>
+                        <a:buNone/>
+                        <a:tabLst/>
+                      </a:pPr>
+                      <a:r>
+                        <a:rPr kumimoji="0" lang="en-US" sz="2400" b="1" i="0" u="none" strike="noStrike" cap="none" normalizeH="0" baseline="0" dirty="0" smtClean="0">
+                          <a:ln>
+                            <a:noFill/>
+                          </a:ln>
+                          <a:solidFill>
+                            <a:schemeClr val="tx1"/>
+                          </a:solidFill>
+                          <a:effectLst/>
+                          <a:latin typeface="Arial" pitchFamily="-112" charset="0"/>
+                          <a:ea typeface="ヒラギノ角ゴ Pro W3" pitchFamily="-112" charset="-128"/>
+                          <a:cs typeface="ヒラギノ角ゴ Pro W3" pitchFamily="-112" charset="-128"/>
+                        </a:rPr>
+                        <a:t>Field</a:t>
+                      </a:r>
+                    </a:p>
+                  </a:txBody>
+                  <a:tcPr marT="45692" marB="45692" horzOverflow="overflow">
+                    <a:lnL w="28575" cap="flat" cmpd="sng" algn="ctr">
+                      <a:solidFill>
+                        <a:schemeClr val="tx1"/>
+                      </a:solidFill>
+                      <a:prstDash val="solid"/>
+                      <a:round/>
+                      <a:headEnd type="none" w="med" len="med"/>
+                      <a:tailEnd type="none" w="med" len="med"/>
+                    </a:lnL>
+                    <a:lnR w="12700" cap="flat" cmpd="sng" algn="ctr">
+                      <a:solidFill>
+                        <a:schemeClr val="tx1"/>
+                      </a:solidFill>
+                      <a:prstDash val="solid"/>
+                      <a:round/>
+                      <a:headEnd type="none" w="med" len="med"/>
+                      <a:tailEnd type="none" w="med" len="med"/>
+                    </a:lnR>
+                    <a:lnT w="28575" cap="flat" cmpd="sng" algn="ctr">
+                      <a:solidFill>
+                        <a:schemeClr val="tx1"/>
+                      </a:solidFill>
+                      <a:prstDash val="solid"/>
+                      <a:round/>
+                      <a:headEnd type="none" w="med" len="med"/>
+                      <a:tailEnd type="none" w="med" len="med"/>
+                    </a:lnT>
+                    <a:lnB w="28575" cap="flat" cmpd="sng" algn="ctr">
+                      <a:solidFill>
+                        <a:scrgbClr r="0" g="0" b="0"/>
+                      </a:solidFill>
+                      <a:prstDash val="solid"/>
+                      <a:round/>
+                      <a:headEnd type="none" w="med" len="med"/>
+                      <a:tailEnd type="none" w="med" len="med"/>
+                    </a:lnB>
+                    <a:lnTlToBr>
+                      <a:noFill/>
+                    </a:lnTlToBr>
+                    <a:lnBlToTr>
+                      <a:noFill/>
+                    </a:lnBlToTr>
+                    <a:noFill/>
+                  </a:tcPr>
+                </a:tc>
+                <a:tc>
+                  <a:txBody>
+                    <a:bodyPr/>
+                    <a:lstStyle/>
+                    <a:p>
+                      <a:pPr marL="0" marR="0" lvl="0" indent="0" algn="l" defTabSz="914400" rtl="0" eaLnBrk="0" fontAlgn="base" latinLnBrk="0" hangingPunct="0">
+                        <a:lnSpc>
+                          <a:spcPct val="100000"/>
+                        </a:lnSpc>
+                        <a:spcBef>
+                          <a:spcPct val="35000"/>
+                        </a:spcBef>
+                        <a:spcAft>
+                          <a:spcPct val="0"/>
+                        </a:spcAft>
+                        <a:buClrTx/>
+                        <a:buSzTx/>
+                        <a:buFontTx/>
+                        <a:buNone/>
+                        <a:tabLst/>
+                      </a:pPr>
+                      <a:r>
+                        <a:rPr kumimoji="0" lang="en-US" sz="2400" b="1" i="0" u="none" strike="noStrike" kern="1200" cap="none" normalizeH="0" baseline="0" dirty="0" smtClean="0">
+                          <a:ln>
+                            <a:noFill/>
+                          </a:ln>
+                          <a:solidFill>
+                            <a:schemeClr val="tx1"/>
+                          </a:solidFill>
+                          <a:effectLst/>
+                          <a:latin typeface="Arial" pitchFamily="-112" charset="0"/>
+                          <a:ea typeface="ヒラギノ角ゴ Pro W3" pitchFamily="-112" charset="-128"/>
+                          <a:cs typeface="ヒラギノ角ゴ Pro W3" pitchFamily="-112" charset="-128"/>
+                        </a:rPr>
+                        <a:t>Type</a:t>
+                      </a:r>
+                      <a:endParaRPr kumimoji="0" lang="en-US" sz="2400" b="1" i="0" u="none" strike="noStrike" kern="1200" cap="none" normalizeH="0" baseline="0" dirty="0">
+                        <a:ln>
+                          <a:noFill/>
+                        </a:ln>
+                        <a:solidFill>
+                          <a:schemeClr val="tx1"/>
+                        </a:solidFill>
+                        <a:effectLst/>
+                        <a:latin typeface="Arial" pitchFamily="-112" charset="0"/>
+                        <a:ea typeface="ヒラギノ角ゴ Pro W3" pitchFamily="-112" charset="-128"/>
+                        <a:cs typeface="ヒラギノ角ゴ Pro W3" pitchFamily="-112" charset="-128"/>
+                      </a:endParaRPr>
+                    </a:p>
+                  </a:txBody>
+                  <a:tcPr marT="45692" marB="45692" horzOverflow="overflow">
+                    <a:lnL w="12700" cap="flat" cmpd="sng" algn="ctr">
+                      <a:solidFill>
+                        <a:schemeClr val="tx1"/>
+                      </a:solidFill>
+                      <a:prstDash val="solid"/>
+                      <a:round/>
+                      <a:headEnd type="none" w="med" len="med"/>
+                      <a:tailEnd type="none" w="med" len="med"/>
+                    </a:lnL>
+                    <a:lnR w="12700" cap="flat" cmpd="sng" algn="ctr">
+                      <a:solidFill>
+                        <a:schemeClr val="tx1"/>
+                      </a:solidFill>
+                      <a:prstDash val="solid"/>
+                      <a:round/>
+                      <a:headEnd type="none" w="med" len="med"/>
+                      <a:tailEnd type="none" w="med" len="med"/>
+                    </a:lnR>
+                    <a:lnT w="28575" cap="flat" cmpd="sng" algn="ctr">
+                      <a:solidFill>
+                        <a:schemeClr val="tx1"/>
+                      </a:solidFill>
+                      <a:prstDash val="solid"/>
+                      <a:round/>
+                      <a:headEnd type="none" w="med" len="med"/>
+                      <a:tailEnd type="none" w="med" len="med"/>
+                    </a:lnT>
+                    <a:lnB w="28575" cap="flat" cmpd="sng" algn="ctr">
+                      <a:solidFill>
+                        <a:scrgbClr r="0" g="0" b="0"/>
+                      </a:solidFill>
+                      <a:prstDash val="solid"/>
+                      <a:round/>
+                      <a:headEnd type="none" w="med" len="med"/>
+                      <a:tailEnd type="none" w="med" len="med"/>
+                    </a:lnB>
+                    <a:lnTlToBr>
+                      <a:noFill/>
+                    </a:lnTlToBr>
+                    <a:lnBlToTr>
+                      <a:noFill/>
+                    </a:lnBlToTr>
+                    <a:noFill/>
+                  </a:tcPr>
+                </a:tc>
+                <a:tc>
+                  <a:txBody>
+                    <a:bodyPr/>
+                    <a:lstStyle/>
+                    <a:p>
+                      <a:pPr marL="0" marR="0" lvl="0" indent="0" algn="l" defTabSz="914400" rtl="0" eaLnBrk="0" fontAlgn="base" latinLnBrk="0" hangingPunct="0">
+                        <a:lnSpc>
+                          <a:spcPct val="100000"/>
+                        </a:lnSpc>
+                        <a:spcBef>
+                          <a:spcPct val="35000"/>
+                        </a:spcBef>
+                        <a:spcAft>
+                          <a:spcPct val="0"/>
+                        </a:spcAft>
+                        <a:buClrTx/>
+                        <a:buSzTx/>
+                        <a:buFontTx/>
+                        <a:buNone/>
+                        <a:tabLst/>
+                      </a:pPr>
+                      <a:r>
+                        <a:rPr kumimoji="0" lang="en-US" sz="2400" b="1" i="0" u="none" strike="noStrike" cap="none" normalizeH="0" baseline="0" dirty="0">
+                          <a:ln>
+                            <a:noFill/>
+                          </a:ln>
+                          <a:solidFill>
+                            <a:schemeClr val="tx1"/>
+                          </a:solidFill>
+                          <a:effectLst/>
+                          <a:latin typeface="Arial" pitchFamily="-112" charset="0"/>
+                          <a:ea typeface="ヒラギノ角ゴ Pro W3" pitchFamily="-112" charset="-128"/>
+                          <a:cs typeface="ヒラギノ角ゴ Pro W3" pitchFamily="-112" charset="-128"/>
+                        </a:rPr>
+                        <a:t>Description</a:t>
+                      </a:r>
+                    </a:p>
+                  </a:txBody>
+                  <a:tcPr marT="45692" marB="45692" horzOverflow="overflow">
+                    <a:lnL w="12700" cap="flat" cmpd="sng" algn="ctr">
+                      <a:solidFill>
+                        <a:schemeClr val="tx1"/>
+                      </a:solidFill>
+                      <a:prstDash val="solid"/>
+                      <a:round/>
+                      <a:headEnd type="none" w="med" len="med"/>
+                      <a:tailEnd type="none" w="med" len="med"/>
+                    </a:lnL>
+                    <a:lnR w="28575" cap="flat" cmpd="sng" algn="ctr">
+                      <a:solidFill>
+                        <a:schemeClr val="tx1"/>
+                      </a:solidFill>
+                      <a:prstDash val="solid"/>
+                      <a:round/>
+                      <a:headEnd type="none" w="med" len="med"/>
+                      <a:tailEnd type="none" w="med" len="med"/>
+                    </a:lnR>
+                    <a:lnT w="28575" cap="flat" cmpd="sng" algn="ctr">
+                      <a:solidFill>
+                        <a:schemeClr val="tx1"/>
+                      </a:solidFill>
+                      <a:prstDash val="solid"/>
+                      <a:round/>
+                      <a:headEnd type="none" w="med" len="med"/>
+                      <a:tailEnd type="none" w="med" len="med"/>
+                    </a:lnT>
+                    <a:lnB w="28575" cap="flat" cmpd="sng" algn="ctr">
+                      <a:solidFill>
+                        <a:scrgbClr r="0" g="0" b="0"/>
+                      </a:solidFill>
+                      <a:prstDash val="solid"/>
+                      <a:round/>
+                      <a:headEnd type="none" w="med" len="med"/>
+                      <a:tailEnd type="none" w="med" len="med"/>
+                    </a:lnB>
+                    <a:lnTlToBr>
+                      <a:noFill/>
+                    </a:lnTlToBr>
+                    <a:lnBlToTr>
+                      <a:noFill/>
+                    </a:lnBlToTr>
+                    <a:noFill/>
+                  </a:tcPr>
+                </a:tc>
+              </a:tr>
+              <a:tr h="0">
+                <a:tc>
+                  <a:txBody>
+                    <a:bodyPr/>
+                    <a:lstStyle/>
+                    <a:p>
+                      <a:pPr marL="0" marR="0" lvl="0" indent="0" algn="l" defTabSz="914400" rtl="0" eaLnBrk="0" fontAlgn="base" latinLnBrk="0" hangingPunct="0">
+                        <a:lnSpc>
+                          <a:spcPct val="100000"/>
+                        </a:lnSpc>
+                        <a:spcBef>
+                          <a:spcPct val="35000"/>
+                        </a:spcBef>
+                        <a:spcAft>
+                          <a:spcPct val="0"/>
+                        </a:spcAft>
+                        <a:buClrTx/>
+                        <a:buSzTx/>
+                        <a:buFontTx/>
+                        <a:buNone/>
+                        <a:tabLst/>
+                        <a:defRPr/>
+                      </a:pPr>
+                      <a:r>
+                        <a:rPr kumimoji="0" lang="en-US" sz="1400" b="0" i="0" u="none" strike="noStrike" kern="1200" cap="none" normalizeH="0" baseline="0" dirty="0" smtClean="0">
+                          <a:ln>
+                            <a:noFill/>
+                          </a:ln>
+                          <a:solidFill>
+                            <a:schemeClr val="tx1"/>
+                          </a:solidFill>
+                          <a:effectLst/>
+                          <a:latin typeface="Arial" pitchFamily="-112" charset="0"/>
+                          <a:ea typeface="ヒラギノ角ゴ Pro W3" pitchFamily="-112" charset="-128"/>
+                          <a:cs typeface="ヒラギノ角ゴ Pro W3" pitchFamily="-112" charset="-128"/>
+                        </a:rPr>
+                        <a:t>Ident</a:t>
+                      </a:r>
+                      <a:endParaRPr kumimoji="0" lang="en-US" sz="1400" b="0" i="0" u="none" strike="noStrike" kern="1200" cap="none" normalizeH="0" baseline="0" dirty="0">
+                        <a:ln>
+                          <a:noFill/>
+                        </a:ln>
+                        <a:solidFill>
+                          <a:schemeClr val="tx1"/>
+                        </a:solidFill>
+                        <a:effectLst/>
+                        <a:latin typeface="Arial" pitchFamily="-112" charset="0"/>
+                        <a:ea typeface="ヒラギノ角ゴ Pro W3" pitchFamily="-112" charset="-128"/>
+                        <a:cs typeface="ヒラギノ角ゴ Pro W3" pitchFamily="-112" charset="-128"/>
+                      </a:endParaRPr>
+                    </a:p>
+                  </a:txBody>
+                  <a:tcPr marT="45692" marB="45692" horzOverflow="overflow">
+                    <a:lnL w="28575" cap="flat" cmpd="sng" algn="ctr">
+                      <a:solidFill>
+                        <a:scrgbClr r="0" g="0" b="0"/>
+                      </a:solidFill>
+                      <a:prstDash val="solid"/>
+                      <a:round/>
+                      <a:headEnd type="none" w="med" len="med"/>
+                      <a:tailEnd type="none" w="med" len="med"/>
+                    </a:lnL>
+                    <a:lnR w="12700" cap="flat" cmpd="sng" algn="ctr">
+                      <a:solidFill>
+                        <a:schemeClr val="tx1"/>
+                      </a:solidFill>
+                      <a:prstDash val="solid"/>
+                      <a:round/>
+                      <a:headEnd type="none" w="med" len="med"/>
+                      <a:tailEnd type="none" w="med" len="med"/>
+                    </a:lnR>
+                    <a:lnT w="28575" cap="flat" cmpd="sng" algn="ctr">
+                      <a:solidFill>
+                        <a:scrgbClr r="0" g="0" b="0"/>
+                      </a:solidFill>
+                      <a:prstDash val="solid"/>
+                      <a:round/>
+                      <a:headEnd type="none" w="med" len="med"/>
+                      <a:tailEnd type="none" w="med" len="med"/>
+                    </a:lnT>
+                    <a:lnB w="12700" cap="flat" cmpd="sng" algn="ctr">
+                      <a:solidFill>
+                        <a:schemeClr val="tx1"/>
+                      </a:solidFill>
+                      <a:prstDash val="solid"/>
+                      <a:round/>
+                      <a:headEnd type="none" w="med" len="med"/>
+                      <a:tailEnd type="none" w="med" len="med"/>
+                    </a:lnB>
+                    <a:lnTlToBr>
+                      <a:noFill/>
+                    </a:lnTlToBr>
+                    <a:lnBlToTr>
+                      <a:noFill/>
+                    </a:lnBlToTr>
+                    <a:noFill/>
+                  </a:tcPr>
+                </a:tc>
+                <a:tc>
+                  <a:txBody>
+                    <a:bodyPr/>
+                    <a:lstStyle/>
+                    <a:p>
+                      <a:pPr marL="0" marR="0" lvl="0" indent="0" algn="l" defTabSz="914400" rtl="0" eaLnBrk="0" fontAlgn="base" latinLnBrk="0" hangingPunct="0">
+                        <a:lnSpc>
+                          <a:spcPct val="100000"/>
+                        </a:lnSpc>
+                        <a:spcBef>
+                          <a:spcPct val="35000"/>
+                        </a:spcBef>
+                        <a:spcAft>
+                          <a:spcPct val="0"/>
+                        </a:spcAft>
+                        <a:buClrTx/>
+                        <a:buSzTx/>
+                        <a:buFontTx/>
+                        <a:buNone/>
+                        <a:tabLst/>
+                        <a:defRPr/>
+                      </a:pPr>
+                      <a:r>
+                        <a:rPr kumimoji="0" lang="en-US" sz="1400" b="0" i="0" u="none" strike="noStrike" kern="1200" cap="none" normalizeH="0" baseline="0" dirty="0" err="1" smtClean="0">
+                          <a:ln>
+                            <a:noFill/>
+                          </a:ln>
+                          <a:solidFill>
+                            <a:schemeClr val="tx1"/>
+                          </a:solidFill>
+                          <a:effectLst/>
+                          <a:latin typeface="Arial" pitchFamily="-112" charset="0"/>
+                          <a:ea typeface="ヒラギノ角ゴ Pro W3" pitchFamily="-112" charset="-128"/>
+                          <a:cs typeface="ヒラギノ角ゴ Pro W3" pitchFamily="-112" charset="-128"/>
+                        </a:rPr>
+                        <a:t>uchar</a:t>
+                      </a:r>
+                      <a:r>
+                        <a:rPr kumimoji="0" lang="en-US" sz="1400" b="0" i="0" u="none" strike="noStrike" kern="1200" cap="none" normalizeH="0" baseline="0" dirty="0" smtClean="0">
+                          <a:ln>
+                            <a:noFill/>
+                          </a:ln>
+                          <a:solidFill>
+                            <a:schemeClr val="tx1"/>
+                          </a:solidFill>
+                          <a:effectLst/>
+                          <a:latin typeface="Arial" pitchFamily="-112" charset="0"/>
+                          <a:ea typeface="ヒラギノ角ゴ Pro W3" pitchFamily="-112" charset="-128"/>
+                          <a:cs typeface="ヒラギノ角ゴ Pro W3" pitchFamily="-112" charset="-128"/>
+                        </a:rPr>
+                        <a:t>[48]</a:t>
+                      </a:r>
+                      <a:endParaRPr kumimoji="0" lang="en-US" sz="1400" b="0" i="0" u="none" strike="noStrike" kern="1200" cap="none" normalizeH="0" baseline="0" dirty="0">
+                        <a:ln>
+                          <a:noFill/>
+                        </a:ln>
+                        <a:solidFill>
+                          <a:schemeClr val="tx1"/>
+                        </a:solidFill>
+                        <a:effectLst/>
+                        <a:latin typeface="Arial" pitchFamily="-112" charset="0"/>
+                        <a:ea typeface="ヒラギノ角ゴ Pro W3" pitchFamily="-112" charset="-128"/>
+                        <a:cs typeface="ヒラギノ角ゴ Pro W3" pitchFamily="-112" charset="-128"/>
+                      </a:endParaRPr>
+                    </a:p>
+                  </a:txBody>
+                  <a:tcPr marT="45692" marB="45692" horzOverflow="overflow">
+                    <a:lnL w="12700" cap="flat" cmpd="sng" algn="ctr">
+                      <a:solidFill>
+                        <a:schemeClr val="tx1"/>
+                      </a:solidFill>
+                      <a:prstDash val="solid"/>
+                      <a:round/>
+                      <a:headEnd type="none" w="med" len="med"/>
+                      <a:tailEnd type="none" w="med" len="med"/>
+                    </a:lnL>
+                    <a:lnR w="12700" cap="flat" cmpd="sng" algn="ctr">
+                      <a:solidFill>
+                        <a:schemeClr val="tx1"/>
+                      </a:solidFill>
+                      <a:prstDash val="solid"/>
+                      <a:round/>
+                      <a:headEnd type="none" w="med" len="med"/>
+                      <a:tailEnd type="none" w="med" len="med"/>
+                    </a:lnR>
+                    <a:lnT w="28575" cap="flat" cmpd="sng" algn="ctr">
+                      <a:solidFill>
+                        <a:scrgbClr r="0" g="0" b="0"/>
+                      </a:solidFill>
+                      <a:prstDash val="solid"/>
+                      <a:round/>
+                      <a:headEnd type="none" w="med" len="med"/>
+                      <a:tailEnd type="none" w="med" len="med"/>
+                    </a:lnT>
+                    <a:lnB w="12700" cap="flat" cmpd="sng" algn="ctr">
+                      <a:solidFill>
+                        <a:schemeClr val="tx1"/>
+                      </a:solidFill>
+                      <a:prstDash val="solid"/>
+                      <a:round/>
+                      <a:headEnd type="none" w="med" len="med"/>
+                      <a:tailEnd type="none" w="med" len="med"/>
+                    </a:lnB>
+                    <a:lnTlToBr>
+                      <a:noFill/>
+                    </a:lnTlToBr>
+                    <a:lnBlToTr>
+                      <a:noFill/>
+                    </a:lnBlToTr>
+                    <a:noFill/>
+                  </a:tcPr>
+                </a:tc>
+                <a:tc>
+                  <a:txBody>
+                    <a:bodyPr/>
+                    <a:lstStyle/>
+                    <a:p>
+                      <a:pPr marL="0" marR="0" lvl="0" indent="0" algn="l" defTabSz="914400" rtl="0" eaLnBrk="0" fontAlgn="base" latinLnBrk="0" hangingPunct="0">
+                        <a:lnSpc>
+                          <a:spcPct val="100000"/>
+                        </a:lnSpc>
+                        <a:spcBef>
+                          <a:spcPct val="35000"/>
+                        </a:spcBef>
+                        <a:spcAft>
+                          <a:spcPct val="0"/>
+                        </a:spcAft>
+                        <a:buClrTx/>
+                        <a:buSzTx/>
+                        <a:buFontTx/>
+                        <a:buNone/>
+                        <a:tabLst/>
+                      </a:pPr>
+                      <a:r>
+                        <a:rPr kumimoji="0" lang="en-US" sz="1400" b="0" i="0" u="none" strike="noStrike" cap="none" normalizeH="0" baseline="0" dirty="0" smtClean="0">
+                          <a:ln>
+                            <a:noFill/>
+                          </a:ln>
+                          <a:solidFill>
+                            <a:schemeClr val="tx1"/>
+                          </a:solidFill>
+                          <a:effectLst/>
+                          <a:latin typeface="Arial" pitchFamily="-112" charset="0"/>
+                          <a:ea typeface="ヒラギノ角ゴ Pro W3" pitchFamily="-112" charset="-128"/>
+                          <a:cs typeface="ヒラギノ角ゴ Pro W3" pitchFamily="-112" charset="-128"/>
+                        </a:rPr>
+                        <a:t>GIT identity $Id: &lt;MD5&gt;$</a:t>
+                      </a:r>
+                      <a:endParaRPr kumimoji="0" lang="en-US" sz="1400" b="0" i="0" u="none" strike="noStrike" cap="none" normalizeH="0" baseline="0" dirty="0">
+                        <a:ln>
+                          <a:noFill/>
+                        </a:ln>
+                        <a:solidFill>
+                          <a:schemeClr val="tx1"/>
+                        </a:solidFill>
+                        <a:effectLst/>
+                        <a:latin typeface="Arial" pitchFamily="-112" charset="0"/>
+                        <a:ea typeface="ヒラギノ角ゴ Pro W3" pitchFamily="-112" charset="-128"/>
+                        <a:cs typeface="ヒラギノ角ゴ Pro W3" pitchFamily="-112" charset="-128"/>
+                      </a:endParaRPr>
+                    </a:p>
+                  </a:txBody>
+                  <a:tcPr marT="45692" marB="45692" horzOverflow="overflow">
+                    <a:lnL w="12700" cap="flat" cmpd="sng" algn="ctr">
+                      <a:solidFill>
+                        <a:schemeClr val="tx1"/>
+                      </a:solidFill>
+                      <a:prstDash val="solid"/>
+                      <a:round/>
+                      <a:headEnd type="none" w="med" len="med"/>
+                      <a:tailEnd type="none" w="med" len="med"/>
+                    </a:lnL>
+                    <a:lnR w="28575" cap="flat" cmpd="sng" algn="ctr">
+                      <a:solidFill>
+                        <a:scrgbClr r="0" g="0" b="0"/>
+                      </a:solidFill>
+                      <a:prstDash val="solid"/>
+                      <a:round/>
+                      <a:headEnd type="none" w="med" len="med"/>
+                      <a:tailEnd type="none" w="med" len="med"/>
+                    </a:lnR>
+                    <a:lnT w="28575" cap="flat" cmpd="sng" algn="ctr">
+                      <a:solidFill>
+                        <a:scrgbClr r="0" g="0" b="0"/>
+                      </a:solidFill>
+                      <a:prstDash val="solid"/>
+                      <a:round/>
+                      <a:headEnd type="none" w="med" len="med"/>
+                      <a:tailEnd type="none" w="med" len="med"/>
+                    </a:lnT>
+                    <a:lnB w="12700" cap="flat" cmpd="sng" algn="ctr">
+                      <a:solidFill>
+                        <a:schemeClr val="tx1"/>
+                      </a:solidFill>
+                      <a:prstDash val="solid"/>
+                      <a:round/>
+                      <a:headEnd type="none" w="med" len="med"/>
+                      <a:tailEnd type="none" w="med" len="med"/>
+                    </a:lnB>
+                    <a:lnTlToBr>
+                      <a:noFill/>
+                    </a:lnTlToBr>
+                    <a:lnBlToTr>
+                      <a:noFill/>
+                    </a:lnBlToTr>
+                    <a:noFill/>
+                  </a:tcPr>
+                </a:tc>
+              </a:tr>
+            </a:tbl>
+          </a:graphicData>
+        </a:graphic>
+      </p:graphicFrame>
+      <p:sp>
+        <p:nvSpPr>
+          <p:cNvPr id="14" name="TextBox 13"/>
+          <p:cNvSpPr txBox="1"/>
+          <p:nvPr/>
+        </p:nvSpPr>
+        <p:spPr>
+          <a:xfrm>
+            <a:off x="287869" y="2809997"/>
+            <a:ext cx="2223687" cy="369332"/>
+          </a:xfrm>
+          <a:prstGeom prst="rect">
+            <a:avLst/>
+          </a:prstGeom>
+          <a:noFill/>
+        </p:spPr>
+        <p:txBody>
+          <a:bodyPr wrap="none" rtlCol="0">
+            <a:spAutoFit/>
+          </a:bodyPr>
+          <a:lstStyle/>
+          <a:p>
+            <a:pPr algn="l"/>
+            <a:r>
+              <a:rPr lang="en-US" smtClean="0"/>
+              <a:t>Announce Message</a:t>
+            </a:r>
+            <a:endParaRPr lang="en-US" dirty="0"/>
+          </a:p>
+        </p:txBody>
+      </p:sp>
+    </p:spTree>
+    <p:extLst>
+      <p:ext uri="{BB962C8B-B14F-4D97-AF65-F5344CB8AC3E}">
+        <p14:creationId xmlns:p14="http://schemas.microsoft.com/office/powerpoint/2010/main" val="1889112583"/>
+      </p:ext>
+    </p:extLst>
+  </p:cSld>
+  <p:clrMapOvr>
+    <a:masterClrMapping/>
+  </p:clrMapOvr>
+</p:sld>
+</file>
+
+<file path=ppt/slides/slide19.xml><?xml version="1.0" encoding="utf-8"?>
+<p:sld xmlns:a="http://schemas.openxmlformats.org/drawingml/2006/main" xmlns:r="http://schemas.openxmlformats.org/officeDocument/2006/relationships" xmlns:p="http://schemas.openxmlformats.org/presentationml/2006/main">
+  <p:cSld>
+    <p:spTree>
+      <p:nvGrpSpPr>
+        <p:cNvPr id="1" name=""/>
+        <p:cNvGrpSpPr/>
+        <p:nvPr/>
+      </p:nvGrpSpPr>
+      <p:grpSpPr>
+        <a:xfrm>
+          <a:off x="0" y="0"/>
+          <a:ext cx="0" cy="0"/>
+          <a:chOff x="0" y="0"/>
+          <a:chExt cx="0" cy="0"/>
+        </a:xfrm>
+      </p:grpSpPr>
+      <p:sp>
+        <p:nvSpPr>
+          <p:cNvPr id="30721" name="Slide Number Placeholder 3"/>
+          <p:cNvSpPr>
+            <a:spLocks noGrp="1"/>
+          </p:cNvSpPr>
+          <p:nvPr>
+            <p:ph type="sldNum" sz="quarter" idx="10"/>
+          </p:nvPr>
+        </p:nvSpPr>
+        <p:spPr>
+          <a:noFill/>
+          <a:ln/>
+          <a:extLst>
+            <a:ext uri="{909E8E84-426E-40dd-AFC4-6F175D3DCCD1}">
+              <a14:hiddenFill xmlns:a14="http://schemas.microsoft.com/office/drawing/2010/main" xmlns="">
+                <a:solidFill>
+                  <a:srgbClr val="FFFFFF"/>
+                </a:solidFill>
+              </a14:hiddenFill>
+            </a:ext>
+            <a:ext uri="{91240B29-F687-4f45-9708-019B960494DF}">
+              <a14:hiddenLine xmlns:a14="http://schemas.microsoft.com/office/drawing/2010/main" xmlns="" w="9525">
+                <a:solidFill>
+                  <a:srgbClr val="000000"/>
+                </a:solidFill>
+                <a:miter lim="800000"/>
+                <a:headEnd/>
+                <a:tailEnd/>
+              </a14:hiddenLine>
+            </a:ext>
+          </a:extLst>
+        </p:spPr>
+        <p:txBody>
+          <a:bodyPr/>
+          <a:lstStyle>
+            <a:lvl1pPr eaLnBrk="0" hangingPunct="0">
+              <a:defRPr sz="2400">
+                <a:solidFill>
+                  <a:schemeClr val="tx1"/>
+                </a:solidFill>
+                <a:latin typeface="Arial" charset="0"/>
+                <a:ea typeface="ヒラギノ角ゴ Pro W3" charset="0"/>
+                <a:cs typeface="ヒラギノ角ゴ Pro W3" charset="0"/>
+              </a:defRPr>
+            </a:lvl1pPr>
+            <a:lvl2pPr marL="742950" indent="-285750" eaLnBrk="0" hangingPunct="0">
+              <a:defRPr sz="2400">
+                <a:solidFill>
+                  <a:schemeClr val="tx1"/>
+                </a:solidFill>
+                <a:latin typeface="Arial" charset="0"/>
+                <a:ea typeface="ヒラギノ角ゴ Pro W3" charset="0"/>
+                <a:cs typeface="ヒラギノ角ゴ Pro W3" charset="0"/>
+              </a:defRPr>
+            </a:lvl2pPr>
+            <a:lvl3pPr marL="1143000" indent="-228600" eaLnBrk="0" hangingPunct="0">
+              <a:defRPr sz="2400">
+                <a:solidFill>
+                  <a:schemeClr val="tx1"/>
+                </a:solidFill>
+                <a:latin typeface="Arial" charset="0"/>
+                <a:ea typeface="ヒラギノ角ゴ Pro W3" charset="0"/>
+                <a:cs typeface="ヒラギノ角ゴ Pro W3" charset="0"/>
+              </a:defRPr>
+            </a:lvl3pPr>
+            <a:lvl4pPr marL="1600200" indent="-228600" eaLnBrk="0" hangingPunct="0">
+              <a:defRPr sz="2400">
+                <a:solidFill>
+                  <a:schemeClr val="tx1"/>
+                </a:solidFill>
+                <a:latin typeface="Arial" charset="0"/>
+                <a:ea typeface="ヒラギノ角ゴ Pro W3" charset="0"/>
+                <a:cs typeface="ヒラギノ角ゴ Pro W3" charset="0"/>
+              </a:defRPr>
+            </a:lvl4pPr>
+            <a:lvl5pPr marL="2057400" indent="-228600" eaLnBrk="0" hangingPunct="0">
+              <a:defRPr sz="2400">
+                <a:solidFill>
+                  <a:schemeClr val="tx1"/>
+                </a:solidFill>
+                <a:latin typeface="Arial" charset="0"/>
+                <a:ea typeface="ヒラギノ角ゴ Pro W3" charset="0"/>
+                <a:cs typeface="ヒラギノ角ゴ Pro W3" charset="0"/>
+              </a:defRPr>
+            </a:lvl5pPr>
+            <a:lvl6pPr marL="2514600" indent="-228600" algn="ctr" eaLnBrk="0" fontAlgn="base" hangingPunct="0">
+              <a:spcBef>
+                <a:spcPct val="0"/>
+              </a:spcBef>
+              <a:spcAft>
+                <a:spcPct val="0"/>
+              </a:spcAft>
+              <a:defRPr sz="2400">
+                <a:solidFill>
+                  <a:schemeClr val="tx1"/>
+                </a:solidFill>
+                <a:latin typeface="Arial" charset="0"/>
+                <a:ea typeface="ヒラギノ角ゴ Pro W3" charset="0"/>
+                <a:cs typeface="ヒラギノ角ゴ Pro W3" charset="0"/>
+              </a:defRPr>
+            </a:lvl6pPr>
+            <a:lvl7pPr marL="2971800" indent="-228600" algn="ctr" eaLnBrk="0" fontAlgn="base" hangingPunct="0">
+              <a:spcBef>
+                <a:spcPct val="0"/>
+              </a:spcBef>
+              <a:spcAft>
+                <a:spcPct val="0"/>
+              </a:spcAft>
+              <a:defRPr sz="2400">
+                <a:solidFill>
+                  <a:schemeClr val="tx1"/>
+                </a:solidFill>
+                <a:latin typeface="Arial" charset="0"/>
+                <a:ea typeface="ヒラギノ角ゴ Pro W3" charset="0"/>
+                <a:cs typeface="ヒラギノ角ゴ Pro W3" charset="0"/>
+              </a:defRPr>
+            </a:lvl7pPr>
+            <a:lvl8pPr marL="3429000" indent="-228600" algn="ctr" eaLnBrk="0" fontAlgn="base" hangingPunct="0">
+              <a:spcBef>
+                <a:spcPct val="0"/>
+              </a:spcBef>
+              <a:spcAft>
+                <a:spcPct val="0"/>
+              </a:spcAft>
+              <a:defRPr sz="2400">
+                <a:solidFill>
+                  <a:schemeClr val="tx1"/>
+                </a:solidFill>
+                <a:latin typeface="Arial" charset="0"/>
+                <a:ea typeface="ヒラギノ角ゴ Pro W3" charset="0"/>
+                <a:cs typeface="ヒラギノ角ゴ Pro W3" charset="0"/>
+              </a:defRPr>
+            </a:lvl8pPr>
+            <a:lvl9pPr marL="3886200" indent="-228600" algn="ctr" eaLnBrk="0" fontAlgn="base" hangingPunct="0">
+              <a:spcBef>
+                <a:spcPct val="0"/>
+              </a:spcBef>
+              <a:spcAft>
+                <a:spcPct val="0"/>
+              </a:spcAft>
+              <a:defRPr sz="2400">
+                <a:solidFill>
+                  <a:schemeClr val="tx1"/>
+                </a:solidFill>
+                <a:latin typeface="Arial" charset="0"/>
+                <a:ea typeface="ヒラギノ角ゴ Pro W3" charset="0"/>
+                <a:cs typeface="ヒラギノ角ゴ Pro W3" charset="0"/>
+              </a:defRPr>
+            </a:lvl9pPr>
+          </a:lstStyle>
+          <a:p>
+            <a:pPr eaLnBrk="1" hangingPunct="1"/>
+            <a:fld id="{EE975231-3F63-4F4E-B8F6-0A246541BABA}" type="slidenum">
+              <a:rPr lang="en-US" sz="1400"/>
+              <a:pPr eaLnBrk="1" hangingPunct="1"/>
+              <a:t>19</a:t>
+            </a:fld>
+            <a:endParaRPr lang="en-US" sz="1400"/>
+          </a:p>
+        </p:txBody>
+      </p:sp>
+      <p:sp>
+        <p:nvSpPr>
+          <p:cNvPr id="30722" name="Rectangle 2"/>
+          <p:cNvSpPr>
+            <a:spLocks noGrp="1" noChangeArrowheads="1"/>
+          </p:cNvSpPr>
+          <p:nvPr>
+            <p:ph type="title"/>
+          </p:nvPr>
+        </p:nvSpPr>
+        <p:spPr/>
+        <p:txBody>
+          <a:bodyPr/>
+          <a:lstStyle/>
+          <a:p>
+            <a:r>
+              <a:rPr lang="en-US" dirty="0" smtClean="0">
+                <a:latin typeface="Times New Roman" charset="0"/>
+                <a:ea typeface="ヒラギノ角ゴ Pro W3" charset="0"/>
+                <a:cs typeface="ヒラギノ角ゴ Pro W3" charset="0"/>
+              </a:rPr>
+              <a:t>Network Module API</a:t>
+            </a:r>
+            <a:endParaRPr lang="en-US" dirty="0">
+              <a:latin typeface="Times New Roman" charset="0"/>
+              <a:ea typeface="ヒラギノ角ゴ Pro W3" charset="0"/>
+              <a:cs typeface="ヒラギノ角ゴ Pro W3" charset="0"/>
+            </a:endParaRPr>
+          </a:p>
+        </p:txBody>
+      </p:sp>
+      <p:sp>
+        <p:nvSpPr>
+          <p:cNvPr id="2" name="Date Placeholder 1"/>
+          <p:cNvSpPr>
+            <a:spLocks noGrp="1"/>
+          </p:cNvSpPr>
+          <p:nvPr>
+            <p:ph type="dt" sz="quarter" idx="11"/>
+          </p:nvPr>
+        </p:nvSpPr>
+        <p:spPr/>
+        <p:txBody>
+          <a:bodyPr/>
+          <a:lstStyle/>
+          <a:p>
+            <a:pPr>
+              <a:defRPr/>
+            </a:pPr>
+            <a:fld id="{7EB3607B-311D-CD49-AD8D-9D9F140825C4}" type="datetime1">
+              <a:rPr lang="en-US"/>
+              <a:pPr>
+                <a:defRPr/>
+              </a:pPr>
+              <a:t>12/11/16</a:t>
+            </a:fld>
+            <a:endParaRPr lang="en-US"/>
+          </a:p>
+        </p:txBody>
+      </p:sp>
+      <p:sp>
+        <p:nvSpPr>
+          <p:cNvPr id="3" name="Footer Placeholder 2"/>
+          <p:cNvSpPr>
+            <a:spLocks noGrp="1"/>
+          </p:cNvSpPr>
+          <p:nvPr>
+            <p:ph type="ftr" sz="quarter" idx="12"/>
+          </p:nvPr>
+        </p:nvSpPr>
+        <p:spPr/>
+        <p:txBody>
+          <a:bodyPr/>
+          <a:lstStyle/>
+          <a:p>
+            <a:pPr>
+              <a:defRPr/>
+            </a:pPr>
+            <a:r>
+              <a:rPr lang="en-US"/>
+              <a:t>cFS Application: SBN</a:t>
+            </a:r>
+          </a:p>
+        </p:txBody>
+      </p:sp>
+      <p:sp>
+        <p:nvSpPr>
+          <p:cNvPr id="4" name="Rectangle 3"/>
+          <p:cNvSpPr/>
+          <p:nvPr/>
+        </p:nvSpPr>
+        <p:spPr>
+          <a:xfrm>
+            <a:off x="494291" y="1242469"/>
+            <a:ext cx="8307818" cy="4524315"/>
+          </a:xfrm>
+          <a:prstGeom prst="rect">
+            <a:avLst/>
+          </a:prstGeom>
+        </p:spPr>
+        <p:txBody>
+          <a:bodyPr wrap="square">
+            <a:spAutoFit/>
+          </a:bodyPr>
+          <a:lstStyle/>
+          <a:p>
+            <a:pPr algn="l"/>
+            <a:r>
+              <a:rPr lang="en-US" dirty="0" err="1" smtClean="0"/>
+              <a:t>int</a:t>
+            </a:r>
+            <a:r>
+              <a:rPr lang="en-US" dirty="0" smtClean="0"/>
+              <a:t> </a:t>
+            </a:r>
+            <a:r>
+              <a:rPr lang="en-US" b="1" dirty="0" smtClean="0"/>
+              <a:t>Load</a:t>
+            </a:r>
+            <a:r>
+              <a:rPr lang="en-US" dirty="0" smtClean="0"/>
+              <a:t>(</a:t>
+            </a:r>
+            <a:r>
+              <a:rPr lang="en-US" dirty="0" err="1" smtClean="0"/>
+              <a:t>const</a:t>
+            </a:r>
+            <a:r>
+              <a:rPr lang="en-US" dirty="0" smtClean="0"/>
+              <a:t> </a:t>
+            </a:r>
+            <a:r>
+              <a:rPr lang="en-US" dirty="0"/>
+              <a:t>char **, </a:t>
+            </a:r>
+            <a:r>
+              <a:rPr lang="en-US" dirty="0" err="1"/>
+              <a:t>int</a:t>
+            </a:r>
+            <a:r>
+              <a:rPr lang="en-US" dirty="0"/>
+              <a:t>, void </a:t>
+            </a:r>
+            <a:r>
+              <a:rPr lang="en-US" dirty="0" smtClean="0"/>
+              <a:t>*);</a:t>
+            </a:r>
+          </a:p>
+          <a:p>
+            <a:pPr algn="l"/>
+            <a:endParaRPr lang="en-US" dirty="0" smtClean="0"/>
+          </a:p>
+          <a:p>
+            <a:pPr algn="l"/>
+            <a:r>
+              <a:rPr lang="en-US" dirty="0" err="1" smtClean="0"/>
+              <a:t>int</a:t>
+            </a:r>
+            <a:r>
+              <a:rPr lang="en-US" dirty="0" smtClean="0"/>
+              <a:t> </a:t>
+            </a:r>
+            <a:r>
+              <a:rPr lang="en-US" b="1" dirty="0" err="1" smtClean="0"/>
+              <a:t>InitHost</a:t>
+            </a:r>
+            <a:r>
+              <a:rPr lang="en-US" dirty="0" smtClean="0"/>
+              <a:t>(</a:t>
+            </a:r>
+            <a:r>
+              <a:rPr lang="en-US" dirty="0" err="1" smtClean="0"/>
+              <a:t>SBN_HostInterface_t</a:t>
+            </a:r>
+            <a:r>
+              <a:rPr lang="en-US" dirty="0" smtClean="0"/>
+              <a:t> </a:t>
+            </a:r>
+            <a:r>
+              <a:rPr lang="en-US" dirty="0"/>
+              <a:t>*Host);</a:t>
+            </a:r>
+          </a:p>
+          <a:p>
+            <a:pPr algn="l"/>
+            <a:endParaRPr lang="en-US" dirty="0" smtClean="0"/>
+          </a:p>
+          <a:p>
+            <a:pPr algn="l"/>
+            <a:r>
+              <a:rPr lang="en-US" dirty="0" err="1" smtClean="0"/>
+              <a:t>int</a:t>
+            </a:r>
+            <a:r>
+              <a:rPr lang="en-US" dirty="0" smtClean="0"/>
+              <a:t> </a:t>
+            </a:r>
+            <a:r>
+              <a:rPr lang="en-US" b="1" dirty="0" err="1" smtClean="0"/>
+              <a:t>InitPeer</a:t>
+            </a:r>
+            <a:r>
+              <a:rPr lang="en-US" dirty="0" smtClean="0"/>
+              <a:t>(</a:t>
+            </a:r>
+            <a:r>
+              <a:rPr lang="en-US" dirty="0" err="1" smtClean="0"/>
+              <a:t>SBN_PeerInterface_t</a:t>
+            </a:r>
+            <a:r>
+              <a:rPr lang="en-US" dirty="0" smtClean="0"/>
+              <a:t> </a:t>
+            </a:r>
+            <a:r>
+              <a:rPr lang="en-US" dirty="0"/>
+              <a:t>*Peer</a:t>
+            </a:r>
+            <a:r>
+              <a:rPr lang="en-US" dirty="0" smtClean="0"/>
+              <a:t>);</a:t>
+            </a:r>
+          </a:p>
+          <a:p>
+            <a:pPr algn="l"/>
+            <a:endParaRPr lang="en-US" dirty="0" smtClean="0"/>
+          </a:p>
+          <a:p>
+            <a:pPr algn="l"/>
+            <a:r>
+              <a:rPr lang="en-US" dirty="0" err="1" smtClean="0"/>
+              <a:t>int</a:t>
+            </a:r>
+            <a:r>
+              <a:rPr lang="en-US" dirty="0" smtClean="0"/>
+              <a:t> </a:t>
+            </a:r>
+            <a:r>
+              <a:rPr lang="en-US" b="1" dirty="0" smtClean="0"/>
+              <a:t>Send</a:t>
+            </a:r>
+            <a:r>
+              <a:rPr lang="en-US" dirty="0" smtClean="0"/>
+              <a:t>(</a:t>
+            </a:r>
+            <a:r>
+              <a:rPr lang="en-US" dirty="0" err="1" smtClean="0"/>
+              <a:t>SBN_PeerInterface_t</a:t>
+            </a:r>
+            <a:r>
+              <a:rPr lang="en-US" dirty="0" smtClean="0"/>
+              <a:t> </a:t>
+            </a:r>
+            <a:r>
+              <a:rPr lang="en-US" dirty="0"/>
+              <a:t>*Peer, </a:t>
+            </a:r>
+            <a:r>
+              <a:rPr lang="en-US" dirty="0" err="1"/>
+              <a:t>SBN_MsgType_t</a:t>
+            </a:r>
+            <a:r>
+              <a:rPr lang="en-US" dirty="0"/>
+              <a:t> </a:t>
+            </a:r>
+            <a:r>
+              <a:rPr lang="en-US" dirty="0" err="1"/>
+              <a:t>MsgType</a:t>
+            </a:r>
+            <a:r>
+              <a:rPr lang="en-US" dirty="0" smtClean="0"/>
+              <a:t>,</a:t>
+            </a:r>
+          </a:p>
+          <a:p>
+            <a:pPr algn="l"/>
+            <a:r>
+              <a:rPr lang="en-US" dirty="0"/>
+              <a:t>	</a:t>
+            </a:r>
+            <a:r>
+              <a:rPr lang="en-US" dirty="0" err="1" smtClean="0"/>
+              <a:t>SBN_MsgSize_t</a:t>
+            </a:r>
+            <a:r>
+              <a:rPr lang="en-US" dirty="0" smtClean="0"/>
+              <a:t> </a:t>
+            </a:r>
+            <a:r>
+              <a:rPr lang="en-US" dirty="0" err="1"/>
+              <a:t>MsgSize</a:t>
+            </a:r>
+            <a:r>
+              <a:rPr lang="en-US" dirty="0"/>
+              <a:t>, </a:t>
+            </a:r>
+            <a:r>
+              <a:rPr lang="en-US" dirty="0" err="1"/>
+              <a:t>SBN_Payload_t</a:t>
+            </a:r>
+            <a:r>
+              <a:rPr lang="en-US" dirty="0"/>
+              <a:t> *Payload);</a:t>
+            </a:r>
+          </a:p>
+          <a:p>
+            <a:pPr algn="l"/>
+            <a:endParaRPr lang="en-US" dirty="0" smtClean="0"/>
+          </a:p>
+          <a:p>
+            <a:pPr algn="l"/>
+            <a:r>
+              <a:rPr lang="en-US" dirty="0" err="1" smtClean="0"/>
+              <a:t>int</a:t>
+            </a:r>
+            <a:r>
+              <a:rPr lang="en-US" dirty="0" smtClean="0"/>
+              <a:t> </a:t>
+            </a:r>
+            <a:r>
+              <a:rPr lang="en-US" b="1" dirty="0" err="1" smtClean="0"/>
+              <a:t>Recv</a:t>
+            </a:r>
+            <a:r>
+              <a:rPr lang="en-US" dirty="0" smtClean="0"/>
+              <a:t>(</a:t>
+            </a:r>
+            <a:r>
+              <a:rPr lang="en-US" dirty="0" err="1" smtClean="0"/>
+              <a:t>SBN_PeerInterface_t</a:t>
+            </a:r>
+            <a:r>
+              <a:rPr lang="en-US" dirty="0" smtClean="0"/>
+              <a:t> </a:t>
+            </a:r>
+            <a:r>
+              <a:rPr lang="en-US" dirty="0"/>
+              <a:t>*Peer, </a:t>
+            </a:r>
+            <a:r>
+              <a:rPr lang="en-US" dirty="0" err="1"/>
+              <a:t>SBN_MsgType_t</a:t>
+            </a:r>
+            <a:r>
+              <a:rPr lang="en-US" dirty="0"/>
+              <a:t> *</a:t>
+            </a:r>
+            <a:r>
+              <a:rPr lang="en-US" dirty="0" err="1" smtClean="0"/>
+              <a:t>MsgTypePtr</a:t>
+            </a:r>
+            <a:r>
+              <a:rPr lang="en-US" dirty="0" smtClean="0"/>
+              <a:t>,</a:t>
+            </a:r>
+          </a:p>
+          <a:p>
+            <a:pPr algn="l"/>
+            <a:r>
+              <a:rPr lang="en-US" dirty="0"/>
+              <a:t>	</a:t>
+            </a:r>
+            <a:r>
+              <a:rPr lang="en-US" dirty="0" err="1" smtClean="0"/>
+              <a:t>SBN_MsgSize_t</a:t>
+            </a:r>
+            <a:r>
+              <a:rPr lang="en-US" dirty="0" smtClean="0"/>
+              <a:t> </a:t>
+            </a:r>
+            <a:r>
+              <a:rPr lang="en-US" dirty="0"/>
+              <a:t>*</a:t>
+            </a:r>
+            <a:r>
+              <a:rPr lang="en-US" dirty="0" err="1"/>
+              <a:t>MsgSizePtr</a:t>
+            </a:r>
+            <a:r>
+              <a:rPr lang="en-US" dirty="0"/>
+              <a:t>, </a:t>
+            </a:r>
+            <a:r>
+              <a:rPr lang="en-US" dirty="0" err="1"/>
+              <a:t>SBN_CpuId_t</a:t>
+            </a:r>
+            <a:r>
+              <a:rPr lang="en-US" dirty="0"/>
+              <a:t> *</a:t>
+            </a:r>
+            <a:r>
+              <a:rPr lang="en-US" dirty="0" err="1" smtClean="0"/>
+              <a:t>CpuIdPtr</a:t>
+            </a:r>
+            <a:r>
+              <a:rPr lang="en-US" dirty="0" smtClean="0"/>
+              <a:t>,</a:t>
+            </a:r>
+          </a:p>
+          <a:p>
+            <a:pPr algn="l"/>
+            <a:r>
+              <a:rPr lang="en-US" dirty="0"/>
+              <a:t>	</a:t>
+            </a:r>
+            <a:r>
+              <a:rPr lang="en-US" dirty="0" err="1" smtClean="0"/>
+              <a:t>SBN_Payload_t</a:t>
+            </a:r>
+            <a:r>
+              <a:rPr lang="en-US" dirty="0" smtClean="0"/>
+              <a:t> </a:t>
+            </a:r>
+            <a:r>
+              <a:rPr lang="en-US" dirty="0"/>
+              <a:t>*</a:t>
+            </a:r>
+            <a:r>
+              <a:rPr lang="en-US" dirty="0" err="1"/>
+              <a:t>PayloadBuffer</a:t>
+            </a:r>
+            <a:r>
+              <a:rPr lang="en-US" dirty="0"/>
+              <a:t>);</a:t>
+            </a:r>
+          </a:p>
+          <a:p>
+            <a:pPr algn="l"/>
+            <a:endParaRPr lang="en-US" dirty="0" smtClean="0"/>
+          </a:p>
+          <a:p>
+            <a:pPr algn="l"/>
+            <a:r>
+              <a:rPr lang="en-US" dirty="0" err="1" smtClean="0"/>
+              <a:t>int</a:t>
+            </a:r>
+            <a:r>
+              <a:rPr lang="en-US" dirty="0" smtClean="0"/>
+              <a:t> </a:t>
+            </a:r>
+            <a:r>
+              <a:rPr lang="en-US" b="1" dirty="0" err="1" smtClean="0"/>
+              <a:t>ReportModuleStatus</a:t>
+            </a:r>
+            <a:r>
+              <a:rPr lang="en-US" dirty="0" smtClean="0"/>
+              <a:t>(</a:t>
+            </a:r>
+            <a:r>
+              <a:rPr lang="en-US" dirty="0" err="1" smtClean="0"/>
+              <a:t>SBN_ModuleStatusPacket_t</a:t>
+            </a:r>
+            <a:r>
+              <a:rPr lang="en-US" dirty="0" smtClean="0"/>
+              <a:t> </a:t>
+            </a:r>
+            <a:r>
+              <a:rPr lang="en-US" dirty="0"/>
+              <a:t>*Buffer);</a:t>
+            </a:r>
+          </a:p>
+          <a:p>
+            <a:pPr algn="l"/>
+            <a:endParaRPr lang="en-US" dirty="0" smtClean="0"/>
+          </a:p>
+          <a:p>
+            <a:pPr algn="l"/>
+            <a:r>
+              <a:rPr lang="en-US" dirty="0" err="1" smtClean="0"/>
+              <a:t>int</a:t>
+            </a:r>
+            <a:r>
+              <a:rPr lang="en-US" dirty="0" smtClean="0"/>
+              <a:t> </a:t>
+            </a:r>
+            <a:r>
+              <a:rPr lang="en-US" b="1" dirty="0" err="1" smtClean="0"/>
+              <a:t>ResetPeer</a:t>
+            </a:r>
+            <a:r>
+              <a:rPr lang="en-US" dirty="0" smtClean="0"/>
+              <a:t>(</a:t>
+            </a:r>
+            <a:r>
+              <a:rPr lang="en-US" dirty="0" err="1" smtClean="0"/>
+              <a:t>SBN_PeerInterface_t</a:t>
+            </a:r>
+            <a:r>
+              <a:rPr lang="en-US" dirty="0" smtClean="0"/>
+              <a:t> </a:t>
+            </a:r>
+            <a:r>
+              <a:rPr lang="en-US" dirty="0"/>
+              <a:t>*Peer</a:t>
+            </a:r>
+            <a:r>
+              <a:rPr lang="en-US" dirty="0" smtClean="0"/>
+              <a:t>);</a:t>
+            </a:r>
+            <a:endParaRPr lang="en-US" dirty="0"/>
+          </a:p>
+        </p:txBody>
+      </p:sp>
+    </p:spTree>
+    <p:extLst>
+      <p:ext uri="{BB962C8B-B14F-4D97-AF65-F5344CB8AC3E}">
+        <p14:creationId xmlns:p14="http://schemas.microsoft.com/office/powerpoint/2010/main" val="1189486427"/>
+      </p:ext>
+    </p:extLst>
   </p:cSld>
   <p:clrMapOvr>
     <a:masterClrMapping/>
@@ -31878,14 +36073,14 @@
           <a:ln/>
           <a:extLst>
             <a:ext uri="{909E8E84-426E-40dd-AFC4-6F175D3DCCD1}">
-              <a14:hiddenFill xmlns="" xmlns:a14="http://schemas.microsoft.com/office/drawing/2010/main">
+              <a14:hiddenFill xmlns:a14="http://schemas.microsoft.com/office/drawing/2010/main" xmlns="">
                 <a:solidFill>
                   <a:srgbClr val="FFFFFF"/>
                 </a:solidFill>
               </a14:hiddenFill>
             </a:ext>
             <a:ext uri="{91240B29-F687-4f45-9708-019B960494DF}">
-              <a14:hiddenLine xmlns="" xmlns:a14="http://schemas.microsoft.com/office/drawing/2010/main" w="9525">
+              <a14:hiddenLine xmlns:a14="http://schemas.microsoft.com/office/drawing/2010/main" xmlns="" w="9525">
                 <a:solidFill>
                   <a:srgbClr val="000000"/>
                 </a:solidFill>
@@ -32047,14 +36242,14 @@
           </a:ln>
           <a:extLst>
             <a:ext uri="{909E8E84-426E-40dd-AFC4-6F175D3DCCD1}">
-              <a14:hiddenFill xmlns="" xmlns:a14="http://schemas.microsoft.com/office/drawing/2010/main">
+              <a14:hiddenFill xmlns:a14="http://schemas.microsoft.com/office/drawing/2010/main" xmlns="">
                 <a:solidFill>
                   <a:srgbClr val="FFFFFF"/>
                 </a:solidFill>
               </a14:hiddenFill>
             </a:ext>
             <a:ext uri="{91240B29-F687-4f45-9708-019B960494DF}">
-              <a14:hiddenLine xmlns="" xmlns:a14="http://schemas.microsoft.com/office/drawing/2010/main" w="9525">
+              <a14:hiddenLine xmlns:a14="http://schemas.microsoft.com/office/drawing/2010/main" xmlns="" w="9525">
                 <a:solidFill>
                   <a:srgbClr val="000000"/>
                 </a:solidFill>
@@ -32099,7 +36294,7 @@
         <p:spPr bwMode="auto">
           <a:xfrm>
             <a:off x="609600" y="1358900"/>
-            <a:ext cx="7848600" cy="4216539"/>
+            <a:ext cx="7848600" cy="3908762"/>
           </a:xfrm>
           <a:prstGeom prst="rect">
             <a:avLst/>
@@ -32110,14 +36305,14 @@
           </a:ln>
           <a:extLst>
             <a:ext uri="{909E8E84-426E-40dd-AFC4-6F175D3DCCD1}">
-              <a14:hiddenFill xmlns="" xmlns:a14="http://schemas.microsoft.com/office/drawing/2010/main">
+              <a14:hiddenFill xmlns:a14="http://schemas.microsoft.com/office/drawing/2010/main" xmlns="">
                 <a:solidFill>
                   <a:srgbClr val="FFFFFF"/>
                 </a:solidFill>
               </a14:hiddenFill>
             </a:ext>
             <a:ext uri="{91240B29-F687-4f45-9708-019B960494DF}">
-              <a14:hiddenLine xmlns="" xmlns:a14="http://schemas.microsoft.com/office/drawing/2010/main" w="9525">
+              <a14:hiddenLine xmlns:a14="http://schemas.microsoft.com/office/drawing/2010/main" xmlns="" w="9525">
                 <a:solidFill>
                   <a:srgbClr val="000000"/>
                 </a:solidFill>
@@ -32255,126 +36450,253 @@
               </a:spcBef>
             </a:pPr>
             <a:r>
-              <a:rPr lang="en-US" sz="2000" b="1" dirty="0">
+              <a:rPr lang="en-US" sz="2000" dirty="0">
                 <a:cs typeface="Times New Roman" charset="0"/>
               </a:rPr>
               <a:t>SBN is a </a:t>
             </a:r>
             <a:r>
-              <a:rPr lang="en-US" sz="2000" b="1" dirty="0" err="1">
+              <a:rPr lang="en-US" sz="2000" dirty="0" err="1">
                 <a:cs typeface="Times New Roman" charset="0"/>
               </a:rPr>
               <a:t>cFS</a:t>
             </a:r>
             <a:r>
-              <a:rPr lang="en-US" sz="2000" b="1" dirty="0">
+              <a:rPr lang="en-US" sz="2000" dirty="0">
                 <a:cs typeface="Times New Roman" charset="0"/>
               </a:rPr>
-              <a:t> application that:</a:t>
+              <a:t> application </a:t>
             </a:r>
+            <a:r>
+              <a:rPr lang="en-US" sz="2000" dirty="0" smtClean="0">
+                <a:cs typeface="Times New Roman" charset="0"/>
+              </a:rPr>
+              <a:t>that</a:t>
+            </a:r>
+            <a:r>
+              <a:rPr lang="mr-IN" sz="2000" dirty="0" smtClean="0">
+                <a:cs typeface="Times New Roman" charset="0"/>
+              </a:rPr>
+              <a:t>…</a:t>
+            </a:r>
+            <a:endParaRPr lang="en-US" sz="2000" dirty="0" smtClean="0">
+              <a:cs typeface="Times New Roman" charset="0"/>
+            </a:endParaRPr>
           </a:p>
           <a:p>
-            <a:pPr algn="l">
+            <a:pPr marL="0" indent="0" algn="l">
               <a:spcBef>
                 <a:spcPct val="35000"/>
               </a:spcBef>
-              <a:buFontTx/>
-              <a:buChar char="•"/>
             </a:pPr>
             <a:r>
-              <a:rPr lang="en-US" sz="2000" b="1" dirty="0">
+              <a:rPr lang="mr-IN" sz="2000" dirty="0" smtClean="0">
                 <a:cs typeface="Times New Roman" charset="0"/>
               </a:rPr>
-              <a:t>Connects point-to-point with other SBN applications on other multiple </a:t>
+              <a:t>…</a:t>
             </a:r>
             <a:r>
-              <a:rPr lang="en-US" sz="2000" b="1" dirty="0" err="1">
+              <a:rPr lang="en-US" sz="2000" dirty="0" smtClean="0">
+                <a:cs typeface="Times New Roman" charset="0"/>
+              </a:rPr>
+              <a:t>c</a:t>
+            </a:r>
+            <a:r>
+              <a:rPr lang="en-US" sz="2000" dirty="0" smtClean="0">
+                <a:cs typeface="Times New Roman" charset="0"/>
+              </a:rPr>
+              <a:t>onnects the local software bus to one or more other </a:t>
+            </a:r>
+            <a:r>
+              <a:rPr lang="en-US" sz="2000" dirty="0" err="1" smtClean="0">
                 <a:cs typeface="Times New Roman" charset="0"/>
               </a:rPr>
               <a:t>cFS</a:t>
             </a:r>
             <a:r>
-              <a:rPr lang="en-US" sz="2000" b="1" dirty="0">
+              <a:rPr lang="en-US" sz="2000" dirty="0">
                 <a:cs typeface="Times New Roman" charset="0"/>
               </a:rPr>
-              <a:t> software busses together such that messages sent by an application on one bus can be received by an application on another bus.</a:t>
+              <a:t> </a:t>
+            </a:r>
+            <a:r>
+              <a:rPr lang="en-US" sz="2000" dirty="0" smtClean="0">
+                <a:cs typeface="Times New Roman" charset="0"/>
+              </a:rPr>
+              <a:t>nodes </a:t>
+            </a:r>
+            <a:r>
+              <a:rPr lang="en-US" sz="2000" dirty="0" smtClean="0">
+                <a:cs typeface="Times New Roman" charset="0"/>
+              </a:rPr>
+              <a:t>(who are also running SBN) such </a:t>
+            </a:r>
+            <a:r>
+              <a:rPr lang="en-US" sz="2000" dirty="0">
+                <a:cs typeface="Times New Roman" charset="0"/>
+              </a:rPr>
+              <a:t>that </a:t>
+            </a:r>
+            <a:r>
+              <a:rPr lang="en-US" sz="2000" dirty="0" smtClean="0">
+                <a:cs typeface="Times New Roman" charset="0"/>
+              </a:rPr>
+              <a:t>all messages </a:t>
+            </a:r>
+            <a:r>
+              <a:rPr lang="en-US" sz="2000" dirty="0">
+                <a:cs typeface="Times New Roman" charset="0"/>
+              </a:rPr>
+              <a:t>sent by an application on one bus </a:t>
+            </a:r>
+            <a:r>
+              <a:rPr lang="en-US" sz="2000" dirty="0" smtClean="0">
+                <a:cs typeface="Times New Roman" charset="0"/>
+              </a:rPr>
+              <a:t>will be </a:t>
+            </a:r>
+            <a:r>
+              <a:rPr lang="en-US" sz="2000" dirty="0">
+                <a:cs typeface="Times New Roman" charset="0"/>
+              </a:rPr>
+              <a:t>received by an application on another </a:t>
+            </a:r>
+            <a:r>
+              <a:rPr lang="en-US" sz="2000" dirty="0" smtClean="0">
+                <a:cs typeface="Times New Roman" charset="0"/>
+              </a:rPr>
+              <a:t>bus.</a:t>
             </a:r>
           </a:p>
           <a:p>
-            <a:pPr algn="l">
+            <a:pPr marL="0" indent="0" algn="l">
               <a:spcBef>
                 <a:spcPct val="35000"/>
               </a:spcBef>
-              <a:buFontTx/>
-              <a:buChar char="•"/>
             </a:pPr>
             <a:r>
-              <a:rPr lang="en-US" sz="2000" b="1" dirty="0">
+              <a:rPr lang="mr-IN" sz="2000" dirty="0" smtClean="0">
                 <a:cs typeface="Times New Roman" charset="0"/>
               </a:rPr>
-              <a:t>Has a modular network architecture (TCP, UDP, Serial, </a:t>
+              <a:t>…</a:t>
             </a:r>
             <a:r>
-              <a:rPr lang="en-US" sz="2000" b="1" dirty="0" err="1">
+              <a:rPr lang="en-US" sz="2000" dirty="0" smtClean="0">
+                <a:cs typeface="Times New Roman" charset="0"/>
+              </a:rPr>
+              <a:t>has </a:t>
+            </a:r>
+            <a:r>
+              <a:rPr lang="en-US" sz="2000" dirty="0">
+                <a:cs typeface="Times New Roman" charset="0"/>
+              </a:rPr>
+              <a:t>a modular network architecture (TCP, UDP, Serial, </a:t>
+            </a:r>
+            <a:r>
+              <a:rPr lang="en-US" sz="2000" dirty="0" err="1">
                 <a:cs typeface="Times New Roman" charset="0"/>
               </a:rPr>
               <a:t>SpaceWire</a:t>
             </a:r>
             <a:r>
-              <a:rPr lang="en-US" sz="2000" b="1" dirty="0">
+              <a:rPr lang="en-US" sz="2000" dirty="0">
                 <a:cs typeface="Times New Roman" charset="0"/>
               </a:rPr>
-              <a:t>, etc.) to connect peers and supports mixed-mode peer networks.</a:t>
+              <a:t>, etc.) to connect peers and supports mixed-mode peer </a:t>
+            </a:r>
+            <a:r>
+              <a:rPr lang="en-US" sz="2000" dirty="0" smtClean="0">
+                <a:cs typeface="Times New Roman" charset="0"/>
+              </a:rPr>
+              <a:t>networks.</a:t>
             </a:r>
           </a:p>
           <a:p>
-            <a:pPr algn="l">
+            <a:pPr marL="0" indent="0" algn="l">
               <a:spcBef>
                 <a:spcPct val="35000"/>
               </a:spcBef>
-              <a:buFontTx/>
-              <a:buChar char="•"/>
             </a:pPr>
             <a:r>
-              <a:rPr lang="en-US" sz="2000" b="1" dirty="0">
+              <a:rPr lang="mr-IN" sz="2000" dirty="0" smtClean="0">
                 <a:cs typeface="Times New Roman" charset="0"/>
               </a:rPr>
-              <a:t>Utilizes an “announce” and “heartbeat” protocol to provide network state awareness to the SBN application.</a:t>
+              <a:t>…</a:t>
+            </a:r>
+            <a:r>
+              <a:rPr lang="en-US" sz="2000" dirty="0" smtClean="0">
+                <a:cs typeface="Times New Roman" charset="0"/>
+              </a:rPr>
+              <a:t>utilizes </a:t>
+            </a:r>
+            <a:r>
+              <a:rPr lang="en-US" sz="2000" dirty="0">
+                <a:cs typeface="Times New Roman" charset="0"/>
+              </a:rPr>
+              <a:t>an “announce” and “heartbeat” protocol to provide network state awareness to the SBN </a:t>
+            </a:r>
+            <a:r>
+              <a:rPr lang="en-US" sz="2000" dirty="0" smtClean="0">
+                <a:cs typeface="Times New Roman" charset="0"/>
+              </a:rPr>
+              <a:t>application.</a:t>
             </a:r>
           </a:p>
           <a:p>
-            <a:pPr algn="l">
+            <a:pPr marL="0" indent="0" algn="l">
               <a:spcBef>
                 <a:spcPct val="35000"/>
               </a:spcBef>
-              <a:buFontTx/>
-              <a:buChar char="•"/>
             </a:pPr>
             <a:r>
-              <a:rPr lang="en-US" sz="2000" b="1" dirty="0">
+              <a:rPr lang="mr-IN" sz="2000" dirty="0" smtClean="0">
                 <a:cs typeface="Times New Roman" charset="0"/>
               </a:rPr>
-              <a:t>Remaps and filters outgoing messages </a:t>
+              <a:t>…</a:t>
             </a:r>
             <a:r>
-              <a:rPr lang="en-US" sz="2000" b="1" dirty="0" smtClean="0">
+              <a:rPr lang="en-US" sz="2000" dirty="0" smtClean="0">
+                <a:cs typeface="Times New Roman" charset="0"/>
+              </a:rPr>
+              <a:t>remaps </a:t>
+            </a:r>
+            <a:r>
+              <a:rPr lang="en-US" sz="2000" dirty="0">
+                <a:cs typeface="Times New Roman" charset="0"/>
+              </a:rPr>
+              <a:t>and filters outgoing messages </a:t>
+            </a:r>
+            <a:r>
+              <a:rPr lang="en-US" sz="2000" dirty="0" smtClean="0">
                 <a:cs typeface="Times New Roman" charset="0"/>
               </a:rPr>
               <a:t>(</a:t>
             </a:r>
             <a:r>
-              <a:rPr lang="en-US" sz="2000" b="1" dirty="0" err="1" smtClean="0">
+              <a:rPr lang="en-US" sz="2000" dirty="0" err="1" smtClean="0">
                 <a:cs typeface="Times New Roman" charset="0"/>
               </a:rPr>
               <a:t>cFS</a:t>
             </a:r>
             <a:r>
-              <a:rPr lang="en-US" sz="2000" b="1" dirty="0" smtClean="0">
+              <a:rPr lang="en-US" sz="2000" dirty="0" smtClean="0">
                 <a:cs typeface="Times New Roman" charset="0"/>
               </a:rPr>
-              <a:t> table configured.)</a:t>
+              <a:t> </a:t>
             </a:r>
-            <a:endParaRPr lang="en-US" sz="2000" b="1" dirty="0">
+            <a:r>
+              <a:rPr lang="en-US" sz="2000" dirty="0" smtClean="0">
+                <a:cs typeface="Times New Roman" charset="0"/>
+              </a:rPr>
+              <a:t>table-configured</a:t>
+            </a:r>
+            <a:r>
+              <a:rPr lang="en-US" sz="2000" dirty="0" smtClean="0">
+                <a:cs typeface="Times New Roman" charset="0"/>
+              </a:rPr>
+              <a:t>.)</a:t>
+            </a:r>
+            <a:endParaRPr lang="en-US" sz="2000" dirty="0">
               <a:cs typeface="Times New Roman" charset="0"/>
             </a:endParaRPr>
           </a:p>
@@ -32399,7 +36721,7 @@
               <a:defRPr/>
             </a:pPr>
             <a:fld id="{B90418B6-1B50-F34D-B458-B7530561AB98}" type="datetime1">
-              <a:t>11/16/16</a:t>
+              <a:t>12/11/16</a:t>
             </a:fld>
             <a:endParaRPr lang="en-US"/>
           </a:p>
@@ -32470,14 +36792,14 @@
           <a:ln/>
           <a:extLst>
             <a:ext uri="{909E8E84-426E-40dd-AFC4-6F175D3DCCD1}">
-              <a14:hiddenFill xmlns="" xmlns:a14="http://schemas.microsoft.com/office/drawing/2010/main">
+              <a14:hiddenFill xmlns:a14="http://schemas.microsoft.com/office/drawing/2010/main" xmlns="">
                 <a:solidFill>
                   <a:srgbClr val="FFFFFF"/>
                 </a:solidFill>
               </a14:hiddenFill>
             </a:ext>
             <a:ext uri="{91240B29-F687-4f45-9708-019B960494DF}">
-              <a14:hiddenLine xmlns="" xmlns:a14="http://schemas.microsoft.com/office/drawing/2010/main" w="9525">
+              <a14:hiddenLine xmlns:a14="http://schemas.microsoft.com/office/drawing/2010/main" xmlns="" w="9525">
                 <a:solidFill>
                   <a:srgbClr val="000000"/>
                 </a:solidFill>
@@ -32639,14 +36961,14 @@
           </a:ln>
           <a:extLst>
             <a:ext uri="{909E8E84-426E-40dd-AFC4-6F175D3DCCD1}">
-              <a14:hiddenFill xmlns="" xmlns:a14="http://schemas.microsoft.com/office/drawing/2010/main">
+              <a14:hiddenFill xmlns:a14="http://schemas.microsoft.com/office/drawing/2010/main" xmlns="">
                 <a:solidFill>
                   <a:srgbClr val="FFFFFF"/>
                 </a:solidFill>
               </a14:hiddenFill>
             </a:ext>
             <a:ext uri="{91240B29-F687-4f45-9708-019B960494DF}">
-              <a14:hiddenLine xmlns="" xmlns:a14="http://schemas.microsoft.com/office/drawing/2010/main" w="9525">
+              <a14:hiddenLine xmlns:a14="http://schemas.microsoft.com/office/drawing/2010/main" xmlns="" w="9525">
                 <a:solidFill>
                   <a:srgbClr val="000000"/>
                 </a:solidFill>
@@ -32702,14 +37024,14 @@
           </a:ln>
           <a:extLst>
             <a:ext uri="{909E8E84-426E-40dd-AFC4-6F175D3DCCD1}">
-              <a14:hiddenFill xmlns="" xmlns:a14="http://schemas.microsoft.com/office/drawing/2010/main">
+              <a14:hiddenFill xmlns:a14="http://schemas.microsoft.com/office/drawing/2010/main" xmlns="">
                 <a:solidFill>
                   <a:srgbClr val="FFFFFF"/>
                 </a:solidFill>
               </a14:hiddenFill>
             </a:ext>
             <a:ext uri="{91240B29-F687-4f45-9708-019B960494DF}">
-              <a14:hiddenLine xmlns="" xmlns:a14="http://schemas.microsoft.com/office/drawing/2010/main" w="9525">
+              <a14:hiddenLine xmlns:a14="http://schemas.microsoft.com/office/drawing/2010/main" xmlns="" w="9525">
                 <a:solidFill>
                   <a:srgbClr val="000000"/>
                 </a:solidFill>
@@ -32847,36 +37169,36 @@
               </a:spcBef>
             </a:pPr>
             <a:r>
-              <a:rPr lang="en-US" sz="2000" b="1" dirty="0">
+              <a:rPr lang="en-US" sz="2000" dirty="0">
                 <a:cs typeface="Times New Roman" charset="0"/>
               </a:rPr>
               <a:t>SBN is a </a:t>
             </a:r>
             <a:r>
-              <a:rPr lang="en-US" sz="2000" b="1" dirty="0" err="1">
+              <a:rPr lang="en-US" sz="2000" dirty="0" err="1">
                 <a:cs typeface="Times New Roman" charset="0"/>
               </a:rPr>
               <a:t>cFS</a:t>
             </a:r>
             <a:r>
-              <a:rPr lang="en-US" sz="2000" b="1" dirty="0">
+              <a:rPr lang="en-US" sz="2000" dirty="0">
                 <a:cs typeface="Times New Roman" charset="0"/>
               </a:rPr>
               <a:t> application </a:t>
             </a:r>
             <a:r>
-              <a:rPr lang="en-US" sz="2000" b="1" dirty="0" smtClean="0">
+              <a:rPr lang="en-US" sz="2000" dirty="0" smtClean="0">
                 <a:cs typeface="Times New Roman" charset="0"/>
               </a:rPr>
               <a:t>that</a:t>
             </a:r>
             <a:r>
-              <a:rPr lang="mr-IN" sz="2000" b="1" dirty="0" smtClean="0">
+              <a:rPr lang="mr-IN" sz="2000" dirty="0" smtClean="0">
                 <a:cs typeface="Times New Roman" charset="0"/>
               </a:rPr>
               <a:t>…</a:t>
             </a:r>
-            <a:endParaRPr lang="en-US" sz="2000" b="1" dirty="0">
+            <a:endParaRPr lang="en-US" sz="2000" dirty="0">
               <a:cs typeface="Times New Roman" charset="0"/>
             </a:endParaRPr>
           </a:p>
@@ -32887,26 +37209,42 @@
               </a:spcBef>
             </a:pPr>
             <a:r>
-              <a:rPr lang="mr-IN" sz="2000" b="1" dirty="0" smtClean="0">
+              <a:rPr lang="mr-IN" sz="2000" dirty="0" smtClean="0">
                 <a:cs typeface="Times New Roman" charset="0"/>
               </a:rPr>
               <a:t>…</a:t>
             </a:r>
             <a:r>
-              <a:rPr lang="en-US" sz="2000" b="1" dirty="0" smtClean="0">
+              <a:rPr lang="en-US" sz="2000" dirty="0" smtClean="0">
                 <a:cs typeface="Times New Roman" charset="0"/>
               </a:rPr>
               <a:t>subscribes </a:t>
             </a:r>
             <a:r>
-              <a:rPr lang="en-US" sz="2000" b="1" dirty="0">
+              <a:rPr lang="en-US" sz="2000" dirty="0">
                 <a:cs typeface="Times New Roman" charset="0"/>
               </a:rPr>
               <a:t>to the </a:t>
             </a:r>
             <a:r>
+              <a:rPr lang="en-US" sz="2000" dirty="0"/>
+              <a:t>CFE_SB_</a:t>
+            </a:r>
+            <a:r>
               <a:rPr lang="en-US" sz="2000" b="1" dirty="0"/>
-              <a:t>CFE_SB_ALLSUBS_TLM_MID and sends a CFE_SB_SEND_PREV_SUBS_CC to receive all existing subscriptions at startup.</a:t>
+              <a:t>ALLSUBS</a:t>
+            </a:r>
+            <a:r>
+              <a:rPr lang="en-US" sz="2000" dirty="0"/>
+              <a:t>_TLM_MID and sends a CFE_SB_</a:t>
+            </a:r>
+            <a:r>
+              <a:rPr lang="en-US" sz="2000" b="1" dirty="0"/>
+              <a:t>SEND_PREV_SUBS</a:t>
+            </a:r>
+            <a:r>
+              <a:rPr lang="en-US" sz="2000" dirty="0"/>
+              <a:t>_CC to receive all existing subscriptions at startup.</a:t>
             </a:r>
           </a:p>
           <a:p>
@@ -32916,26 +37254,34 @@
               </a:spcBef>
             </a:pPr>
             <a:r>
-              <a:rPr lang="mr-IN" sz="2000" b="1" dirty="0" smtClean="0">
+              <a:rPr lang="mr-IN" sz="2000" dirty="0" smtClean="0">
                 <a:cs typeface="Times New Roman" charset="0"/>
               </a:rPr>
               <a:t>…</a:t>
             </a:r>
             <a:r>
-              <a:rPr lang="en-US" sz="2000" b="1" dirty="0" smtClean="0">
+              <a:rPr lang="en-US" sz="2000" dirty="0" smtClean="0">
                 <a:cs typeface="Times New Roman" charset="0"/>
               </a:rPr>
               <a:t>subscribes </a:t>
             </a:r>
             <a:r>
-              <a:rPr lang="en-US" sz="2000" b="1" dirty="0">
+              <a:rPr lang="en-US" sz="2000" dirty="0">
                 <a:cs typeface="Times New Roman" charset="0"/>
               </a:rPr>
               <a:t>to the </a:t>
             </a:r>
             <a:r>
+              <a:rPr lang="en-US" sz="2000" dirty="0"/>
+              <a:t>CFE_SB_</a:t>
+            </a:r>
+            <a:r>
               <a:rPr lang="en-US" sz="2000" b="1" dirty="0"/>
-              <a:t>CFE_SB_ONESUB_TLM_MID message that informs SBN when a local application has (un)subscribed.</a:t>
+              <a:t>ONESUB</a:t>
+            </a:r>
+            <a:r>
+              <a:rPr lang="en-US" sz="2000" dirty="0"/>
+              <a:t>_TLM_MID message that informs SBN when a local application has (un)subscribed.</a:t>
             </a:r>
           </a:p>
           <a:p>
@@ -32945,11 +37291,11 @@
               </a:spcBef>
             </a:pPr>
             <a:r>
-              <a:rPr lang="mr-IN" sz="2000" b="1" dirty="0" smtClean="0"/>
+              <a:rPr lang="mr-IN" sz="2000" dirty="0" smtClean="0"/>
               <a:t>…</a:t>
             </a:r>
             <a:r>
-              <a:rPr lang="en-US" sz="2000" b="1" dirty="0" smtClean="0"/>
+              <a:rPr lang="en-US" sz="2000" dirty="0" smtClean="0"/>
               <a:t>uses a task for each peer for receiving messages from the peer and publishing it on the local SB.</a:t>
             </a:r>
           </a:p>
@@ -32960,22 +37306,22 @@
               </a:spcBef>
             </a:pPr>
             <a:r>
-              <a:rPr lang="mr-IN" sz="2000" b="1" dirty="0" smtClean="0"/>
+              <a:rPr lang="mr-IN" sz="2000" dirty="0" smtClean="0"/>
               <a:t>…</a:t>
             </a:r>
             <a:r>
-              <a:rPr lang="en-US" sz="2000" b="1" dirty="0" smtClean="0"/>
+              <a:rPr lang="en-US" sz="2000" dirty="0" smtClean="0"/>
               <a:t>polls local pipes periodically (via </a:t>
             </a:r>
             <a:r>
-              <a:rPr lang="en-US" sz="2000" b="1" dirty="0"/>
+              <a:rPr lang="en-US" sz="2000" dirty="0"/>
               <a:t>SCH </a:t>
             </a:r>
             <a:r>
-              <a:rPr lang="en-US" sz="2000" b="1" dirty="0" smtClean="0"/>
+              <a:rPr lang="en-US" sz="2000" dirty="0" smtClean="0"/>
               <a:t>command and/or timeout) for messages to send out to peers.</a:t>
             </a:r>
-            <a:endParaRPr lang="en-US" sz="2000" b="1" dirty="0"/>
+            <a:endParaRPr lang="en-US" sz="2000" dirty="0"/>
           </a:p>
           <a:p>
             <a:pPr marL="0" indent="0" algn="l">
@@ -32984,19 +37330,19 @@
               </a:spcBef>
             </a:pPr>
             <a:r>
-              <a:rPr lang="en-US" sz="2000" b="1" dirty="0">
+              <a:rPr lang="en-US" sz="2000" dirty="0">
                 <a:cs typeface="Times New Roman" charset="0"/>
               </a:rPr>
               <a:t>.</a:t>
             </a:r>
             <a:r>
-              <a:rPr lang="en-US" sz="2000" b="1" dirty="0" smtClean="0">
+              <a:rPr lang="en-US" sz="2000" dirty="0" smtClean="0">
                 <a:cs typeface="Times New Roman" charset="0"/>
               </a:rPr>
               <a:t>..Ensures </a:t>
             </a:r>
             <a:r>
-              <a:rPr lang="en-US" sz="2000" b="1" dirty="0">
+              <a:rPr lang="en-US" sz="2000" dirty="0">
                 <a:cs typeface="Times New Roman" charset="0"/>
               </a:rPr>
               <a:t>all SBN and CCSDS headers are big-endian over the wire.</a:t>
@@ -33023,7 +37369,7 @@
               <a:defRPr/>
             </a:pPr>
             <a:fld id="{B90418B6-1B50-F34D-B458-B7530561AB98}" type="datetime1">
-              <a:t>11/16/16</a:t>
+              <a:t>12/11/16</a:t>
             </a:fld>
             <a:endParaRPr lang="en-US"/>
           </a:p>
@@ -33099,14 +37445,14 @@
           <a:ln/>
           <a:extLst>
             <a:ext uri="{909E8E84-426E-40dd-AFC4-6F175D3DCCD1}">
-              <a14:hiddenFill xmlns="" xmlns:a14="http://schemas.microsoft.com/office/drawing/2010/main">
+              <a14:hiddenFill xmlns:a14="http://schemas.microsoft.com/office/drawing/2010/main" xmlns="">
                 <a:solidFill>
                   <a:srgbClr val="FFFFFF"/>
                 </a:solidFill>
               </a14:hiddenFill>
             </a:ext>
             <a:ext uri="{91240B29-F687-4f45-9708-019B960494DF}">
-              <a14:hiddenLine xmlns="" xmlns:a14="http://schemas.microsoft.com/office/drawing/2010/main" w="9525">
+              <a14:hiddenLine xmlns:a14="http://schemas.microsoft.com/office/drawing/2010/main" xmlns="" w="9525">
                 <a:solidFill>
                   <a:srgbClr val="000000"/>
                 </a:solidFill>
@@ -33268,14 +37614,14 @@
           </a:ln>
           <a:extLst>
             <a:ext uri="{909E8E84-426E-40dd-AFC4-6F175D3DCCD1}">
-              <a14:hiddenFill xmlns="" xmlns:a14="http://schemas.microsoft.com/office/drawing/2010/main">
+              <a14:hiddenFill xmlns:a14="http://schemas.microsoft.com/office/drawing/2010/main" xmlns="">
                 <a:solidFill>
                   <a:srgbClr val="FFFFFF"/>
                 </a:solidFill>
               </a14:hiddenFill>
             </a:ext>
             <a:ext uri="{91240B29-F687-4f45-9708-019B960494DF}">
-              <a14:hiddenLine xmlns="" xmlns:a14="http://schemas.microsoft.com/office/drawing/2010/main" w="9525">
+              <a14:hiddenLine xmlns:a14="http://schemas.microsoft.com/office/drawing/2010/main" xmlns="" w="9525">
                 <a:solidFill>
                   <a:srgbClr val="000000"/>
                 </a:solidFill>
@@ -33485,7 +37831,7 @@
               <a:defRPr/>
             </a:pPr>
             <a:fld id="{05B289AB-880F-764B-B46B-97A10573CB72}" type="datetime1">
-              <a:t>11/16/16</a:t>
+              <a:t>12/11/16</a:t>
             </a:fld>
             <a:endParaRPr lang="en-US"/>
           </a:p>
@@ -33525,14 +37871,14 @@
           <p:nvPr>
             <p:extLst>
               <p:ext uri="{D42A27DB-BD31-4B8C-83A1-F6EECF244321}">
-                <p14:modId xmlns:p14="http://schemas.microsoft.com/office/powerpoint/2010/main" val="1514323257"/>
+                <p14:modId xmlns:p14="http://schemas.microsoft.com/office/powerpoint/2010/main" val="1264817296"/>
               </p:ext>
             </p:extLst>
           </p:nvPr>
         </p:nvGraphicFramePr>
         <p:xfrm>
-          <a:off x="552691" y="1236835"/>
-          <a:ext cx="8063870" cy="3448223"/>
+          <a:off x="552691" y="1090714"/>
+          <a:ext cx="8063870" cy="4801812"/>
         </p:xfrm>
         <a:graphic>
           <a:graphicData uri="http://schemas.openxmlformats.org/drawingml/2006/table">
@@ -33695,18 +38041,30 @@
                         <a:defRPr/>
                       </a:pPr>
                       <a:r>
-                        <a:rPr lang="en-US" sz="1600" b="0">
+                        <a:rPr lang="en-US" sz="1600" b="0" dirty="0">
                           <a:cs typeface="Times New Roman" charset="0"/>
                         </a:rPr>
                         <a:t>Chatty protocol of announcing</a:t>
                       </a:r>
                       <a:r>
-                        <a:rPr lang="en-US" sz="1600" b="0" baseline="0">
+                        <a:rPr lang="en-US" sz="1600" b="0" baseline="0" dirty="0">
                           <a:cs typeface="Times New Roman" charset="0"/>
                         </a:rPr>
-                        <a:t> and heartbeating.</a:t>
+                        <a:t> and </a:t>
                       </a:r>
-                      <a:endParaRPr lang="en-US" sz="1600" b="0">
+                      <a:r>
+                        <a:rPr lang="en-US" sz="1600" b="0" baseline="0" dirty="0" err="1">
+                          <a:cs typeface="Times New Roman" charset="0"/>
+                        </a:rPr>
+                        <a:t>heartbeating</a:t>
+                      </a:r>
+                      <a:r>
+                        <a:rPr lang="en-US" sz="1600" b="0" baseline="0" dirty="0" smtClean="0">
+                          <a:cs typeface="Times New Roman" charset="0"/>
+                        </a:rPr>
+                        <a:t>. Need for all net types?</a:t>
+                      </a:r>
+                      <a:endParaRPr lang="en-US" sz="1600" b="0" dirty="0">
                         <a:cs typeface="Times New Roman" charset="0"/>
                       </a:endParaRPr>
                     </a:p>
@@ -33759,14 +38117,30 @@
                     <a:lstStyle/>
                     <a:p>
                       <a:r>
-                        <a:rPr lang="en-US" sz="1600" b="0"/>
-                        <a:t>Push protocol chatter</a:t>
+                        <a:rPr lang="en-US" sz="1600" b="0" dirty="0" smtClean="0"/>
+                        <a:t>Improvements</a:t>
                       </a:r>
                       <a:r>
-                        <a:rPr lang="en-US" sz="1600" b="0" baseline="0"/>
-                        <a:t> down to modules.</a:t>
+                        <a:rPr lang="en-US" sz="1600" b="0" baseline="0" dirty="0" smtClean="0"/>
+                        <a:t> already implemented. P</a:t>
                       </a:r>
-                      <a:endParaRPr lang="en-US" sz="1600" b="0"/>
+                      <a:r>
+                        <a:rPr lang="en-US" sz="1600" b="0" dirty="0" smtClean="0"/>
+                        <a:t>ush </a:t>
+                      </a:r>
+                      <a:r>
+                        <a:rPr lang="en-US" sz="1600" b="0" dirty="0"/>
+                        <a:t>protocol chatter</a:t>
+                      </a:r>
+                      <a:r>
+                        <a:rPr lang="en-US" sz="1600" b="0" baseline="0" dirty="0"/>
+                        <a:t> down to </a:t>
+                      </a:r>
+                      <a:r>
+                        <a:rPr lang="en-US" sz="1600" b="0" baseline="0" dirty="0" smtClean="0"/>
+                        <a:t>modules?</a:t>
+                      </a:r>
+                      <a:endParaRPr lang="en-US" sz="1600" b="0" dirty="0"/>
                     </a:p>
                   </a:txBody>
                   <a:tcPr>
@@ -33903,14 +38277,14 @@
                     <a:lstStyle/>
                     <a:p>
                       <a:r>
-                        <a:rPr lang="en-US" sz="1600" b="0"/>
+                        <a:rPr lang="en-US" sz="1600" b="0" dirty="0"/>
                         <a:t>Develop forwarding/routing architecture,</a:t>
                       </a:r>
                       <a:r>
-                        <a:rPr lang="en-US" sz="1600" b="0" baseline="0"/>
+                        <a:rPr lang="en-US" sz="1600" b="0" baseline="0" dirty="0"/>
                         <a:t> or develop/integrate separate app (CI/TO?)</a:t>
                       </a:r>
-                      <a:endParaRPr lang="en-US" sz="1600" b="0"/>
+                      <a:endParaRPr lang="en-US" sz="1600" b="0" dirty="0"/>
                     </a:p>
                   </a:txBody>
                   <a:tcPr>
@@ -34053,14 +38427,18 @@
                     <a:lstStyle/>
                     <a:p>
                       <a:r>
-                        <a:rPr lang="en-US" sz="1600" b="0"/>
-                        <a:t>I</a:t>
+                        <a:rPr lang="en-US" sz="1600" b="0" dirty="0" smtClean="0"/>
+                        <a:t>Leverage remapping/filtering. I</a:t>
                       </a:r>
                       <a:r>
-                        <a:rPr lang="en-US" sz="1600" b="0" baseline="0"/>
-                        <a:t>ncrease SB limits. Investigate impacts.</a:t>
+                        <a:rPr lang="en-US" sz="1600" b="0" baseline="0" dirty="0" smtClean="0"/>
+                        <a:t>ncrease </a:t>
                       </a:r>
-                      <a:endParaRPr lang="en-US" sz="1600" b="0"/>
+                      <a:r>
+                        <a:rPr lang="en-US" sz="1600" b="0" baseline="0" dirty="0"/>
+                        <a:t>SB limits. Investigate impacts.</a:t>
+                      </a:r>
+                      <a:endParaRPr lang="en-US" sz="1600" b="0" dirty="0"/>
                     </a:p>
                   </a:txBody>
                   <a:tcPr>
@@ -34106,7 +38484,7 @@
                   </a:tcPr>
                 </a:tc>
               </a:tr>
-              <a:tr h="962891">
+              <a:tr h="0">
                 <a:tc>
                   <a:txBody>
                     <a:bodyPr/>
@@ -34130,19 +38508,19 @@
                         <a:defRPr/>
                       </a:pPr>
                       <a:r>
-                        <a:rPr lang="en-US" sz="1600" b="0">
+                        <a:rPr lang="en-US" sz="1600" b="0" dirty="0">
                           <a:cs typeface="Times New Roman" charset="0"/>
                         </a:rPr>
                         <a:t>SBN subscribes to all MIDs of all</a:t>
                       </a:r>
                       <a:r>
-                        <a:rPr lang="en-US" sz="1600" b="0" baseline="0">
+                        <a:rPr lang="en-US" sz="1600" b="0" baseline="0" dirty="0">
                           <a:cs typeface="Times New Roman" charset="0"/>
                         </a:rPr>
                         <a:t> other subs, plus subs for all peers</a:t>
                       </a:r>
                       <a:r>
-                        <a:rPr lang="en-US" sz="1600" b="0">
+                        <a:rPr lang="en-US" sz="1600" b="0" dirty="0">
                           <a:cs typeface="Times New Roman" charset="0"/>
                         </a:rPr>
                         <a:t>.</a:t>
@@ -34202,7 +38580,432 @@
                       </a:r>
                       <a:r>
                         <a:rPr lang="en-US" sz="1600" b="0" baseline="0" dirty="0"/>
-                        <a:t> limits, develop filtering to limit subs for peers, “subscribe all” to receive all SB messages (need deep pipe.)</a:t>
+                        <a:t> limits, </a:t>
+                      </a:r>
+                      <a:r>
+                        <a:rPr lang="en-US" sz="1600" b="0" baseline="0" dirty="0" smtClean="0"/>
+                        <a:t>leverage filtering </a:t>
+                      </a:r>
+                      <a:r>
+                        <a:rPr lang="en-US" sz="1600" b="0" baseline="0" dirty="0"/>
+                        <a:t>to limit subs for </a:t>
+                      </a:r>
+                      <a:r>
+                        <a:rPr lang="en-US" sz="1600" b="0" baseline="0" dirty="0" smtClean="0"/>
+                        <a:t>peers.</a:t>
+                      </a:r>
+                      <a:endParaRPr lang="en-US" sz="1600" b="0" dirty="0"/>
+                    </a:p>
+                  </a:txBody>
+                  <a:tcPr>
+                    <a:lnL w="12700" cap="flat" cmpd="sng" algn="ctr">
+                      <a:solidFill>
+                        <a:scrgbClr r="0" g="0" b="0"/>
+                      </a:solidFill>
+                      <a:prstDash val="solid"/>
+                      <a:round/>
+                      <a:headEnd type="none" w="med" len="med"/>
+                      <a:tailEnd type="none" w="med" len="med"/>
+                    </a:lnL>
+                    <a:lnR w="12700" cap="flat" cmpd="sng" algn="ctr">
+                      <a:solidFill>
+                        <a:scrgbClr r="0" g="0" b="0"/>
+                      </a:solidFill>
+                      <a:prstDash val="solid"/>
+                      <a:round/>
+                      <a:headEnd type="none" w="med" len="med"/>
+                      <a:tailEnd type="none" w="med" len="med"/>
+                    </a:lnR>
+                    <a:lnT w="12700" cap="flat" cmpd="sng" algn="ctr">
+                      <a:solidFill>
+                        <a:scrgbClr r="0" g="0" b="0"/>
+                      </a:solidFill>
+                      <a:prstDash val="solid"/>
+                      <a:round/>
+                      <a:headEnd type="none" w="med" len="med"/>
+                      <a:tailEnd type="none" w="med" len="med"/>
+                    </a:lnT>
+                    <a:lnB w="12700" cap="flat" cmpd="sng" algn="ctr">
+                      <a:solidFill>
+                        <a:scrgbClr r="0" g="0" b="0"/>
+                      </a:solidFill>
+                      <a:prstDash val="solid"/>
+                      <a:round/>
+                      <a:headEnd type="none" w="med" len="med"/>
+                      <a:tailEnd type="none" w="med" len="med"/>
+                    </a:lnB>
+                    <a:solidFill>
+                      <a:schemeClr val="bg1"/>
+                    </a:solidFill>
+                  </a:tcPr>
+                </a:tc>
+              </a:tr>
+              <a:tr h="566564">
+                <a:tc>
+                  <a:txBody>
+                    <a:bodyPr/>
+                    <a:lstStyle/>
+                    <a:p>
+                      <a:pPr marL="0" marR="0" indent="0" algn="l" defTabSz="457200" rtl="0" eaLnBrk="1" fontAlgn="auto" latinLnBrk="0" hangingPunct="1">
+                        <a:lnSpc>
+                          <a:spcPct val="100000"/>
+                        </a:lnSpc>
+                        <a:spcBef>
+                          <a:spcPts val="0"/>
+                        </a:spcBef>
+                        <a:spcAft>
+                          <a:spcPts val="0"/>
+                        </a:spcAft>
+                        <a:buClrTx/>
+                        <a:buSzTx/>
+                        <a:buFontTx/>
+                        <a:buNone/>
+                        <a:tabLst/>
+                        <a:defRPr/>
+                      </a:pPr>
+                      <a:r>
+                        <a:rPr lang="en-US" sz="1600" b="0" dirty="0" smtClean="0">
+                          <a:cs typeface="Times New Roman" charset="0"/>
+                        </a:rPr>
+                        <a:t>SBN provides no guarantee of delivery.</a:t>
+                      </a:r>
+                      <a:endParaRPr lang="en-US" sz="1600" b="0" dirty="0">
+                        <a:cs typeface="Times New Roman" charset="0"/>
+                      </a:endParaRPr>
+                    </a:p>
+                  </a:txBody>
+                  <a:tcPr>
+                    <a:lnL w="12700" cap="flat" cmpd="sng" algn="ctr">
+                      <a:solidFill>
+                        <a:scrgbClr r="0" g="0" b="0"/>
+                      </a:solidFill>
+                      <a:prstDash val="solid"/>
+                      <a:round/>
+                      <a:headEnd type="none" w="med" len="med"/>
+                      <a:tailEnd type="none" w="med" len="med"/>
+                    </a:lnL>
+                    <a:lnR w="12700" cap="flat" cmpd="sng" algn="ctr">
+                      <a:solidFill>
+                        <a:scrgbClr r="0" g="0" b="0"/>
+                      </a:solidFill>
+                      <a:prstDash val="solid"/>
+                      <a:round/>
+                      <a:headEnd type="none" w="med" len="med"/>
+                      <a:tailEnd type="none" w="med" len="med"/>
+                    </a:lnR>
+                    <a:lnT w="12700" cap="flat" cmpd="sng" algn="ctr">
+                      <a:solidFill>
+                        <a:scrgbClr r="0" g="0" b="0"/>
+                      </a:solidFill>
+                      <a:prstDash val="solid"/>
+                      <a:round/>
+                      <a:headEnd type="none" w="med" len="med"/>
+                      <a:tailEnd type="none" w="med" len="med"/>
+                    </a:lnT>
+                    <a:lnB w="12700" cap="flat" cmpd="sng" algn="ctr">
+                      <a:solidFill>
+                        <a:scrgbClr r="0" g="0" b="0"/>
+                      </a:solidFill>
+                      <a:prstDash val="solid"/>
+                      <a:round/>
+                      <a:headEnd type="none" w="med" len="med"/>
+                      <a:tailEnd type="none" w="med" len="med"/>
+                    </a:lnB>
+                    <a:solidFill>
+                      <a:schemeClr val="bg1"/>
+                    </a:solidFill>
+                  </a:tcPr>
+                </a:tc>
+                <a:tc>
+                  <a:txBody>
+                    <a:bodyPr/>
+                    <a:lstStyle/>
+                    <a:p>
+                      <a:r>
+                        <a:rPr lang="en-US" sz="1600" b="0" dirty="0" smtClean="0"/>
+                        <a:t>Use TCP, or (re)add</a:t>
+                      </a:r>
+                      <a:r>
+                        <a:rPr lang="en-US" sz="1600" b="0" baseline="0" dirty="0" smtClean="0"/>
+                        <a:t> a guarantee of delivery windowing logic.</a:t>
+                      </a:r>
+                      <a:endParaRPr lang="en-US" sz="1600" b="0" dirty="0"/>
+                    </a:p>
+                  </a:txBody>
+                  <a:tcPr>
+                    <a:lnL w="12700" cap="flat" cmpd="sng" algn="ctr">
+                      <a:solidFill>
+                        <a:scrgbClr r="0" g="0" b="0"/>
+                      </a:solidFill>
+                      <a:prstDash val="solid"/>
+                      <a:round/>
+                      <a:headEnd type="none" w="med" len="med"/>
+                      <a:tailEnd type="none" w="med" len="med"/>
+                    </a:lnL>
+                    <a:lnR w="12700" cap="flat" cmpd="sng" algn="ctr">
+                      <a:solidFill>
+                        <a:scrgbClr r="0" g="0" b="0"/>
+                      </a:solidFill>
+                      <a:prstDash val="solid"/>
+                      <a:round/>
+                      <a:headEnd type="none" w="med" len="med"/>
+                      <a:tailEnd type="none" w="med" len="med"/>
+                    </a:lnR>
+                    <a:lnT w="12700" cap="flat" cmpd="sng" algn="ctr">
+                      <a:solidFill>
+                        <a:scrgbClr r="0" g="0" b="0"/>
+                      </a:solidFill>
+                      <a:prstDash val="solid"/>
+                      <a:round/>
+                      <a:headEnd type="none" w="med" len="med"/>
+                      <a:tailEnd type="none" w="med" len="med"/>
+                    </a:lnT>
+                    <a:lnB w="12700" cap="flat" cmpd="sng" algn="ctr">
+                      <a:solidFill>
+                        <a:scrgbClr r="0" g="0" b="0"/>
+                      </a:solidFill>
+                      <a:prstDash val="solid"/>
+                      <a:round/>
+                      <a:headEnd type="none" w="med" len="med"/>
+                      <a:tailEnd type="none" w="med" len="med"/>
+                    </a:lnB>
+                    <a:solidFill>
+                      <a:schemeClr val="bg1"/>
+                    </a:solidFill>
+                  </a:tcPr>
+                </a:tc>
+              </a:tr>
+              <a:tr h="432998">
+                <a:tc>
+                  <a:txBody>
+                    <a:bodyPr/>
+                    <a:lstStyle/>
+                    <a:p>
+                      <a:pPr marL="0" marR="0" indent="0" algn="l" defTabSz="457200" rtl="0" eaLnBrk="1" fontAlgn="auto" latinLnBrk="0" hangingPunct="1">
+                        <a:lnSpc>
+                          <a:spcPct val="100000"/>
+                        </a:lnSpc>
+                        <a:spcBef>
+                          <a:spcPts val="0"/>
+                        </a:spcBef>
+                        <a:spcAft>
+                          <a:spcPts val="0"/>
+                        </a:spcAft>
+                        <a:buClrTx/>
+                        <a:buSzTx/>
+                        <a:buFontTx/>
+                        <a:buNone/>
+                        <a:tabLst/>
+                        <a:defRPr/>
+                      </a:pPr>
+                      <a:r>
+                        <a:rPr lang="en-US" sz="1600" b="0" dirty="0" smtClean="0">
+                          <a:cs typeface="Times New Roman" charset="0"/>
+                        </a:rPr>
+                        <a:t>SBN “polls” network connections</a:t>
+                      </a:r>
+                      <a:r>
+                        <a:rPr lang="en-US" sz="1600" b="0" baseline="0" dirty="0" smtClean="0">
+                          <a:cs typeface="Times New Roman" charset="0"/>
+                        </a:rPr>
+                        <a:t> set in NO_WAIT, per SCH wakeup.</a:t>
+                      </a:r>
+                      <a:endParaRPr lang="en-US" sz="1600" b="0" dirty="0">
+                        <a:cs typeface="Times New Roman" charset="0"/>
+                      </a:endParaRPr>
+                    </a:p>
+                  </a:txBody>
+                  <a:tcPr>
+                    <a:lnL w="12700" cap="flat" cmpd="sng" algn="ctr">
+                      <a:solidFill>
+                        <a:scrgbClr r="0" g="0" b="0"/>
+                      </a:solidFill>
+                      <a:prstDash val="solid"/>
+                      <a:round/>
+                      <a:headEnd type="none" w="med" len="med"/>
+                      <a:tailEnd type="none" w="med" len="med"/>
+                    </a:lnL>
+                    <a:lnR w="12700" cap="flat" cmpd="sng" algn="ctr">
+                      <a:solidFill>
+                        <a:scrgbClr r="0" g="0" b="0"/>
+                      </a:solidFill>
+                      <a:prstDash val="solid"/>
+                      <a:round/>
+                      <a:headEnd type="none" w="med" len="med"/>
+                      <a:tailEnd type="none" w="med" len="med"/>
+                    </a:lnR>
+                    <a:lnT w="12700" cap="flat" cmpd="sng" algn="ctr">
+                      <a:solidFill>
+                        <a:scrgbClr r="0" g="0" b="0"/>
+                      </a:solidFill>
+                      <a:prstDash val="solid"/>
+                      <a:round/>
+                      <a:headEnd type="none" w="med" len="med"/>
+                      <a:tailEnd type="none" w="med" len="med"/>
+                    </a:lnT>
+                    <a:lnB w="12700" cap="flat" cmpd="sng" algn="ctr">
+                      <a:solidFill>
+                        <a:scrgbClr r="0" g="0" b="0"/>
+                      </a:solidFill>
+                      <a:prstDash val="solid"/>
+                      <a:round/>
+                      <a:headEnd type="none" w="med" len="med"/>
+                      <a:tailEnd type="none" w="med" len="med"/>
+                    </a:lnB>
+                    <a:solidFill>
+                      <a:schemeClr val="bg1"/>
+                    </a:solidFill>
+                  </a:tcPr>
+                </a:tc>
+                <a:tc>
+                  <a:txBody>
+                    <a:bodyPr/>
+                    <a:lstStyle/>
+                    <a:p>
+                      <a:r>
+                        <a:rPr lang="en-US" sz="1600" b="0" dirty="0" smtClean="0"/>
+                        <a:t>Task-based</a:t>
+                      </a:r>
+                      <a:r>
+                        <a:rPr lang="en-US" sz="1600" b="0" baseline="0" dirty="0" smtClean="0"/>
+                        <a:t> SBN implemented but not merged (wise for RT?) Could use select().</a:t>
+                      </a:r>
+                      <a:endParaRPr lang="en-US" sz="1600" b="0" dirty="0"/>
+                    </a:p>
+                  </a:txBody>
+                  <a:tcPr>
+                    <a:lnL w="12700" cap="flat" cmpd="sng" algn="ctr">
+                      <a:solidFill>
+                        <a:scrgbClr r="0" g="0" b="0"/>
+                      </a:solidFill>
+                      <a:prstDash val="solid"/>
+                      <a:round/>
+                      <a:headEnd type="none" w="med" len="med"/>
+                      <a:tailEnd type="none" w="med" len="med"/>
+                    </a:lnL>
+                    <a:lnR w="12700" cap="flat" cmpd="sng" algn="ctr">
+                      <a:solidFill>
+                        <a:scrgbClr r="0" g="0" b="0"/>
+                      </a:solidFill>
+                      <a:prstDash val="solid"/>
+                      <a:round/>
+                      <a:headEnd type="none" w="med" len="med"/>
+                      <a:tailEnd type="none" w="med" len="med"/>
+                    </a:lnR>
+                    <a:lnT w="12700" cap="flat" cmpd="sng" algn="ctr">
+                      <a:solidFill>
+                        <a:scrgbClr r="0" g="0" b="0"/>
+                      </a:solidFill>
+                      <a:prstDash val="solid"/>
+                      <a:round/>
+                      <a:headEnd type="none" w="med" len="med"/>
+                      <a:tailEnd type="none" w="med" len="med"/>
+                    </a:lnT>
+                    <a:lnB w="12700" cap="flat" cmpd="sng" algn="ctr">
+                      <a:solidFill>
+                        <a:scrgbClr r="0" g="0" b="0"/>
+                      </a:solidFill>
+                      <a:prstDash val="solid"/>
+                      <a:round/>
+                      <a:headEnd type="none" w="med" len="med"/>
+                      <a:tailEnd type="none" w="med" len="med"/>
+                    </a:lnB>
+                    <a:solidFill>
+                      <a:schemeClr val="bg1"/>
+                    </a:solidFill>
+                  </a:tcPr>
+                </a:tc>
+              </a:tr>
+              <a:tr h="432998">
+                <a:tc>
+                  <a:txBody>
+                    <a:bodyPr/>
+                    <a:lstStyle/>
+                    <a:p>
+                      <a:pPr marL="0" marR="0" indent="0" algn="l" defTabSz="457200" rtl="0" eaLnBrk="1" fontAlgn="auto" latinLnBrk="0" hangingPunct="1">
+                        <a:lnSpc>
+                          <a:spcPct val="100000"/>
+                        </a:lnSpc>
+                        <a:spcBef>
+                          <a:spcPts val="0"/>
+                        </a:spcBef>
+                        <a:spcAft>
+                          <a:spcPts val="0"/>
+                        </a:spcAft>
+                        <a:buClrTx/>
+                        <a:buSzTx/>
+                        <a:buFontTx/>
+                        <a:buNone/>
+                        <a:tabLst/>
+                        <a:defRPr/>
+                      </a:pPr>
+                      <a:r>
+                        <a:rPr lang="en-US" sz="1600" b="0" dirty="0" smtClean="0">
+                          <a:cs typeface="Times New Roman" charset="0"/>
+                        </a:rPr>
+                        <a:t>SBN connections</a:t>
+                      </a:r>
+                      <a:r>
+                        <a:rPr lang="en-US" sz="1600" b="0" baseline="0" dirty="0" smtClean="0">
+                          <a:cs typeface="Times New Roman" charset="0"/>
+                        </a:rPr>
+                        <a:t> defined at start time.</a:t>
+                      </a:r>
+                      <a:endParaRPr lang="en-US" sz="1600" b="0" dirty="0">
+                        <a:cs typeface="Times New Roman" charset="0"/>
+                      </a:endParaRPr>
+                    </a:p>
+                  </a:txBody>
+                  <a:tcPr>
+                    <a:lnL w="12700" cap="flat" cmpd="sng" algn="ctr">
+                      <a:solidFill>
+                        <a:scrgbClr r="0" g="0" b="0"/>
+                      </a:solidFill>
+                      <a:prstDash val="solid"/>
+                      <a:round/>
+                      <a:headEnd type="none" w="med" len="med"/>
+                      <a:tailEnd type="none" w="med" len="med"/>
+                    </a:lnL>
+                    <a:lnR w="12700" cap="flat" cmpd="sng" algn="ctr">
+                      <a:solidFill>
+                        <a:scrgbClr r="0" g="0" b="0"/>
+                      </a:solidFill>
+                      <a:prstDash val="solid"/>
+                      <a:round/>
+                      <a:headEnd type="none" w="med" len="med"/>
+                      <a:tailEnd type="none" w="med" len="med"/>
+                    </a:lnR>
+                    <a:lnT w="12700" cap="flat" cmpd="sng" algn="ctr">
+                      <a:solidFill>
+                        <a:scrgbClr r="0" g="0" b="0"/>
+                      </a:solidFill>
+                      <a:prstDash val="solid"/>
+                      <a:round/>
+                      <a:headEnd type="none" w="med" len="med"/>
+                      <a:tailEnd type="none" w="med" len="med"/>
+                    </a:lnT>
+                    <a:lnB w="12700" cap="flat" cmpd="sng" algn="ctr">
+                      <a:solidFill>
+                        <a:scrgbClr r="0" g="0" b="0"/>
+                      </a:solidFill>
+                      <a:prstDash val="solid"/>
+                      <a:round/>
+                      <a:headEnd type="none" w="med" len="med"/>
+                      <a:tailEnd type="none" w="med" len="med"/>
+                    </a:lnB>
+                    <a:solidFill>
+                      <a:schemeClr val="bg1"/>
+                    </a:solidFill>
+                  </a:tcPr>
+                </a:tc>
+                <a:tc>
+                  <a:txBody>
+                    <a:bodyPr/>
+                    <a:lstStyle/>
+                    <a:p>
+                      <a:r>
+                        <a:rPr lang="en-US" sz="1600" b="0" dirty="0" smtClean="0"/>
+                        <a:t>Allow for command-driven network configuration?</a:t>
                       </a:r>
                       <a:endParaRPr lang="en-US" sz="1600" b="0" dirty="0"/>
                     </a:p>
@@ -34370,14 +39173,14 @@
           </a:ln>
           <a:extLst>
             <a:ext uri="{909E8E84-426E-40dd-AFC4-6F175D3DCCD1}">
-              <a14:hiddenFill xmlns="" xmlns:a14="http://schemas.microsoft.com/office/drawing/2010/main">
+              <a14:hiddenFill xmlns:a14="http://schemas.microsoft.com/office/drawing/2010/main" xmlns="">
                 <a:solidFill>
                   <a:srgbClr val="FFFFFF"/>
                 </a:solidFill>
               </a14:hiddenFill>
             </a:ext>
             <a:ext uri="{91240B29-F687-4f45-9708-019B960494DF}">
-              <a14:hiddenLine xmlns="" xmlns:a14="http://schemas.microsoft.com/office/drawing/2010/main" w="9525">
+              <a14:hiddenLine xmlns:a14="http://schemas.microsoft.com/office/drawing/2010/main" xmlns="" w="9525">
                 <a:solidFill>
                   <a:srgbClr val="000000"/>
                 </a:solidFill>
@@ -34570,7 +39373,7 @@
           </a:ln>
           <a:extLst>
             <a:ext uri="{909E8E84-426E-40dd-AFC4-6F175D3DCCD1}">
-              <a14:hiddenFill xmlns="" xmlns:a14="http://schemas.microsoft.com/office/drawing/2010/main">
+              <a14:hiddenFill xmlns:a14="http://schemas.microsoft.com/office/drawing/2010/main" xmlns="">
                 <a:noFill/>
               </a14:hiddenFill>
             </a:ext>
@@ -34801,7 +39604,7 @@
               <a:defRPr/>
             </a:pPr>
             <a:fld id="{E4B56D29-4AFD-2543-B780-B0364A4E64D6}" type="datetime1">
-              <a:t>11/16/16</a:t>
+              <a:t>12/11/16</a:t>
             </a:fld>
             <a:endParaRPr lang="en-US"/>
           </a:p>
@@ -34847,14 +39650,14 @@
           <a:ln/>
           <a:extLst>
             <a:ext uri="{909E8E84-426E-40dd-AFC4-6F175D3DCCD1}">
-              <a14:hiddenFill xmlns="" xmlns:a14="http://schemas.microsoft.com/office/drawing/2010/main">
+              <a14:hiddenFill xmlns:a14="http://schemas.microsoft.com/office/drawing/2010/main" xmlns="">
                 <a:solidFill>
                   <a:srgbClr val="FFFFFF"/>
                 </a:solidFill>
               </a14:hiddenFill>
             </a:ext>
             <a:ext uri="{91240B29-F687-4f45-9708-019B960494DF}">
-              <a14:hiddenLine xmlns="" xmlns:a14="http://schemas.microsoft.com/office/drawing/2010/main" w="9525">
+              <a14:hiddenLine xmlns:a14="http://schemas.microsoft.com/office/drawing/2010/main" xmlns="" w="9525">
                 <a:solidFill>
                   <a:srgbClr val="000000"/>
                 </a:solidFill>
@@ -36359,14 +41162,14 @@
           <a:ln/>
           <a:extLst>
             <a:ext uri="{909E8E84-426E-40dd-AFC4-6F175D3DCCD1}">
-              <a14:hiddenFill xmlns="" xmlns:a14="http://schemas.microsoft.com/office/drawing/2010/main">
+              <a14:hiddenFill xmlns:a14="http://schemas.microsoft.com/office/drawing/2010/main" xmlns="">
                 <a:solidFill>
                   <a:srgbClr val="FFFFFF"/>
                 </a:solidFill>
               </a14:hiddenFill>
             </a:ext>
             <a:ext uri="{91240B29-F687-4f45-9708-019B960494DF}">
-              <a14:hiddenLine xmlns="" xmlns:a14="http://schemas.microsoft.com/office/drawing/2010/main" w="9525">
+              <a14:hiddenLine xmlns:a14="http://schemas.microsoft.com/office/drawing/2010/main" xmlns="" w="9525">
                 <a:solidFill>
                   <a:srgbClr val="000000"/>
                 </a:solidFill>
@@ -36525,7 +41328,7 @@
               <a:defRPr/>
             </a:pPr>
             <a:fld id="{B58AE35B-4B8A-B14C-A608-7A3AEEBA245B}" type="datetime1">
-              <a:t>11/16/16</a:t>
+              <a:t>12/11/16</a:t>
             </a:fld>
             <a:endParaRPr lang="en-US"/>
           </a:p>
@@ -38656,14 +43459,14 @@
           <a:ln/>
           <a:extLst>
             <a:ext uri="{909E8E84-426E-40dd-AFC4-6F175D3DCCD1}">
-              <a14:hiddenFill xmlns="" xmlns:a14="http://schemas.microsoft.com/office/drawing/2010/main">
+              <a14:hiddenFill xmlns:a14="http://schemas.microsoft.com/office/drawing/2010/main" xmlns="">
                 <a:solidFill>
                   <a:srgbClr val="FFFFFF"/>
                 </a:solidFill>
               </a14:hiddenFill>
             </a:ext>
             <a:ext uri="{91240B29-F687-4f45-9708-019B960494DF}">
-              <a14:hiddenLine xmlns="" xmlns:a14="http://schemas.microsoft.com/office/drawing/2010/main" w="9525">
+              <a14:hiddenLine xmlns:a14="http://schemas.microsoft.com/office/drawing/2010/main" xmlns="" w="9525">
                 <a:solidFill>
                   <a:srgbClr val="000000"/>
                 </a:solidFill>
@@ -38822,7 +43625,7 @@
               <a:defRPr/>
             </a:pPr>
             <a:fld id="{B58AE35B-4B8A-B14C-A608-7A3AEEBA245B}" type="datetime1">
-              <a:t>11/16/16</a:t>
+              <a:t>12/11/16</a:t>
             </a:fld>
             <a:endParaRPr lang="en-US"/>
           </a:p>
@@ -40737,14 +45540,14 @@
           <a:effectLst/>
           <a:extLst>
             <a:ext uri="{909E8E84-426E-40dd-AFC4-6F175D3DCCD1}">
-              <a14:hiddenFill xmlns="" xmlns:a14="http://schemas.microsoft.com/office/drawing/2010/main">
+              <a14:hiddenFill xmlns:a14="http://schemas.microsoft.com/office/drawing/2010/main" xmlns="">
                 <a:solidFill>
                   <a:srgbClr val="FFFFFF"/>
                 </a:solidFill>
               </a14:hiddenFill>
             </a:ext>
             <a:ext uri="{91240B29-F687-4f45-9708-019B960494DF}">
-              <a14:hiddenLine xmlns="" xmlns:a14="http://schemas.microsoft.com/office/drawing/2010/main" w="9525">
+              <a14:hiddenLine xmlns:a14="http://schemas.microsoft.com/office/drawing/2010/main" xmlns="" w="9525">
                 <a:solidFill>
                   <a:srgbClr val="000000"/>
                 </a:solidFill>
@@ -40905,7 +45708,7 @@
               <a:defRPr/>
             </a:pPr>
             <a:fld id="{B58AE35B-4B8A-B14C-A608-7A3AEEBA245B}" type="datetime1">
-              <a:t>11/16/16</a:t>
+              <a:t>12/11/16</a:t>
             </a:fld>
             <a:endParaRPr lang="en-US"/>
           </a:p>
@@ -42076,14 +46879,14 @@
           <a:ln/>
           <a:extLst>
             <a:ext uri="{909E8E84-426E-40dd-AFC4-6F175D3DCCD1}">
-              <a14:hiddenFill xmlns="" xmlns:a14="http://schemas.microsoft.com/office/drawing/2010/main">
+              <a14:hiddenFill xmlns:a14="http://schemas.microsoft.com/office/drawing/2010/main" xmlns="">
                 <a:solidFill>
                   <a:srgbClr val="FFFFFF"/>
                 </a:solidFill>
               </a14:hiddenFill>
             </a:ext>
             <a:ext uri="{91240B29-F687-4f45-9708-019B960494DF}">
-              <a14:hiddenLine xmlns="" xmlns:a14="http://schemas.microsoft.com/office/drawing/2010/main" w="9525">
+              <a14:hiddenLine xmlns:a14="http://schemas.microsoft.com/office/drawing/2010/main" xmlns="" w="9525">
                 <a:solidFill>
                   <a:srgbClr val="000000"/>
                 </a:solidFill>
@@ -43599,7 +48402,7 @@
               <a:pPr>
                 <a:defRPr/>
               </a:pPr>
-              <a:t>11/16/16</a:t>
+              <a:t>12/11/16</a:t>
             </a:fld>
             <a:endParaRPr lang="en-US"/>
           </a:p>

--- a/docs/SBN_Design.pptx
+++ b/docs/SBN_Design.pptx
@@ -591,7 +591,7 @@
               <ma14:placeholderFlag xmlns:ma14="http://schemas.microsoft.com/office/mac/drawingml/2011/main" val="1"/>
             </a:ext>
             <a:ext uri="{909E8E84-426E-40dd-AFC4-6F175D3DCCD1}">
-              <a14:hiddenFill xmlns:a14="http://schemas.microsoft.com/office/drawing/2010/main" xmlns="">
+              <a14:hiddenFill xmlns="" xmlns:a14="http://schemas.microsoft.com/office/drawing/2010/main">
                 <a:solidFill>
                   <a:srgbClr val="FFFFFF"/>
                 </a:solidFill>
@@ -943,14 +943,14 @@
           <a:ln/>
           <a:extLst>
             <a:ext uri="{909E8E84-426E-40dd-AFC4-6F175D3DCCD1}">
-              <a14:hiddenFill xmlns:a14="http://schemas.microsoft.com/office/drawing/2010/main" xmlns="">
+              <a14:hiddenFill xmlns="" xmlns:a14="http://schemas.microsoft.com/office/drawing/2010/main">
                 <a:solidFill>
                   <a:srgbClr val="FFFFFF"/>
                 </a:solidFill>
               </a14:hiddenFill>
             </a:ext>
             <a:ext uri="{91240B29-F687-4f45-9708-019B960494DF}">
-              <a14:hiddenLine xmlns:a14="http://schemas.microsoft.com/office/drawing/2010/main" xmlns="" w="9525">
+              <a14:hiddenLine xmlns="" xmlns:a14="http://schemas.microsoft.com/office/drawing/2010/main" w="9525">
                 <a:solidFill>
                   <a:srgbClr val="000000"/>
                 </a:solidFill>
@@ -1120,14 +1120,14 @@
               <ma14:placeholderFlag xmlns:ma14="http://schemas.microsoft.com/office/mac/drawingml/2011/main" val="1"/>
             </a:ext>
             <a:ext uri="{909E8E84-426E-40dd-AFC4-6F175D3DCCD1}">
-              <a14:hiddenFill xmlns:a14="http://schemas.microsoft.com/office/drawing/2010/main" xmlns="">
+              <a14:hiddenFill xmlns="" xmlns:a14="http://schemas.microsoft.com/office/drawing/2010/main">
                 <a:solidFill>
                   <a:srgbClr val="FFFFFF"/>
                 </a:solidFill>
               </a14:hiddenFill>
             </a:ext>
             <a:ext uri="{91240B29-F687-4f45-9708-019B960494DF}">
-              <a14:hiddenLine xmlns:a14="http://schemas.microsoft.com/office/drawing/2010/main" xmlns="" w="9525">
+              <a14:hiddenLine xmlns="" xmlns:a14="http://schemas.microsoft.com/office/drawing/2010/main" w="9525">
                 <a:solidFill>
                   <a:srgbClr val="000000"/>
                 </a:solidFill>
@@ -1197,14 +1197,14 @@
           </a:ln>
           <a:extLst>
             <a:ext uri="{909E8E84-426E-40dd-AFC4-6F175D3DCCD1}">
-              <a14:hiddenFill xmlns:a14="http://schemas.microsoft.com/office/drawing/2010/main" xmlns="">
+              <a14:hiddenFill xmlns="" xmlns:a14="http://schemas.microsoft.com/office/drawing/2010/main">
                 <a:solidFill>
                   <a:srgbClr val="FFFFFF"/>
                 </a:solidFill>
               </a14:hiddenFill>
             </a:ext>
             <a:ext uri="{91240B29-F687-4f45-9708-019B960494DF}">
-              <a14:hiddenLine xmlns:a14="http://schemas.microsoft.com/office/drawing/2010/main" xmlns="" w="9525">
+              <a14:hiddenLine xmlns="" xmlns:a14="http://schemas.microsoft.com/office/drawing/2010/main" w="9525">
                 <a:solidFill>
                   <a:srgbClr val="000000"/>
                 </a:solidFill>
@@ -1374,14 +1374,14 @@
               <ma14:placeholderFlag xmlns:ma14="http://schemas.microsoft.com/office/mac/drawingml/2011/main" val="1"/>
             </a:ext>
             <a:ext uri="{909E8E84-426E-40dd-AFC4-6F175D3DCCD1}">
-              <a14:hiddenFill xmlns:a14="http://schemas.microsoft.com/office/drawing/2010/main" xmlns="">
+              <a14:hiddenFill xmlns="" xmlns:a14="http://schemas.microsoft.com/office/drawing/2010/main">
                 <a:solidFill>
                   <a:srgbClr val="FFFFFF"/>
                 </a:solidFill>
               </a14:hiddenFill>
             </a:ext>
             <a:ext uri="{91240B29-F687-4f45-9708-019B960494DF}">
-              <a14:hiddenLine xmlns:a14="http://schemas.microsoft.com/office/drawing/2010/main" xmlns="" w="9525">
+              <a14:hiddenLine xmlns="" xmlns:a14="http://schemas.microsoft.com/office/drawing/2010/main" w="9525">
                 <a:solidFill>
                   <a:srgbClr val="000000"/>
                 </a:solidFill>
@@ -1451,14 +1451,14 @@
           </a:ln>
           <a:extLst>
             <a:ext uri="{909E8E84-426E-40dd-AFC4-6F175D3DCCD1}">
-              <a14:hiddenFill xmlns:a14="http://schemas.microsoft.com/office/drawing/2010/main" xmlns="">
+              <a14:hiddenFill xmlns="" xmlns:a14="http://schemas.microsoft.com/office/drawing/2010/main">
                 <a:solidFill>
                   <a:srgbClr val="FFFFFF"/>
                 </a:solidFill>
               </a14:hiddenFill>
             </a:ext>
             <a:ext uri="{91240B29-F687-4f45-9708-019B960494DF}">
-              <a14:hiddenLine xmlns:a14="http://schemas.microsoft.com/office/drawing/2010/main" xmlns="" w="9525">
+              <a14:hiddenLine xmlns="" xmlns:a14="http://schemas.microsoft.com/office/drawing/2010/main" w="9525">
                 <a:solidFill>
                   <a:srgbClr val="000000"/>
                 </a:solidFill>
@@ -1628,14 +1628,14 @@
               <ma14:placeholderFlag xmlns:ma14="http://schemas.microsoft.com/office/mac/drawingml/2011/main" val="1"/>
             </a:ext>
             <a:ext uri="{909E8E84-426E-40dd-AFC4-6F175D3DCCD1}">
-              <a14:hiddenFill xmlns:a14="http://schemas.microsoft.com/office/drawing/2010/main" xmlns="">
+              <a14:hiddenFill xmlns="" xmlns:a14="http://schemas.microsoft.com/office/drawing/2010/main">
                 <a:solidFill>
                   <a:srgbClr val="FFFFFF"/>
                 </a:solidFill>
               </a14:hiddenFill>
             </a:ext>
             <a:ext uri="{91240B29-F687-4f45-9708-019B960494DF}">
-              <a14:hiddenLine xmlns:a14="http://schemas.microsoft.com/office/drawing/2010/main" xmlns="" w="9525">
+              <a14:hiddenLine xmlns="" xmlns:a14="http://schemas.microsoft.com/office/drawing/2010/main" w="9525">
                 <a:solidFill>
                   <a:srgbClr val="000000"/>
                 </a:solidFill>
@@ -1705,14 +1705,14 @@
           </a:ln>
           <a:extLst>
             <a:ext uri="{909E8E84-426E-40dd-AFC4-6F175D3DCCD1}">
-              <a14:hiddenFill xmlns:a14="http://schemas.microsoft.com/office/drawing/2010/main" xmlns="">
+              <a14:hiddenFill xmlns="" xmlns:a14="http://schemas.microsoft.com/office/drawing/2010/main">
                 <a:solidFill>
                   <a:srgbClr val="FFFFFF"/>
                 </a:solidFill>
               </a14:hiddenFill>
             </a:ext>
             <a:ext uri="{91240B29-F687-4f45-9708-019B960494DF}">
-              <a14:hiddenLine xmlns:a14="http://schemas.microsoft.com/office/drawing/2010/main" xmlns="" w="9525">
+              <a14:hiddenLine xmlns="" xmlns:a14="http://schemas.microsoft.com/office/drawing/2010/main" w="9525">
                 <a:solidFill>
                   <a:srgbClr val="000000"/>
                 </a:solidFill>
@@ -1882,14 +1882,14 @@
               <ma14:placeholderFlag xmlns:ma14="http://schemas.microsoft.com/office/mac/drawingml/2011/main" val="1"/>
             </a:ext>
             <a:ext uri="{909E8E84-426E-40dd-AFC4-6F175D3DCCD1}">
-              <a14:hiddenFill xmlns:a14="http://schemas.microsoft.com/office/drawing/2010/main" xmlns="">
+              <a14:hiddenFill xmlns="" xmlns:a14="http://schemas.microsoft.com/office/drawing/2010/main">
                 <a:solidFill>
                   <a:srgbClr val="FFFFFF"/>
                 </a:solidFill>
               </a14:hiddenFill>
             </a:ext>
             <a:ext uri="{91240B29-F687-4f45-9708-019B960494DF}">
-              <a14:hiddenLine xmlns:a14="http://schemas.microsoft.com/office/drawing/2010/main" xmlns="" w="9525">
+              <a14:hiddenLine xmlns="" xmlns:a14="http://schemas.microsoft.com/office/drawing/2010/main" w="9525">
                 <a:solidFill>
                   <a:srgbClr val="000000"/>
                 </a:solidFill>
@@ -1952,14 +1952,14 @@
           <a:ln/>
           <a:extLst>
             <a:ext uri="{909E8E84-426E-40dd-AFC4-6F175D3DCCD1}">
-              <a14:hiddenFill xmlns:a14="http://schemas.microsoft.com/office/drawing/2010/main" xmlns="">
+              <a14:hiddenFill xmlns="" xmlns:a14="http://schemas.microsoft.com/office/drawing/2010/main">
                 <a:solidFill>
                   <a:srgbClr val="FFFFFF"/>
                 </a:solidFill>
               </a14:hiddenFill>
             </a:ext>
             <a:ext uri="{91240B29-F687-4f45-9708-019B960494DF}">
-              <a14:hiddenLine xmlns:a14="http://schemas.microsoft.com/office/drawing/2010/main" xmlns="" w="9525">
+              <a14:hiddenLine xmlns="" xmlns:a14="http://schemas.microsoft.com/office/drawing/2010/main" w="9525">
                 <a:solidFill>
                   <a:srgbClr val="000000"/>
                 </a:solidFill>
@@ -2129,14 +2129,14 @@
               <ma14:placeholderFlag xmlns:ma14="http://schemas.microsoft.com/office/mac/drawingml/2011/main" val="1"/>
             </a:ext>
             <a:ext uri="{909E8E84-426E-40dd-AFC4-6F175D3DCCD1}">
-              <a14:hiddenFill xmlns:a14="http://schemas.microsoft.com/office/drawing/2010/main" xmlns="">
+              <a14:hiddenFill xmlns="" xmlns:a14="http://schemas.microsoft.com/office/drawing/2010/main">
                 <a:solidFill>
                   <a:srgbClr val="FFFFFF"/>
                 </a:solidFill>
               </a14:hiddenFill>
             </a:ext>
             <a:ext uri="{91240B29-F687-4f45-9708-019B960494DF}">
-              <a14:hiddenLine xmlns:a14="http://schemas.microsoft.com/office/drawing/2010/main" xmlns="" w="9525">
+              <a14:hiddenLine xmlns="" xmlns:a14="http://schemas.microsoft.com/office/drawing/2010/main" w="9525">
                 <a:solidFill>
                   <a:srgbClr val="000000"/>
                 </a:solidFill>
@@ -2199,14 +2199,14 @@
           <a:ln/>
           <a:extLst>
             <a:ext uri="{909E8E84-426E-40dd-AFC4-6F175D3DCCD1}">
-              <a14:hiddenFill xmlns:a14="http://schemas.microsoft.com/office/drawing/2010/main" xmlns="">
+              <a14:hiddenFill xmlns="" xmlns:a14="http://schemas.microsoft.com/office/drawing/2010/main">
                 <a:solidFill>
                   <a:srgbClr val="FFFFFF"/>
                 </a:solidFill>
               </a14:hiddenFill>
             </a:ext>
             <a:ext uri="{91240B29-F687-4f45-9708-019B960494DF}">
-              <a14:hiddenLine xmlns:a14="http://schemas.microsoft.com/office/drawing/2010/main" xmlns="" w="9525">
+              <a14:hiddenLine xmlns="" xmlns:a14="http://schemas.microsoft.com/office/drawing/2010/main" w="9525">
                 <a:solidFill>
                   <a:srgbClr val="000000"/>
                 </a:solidFill>
@@ -2376,14 +2376,14 @@
               <ma14:placeholderFlag xmlns:ma14="http://schemas.microsoft.com/office/mac/drawingml/2011/main" val="1"/>
             </a:ext>
             <a:ext uri="{909E8E84-426E-40dd-AFC4-6F175D3DCCD1}">
-              <a14:hiddenFill xmlns:a14="http://schemas.microsoft.com/office/drawing/2010/main" xmlns="">
+              <a14:hiddenFill xmlns="" xmlns:a14="http://schemas.microsoft.com/office/drawing/2010/main">
                 <a:solidFill>
                   <a:srgbClr val="FFFFFF"/>
                 </a:solidFill>
               </a14:hiddenFill>
             </a:ext>
             <a:ext uri="{91240B29-F687-4f45-9708-019B960494DF}">
-              <a14:hiddenLine xmlns:a14="http://schemas.microsoft.com/office/drawing/2010/main" xmlns="" w="9525">
+              <a14:hiddenLine xmlns="" xmlns:a14="http://schemas.microsoft.com/office/drawing/2010/main" w="9525">
                 <a:solidFill>
                   <a:srgbClr val="000000"/>
                 </a:solidFill>
@@ -2451,14 +2451,14 @@
           <a:ln/>
           <a:extLst>
             <a:ext uri="{909E8E84-426E-40dd-AFC4-6F175D3DCCD1}">
-              <a14:hiddenFill xmlns:a14="http://schemas.microsoft.com/office/drawing/2010/main" xmlns="">
+              <a14:hiddenFill xmlns="" xmlns:a14="http://schemas.microsoft.com/office/drawing/2010/main">
                 <a:solidFill>
                   <a:srgbClr val="FFFFFF"/>
                 </a:solidFill>
               </a14:hiddenFill>
             </a:ext>
             <a:ext uri="{91240B29-F687-4f45-9708-019B960494DF}">
-              <a14:hiddenLine xmlns:a14="http://schemas.microsoft.com/office/drawing/2010/main" xmlns="" w="9525">
+              <a14:hiddenLine xmlns="" xmlns:a14="http://schemas.microsoft.com/office/drawing/2010/main" w="9525">
                 <a:solidFill>
                   <a:srgbClr val="000000"/>
                 </a:solidFill>
@@ -2628,14 +2628,14 @@
               <ma14:placeholderFlag xmlns:ma14="http://schemas.microsoft.com/office/mac/drawingml/2011/main" val="1"/>
             </a:ext>
             <a:ext uri="{909E8E84-426E-40dd-AFC4-6F175D3DCCD1}">
-              <a14:hiddenFill xmlns:a14="http://schemas.microsoft.com/office/drawing/2010/main" xmlns="">
+              <a14:hiddenFill xmlns="" xmlns:a14="http://schemas.microsoft.com/office/drawing/2010/main">
                 <a:solidFill>
                   <a:srgbClr val="FFFFFF"/>
                 </a:solidFill>
               </a14:hiddenFill>
             </a:ext>
             <a:ext uri="{91240B29-F687-4f45-9708-019B960494DF}">
-              <a14:hiddenLine xmlns:a14="http://schemas.microsoft.com/office/drawing/2010/main" xmlns="" w="9525">
+              <a14:hiddenLine xmlns="" xmlns:a14="http://schemas.microsoft.com/office/drawing/2010/main" w="9525">
                 <a:solidFill>
                   <a:srgbClr val="000000"/>
                 </a:solidFill>
@@ -2703,14 +2703,14 @@
           <a:ln/>
           <a:extLst>
             <a:ext uri="{909E8E84-426E-40dd-AFC4-6F175D3DCCD1}">
-              <a14:hiddenFill xmlns:a14="http://schemas.microsoft.com/office/drawing/2010/main" xmlns="">
+              <a14:hiddenFill xmlns="" xmlns:a14="http://schemas.microsoft.com/office/drawing/2010/main">
                 <a:solidFill>
                   <a:srgbClr val="FFFFFF"/>
                 </a:solidFill>
               </a14:hiddenFill>
             </a:ext>
             <a:ext uri="{91240B29-F687-4f45-9708-019B960494DF}">
-              <a14:hiddenLine xmlns:a14="http://schemas.microsoft.com/office/drawing/2010/main" xmlns="" w="9525">
+              <a14:hiddenLine xmlns="" xmlns:a14="http://schemas.microsoft.com/office/drawing/2010/main" w="9525">
                 <a:solidFill>
                   <a:srgbClr val="000000"/>
                 </a:solidFill>
@@ -2880,14 +2880,14 @@
               <ma14:placeholderFlag xmlns:ma14="http://schemas.microsoft.com/office/mac/drawingml/2011/main" val="1"/>
             </a:ext>
             <a:ext uri="{909E8E84-426E-40dd-AFC4-6F175D3DCCD1}">
-              <a14:hiddenFill xmlns:a14="http://schemas.microsoft.com/office/drawing/2010/main" xmlns="">
+              <a14:hiddenFill xmlns="" xmlns:a14="http://schemas.microsoft.com/office/drawing/2010/main">
                 <a:solidFill>
                   <a:srgbClr val="FFFFFF"/>
                 </a:solidFill>
               </a14:hiddenFill>
             </a:ext>
             <a:ext uri="{91240B29-F687-4f45-9708-019B960494DF}">
-              <a14:hiddenLine xmlns:a14="http://schemas.microsoft.com/office/drawing/2010/main" xmlns="" w="9525">
+              <a14:hiddenLine xmlns="" xmlns:a14="http://schemas.microsoft.com/office/drawing/2010/main" w="9525">
                 <a:solidFill>
                   <a:srgbClr val="000000"/>
                 </a:solidFill>
@@ -2950,14 +2950,14 @@
           <a:ln/>
           <a:extLst>
             <a:ext uri="{909E8E84-426E-40dd-AFC4-6F175D3DCCD1}">
-              <a14:hiddenFill xmlns:a14="http://schemas.microsoft.com/office/drawing/2010/main" xmlns="">
+              <a14:hiddenFill xmlns="" xmlns:a14="http://schemas.microsoft.com/office/drawing/2010/main">
                 <a:solidFill>
                   <a:srgbClr val="FFFFFF"/>
                 </a:solidFill>
               </a14:hiddenFill>
             </a:ext>
             <a:ext uri="{91240B29-F687-4f45-9708-019B960494DF}">
-              <a14:hiddenLine xmlns:a14="http://schemas.microsoft.com/office/drawing/2010/main" xmlns="" w="9525">
+              <a14:hiddenLine xmlns="" xmlns:a14="http://schemas.microsoft.com/office/drawing/2010/main" w="9525">
                 <a:solidFill>
                   <a:srgbClr val="000000"/>
                 </a:solidFill>
@@ -3127,14 +3127,14 @@
               <ma14:placeholderFlag xmlns:ma14="http://schemas.microsoft.com/office/mac/drawingml/2011/main" val="1"/>
             </a:ext>
             <a:ext uri="{909E8E84-426E-40dd-AFC4-6F175D3DCCD1}">
-              <a14:hiddenFill xmlns:a14="http://schemas.microsoft.com/office/drawing/2010/main" xmlns="">
+              <a14:hiddenFill xmlns="" xmlns:a14="http://schemas.microsoft.com/office/drawing/2010/main">
                 <a:solidFill>
                   <a:srgbClr val="FFFFFF"/>
                 </a:solidFill>
               </a14:hiddenFill>
             </a:ext>
             <a:ext uri="{91240B29-F687-4f45-9708-019B960494DF}">
-              <a14:hiddenLine xmlns:a14="http://schemas.microsoft.com/office/drawing/2010/main" xmlns="" w="9525">
+              <a14:hiddenLine xmlns="" xmlns:a14="http://schemas.microsoft.com/office/drawing/2010/main" w="9525">
                 <a:solidFill>
                   <a:srgbClr val="000000"/>
                 </a:solidFill>
@@ -3204,14 +3204,14 @@
           </a:ln>
           <a:extLst>
             <a:ext uri="{909E8E84-426E-40dd-AFC4-6F175D3DCCD1}">
-              <a14:hiddenFill xmlns:a14="http://schemas.microsoft.com/office/drawing/2010/main" xmlns="">
+              <a14:hiddenFill xmlns="" xmlns:a14="http://schemas.microsoft.com/office/drawing/2010/main">
                 <a:solidFill>
                   <a:srgbClr val="FFFFFF"/>
                 </a:solidFill>
               </a14:hiddenFill>
             </a:ext>
             <a:ext uri="{91240B29-F687-4f45-9708-019B960494DF}">
-              <a14:hiddenLine xmlns:a14="http://schemas.microsoft.com/office/drawing/2010/main" xmlns="" w="9525">
+              <a14:hiddenLine xmlns="" xmlns:a14="http://schemas.microsoft.com/office/drawing/2010/main" w="9525">
                 <a:solidFill>
                   <a:srgbClr val="000000"/>
                 </a:solidFill>
@@ -3442,14 +3442,14 @@
           <a:ln/>
           <a:extLst>
             <a:ext uri="{909E8E84-426E-40dd-AFC4-6F175D3DCCD1}">
-              <a14:hiddenFill xmlns:a14="http://schemas.microsoft.com/office/drawing/2010/main" xmlns="">
+              <a14:hiddenFill xmlns="" xmlns:a14="http://schemas.microsoft.com/office/drawing/2010/main">
                 <a:solidFill>
                   <a:srgbClr val="FFFFFF"/>
                 </a:solidFill>
               </a14:hiddenFill>
             </a:ext>
             <a:ext uri="{91240B29-F687-4f45-9708-019B960494DF}">
-              <a14:hiddenLine xmlns:a14="http://schemas.microsoft.com/office/drawing/2010/main" xmlns="" w="9525">
+              <a14:hiddenLine xmlns="" xmlns:a14="http://schemas.microsoft.com/office/drawing/2010/main" w="9525">
                 <a:solidFill>
                   <a:srgbClr val="000000"/>
                 </a:solidFill>
@@ -3619,14 +3619,14 @@
               <ma14:placeholderFlag xmlns:ma14="http://schemas.microsoft.com/office/mac/drawingml/2011/main" val="1"/>
             </a:ext>
             <a:ext uri="{909E8E84-426E-40dd-AFC4-6F175D3DCCD1}">
-              <a14:hiddenFill xmlns:a14="http://schemas.microsoft.com/office/drawing/2010/main" xmlns="">
+              <a14:hiddenFill xmlns="" xmlns:a14="http://schemas.microsoft.com/office/drawing/2010/main">
                 <a:solidFill>
                   <a:srgbClr val="FFFFFF"/>
                 </a:solidFill>
               </a14:hiddenFill>
             </a:ext>
             <a:ext uri="{91240B29-F687-4f45-9708-019B960494DF}">
-              <a14:hiddenLine xmlns:a14="http://schemas.microsoft.com/office/drawing/2010/main" xmlns="" w="9525">
+              <a14:hiddenLine xmlns="" xmlns:a14="http://schemas.microsoft.com/office/drawing/2010/main" w="9525">
                 <a:solidFill>
                   <a:srgbClr val="000000"/>
                 </a:solidFill>
@@ -3689,14 +3689,14 @@
           <a:ln/>
           <a:extLst>
             <a:ext uri="{909E8E84-426E-40dd-AFC4-6F175D3DCCD1}">
-              <a14:hiddenFill xmlns:a14="http://schemas.microsoft.com/office/drawing/2010/main" xmlns="">
+              <a14:hiddenFill xmlns="" xmlns:a14="http://schemas.microsoft.com/office/drawing/2010/main">
                 <a:solidFill>
                   <a:srgbClr val="FFFFFF"/>
                 </a:solidFill>
               </a14:hiddenFill>
             </a:ext>
             <a:ext uri="{91240B29-F687-4f45-9708-019B960494DF}">
-              <a14:hiddenLine xmlns:a14="http://schemas.microsoft.com/office/drawing/2010/main" xmlns="" w="9525">
+              <a14:hiddenLine xmlns="" xmlns:a14="http://schemas.microsoft.com/office/drawing/2010/main" w="9525">
                 <a:solidFill>
                   <a:srgbClr val="000000"/>
                 </a:solidFill>
@@ -3866,14 +3866,14 @@
               <ma14:placeholderFlag xmlns:ma14="http://schemas.microsoft.com/office/mac/drawingml/2011/main" val="1"/>
             </a:ext>
             <a:ext uri="{909E8E84-426E-40dd-AFC4-6F175D3DCCD1}">
-              <a14:hiddenFill xmlns:a14="http://schemas.microsoft.com/office/drawing/2010/main" xmlns="">
+              <a14:hiddenFill xmlns="" xmlns:a14="http://schemas.microsoft.com/office/drawing/2010/main">
                 <a:solidFill>
                   <a:srgbClr val="FFFFFF"/>
                 </a:solidFill>
               </a14:hiddenFill>
             </a:ext>
             <a:ext uri="{91240B29-F687-4f45-9708-019B960494DF}">
-              <a14:hiddenLine xmlns:a14="http://schemas.microsoft.com/office/drawing/2010/main" xmlns="" w="9525">
+              <a14:hiddenLine xmlns="" xmlns:a14="http://schemas.microsoft.com/office/drawing/2010/main" w="9525">
                 <a:solidFill>
                   <a:srgbClr val="000000"/>
                 </a:solidFill>
@@ -3936,14 +3936,14 @@
           <a:ln/>
           <a:extLst>
             <a:ext uri="{909E8E84-426E-40dd-AFC4-6F175D3DCCD1}">
-              <a14:hiddenFill xmlns:a14="http://schemas.microsoft.com/office/drawing/2010/main" xmlns="">
+              <a14:hiddenFill xmlns="" xmlns:a14="http://schemas.microsoft.com/office/drawing/2010/main">
                 <a:solidFill>
                   <a:srgbClr val="FFFFFF"/>
                 </a:solidFill>
               </a14:hiddenFill>
             </a:ext>
             <a:ext uri="{91240B29-F687-4f45-9708-019B960494DF}">
-              <a14:hiddenLine xmlns:a14="http://schemas.microsoft.com/office/drawing/2010/main" xmlns="" w="9525">
+              <a14:hiddenLine xmlns="" xmlns:a14="http://schemas.microsoft.com/office/drawing/2010/main" w="9525">
                 <a:solidFill>
                   <a:srgbClr val="000000"/>
                 </a:solidFill>
@@ -4113,14 +4113,14 @@
               <ma14:placeholderFlag xmlns:ma14="http://schemas.microsoft.com/office/mac/drawingml/2011/main" val="1"/>
             </a:ext>
             <a:ext uri="{909E8E84-426E-40dd-AFC4-6F175D3DCCD1}">
-              <a14:hiddenFill xmlns:a14="http://schemas.microsoft.com/office/drawing/2010/main" xmlns="">
+              <a14:hiddenFill xmlns="" xmlns:a14="http://schemas.microsoft.com/office/drawing/2010/main">
                 <a:solidFill>
                   <a:srgbClr val="FFFFFF"/>
                 </a:solidFill>
               </a14:hiddenFill>
             </a:ext>
             <a:ext uri="{91240B29-F687-4f45-9708-019B960494DF}">
-              <a14:hiddenLine xmlns:a14="http://schemas.microsoft.com/office/drawing/2010/main" xmlns="" w="9525">
+              <a14:hiddenLine xmlns="" xmlns:a14="http://schemas.microsoft.com/office/drawing/2010/main" w="9525">
                 <a:solidFill>
                   <a:srgbClr val="000000"/>
                 </a:solidFill>
@@ -4183,14 +4183,14 @@
           <a:ln/>
           <a:extLst>
             <a:ext uri="{909E8E84-426E-40dd-AFC4-6F175D3DCCD1}">
-              <a14:hiddenFill xmlns:a14="http://schemas.microsoft.com/office/drawing/2010/main" xmlns="">
+              <a14:hiddenFill xmlns="" xmlns:a14="http://schemas.microsoft.com/office/drawing/2010/main">
                 <a:solidFill>
                   <a:srgbClr val="FFFFFF"/>
                 </a:solidFill>
               </a14:hiddenFill>
             </a:ext>
             <a:ext uri="{91240B29-F687-4f45-9708-019B960494DF}">
-              <a14:hiddenLine xmlns:a14="http://schemas.microsoft.com/office/drawing/2010/main" xmlns="" w="9525">
+              <a14:hiddenLine xmlns="" xmlns:a14="http://schemas.microsoft.com/office/drawing/2010/main" w="9525">
                 <a:solidFill>
                   <a:srgbClr val="000000"/>
                 </a:solidFill>
@@ -4360,14 +4360,14 @@
               <ma14:placeholderFlag xmlns:ma14="http://schemas.microsoft.com/office/mac/drawingml/2011/main" val="1"/>
             </a:ext>
             <a:ext uri="{909E8E84-426E-40dd-AFC4-6F175D3DCCD1}">
-              <a14:hiddenFill xmlns:a14="http://schemas.microsoft.com/office/drawing/2010/main" xmlns="">
+              <a14:hiddenFill xmlns="" xmlns:a14="http://schemas.microsoft.com/office/drawing/2010/main">
                 <a:solidFill>
                   <a:srgbClr val="FFFFFF"/>
                 </a:solidFill>
               </a14:hiddenFill>
             </a:ext>
             <a:ext uri="{91240B29-F687-4f45-9708-019B960494DF}">
-              <a14:hiddenLine xmlns:a14="http://schemas.microsoft.com/office/drawing/2010/main" xmlns="" w="9525">
+              <a14:hiddenLine xmlns="" xmlns:a14="http://schemas.microsoft.com/office/drawing/2010/main" w="9525">
                 <a:solidFill>
                   <a:srgbClr val="000000"/>
                 </a:solidFill>
@@ -4430,14 +4430,14 @@
           <a:ln/>
           <a:extLst>
             <a:ext uri="{909E8E84-426E-40dd-AFC4-6F175D3DCCD1}">
-              <a14:hiddenFill xmlns:a14="http://schemas.microsoft.com/office/drawing/2010/main" xmlns="">
+              <a14:hiddenFill xmlns="" xmlns:a14="http://schemas.microsoft.com/office/drawing/2010/main">
                 <a:solidFill>
                   <a:srgbClr val="FFFFFF"/>
                 </a:solidFill>
               </a14:hiddenFill>
             </a:ext>
             <a:ext uri="{91240B29-F687-4f45-9708-019B960494DF}">
-              <a14:hiddenLine xmlns:a14="http://schemas.microsoft.com/office/drawing/2010/main" xmlns="" w="9525">
+              <a14:hiddenLine xmlns="" xmlns:a14="http://schemas.microsoft.com/office/drawing/2010/main" w="9525">
                 <a:solidFill>
                   <a:srgbClr val="000000"/>
                 </a:solidFill>
@@ -4607,14 +4607,14 @@
               <ma14:placeholderFlag xmlns:ma14="http://schemas.microsoft.com/office/mac/drawingml/2011/main" val="1"/>
             </a:ext>
             <a:ext uri="{909E8E84-426E-40dd-AFC4-6F175D3DCCD1}">
-              <a14:hiddenFill xmlns:a14="http://schemas.microsoft.com/office/drawing/2010/main" xmlns="">
+              <a14:hiddenFill xmlns="" xmlns:a14="http://schemas.microsoft.com/office/drawing/2010/main">
                 <a:solidFill>
                   <a:srgbClr val="FFFFFF"/>
                 </a:solidFill>
               </a14:hiddenFill>
             </a:ext>
             <a:ext uri="{91240B29-F687-4f45-9708-019B960494DF}">
-              <a14:hiddenLine xmlns:a14="http://schemas.microsoft.com/office/drawing/2010/main" xmlns="" w="9525">
+              <a14:hiddenLine xmlns="" xmlns:a14="http://schemas.microsoft.com/office/drawing/2010/main" w="9525">
                 <a:solidFill>
                   <a:srgbClr val="000000"/>
                 </a:solidFill>
@@ -4818,7 +4818,7 @@
               <a:defRPr/>
             </a:pPr>
             <a:fld id="{AC0EBD74-B9E4-0E4B-AC6A-6A6644FA211D}" type="datetime1">
-              <a:t>12/11/16</a:t>
+              <a:t>1/10/17</a:t>
             </a:fld>
             <a:endParaRPr lang="en-US"/>
           </a:p>
@@ -5028,7 +5028,7 @@
               <a:defRPr/>
             </a:pPr>
             <a:fld id="{6B45423E-01F1-194D-BEF2-59037D9E890E}" type="datetime1">
-              <a:t>12/11/16</a:t>
+              <a:t>1/10/17</a:t>
             </a:fld>
             <a:endParaRPr lang="en-US"/>
           </a:p>
@@ -5243,7 +5243,7 @@
               <a:defRPr/>
             </a:pPr>
             <a:fld id="{82B48BEB-BEE3-334D-B79E-E768C9FAF8E5}" type="datetime1">
-              <a:t>12/11/16</a:t>
+              <a:t>1/10/17</a:t>
             </a:fld>
             <a:endParaRPr lang="en-US"/>
           </a:p>
@@ -5426,7 +5426,7 @@
               <a:defRPr/>
             </a:pPr>
             <a:fld id="{B2C39720-93FE-664C-90ED-4CAF6FDDEA10}" type="datetime1">
-              <a:t>12/11/16</a:t>
+              <a:t>1/10/17</a:t>
             </a:fld>
             <a:endParaRPr lang="en-US"/>
           </a:p>
@@ -5701,7 +5701,7 @@
               <a:defRPr/>
             </a:pPr>
             <a:fld id="{A2FE285A-049E-F04F-84A2-B30C773B375D}" type="datetime1">
-              <a:t>12/11/16</a:t>
+              <a:t>1/10/17</a:t>
             </a:fld>
             <a:endParaRPr lang="en-US"/>
           </a:p>
@@ -5911,7 +5911,7 @@
               <a:defRPr/>
             </a:pPr>
             <a:fld id="{2D3EAE3E-5FC7-A54A-AF77-DDA1203272CF}" type="datetime1">
-              <a:t>12/11/16</a:t>
+              <a:t>1/10/17</a:t>
             </a:fld>
             <a:endParaRPr lang="en-US"/>
           </a:p>
@@ -6138,7 +6138,7 @@
               <a:defRPr/>
             </a:pPr>
             <a:fld id="{95763E2F-E129-8144-85E5-DEFD93E5B96E}" type="datetime1">
-              <a:t>12/11/16</a:t>
+              <a:t>1/10/17</a:t>
             </a:fld>
             <a:endParaRPr lang="en-US"/>
           </a:p>
@@ -6464,7 +6464,7 @@
               <a:defRPr/>
             </a:pPr>
             <a:fld id="{5981D202-225B-274E-B468-B23944D81B5F}" type="datetime1">
-              <a:t>12/11/16</a:t>
+              <a:t>1/10/17</a:t>
             </a:fld>
             <a:endParaRPr lang="en-US"/>
           </a:p>
@@ -6935,7 +6935,7 @@
               <a:defRPr/>
             </a:pPr>
             <a:fld id="{5D77E727-DBBF-C24A-80AB-D1A64464A970}" type="datetime1">
-              <a:t>12/11/16</a:t>
+              <a:t>1/10/17</a:t>
             </a:fld>
             <a:endParaRPr lang="en-US"/>
           </a:p>
@@ -7085,7 +7085,7 @@
               <a:defRPr/>
             </a:pPr>
             <a:fld id="{335DF27D-CB15-7843-AC95-0CBD4BB583FE}" type="datetime1">
-              <a:t>12/11/16</a:t>
+              <a:t>1/10/17</a:t>
             </a:fld>
             <a:endParaRPr lang="en-US"/>
           </a:p>
@@ -7212,7 +7212,7 @@
               <a:defRPr/>
             </a:pPr>
             <a:fld id="{358F54F2-E1C3-E741-9012-F819890FDEF2}" type="datetime1">
-              <a:t>12/11/16</a:t>
+              <a:t>1/10/17</a:t>
             </a:fld>
             <a:endParaRPr lang="en-US"/>
           </a:p>
@@ -7527,7 +7527,7 @@
               <a:defRPr/>
             </a:pPr>
             <a:fld id="{9D5FE2EA-BB63-0142-BBBA-3114D28210BA}" type="datetime1">
-              <a:t>12/11/16</a:t>
+              <a:t>1/10/17</a:t>
             </a:fld>
             <a:endParaRPr lang="en-US"/>
           </a:p>
@@ -7819,7 +7819,7 @@
               <a:defRPr/>
             </a:pPr>
             <a:fld id="{7D606BD5-D583-F445-A197-4E9204106D8D}" type="datetime1">
-              <a:t>12/11/16</a:t>
+              <a:t>1/10/17</a:t>
             </a:fld>
             <a:endParaRPr lang="en-US"/>
           </a:p>
@@ -7921,14 +7921,14 @@
               <ma14:placeholderFlag xmlns:ma14="http://schemas.microsoft.com/office/mac/drawingml/2011/main" val="1"/>
             </a:ext>
             <a:ext uri="{909E8E84-426E-40dd-AFC4-6F175D3DCCD1}">
-              <a14:hiddenFill xmlns:a14="http://schemas.microsoft.com/office/drawing/2010/main" xmlns="">
+              <a14:hiddenFill xmlns="" xmlns:a14="http://schemas.microsoft.com/office/drawing/2010/main">
                 <a:solidFill>
                   <a:srgbClr val="FFFFFF"/>
                 </a:solidFill>
               </a14:hiddenFill>
             </a:ext>
             <a:ext uri="{91240B29-F687-4f45-9708-019B960494DF}">
-              <a14:hiddenLine xmlns:a14="http://schemas.microsoft.com/office/drawing/2010/main" xmlns="" w="9525">
+              <a14:hiddenLine xmlns="" xmlns:a14="http://schemas.microsoft.com/office/drawing/2010/main" w="9525">
                 <a:solidFill>
                   <a:srgbClr val="000000"/>
                 </a:solidFill>
@@ -7987,7 +7987,7 @@
           </a:ln>
           <a:extLst>
             <a:ext uri="{91240B29-F687-4f45-9708-019B960494DF}">
-              <a14:hiddenLine xmlns:a14="http://schemas.microsoft.com/office/drawing/2010/main" xmlns="" w="9525">
+              <a14:hiddenLine xmlns="" xmlns:a14="http://schemas.microsoft.com/office/drawing/2010/main" w="9525">
                 <a:solidFill>
                   <a:srgbClr val="000000"/>
                 </a:solidFill>
@@ -8191,14 +8191,14 @@
           </a:ln>
           <a:extLst>
             <a:ext uri="{909E8E84-426E-40dd-AFC4-6F175D3DCCD1}">
-              <a14:hiddenFill xmlns:a14="http://schemas.microsoft.com/office/drawing/2010/main" xmlns="">
+              <a14:hiddenFill xmlns="" xmlns:a14="http://schemas.microsoft.com/office/drawing/2010/main">
                 <a:solidFill>
                   <a:srgbClr val="FFFFFF"/>
                 </a:solidFill>
               </a14:hiddenFill>
             </a:ext>
             <a:ext uri="{91240B29-F687-4f45-9708-019B960494DF}">
-              <a14:hiddenLine xmlns:a14="http://schemas.microsoft.com/office/drawing/2010/main" xmlns="" w="9525">
+              <a14:hiddenLine xmlns="" xmlns:a14="http://schemas.microsoft.com/office/drawing/2010/main" w="9525">
                 <a:solidFill>
                   <a:srgbClr val="000000"/>
                 </a:solidFill>
@@ -8437,7 +8437,7 @@
               <a:defRPr/>
             </a:pPr>
             <a:fld id="{FA71DDE3-1BFD-2B4B-9B0E-6E78A067C89E}" type="datetime1">
-              <a:t>12/11/16</a:t>
+              <a:t>1/10/17</a:t>
             </a:fld>
             <a:endParaRPr lang="en-US"/>
           </a:p>
@@ -8531,14 +8531,14 @@
           </a:ln>
           <a:extLst>
             <a:ext uri="{909E8E84-426E-40dd-AFC4-6F175D3DCCD1}">
-              <a14:hiddenFill xmlns:a14="http://schemas.microsoft.com/office/drawing/2010/main" xmlns="">
+              <a14:hiddenFill xmlns="" xmlns:a14="http://schemas.microsoft.com/office/drawing/2010/main">
                 <a:solidFill>
                   <a:srgbClr val="FFFFFF"/>
                 </a:solidFill>
               </a14:hiddenFill>
             </a:ext>
             <a:ext uri="{91240B29-F687-4f45-9708-019B960494DF}">
-              <a14:hiddenLine xmlns:a14="http://schemas.microsoft.com/office/drawing/2010/main" xmlns="" w="9525">
+              <a14:hiddenLine xmlns="" xmlns:a14="http://schemas.microsoft.com/office/drawing/2010/main" w="9525">
                 <a:solidFill>
                   <a:srgbClr val="000000"/>
                 </a:solidFill>
@@ -8585,14 +8585,14 @@
           </a:ln>
           <a:extLst>
             <a:ext uri="{909E8E84-426E-40dd-AFC4-6F175D3DCCD1}">
-              <a14:hiddenFill xmlns:a14="http://schemas.microsoft.com/office/drawing/2010/main" xmlns="">
+              <a14:hiddenFill xmlns="" xmlns:a14="http://schemas.microsoft.com/office/drawing/2010/main">
                 <a:solidFill>
                   <a:srgbClr val="FFFFFF"/>
                 </a:solidFill>
               </a14:hiddenFill>
             </a:ext>
             <a:ext uri="{91240B29-F687-4f45-9708-019B960494DF}">
-              <a14:hiddenLine xmlns:a14="http://schemas.microsoft.com/office/drawing/2010/main" xmlns="" w="9525">
+              <a14:hiddenLine xmlns="" xmlns:a14="http://schemas.microsoft.com/office/drawing/2010/main" w="9525">
                 <a:solidFill>
                   <a:srgbClr val="000000"/>
                 </a:solidFill>
@@ -9224,7 +9224,7 @@
               <a:defRPr/>
             </a:pPr>
             <a:fld id="{90E2CE17-9310-CB4D-A759-84364C03D56E}" type="datetime1">
-              <a:t>12/11/16</a:t>
+              <a:t>1/10/17</a:t>
             </a:fld>
             <a:endParaRPr lang="en-US"/>
           </a:p>
@@ -9270,14 +9270,14 @@
           <a:ln/>
           <a:extLst>
             <a:ext uri="{909E8E84-426E-40dd-AFC4-6F175D3DCCD1}">
-              <a14:hiddenFill xmlns:a14="http://schemas.microsoft.com/office/drawing/2010/main" xmlns="">
+              <a14:hiddenFill xmlns="" xmlns:a14="http://schemas.microsoft.com/office/drawing/2010/main">
                 <a:solidFill>
                   <a:srgbClr val="FFFFFF"/>
                 </a:solidFill>
               </a14:hiddenFill>
             </a:ext>
             <a:ext uri="{91240B29-F687-4f45-9708-019B960494DF}">
-              <a14:hiddenLine xmlns:a14="http://schemas.microsoft.com/office/drawing/2010/main" xmlns="" w="9525">
+              <a14:hiddenLine xmlns="" xmlns:a14="http://schemas.microsoft.com/office/drawing/2010/main" w="9525">
                 <a:solidFill>
                   <a:srgbClr val="000000"/>
                 </a:solidFill>
@@ -9464,14 +9464,14 @@
           <a:ln/>
           <a:extLst>
             <a:ext uri="{909E8E84-426E-40dd-AFC4-6F175D3DCCD1}">
-              <a14:hiddenFill xmlns:a14="http://schemas.microsoft.com/office/drawing/2010/main" xmlns="">
+              <a14:hiddenFill xmlns="" xmlns:a14="http://schemas.microsoft.com/office/drawing/2010/main">
                 <a:solidFill>
                   <a:srgbClr val="FFFFFF"/>
                 </a:solidFill>
               </a14:hiddenFill>
             </a:ext>
             <a:ext uri="{91240B29-F687-4f45-9708-019B960494DF}">
-              <a14:hiddenLine xmlns:a14="http://schemas.microsoft.com/office/drawing/2010/main" xmlns="" w="9525">
+              <a14:hiddenLine xmlns="" xmlns:a14="http://schemas.microsoft.com/office/drawing/2010/main" w="9525">
                 <a:solidFill>
                   <a:srgbClr val="000000"/>
                 </a:solidFill>
@@ -11777,7 +11777,7 @@
               <a:pPr>
                 <a:defRPr/>
               </a:pPr>
-              <a:t>12/11/16</a:t>
+              <a:t>1/10/17</a:t>
             </a:fld>
             <a:endParaRPr lang="en-US"/>
           </a:p>
@@ -11853,14 +11853,14 @@
           <a:ln/>
           <a:extLst>
             <a:ext uri="{909E8E84-426E-40dd-AFC4-6F175D3DCCD1}">
-              <a14:hiddenFill xmlns:a14="http://schemas.microsoft.com/office/drawing/2010/main" xmlns="">
+              <a14:hiddenFill xmlns="" xmlns:a14="http://schemas.microsoft.com/office/drawing/2010/main">
                 <a:solidFill>
                   <a:srgbClr val="FFFFFF"/>
                 </a:solidFill>
               </a14:hiddenFill>
             </a:ext>
             <a:ext uri="{91240B29-F687-4f45-9708-019B960494DF}">
-              <a14:hiddenLine xmlns:a14="http://schemas.microsoft.com/office/drawing/2010/main" xmlns="" w="9525">
+              <a14:hiddenLine xmlns="" xmlns:a14="http://schemas.microsoft.com/office/drawing/2010/main" w="9525">
                 <a:solidFill>
                   <a:srgbClr val="000000"/>
                 </a:solidFill>
@@ -14601,7 +14601,7 @@
               <a:pPr>
                 <a:defRPr/>
               </a:pPr>
-              <a:t>12/11/16</a:t>
+              <a:t>1/10/17</a:t>
             </a:fld>
             <a:endParaRPr lang="en-US"/>
           </a:p>
@@ -14677,14 +14677,14 @@
           <a:ln/>
           <a:extLst>
             <a:ext uri="{909E8E84-426E-40dd-AFC4-6F175D3DCCD1}">
-              <a14:hiddenFill xmlns:a14="http://schemas.microsoft.com/office/drawing/2010/main" xmlns="">
+              <a14:hiddenFill xmlns="" xmlns:a14="http://schemas.microsoft.com/office/drawing/2010/main">
                 <a:solidFill>
                   <a:srgbClr val="FFFFFF"/>
                 </a:solidFill>
               </a14:hiddenFill>
             </a:ext>
             <a:ext uri="{91240B29-F687-4f45-9708-019B960494DF}">
-              <a14:hiddenLine xmlns:a14="http://schemas.microsoft.com/office/drawing/2010/main" xmlns="" w="9525">
+              <a14:hiddenLine xmlns="" xmlns:a14="http://schemas.microsoft.com/office/drawing/2010/main" w="9525">
                 <a:solidFill>
                   <a:srgbClr val="000000"/>
                 </a:solidFill>
@@ -14859,14 +14859,14 @@
           <p:nvPr>
             <p:extLst>
               <p:ext uri="{D42A27DB-BD31-4B8C-83A1-F6EECF244321}">
-                <p14:modId xmlns:p14="http://schemas.microsoft.com/office/powerpoint/2010/main" val="4023429812"/>
+                <p14:modId xmlns:p14="http://schemas.microsoft.com/office/powerpoint/2010/main" val="1661304718"/>
               </p:ext>
             </p:extLst>
           </p:nvPr>
         </p:nvGraphicFramePr>
         <p:xfrm>
           <a:off x="287868" y="1187450"/>
-          <a:ext cx="8178799" cy="3427072"/>
+          <a:ext cx="8178799" cy="4950960"/>
         </p:xfrm>
         <a:graphic>
           <a:graphicData uri="http://schemas.openxmlformats.org/drawingml/2006/table">
@@ -16311,7 +16311,7 @@
                         <a:tabLst/>
                       </a:pPr>
                       <a:r>
-                        <a:rPr kumimoji="0" lang="en-US" sz="1400" b="0" i="0" u="none" strike="noStrike" cap="none" normalizeH="0" baseline="0" smtClean="0">
+                        <a:rPr kumimoji="0" lang="en-US" sz="1400" b="0" i="0" u="none" strike="noStrike" cap="none" normalizeH="0" baseline="0" dirty="0" smtClean="0">
                           <a:ln>
                             <a:noFill/>
                           </a:ln>
@@ -16325,7 +16325,7 @@
                         </a:rPr>
                         <a:t>char * NONVOL_PEER_FILENAME</a:t>
                       </a:r>
-                      <a:endParaRPr kumimoji="0" lang="en-US" sz="1400" b="0" i="0" u="none" strike="noStrike" cap="none" normalizeH="0" baseline="0">
+                      <a:endParaRPr kumimoji="0" lang="en-US" sz="1400" b="0" i="0" u="none" strike="noStrike" cap="none" normalizeH="0" baseline="0" dirty="0">
                         <a:ln>
                           <a:noFill/>
                         </a:ln>
@@ -16407,7 +16407,7 @@
                         <a:tabLst/>
                       </a:pPr>
                       <a:r>
-                        <a:rPr kumimoji="0" lang="en-US" sz="1100" b="0" i="0" u="none" strike="noStrike" cap="none" normalizeH="0" baseline="0">
+                        <a:rPr kumimoji="0" lang="en-US" sz="1100" b="0" i="0" u="none" strike="noStrike" cap="none" normalizeH="0" baseline="0" dirty="0">
                           <a:ln>
                             <a:noFill/>
                           </a:ln>
@@ -16419,7 +16419,67 @@
                           <a:ea typeface="ヒラギノ角ゴ Pro W3" pitchFamily="-112" charset="-128"/>
                           <a:cs typeface="ヒラギノ角ゴ Pro W3" pitchFamily="-112" charset="-128"/>
                         </a:rPr>
-                        <a:t>“/cf/SbnPeerData.dat”</a:t>
+                        <a:t>“/</a:t>
+                      </a:r>
+                      <a:r>
+                        <a:rPr kumimoji="0" lang="en-US" sz="1100" b="0" i="0" u="none" strike="noStrike" cap="none" normalizeH="0" baseline="0" dirty="0" err="1">
+                          <a:ln>
+                            <a:noFill/>
+                          </a:ln>
+                          <a:solidFill>
+                            <a:schemeClr val="tx1"/>
+                          </a:solidFill>
+                          <a:effectLst/>
+                          <a:latin typeface="Arial" pitchFamily="-112" charset="0"/>
+                          <a:ea typeface="ヒラギノ角ゴ Pro W3" pitchFamily="-112" charset="-128"/>
+                          <a:cs typeface="ヒラギノ角ゴ Pro W3" pitchFamily="-112" charset="-128"/>
+                        </a:rPr>
+                        <a:t>cf</a:t>
+                      </a:r>
+                      <a:r>
+                        <a:rPr kumimoji="0" lang="en-US" sz="1100" b="0" i="0" u="none" strike="noStrike" cap="none" normalizeH="0" baseline="0" dirty="0">
+                          <a:ln>
+                            <a:noFill/>
+                          </a:ln>
+                          <a:solidFill>
+                            <a:schemeClr val="tx1"/>
+                          </a:solidFill>
+                          <a:effectLst/>
+                          <a:latin typeface="Arial" pitchFamily="-112" charset="0"/>
+                          <a:ea typeface="ヒラギノ角ゴ Pro W3" pitchFamily="-112" charset="-128"/>
+                          <a:cs typeface="ヒラギノ角ゴ Pro W3" pitchFamily="-112" charset="-128"/>
+                        </a:rPr>
+                        <a:t>/</a:t>
+                      </a:r>
+                      <a:r>
+                        <a:rPr kumimoji="0" lang="en-US" sz="1100" b="0" i="0" u="none" strike="noStrike" cap="none" normalizeH="0" baseline="0" dirty="0" err="1">
+                          <a:ln>
+                            <a:noFill/>
+                          </a:ln>
+                          <a:solidFill>
+                            <a:schemeClr val="tx1"/>
+                          </a:solidFill>
+                          <a:effectLst/>
+                          <a:latin typeface="Arial" pitchFamily="-112" charset="0"/>
+                          <a:ea typeface="ヒラギノ角ゴ Pro W3" pitchFamily="-112" charset="-128"/>
+                          <a:cs typeface="ヒラギノ角ゴ Pro W3" pitchFamily="-112" charset="-128"/>
+                        </a:rPr>
+                        <a:t>SbnPeerData.dat</a:t>
+                      </a:r>
+                      <a:r>
+                        <a:rPr kumimoji="0" lang="en-US" sz="1100" b="0" i="0" u="none" strike="noStrike" cap="none" normalizeH="0" baseline="0" dirty="0">
+                          <a:ln>
+                            <a:noFill/>
+                          </a:ln>
+                          <a:solidFill>
+                            <a:schemeClr val="tx1"/>
+                          </a:solidFill>
+                          <a:effectLst/>
+                          <a:latin typeface="Arial" pitchFamily="-112" charset="0"/>
+                          <a:ea typeface="ヒラギノ角ゴ Pro W3" pitchFamily="-112" charset="-128"/>
+                          <a:cs typeface="ヒラギノ角ゴ Pro W3" pitchFamily="-112" charset="-128"/>
+                        </a:rPr>
+                        <a:t>”</a:t>
                       </a:r>
                     </a:p>
                   </a:txBody>
@@ -16491,7 +16551,7 @@
                         <a:tabLst/>
                       </a:pPr>
                       <a:r>
-                        <a:rPr kumimoji="0" lang="en-US" sz="1100" b="0" i="0" u="none" strike="noStrike" cap="none" normalizeH="0" baseline="0" smtClean="0">
+                        <a:rPr kumimoji="0" lang="en-US" sz="1100" b="0" i="0" u="none" strike="noStrike" cap="none" normalizeH="0" baseline="0" dirty="0" smtClean="0">
                           <a:ln>
                             <a:noFill/>
                           </a:ln>
@@ -16505,7 +16565,7 @@
                         </a:rPr>
                         <a:t>Path of the peer configuration in the non-volatile memory.</a:t>
                       </a:r>
-                      <a:endParaRPr kumimoji="0" lang="en-US" sz="1100" b="0" i="0" u="none" strike="noStrike" cap="none" normalizeH="0" baseline="0">
+                      <a:endParaRPr kumimoji="0" lang="en-US" sz="1100" b="0" i="0" u="none" strike="noStrike" cap="none" normalizeH="0" baseline="0" dirty="0">
                         <a:ln>
                           <a:noFill/>
                         </a:ln>
@@ -16589,7 +16649,7 @@
                         <a:tabLst/>
                       </a:pPr>
                       <a:r>
-                        <a:rPr kumimoji="0" lang="en-US" sz="1400" b="0" i="0" u="none" strike="noStrike" cap="none" normalizeH="0" baseline="0" smtClean="0">
+                        <a:rPr kumimoji="0" lang="en-US" sz="1400" b="0" i="0" u="none" strike="noStrike" cap="none" normalizeH="0" baseline="0" dirty="0" err="1" smtClean="0">
                           <a:ln>
                             <a:noFill/>
                           </a:ln>
@@ -16601,9 +16661,24 @@
                           <a:ea typeface="ヒラギノ角ゴ Pro W3" pitchFamily="-112" charset="-128"/>
                           <a:cs typeface="ヒラギノ角ゴ Pro W3" pitchFamily="-112" charset="-128"/>
                         </a:rPr>
-                        <a:t>int PEER_FILE_LINE_SIZE</a:t>
+                        <a:t>int</a:t>
                       </a:r>
-                      <a:endParaRPr kumimoji="0" lang="en-US" sz="1400" b="0" i="0" u="none" strike="noStrike" cap="none" normalizeH="0" baseline="0">
+                      <a:r>
+                        <a:rPr kumimoji="0" lang="en-US" sz="1400" b="0" i="0" u="none" strike="noStrike" cap="none" normalizeH="0" baseline="0" dirty="0" smtClean="0">
+                          <a:ln>
+                            <a:noFill/>
+                          </a:ln>
+                          <a:solidFill>
+                            <a:schemeClr val="tx1"/>
+                          </a:solidFill>
+                          <a:effectLst/>
+                          <a:latin typeface="Arial" pitchFamily="-112" charset="0"/>
+                          <a:ea typeface="ヒラギノ角ゴ Pro W3" pitchFamily="-112" charset="-128"/>
+                          <a:cs typeface="ヒラギノ角ゴ Pro W3" pitchFamily="-112" charset="-128"/>
+                        </a:rPr>
+                        <a:t> PEER_FILE_LINE_SIZE</a:t>
+                      </a:r>
+                      <a:endParaRPr kumimoji="0" lang="en-US" sz="1400" b="0" i="0" u="none" strike="noStrike" cap="none" normalizeH="0" baseline="0" dirty="0">
                         <a:ln>
                           <a:noFill/>
                         </a:ln>
@@ -16645,9 +16720,9 @@
                       <a:headEnd type="none" w="med" len="med"/>
                       <a:tailEnd type="none" w="med" len="med"/>
                     </a:lnT>
-                    <a:lnB w="28575" cap="flat" cmpd="sng" algn="ctr">
-                      <a:solidFill>
-                        <a:scrgbClr r="0" g="0" b="0"/>
+                    <a:lnB w="12700" cap="flat" cmpd="sng" algn="ctr">
+                      <a:solidFill>
+                        <a:schemeClr val="tx1"/>
                       </a:solidFill>
                       <a:prstDash val="solid"/>
                       <a:round/>
@@ -16685,7 +16760,7 @@
                         <a:tabLst/>
                       </a:pPr>
                       <a:r>
-                        <a:rPr kumimoji="0" lang="en-US" sz="1100" b="0" i="0" u="none" strike="noStrike" cap="none" normalizeH="0" baseline="0">
+                        <a:rPr kumimoji="0" lang="en-US" sz="1100" b="0" i="0" u="none" strike="noStrike" cap="none" normalizeH="0" baseline="0" dirty="0">
                           <a:ln>
                             <a:noFill/>
                           </a:ln>
@@ -16729,9 +16804,9 @@
                       <a:headEnd type="none" w="med" len="med"/>
                       <a:tailEnd type="none" w="med" len="med"/>
                     </a:lnT>
-                    <a:lnB w="28575" cap="flat" cmpd="sng" algn="ctr">
-                      <a:solidFill>
-                        <a:scrgbClr r="0" g="0" b="0"/>
+                    <a:lnB w="12700" cap="flat" cmpd="sng" algn="ctr">
+                      <a:solidFill>
+                        <a:schemeClr val="tx1"/>
                       </a:solidFill>
                       <a:prstDash val="solid"/>
                       <a:round/>
@@ -16769,7 +16844,7 @@
                         <a:tabLst/>
                       </a:pPr>
                       <a:r>
-                        <a:rPr kumimoji="0" lang="en-US" sz="1100" b="0" i="0" u="none" strike="noStrike" cap="none" normalizeH="0" baseline="0" smtClean="0">
+                        <a:rPr kumimoji="0" lang="en-US" sz="1100" b="0" i="0" u="none" strike="noStrike" cap="none" normalizeH="0" baseline="0" dirty="0" smtClean="0">
                           <a:ln>
                             <a:noFill/>
                           </a:ln>
@@ -16783,7 +16858,677 @@
                         </a:rPr>
                         <a:t>Max length of a peer file line.</a:t>
                       </a:r>
-                      <a:endParaRPr kumimoji="0" lang="en-US" sz="1100" b="0" i="0" u="none" strike="noStrike" cap="none" normalizeH="0" baseline="0">
+                      <a:endParaRPr kumimoji="0" lang="en-US" sz="1100" b="0" i="0" u="none" strike="noStrike" cap="none" normalizeH="0" baseline="0" dirty="0">
+                        <a:ln>
+                          <a:noFill/>
+                        </a:ln>
+                        <a:solidFill>
+                          <a:schemeClr val="tx1"/>
+                        </a:solidFill>
+                        <a:effectLst/>
+                        <a:latin typeface="Arial" pitchFamily="-112" charset="0"/>
+                        <a:ea typeface="ヒラギノ角ゴ Pro W3" pitchFamily="-112" charset="-128"/>
+                        <a:cs typeface="ヒラギノ角ゴ Pro W3" pitchFamily="-112" charset="-128"/>
+                      </a:endParaRPr>
+                    </a:p>
+                  </a:txBody>
+                  <a:tcPr marT="45692" marB="45692" horzOverflow="overflow">
+                    <a:lnL w="12700" cap="flat" cmpd="sng" algn="ctr">
+                      <a:solidFill>
+                        <a:schemeClr val="tx1"/>
+                      </a:solidFill>
+                      <a:prstDash val="solid"/>
+                      <a:round/>
+                      <a:headEnd type="none" w="med" len="med"/>
+                      <a:tailEnd type="none" w="med" len="med"/>
+                    </a:lnL>
+                    <a:lnR w="28575" cap="flat" cmpd="sng" algn="ctr">
+                      <a:solidFill>
+                        <a:scrgbClr r="0" g="0" b="0"/>
+                      </a:solidFill>
+                      <a:prstDash val="solid"/>
+                      <a:round/>
+                      <a:headEnd type="none" w="med" len="med"/>
+                      <a:tailEnd type="none" w="med" len="med"/>
+                    </a:lnR>
+                    <a:lnT w="12700" cap="flat" cmpd="sng" algn="ctr">
+                      <a:solidFill>
+                        <a:schemeClr val="tx1"/>
+                      </a:solidFill>
+                      <a:prstDash val="solid"/>
+                      <a:round/>
+                      <a:headEnd type="none" w="med" len="med"/>
+                      <a:tailEnd type="none" w="med" len="med"/>
+                    </a:lnT>
+                    <a:lnB w="12700" cap="flat" cmpd="sng" algn="ctr">
+                      <a:solidFill>
+                        <a:schemeClr val="tx1"/>
+                      </a:solidFill>
+                      <a:prstDash val="solid"/>
+                      <a:round/>
+                      <a:headEnd type="none" w="med" len="med"/>
+                      <a:tailEnd type="none" w="med" len="med"/>
+                    </a:lnB>
+                    <a:lnTlToBr>
+                      <a:noFill/>
+                    </a:lnTlToBr>
+                    <a:lnBlToTr>
+                      <a:noFill/>
+                    </a:lnBlToTr>
+                    <a:noFill/>
+                  </a:tcPr>
+                </a:tc>
+              </a:tr>
+              <a:tr h="396172">
+                <a:tc>
+                  <a:txBody>
+                    <a:bodyPr/>
+                    <a:lstStyle/>
+                    <a:p>
+                      <a:pPr marL="0" marR="0" lvl="0" indent="0" algn="l" defTabSz="914400" rtl="0" eaLnBrk="0" fontAlgn="base" latinLnBrk="0" hangingPunct="0">
+                        <a:lnSpc>
+                          <a:spcPct val="100000"/>
+                        </a:lnSpc>
+                        <a:spcBef>
+                          <a:spcPct val="35000"/>
+                        </a:spcBef>
+                        <a:spcAft>
+                          <a:spcPct val="0"/>
+                        </a:spcAft>
+                        <a:buClrTx/>
+                        <a:buSzTx/>
+                        <a:buFontTx/>
+                        <a:buNone/>
+                        <a:tabLst/>
+                      </a:pPr>
+                      <a:r>
+                        <a:rPr kumimoji="0" lang="en-US" sz="1400" b="0" i="0" u="none" strike="noStrike" cap="none" normalizeH="0" baseline="0" dirty="0" err="1" smtClean="0">
+                          <a:ln>
+                            <a:noFill/>
+                          </a:ln>
+                          <a:solidFill>
+                            <a:schemeClr val="tx1"/>
+                          </a:solidFill>
+                          <a:effectLst/>
+                          <a:latin typeface="Arial" pitchFamily="-112" charset="0"/>
+                          <a:ea typeface="ヒラギノ角ゴ Pro W3" pitchFamily="-112" charset="-128"/>
+                          <a:cs typeface="ヒラギノ角ゴ Pro W3" pitchFamily="-112" charset="-128"/>
+                        </a:rPr>
+                        <a:t>boolean</a:t>
+                      </a:r>
+                      <a:r>
+                        <a:rPr kumimoji="0" lang="en-US" sz="1400" b="0" i="0" u="none" strike="noStrike" cap="none" normalizeH="0" baseline="0" dirty="0" smtClean="0">
+                          <a:ln>
+                            <a:noFill/>
+                          </a:ln>
+                          <a:solidFill>
+                            <a:schemeClr val="tx1"/>
+                          </a:solidFill>
+                          <a:effectLst/>
+                          <a:latin typeface="Arial" pitchFamily="-112" charset="0"/>
+                          <a:ea typeface="ヒラギノ角ゴ Pro W3" pitchFamily="-112" charset="-128"/>
+                          <a:cs typeface="ヒラギノ角ゴ Pro W3" pitchFamily="-112" charset="-128"/>
+                        </a:rPr>
+                        <a:t> SEND_TASK</a:t>
+                      </a:r>
+                      <a:endParaRPr kumimoji="0" lang="en-US" sz="1400" b="0" i="0" u="none" strike="noStrike" cap="none" normalizeH="0" baseline="0" dirty="0">
+                        <a:ln>
+                          <a:noFill/>
+                        </a:ln>
+                        <a:solidFill>
+                          <a:schemeClr val="tx1"/>
+                        </a:solidFill>
+                        <a:effectLst/>
+                        <a:latin typeface="Arial" pitchFamily="-112" charset="0"/>
+                        <a:ea typeface="ヒラギノ角ゴ Pro W3" pitchFamily="-112" charset="-128"/>
+                        <a:cs typeface="ヒラギノ角ゴ Pro W3" pitchFamily="-112" charset="-128"/>
+                      </a:endParaRPr>
+                    </a:p>
+                  </a:txBody>
+                  <a:tcPr marT="45692" marB="45692" horzOverflow="overflow">
+                    <a:lnL w="28575" cap="flat" cmpd="sng" algn="ctr">
+                      <a:solidFill>
+                        <a:scrgbClr r="0" g="0" b="0"/>
+                      </a:solidFill>
+                      <a:prstDash val="solid"/>
+                      <a:round/>
+                      <a:headEnd type="none" w="med" len="med"/>
+                      <a:tailEnd type="none" w="med" len="med"/>
+                    </a:lnL>
+                    <a:lnR w="12700" cap="flat" cmpd="sng" algn="ctr">
+                      <a:solidFill>
+                        <a:schemeClr val="tx1"/>
+                      </a:solidFill>
+                      <a:prstDash val="solid"/>
+                      <a:round/>
+                      <a:headEnd type="none" w="med" len="med"/>
+                      <a:tailEnd type="none" w="med" len="med"/>
+                    </a:lnR>
+                    <a:lnT w="12700" cap="flat" cmpd="sng" algn="ctr">
+                      <a:solidFill>
+                        <a:schemeClr val="tx1"/>
+                      </a:solidFill>
+                      <a:prstDash val="solid"/>
+                      <a:round/>
+                      <a:headEnd type="none" w="med" len="med"/>
+                      <a:tailEnd type="none" w="med" len="med"/>
+                    </a:lnT>
+                    <a:lnB w="12700" cap="flat" cmpd="sng" algn="ctr">
+                      <a:solidFill>
+                        <a:schemeClr val="tx1"/>
+                      </a:solidFill>
+                      <a:prstDash val="solid"/>
+                      <a:round/>
+                      <a:headEnd type="none" w="med" len="med"/>
+                      <a:tailEnd type="none" w="med" len="med"/>
+                    </a:lnB>
+                    <a:lnTlToBr>
+                      <a:noFill/>
+                    </a:lnTlToBr>
+                    <a:lnBlToTr>
+                      <a:noFill/>
+                    </a:lnBlToTr>
+                    <a:noFill/>
+                  </a:tcPr>
+                </a:tc>
+                <a:tc>
+                  <a:txBody>
+                    <a:bodyPr/>
+                    <a:lstStyle/>
+                    <a:p>
+                      <a:pPr marL="0" marR="0" lvl="0" indent="0" algn="l" defTabSz="914400" rtl="0" eaLnBrk="0" fontAlgn="base" latinLnBrk="0" hangingPunct="0">
+                        <a:lnSpc>
+                          <a:spcPct val="100000"/>
+                        </a:lnSpc>
+                        <a:spcBef>
+                          <a:spcPct val="35000"/>
+                        </a:spcBef>
+                        <a:spcAft>
+                          <a:spcPct val="0"/>
+                        </a:spcAft>
+                        <a:buClrTx/>
+                        <a:buSzTx/>
+                        <a:buFontTx/>
+                        <a:buNone/>
+                        <a:tabLst/>
+                      </a:pPr>
+                      <a:r>
+                        <a:rPr kumimoji="0" lang="en-US" sz="1100" b="0" i="0" u="none" strike="noStrike" cap="none" normalizeH="0" baseline="0" dirty="0" err="1" smtClean="0">
+                          <a:ln>
+                            <a:noFill/>
+                          </a:ln>
+                          <a:solidFill>
+                            <a:schemeClr val="tx1"/>
+                          </a:solidFill>
+                          <a:effectLst/>
+                          <a:latin typeface="Arial" pitchFamily="-112" charset="0"/>
+                          <a:ea typeface="ヒラギノ角ゴ Pro W3" pitchFamily="-112" charset="-128"/>
+                          <a:cs typeface="ヒラギノ角ゴ Pro W3" pitchFamily="-112" charset="-128"/>
+                        </a:rPr>
+                        <a:t>undef</a:t>
+                      </a:r>
+                      <a:endParaRPr kumimoji="0" lang="en-US" sz="1100" b="0" i="0" u="none" strike="noStrike" cap="none" normalizeH="0" baseline="0" dirty="0">
+                        <a:ln>
+                          <a:noFill/>
+                        </a:ln>
+                        <a:solidFill>
+                          <a:schemeClr val="tx1"/>
+                        </a:solidFill>
+                        <a:effectLst/>
+                        <a:latin typeface="Arial" pitchFamily="-112" charset="0"/>
+                        <a:ea typeface="ヒラギノ角ゴ Pro W3" pitchFamily="-112" charset="-128"/>
+                        <a:cs typeface="ヒラギノ角ゴ Pro W3" pitchFamily="-112" charset="-128"/>
+                      </a:endParaRPr>
+                    </a:p>
+                  </a:txBody>
+                  <a:tcPr marT="45692" marB="45692" horzOverflow="overflow">
+                    <a:lnL w="12700" cap="flat" cmpd="sng" algn="ctr">
+                      <a:solidFill>
+                        <a:schemeClr val="tx1"/>
+                      </a:solidFill>
+                      <a:prstDash val="solid"/>
+                      <a:round/>
+                      <a:headEnd type="none" w="med" len="med"/>
+                      <a:tailEnd type="none" w="med" len="med"/>
+                    </a:lnL>
+                    <a:lnR w="12700" cap="flat" cmpd="sng" algn="ctr">
+                      <a:solidFill>
+                        <a:schemeClr val="tx1"/>
+                      </a:solidFill>
+                      <a:prstDash val="solid"/>
+                      <a:round/>
+                      <a:headEnd type="none" w="med" len="med"/>
+                      <a:tailEnd type="none" w="med" len="med"/>
+                    </a:lnR>
+                    <a:lnT w="12700" cap="flat" cmpd="sng" algn="ctr">
+                      <a:solidFill>
+                        <a:schemeClr val="tx1"/>
+                      </a:solidFill>
+                      <a:prstDash val="solid"/>
+                      <a:round/>
+                      <a:headEnd type="none" w="med" len="med"/>
+                      <a:tailEnd type="none" w="med" len="med"/>
+                    </a:lnT>
+                    <a:lnB w="12700" cap="flat" cmpd="sng" algn="ctr">
+                      <a:solidFill>
+                        <a:schemeClr val="tx1"/>
+                      </a:solidFill>
+                      <a:prstDash val="solid"/>
+                      <a:round/>
+                      <a:headEnd type="none" w="med" len="med"/>
+                      <a:tailEnd type="none" w="med" len="med"/>
+                    </a:lnB>
+                    <a:lnTlToBr>
+                      <a:noFill/>
+                    </a:lnTlToBr>
+                    <a:lnBlToTr>
+                      <a:noFill/>
+                    </a:lnBlToTr>
+                    <a:noFill/>
+                  </a:tcPr>
+                </a:tc>
+                <a:tc>
+                  <a:txBody>
+                    <a:bodyPr/>
+                    <a:lstStyle/>
+                    <a:p>
+                      <a:pPr marL="0" marR="0" lvl="0" indent="0" algn="l" defTabSz="914400" rtl="0" eaLnBrk="0" fontAlgn="base" latinLnBrk="0" hangingPunct="0">
+                        <a:lnSpc>
+                          <a:spcPct val="100000"/>
+                        </a:lnSpc>
+                        <a:spcBef>
+                          <a:spcPct val="35000"/>
+                        </a:spcBef>
+                        <a:spcAft>
+                          <a:spcPct val="0"/>
+                        </a:spcAft>
+                        <a:buClrTx/>
+                        <a:buSzTx/>
+                        <a:buFontTx/>
+                        <a:buNone/>
+                        <a:tabLst/>
+                      </a:pPr>
+                      <a:r>
+                        <a:rPr kumimoji="0" lang="en-US" sz="1100" b="0" i="0" u="none" strike="noStrike" cap="none" normalizeH="0" baseline="0" dirty="0" smtClean="0">
+                          <a:ln>
+                            <a:noFill/>
+                          </a:ln>
+                          <a:solidFill>
+                            <a:schemeClr val="tx1"/>
+                          </a:solidFill>
+                          <a:effectLst/>
+                          <a:latin typeface="Arial" pitchFamily="-112" charset="0"/>
+                          <a:ea typeface="ヒラギノ角ゴ Pro W3" pitchFamily="-112" charset="-128"/>
+                          <a:cs typeface="ヒラギノ角ゴ Pro W3" pitchFamily="-112" charset="-128"/>
+                        </a:rPr>
+                        <a:t>Use a per-peer task to wait on the peer’s pipe and send messages to the peer as soon as they are read off the pipe. If </a:t>
+                      </a:r>
+                      <a:r>
+                        <a:rPr kumimoji="0" lang="en-US" sz="1100" b="0" i="0" u="none" strike="noStrike" cap="none" normalizeH="0" baseline="0" dirty="0" err="1" smtClean="0">
+                          <a:ln>
+                            <a:noFill/>
+                          </a:ln>
+                          <a:solidFill>
+                            <a:schemeClr val="tx1"/>
+                          </a:solidFill>
+                          <a:effectLst/>
+                          <a:latin typeface="Arial" pitchFamily="-112" charset="0"/>
+                          <a:ea typeface="ヒラギノ角ゴ Pro W3" pitchFamily="-112" charset="-128"/>
+                          <a:cs typeface="ヒラギノ角ゴ Pro W3" pitchFamily="-112" charset="-128"/>
+                        </a:rPr>
+                        <a:t>undef</a:t>
+                      </a:r>
+                      <a:r>
+                        <a:rPr kumimoji="0" lang="en-US" sz="1100" b="0" i="0" u="none" strike="noStrike" cap="none" normalizeH="0" baseline="0" dirty="0" smtClean="0">
+                          <a:ln>
+                            <a:noFill/>
+                          </a:ln>
+                          <a:solidFill>
+                            <a:schemeClr val="tx1"/>
+                          </a:solidFill>
+                          <a:effectLst/>
+                          <a:latin typeface="Arial" pitchFamily="-112" charset="0"/>
+                          <a:ea typeface="ヒラギノ角ゴ Pro W3" pitchFamily="-112" charset="-128"/>
+                          <a:cs typeface="ヒラギノ角ゴ Pro W3" pitchFamily="-112" charset="-128"/>
+                        </a:rPr>
+                        <a:t>, pipes are polled every time SCH wakes up SBN.</a:t>
+                      </a:r>
+                      <a:endParaRPr kumimoji="0" lang="en-US" sz="1100" b="0" i="0" u="none" strike="noStrike" cap="none" normalizeH="0" baseline="0" dirty="0">
+                        <a:ln>
+                          <a:noFill/>
+                        </a:ln>
+                        <a:solidFill>
+                          <a:schemeClr val="tx1"/>
+                        </a:solidFill>
+                        <a:effectLst/>
+                        <a:latin typeface="Arial" pitchFamily="-112" charset="0"/>
+                        <a:ea typeface="ヒラギノ角ゴ Pro W3" pitchFamily="-112" charset="-128"/>
+                        <a:cs typeface="ヒラギノ角ゴ Pro W3" pitchFamily="-112" charset="-128"/>
+                      </a:endParaRPr>
+                    </a:p>
+                  </a:txBody>
+                  <a:tcPr marT="45692" marB="45692" horzOverflow="overflow">
+                    <a:lnL w="12700" cap="flat" cmpd="sng" algn="ctr">
+                      <a:solidFill>
+                        <a:schemeClr val="tx1"/>
+                      </a:solidFill>
+                      <a:prstDash val="solid"/>
+                      <a:round/>
+                      <a:headEnd type="none" w="med" len="med"/>
+                      <a:tailEnd type="none" w="med" len="med"/>
+                    </a:lnL>
+                    <a:lnR w="28575" cap="flat" cmpd="sng" algn="ctr">
+                      <a:solidFill>
+                        <a:scrgbClr r="0" g="0" b="0"/>
+                      </a:solidFill>
+                      <a:prstDash val="solid"/>
+                      <a:round/>
+                      <a:headEnd type="none" w="med" len="med"/>
+                      <a:tailEnd type="none" w="med" len="med"/>
+                    </a:lnR>
+                    <a:lnT w="12700" cap="flat" cmpd="sng" algn="ctr">
+                      <a:solidFill>
+                        <a:schemeClr val="tx1"/>
+                      </a:solidFill>
+                      <a:prstDash val="solid"/>
+                      <a:round/>
+                      <a:headEnd type="none" w="med" len="med"/>
+                      <a:tailEnd type="none" w="med" len="med"/>
+                    </a:lnT>
+                    <a:lnB w="12700" cap="flat" cmpd="sng" algn="ctr">
+                      <a:solidFill>
+                        <a:schemeClr val="tx1"/>
+                      </a:solidFill>
+                      <a:prstDash val="solid"/>
+                      <a:round/>
+                      <a:headEnd type="none" w="med" len="med"/>
+                      <a:tailEnd type="none" w="med" len="med"/>
+                    </a:lnB>
+                    <a:lnTlToBr>
+                      <a:noFill/>
+                    </a:lnTlToBr>
+                    <a:lnBlToTr>
+                      <a:noFill/>
+                    </a:lnBlToTr>
+                    <a:noFill/>
+                  </a:tcPr>
+                </a:tc>
+              </a:tr>
+              <a:tr h="396172">
+                <a:tc>
+                  <a:txBody>
+                    <a:bodyPr/>
+                    <a:lstStyle/>
+                    <a:p>
+                      <a:pPr marL="0" marR="0" lvl="0" indent="0" algn="l" defTabSz="914400" rtl="0" eaLnBrk="0" fontAlgn="base" latinLnBrk="0" hangingPunct="0">
+                        <a:lnSpc>
+                          <a:spcPct val="100000"/>
+                        </a:lnSpc>
+                        <a:spcBef>
+                          <a:spcPct val="35000"/>
+                        </a:spcBef>
+                        <a:spcAft>
+                          <a:spcPct val="0"/>
+                        </a:spcAft>
+                        <a:buClrTx/>
+                        <a:buSzTx/>
+                        <a:buFontTx/>
+                        <a:buNone/>
+                        <a:tabLst/>
+                      </a:pPr>
+                      <a:r>
+                        <a:rPr kumimoji="0" lang="en-US" sz="1400" b="0" i="0" u="none" strike="noStrike" cap="none" normalizeH="0" baseline="0" dirty="0" err="1" smtClean="0">
+                          <a:ln>
+                            <a:noFill/>
+                          </a:ln>
+                          <a:solidFill>
+                            <a:schemeClr val="tx1"/>
+                          </a:solidFill>
+                          <a:effectLst/>
+                          <a:latin typeface="Arial" pitchFamily="-112" charset="0"/>
+                          <a:ea typeface="ヒラギノ角ゴ Pro W3" pitchFamily="-112" charset="-128"/>
+                          <a:cs typeface="ヒラギノ角ゴ Pro W3" pitchFamily="-112" charset="-128"/>
+                        </a:rPr>
+                        <a:t>boolean</a:t>
+                      </a:r>
+                      <a:r>
+                        <a:rPr kumimoji="0" lang="en-US" sz="1400" b="0" i="0" u="none" strike="noStrike" cap="none" normalizeH="0" baseline="0" dirty="0" smtClean="0">
+                          <a:ln>
+                            <a:noFill/>
+                          </a:ln>
+                          <a:solidFill>
+                            <a:schemeClr val="tx1"/>
+                          </a:solidFill>
+                          <a:effectLst/>
+                          <a:latin typeface="Arial" pitchFamily="-112" charset="0"/>
+                          <a:ea typeface="ヒラギノ角ゴ Pro W3" pitchFamily="-112" charset="-128"/>
+                          <a:cs typeface="ヒラギノ角ゴ Pro W3" pitchFamily="-112" charset="-128"/>
+                        </a:rPr>
+                        <a:t> RECV_TASK</a:t>
+                      </a:r>
+                      <a:endParaRPr kumimoji="0" lang="en-US" sz="1400" b="0" i="0" u="none" strike="noStrike" cap="none" normalizeH="0" baseline="0" dirty="0">
+                        <a:ln>
+                          <a:noFill/>
+                        </a:ln>
+                        <a:solidFill>
+                          <a:schemeClr val="tx1"/>
+                        </a:solidFill>
+                        <a:effectLst/>
+                        <a:latin typeface="Arial" pitchFamily="-112" charset="0"/>
+                        <a:ea typeface="ヒラギノ角ゴ Pro W3" pitchFamily="-112" charset="-128"/>
+                        <a:cs typeface="ヒラギノ角ゴ Pro W3" pitchFamily="-112" charset="-128"/>
+                      </a:endParaRPr>
+                    </a:p>
+                  </a:txBody>
+                  <a:tcPr marT="45692" marB="45692" horzOverflow="overflow">
+                    <a:lnL w="28575" cap="flat" cmpd="sng" algn="ctr">
+                      <a:solidFill>
+                        <a:scrgbClr r="0" g="0" b="0"/>
+                      </a:solidFill>
+                      <a:prstDash val="solid"/>
+                      <a:round/>
+                      <a:headEnd type="none" w="med" len="med"/>
+                      <a:tailEnd type="none" w="med" len="med"/>
+                    </a:lnL>
+                    <a:lnR w="12700" cap="flat" cmpd="sng" algn="ctr">
+                      <a:solidFill>
+                        <a:schemeClr val="tx1"/>
+                      </a:solidFill>
+                      <a:prstDash val="solid"/>
+                      <a:round/>
+                      <a:headEnd type="none" w="med" len="med"/>
+                      <a:tailEnd type="none" w="med" len="med"/>
+                    </a:lnR>
+                    <a:lnT w="12700" cap="flat" cmpd="sng" algn="ctr">
+                      <a:solidFill>
+                        <a:schemeClr val="tx1"/>
+                      </a:solidFill>
+                      <a:prstDash val="solid"/>
+                      <a:round/>
+                      <a:headEnd type="none" w="med" len="med"/>
+                      <a:tailEnd type="none" w="med" len="med"/>
+                    </a:lnT>
+                    <a:lnB w="28575" cap="flat" cmpd="sng" algn="ctr">
+                      <a:solidFill>
+                        <a:scrgbClr r="0" g="0" b="0"/>
+                      </a:solidFill>
+                      <a:prstDash val="solid"/>
+                      <a:round/>
+                      <a:headEnd type="none" w="med" len="med"/>
+                      <a:tailEnd type="none" w="med" len="med"/>
+                    </a:lnB>
+                    <a:lnTlToBr>
+                      <a:noFill/>
+                    </a:lnTlToBr>
+                    <a:lnBlToTr>
+                      <a:noFill/>
+                    </a:lnBlToTr>
+                    <a:noFill/>
+                  </a:tcPr>
+                </a:tc>
+                <a:tc>
+                  <a:txBody>
+                    <a:bodyPr/>
+                    <a:lstStyle/>
+                    <a:p>
+                      <a:pPr marL="0" marR="0" lvl="0" indent="0" algn="l" defTabSz="914400" rtl="0" eaLnBrk="0" fontAlgn="base" latinLnBrk="0" hangingPunct="0">
+                        <a:lnSpc>
+                          <a:spcPct val="100000"/>
+                        </a:lnSpc>
+                        <a:spcBef>
+                          <a:spcPct val="35000"/>
+                        </a:spcBef>
+                        <a:spcAft>
+                          <a:spcPct val="0"/>
+                        </a:spcAft>
+                        <a:buClrTx/>
+                        <a:buSzTx/>
+                        <a:buFontTx/>
+                        <a:buNone/>
+                        <a:tabLst/>
+                      </a:pPr>
+                      <a:r>
+                        <a:rPr kumimoji="0" lang="en-US" sz="1100" b="0" i="0" u="none" strike="noStrike" cap="none" normalizeH="0" baseline="0" dirty="0" err="1" smtClean="0">
+                          <a:ln>
+                            <a:noFill/>
+                          </a:ln>
+                          <a:solidFill>
+                            <a:schemeClr val="tx1"/>
+                          </a:solidFill>
+                          <a:effectLst/>
+                          <a:latin typeface="Arial" pitchFamily="-112" charset="0"/>
+                          <a:ea typeface="ヒラギノ角ゴ Pro W3" pitchFamily="-112" charset="-128"/>
+                          <a:cs typeface="ヒラギノ角ゴ Pro W3" pitchFamily="-112" charset="-128"/>
+                        </a:rPr>
+                        <a:t>undef</a:t>
+                      </a:r>
+                      <a:endParaRPr kumimoji="0" lang="en-US" sz="1100" b="0" i="0" u="none" strike="noStrike" cap="none" normalizeH="0" baseline="0" dirty="0">
+                        <a:ln>
+                          <a:noFill/>
+                        </a:ln>
+                        <a:solidFill>
+                          <a:schemeClr val="tx1"/>
+                        </a:solidFill>
+                        <a:effectLst/>
+                        <a:latin typeface="Arial" pitchFamily="-112" charset="0"/>
+                        <a:ea typeface="ヒラギノ角ゴ Pro W3" pitchFamily="-112" charset="-128"/>
+                        <a:cs typeface="ヒラギノ角ゴ Pro W3" pitchFamily="-112" charset="-128"/>
+                      </a:endParaRPr>
+                    </a:p>
+                  </a:txBody>
+                  <a:tcPr marT="45692" marB="45692" horzOverflow="overflow">
+                    <a:lnL w="12700" cap="flat" cmpd="sng" algn="ctr">
+                      <a:solidFill>
+                        <a:schemeClr val="tx1"/>
+                      </a:solidFill>
+                      <a:prstDash val="solid"/>
+                      <a:round/>
+                      <a:headEnd type="none" w="med" len="med"/>
+                      <a:tailEnd type="none" w="med" len="med"/>
+                    </a:lnL>
+                    <a:lnR w="12700" cap="flat" cmpd="sng" algn="ctr">
+                      <a:solidFill>
+                        <a:schemeClr val="tx1"/>
+                      </a:solidFill>
+                      <a:prstDash val="solid"/>
+                      <a:round/>
+                      <a:headEnd type="none" w="med" len="med"/>
+                      <a:tailEnd type="none" w="med" len="med"/>
+                    </a:lnR>
+                    <a:lnT w="12700" cap="flat" cmpd="sng" algn="ctr">
+                      <a:solidFill>
+                        <a:schemeClr val="tx1"/>
+                      </a:solidFill>
+                      <a:prstDash val="solid"/>
+                      <a:round/>
+                      <a:headEnd type="none" w="med" len="med"/>
+                      <a:tailEnd type="none" w="med" len="med"/>
+                    </a:lnT>
+                    <a:lnB w="28575" cap="flat" cmpd="sng" algn="ctr">
+                      <a:solidFill>
+                        <a:scrgbClr r="0" g="0" b="0"/>
+                      </a:solidFill>
+                      <a:prstDash val="solid"/>
+                      <a:round/>
+                      <a:headEnd type="none" w="med" len="med"/>
+                      <a:tailEnd type="none" w="med" len="med"/>
+                    </a:lnB>
+                    <a:lnTlToBr>
+                      <a:noFill/>
+                    </a:lnTlToBr>
+                    <a:lnBlToTr>
+                      <a:noFill/>
+                    </a:lnBlToTr>
+                    <a:noFill/>
+                  </a:tcPr>
+                </a:tc>
+                <a:tc>
+                  <a:txBody>
+                    <a:bodyPr/>
+                    <a:lstStyle/>
+                    <a:p>
+                      <a:pPr marL="0" marR="0" lvl="0" indent="0" algn="l" defTabSz="914400" rtl="0" eaLnBrk="0" fontAlgn="base" latinLnBrk="0" hangingPunct="0">
+                        <a:lnSpc>
+                          <a:spcPct val="100000"/>
+                        </a:lnSpc>
+                        <a:spcBef>
+                          <a:spcPct val="35000"/>
+                        </a:spcBef>
+                        <a:spcAft>
+                          <a:spcPct val="0"/>
+                        </a:spcAft>
+                        <a:buClrTx/>
+                        <a:buSzTx/>
+                        <a:buFontTx/>
+                        <a:buNone/>
+                        <a:tabLst/>
+                      </a:pPr>
+                      <a:r>
+                        <a:rPr kumimoji="0" lang="en-US" sz="1100" b="0" i="0" u="none" strike="noStrike" cap="none" normalizeH="0" baseline="0" dirty="0" smtClean="0">
+                          <a:ln>
+                            <a:noFill/>
+                          </a:ln>
+                          <a:solidFill>
+                            <a:schemeClr val="tx1"/>
+                          </a:solidFill>
+                          <a:effectLst/>
+                          <a:latin typeface="Arial" pitchFamily="-112" charset="0"/>
+                          <a:ea typeface="ヒラギノ角ゴ Pro W3" pitchFamily="-112" charset="-128"/>
+                          <a:cs typeface="ヒラギノ角ゴ Pro W3" pitchFamily="-112" charset="-128"/>
+                        </a:rPr>
+                        <a:t>Use a per-peer task to wait on the peer’s connection and send messages to the bus as soon as they are received by the peer. If </a:t>
+                      </a:r>
+                      <a:r>
+                        <a:rPr kumimoji="0" lang="en-US" sz="1100" b="0" i="0" u="none" strike="noStrike" cap="none" normalizeH="0" baseline="0" dirty="0" err="1" smtClean="0">
+                          <a:ln>
+                            <a:noFill/>
+                          </a:ln>
+                          <a:solidFill>
+                            <a:schemeClr val="tx1"/>
+                          </a:solidFill>
+                          <a:effectLst/>
+                          <a:latin typeface="Arial" pitchFamily="-112" charset="0"/>
+                          <a:ea typeface="ヒラギノ角ゴ Pro W3" pitchFamily="-112" charset="-128"/>
+                          <a:cs typeface="ヒラギノ角ゴ Pro W3" pitchFamily="-112" charset="-128"/>
+                        </a:rPr>
+                        <a:t>undef</a:t>
+                      </a:r>
+                      <a:r>
+                        <a:rPr kumimoji="0" lang="en-US" sz="1100" b="0" i="0" u="none" strike="noStrike" cap="none" normalizeH="0" baseline="0" dirty="0" smtClean="0">
+                          <a:ln>
+                            <a:noFill/>
+                          </a:ln>
+                          <a:solidFill>
+                            <a:schemeClr val="tx1"/>
+                          </a:solidFill>
+                          <a:effectLst/>
+                          <a:latin typeface="Arial" pitchFamily="-112" charset="0"/>
+                          <a:ea typeface="ヒラギノ角ゴ Pro W3" pitchFamily="-112" charset="-128"/>
+                          <a:cs typeface="ヒラギノ角ゴ Pro W3" pitchFamily="-112" charset="-128"/>
+                        </a:rPr>
+                        <a:t>, peer connections are polled every time SCH wakes up SBN.</a:t>
+                      </a:r>
+                      <a:endParaRPr kumimoji="0" lang="en-US" sz="1100" b="0" i="0" u="none" strike="noStrike" cap="none" normalizeH="0" baseline="0" dirty="0">
                         <a:ln>
                           <a:noFill/>
                         </a:ln>
@@ -16871,7 +17616,7 @@
               <a:pPr>
                 <a:defRPr/>
               </a:pPr>
-              <a:t>12/11/16</a:t>
+              <a:t>1/10/17</a:t>
             </a:fld>
             <a:endParaRPr lang="en-US"/>
           </a:p>
@@ -16947,14 +17692,14 @@
           <a:ln/>
           <a:extLst>
             <a:ext uri="{909E8E84-426E-40dd-AFC4-6F175D3DCCD1}">
-              <a14:hiddenFill xmlns:a14="http://schemas.microsoft.com/office/drawing/2010/main" xmlns="">
+              <a14:hiddenFill xmlns="" xmlns:a14="http://schemas.microsoft.com/office/drawing/2010/main">
                 <a:solidFill>
                   <a:srgbClr val="FFFFFF"/>
                 </a:solidFill>
               </a14:hiddenFill>
             </a:ext>
             <a:ext uri="{91240B29-F687-4f45-9708-019B960494DF}">
-              <a14:hiddenLine xmlns:a14="http://schemas.microsoft.com/office/drawing/2010/main" xmlns="" w="9525">
+              <a14:hiddenLine xmlns="" xmlns:a14="http://schemas.microsoft.com/office/drawing/2010/main" w="9525">
                 <a:solidFill>
                   <a:srgbClr val="000000"/>
                 </a:solidFill>
@@ -19638,7 +20383,7 @@
               <a:defRPr/>
             </a:pPr>
             <a:fld id="{0F7BDA28-418C-9143-89A1-46CE07347BF0}" type="datetime1">
-              <a:t>12/11/16</a:t>
+              <a:t>1/10/17</a:t>
             </a:fld>
             <a:endParaRPr lang="en-US"/>
           </a:p>
@@ -19691,14 +20436,14 @@
           </a:ln>
           <a:extLst>
             <a:ext uri="{909E8E84-426E-40dd-AFC4-6F175D3DCCD1}">
-              <a14:hiddenFill xmlns:a14="http://schemas.microsoft.com/office/drawing/2010/main" xmlns="">
+              <a14:hiddenFill xmlns="" xmlns:a14="http://schemas.microsoft.com/office/drawing/2010/main">
                 <a:solidFill>
                   <a:srgbClr val="FFFFFF"/>
                 </a:solidFill>
               </a14:hiddenFill>
             </a:ext>
             <a:ext uri="{91240B29-F687-4f45-9708-019B960494DF}">
-              <a14:hiddenLine xmlns:a14="http://schemas.microsoft.com/office/drawing/2010/main" xmlns="" w="9525">
+              <a14:hiddenLine xmlns="" xmlns:a14="http://schemas.microsoft.com/office/drawing/2010/main" w="9525">
                 <a:solidFill>
                   <a:srgbClr val="000000"/>
                 </a:solidFill>
@@ -19883,14 +20628,14 @@
           </a:ln>
           <a:extLst>
             <a:ext uri="{909E8E84-426E-40dd-AFC4-6F175D3DCCD1}">
-              <a14:hiddenFill xmlns:a14="http://schemas.microsoft.com/office/drawing/2010/main" xmlns="">
+              <a14:hiddenFill xmlns="" xmlns:a14="http://schemas.microsoft.com/office/drawing/2010/main">
                 <a:solidFill>
                   <a:srgbClr val="FFFFFF"/>
                 </a:solidFill>
               </a14:hiddenFill>
             </a:ext>
             <a:ext uri="{91240B29-F687-4f45-9708-019B960494DF}">
-              <a14:hiddenLine xmlns:a14="http://schemas.microsoft.com/office/drawing/2010/main" xmlns="" w="9525">
+              <a14:hiddenLine xmlns="" xmlns:a14="http://schemas.microsoft.com/office/drawing/2010/main" w="9525">
                 <a:solidFill>
                   <a:srgbClr val="000000"/>
                 </a:solidFill>
@@ -22936,14 +23681,14 @@
           </a:ln>
           <a:extLst>
             <a:ext uri="{909E8E84-426E-40dd-AFC4-6F175D3DCCD1}">
-              <a14:hiddenFill xmlns:a14="http://schemas.microsoft.com/office/drawing/2010/main" xmlns="">
+              <a14:hiddenFill xmlns="" xmlns:a14="http://schemas.microsoft.com/office/drawing/2010/main">
                 <a:solidFill>
                   <a:srgbClr val="FFFFFF"/>
                 </a:solidFill>
               </a14:hiddenFill>
             </a:ext>
             <a:ext uri="{91240B29-F687-4f45-9708-019B960494DF}">
-              <a14:hiddenLine xmlns:a14="http://schemas.microsoft.com/office/drawing/2010/main" xmlns="" w="9525">
+              <a14:hiddenLine xmlns="" xmlns:a14="http://schemas.microsoft.com/office/drawing/2010/main" w="9525">
                 <a:solidFill>
                   <a:srgbClr val="000000"/>
                 </a:solidFill>
@@ -23102,7 +23847,7 @@
               <a:defRPr/>
             </a:pPr>
             <a:fld id="{59DBD478-FE4D-DB41-B957-A9DBBBBF7C99}" type="datetime1">
-              <a:t>12/11/16</a:t>
+              <a:t>1/10/17</a:t>
             </a:fld>
             <a:endParaRPr lang="en-US"/>
           </a:p>
@@ -23148,14 +23893,14 @@
           <a:ln/>
           <a:extLst>
             <a:ext uri="{909E8E84-426E-40dd-AFC4-6F175D3DCCD1}">
-              <a14:hiddenFill xmlns:a14="http://schemas.microsoft.com/office/drawing/2010/main" xmlns="">
+              <a14:hiddenFill xmlns="" xmlns:a14="http://schemas.microsoft.com/office/drawing/2010/main">
                 <a:solidFill>
                   <a:srgbClr val="FFFFFF"/>
                 </a:solidFill>
               </a14:hiddenFill>
             </a:ext>
             <a:ext uri="{91240B29-F687-4f45-9708-019B960494DF}">
-              <a14:hiddenLine xmlns:a14="http://schemas.microsoft.com/office/drawing/2010/main" xmlns="" w="9525">
+              <a14:hiddenLine xmlns="" xmlns:a14="http://schemas.microsoft.com/office/drawing/2010/main" w="9525">
                 <a:solidFill>
                   <a:srgbClr val="000000"/>
                 </a:solidFill>
@@ -23342,14 +24087,14 @@
           </a:ln>
           <a:extLst>
             <a:ext uri="{909E8E84-426E-40dd-AFC4-6F175D3DCCD1}">
-              <a14:hiddenFill xmlns:a14="http://schemas.microsoft.com/office/drawing/2010/main" xmlns="">
+              <a14:hiddenFill xmlns="" xmlns:a14="http://schemas.microsoft.com/office/drawing/2010/main">
                 <a:solidFill>
                   <a:srgbClr val="FFFFFF"/>
                 </a:solidFill>
               </a14:hiddenFill>
             </a:ext>
             <a:ext uri="{91240B29-F687-4f45-9708-019B960494DF}">
-              <a14:hiddenLine xmlns:a14="http://schemas.microsoft.com/office/drawing/2010/main" xmlns="" w="9525">
+              <a14:hiddenLine xmlns="" xmlns:a14="http://schemas.microsoft.com/office/drawing/2010/main" w="9525">
                 <a:solidFill>
                   <a:srgbClr val="000000"/>
                 </a:solidFill>
@@ -23534,7 +24279,7 @@
               <a:defRPr/>
             </a:pPr>
             <a:fld id="{59DBD478-FE4D-DB41-B957-A9DBBBBF7C99}" type="datetime1">
-              <a:t>12/11/16</a:t>
+              <a:t>1/10/17</a:t>
             </a:fld>
             <a:endParaRPr lang="en-US"/>
           </a:p>
@@ -23580,14 +24325,14 @@
           <a:ln/>
           <a:extLst>
             <a:ext uri="{909E8E84-426E-40dd-AFC4-6F175D3DCCD1}">
-              <a14:hiddenFill xmlns:a14="http://schemas.microsoft.com/office/drawing/2010/main" xmlns="">
+              <a14:hiddenFill xmlns="" xmlns:a14="http://schemas.microsoft.com/office/drawing/2010/main">
                 <a:solidFill>
                   <a:srgbClr val="FFFFFF"/>
                 </a:solidFill>
               </a14:hiddenFill>
             </a:ext>
             <a:ext uri="{91240B29-F687-4f45-9708-019B960494DF}">
-              <a14:hiddenLine xmlns:a14="http://schemas.microsoft.com/office/drawing/2010/main" xmlns="" w="9525">
+              <a14:hiddenLine xmlns="" xmlns:a14="http://schemas.microsoft.com/office/drawing/2010/main" w="9525">
                 <a:solidFill>
                   <a:srgbClr val="000000"/>
                 </a:solidFill>
@@ -28333,14 +29078,14 @@
           </a:ln>
           <a:extLst>
             <a:ext uri="{909E8E84-426E-40dd-AFC4-6F175D3DCCD1}">
-              <a14:hiddenFill xmlns:a14="http://schemas.microsoft.com/office/drawing/2010/main" xmlns="">
+              <a14:hiddenFill xmlns="" xmlns:a14="http://schemas.microsoft.com/office/drawing/2010/main">
                 <a:solidFill>
                   <a:srgbClr val="FFFFFF"/>
                 </a:solidFill>
               </a14:hiddenFill>
             </a:ext>
             <a:ext uri="{91240B29-F687-4f45-9708-019B960494DF}">
-              <a14:hiddenLine xmlns:a14="http://schemas.microsoft.com/office/drawing/2010/main" xmlns="" w="9525">
+              <a14:hiddenLine xmlns="" xmlns:a14="http://schemas.microsoft.com/office/drawing/2010/main" w="9525">
                 <a:solidFill>
                   <a:srgbClr val="000000"/>
                 </a:solidFill>
@@ -30102,14 +30847,14 @@
           </a:ln>
           <a:extLst>
             <a:ext uri="{909E8E84-426E-40dd-AFC4-6F175D3DCCD1}">
-              <a14:hiddenFill xmlns:a14="http://schemas.microsoft.com/office/drawing/2010/main" xmlns="">
+              <a14:hiddenFill xmlns="" xmlns:a14="http://schemas.microsoft.com/office/drawing/2010/main">
                 <a:solidFill>
                   <a:srgbClr val="FFFFFF"/>
                 </a:solidFill>
               </a14:hiddenFill>
             </a:ext>
             <a:ext uri="{91240B29-F687-4f45-9708-019B960494DF}">
-              <a14:hiddenLine xmlns:a14="http://schemas.microsoft.com/office/drawing/2010/main" xmlns="" w="9525">
+              <a14:hiddenLine xmlns="" xmlns:a14="http://schemas.microsoft.com/office/drawing/2010/main" w="9525">
                 <a:solidFill>
                   <a:srgbClr val="000000"/>
                 </a:solidFill>
@@ -30268,7 +31013,7 @@
               <a:defRPr/>
             </a:pPr>
             <a:fld id="{59DBD478-FE4D-DB41-B957-A9DBBBBF7C99}" type="datetime1">
-              <a:t>12/11/16</a:t>
+              <a:t>1/10/17</a:t>
             </a:fld>
             <a:endParaRPr lang="en-US"/>
           </a:p>
@@ -30314,14 +31059,14 @@
           <a:ln/>
           <a:extLst>
             <a:ext uri="{909E8E84-426E-40dd-AFC4-6F175D3DCCD1}">
-              <a14:hiddenFill xmlns:a14="http://schemas.microsoft.com/office/drawing/2010/main" xmlns="">
+              <a14:hiddenFill xmlns="" xmlns:a14="http://schemas.microsoft.com/office/drawing/2010/main">
                 <a:solidFill>
                   <a:srgbClr val="FFFFFF"/>
                 </a:solidFill>
               </a14:hiddenFill>
             </a:ext>
             <a:ext uri="{91240B29-F687-4f45-9708-019B960494DF}">
-              <a14:hiddenLine xmlns:a14="http://schemas.microsoft.com/office/drawing/2010/main" xmlns="" w="9525">
+              <a14:hiddenLine xmlns="" xmlns:a14="http://schemas.microsoft.com/office/drawing/2010/main" w="9525">
                 <a:solidFill>
                   <a:srgbClr val="000000"/>
                 </a:solidFill>
@@ -30506,14 +31251,14 @@
           <a:ln/>
           <a:extLst>
             <a:ext uri="{909E8E84-426E-40dd-AFC4-6F175D3DCCD1}">
-              <a14:hiddenFill xmlns:a14="http://schemas.microsoft.com/office/drawing/2010/main" xmlns="">
+              <a14:hiddenFill xmlns="" xmlns:a14="http://schemas.microsoft.com/office/drawing/2010/main">
                 <a:solidFill>
                   <a:srgbClr val="FFFFFF"/>
                 </a:solidFill>
               </a14:hiddenFill>
             </a:ext>
             <a:ext uri="{91240B29-F687-4f45-9708-019B960494DF}">
-              <a14:hiddenLine xmlns:a14="http://schemas.microsoft.com/office/drawing/2010/main" xmlns="" w="9525">
+              <a14:hiddenLine xmlns="" xmlns:a14="http://schemas.microsoft.com/office/drawing/2010/main" w="9525">
                 <a:solidFill>
                   <a:srgbClr val="000000"/>
                 </a:solidFill>
@@ -32313,7 +33058,7 @@
               <a:defRPr/>
             </a:pPr>
             <a:fld id="{DA2A2AB7-0D68-F246-A81D-87CD21846C56}" type="datetime1">
-              <a:t>12/11/16</a:t>
+              <a:t>1/10/17</a:t>
             </a:fld>
             <a:endParaRPr lang="en-US"/>
           </a:p>
@@ -32384,14 +33129,14 @@
           <a:ln/>
           <a:extLst>
             <a:ext uri="{909E8E84-426E-40dd-AFC4-6F175D3DCCD1}">
-              <a14:hiddenFill xmlns:a14="http://schemas.microsoft.com/office/drawing/2010/main" xmlns="">
+              <a14:hiddenFill xmlns="" xmlns:a14="http://schemas.microsoft.com/office/drawing/2010/main">
                 <a:solidFill>
                   <a:srgbClr val="FFFFFF"/>
                 </a:solidFill>
               </a14:hiddenFill>
             </a:ext>
             <a:ext uri="{91240B29-F687-4f45-9708-019B960494DF}">
-              <a14:hiddenLine xmlns:a14="http://schemas.microsoft.com/office/drawing/2010/main" xmlns="" w="9525">
+              <a14:hiddenLine xmlns="" xmlns:a14="http://schemas.microsoft.com/office/drawing/2010/main" w="9525">
                 <a:solidFill>
                   <a:srgbClr val="000000"/>
                 </a:solidFill>
@@ -33756,7 +34501,7 @@
               <a:pPr>
                 <a:defRPr/>
               </a:pPr>
-              <a:t>12/11/16</a:t>
+              <a:t>1/10/17</a:t>
             </a:fld>
             <a:endParaRPr lang="en-US"/>
           </a:p>
@@ -35379,14 +36124,14 @@
           <a:ln/>
           <a:extLst>
             <a:ext uri="{909E8E84-426E-40dd-AFC4-6F175D3DCCD1}">
-              <a14:hiddenFill xmlns:a14="http://schemas.microsoft.com/office/drawing/2010/main" xmlns="">
+              <a14:hiddenFill xmlns="" xmlns:a14="http://schemas.microsoft.com/office/drawing/2010/main">
                 <a:solidFill>
                   <a:srgbClr val="FFFFFF"/>
                 </a:solidFill>
               </a14:hiddenFill>
             </a:ext>
             <a:ext uri="{91240B29-F687-4f45-9708-019B960494DF}">
-              <a14:hiddenLine xmlns:a14="http://schemas.microsoft.com/office/drawing/2010/main" xmlns="" w="9525">
+              <a14:hiddenLine xmlns="" xmlns:a14="http://schemas.microsoft.com/office/drawing/2010/main" w="9525">
                 <a:solidFill>
                   <a:srgbClr val="000000"/>
                 </a:solidFill>
@@ -35580,7 +36325,7 @@
               <a:pPr>
                 <a:defRPr/>
               </a:pPr>
-              <a:t>12/11/16</a:t>
+              <a:t>1/10/17</a:t>
             </a:fld>
             <a:endParaRPr lang="en-US"/>
           </a:p>
@@ -36073,14 +36818,14 @@
           <a:ln/>
           <a:extLst>
             <a:ext uri="{909E8E84-426E-40dd-AFC4-6F175D3DCCD1}">
-              <a14:hiddenFill xmlns:a14="http://schemas.microsoft.com/office/drawing/2010/main" xmlns="">
+              <a14:hiddenFill xmlns="" xmlns:a14="http://schemas.microsoft.com/office/drawing/2010/main">
                 <a:solidFill>
                   <a:srgbClr val="FFFFFF"/>
                 </a:solidFill>
               </a14:hiddenFill>
             </a:ext>
             <a:ext uri="{91240B29-F687-4f45-9708-019B960494DF}">
-              <a14:hiddenLine xmlns:a14="http://schemas.microsoft.com/office/drawing/2010/main" xmlns="" w="9525">
+              <a14:hiddenLine xmlns="" xmlns:a14="http://schemas.microsoft.com/office/drawing/2010/main" w="9525">
                 <a:solidFill>
                   <a:srgbClr val="000000"/>
                 </a:solidFill>
@@ -36242,14 +36987,14 @@
           </a:ln>
           <a:extLst>
             <a:ext uri="{909E8E84-426E-40dd-AFC4-6F175D3DCCD1}">
-              <a14:hiddenFill xmlns:a14="http://schemas.microsoft.com/office/drawing/2010/main" xmlns="">
+              <a14:hiddenFill xmlns="" xmlns:a14="http://schemas.microsoft.com/office/drawing/2010/main">
                 <a:solidFill>
                   <a:srgbClr val="FFFFFF"/>
                 </a:solidFill>
               </a14:hiddenFill>
             </a:ext>
             <a:ext uri="{91240B29-F687-4f45-9708-019B960494DF}">
-              <a14:hiddenLine xmlns:a14="http://schemas.microsoft.com/office/drawing/2010/main" xmlns="" w="9525">
+              <a14:hiddenLine xmlns="" xmlns:a14="http://schemas.microsoft.com/office/drawing/2010/main" w="9525">
                 <a:solidFill>
                   <a:srgbClr val="000000"/>
                 </a:solidFill>
@@ -36305,14 +37050,14 @@
           </a:ln>
           <a:extLst>
             <a:ext uri="{909E8E84-426E-40dd-AFC4-6F175D3DCCD1}">
-              <a14:hiddenFill xmlns:a14="http://schemas.microsoft.com/office/drawing/2010/main" xmlns="">
+              <a14:hiddenFill xmlns="" xmlns:a14="http://schemas.microsoft.com/office/drawing/2010/main">
                 <a:solidFill>
                   <a:srgbClr val="FFFFFF"/>
                 </a:solidFill>
               </a14:hiddenFill>
             </a:ext>
             <a:ext uri="{91240B29-F687-4f45-9708-019B960494DF}">
-              <a14:hiddenLine xmlns:a14="http://schemas.microsoft.com/office/drawing/2010/main" xmlns="" w="9525">
+              <a14:hiddenLine xmlns="" xmlns:a14="http://schemas.microsoft.com/office/drawing/2010/main" w="9525">
                 <a:solidFill>
                   <a:srgbClr val="000000"/>
                 </a:solidFill>
@@ -36499,13 +37244,7 @@
               <a:rPr lang="en-US" sz="2000" dirty="0" smtClean="0">
                 <a:cs typeface="Times New Roman" charset="0"/>
               </a:rPr>
-              <a:t>c</a:t>
-            </a:r>
-            <a:r>
-              <a:rPr lang="en-US" sz="2000" dirty="0" smtClean="0">
-                <a:cs typeface="Times New Roman" charset="0"/>
-              </a:rPr>
-              <a:t>onnects the local software bus to one or more other </a:t>
+              <a:t>connects the local software bus to one or more other </a:t>
             </a:r>
             <a:r>
               <a:rPr lang="en-US" sz="2000" dirty="0" err="1" smtClean="0">
@@ -36523,13 +37262,7 @@
               <a:rPr lang="en-US" sz="2000" dirty="0" smtClean="0">
                 <a:cs typeface="Times New Roman" charset="0"/>
               </a:rPr>
-              <a:t>nodes </a:t>
-            </a:r>
-            <a:r>
-              <a:rPr lang="en-US" sz="2000" dirty="0" smtClean="0">
-                <a:cs typeface="Times New Roman" charset="0"/>
-              </a:rPr>
-              <a:t>(who are also running SBN) such </a:t>
+              <a:t>nodes (who are also running SBN) such </a:t>
             </a:r>
             <a:r>
               <a:rPr lang="en-US" sz="2000" dirty="0">
@@ -36682,19 +37415,7 @@
               <a:rPr lang="en-US" sz="2000" dirty="0" smtClean="0">
                 <a:cs typeface="Times New Roman" charset="0"/>
               </a:rPr>
-              <a:t> </a:t>
-            </a:r>
-            <a:r>
-              <a:rPr lang="en-US" sz="2000" dirty="0" smtClean="0">
-                <a:cs typeface="Times New Roman" charset="0"/>
-              </a:rPr>
-              <a:t>table-configured</a:t>
-            </a:r>
-            <a:r>
-              <a:rPr lang="en-US" sz="2000" dirty="0" smtClean="0">
-                <a:cs typeface="Times New Roman" charset="0"/>
-              </a:rPr>
-              <a:t>.)</a:t>
+              <a:t> table-configured.)</a:t>
             </a:r>
             <a:endParaRPr lang="en-US" sz="2000" dirty="0">
               <a:cs typeface="Times New Roman" charset="0"/>
@@ -36721,7 +37442,7 @@
               <a:defRPr/>
             </a:pPr>
             <a:fld id="{B90418B6-1B50-F34D-B458-B7530561AB98}" type="datetime1">
-              <a:t>12/11/16</a:t>
+              <a:t>1/10/17</a:t>
             </a:fld>
             <a:endParaRPr lang="en-US"/>
           </a:p>
@@ -36792,14 +37513,14 @@
           <a:ln/>
           <a:extLst>
             <a:ext uri="{909E8E84-426E-40dd-AFC4-6F175D3DCCD1}">
-              <a14:hiddenFill xmlns:a14="http://schemas.microsoft.com/office/drawing/2010/main" xmlns="">
+              <a14:hiddenFill xmlns="" xmlns:a14="http://schemas.microsoft.com/office/drawing/2010/main">
                 <a:solidFill>
                   <a:srgbClr val="FFFFFF"/>
                 </a:solidFill>
               </a14:hiddenFill>
             </a:ext>
             <a:ext uri="{91240B29-F687-4f45-9708-019B960494DF}">
-              <a14:hiddenLine xmlns:a14="http://schemas.microsoft.com/office/drawing/2010/main" xmlns="" w="9525">
+              <a14:hiddenLine xmlns="" xmlns:a14="http://schemas.microsoft.com/office/drawing/2010/main" w="9525">
                 <a:solidFill>
                   <a:srgbClr val="000000"/>
                 </a:solidFill>
@@ -36961,14 +37682,14 @@
           </a:ln>
           <a:extLst>
             <a:ext uri="{909E8E84-426E-40dd-AFC4-6F175D3DCCD1}">
-              <a14:hiddenFill xmlns:a14="http://schemas.microsoft.com/office/drawing/2010/main" xmlns="">
+              <a14:hiddenFill xmlns="" xmlns:a14="http://schemas.microsoft.com/office/drawing/2010/main">
                 <a:solidFill>
                   <a:srgbClr val="FFFFFF"/>
                 </a:solidFill>
               </a14:hiddenFill>
             </a:ext>
             <a:ext uri="{91240B29-F687-4f45-9708-019B960494DF}">
-              <a14:hiddenLine xmlns:a14="http://schemas.microsoft.com/office/drawing/2010/main" xmlns="" w="9525">
+              <a14:hiddenLine xmlns="" xmlns:a14="http://schemas.microsoft.com/office/drawing/2010/main" w="9525">
                 <a:solidFill>
                   <a:srgbClr val="000000"/>
                 </a:solidFill>
@@ -37013,7 +37734,7 @@
         <p:spPr bwMode="auto">
           <a:xfrm>
             <a:off x="609600" y="1358900"/>
-            <a:ext cx="7848600" cy="4324261"/>
+            <a:ext cx="7848600" cy="4939814"/>
           </a:xfrm>
           <a:prstGeom prst="rect">
             <a:avLst/>
@@ -37024,14 +37745,14 @@
           </a:ln>
           <a:extLst>
             <a:ext uri="{909E8E84-426E-40dd-AFC4-6F175D3DCCD1}">
-              <a14:hiddenFill xmlns:a14="http://schemas.microsoft.com/office/drawing/2010/main" xmlns="">
+              <a14:hiddenFill xmlns="" xmlns:a14="http://schemas.microsoft.com/office/drawing/2010/main">
                 <a:solidFill>
                   <a:srgbClr val="FFFFFF"/>
                 </a:solidFill>
               </a14:hiddenFill>
             </a:ext>
             <a:ext uri="{91240B29-F687-4f45-9708-019B960494DF}">
-              <a14:hiddenLine xmlns:a14="http://schemas.microsoft.com/office/drawing/2010/main" xmlns="" w="9525">
+              <a14:hiddenLine xmlns="" xmlns:a14="http://schemas.microsoft.com/office/drawing/2010/main" w="9525">
                 <a:solidFill>
                   <a:srgbClr val="000000"/>
                 </a:solidFill>
@@ -37296,7 +38017,7 @@
             </a:r>
             <a:r>
               <a:rPr lang="en-US" sz="2000" dirty="0" smtClean="0"/>
-              <a:t>uses a task for each peer for receiving messages from the peer and publishing it on the local SB.</a:t>
+              <a:t>receives messages from peers (either via “select” polling or per-peer task, compile-time configurable) and publishes the messages locally.</a:t>
             </a:r>
           </a:p>
           <a:p>
@@ -37311,17 +38032,9 @@
             </a:r>
             <a:r>
               <a:rPr lang="en-US" sz="2000" dirty="0" smtClean="0"/>
-              <a:t>polls local pipes periodically (via </a:t>
+              <a:t>gets messages for peers from the SB (either via “polling” or per-peer task, compile-time configurable) and sends the messages to peers.</a:t>
             </a:r>
-            <a:r>
-              <a:rPr lang="en-US" sz="2000" dirty="0"/>
-              <a:t>SCH </a:t>
-            </a:r>
-            <a:r>
-              <a:rPr lang="en-US" sz="2000" dirty="0" smtClean="0"/>
-              <a:t>command and/or timeout) for messages to send out to peers.</a:t>
-            </a:r>
-            <a:endParaRPr lang="en-US" sz="2000" dirty="0"/>
+            <a:endParaRPr lang="en-US" sz="2000" dirty="0" smtClean="0"/>
           </a:p>
           <a:p>
             <a:pPr marL="0" indent="0" algn="l">
@@ -37330,16 +38043,16 @@
               </a:spcBef>
             </a:pPr>
             <a:r>
-              <a:rPr lang="en-US" sz="2000" dirty="0">
+              <a:rPr lang="en-US" sz="2000" dirty="0" smtClean="0">
                 <a:cs typeface="Times New Roman" charset="0"/>
               </a:rPr>
-              <a:t>.</a:t>
+              <a:t>...</a:t>
             </a:r>
             <a:r>
               <a:rPr lang="en-US" sz="2000" dirty="0" smtClean="0">
                 <a:cs typeface="Times New Roman" charset="0"/>
               </a:rPr>
-              <a:t>..Ensures </a:t>
+              <a:t>Ensures </a:t>
             </a:r>
             <a:r>
               <a:rPr lang="en-US" sz="2000" dirty="0">
@@ -37369,7 +38082,7 @@
               <a:defRPr/>
             </a:pPr>
             <a:fld id="{B90418B6-1B50-F34D-B458-B7530561AB98}" type="datetime1">
-              <a:t>12/11/16</a:t>
+              <a:t>1/10/17</a:t>
             </a:fld>
             <a:endParaRPr lang="en-US"/>
           </a:p>
@@ -37445,14 +38158,14 @@
           <a:ln/>
           <a:extLst>
             <a:ext uri="{909E8E84-426E-40dd-AFC4-6F175D3DCCD1}">
-              <a14:hiddenFill xmlns:a14="http://schemas.microsoft.com/office/drawing/2010/main" xmlns="">
+              <a14:hiddenFill xmlns="" xmlns:a14="http://schemas.microsoft.com/office/drawing/2010/main">
                 <a:solidFill>
                   <a:srgbClr val="FFFFFF"/>
                 </a:solidFill>
               </a14:hiddenFill>
             </a:ext>
             <a:ext uri="{91240B29-F687-4f45-9708-019B960494DF}">
-              <a14:hiddenLine xmlns:a14="http://schemas.microsoft.com/office/drawing/2010/main" xmlns="" w="9525">
+              <a14:hiddenLine xmlns="" xmlns:a14="http://schemas.microsoft.com/office/drawing/2010/main" w="9525">
                 <a:solidFill>
                   <a:srgbClr val="000000"/>
                 </a:solidFill>
@@ -37614,14 +38327,14 @@
           </a:ln>
           <a:extLst>
             <a:ext uri="{909E8E84-426E-40dd-AFC4-6F175D3DCCD1}">
-              <a14:hiddenFill xmlns:a14="http://schemas.microsoft.com/office/drawing/2010/main" xmlns="">
+              <a14:hiddenFill xmlns="" xmlns:a14="http://schemas.microsoft.com/office/drawing/2010/main">
                 <a:solidFill>
                   <a:srgbClr val="FFFFFF"/>
                 </a:solidFill>
               </a14:hiddenFill>
             </a:ext>
             <a:ext uri="{91240B29-F687-4f45-9708-019B960494DF}">
-              <a14:hiddenLine xmlns:a14="http://schemas.microsoft.com/office/drawing/2010/main" xmlns="" w="9525">
+              <a14:hiddenLine xmlns="" xmlns:a14="http://schemas.microsoft.com/office/drawing/2010/main" w="9525">
                 <a:solidFill>
                   <a:srgbClr val="000000"/>
                 </a:solidFill>
@@ -37831,7 +38544,7 @@
               <a:defRPr/>
             </a:pPr>
             <a:fld id="{05B289AB-880F-764B-B46B-97A10573CB72}" type="datetime1">
-              <a:t>12/11/16</a:t>
+              <a:t>1/10/17</a:t>
             </a:fld>
             <a:endParaRPr lang="en-US"/>
           </a:p>
@@ -37871,14 +38584,14 @@
           <p:nvPr>
             <p:extLst>
               <p:ext uri="{D42A27DB-BD31-4B8C-83A1-F6EECF244321}">
-                <p14:modId xmlns:p14="http://schemas.microsoft.com/office/powerpoint/2010/main" val="1264817296"/>
+                <p14:modId xmlns:p14="http://schemas.microsoft.com/office/powerpoint/2010/main" val="512769467"/>
               </p:ext>
             </p:extLst>
           </p:nvPr>
         </p:nvGraphicFramePr>
         <p:xfrm>
           <a:off x="552691" y="1090714"/>
-          <a:ext cx="8063870" cy="4801812"/>
+          <a:ext cx="8063870" cy="4222692"/>
         </p:xfrm>
         <a:graphic>
           <a:graphicData uri="http://schemas.openxmlformats.org/drawingml/2006/table">
@@ -38118,11 +38831,23 @@
                     <a:p>
                       <a:r>
                         <a:rPr lang="en-US" sz="1600" b="0" dirty="0" smtClean="0"/>
-                        <a:t>Improvements</a:t>
+                        <a:t>Some</a:t>
                       </a:r>
                       <a:r>
                         <a:rPr lang="en-US" sz="1600" b="0" baseline="0" dirty="0" smtClean="0"/>
-                        <a:t> already implemented. P</a:t>
+                        <a:t> i</a:t>
+                      </a:r>
+                      <a:r>
+                        <a:rPr lang="en-US" sz="1600" b="0" dirty="0" smtClean="0"/>
+                        <a:t>mprovements</a:t>
+                      </a:r>
+                      <a:r>
+                        <a:rPr lang="en-US" sz="1600" b="0" baseline="0" dirty="0" smtClean="0"/>
+                        <a:t> already. </a:t>
+                      </a:r>
+                      <a:r>
+                        <a:rPr lang="en-US" sz="1600" b="0" baseline="0" dirty="0" smtClean="0"/>
+                        <a:t>P</a:t>
                       </a:r>
                       <a:r>
                         <a:rPr lang="en-US" sz="1600" b="0" dirty="0" smtClean="0"/>
@@ -38728,147 +39453,6 @@
                       <a:r>
                         <a:rPr lang="en-US" sz="1600" b="0" baseline="0" dirty="0" smtClean="0"/>
                         <a:t> a guarantee of delivery windowing logic.</a:t>
-                      </a:r>
-                      <a:endParaRPr lang="en-US" sz="1600" b="0" dirty="0"/>
-                    </a:p>
-                  </a:txBody>
-                  <a:tcPr>
-                    <a:lnL w="12700" cap="flat" cmpd="sng" algn="ctr">
-                      <a:solidFill>
-                        <a:scrgbClr r="0" g="0" b="0"/>
-                      </a:solidFill>
-                      <a:prstDash val="solid"/>
-                      <a:round/>
-                      <a:headEnd type="none" w="med" len="med"/>
-                      <a:tailEnd type="none" w="med" len="med"/>
-                    </a:lnL>
-                    <a:lnR w="12700" cap="flat" cmpd="sng" algn="ctr">
-                      <a:solidFill>
-                        <a:scrgbClr r="0" g="0" b="0"/>
-                      </a:solidFill>
-                      <a:prstDash val="solid"/>
-                      <a:round/>
-                      <a:headEnd type="none" w="med" len="med"/>
-                      <a:tailEnd type="none" w="med" len="med"/>
-                    </a:lnR>
-                    <a:lnT w="12700" cap="flat" cmpd="sng" algn="ctr">
-                      <a:solidFill>
-                        <a:scrgbClr r="0" g="0" b="0"/>
-                      </a:solidFill>
-                      <a:prstDash val="solid"/>
-                      <a:round/>
-                      <a:headEnd type="none" w="med" len="med"/>
-                      <a:tailEnd type="none" w="med" len="med"/>
-                    </a:lnT>
-                    <a:lnB w="12700" cap="flat" cmpd="sng" algn="ctr">
-                      <a:solidFill>
-                        <a:scrgbClr r="0" g="0" b="0"/>
-                      </a:solidFill>
-                      <a:prstDash val="solid"/>
-                      <a:round/>
-                      <a:headEnd type="none" w="med" len="med"/>
-                      <a:tailEnd type="none" w="med" len="med"/>
-                    </a:lnB>
-                    <a:solidFill>
-                      <a:schemeClr val="bg1"/>
-                    </a:solidFill>
-                  </a:tcPr>
-                </a:tc>
-              </a:tr>
-              <a:tr h="432998">
-                <a:tc>
-                  <a:txBody>
-                    <a:bodyPr/>
-                    <a:lstStyle/>
-                    <a:p>
-                      <a:pPr marL="0" marR="0" indent="0" algn="l" defTabSz="457200" rtl="0" eaLnBrk="1" fontAlgn="auto" latinLnBrk="0" hangingPunct="1">
-                        <a:lnSpc>
-                          <a:spcPct val="100000"/>
-                        </a:lnSpc>
-                        <a:spcBef>
-                          <a:spcPts val="0"/>
-                        </a:spcBef>
-                        <a:spcAft>
-                          <a:spcPts val="0"/>
-                        </a:spcAft>
-                        <a:buClrTx/>
-                        <a:buSzTx/>
-                        <a:buFontTx/>
-                        <a:buNone/>
-                        <a:tabLst/>
-                        <a:defRPr/>
-                      </a:pPr>
-                      <a:r>
-                        <a:rPr lang="en-US" sz="1600" b="0" dirty="0" smtClean="0">
-                          <a:cs typeface="Times New Roman" charset="0"/>
-                        </a:rPr>
-                        <a:t>SBN “polls” network connections</a:t>
-                      </a:r>
-                      <a:r>
-                        <a:rPr lang="en-US" sz="1600" b="0" baseline="0" dirty="0" smtClean="0">
-                          <a:cs typeface="Times New Roman" charset="0"/>
-                        </a:rPr>
-                        <a:t> set in NO_WAIT, per SCH wakeup.</a:t>
-                      </a:r>
-                      <a:endParaRPr lang="en-US" sz="1600" b="0" dirty="0">
-                        <a:cs typeface="Times New Roman" charset="0"/>
-                      </a:endParaRPr>
-                    </a:p>
-                  </a:txBody>
-                  <a:tcPr>
-                    <a:lnL w="12700" cap="flat" cmpd="sng" algn="ctr">
-                      <a:solidFill>
-                        <a:scrgbClr r="0" g="0" b="0"/>
-                      </a:solidFill>
-                      <a:prstDash val="solid"/>
-                      <a:round/>
-                      <a:headEnd type="none" w="med" len="med"/>
-                      <a:tailEnd type="none" w="med" len="med"/>
-                    </a:lnL>
-                    <a:lnR w="12700" cap="flat" cmpd="sng" algn="ctr">
-                      <a:solidFill>
-                        <a:scrgbClr r="0" g="0" b="0"/>
-                      </a:solidFill>
-                      <a:prstDash val="solid"/>
-                      <a:round/>
-                      <a:headEnd type="none" w="med" len="med"/>
-                      <a:tailEnd type="none" w="med" len="med"/>
-                    </a:lnR>
-                    <a:lnT w="12700" cap="flat" cmpd="sng" algn="ctr">
-                      <a:solidFill>
-                        <a:scrgbClr r="0" g="0" b="0"/>
-                      </a:solidFill>
-                      <a:prstDash val="solid"/>
-                      <a:round/>
-                      <a:headEnd type="none" w="med" len="med"/>
-                      <a:tailEnd type="none" w="med" len="med"/>
-                    </a:lnT>
-                    <a:lnB w="12700" cap="flat" cmpd="sng" algn="ctr">
-                      <a:solidFill>
-                        <a:scrgbClr r="0" g="0" b="0"/>
-                      </a:solidFill>
-                      <a:prstDash val="solid"/>
-                      <a:round/>
-                      <a:headEnd type="none" w="med" len="med"/>
-                      <a:tailEnd type="none" w="med" len="med"/>
-                    </a:lnB>
-                    <a:solidFill>
-                      <a:schemeClr val="bg1"/>
-                    </a:solidFill>
-                  </a:tcPr>
-                </a:tc>
-                <a:tc>
-                  <a:txBody>
-                    <a:bodyPr/>
-                    <a:lstStyle/>
-                    <a:p>
-                      <a:r>
-                        <a:rPr lang="en-US" sz="1600" b="0" dirty="0" smtClean="0"/>
-                        <a:t>Task-based</a:t>
-                      </a:r>
-                      <a:r>
-                        <a:rPr lang="en-US" sz="1600" b="0" baseline="0" dirty="0" smtClean="0"/>
-                        <a:t> SBN implemented but not merged (wise for RT?) Could use select().</a:t>
                       </a:r>
                       <a:endParaRPr lang="en-US" sz="1600" b="0" dirty="0"/>
                     </a:p>
@@ -39173,14 +39757,14 @@
           </a:ln>
           <a:extLst>
             <a:ext uri="{909E8E84-426E-40dd-AFC4-6F175D3DCCD1}">
-              <a14:hiddenFill xmlns:a14="http://schemas.microsoft.com/office/drawing/2010/main" xmlns="">
+              <a14:hiddenFill xmlns="" xmlns:a14="http://schemas.microsoft.com/office/drawing/2010/main">
                 <a:solidFill>
                   <a:srgbClr val="FFFFFF"/>
                 </a:solidFill>
               </a14:hiddenFill>
             </a:ext>
             <a:ext uri="{91240B29-F687-4f45-9708-019B960494DF}">
-              <a14:hiddenLine xmlns:a14="http://schemas.microsoft.com/office/drawing/2010/main" xmlns="" w="9525">
+              <a14:hiddenLine xmlns="" xmlns:a14="http://schemas.microsoft.com/office/drawing/2010/main" w="9525">
                 <a:solidFill>
                   <a:srgbClr val="000000"/>
                 </a:solidFill>
@@ -39373,7 +39957,7 @@
           </a:ln>
           <a:extLst>
             <a:ext uri="{909E8E84-426E-40dd-AFC4-6F175D3DCCD1}">
-              <a14:hiddenFill xmlns:a14="http://schemas.microsoft.com/office/drawing/2010/main" xmlns="">
+              <a14:hiddenFill xmlns="" xmlns:a14="http://schemas.microsoft.com/office/drawing/2010/main">
                 <a:noFill/>
               </a14:hiddenFill>
             </a:ext>
@@ -39604,7 +40188,7 @@
               <a:defRPr/>
             </a:pPr>
             <a:fld id="{E4B56D29-4AFD-2543-B780-B0364A4E64D6}" type="datetime1">
-              <a:t>12/11/16</a:t>
+              <a:t>1/10/17</a:t>
             </a:fld>
             <a:endParaRPr lang="en-US"/>
           </a:p>
@@ -39650,14 +40234,14 @@
           <a:ln/>
           <a:extLst>
             <a:ext uri="{909E8E84-426E-40dd-AFC4-6F175D3DCCD1}">
-              <a14:hiddenFill xmlns:a14="http://schemas.microsoft.com/office/drawing/2010/main" xmlns="">
+              <a14:hiddenFill xmlns="" xmlns:a14="http://schemas.microsoft.com/office/drawing/2010/main">
                 <a:solidFill>
                   <a:srgbClr val="FFFFFF"/>
                 </a:solidFill>
               </a14:hiddenFill>
             </a:ext>
             <a:ext uri="{91240B29-F687-4f45-9708-019B960494DF}">
-              <a14:hiddenLine xmlns:a14="http://schemas.microsoft.com/office/drawing/2010/main" xmlns="" w="9525">
+              <a14:hiddenLine xmlns="" xmlns:a14="http://schemas.microsoft.com/office/drawing/2010/main" w="9525">
                 <a:solidFill>
                   <a:srgbClr val="000000"/>
                 </a:solidFill>
@@ -41162,14 +41746,14 @@
           <a:ln/>
           <a:extLst>
             <a:ext uri="{909E8E84-426E-40dd-AFC4-6F175D3DCCD1}">
-              <a14:hiddenFill xmlns:a14="http://schemas.microsoft.com/office/drawing/2010/main" xmlns="">
+              <a14:hiddenFill xmlns="" xmlns:a14="http://schemas.microsoft.com/office/drawing/2010/main">
                 <a:solidFill>
                   <a:srgbClr val="FFFFFF"/>
                 </a:solidFill>
               </a14:hiddenFill>
             </a:ext>
             <a:ext uri="{91240B29-F687-4f45-9708-019B960494DF}">
-              <a14:hiddenLine xmlns:a14="http://schemas.microsoft.com/office/drawing/2010/main" xmlns="" w="9525">
+              <a14:hiddenLine xmlns="" xmlns:a14="http://schemas.microsoft.com/office/drawing/2010/main" w="9525">
                 <a:solidFill>
                   <a:srgbClr val="000000"/>
                 </a:solidFill>
@@ -41328,7 +41912,7 @@
               <a:defRPr/>
             </a:pPr>
             <a:fld id="{B58AE35B-4B8A-B14C-A608-7A3AEEBA245B}" type="datetime1">
-              <a:t>12/11/16</a:t>
+              <a:t>1/10/17</a:t>
             </a:fld>
             <a:endParaRPr lang="en-US"/>
           </a:p>
@@ -43459,14 +44043,14 @@
           <a:ln/>
           <a:extLst>
             <a:ext uri="{909E8E84-426E-40dd-AFC4-6F175D3DCCD1}">
-              <a14:hiddenFill xmlns:a14="http://schemas.microsoft.com/office/drawing/2010/main" xmlns="">
+              <a14:hiddenFill xmlns="" xmlns:a14="http://schemas.microsoft.com/office/drawing/2010/main">
                 <a:solidFill>
                   <a:srgbClr val="FFFFFF"/>
                 </a:solidFill>
               </a14:hiddenFill>
             </a:ext>
             <a:ext uri="{91240B29-F687-4f45-9708-019B960494DF}">
-              <a14:hiddenLine xmlns:a14="http://schemas.microsoft.com/office/drawing/2010/main" xmlns="" w="9525">
+              <a14:hiddenLine xmlns="" xmlns:a14="http://schemas.microsoft.com/office/drawing/2010/main" w="9525">
                 <a:solidFill>
                   <a:srgbClr val="000000"/>
                 </a:solidFill>
@@ -43625,7 +44209,7 @@
               <a:defRPr/>
             </a:pPr>
             <a:fld id="{B58AE35B-4B8A-B14C-A608-7A3AEEBA245B}" type="datetime1">
-              <a:t>12/11/16</a:t>
+              <a:t>1/10/17</a:t>
             </a:fld>
             <a:endParaRPr lang="en-US"/>
           </a:p>
@@ -45540,14 +46124,14 @@
           <a:effectLst/>
           <a:extLst>
             <a:ext uri="{909E8E84-426E-40dd-AFC4-6F175D3DCCD1}">
-              <a14:hiddenFill xmlns:a14="http://schemas.microsoft.com/office/drawing/2010/main" xmlns="">
+              <a14:hiddenFill xmlns="" xmlns:a14="http://schemas.microsoft.com/office/drawing/2010/main">
                 <a:solidFill>
                   <a:srgbClr val="FFFFFF"/>
                 </a:solidFill>
               </a14:hiddenFill>
             </a:ext>
             <a:ext uri="{91240B29-F687-4f45-9708-019B960494DF}">
-              <a14:hiddenLine xmlns:a14="http://schemas.microsoft.com/office/drawing/2010/main" xmlns="" w="9525">
+              <a14:hiddenLine xmlns="" xmlns:a14="http://schemas.microsoft.com/office/drawing/2010/main" w="9525">
                 <a:solidFill>
                   <a:srgbClr val="000000"/>
                 </a:solidFill>
@@ -45708,7 +46292,7 @@
               <a:defRPr/>
             </a:pPr>
             <a:fld id="{B58AE35B-4B8A-B14C-A608-7A3AEEBA245B}" type="datetime1">
-              <a:t>12/11/16</a:t>
+              <a:t>1/10/17</a:t>
             </a:fld>
             <a:endParaRPr lang="en-US"/>
           </a:p>
@@ -46879,14 +47463,14 @@
           <a:ln/>
           <a:extLst>
             <a:ext uri="{909E8E84-426E-40dd-AFC4-6F175D3DCCD1}">
-              <a14:hiddenFill xmlns:a14="http://schemas.microsoft.com/office/drawing/2010/main" xmlns="">
+              <a14:hiddenFill xmlns="" xmlns:a14="http://schemas.microsoft.com/office/drawing/2010/main">
                 <a:solidFill>
                   <a:srgbClr val="FFFFFF"/>
                 </a:solidFill>
               </a14:hiddenFill>
             </a:ext>
             <a:ext uri="{91240B29-F687-4f45-9708-019B960494DF}">
-              <a14:hiddenLine xmlns:a14="http://schemas.microsoft.com/office/drawing/2010/main" xmlns="" w="9525">
+              <a14:hiddenLine xmlns="" xmlns:a14="http://schemas.microsoft.com/office/drawing/2010/main" w="9525">
                 <a:solidFill>
                   <a:srgbClr val="000000"/>
                 </a:solidFill>
@@ -48402,7 +48986,7 @@
               <a:pPr>
                 <a:defRPr/>
               </a:pPr>
-              <a:t>12/11/16</a:t>
+              <a:t>1/10/17</a:t>
             </a:fld>
             <a:endParaRPr lang="en-US"/>
           </a:p>
